--- a/fig/EstimationFigures.pptx
+++ b/fig/EstimationFigures.pptx
@@ -5,7 +5,8 @@
     <p:sldMasterId id="2147483648" r:id="rId1"/>
   </p:sldMasterIdLst>
   <p:sldIdLst>
-    <p:sldId id="256" r:id="rId2"/>
+    <p:sldId id="257" r:id="rId2"/>
+    <p:sldId id="258" r:id="rId3"/>
   </p:sldIdLst>
   <p:sldSz cx="9144000" cy="6858000" type="screen4x3"/>
   <p:notesSz cx="6858000" cy="9144000"/>
@@ -288,7 +289,7 @@
           <a:p>
             <a:fld id="{23031417-08DC-4991-BA64-45FCA174C9D0}" type="datetimeFigureOut">
               <a:rPr lang="en-AU" smtClean="0"/>
-              <a:t>19/09/2013</a:t>
+              <a:t>20/09/2013</a:t>
             </a:fld>
             <a:endParaRPr lang="en-AU"/>
           </a:p>
@@ -458,7 +459,7 @@
           <a:p>
             <a:fld id="{23031417-08DC-4991-BA64-45FCA174C9D0}" type="datetimeFigureOut">
               <a:rPr lang="en-AU" smtClean="0"/>
-              <a:t>19/09/2013</a:t>
+              <a:t>20/09/2013</a:t>
             </a:fld>
             <a:endParaRPr lang="en-AU"/>
           </a:p>
@@ -638,7 +639,7 @@
           <a:p>
             <a:fld id="{23031417-08DC-4991-BA64-45FCA174C9D0}" type="datetimeFigureOut">
               <a:rPr lang="en-AU" smtClean="0"/>
-              <a:t>19/09/2013</a:t>
+              <a:t>20/09/2013</a:t>
             </a:fld>
             <a:endParaRPr lang="en-AU"/>
           </a:p>
@@ -808,7 +809,7 @@
           <a:p>
             <a:fld id="{23031417-08DC-4991-BA64-45FCA174C9D0}" type="datetimeFigureOut">
               <a:rPr lang="en-AU" smtClean="0"/>
-              <a:t>19/09/2013</a:t>
+              <a:t>20/09/2013</a:t>
             </a:fld>
             <a:endParaRPr lang="en-AU"/>
           </a:p>
@@ -1054,7 +1055,7 @@
           <a:p>
             <a:fld id="{23031417-08DC-4991-BA64-45FCA174C9D0}" type="datetimeFigureOut">
               <a:rPr lang="en-AU" smtClean="0"/>
-              <a:t>19/09/2013</a:t>
+              <a:t>20/09/2013</a:t>
             </a:fld>
             <a:endParaRPr lang="en-AU"/>
           </a:p>
@@ -1342,7 +1343,7 @@
           <a:p>
             <a:fld id="{23031417-08DC-4991-BA64-45FCA174C9D0}" type="datetimeFigureOut">
               <a:rPr lang="en-AU" smtClean="0"/>
-              <a:t>19/09/2013</a:t>
+              <a:t>20/09/2013</a:t>
             </a:fld>
             <a:endParaRPr lang="en-AU"/>
           </a:p>
@@ -1764,7 +1765,7 @@
           <a:p>
             <a:fld id="{23031417-08DC-4991-BA64-45FCA174C9D0}" type="datetimeFigureOut">
               <a:rPr lang="en-AU" smtClean="0"/>
-              <a:t>19/09/2013</a:t>
+              <a:t>20/09/2013</a:t>
             </a:fld>
             <a:endParaRPr lang="en-AU"/>
           </a:p>
@@ -1882,7 +1883,7 @@
           <a:p>
             <a:fld id="{23031417-08DC-4991-BA64-45FCA174C9D0}" type="datetimeFigureOut">
               <a:rPr lang="en-AU" smtClean="0"/>
-              <a:t>19/09/2013</a:t>
+              <a:t>20/09/2013</a:t>
             </a:fld>
             <a:endParaRPr lang="en-AU"/>
           </a:p>
@@ -1977,7 +1978,7 @@
           <a:p>
             <a:fld id="{23031417-08DC-4991-BA64-45FCA174C9D0}" type="datetimeFigureOut">
               <a:rPr lang="en-AU" smtClean="0"/>
-              <a:t>19/09/2013</a:t>
+              <a:t>20/09/2013</a:t>
             </a:fld>
             <a:endParaRPr lang="en-AU"/>
           </a:p>
@@ -2254,7 +2255,7 @@
           <a:p>
             <a:fld id="{23031417-08DC-4991-BA64-45FCA174C9D0}" type="datetimeFigureOut">
               <a:rPr lang="en-AU" smtClean="0"/>
-              <a:t>19/09/2013</a:t>
+              <a:t>20/09/2013</a:t>
             </a:fld>
             <a:endParaRPr lang="en-AU"/>
           </a:p>
@@ -2507,7 +2508,7 @@
           <a:p>
             <a:fld id="{23031417-08DC-4991-BA64-45FCA174C9D0}" type="datetimeFigureOut">
               <a:rPr lang="en-AU" smtClean="0"/>
-              <a:t>19/09/2013</a:t>
+              <a:t>20/09/2013</a:t>
             </a:fld>
             <a:endParaRPr lang="en-AU"/>
           </a:p>
@@ -2720,7 +2721,7 @@
           <a:p>
             <a:fld id="{23031417-08DC-4991-BA64-45FCA174C9D0}" type="datetimeFigureOut">
               <a:rPr lang="en-AU" smtClean="0"/>
-              <a:t>19/09/2013</a:t>
+              <a:t>20/09/2013</a:t>
             </a:fld>
             <a:endParaRPr lang="en-AU"/>
           </a:p>
@@ -3095,15 +3096,469 @@
           <a:chExt cx="0" cy="0"/>
         </a:xfrm>
       </p:grpSpPr>
-      <p:sp>
-        <p:nvSpPr>
-          <p:cNvPr id="4" name="TextBox 3"/>
+      <p:grpSp>
+        <p:nvGrpSpPr>
+          <p:cNvPr id="2" name="Group 1"/>
+          <p:cNvGrpSpPr/>
+          <p:nvPr/>
+        </p:nvGrpSpPr>
+        <p:grpSpPr>
+          <a:xfrm>
+            <a:off x="-36512" y="404664"/>
+            <a:ext cx="2880000" cy="5403660"/>
+            <a:chOff x="0" y="0"/>
+            <a:chExt cx="2880000" cy="5403660"/>
+          </a:xfrm>
+        </p:grpSpPr>
+        <p:grpSp>
+          <p:nvGrpSpPr>
+            <p:cNvPr id="6" name="Group 5"/>
+            <p:cNvGrpSpPr/>
+            <p:nvPr/>
+          </p:nvGrpSpPr>
+          <p:grpSpPr>
+            <a:xfrm>
+              <a:off x="0" y="0"/>
+              <a:ext cx="2880000" cy="5403660"/>
+              <a:chOff x="0" y="0"/>
+              <a:chExt cx="2880000" cy="5403660"/>
+            </a:xfrm>
+          </p:grpSpPr>
+          <p:pic>
+            <p:nvPicPr>
+              <p:cNvPr id="1026" name="Picture 2"/>
+              <p:cNvPicPr>
+                <a:picLocks noChangeAspect="1" noChangeArrowheads="1"/>
+              </p:cNvPicPr>
+              <p:nvPr/>
+            </p:nvPicPr>
+            <p:blipFill>
+              <a:blip r:embed="rId2" cstate="print">
+                <a:extLst>
+                  <a:ext uri="{28A0092B-C50C-407E-A947-70E740481C1C}">
+                    <a14:useLocalDpi xmlns:a14="http://schemas.microsoft.com/office/drawing/2010/main" val="0"/>
+                  </a:ext>
+                </a:extLst>
+              </a:blip>
+              <a:srcRect/>
+              <a:stretch>
+                <a:fillRect/>
+              </a:stretch>
+            </p:blipFill>
+            <p:spPr bwMode="auto">
+              <a:xfrm>
+                <a:off x="0" y="0"/>
+                <a:ext cx="2880000" cy="3834000"/>
+              </a:xfrm>
+              <a:prstGeom prst="rect">
+                <a:avLst/>
+              </a:prstGeom>
+              <a:noFill/>
+              <a:ln>
+                <a:noFill/>
+              </a:ln>
+              <a:extLst>
+                <a:ext uri="{909E8E84-426E-40DD-AFC4-6F175D3DCCD1}">
+                  <a14:hiddenFill xmlns:a14="http://schemas.microsoft.com/office/drawing/2010/main">
+                    <a:solidFill>
+                      <a:schemeClr val="accent1"/>
+                    </a:solidFill>
+                  </a14:hiddenFill>
+                </a:ext>
+                <a:ext uri="{91240B29-F687-4F45-9708-019B960494DF}">
+                  <a14:hiddenLine xmlns:a14="http://schemas.microsoft.com/office/drawing/2010/main" w="9525">
+                    <a:solidFill>
+                      <a:schemeClr val="tx1"/>
+                    </a:solidFill>
+                    <a:miter lim="800000"/>
+                    <a:headEnd/>
+                    <a:tailEnd/>
+                  </a14:hiddenLine>
+                </a:ext>
+              </a:extLst>
+            </p:spPr>
+          </p:pic>
+          <p:sp>
+            <p:nvSpPr>
+              <p:cNvPr id="4" name="TextBox 3"/>
+              <p:cNvSpPr txBox="1"/>
+              <p:nvPr/>
+            </p:nvSpPr>
+            <p:spPr>
+              <a:xfrm>
+                <a:off x="107504" y="3834000"/>
+                <a:ext cx="2664296" cy="1569660"/>
+              </a:xfrm>
+              <a:prstGeom prst="rect">
+                <a:avLst/>
+              </a:prstGeom>
+              <a:noFill/>
+            </p:spPr>
+            <p:txBody>
+              <a:bodyPr wrap="square" rtlCol="0">
+                <a:spAutoFit/>
+              </a:bodyPr>
+              <a:lstStyle/>
+              <a:p>
+                <a:r>
+                  <a:rPr lang="en-AU" sz="800" dirty="0" smtClean="0">
+                    <a:latin typeface="Arial" panose="020B0604020202020204" pitchFamily="34" charset="0"/>
+                    <a:cs typeface="Arial" panose="020B0604020202020204" pitchFamily="34" charset="0"/>
+                  </a:rPr>
+                  <a:t>Figure 1. Results from the estimation of four seizures from the same animal. In Figure A the first seizure estimated is demonstrated. For this seizure, and all other seizures estimated the transition to </a:t>
+                </a:r>
+                <a:r>
+                  <a:rPr lang="en-AU" sz="800" dirty="0" err="1" smtClean="0">
+                    <a:latin typeface="Arial" panose="020B0604020202020204" pitchFamily="34" charset="0"/>
+                    <a:cs typeface="Arial" panose="020B0604020202020204" pitchFamily="34" charset="0"/>
+                  </a:rPr>
+                  <a:t>ictal</a:t>
+                </a:r>
+                <a:r>
+                  <a:rPr lang="en-AU" sz="800" dirty="0" smtClean="0">
+                    <a:latin typeface="Arial" panose="020B0604020202020204" pitchFamily="34" charset="0"/>
+                    <a:cs typeface="Arial" panose="020B0604020202020204" pitchFamily="34" charset="0"/>
+                  </a:rPr>
+                  <a:t> occurs at 0s, and end at the dotted line with the same colour as the estimated data. In Figure B,C and D the estimated synaptic gains for excitatory, slow inhibitory and fast inhibitory populations are demonstrated, with each colour corresponding to the results from a different seizure. Lastly, in Figure E the estimated input mean to the model cortical region is demonstrated.</a:t>
+                </a:r>
+                <a:endParaRPr lang="en-AU" sz="800" dirty="0">
+                  <a:latin typeface="Arial" panose="020B0604020202020204" pitchFamily="34" charset="0"/>
+                  <a:cs typeface="Arial" panose="020B0604020202020204" pitchFamily="34" charset="0"/>
+                </a:endParaRPr>
+              </a:p>
+            </p:txBody>
+          </p:sp>
+        </p:grpSp>
+        <p:sp>
+          <p:nvSpPr>
+            <p:cNvPr id="5" name="TextBox 4"/>
+            <p:cNvSpPr txBox="1"/>
+            <p:nvPr/>
+          </p:nvSpPr>
+          <p:spPr>
+            <a:xfrm>
+              <a:off x="35496" y="188640"/>
+              <a:ext cx="295274" cy="276999"/>
+            </a:xfrm>
+            <a:prstGeom prst="rect">
+              <a:avLst/>
+            </a:prstGeom>
+            <a:noFill/>
+          </p:spPr>
+          <p:txBody>
+            <a:bodyPr wrap="none" rtlCol="0">
+              <a:spAutoFit/>
+            </a:bodyPr>
+            <a:lstStyle/>
+            <a:p>
+              <a:r>
+                <a:rPr lang="en-AU" sz="1200" b="1" dirty="0" smtClean="0">
+                  <a:latin typeface="Arial" panose="020B0604020202020204" pitchFamily="34" charset="0"/>
+                  <a:cs typeface="Arial" panose="020B0604020202020204" pitchFamily="34" charset="0"/>
+                </a:rPr>
+                <a:t>A</a:t>
+              </a:r>
+              <a:endParaRPr lang="en-AU" sz="1200" b="1" dirty="0">
+                <a:latin typeface="Arial" panose="020B0604020202020204" pitchFamily="34" charset="0"/>
+                <a:cs typeface="Arial" panose="020B0604020202020204" pitchFamily="34" charset="0"/>
+              </a:endParaRPr>
+            </a:p>
+          </p:txBody>
+        </p:sp>
+        <p:sp>
+          <p:nvSpPr>
+            <p:cNvPr id="7" name="TextBox 6"/>
+            <p:cNvSpPr txBox="1"/>
+            <p:nvPr/>
+          </p:nvSpPr>
+          <p:spPr>
+            <a:xfrm>
+              <a:off x="54795" y="703819"/>
+              <a:ext cx="295274" cy="276999"/>
+            </a:xfrm>
+            <a:prstGeom prst="rect">
+              <a:avLst/>
+            </a:prstGeom>
+            <a:noFill/>
+          </p:spPr>
+          <p:txBody>
+            <a:bodyPr wrap="none" rtlCol="0">
+              <a:spAutoFit/>
+            </a:bodyPr>
+            <a:lstStyle/>
+            <a:p>
+              <a:r>
+                <a:rPr lang="en-AU" sz="1200" b="1" dirty="0">
+                  <a:latin typeface="Arial" panose="020B0604020202020204" pitchFamily="34" charset="0"/>
+                  <a:cs typeface="Arial" panose="020B0604020202020204" pitchFamily="34" charset="0"/>
+                </a:rPr>
+                <a:t>B</a:t>
+              </a:r>
+            </a:p>
+          </p:txBody>
+        </p:sp>
+        <p:sp>
+          <p:nvSpPr>
+            <p:cNvPr id="8" name="TextBox 7"/>
+            <p:cNvSpPr txBox="1"/>
+            <p:nvPr/>
+          </p:nvSpPr>
+          <p:spPr>
+            <a:xfrm>
+              <a:off x="35496" y="1412776"/>
+              <a:ext cx="295274" cy="276999"/>
+            </a:xfrm>
+            <a:prstGeom prst="rect">
+              <a:avLst/>
+            </a:prstGeom>
+            <a:noFill/>
+          </p:spPr>
+          <p:txBody>
+            <a:bodyPr wrap="none" rtlCol="0">
+              <a:spAutoFit/>
+            </a:bodyPr>
+            <a:lstStyle/>
+            <a:p>
+              <a:r>
+                <a:rPr lang="en-AU" sz="1200" b="1" dirty="0">
+                  <a:latin typeface="Arial" panose="020B0604020202020204" pitchFamily="34" charset="0"/>
+                  <a:cs typeface="Arial" panose="020B0604020202020204" pitchFamily="34" charset="0"/>
+                </a:rPr>
+                <a:t>C</a:t>
+              </a:r>
+            </a:p>
+          </p:txBody>
+        </p:sp>
+        <p:sp>
+          <p:nvSpPr>
+            <p:cNvPr id="9" name="TextBox 8"/>
+            <p:cNvSpPr txBox="1"/>
+            <p:nvPr/>
+          </p:nvSpPr>
+          <p:spPr>
+            <a:xfrm>
+              <a:off x="35496" y="2060848"/>
+              <a:ext cx="295274" cy="276999"/>
+            </a:xfrm>
+            <a:prstGeom prst="rect">
+              <a:avLst/>
+            </a:prstGeom>
+            <a:noFill/>
+          </p:spPr>
+          <p:txBody>
+            <a:bodyPr wrap="none" rtlCol="0">
+              <a:spAutoFit/>
+            </a:bodyPr>
+            <a:lstStyle/>
+            <a:p>
+              <a:r>
+                <a:rPr lang="en-AU" sz="1200" b="1" dirty="0">
+                  <a:latin typeface="Arial" panose="020B0604020202020204" pitchFamily="34" charset="0"/>
+                  <a:cs typeface="Arial" panose="020B0604020202020204" pitchFamily="34" charset="0"/>
+                </a:rPr>
+                <a:t>D</a:t>
+              </a:r>
+            </a:p>
+          </p:txBody>
+        </p:sp>
+        <p:sp>
+          <p:nvSpPr>
+            <p:cNvPr id="10" name="TextBox 9"/>
+            <p:cNvSpPr txBox="1"/>
+            <p:nvPr/>
+          </p:nvSpPr>
+          <p:spPr>
+            <a:xfrm>
+              <a:off x="35496" y="2708920"/>
+              <a:ext cx="287258" cy="276999"/>
+            </a:xfrm>
+            <a:prstGeom prst="rect">
+              <a:avLst/>
+            </a:prstGeom>
+            <a:noFill/>
+          </p:spPr>
+          <p:txBody>
+            <a:bodyPr wrap="none" rtlCol="0">
+              <a:spAutoFit/>
+            </a:bodyPr>
+            <a:lstStyle/>
+            <a:p>
+              <a:r>
+                <a:rPr lang="en-AU" sz="1200" b="1" dirty="0">
+                  <a:latin typeface="Arial" panose="020B0604020202020204" pitchFamily="34" charset="0"/>
+                  <a:cs typeface="Arial" panose="020B0604020202020204" pitchFamily="34" charset="0"/>
+                </a:rPr>
+                <a:t>E</a:t>
+              </a:r>
+            </a:p>
+          </p:txBody>
+        </p:sp>
+      </p:grpSp>
+    </p:spTree>
+    <p:extLst>
+      <p:ext uri="{BB962C8B-B14F-4D97-AF65-F5344CB8AC3E}">
+        <p14:creationId xmlns:p14="http://schemas.microsoft.com/office/powerpoint/2010/main" val="3990381557"/>
+      </p:ext>
+    </p:extLst>
+  </p:cSld>
+  <p:clrMapOvr>
+    <a:masterClrMapping/>
+  </p:clrMapOvr>
+</p:sld>
+</file>
+
+<file path=ppt/slides/slide2.xml><?xml version="1.0" encoding="utf-8"?>
+<p:sld xmlns:a="http://schemas.openxmlformats.org/drawingml/2006/main" xmlns:r="http://schemas.openxmlformats.org/officeDocument/2006/relationships" xmlns:p="http://schemas.openxmlformats.org/presentationml/2006/main">
+  <p:cSld>
+    <p:spTree>
+      <p:nvGrpSpPr>
+        <p:cNvPr id="1" name=""/>
+        <p:cNvGrpSpPr/>
+        <p:nvPr/>
+      </p:nvGrpSpPr>
+      <p:grpSpPr>
+        <a:xfrm>
+          <a:off x="0" y="0"/>
+          <a:ext cx="0" cy="0"/>
+          <a:chOff x="0" y="0"/>
+          <a:chExt cx="0" cy="0"/>
+        </a:xfrm>
+      </p:grpSpPr>
+      <p:sp>
+        <p:nvSpPr>
+          <p:cNvPr id="4" name="Rectangle 3"/>
+          <p:cNvSpPr/>
+          <p:nvPr/>
+        </p:nvSpPr>
+        <p:spPr>
+          <a:xfrm>
+            <a:off x="0" y="0"/>
+            <a:ext cx="6120000" cy="8280000"/>
+          </a:xfrm>
+          <a:prstGeom prst="rect">
+            <a:avLst/>
+          </a:prstGeom>
+          <a:noFill/>
+          <a:ln w="6350"/>
+        </p:spPr>
+        <p:style>
+          <a:lnRef idx="2">
+            <a:schemeClr val="accent1">
+              <a:shade val="50000"/>
+            </a:schemeClr>
+          </a:lnRef>
+          <a:fillRef idx="1">
+            <a:schemeClr val="accent1"/>
+          </a:fillRef>
+          <a:effectRef idx="0">
+            <a:schemeClr val="accent1"/>
+          </a:effectRef>
+          <a:fontRef idx="minor">
+            <a:schemeClr val="lt1"/>
+          </a:fontRef>
+        </p:style>
+        <p:txBody>
+          <a:bodyPr rtlCol="0" anchor="ctr"/>
+          <a:lstStyle/>
+          <a:p>
+            <a:pPr algn="ctr"/>
+            <a:endParaRPr lang="en-AU"/>
+          </a:p>
+        </p:txBody>
+      </p:sp>
+      <p:sp>
+        <p:nvSpPr>
+          <p:cNvPr id="5" name="Rectangle 4"/>
+          <p:cNvSpPr/>
+          <p:nvPr/>
+        </p:nvSpPr>
+        <p:spPr>
+          <a:xfrm>
+            <a:off x="0" y="0"/>
+            <a:ext cx="3060000" cy="8280000"/>
+          </a:xfrm>
+          <a:prstGeom prst="rect">
+            <a:avLst/>
+          </a:prstGeom>
+          <a:noFill/>
+          <a:ln w="6350"/>
+        </p:spPr>
+        <p:style>
+          <a:lnRef idx="2">
+            <a:schemeClr val="accent1">
+              <a:shade val="50000"/>
+            </a:schemeClr>
+          </a:lnRef>
+          <a:fillRef idx="1">
+            <a:schemeClr val="accent1"/>
+          </a:fillRef>
+          <a:effectRef idx="0">
+            <a:schemeClr val="accent1"/>
+          </a:effectRef>
+          <a:fontRef idx="minor">
+            <a:schemeClr val="lt1"/>
+          </a:fontRef>
+        </p:style>
+        <p:txBody>
+          <a:bodyPr rtlCol="0" anchor="ctr"/>
+          <a:lstStyle/>
+          <a:p>
+            <a:pPr algn="ctr"/>
+            <a:endParaRPr lang="en-AU"/>
+          </a:p>
+        </p:txBody>
+      </p:sp>
+      <p:sp>
+        <p:nvSpPr>
+          <p:cNvPr id="6" name="Rectangle 5"/>
+          <p:cNvSpPr/>
+          <p:nvPr/>
+        </p:nvSpPr>
+        <p:spPr>
+          <a:xfrm>
+            <a:off x="0" y="0"/>
+            <a:ext cx="6120000" cy="4140000"/>
+          </a:xfrm>
+          <a:prstGeom prst="rect">
+            <a:avLst/>
+          </a:prstGeom>
+          <a:noFill/>
+          <a:ln w="3175"/>
+        </p:spPr>
+        <p:style>
+          <a:lnRef idx="2">
+            <a:schemeClr val="accent1">
+              <a:shade val="50000"/>
+            </a:schemeClr>
+          </a:lnRef>
+          <a:fillRef idx="1">
+            <a:schemeClr val="accent1"/>
+          </a:fillRef>
+          <a:effectRef idx="0">
+            <a:schemeClr val="accent1"/>
+          </a:effectRef>
+          <a:fontRef idx="minor">
+            <a:schemeClr val="lt1"/>
+          </a:fontRef>
+        </p:style>
+        <p:txBody>
+          <a:bodyPr rtlCol="0" anchor="ctr"/>
+          <a:lstStyle/>
+          <a:p>
+            <a:pPr algn="ctr"/>
+            <a:endParaRPr lang="en-AU"/>
+          </a:p>
+        </p:txBody>
+      </p:sp>
+      <p:sp>
+        <p:nvSpPr>
+          <p:cNvPr id="7" name="TextBox 6"/>
           <p:cNvSpPr txBox="1"/>
           <p:nvPr/>
         </p:nvSpPr>
         <p:spPr>
           <a:xfrm>
-            <a:off x="-298" y="35846"/>
+            <a:off x="0" y="0"/>
             <a:ext cx="295274" cy="276999"/>
           </a:xfrm>
           <a:prstGeom prst="rect">
@@ -3133,13 +3588,13 @@
       </p:sp>
       <p:sp>
         <p:nvSpPr>
-          <p:cNvPr id="5" name="TextBox 4"/>
+          <p:cNvPr id="8" name="TextBox 7"/>
           <p:cNvSpPr txBox="1"/>
           <p:nvPr/>
         </p:nvSpPr>
         <p:spPr>
           <a:xfrm>
-            <a:off x="719782" y="1388900"/>
+            <a:off x="3060000" y="-1"/>
             <a:ext cx="295274" cy="276999"/>
           </a:xfrm>
           <a:prstGeom prst="rect">
@@ -3158,20 +3613,24 @@
                 <a:latin typeface="Arial" panose="020B0604020202020204" pitchFamily="34" charset="0"/>
                 <a:cs typeface="Arial" panose="020B0604020202020204" pitchFamily="34" charset="0"/>
               </a:rPr>
-              <a:t>C</a:t>
-            </a:r>
-          </a:p>
-        </p:txBody>
-      </p:sp>
-      <p:sp>
-        <p:nvSpPr>
-          <p:cNvPr id="6" name="TextBox 5"/>
+              <a:t>B</a:t>
+            </a:r>
+            <a:endParaRPr lang="en-AU" sz="1200" b="1" dirty="0">
+              <a:latin typeface="Arial" panose="020B0604020202020204" pitchFamily="34" charset="0"/>
+              <a:cs typeface="Arial" panose="020B0604020202020204" pitchFamily="34" charset="0"/>
+            </a:endParaRPr>
+          </a:p>
+        </p:txBody>
+      </p:sp>
+      <p:sp>
+        <p:nvSpPr>
+          <p:cNvPr id="9" name="TextBox 8"/>
           <p:cNvSpPr txBox="1"/>
           <p:nvPr/>
         </p:nvSpPr>
         <p:spPr>
           <a:xfrm>
-            <a:off x="606375" y="35846"/>
+            <a:off x="0" y="4140000"/>
             <a:ext cx="295274" cy="276999"/>
           </a:xfrm>
           <a:prstGeom prst="rect">
@@ -3190,14 +3649,54 @@
                 <a:latin typeface="Arial" panose="020B0604020202020204" pitchFamily="34" charset="0"/>
                 <a:cs typeface="Arial" panose="020B0604020202020204" pitchFamily="34" charset="0"/>
               </a:rPr>
-              <a:t>B</a:t>
-            </a:r>
+              <a:t>C</a:t>
+            </a:r>
+            <a:endParaRPr lang="en-AU" sz="1200" b="1" dirty="0">
+              <a:latin typeface="Arial" panose="020B0604020202020204" pitchFamily="34" charset="0"/>
+              <a:cs typeface="Arial" panose="020B0604020202020204" pitchFamily="34" charset="0"/>
+            </a:endParaRPr>
+          </a:p>
+        </p:txBody>
+      </p:sp>
+      <p:sp>
+        <p:nvSpPr>
+          <p:cNvPr id="10" name="TextBox 9"/>
+          <p:cNvSpPr txBox="1"/>
+          <p:nvPr/>
+        </p:nvSpPr>
+        <p:spPr>
+          <a:xfrm>
+            <a:off x="3060000" y="4140000"/>
+            <a:ext cx="295274" cy="276999"/>
+          </a:xfrm>
+          <a:prstGeom prst="rect">
+            <a:avLst/>
+          </a:prstGeom>
+          <a:noFill/>
+        </p:spPr>
+        <p:txBody>
+          <a:bodyPr wrap="none" rtlCol="0">
+            <a:spAutoFit/>
+          </a:bodyPr>
+          <a:lstStyle/>
+          <a:p>
+            <a:r>
+              <a:rPr lang="en-AU" sz="1200" b="1" dirty="0">
+                <a:latin typeface="Arial" panose="020B0604020202020204" pitchFamily="34" charset="0"/>
+                <a:cs typeface="Arial" panose="020B0604020202020204" pitchFamily="34" charset="0"/>
+              </a:rPr>
+              <a:t>D</a:t>
+            </a:r>
+            <a:endParaRPr lang="en-AU" sz="1200" b="1" dirty="0">
+              <a:latin typeface="Arial" panose="020B0604020202020204" pitchFamily="34" charset="0"/>
+              <a:cs typeface="Arial" panose="020B0604020202020204" pitchFamily="34" charset="0"/>
+            </a:endParaRPr>
           </a:p>
         </p:txBody>
       </p:sp>
       <p:pic>
         <p:nvPicPr>
-          <p:cNvPr id="7" name="Picture 10"/>
+          <p:cNvPr id="1026" name="Picture 2"/>
           <p:cNvPicPr>
             <a:picLocks noChangeAspect="1" noChangeArrowheads="1"/>
           </p:cNvPicPr>
@@ -3211,13 +3710,13 @@
               </a:ext>
             </a:extLst>
           </a:blip>
-          <a:srcRect l="690" t="6649" r="3805" b="1789"/>
+          <a:srcRect l="1969" t="4362" r="1958" b="3787"/>
           <a:stretch/>
         </p:blipFill>
         <p:spPr bwMode="auto">
           <a:xfrm>
-            <a:off x="1101600" y="1810800"/>
-            <a:ext cx="1710000" cy="1054800"/>
+            <a:off x="3114168" y="279072"/>
+            <a:ext cx="2970000" cy="3798000"/>
           </a:xfrm>
           <a:prstGeom prst="rect">
             <a:avLst/>
@@ -3249,7 +3748,7 @@
       </p:pic>
       <p:pic>
         <p:nvPicPr>
-          <p:cNvPr id="8" name="Picture 11"/>
+          <p:cNvPr id="1028" name="Picture 4"/>
           <p:cNvPicPr>
             <a:picLocks noChangeAspect="1" noChangeArrowheads="1"/>
           </p:cNvPicPr>
@@ -3263,13 +3762,13 @@
               </a:ext>
             </a:extLst>
           </a:blip>
-          <a:srcRect l="927" t="5327" r="4769" b="2488"/>
+          <a:srcRect l="1639" t="3410" r="4642" b="4175"/>
           <a:stretch/>
         </p:blipFill>
         <p:spPr bwMode="auto">
           <a:xfrm>
-            <a:off x="1182664" y="236900"/>
-            <a:ext cx="1674000" cy="1062000"/>
+            <a:off x="107504" y="4401528"/>
+            <a:ext cx="2880000" cy="3780000"/>
           </a:xfrm>
           <a:prstGeom prst="rect">
             <a:avLst/>
@@ -3299,661 +3798,62 @@
           </a:extLst>
         </p:spPr>
       </p:pic>
-      <p:grpSp>
-        <p:nvGrpSpPr>
-          <p:cNvPr id="9" name="Group 8"/>
-          <p:cNvGrpSpPr/>
+      <p:pic>
+        <p:nvPicPr>
+          <p:cNvPr id="1029" name="Picture 5"/>
+          <p:cNvPicPr>
+            <a:picLocks noChangeAspect="1" noChangeArrowheads="1"/>
+          </p:cNvPicPr>
           <p:nvPr/>
-        </p:nvGrpSpPr>
-        <p:grpSpPr>
+        </p:nvPicPr>
+        <p:blipFill rotWithShape="1">
+          <a:blip r:embed="rId4" cstate="print">
+            <a:extLst>
+              <a:ext uri="{28A0092B-C50C-407E-A947-70E740481C1C}">
+                <a14:useLocalDpi xmlns:a14="http://schemas.microsoft.com/office/drawing/2010/main" val="0"/>
+              </a:ext>
+            </a:extLst>
+          </a:blip>
+          <a:srcRect l="2176" t="3785" r="2226" b="4100"/>
+          <a:stretch/>
+        </p:blipFill>
+        <p:spPr bwMode="auto">
           <a:xfrm>
-            <a:off x="234000" y="1847080"/>
-            <a:ext cx="252000" cy="252000"/>
-            <a:chOff x="296225" y="1283034"/>
-            <a:chExt cx="252000" cy="252000"/>
-          </a:xfrm>
-        </p:grpSpPr>
-        <p:sp>
-          <p:nvSpPr>
-            <p:cNvPr id="10" name="Isosceles Triangle 9"/>
-            <p:cNvSpPr/>
-            <p:nvPr/>
-          </p:nvSpPr>
-          <p:spPr>
-            <a:xfrm flipV="1">
-              <a:off x="296225" y="1283034"/>
-              <a:ext cx="252000" cy="252000"/>
-            </a:xfrm>
-            <a:prstGeom prst="triangle">
-              <a:avLst/>
-            </a:prstGeom>
-            <a:noFill/>
-            <a:ln w="12700">
-              <a:solidFill>
-                <a:schemeClr val="tx1"/>
-              </a:solidFill>
-            </a:ln>
-          </p:spPr>
-          <p:style>
-            <a:lnRef idx="2">
-              <a:schemeClr val="accent1">
-                <a:shade val="50000"/>
-              </a:schemeClr>
-            </a:lnRef>
-            <a:fillRef idx="1">
-              <a:schemeClr val="accent1"/>
-            </a:fillRef>
-            <a:effectRef idx="0">
-              <a:schemeClr val="accent1"/>
-            </a:effectRef>
-            <a:fontRef idx="minor">
-              <a:schemeClr val="lt1"/>
-            </a:fontRef>
-          </p:style>
-          <p:txBody>
-            <a:bodyPr rtlCol="0" anchor="ctr"/>
-            <a:lstStyle/>
-            <a:p>
-              <a:pPr algn="ctr"/>
-              <a:endParaRPr lang="en-AU"/>
-            </a:p>
-          </p:txBody>
-        </p:sp>
-        <p:cxnSp>
-          <p:nvCxnSpPr>
-            <p:cNvPr id="11" name="Curved Connector 10"/>
-            <p:cNvCxnSpPr/>
-            <p:nvPr/>
-          </p:nvCxnSpPr>
-          <p:spPr>
-            <a:xfrm flipV="1">
-              <a:off x="389400" y="1347834"/>
-              <a:ext cx="72000" cy="72000"/>
-            </a:xfrm>
-            <a:prstGeom prst="curvedConnector3">
-              <a:avLst/>
-            </a:prstGeom>
-            <a:ln w="12700">
-              <a:solidFill>
-                <a:schemeClr val="tx1"/>
-              </a:solidFill>
-            </a:ln>
-            <a:effectLst/>
-          </p:spPr>
-          <p:style>
-            <a:lnRef idx="2">
-              <a:schemeClr val="accent1"/>
-            </a:lnRef>
-            <a:fillRef idx="0">
-              <a:schemeClr val="accent1"/>
-            </a:fillRef>
-            <a:effectRef idx="1">
-              <a:schemeClr val="accent1"/>
-            </a:effectRef>
-            <a:fontRef idx="minor">
-              <a:schemeClr val="tx1"/>
-            </a:fontRef>
-          </p:style>
-        </p:cxnSp>
-      </p:grpSp>
-      <p:grpSp>
-        <p:nvGrpSpPr>
-          <p:cNvPr id="12" name="Group 11"/>
-          <p:cNvGrpSpPr/>
-          <p:nvPr/>
-        </p:nvGrpSpPr>
-        <p:grpSpPr>
-          <a:xfrm>
-            <a:off x="366957" y="770004"/>
-            <a:ext cx="108879" cy="178200"/>
-            <a:chOff x="372478" y="1414218"/>
-            <a:chExt cx="108879" cy="178200"/>
-          </a:xfrm>
-        </p:grpSpPr>
-        <p:cxnSp>
-          <p:nvCxnSpPr>
-            <p:cNvPr id="13" name="Straight Connector 12"/>
-            <p:cNvCxnSpPr/>
-            <p:nvPr/>
-          </p:nvCxnSpPr>
-          <p:spPr>
-            <a:xfrm flipV="1">
-              <a:off x="425860" y="1414218"/>
-              <a:ext cx="0" cy="36000"/>
-            </a:xfrm>
-            <a:prstGeom prst="line">
-              <a:avLst/>
-            </a:prstGeom>
-            <a:ln w="12700">
-              <a:solidFill>
-                <a:schemeClr val="tx1"/>
-              </a:solidFill>
-            </a:ln>
-          </p:spPr>
-          <p:style>
-            <a:lnRef idx="1">
-              <a:schemeClr val="accent1"/>
-            </a:lnRef>
-            <a:fillRef idx="0">
-              <a:schemeClr val="accent1"/>
-            </a:fillRef>
-            <a:effectRef idx="0">
-              <a:schemeClr val="accent1"/>
-            </a:effectRef>
-            <a:fontRef idx="minor">
-              <a:schemeClr val="tx1"/>
-            </a:fontRef>
-          </p:style>
-        </p:cxnSp>
-        <p:grpSp>
-          <p:nvGrpSpPr>
-            <p:cNvPr id="14" name="Group 13"/>
-            <p:cNvGrpSpPr/>
-            <p:nvPr/>
-          </p:nvGrpSpPr>
-          <p:grpSpPr>
-            <a:xfrm>
-              <a:off x="372478" y="1449199"/>
-              <a:ext cx="108879" cy="19018"/>
-              <a:chOff x="4724894" y="1611142"/>
-              <a:chExt cx="108879" cy="19018"/>
-            </a:xfrm>
-          </p:grpSpPr>
-          <p:cxnSp>
-            <p:nvCxnSpPr>
-              <p:cNvPr id="17" name="Straight Connector 16"/>
-              <p:cNvCxnSpPr/>
-              <p:nvPr/>
-            </p:nvCxnSpPr>
-            <p:spPr>
-              <a:xfrm>
-                <a:off x="4725773" y="1612161"/>
-                <a:ext cx="108000" cy="0"/>
-              </a:xfrm>
-              <a:prstGeom prst="line">
-                <a:avLst/>
-              </a:prstGeom>
-              <a:ln w="12700">
-                <a:solidFill>
-                  <a:schemeClr val="tx1"/>
-                </a:solidFill>
-              </a:ln>
-            </p:spPr>
-            <p:style>
-              <a:lnRef idx="1">
-                <a:schemeClr val="accent1"/>
-              </a:lnRef>
-              <a:fillRef idx="0">
-                <a:schemeClr val="accent1"/>
-              </a:fillRef>
-              <a:effectRef idx="0">
-                <a:schemeClr val="accent1"/>
-              </a:effectRef>
-              <a:fontRef idx="minor">
-                <a:schemeClr val="tx1"/>
-              </a:fontRef>
-            </p:style>
-          </p:cxnSp>
-          <p:cxnSp>
-            <p:nvCxnSpPr>
-              <p:cNvPr id="18" name="Straight Connector 17"/>
-              <p:cNvCxnSpPr/>
-              <p:nvPr/>
-            </p:nvCxnSpPr>
-            <p:spPr>
-              <a:xfrm>
-                <a:off x="4724894" y="1612160"/>
-                <a:ext cx="0" cy="18000"/>
-              </a:xfrm>
-              <a:prstGeom prst="line">
-                <a:avLst/>
-              </a:prstGeom>
-              <a:ln w="12700">
-                <a:solidFill>
-                  <a:schemeClr val="tx1"/>
-                </a:solidFill>
-              </a:ln>
-            </p:spPr>
-            <p:style>
-              <a:lnRef idx="1">
-                <a:schemeClr val="accent1"/>
-              </a:lnRef>
-              <a:fillRef idx="0">
-                <a:schemeClr val="accent1"/>
-              </a:fillRef>
-              <a:effectRef idx="0">
-                <a:schemeClr val="accent1"/>
-              </a:effectRef>
-              <a:fontRef idx="minor">
-                <a:schemeClr val="tx1"/>
-              </a:fontRef>
-            </p:style>
-          </p:cxnSp>
-          <p:cxnSp>
-            <p:nvCxnSpPr>
-              <p:cNvPr id="19" name="Straight Connector 18"/>
-              <p:cNvCxnSpPr/>
-              <p:nvPr/>
-            </p:nvCxnSpPr>
-            <p:spPr>
-              <a:xfrm>
-                <a:off x="4832400" y="1611142"/>
-                <a:ext cx="0" cy="18000"/>
-              </a:xfrm>
-              <a:prstGeom prst="line">
-                <a:avLst/>
-              </a:prstGeom>
-              <a:ln w="12700">
-                <a:solidFill>
-                  <a:schemeClr val="tx1"/>
-                </a:solidFill>
-              </a:ln>
-            </p:spPr>
-            <p:style>
-              <a:lnRef idx="1">
-                <a:schemeClr val="accent1"/>
-              </a:lnRef>
-              <a:fillRef idx="0">
-                <a:schemeClr val="accent1"/>
-              </a:fillRef>
-              <a:effectRef idx="0">
-                <a:schemeClr val="accent1"/>
-              </a:effectRef>
-              <a:fontRef idx="minor">
-                <a:schemeClr val="tx1"/>
-              </a:fontRef>
-            </p:style>
-          </p:cxnSp>
-        </p:grpSp>
-        <p:sp>
-          <p:nvSpPr>
-            <p:cNvPr id="15" name="Rectangle 14"/>
-            <p:cNvSpPr/>
-            <p:nvPr/>
-          </p:nvSpPr>
-          <p:spPr>
-            <a:xfrm>
-              <a:off x="383270" y="1470018"/>
-              <a:ext cx="86400" cy="86400"/>
-            </a:xfrm>
-            <a:prstGeom prst="rect">
-              <a:avLst/>
-            </a:prstGeom>
-            <a:solidFill>
-              <a:schemeClr val="tx1"/>
-            </a:solidFill>
-            <a:ln w="12700">
-              <a:noFill/>
-            </a:ln>
-          </p:spPr>
-          <p:style>
-            <a:lnRef idx="2">
-              <a:schemeClr val="accent1">
-                <a:shade val="50000"/>
-              </a:schemeClr>
-            </a:lnRef>
-            <a:fillRef idx="1">
-              <a:schemeClr val="accent1"/>
-            </a:fillRef>
-            <a:effectRef idx="0">
-              <a:schemeClr val="accent1"/>
-            </a:effectRef>
-            <a:fontRef idx="minor">
-              <a:schemeClr val="lt1"/>
-            </a:fontRef>
-          </p:style>
-          <p:txBody>
-            <a:bodyPr rtlCol="0" anchor="ctr"/>
-            <a:lstStyle/>
-            <a:p>
-              <a:pPr algn="ctr"/>
-              <a:endParaRPr lang="en-AU"/>
-            </a:p>
-          </p:txBody>
-        </p:sp>
-        <p:cxnSp>
-          <p:nvCxnSpPr>
-            <p:cNvPr id="16" name="Straight Connector 15"/>
-            <p:cNvCxnSpPr/>
-            <p:nvPr/>
-          </p:nvCxnSpPr>
-          <p:spPr>
-            <a:xfrm flipV="1">
-              <a:off x="426470" y="1556418"/>
-              <a:ext cx="0" cy="36000"/>
-            </a:xfrm>
-            <a:prstGeom prst="line">
-              <a:avLst/>
-            </a:prstGeom>
-            <a:ln w="12700">
-              <a:solidFill>
-                <a:schemeClr val="tx1"/>
-              </a:solidFill>
-            </a:ln>
-          </p:spPr>
-          <p:style>
-            <a:lnRef idx="1">
-              <a:schemeClr val="accent1"/>
-            </a:lnRef>
-            <a:fillRef idx="0">
-              <a:schemeClr val="accent1"/>
-            </a:fillRef>
-            <a:effectRef idx="0">
-              <a:schemeClr val="accent1"/>
-            </a:effectRef>
-            <a:fontRef idx="minor">
-              <a:schemeClr val="tx1"/>
-            </a:fontRef>
-          </p:style>
-        </p:cxnSp>
-      </p:grpSp>
-      <p:cxnSp>
-        <p:nvCxnSpPr>
-          <p:cNvPr id="20" name="Straight Connector 19"/>
-          <p:cNvCxnSpPr/>
-          <p:nvPr/>
-        </p:nvCxnSpPr>
-        <p:spPr>
-          <a:xfrm>
-            <a:off x="360000" y="2099080"/>
-            <a:ext cx="2417" cy="205200"/>
-          </a:xfrm>
-          <a:prstGeom prst="line">
-            <a:avLst/>
-          </a:prstGeom>
-          <a:ln w="12700">
-            <a:solidFill>
-              <a:schemeClr val="tx1"/>
-            </a:solidFill>
-          </a:ln>
-        </p:spPr>
-        <p:style>
-          <a:lnRef idx="1">
-            <a:schemeClr val="accent1"/>
-          </a:lnRef>
-          <a:fillRef idx="0">
-            <a:schemeClr val="accent1"/>
-          </a:fillRef>
-          <a:effectRef idx="0">
-            <a:schemeClr val="accent1"/>
-          </a:effectRef>
-          <a:fontRef idx="minor">
-            <a:schemeClr val="tx1"/>
-          </a:fontRef>
-        </p:style>
-      </p:cxnSp>
-      <p:cxnSp>
-        <p:nvCxnSpPr>
-          <p:cNvPr id="21" name="Straight Connector 20"/>
-          <p:cNvCxnSpPr/>
-          <p:nvPr/>
-        </p:nvCxnSpPr>
-        <p:spPr>
-          <a:xfrm flipH="1">
-            <a:off x="360000" y="945029"/>
-            <a:ext cx="0" cy="899980"/>
-          </a:xfrm>
-          <a:prstGeom prst="line">
-            <a:avLst/>
-          </a:prstGeom>
-          <a:ln w="12700">
-            <a:solidFill>
-              <a:schemeClr val="tx1"/>
-            </a:solidFill>
-          </a:ln>
-        </p:spPr>
-        <p:style>
-          <a:lnRef idx="1">
-            <a:schemeClr val="accent1"/>
-          </a:lnRef>
-          <a:fillRef idx="0">
-            <a:schemeClr val="accent1"/>
-          </a:fillRef>
-          <a:effectRef idx="0">
-            <a:schemeClr val="accent1"/>
-          </a:effectRef>
-          <a:fontRef idx="minor">
-            <a:schemeClr val="tx1"/>
-          </a:fontRef>
-        </p:style>
-      </p:cxnSp>
-      <p:sp>
-        <p:nvSpPr>
-          <p:cNvPr id="22" name="TextBox 21"/>
-          <p:cNvSpPr txBox="1"/>
-          <p:nvPr/>
-        </p:nvSpPr>
-        <p:spPr>
-          <a:xfrm>
-            <a:off x="216850" y="361950"/>
-            <a:ext cx="415498" cy="215444"/>
+            <a:off x="35496" y="279072"/>
+            <a:ext cx="2957549" cy="3798000"/>
           </a:xfrm>
           <a:prstGeom prst="rect">
             <a:avLst/>
           </a:prstGeom>
           <a:noFill/>
+          <a:ln>
+            <a:noFill/>
+          </a:ln>
+          <a:extLst>
+            <a:ext uri="{909E8E84-426E-40DD-AFC4-6F175D3DCCD1}">
+              <a14:hiddenFill xmlns:a14="http://schemas.microsoft.com/office/drawing/2010/main">
+                <a:solidFill>
+                  <a:schemeClr val="accent1"/>
+                </a:solidFill>
+              </a14:hiddenFill>
+            </a:ext>
+            <a:ext uri="{91240B29-F687-4F45-9708-019B960494DF}">
+              <a14:hiddenLine xmlns:a14="http://schemas.microsoft.com/office/drawing/2010/main" w="9525">
+                <a:solidFill>
+                  <a:schemeClr val="tx1"/>
+                </a:solidFill>
+                <a:miter lim="800000"/>
+                <a:headEnd/>
+                <a:tailEnd/>
+              </a14:hiddenLine>
+            </a:ext>
+          </a:extLst>
         </p:spPr>
-        <p:txBody>
-          <a:bodyPr wrap="none" rtlCol="0">
-            <a:spAutoFit/>
-          </a:bodyPr>
-          <a:lstStyle/>
-          <a:p>
-            <a:r>
-              <a:rPr lang="en-AU" sz="800" dirty="0" smtClean="0">
-                <a:latin typeface="Arial" panose="020B0604020202020204" pitchFamily="34" charset="0"/>
-                <a:cs typeface="Arial" panose="020B0604020202020204" pitchFamily="34" charset="0"/>
-              </a:rPr>
-              <a:t>Input</a:t>
-            </a:r>
-            <a:endParaRPr lang="en-AU" sz="800" dirty="0">
-              <a:latin typeface="Arial" panose="020B0604020202020204" pitchFamily="34" charset="0"/>
-              <a:cs typeface="Arial" panose="020B0604020202020204" pitchFamily="34" charset="0"/>
-            </a:endParaRPr>
-          </a:p>
-        </p:txBody>
-      </p:sp>
-      <p:sp>
-        <p:nvSpPr>
-          <p:cNvPr id="23" name="TextBox 22"/>
-          <p:cNvSpPr txBox="1"/>
-          <p:nvPr/>
-        </p:nvSpPr>
-        <p:spPr>
-          <a:xfrm>
-            <a:off x="175608" y="2374900"/>
-            <a:ext cx="495649" cy="215444"/>
-          </a:xfrm>
-          <a:prstGeom prst="rect">
-            <a:avLst/>
-          </a:prstGeom>
-          <a:noFill/>
-        </p:spPr>
-        <p:txBody>
-          <a:bodyPr wrap="none" rtlCol="0">
-            <a:spAutoFit/>
-          </a:bodyPr>
-          <a:lstStyle/>
-          <a:p>
-            <a:r>
-              <a:rPr lang="en-AU" sz="800" dirty="0" smtClean="0">
-                <a:latin typeface="Arial" panose="020B0604020202020204" pitchFamily="34" charset="0"/>
-                <a:cs typeface="Arial" panose="020B0604020202020204" pitchFamily="34" charset="0"/>
-              </a:rPr>
-              <a:t>Output</a:t>
-            </a:r>
-            <a:endParaRPr lang="en-AU" sz="800" dirty="0">
-              <a:latin typeface="Arial" panose="020B0604020202020204" pitchFamily="34" charset="0"/>
-              <a:cs typeface="Arial" panose="020B0604020202020204" pitchFamily="34" charset="0"/>
-            </a:endParaRPr>
-          </a:p>
-        </p:txBody>
-      </p:sp>
-      <p:cxnSp>
-        <p:nvCxnSpPr>
-          <p:cNvPr id="24" name="Straight Connector 23"/>
-          <p:cNvCxnSpPr/>
-          <p:nvPr/>
-        </p:nvCxnSpPr>
-        <p:spPr>
-          <a:xfrm>
-            <a:off x="360000" y="564804"/>
-            <a:ext cx="2417" cy="205200"/>
-          </a:xfrm>
-          <a:prstGeom prst="line">
-            <a:avLst/>
-          </a:prstGeom>
-          <a:ln w="12700">
-            <a:solidFill>
-              <a:schemeClr val="tx1"/>
-            </a:solidFill>
-          </a:ln>
-        </p:spPr>
-        <p:style>
-          <a:lnRef idx="1">
-            <a:schemeClr val="accent1"/>
-          </a:lnRef>
-          <a:fillRef idx="0">
-            <a:schemeClr val="accent1"/>
-          </a:fillRef>
-          <a:effectRef idx="0">
-            <a:schemeClr val="accent1"/>
-          </a:effectRef>
-          <a:fontRef idx="minor">
-            <a:schemeClr val="tx1"/>
-          </a:fontRef>
-        </p:style>
-      </p:cxnSp>
-      <p:sp>
-        <p:nvSpPr>
-          <p:cNvPr id="25" name="Rectangle 24"/>
-          <p:cNvSpPr/>
-          <p:nvPr/>
-        </p:nvSpPr>
-        <p:spPr>
-          <a:xfrm>
-            <a:off x="0" y="0"/>
-            <a:ext cx="2879725" cy="2879725"/>
-          </a:xfrm>
-          <a:prstGeom prst="rect">
-            <a:avLst/>
-          </a:prstGeom>
-          <a:noFill/>
-          <a:ln w="9525"/>
-        </p:spPr>
-        <p:style>
-          <a:lnRef idx="2">
-            <a:schemeClr val="accent1">
-              <a:shade val="50000"/>
-            </a:schemeClr>
-          </a:lnRef>
-          <a:fillRef idx="1">
-            <a:schemeClr val="accent1"/>
-          </a:fillRef>
-          <a:effectRef idx="0">
-            <a:schemeClr val="accent1"/>
-          </a:effectRef>
-          <a:fontRef idx="minor">
-            <a:schemeClr val="lt1"/>
-          </a:fontRef>
-        </p:style>
-        <p:txBody>
-          <a:bodyPr rtlCol="0" anchor="ctr"/>
-          <a:lstStyle/>
-          <a:p>
-            <a:pPr algn="ctr"/>
-            <a:endParaRPr lang="en-AU"/>
-          </a:p>
-        </p:txBody>
-      </p:sp>
-      <p:sp>
-        <p:nvSpPr>
-          <p:cNvPr id="26" name="Rectangle 25"/>
-          <p:cNvSpPr/>
-          <p:nvPr/>
-        </p:nvSpPr>
-        <p:spPr>
-          <a:xfrm>
-            <a:off x="0" y="0"/>
-            <a:ext cx="2879725" cy="1440000"/>
-          </a:xfrm>
-          <a:prstGeom prst="rect">
-            <a:avLst/>
-          </a:prstGeom>
-          <a:noFill/>
-          <a:ln w="9525"/>
-        </p:spPr>
-        <p:style>
-          <a:lnRef idx="2">
-            <a:schemeClr val="accent1">
-              <a:shade val="50000"/>
-            </a:schemeClr>
-          </a:lnRef>
-          <a:fillRef idx="1">
-            <a:schemeClr val="accent1"/>
-          </a:fillRef>
-          <a:effectRef idx="0">
-            <a:schemeClr val="accent1"/>
-          </a:effectRef>
-          <a:fontRef idx="minor">
-            <a:schemeClr val="lt1"/>
-          </a:fontRef>
-        </p:style>
-        <p:txBody>
-          <a:bodyPr rtlCol="0" anchor="ctr"/>
-          <a:lstStyle/>
-          <a:p>
-            <a:pPr algn="ctr"/>
-            <a:endParaRPr lang="en-AU"/>
-          </a:p>
-        </p:txBody>
-      </p:sp>
-      <p:sp>
-        <p:nvSpPr>
-          <p:cNvPr id="27" name="Rectangle 26"/>
-          <p:cNvSpPr/>
-          <p:nvPr/>
-        </p:nvSpPr>
-        <p:spPr>
-          <a:xfrm>
-            <a:off x="720000" y="0"/>
-            <a:ext cx="2160000" cy="2880000"/>
-          </a:xfrm>
-          <a:prstGeom prst="rect">
-            <a:avLst/>
-          </a:prstGeom>
-          <a:noFill/>
-          <a:ln w="9525"/>
-        </p:spPr>
-        <p:style>
-          <a:lnRef idx="2">
-            <a:schemeClr val="accent1">
-              <a:shade val="50000"/>
-            </a:schemeClr>
-          </a:lnRef>
-          <a:fillRef idx="1">
-            <a:schemeClr val="accent1"/>
-          </a:fillRef>
-          <a:effectRef idx="0">
-            <a:schemeClr val="accent1"/>
-          </a:effectRef>
-          <a:fontRef idx="minor">
-            <a:schemeClr val="lt1"/>
-          </a:fontRef>
-        </p:style>
-        <p:txBody>
-          <a:bodyPr rtlCol="0" anchor="ctr"/>
-          <a:lstStyle/>
-          <a:p>
-            <a:pPr algn="ctr"/>
-            <a:endParaRPr lang="en-AU"/>
-          </a:p>
-        </p:txBody>
-      </p:sp>
+      </p:pic>
     </p:spTree>
     <p:extLst>
       <p:ext uri="{BB962C8B-B14F-4D97-AF65-F5344CB8AC3E}">
-        <p14:creationId xmlns:p14="http://schemas.microsoft.com/office/powerpoint/2010/main" val="278992311"/>
+        <p14:creationId xmlns:p14="http://schemas.microsoft.com/office/powerpoint/2010/main" val="3227314395"/>
       </p:ext>
     </p:extLst>
   </p:cSld>

--- a/fig/EstimationFigures.pptx
+++ b/fig/EstimationFigures.pptx
@@ -3615,10 +3615,6 @@
               </a:rPr>
               <a:t>B</a:t>
             </a:r>
-            <a:endParaRPr lang="en-AU" sz="1200" b="1" dirty="0">
-              <a:latin typeface="Arial" panose="020B0604020202020204" pitchFamily="34" charset="0"/>
-              <a:cs typeface="Arial" panose="020B0604020202020204" pitchFamily="34" charset="0"/>
-            </a:endParaRPr>
           </a:p>
         </p:txBody>
       </p:sp>
@@ -3651,10 +3647,6 @@
               </a:rPr>
               <a:t>C</a:t>
             </a:r>
-            <a:endParaRPr lang="en-AU" sz="1200" b="1" dirty="0">
-              <a:latin typeface="Arial" panose="020B0604020202020204" pitchFamily="34" charset="0"/>
-              <a:cs typeface="Arial" panose="020B0604020202020204" pitchFamily="34" charset="0"/>
-            </a:endParaRPr>
           </a:p>
         </p:txBody>
       </p:sp>
@@ -3687,10 +3679,6 @@
               </a:rPr>
               <a:t>D</a:t>
             </a:r>
-            <a:endParaRPr lang="en-AU" sz="1200" b="1" dirty="0">
-              <a:latin typeface="Arial" panose="020B0604020202020204" pitchFamily="34" charset="0"/>
-              <a:cs typeface="Arial" panose="020B0604020202020204" pitchFamily="34" charset="0"/>
-            </a:endParaRPr>
           </a:p>
         </p:txBody>
       </p:sp>
@@ -3821,6 +3809,58 @@
           <a:xfrm>
             <a:off x="35496" y="279072"/>
             <a:ext cx="2957549" cy="3798000"/>
+          </a:xfrm>
+          <a:prstGeom prst="rect">
+            <a:avLst/>
+          </a:prstGeom>
+          <a:noFill/>
+          <a:ln>
+            <a:noFill/>
+          </a:ln>
+          <a:extLst>
+            <a:ext uri="{909E8E84-426E-40DD-AFC4-6F175D3DCCD1}">
+              <a14:hiddenFill xmlns:a14="http://schemas.microsoft.com/office/drawing/2010/main">
+                <a:solidFill>
+                  <a:schemeClr val="accent1"/>
+                </a:solidFill>
+              </a14:hiddenFill>
+            </a:ext>
+            <a:ext uri="{91240B29-F687-4F45-9708-019B960494DF}">
+              <a14:hiddenLine xmlns:a14="http://schemas.microsoft.com/office/drawing/2010/main" w="9525">
+                <a:solidFill>
+                  <a:schemeClr val="tx1"/>
+                </a:solidFill>
+                <a:miter lim="800000"/>
+                <a:headEnd/>
+                <a:tailEnd/>
+              </a14:hiddenLine>
+            </a:ext>
+          </a:extLst>
+        </p:spPr>
+      </p:pic>
+      <p:pic>
+        <p:nvPicPr>
+          <p:cNvPr id="2" name="Picture 2"/>
+          <p:cNvPicPr>
+            <a:picLocks noChangeAspect="1" noChangeArrowheads="1"/>
+          </p:cNvPicPr>
+          <p:nvPr/>
+        </p:nvPicPr>
+        <p:blipFill rotWithShape="1">
+          <a:blip r:embed="rId5" cstate="print">
+            <a:extLst>
+              <a:ext uri="{28A0092B-C50C-407E-A947-70E740481C1C}">
+                <a14:useLocalDpi xmlns:a14="http://schemas.microsoft.com/office/drawing/2010/main" val="0"/>
+              </a:ext>
+            </a:extLst>
+          </a:blip>
+          <a:srcRect l="2625" t="3804" r="2593" b="4238"/>
+          <a:stretch/>
+        </p:blipFill>
+        <p:spPr bwMode="auto">
+          <a:xfrm>
+            <a:off x="3132168" y="4383528"/>
+            <a:ext cx="2952000" cy="3798000"/>
           </a:xfrm>
           <a:prstGeom prst="rect">
             <a:avLst/>

--- a/fig/EstimationFigures.pptx
+++ b/fig/EstimationFigures.pptx
@@ -7,8 +7,11 @@
   <p:sldIdLst>
     <p:sldId id="257" r:id="rId2"/>
     <p:sldId id="258" r:id="rId3"/>
+    <p:sldId id="259" r:id="rId4"/>
+    <p:sldId id="260" r:id="rId5"/>
+    <p:sldId id="261" r:id="rId6"/>
   </p:sldIdLst>
-  <p:sldSz cx="9144000" cy="6858000" type="screen4x3"/>
+  <p:sldSz cx="9144000" cy="9001125"/>
   <p:notesSz cx="6858000" cy="9144000"/>
   <p:defaultTextStyle>
     <a:defPPr>
@@ -137,8 +140,8 @@
         </p:nvSpPr>
         <p:spPr>
           <a:xfrm>
-            <a:off x="685800" y="2130425"/>
-            <a:ext cx="7772400" cy="1470025"/>
+            <a:off x="685800" y="2796183"/>
+            <a:ext cx="7772400" cy="1929408"/>
           </a:xfrm>
         </p:spPr>
         <p:txBody>
@@ -165,8 +168,8 @@
         </p:nvSpPr>
         <p:spPr>
           <a:xfrm>
-            <a:off x="1371600" y="3886200"/>
-            <a:ext cx="6400800" cy="1752600"/>
+            <a:off x="1371600" y="5100637"/>
+            <a:ext cx="6400800" cy="2300288"/>
           </a:xfrm>
         </p:spPr>
         <p:txBody>
@@ -289,7 +292,8 @@
           <a:p>
             <a:fld id="{23031417-08DC-4991-BA64-45FCA174C9D0}" type="datetimeFigureOut">
               <a:rPr lang="en-AU" smtClean="0"/>
-              <a:t>20/09/2013</a:t>
+              <a:pPr/>
+              <a:t>23/09/2013</a:t>
             </a:fld>
             <a:endParaRPr lang="en-AU"/>
           </a:p>
@@ -331,6 +335,7 @@
           <a:p>
             <a:fld id="{6F8D6B36-801A-43CC-A1E7-E45D6E11502E}" type="slidenum">
               <a:rPr lang="en-AU" smtClean="0"/>
+              <a:pPr/>
               <a:t>‹#›</a:t>
             </a:fld>
             <a:endParaRPr lang="en-AU"/>
@@ -340,7 +345,7 @@
     </p:spTree>
     <p:extLst>
       <p:ext uri="{BB962C8B-B14F-4D97-AF65-F5344CB8AC3E}">
-        <p14:creationId xmlns:p14="http://schemas.microsoft.com/office/powerpoint/2010/main" val="1088028021"/>
+        <p14:creationId xmlns="" xmlns:p14="http://schemas.microsoft.com/office/powerpoint/2010/main" val="1088028021"/>
       </p:ext>
     </p:extLst>
   </p:cSld>
@@ -459,7 +464,8 @@
           <a:p>
             <a:fld id="{23031417-08DC-4991-BA64-45FCA174C9D0}" type="datetimeFigureOut">
               <a:rPr lang="en-AU" smtClean="0"/>
-              <a:t>20/09/2013</a:t>
+              <a:pPr/>
+              <a:t>23/09/2013</a:t>
             </a:fld>
             <a:endParaRPr lang="en-AU"/>
           </a:p>
@@ -501,6 +507,7 @@
           <a:p>
             <a:fld id="{6F8D6B36-801A-43CC-A1E7-E45D6E11502E}" type="slidenum">
               <a:rPr lang="en-AU" smtClean="0"/>
+              <a:pPr/>
               <a:t>‹#›</a:t>
             </a:fld>
             <a:endParaRPr lang="en-AU"/>
@@ -510,7 +517,7 @@
     </p:spTree>
     <p:extLst>
       <p:ext uri="{BB962C8B-B14F-4D97-AF65-F5344CB8AC3E}">
-        <p14:creationId xmlns:p14="http://schemas.microsoft.com/office/powerpoint/2010/main" val="1651409770"/>
+        <p14:creationId xmlns="" xmlns:p14="http://schemas.microsoft.com/office/powerpoint/2010/main" val="1651409770"/>
       </p:ext>
     </p:extLst>
   </p:cSld>
@@ -549,8 +556,8 @@
         </p:nvSpPr>
         <p:spPr>
           <a:xfrm>
-            <a:off x="6629400" y="274638"/>
-            <a:ext cx="2057400" cy="5851525"/>
+            <a:off x="6629400" y="360464"/>
+            <a:ext cx="2057400" cy="7680127"/>
           </a:xfrm>
         </p:spPr>
         <p:txBody>
@@ -577,8 +584,8 @@
         </p:nvSpPr>
         <p:spPr>
           <a:xfrm>
-            <a:off x="457200" y="274638"/>
-            <a:ext cx="6019800" cy="5851525"/>
+            <a:off x="457200" y="360464"/>
+            <a:ext cx="6019800" cy="7680127"/>
           </a:xfrm>
         </p:spPr>
         <p:txBody>
@@ -639,7 +646,8 @@
           <a:p>
             <a:fld id="{23031417-08DC-4991-BA64-45FCA174C9D0}" type="datetimeFigureOut">
               <a:rPr lang="en-AU" smtClean="0"/>
-              <a:t>20/09/2013</a:t>
+              <a:pPr/>
+              <a:t>23/09/2013</a:t>
             </a:fld>
             <a:endParaRPr lang="en-AU"/>
           </a:p>
@@ -681,6 +689,7 @@
           <a:p>
             <a:fld id="{6F8D6B36-801A-43CC-A1E7-E45D6E11502E}" type="slidenum">
               <a:rPr lang="en-AU" smtClean="0"/>
+              <a:pPr/>
               <a:t>‹#›</a:t>
             </a:fld>
             <a:endParaRPr lang="en-AU"/>
@@ -690,7 +699,7 @@
     </p:spTree>
     <p:extLst>
       <p:ext uri="{BB962C8B-B14F-4D97-AF65-F5344CB8AC3E}">
-        <p14:creationId xmlns:p14="http://schemas.microsoft.com/office/powerpoint/2010/main" val="434562314"/>
+        <p14:creationId xmlns="" xmlns:p14="http://schemas.microsoft.com/office/powerpoint/2010/main" val="434562314"/>
       </p:ext>
     </p:extLst>
   </p:cSld>
@@ -809,7 +818,8 @@
           <a:p>
             <a:fld id="{23031417-08DC-4991-BA64-45FCA174C9D0}" type="datetimeFigureOut">
               <a:rPr lang="en-AU" smtClean="0"/>
-              <a:t>20/09/2013</a:t>
+              <a:pPr/>
+              <a:t>23/09/2013</a:t>
             </a:fld>
             <a:endParaRPr lang="en-AU"/>
           </a:p>
@@ -851,6 +861,7 @@
           <a:p>
             <a:fld id="{6F8D6B36-801A-43CC-A1E7-E45D6E11502E}" type="slidenum">
               <a:rPr lang="en-AU" smtClean="0"/>
+              <a:pPr/>
               <a:t>‹#›</a:t>
             </a:fld>
             <a:endParaRPr lang="en-AU"/>
@@ -860,7 +871,7 @@
     </p:spTree>
     <p:extLst>
       <p:ext uri="{BB962C8B-B14F-4D97-AF65-F5344CB8AC3E}">
-        <p14:creationId xmlns:p14="http://schemas.microsoft.com/office/powerpoint/2010/main" val="3995899577"/>
+        <p14:creationId xmlns="" xmlns:p14="http://schemas.microsoft.com/office/powerpoint/2010/main" val="3995899577"/>
       </p:ext>
     </p:extLst>
   </p:cSld>
@@ -899,8 +910,8 @@
         </p:nvSpPr>
         <p:spPr>
           <a:xfrm>
-            <a:off x="722313" y="4406900"/>
-            <a:ext cx="7772400" cy="1362075"/>
+            <a:off x="722313" y="5784058"/>
+            <a:ext cx="7772400" cy="1787723"/>
           </a:xfrm>
         </p:spPr>
         <p:txBody>
@@ -931,8 +942,8 @@
         </p:nvSpPr>
         <p:spPr>
           <a:xfrm>
-            <a:off x="722313" y="2906713"/>
-            <a:ext cx="7772400" cy="1500187"/>
+            <a:off x="722313" y="3815063"/>
+            <a:ext cx="7772400" cy="1968995"/>
           </a:xfrm>
         </p:spPr>
         <p:txBody>
@@ -1055,7 +1066,8 @@
           <a:p>
             <a:fld id="{23031417-08DC-4991-BA64-45FCA174C9D0}" type="datetimeFigureOut">
               <a:rPr lang="en-AU" smtClean="0"/>
-              <a:t>20/09/2013</a:t>
+              <a:pPr/>
+              <a:t>23/09/2013</a:t>
             </a:fld>
             <a:endParaRPr lang="en-AU"/>
           </a:p>
@@ -1097,6 +1109,7 @@
           <a:p>
             <a:fld id="{6F8D6B36-801A-43CC-A1E7-E45D6E11502E}" type="slidenum">
               <a:rPr lang="en-AU" smtClean="0"/>
+              <a:pPr/>
               <a:t>‹#›</a:t>
             </a:fld>
             <a:endParaRPr lang="en-AU"/>
@@ -1106,7 +1119,7 @@
     </p:spTree>
     <p:extLst>
       <p:ext uri="{BB962C8B-B14F-4D97-AF65-F5344CB8AC3E}">
-        <p14:creationId xmlns:p14="http://schemas.microsoft.com/office/powerpoint/2010/main" val="4194826409"/>
+        <p14:creationId xmlns="" xmlns:p14="http://schemas.microsoft.com/office/powerpoint/2010/main" val="4194826409"/>
       </p:ext>
     </p:extLst>
   </p:cSld>
@@ -1168,8 +1181,8 @@
         </p:nvSpPr>
         <p:spPr>
           <a:xfrm>
-            <a:off x="457200" y="1600200"/>
-            <a:ext cx="4038600" cy="4525963"/>
+            <a:off x="457200" y="2100265"/>
+            <a:ext cx="4038600" cy="5940326"/>
           </a:xfrm>
         </p:spPr>
         <p:txBody>
@@ -1253,8 +1266,8 @@
         </p:nvSpPr>
         <p:spPr>
           <a:xfrm>
-            <a:off x="4648200" y="1600200"/>
-            <a:ext cx="4038600" cy="4525963"/>
+            <a:off x="4648200" y="2100265"/>
+            <a:ext cx="4038600" cy="5940326"/>
           </a:xfrm>
         </p:spPr>
         <p:txBody>
@@ -1343,7 +1356,8 @@
           <a:p>
             <a:fld id="{23031417-08DC-4991-BA64-45FCA174C9D0}" type="datetimeFigureOut">
               <a:rPr lang="en-AU" smtClean="0"/>
-              <a:t>20/09/2013</a:t>
+              <a:pPr/>
+              <a:t>23/09/2013</a:t>
             </a:fld>
             <a:endParaRPr lang="en-AU"/>
           </a:p>
@@ -1385,6 +1399,7 @@
           <a:p>
             <a:fld id="{6F8D6B36-801A-43CC-A1E7-E45D6E11502E}" type="slidenum">
               <a:rPr lang="en-AU" smtClean="0"/>
+              <a:pPr/>
               <a:t>‹#›</a:t>
             </a:fld>
             <a:endParaRPr lang="en-AU"/>
@@ -1394,7 +1409,7 @@
     </p:spTree>
     <p:extLst>
       <p:ext uri="{BB962C8B-B14F-4D97-AF65-F5344CB8AC3E}">
-        <p14:creationId xmlns:p14="http://schemas.microsoft.com/office/powerpoint/2010/main" val="1940354534"/>
+        <p14:creationId xmlns="" xmlns:p14="http://schemas.microsoft.com/office/powerpoint/2010/main" val="1940354534"/>
       </p:ext>
     </p:extLst>
   </p:cSld>
@@ -1460,8 +1475,8 @@
         </p:nvSpPr>
         <p:spPr>
           <a:xfrm>
-            <a:off x="457200" y="1535113"/>
-            <a:ext cx="4040188" cy="639762"/>
+            <a:off x="457200" y="2014836"/>
+            <a:ext cx="4040188" cy="839688"/>
           </a:xfrm>
         </p:spPr>
         <p:txBody>
@@ -1525,8 +1540,8 @@
         </p:nvSpPr>
         <p:spPr>
           <a:xfrm>
-            <a:off x="457200" y="2174875"/>
-            <a:ext cx="4040188" cy="3951288"/>
+            <a:off x="457200" y="2854523"/>
+            <a:ext cx="4040188" cy="5186066"/>
           </a:xfrm>
         </p:spPr>
         <p:txBody>
@@ -1610,8 +1625,8 @@
         </p:nvSpPr>
         <p:spPr>
           <a:xfrm>
-            <a:off x="4645025" y="1535113"/>
-            <a:ext cx="4041775" cy="639762"/>
+            <a:off x="4645028" y="2014836"/>
+            <a:ext cx="4041775" cy="839688"/>
           </a:xfrm>
         </p:spPr>
         <p:txBody>
@@ -1675,8 +1690,8 @@
         </p:nvSpPr>
         <p:spPr>
           <a:xfrm>
-            <a:off x="4645025" y="2174875"/>
-            <a:ext cx="4041775" cy="3951288"/>
+            <a:off x="4645028" y="2854523"/>
+            <a:ext cx="4041775" cy="5186066"/>
           </a:xfrm>
         </p:spPr>
         <p:txBody>
@@ -1765,7 +1780,8 @@
           <a:p>
             <a:fld id="{23031417-08DC-4991-BA64-45FCA174C9D0}" type="datetimeFigureOut">
               <a:rPr lang="en-AU" smtClean="0"/>
-              <a:t>20/09/2013</a:t>
+              <a:pPr/>
+              <a:t>23/09/2013</a:t>
             </a:fld>
             <a:endParaRPr lang="en-AU"/>
           </a:p>
@@ -1807,6 +1823,7 @@
           <a:p>
             <a:fld id="{6F8D6B36-801A-43CC-A1E7-E45D6E11502E}" type="slidenum">
               <a:rPr lang="en-AU" smtClean="0"/>
+              <a:pPr/>
               <a:t>‹#›</a:t>
             </a:fld>
             <a:endParaRPr lang="en-AU"/>
@@ -1816,7 +1833,7 @@
     </p:spTree>
     <p:extLst>
       <p:ext uri="{BB962C8B-B14F-4D97-AF65-F5344CB8AC3E}">
-        <p14:creationId xmlns:p14="http://schemas.microsoft.com/office/powerpoint/2010/main" val="344776633"/>
+        <p14:creationId xmlns="" xmlns:p14="http://schemas.microsoft.com/office/powerpoint/2010/main" val="344776633"/>
       </p:ext>
     </p:extLst>
   </p:cSld>
@@ -1883,7 +1900,8 @@
           <a:p>
             <a:fld id="{23031417-08DC-4991-BA64-45FCA174C9D0}" type="datetimeFigureOut">
               <a:rPr lang="en-AU" smtClean="0"/>
-              <a:t>20/09/2013</a:t>
+              <a:pPr/>
+              <a:t>23/09/2013</a:t>
             </a:fld>
             <a:endParaRPr lang="en-AU"/>
           </a:p>
@@ -1925,6 +1943,7 @@
           <a:p>
             <a:fld id="{6F8D6B36-801A-43CC-A1E7-E45D6E11502E}" type="slidenum">
               <a:rPr lang="en-AU" smtClean="0"/>
+              <a:pPr/>
               <a:t>‹#›</a:t>
             </a:fld>
             <a:endParaRPr lang="en-AU"/>
@@ -1934,7 +1953,7 @@
     </p:spTree>
     <p:extLst>
       <p:ext uri="{BB962C8B-B14F-4D97-AF65-F5344CB8AC3E}">
-        <p14:creationId xmlns:p14="http://schemas.microsoft.com/office/powerpoint/2010/main" val="1569838215"/>
+        <p14:creationId xmlns="" xmlns:p14="http://schemas.microsoft.com/office/powerpoint/2010/main" val="1569838215"/>
       </p:ext>
     </p:extLst>
   </p:cSld>
@@ -1978,7 +1997,8 @@
           <a:p>
             <a:fld id="{23031417-08DC-4991-BA64-45FCA174C9D0}" type="datetimeFigureOut">
               <a:rPr lang="en-AU" smtClean="0"/>
-              <a:t>20/09/2013</a:t>
+              <a:pPr/>
+              <a:t>23/09/2013</a:t>
             </a:fld>
             <a:endParaRPr lang="en-AU"/>
           </a:p>
@@ -2020,6 +2040,7 @@
           <a:p>
             <a:fld id="{6F8D6B36-801A-43CC-A1E7-E45D6E11502E}" type="slidenum">
               <a:rPr lang="en-AU" smtClean="0"/>
+              <a:pPr/>
               <a:t>‹#›</a:t>
             </a:fld>
             <a:endParaRPr lang="en-AU"/>
@@ -2029,7 +2050,7 @@
     </p:spTree>
     <p:extLst>
       <p:ext uri="{BB962C8B-B14F-4D97-AF65-F5344CB8AC3E}">
-        <p14:creationId xmlns:p14="http://schemas.microsoft.com/office/powerpoint/2010/main" val="1917389887"/>
+        <p14:creationId xmlns="" xmlns:p14="http://schemas.microsoft.com/office/powerpoint/2010/main" val="1917389887"/>
       </p:ext>
     </p:extLst>
   </p:cSld>
@@ -2068,8 +2089,8 @@
         </p:nvSpPr>
         <p:spPr>
           <a:xfrm>
-            <a:off x="457200" y="273050"/>
-            <a:ext cx="3008313" cy="1162050"/>
+            <a:off x="457202" y="358379"/>
+            <a:ext cx="3008313" cy="1525191"/>
           </a:xfrm>
         </p:spPr>
         <p:txBody>
@@ -2100,8 +2121,8 @@
         </p:nvSpPr>
         <p:spPr>
           <a:xfrm>
-            <a:off x="3575050" y="273050"/>
-            <a:ext cx="5111750" cy="5853113"/>
+            <a:off x="3575050" y="358380"/>
+            <a:ext cx="5111750" cy="7682211"/>
           </a:xfrm>
         </p:spPr>
         <p:txBody>
@@ -2185,8 +2206,8 @@
         </p:nvSpPr>
         <p:spPr>
           <a:xfrm>
-            <a:off x="457200" y="1435100"/>
-            <a:ext cx="3008313" cy="4691063"/>
+            <a:off x="457202" y="1883571"/>
+            <a:ext cx="3008313" cy="6157020"/>
           </a:xfrm>
         </p:spPr>
         <p:txBody>
@@ -2255,7 +2276,8 @@
           <a:p>
             <a:fld id="{23031417-08DC-4991-BA64-45FCA174C9D0}" type="datetimeFigureOut">
               <a:rPr lang="en-AU" smtClean="0"/>
-              <a:t>20/09/2013</a:t>
+              <a:pPr/>
+              <a:t>23/09/2013</a:t>
             </a:fld>
             <a:endParaRPr lang="en-AU"/>
           </a:p>
@@ -2297,6 +2319,7 @@
           <a:p>
             <a:fld id="{6F8D6B36-801A-43CC-A1E7-E45D6E11502E}" type="slidenum">
               <a:rPr lang="en-AU" smtClean="0"/>
+              <a:pPr/>
               <a:t>‹#›</a:t>
             </a:fld>
             <a:endParaRPr lang="en-AU"/>
@@ -2306,7 +2329,7 @@
     </p:spTree>
     <p:extLst>
       <p:ext uri="{BB962C8B-B14F-4D97-AF65-F5344CB8AC3E}">
-        <p14:creationId xmlns:p14="http://schemas.microsoft.com/office/powerpoint/2010/main" val="3220937641"/>
+        <p14:creationId xmlns="" xmlns:p14="http://schemas.microsoft.com/office/powerpoint/2010/main" val="3220937641"/>
       </p:ext>
     </p:extLst>
   </p:cSld>
@@ -2345,8 +2368,8 @@
         </p:nvSpPr>
         <p:spPr>
           <a:xfrm>
-            <a:off x="1792288" y="4800600"/>
-            <a:ext cx="5486400" cy="566738"/>
+            <a:off x="1792288" y="6300787"/>
+            <a:ext cx="5486400" cy="743844"/>
           </a:xfrm>
         </p:spPr>
         <p:txBody>
@@ -2377,8 +2400,8 @@
         </p:nvSpPr>
         <p:spPr>
           <a:xfrm>
-            <a:off x="1792288" y="612775"/>
-            <a:ext cx="5486400" cy="4114800"/>
+            <a:off x="1792288" y="804267"/>
+            <a:ext cx="5486400" cy="5400675"/>
           </a:xfrm>
         </p:spPr>
         <p:txBody>
@@ -2438,8 +2461,8 @@
         </p:nvSpPr>
         <p:spPr>
           <a:xfrm>
-            <a:off x="1792288" y="5367338"/>
-            <a:ext cx="5486400" cy="804862"/>
+            <a:off x="1792288" y="7044633"/>
+            <a:ext cx="5486400" cy="1056381"/>
           </a:xfrm>
         </p:spPr>
         <p:txBody>
@@ -2508,7 +2531,8 @@
           <a:p>
             <a:fld id="{23031417-08DC-4991-BA64-45FCA174C9D0}" type="datetimeFigureOut">
               <a:rPr lang="en-AU" smtClean="0"/>
-              <a:t>20/09/2013</a:t>
+              <a:pPr/>
+              <a:t>23/09/2013</a:t>
             </a:fld>
             <a:endParaRPr lang="en-AU"/>
           </a:p>
@@ -2550,6 +2574,7 @@
           <a:p>
             <a:fld id="{6F8D6B36-801A-43CC-A1E7-E45D6E11502E}" type="slidenum">
               <a:rPr lang="en-AU" smtClean="0"/>
+              <a:pPr/>
               <a:t>‹#›</a:t>
             </a:fld>
             <a:endParaRPr lang="en-AU"/>
@@ -2559,7 +2584,7 @@
     </p:spTree>
     <p:extLst>
       <p:ext uri="{BB962C8B-B14F-4D97-AF65-F5344CB8AC3E}">
-        <p14:creationId xmlns:p14="http://schemas.microsoft.com/office/powerpoint/2010/main" val="1649930473"/>
+        <p14:creationId xmlns="" xmlns:p14="http://schemas.microsoft.com/office/powerpoint/2010/main" val="1649930473"/>
       </p:ext>
     </p:extLst>
   </p:cSld>
@@ -2603,8 +2628,8 @@
         </p:nvSpPr>
         <p:spPr>
           <a:xfrm>
-            <a:off x="457200" y="274638"/>
-            <a:ext cx="8229600" cy="1143000"/>
+            <a:off x="457200" y="360462"/>
+            <a:ext cx="8229600" cy="1500188"/>
           </a:xfrm>
           <a:prstGeom prst="rect">
             <a:avLst/>
@@ -2636,8 +2661,8 @@
         </p:nvSpPr>
         <p:spPr>
           <a:xfrm>
-            <a:off x="457200" y="1600200"/>
-            <a:ext cx="8229600" cy="4525963"/>
+            <a:off x="457200" y="2100265"/>
+            <a:ext cx="8229600" cy="5940326"/>
           </a:xfrm>
           <a:prstGeom prst="rect">
             <a:avLst/>
@@ -2698,8 +2723,8 @@
         </p:nvSpPr>
         <p:spPr>
           <a:xfrm>
-            <a:off x="457200" y="6356350"/>
-            <a:ext cx="2133600" cy="365125"/>
+            <a:off x="457200" y="8342711"/>
+            <a:ext cx="2133600" cy="479227"/>
           </a:xfrm>
           <a:prstGeom prst="rect">
             <a:avLst/>
@@ -2721,7 +2746,8 @@
           <a:p>
             <a:fld id="{23031417-08DC-4991-BA64-45FCA174C9D0}" type="datetimeFigureOut">
               <a:rPr lang="en-AU" smtClean="0"/>
-              <a:t>20/09/2013</a:t>
+              <a:pPr/>
+              <a:t>23/09/2013</a:t>
             </a:fld>
             <a:endParaRPr lang="en-AU"/>
           </a:p>
@@ -2739,8 +2765,8 @@
         </p:nvSpPr>
         <p:spPr>
           <a:xfrm>
-            <a:off x="3124200" y="6356350"/>
-            <a:ext cx="2895600" cy="365125"/>
+            <a:off x="3124200" y="8342711"/>
+            <a:ext cx="2895600" cy="479227"/>
           </a:xfrm>
           <a:prstGeom prst="rect">
             <a:avLst/>
@@ -2776,8 +2802,8 @@
         </p:nvSpPr>
         <p:spPr>
           <a:xfrm>
-            <a:off x="6553200" y="6356350"/>
-            <a:ext cx="2133600" cy="365125"/>
+            <a:off x="6553200" y="8342711"/>
+            <a:ext cx="2133600" cy="479227"/>
           </a:xfrm>
           <a:prstGeom prst="rect">
             <a:avLst/>
@@ -2799,6 +2825,7 @@
           <a:p>
             <a:fld id="{6F8D6B36-801A-43CC-A1E7-E45D6E11502E}" type="slidenum">
               <a:rPr lang="en-AU" smtClean="0"/>
+              <a:pPr/>
               <a:t>‹#›</a:t>
             </a:fld>
             <a:endParaRPr lang="en-AU"/>
@@ -2808,7 +2835,7 @@
     </p:spTree>
     <p:extLst>
       <p:ext uri="{BB962C8B-B14F-4D97-AF65-F5344CB8AC3E}">
-        <p14:creationId xmlns:p14="http://schemas.microsoft.com/office/powerpoint/2010/main" val="477204356"/>
+        <p14:creationId xmlns="" xmlns:p14="http://schemas.microsoft.com/office/powerpoint/2010/main" val="477204356"/>
       </p:ext>
     </p:extLst>
   </p:cSld>
@@ -3104,10 +3131,10 @@
         </p:nvGrpSpPr>
         <p:grpSpPr>
           <a:xfrm>
-            <a:off x="-36512" y="404664"/>
-            <a:ext cx="2880000" cy="5403660"/>
+            <a:off x="-36512" y="531121"/>
+            <a:ext cx="2880000" cy="6601785"/>
             <a:chOff x="0" y="0"/>
-            <a:chExt cx="2880000" cy="5403660"/>
+            <a:chExt cx="2880000" cy="5029931"/>
           </a:xfrm>
         </p:grpSpPr>
         <p:grpSp>
@@ -3119,9 +3146,9 @@
           <p:grpSpPr>
             <a:xfrm>
               <a:off x="0" y="0"/>
-              <a:ext cx="2880000" cy="5403660"/>
+              <a:ext cx="2880000" cy="5029931"/>
               <a:chOff x="0" y="0"/>
-              <a:chExt cx="2880000" cy="5403660"/>
+              <a:chExt cx="2880000" cy="5029931"/>
             </a:xfrm>
           </p:grpSpPr>
           <p:pic>
@@ -3136,7 +3163,7 @@
               <a:blip r:embed="rId2" cstate="print">
                 <a:extLst>
                   <a:ext uri="{28A0092B-C50C-407E-A947-70E740481C1C}">
-                    <a14:useLocalDpi xmlns:a14="http://schemas.microsoft.com/office/drawing/2010/main" val="0"/>
+                    <a14:useLocalDpi xmlns="" xmlns:a14="http://schemas.microsoft.com/office/drawing/2010/main" val="0"/>
                   </a:ext>
                 </a:extLst>
               </a:blip>
@@ -3159,14 +3186,14 @@
               </a:ln>
               <a:extLst>
                 <a:ext uri="{909E8E84-426E-40DD-AFC4-6F175D3DCCD1}">
-                  <a14:hiddenFill xmlns:a14="http://schemas.microsoft.com/office/drawing/2010/main">
+                  <a14:hiddenFill xmlns="" xmlns:a14="http://schemas.microsoft.com/office/drawing/2010/main">
                     <a:solidFill>
                       <a:schemeClr val="accent1"/>
                     </a:solidFill>
                   </a14:hiddenFill>
                 </a:ext>
                 <a:ext uri="{91240B29-F687-4F45-9708-019B960494DF}">
-                  <a14:hiddenLine xmlns:a14="http://schemas.microsoft.com/office/drawing/2010/main" w="9525">
+                  <a14:hiddenLine xmlns="" xmlns:a14="http://schemas.microsoft.com/office/drawing/2010/main" w="9525">
                     <a:solidFill>
                       <a:schemeClr val="tx1"/>
                     </a:solidFill>
@@ -3187,7 +3214,7 @@
             <p:spPr>
               <a:xfrm>
                 <a:off x="107504" y="3834000"/>
-                <a:ext cx="2664296" cy="1569660"/>
+                <a:ext cx="2664296" cy="1195931"/>
               </a:xfrm>
               <a:prstGeom prst="rect">
                 <a:avLst/>
@@ -3238,7 +3265,7 @@
           <p:spPr>
             <a:xfrm>
               <a:off x="35496" y="188640"/>
-              <a:ext cx="295274" cy="276999"/>
+              <a:ext cx="295274" cy="211047"/>
             </a:xfrm>
             <a:prstGeom prst="rect">
               <a:avLst/>
@@ -3274,7 +3301,7 @@
           <p:spPr>
             <a:xfrm>
               <a:off x="54795" y="703819"/>
-              <a:ext cx="295274" cy="276999"/>
+              <a:ext cx="295274" cy="211047"/>
             </a:xfrm>
             <a:prstGeom prst="rect">
               <a:avLst/>
@@ -3306,7 +3333,7 @@
           <p:spPr>
             <a:xfrm>
               <a:off x="35496" y="1412776"/>
-              <a:ext cx="295274" cy="276999"/>
+              <a:ext cx="295274" cy="211047"/>
             </a:xfrm>
             <a:prstGeom prst="rect">
               <a:avLst/>
@@ -3338,7 +3365,7 @@
           <p:spPr>
             <a:xfrm>
               <a:off x="35496" y="2060848"/>
-              <a:ext cx="295274" cy="276999"/>
+              <a:ext cx="295274" cy="211047"/>
             </a:xfrm>
             <a:prstGeom prst="rect">
               <a:avLst/>
@@ -3370,7 +3397,7 @@
           <p:spPr>
             <a:xfrm>
               <a:off x="35496" y="2708920"/>
-              <a:ext cx="287258" cy="276999"/>
+              <a:ext cx="287258" cy="211047"/>
             </a:xfrm>
             <a:prstGeom prst="rect">
               <a:avLst/>
@@ -3397,7 +3424,7 @@
     </p:spTree>
     <p:extLst>
       <p:ext uri="{BB962C8B-B14F-4D97-AF65-F5344CB8AC3E}">
-        <p14:creationId xmlns:p14="http://schemas.microsoft.com/office/powerpoint/2010/main" val="3990381557"/>
+        <p14:creationId xmlns="" xmlns:p14="http://schemas.microsoft.com/office/powerpoint/2010/main" val="3990381557"/>
       </p:ext>
     </p:extLst>
   </p:cSld>
@@ -3433,7 +3460,7 @@
         <p:spPr>
           <a:xfrm>
             <a:off x="0" y="0"/>
-            <a:ext cx="6120000" cy="8280000"/>
+            <a:ext cx="6120000" cy="10867500"/>
           </a:xfrm>
           <a:prstGeom prst="rect">
             <a:avLst/>
@@ -3475,7 +3502,7 @@
         <p:spPr>
           <a:xfrm>
             <a:off x="0" y="0"/>
-            <a:ext cx="3060000" cy="8280000"/>
+            <a:ext cx="3060000" cy="10867500"/>
           </a:xfrm>
           <a:prstGeom prst="rect">
             <a:avLst/>
@@ -3516,8 +3543,8 @@
         </p:nvSpPr>
         <p:spPr>
           <a:xfrm>
-            <a:off x="0" y="0"/>
-            <a:ext cx="6120000" cy="4140000"/>
+            <a:off x="0" y="1"/>
+            <a:ext cx="6120000" cy="5433750"/>
           </a:xfrm>
           <a:prstGeom prst="rect">
             <a:avLst/>
@@ -3558,7 +3585,7 @@
         </p:nvSpPr>
         <p:spPr>
           <a:xfrm>
-            <a:off x="0" y="0"/>
+            <a:off x="0" y="2"/>
             <a:ext cx="295274" cy="276999"/>
           </a:xfrm>
           <a:prstGeom prst="rect">
@@ -3626,7 +3653,7 @@
         </p:nvSpPr>
         <p:spPr>
           <a:xfrm>
-            <a:off x="0" y="4140000"/>
+            <a:off x="0" y="5433751"/>
             <a:ext cx="295274" cy="276999"/>
           </a:xfrm>
           <a:prstGeom prst="rect">
@@ -3658,7 +3685,7 @@
         </p:nvSpPr>
         <p:spPr>
           <a:xfrm>
-            <a:off x="3060000" y="4140000"/>
+            <a:off x="3060000" y="5433751"/>
             <a:ext cx="295274" cy="276999"/>
           </a:xfrm>
           <a:prstGeom prst="rect">
@@ -3694,7 +3721,7 @@
           <a:blip r:embed="rId2" cstate="print">
             <a:extLst>
               <a:ext uri="{28A0092B-C50C-407E-A947-70E740481C1C}">
-                <a14:useLocalDpi xmlns:a14="http://schemas.microsoft.com/office/drawing/2010/main" val="0"/>
+                <a14:useLocalDpi xmlns="" xmlns:a14="http://schemas.microsoft.com/office/drawing/2010/main" val="0"/>
               </a:ext>
             </a:extLst>
           </a:blip>
@@ -3703,8 +3730,8 @@
         </p:blipFill>
         <p:spPr bwMode="auto">
           <a:xfrm>
-            <a:off x="3114168" y="279072"/>
-            <a:ext cx="2970000" cy="3798000"/>
+            <a:off x="3114168" y="366282"/>
+            <a:ext cx="2970000" cy="4984875"/>
           </a:xfrm>
           <a:prstGeom prst="rect">
             <a:avLst/>
@@ -3715,14 +3742,14 @@
           </a:ln>
           <a:extLst>
             <a:ext uri="{909E8E84-426E-40DD-AFC4-6F175D3DCCD1}">
-              <a14:hiddenFill xmlns:a14="http://schemas.microsoft.com/office/drawing/2010/main">
+              <a14:hiddenFill xmlns="" xmlns:a14="http://schemas.microsoft.com/office/drawing/2010/main">
                 <a:solidFill>
                   <a:schemeClr val="accent1"/>
                 </a:solidFill>
               </a14:hiddenFill>
             </a:ext>
             <a:ext uri="{91240B29-F687-4F45-9708-019B960494DF}">
-              <a14:hiddenLine xmlns:a14="http://schemas.microsoft.com/office/drawing/2010/main" w="9525">
+              <a14:hiddenLine xmlns="" xmlns:a14="http://schemas.microsoft.com/office/drawing/2010/main" w="9525">
                 <a:solidFill>
                   <a:schemeClr val="tx1"/>
                 </a:solidFill>
@@ -3746,7 +3773,7 @@
           <a:blip r:embed="rId3" cstate="print">
             <a:extLst>
               <a:ext uri="{28A0092B-C50C-407E-A947-70E740481C1C}">
-                <a14:useLocalDpi xmlns:a14="http://schemas.microsoft.com/office/drawing/2010/main" val="0"/>
+                <a14:useLocalDpi xmlns="" xmlns:a14="http://schemas.microsoft.com/office/drawing/2010/main" val="0"/>
               </a:ext>
             </a:extLst>
           </a:blip>
@@ -3755,8 +3782,8 @@
         </p:blipFill>
         <p:spPr bwMode="auto">
           <a:xfrm>
-            <a:off x="107504" y="4401528"/>
-            <a:ext cx="2880000" cy="3780000"/>
+            <a:off x="107504" y="5755050"/>
+            <a:ext cx="2880000" cy="4961250"/>
           </a:xfrm>
           <a:prstGeom prst="rect">
             <a:avLst/>
@@ -3767,14 +3794,14 @@
           </a:ln>
           <a:extLst>
             <a:ext uri="{909E8E84-426E-40DD-AFC4-6F175D3DCCD1}">
-              <a14:hiddenFill xmlns:a14="http://schemas.microsoft.com/office/drawing/2010/main">
+              <a14:hiddenFill xmlns="" xmlns:a14="http://schemas.microsoft.com/office/drawing/2010/main">
                 <a:solidFill>
                   <a:schemeClr val="accent1"/>
                 </a:solidFill>
               </a14:hiddenFill>
             </a:ext>
             <a:ext uri="{91240B29-F687-4F45-9708-019B960494DF}">
-              <a14:hiddenLine xmlns:a14="http://schemas.microsoft.com/office/drawing/2010/main" w="9525">
+              <a14:hiddenLine xmlns="" xmlns:a14="http://schemas.microsoft.com/office/drawing/2010/main" w="9525">
                 <a:solidFill>
                   <a:schemeClr val="tx1"/>
                 </a:solidFill>
@@ -3798,7 +3825,7 @@
           <a:blip r:embed="rId4" cstate="print">
             <a:extLst>
               <a:ext uri="{28A0092B-C50C-407E-A947-70E740481C1C}">
-                <a14:useLocalDpi xmlns:a14="http://schemas.microsoft.com/office/drawing/2010/main" val="0"/>
+                <a14:useLocalDpi xmlns="" xmlns:a14="http://schemas.microsoft.com/office/drawing/2010/main" val="0"/>
               </a:ext>
             </a:extLst>
           </a:blip>
@@ -3807,8 +3834,8 @@
         </p:blipFill>
         <p:spPr bwMode="auto">
           <a:xfrm>
-            <a:off x="35496" y="279072"/>
-            <a:ext cx="2957549" cy="3798000"/>
+            <a:off x="35497" y="366282"/>
+            <a:ext cx="2957549" cy="4984875"/>
           </a:xfrm>
           <a:prstGeom prst="rect">
             <a:avLst/>
@@ -3819,14 +3846,14 @@
           </a:ln>
           <a:extLst>
             <a:ext uri="{909E8E84-426E-40DD-AFC4-6F175D3DCCD1}">
-              <a14:hiddenFill xmlns:a14="http://schemas.microsoft.com/office/drawing/2010/main">
+              <a14:hiddenFill xmlns="" xmlns:a14="http://schemas.microsoft.com/office/drawing/2010/main">
                 <a:solidFill>
                   <a:schemeClr val="accent1"/>
                 </a:solidFill>
               </a14:hiddenFill>
             </a:ext>
             <a:ext uri="{91240B29-F687-4F45-9708-019B960494DF}">
-              <a14:hiddenLine xmlns:a14="http://schemas.microsoft.com/office/drawing/2010/main" w="9525">
+              <a14:hiddenLine xmlns="" xmlns:a14="http://schemas.microsoft.com/office/drawing/2010/main" w="9525">
                 <a:solidFill>
                   <a:schemeClr val="tx1"/>
                 </a:solidFill>
@@ -3850,7 +3877,7 @@
           <a:blip r:embed="rId5" cstate="print">
             <a:extLst>
               <a:ext uri="{28A0092B-C50C-407E-A947-70E740481C1C}">
-                <a14:useLocalDpi xmlns:a14="http://schemas.microsoft.com/office/drawing/2010/main" val="0"/>
+                <a14:useLocalDpi xmlns="" xmlns:a14="http://schemas.microsoft.com/office/drawing/2010/main" val="0"/>
               </a:ext>
             </a:extLst>
           </a:blip>
@@ -3859,8 +3886,8 @@
         </p:blipFill>
         <p:spPr bwMode="auto">
           <a:xfrm>
-            <a:off x="3132168" y="4383528"/>
-            <a:ext cx="2952000" cy="3798000"/>
+            <a:off x="3132168" y="5753381"/>
+            <a:ext cx="2952000" cy="4984875"/>
           </a:xfrm>
           <a:prstGeom prst="rect">
             <a:avLst/>
@@ -3871,14 +3898,14 @@
           </a:ln>
           <a:extLst>
             <a:ext uri="{909E8E84-426E-40DD-AFC4-6F175D3DCCD1}">
-              <a14:hiddenFill xmlns:a14="http://schemas.microsoft.com/office/drawing/2010/main">
+              <a14:hiddenFill xmlns="" xmlns:a14="http://schemas.microsoft.com/office/drawing/2010/main">
                 <a:solidFill>
                   <a:schemeClr val="accent1"/>
                 </a:solidFill>
               </a14:hiddenFill>
             </a:ext>
             <a:ext uri="{91240B29-F687-4F45-9708-019B960494DF}">
-              <a14:hiddenLine xmlns:a14="http://schemas.microsoft.com/office/drawing/2010/main" w="9525">
+              <a14:hiddenLine xmlns="" xmlns:a14="http://schemas.microsoft.com/office/drawing/2010/main" w="9525">
                 <a:solidFill>
                   <a:schemeClr val="tx1"/>
                 </a:solidFill>
@@ -3893,9 +3920,1073 @@
     </p:spTree>
     <p:extLst>
       <p:ext uri="{BB962C8B-B14F-4D97-AF65-F5344CB8AC3E}">
-        <p14:creationId xmlns:p14="http://schemas.microsoft.com/office/powerpoint/2010/main" val="3227314395"/>
+        <p14:creationId xmlns="" xmlns:p14="http://schemas.microsoft.com/office/powerpoint/2010/main" val="3227314395"/>
       </p:ext>
     </p:extLst>
+  </p:cSld>
+  <p:clrMapOvr>
+    <a:masterClrMapping/>
+  </p:clrMapOvr>
+</p:sld>
+</file>
+
+<file path=ppt/slides/slide3.xml><?xml version="1.0" encoding="utf-8"?>
+<p:sld xmlns:a="http://schemas.openxmlformats.org/drawingml/2006/main" xmlns:r="http://schemas.openxmlformats.org/officeDocument/2006/relationships" xmlns:p="http://schemas.openxmlformats.org/presentationml/2006/main">
+  <p:cSld>
+    <p:spTree>
+      <p:nvGrpSpPr>
+        <p:cNvPr id="1" name=""/>
+        <p:cNvGrpSpPr/>
+        <p:nvPr/>
+      </p:nvGrpSpPr>
+      <p:grpSpPr>
+        <a:xfrm>
+          <a:off x="0" y="0"/>
+          <a:ext cx="0" cy="0"/>
+          <a:chOff x="0" y="0"/>
+          <a:chExt cx="0" cy="0"/>
+        </a:xfrm>
+      </p:grpSpPr>
+      <p:grpSp>
+        <p:nvGrpSpPr>
+          <p:cNvPr id="14" name="Group 13"/>
+          <p:cNvGrpSpPr/>
+          <p:nvPr/>
+        </p:nvGrpSpPr>
+        <p:grpSpPr>
+          <a:xfrm>
+            <a:off x="72008" y="63449"/>
+            <a:ext cx="6084168" cy="8181529"/>
+            <a:chOff x="0" y="-1"/>
+            <a:chExt cx="6084168" cy="8181529"/>
+          </a:xfrm>
+        </p:grpSpPr>
+        <p:sp>
+          <p:nvSpPr>
+            <p:cNvPr id="15" name="TextBox 14"/>
+            <p:cNvSpPr txBox="1"/>
+            <p:nvPr/>
+          </p:nvSpPr>
+          <p:spPr>
+            <a:xfrm>
+              <a:off x="0" y="1"/>
+              <a:ext cx="295274" cy="276999"/>
+            </a:xfrm>
+            <a:prstGeom prst="rect">
+              <a:avLst/>
+            </a:prstGeom>
+            <a:noFill/>
+          </p:spPr>
+          <p:txBody>
+            <a:bodyPr wrap="none" rtlCol="0">
+              <a:spAutoFit/>
+            </a:bodyPr>
+            <a:lstStyle/>
+            <a:p>
+              <a:r>
+                <a:rPr lang="en-AU" sz="1200" b="1" dirty="0" smtClean="0">
+                  <a:latin typeface="Arial" panose="020B0604020202020204" pitchFamily="34" charset="0"/>
+                  <a:cs typeface="Arial" panose="020B0604020202020204" pitchFamily="34" charset="0"/>
+                </a:rPr>
+                <a:t>A</a:t>
+              </a:r>
+              <a:endParaRPr lang="en-AU" sz="1200" b="1" dirty="0">
+                <a:latin typeface="Arial" panose="020B0604020202020204" pitchFamily="34" charset="0"/>
+                <a:cs typeface="Arial" panose="020B0604020202020204" pitchFamily="34" charset="0"/>
+              </a:endParaRPr>
+            </a:p>
+          </p:txBody>
+        </p:sp>
+        <p:sp>
+          <p:nvSpPr>
+            <p:cNvPr id="16" name="TextBox 15"/>
+            <p:cNvSpPr txBox="1"/>
+            <p:nvPr/>
+          </p:nvSpPr>
+          <p:spPr>
+            <a:xfrm>
+              <a:off x="3060000" y="-1"/>
+              <a:ext cx="295274" cy="276999"/>
+            </a:xfrm>
+            <a:prstGeom prst="rect">
+              <a:avLst/>
+            </a:prstGeom>
+            <a:noFill/>
+          </p:spPr>
+          <p:txBody>
+            <a:bodyPr wrap="none" rtlCol="0">
+              <a:spAutoFit/>
+            </a:bodyPr>
+            <a:lstStyle/>
+            <a:p>
+              <a:r>
+                <a:rPr lang="en-AU" sz="1200" b="1" dirty="0">
+                  <a:latin typeface="Arial" panose="020B0604020202020204" pitchFamily="34" charset="0"/>
+                  <a:cs typeface="Arial" panose="020B0604020202020204" pitchFamily="34" charset="0"/>
+                </a:rPr>
+                <a:t>B</a:t>
+              </a:r>
+            </a:p>
+          </p:txBody>
+        </p:sp>
+        <p:sp>
+          <p:nvSpPr>
+            <p:cNvPr id="17" name="TextBox 16"/>
+            <p:cNvSpPr txBox="1"/>
+            <p:nvPr/>
+          </p:nvSpPr>
+          <p:spPr>
+            <a:xfrm>
+              <a:off x="0" y="4140000"/>
+              <a:ext cx="295274" cy="276999"/>
+            </a:xfrm>
+            <a:prstGeom prst="rect">
+              <a:avLst/>
+            </a:prstGeom>
+            <a:noFill/>
+          </p:spPr>
+          <p:txBody>
+            <a:bodyPr wrap="none" rtlCol="0">
+              <a:spAutoFit/>
+            </a:bodyPr>
+            <a:lstStyle/>
+            <a:p>
+              <a:r>
+                <a:rPr lang="en-AU" sz="1200" b="1" dirty="0">
+                  <a:latin typeface="Arial" panose="020B0604020202020204" pitchFamily="34" charset="0"/>
+                  <a:cs typeface="Arial" panose="020B0604020202020204" pitchFamily="34" charset="0"/>
+                </a:rPr>
+                <a:t>C</a:t>
+              </a:r>
+            </a:p>
+          </p:txBody>
+        </p:sp>
+        <p:sp>
+          <p:nvSpPr>
+            <p:cNvPr id="18" name="TextBox 17"/>
+            <p:cNvSpPr txBox="1"/>
+            <p:nvPr/>
+          </p:nvSpPr>
+          <p:spPr>
+            <a:xfrm>
+              <a:off x="3060000" y="4140000"/>
+              <a:ext cx="295274" cy="276999"/>
+            </a:xfrm>
+            <a:prstGeom prst="rect">
+              <a:avLst/>
+            </a:prstGeom>
+            <a:noFill/>
+          </p:spPr>
+          <p:txBody>
+            <a:bodyPr wrap="none" rtlCol="0">
+              <a:spAutoFit/>
+            </a:bodyPr>
+            <a:lstStyle/>
+            <a:p>
+              <a:r>
+                <a:rPr lang="en-AU" sz="1200" b="1" dirty="0">
+                  <a:latin typeface="Arial" panose="020B0604020202020204" pitchFamily="34" charset="0"/>
+                  <a:cs typeface="Arial" panose="020B0604020202020204" pitchFamily="34" charset="0"/>
+                </a:rPr>
+                <a:t>D</a:t>
+              </a:r>
+            </a:p>
+          </p:txBody>
+        </p:sp>
+        <p:pic>
+          <p:nvPicPr>
+            <p:cNvPr id="19" name="Picture 2"/>
+            <p:cNvPicPr>
+              <a:picLocks noChangeAspect="1" noChangeArrowheads="1"/>
+            </p:cNvPicPr>
+            <p:nvPr/>
+          </p:nvPicPr>
+          <p:blipFill rotWithShape="1">
+            <a:blip r:embed="rId2" cstate="print">
+              <a:extLst>
+                <a:ext uri="{28A0092B-C50C-407E-A947-70E740481C1C}">
+                  <a14:useLocalDpi xmlns="" xmlns:a14="http://schemas.microsoft.com/office/drawing/2010/main" val="0"/>
+                </a:ext>
+              </a:extLst>
+            </a:blip>
+            <a:srcRect l="1969" t="4362" r="1958" b="3787"/>
+            <a:stretch/>
+          </p:blipFill>
+          <p:spPr bwMode="auto">
+            <a:xfrm>
+              <a:off x="3114168" y="279072"/>
+              <a:ext cx="2970000" cy="3798000"/>
+            </a:xfrm>
+            <a:prstGeom prst="rect">
+              <a:avLst/>
+            </a:prstGeom>
+            <a:noFill/>
+            <a:ln>
+              <a:noFill/>
+            </a:ln>
+            <a:extLst>
+              <a:ext uri="{909E8E84-426E-40DD-AFC4-6F175D3DCCD1}">
+                <a14:hiddenFill xmlns="" xmlns:a14="http://schemas.microsoft.com/office/drawing/2010/main">
+                  <a:solidFill>
+                    <a:schemeClr val="accent1"/>
+                  </a:solidFill>
+                </a14:hiddenFill>
+              </a:ext>
+              <a:ext uri="{91240B29-F687-4F45-9708-019B960494DF}">
+                <a14:hiddenLine xmlns="" xmlns:a14="http://schemas.microsoft.com/office/drawing/2010/main" w="9525">
+                  <a:solidFill>
+                    <a:schemeClr val="tx1"/>
+                  </a:solidFill>
+                  <a:miter lim="800000"/>
+                  <a:headEnd/>
+                  <a:tailEnd/>
+                </a14:hiddenLine>
+              </a:ext>
+            </a:extLst>
+          </p:spPr>
+        </p:pic>
+        <p:pic>
+          <p:nvPicPr>
+            <p:cNvPr id="20" name="Picture 4"/>
+            <p:cNvPicPr>
+              <a:picLocks noChangeAspect="1" noChangeArrowheads="1"/>
+            </p:cNvPicPr>
+            <p:nvPr/>
+          </p:nvPicPr>
+          <p:blipFill rotWithShape="1">
+            <a:blip r:embed="rId3" cstate="print">
+              <a:extLst>
+                <a:ext uri="{28A0092B-C50C-407E-A947-70E740481C1C}">
+                  <a14:useLocalDpi xmlns="" xmlns:a14="http://schemas.microsoft.com/office/drawing/2010/main" val="0"/>
+                </a:ext>
+              </a:extLst>
+            </a:blip>
+            <a:srcRect l="1639" t="3410" r="4642" b="4175"/>
+            <a:stretch/>
+          </p:blipFill>
+          <p:spPr bwMode="auto">
+            <a:xfrm>
+              <a:off x="107504" y="4384800"/>
+              <a:ext cx="2880000" cy="3780000"/>
+            </a:xfrm>
+            <a:prstGeom prst="rect">
+              <a:avLst/>
+            </a:prstGeom>
+            <a:noFill/>
+            <a:ln>
+              <a:noFill/>
+            </a:ln>
+            <a:extLst>
+              <a:ext uri="{909E8E84-426E-40DD-AFC4-6F175D3DCCD1}">
+                <a14:hiddenFill xmlns="" xmlns:a14="http://schemas.microsoft.com/office/drawing/2010/main">
+                  <a:solidFill>
+                    <a:schemeClr val="accent1"/>
+                  </a:solidFill>
+                </a14:hiddenFill>
+              </a:ext>
+              <a:ext uri="{91240B29-F687-4F45-9708-019B960494DF}">
+                <a14:hiddenLine xmlns="" xmlns:a14="http://schemas.microsoft.com/office/drawing/2010/main" w="9525">
+                  <a:solidFill>
+                    <a:schemeClr val="tx1"/>
+                  </a:solidFill>
+                  <a:miter lim="800000"/>
+                  <a:headEnd/>
+                  <a:tailEnd/>
+                </a14:hiddenLine>
+              </a:ext>
+            </a:extLst>
+          </p:spPr>
+        </p:pic>
+        <p:pic>
+          <p:nvPicPr>
+            <p:cNvPr id="21" name="Picture 5"/>
+            <p:cNvPicPr>
+              <a:picLocks noChangeAspect="1" noChangeArrowheads="1"/>
+            </p:cNvPicPr>
+            <p:nvPr/>
+          </p:nvPicPr>
+          <p:blipFill rotWithShape="1">
+            <a:blip r:embed="rId4" cstate="print">
+              <a:extLst>
+                <a:ext uri="{28A0092B-C50C-407E-A947-70E740481C1C}">
+                  <a14:useLocalDpi xmlns="" xmlns:a14="http://schemas.microsoft.com/office/drawing/2010/main" val="0"/>
+                </a:ext>
+              </a:extLst>
+            </a:blip>
+            <a:srcRect l="2176" t="3785" r="2226" b="4100"/>
+            <a:stretch/>
+          </p:blipFill>
+          <p:spPr bwMode="auto">
+            <a:xfrm>
+              <a:off x="35497" y="279072"/>
+              <a:ext cx="2957549" cy="3798000"/>
+            </a:xfrm>
+            <a:prstGeom prst="rect">
+              <a:avLst/>
+            </a:prstGeom>
+            <a:noFill/>
+            <a:ln>
+              <a:noFill/>
+            </a:ln>
+            <a:extLst>
+              <a:ext uri="{909E8E84-426E-40DD-AFC4-6F175D3DCCD1}">
+                <a14:hiddenFill xmlns="" xmlns:a14="http://schemas.microsoft.com/office/drawing/2010/main">
+                  <a:solidFill>
+                    <a:schemeClr val="accent1"/>
+                  </a:solidFill>
+                </a14:hiddenFill>
+              </a:ext>
+              <a:ext uri="{91240B29-F687-4F45-9708-019B960494DF}">
+                <a14:hiddenLine xmlns="" xmlns:a14="http://schemas.microsoft.com/office/drawing/2010/main" w="9525">
+                  <a:solidFill>
+                    <a:schemeClr val="tx1"/>
+                  </a:solidFill>
+                  <a:miter lim="800000"/>
+                  <a:headEnd/>
+                  <a:tailEnd/>
+                </a14:hiddenLine>
+              </a:ext>
+            </a:extLst>
+          </p:spPr>
+        </p:pic>
+        <p:pic>
+          <p:nvPicPr>
+            <p:cNvPr id="22" name="Picture 2"/>
+            <p:cNvPicPr>
+              <a:picLocks noChangeAspect="1" noChangeArrowheads="1"/>
+            </p:cNvPicPr>
+            <p:nvPr/>
+          </p:nvPicPr>
+          <p:blipFill rotWithShape="1">
+            <a:blip r:embed="rId5" cstate="print">
+              <a:extLst>
+                <a:ext uri="{28A0092B-C50C-407E-A947-70E740481C1C}">
+                  <a14:useLocalDpi xmlns="" xmlns:a14="http://schemas.microsoft.com/office/drawing/2010/main" val="0"/>
+                </a:ext>
+              </a:extLst>
+            </a:blip>
+            <a:srcRect l="2625" t="3804" r="2593" b="4238"/>
+            <a:stretch/>
+          </p:blipFill>
+          <p:spPr bwMode="auto">
+            <a:xfrm>
+              <a:off x="3132168" y="4383528"/>
+              <a:ext cx="2952000" cy="3798000"/>
+            </a:xfrm>
+            <a:prstGeom prst="rect">
+              <a:avLst/>
+            </a:prstGeom>
+            <a:noFill/>
+            <a:ln>
+              <a:noFill/>
+            </a:ln>
+            <a:extLst>
+              <a:ext uri="{909E8E84-426E-40DD-AFC4-6F175D3DCCD1}">
+                <a14:hiddenFill xmlns="" xmlns:a14="http://schemas.microsoft.com/office/drawing/2010/main">
+                  <a:solidFill>
+                    <a:schemeClr val="accent1"/>
+                  </a:solidFill>
+                </a14:hiddenFill>
+              </a:ext>
+              <a:ext uri="{91240B29-F687-4F45-9708-019B960494DF}">
+                <a14:hiddenLine xmlns="" xmlns:a14="http://schemas.microsoft.com/office/drawing/2010/main" w="9525">
+                  <a:solidFill>
+                    <a:schemeClr val="tx1"/>
+                  </a:solidFill>
+                  <a:miter lim="800000"/>
+                  <a:headEnd/>
+                  <a:tailEnd/>
+                </a14:hiddenLine>
+              </a:ext>
+            </a:extLst>
+          </p:spPr>
+        </p:pic>
+      </p:grpSp>
+    </p:spTree>
+    <p:extLst>
+      <p:ext uri="{BB962C8B-B14F-4D97-AF65-F5344CB8AC3E}">
+        <p14:creationId xmlns="" xmlns:p14="http://schemas.microsoft.com/office/powerpoint/2010/main" val="3227314395"/>
+      </p:ext>
+    </p:extLst>
+  </p:cSld>
+  <p:clrMapOvr>
+    <a:masterClrMapping/>
+  </p:clrMapOvr>
+</p:sld>
+</file>
+
+<file path=ppt/slides/slide4.xml><?xml version="1.0" encoding="utf-8"?>
+<p:sld xmlns:a="http://schemas.openxmlformats.org/drawingml/2006/main" xmlns:r="http://schemas.openxmlformats.org/officeDocument/2006/relationships" xmlns:p="http://schemas.openxmlformats.org/presentationml/2006/main">
+  <p:cSld>
+    <p:spTree>
+      <p:nvGrpSpPr>
+        <p:cNvPr id="1" name=""/>
+        <p:cNvGrpSpPr/>
+        <p:nvPr/>
+      </p:nvGrpSpPr>
+      <p:grpSpPr>
+        <a:xfrm>
+          <a:off x="0" y="0"/>
+          <a:ext cx="0" cy="0"/>
+          <a:chOff x="0" y="0"/>
+          <a:chExt cx="0" cy="0"/>
+        </a:xfrm>
+      </p:grpSpPr>
+      <p:grpSp>
+        <p:nvGrpSpPr>
+          <p:cNvPr id="14" name="Group 13"/>
+          <p:cNvGrpSpPr/>
+          <p:nvPr/>
+        </p:nvGrpSpPr>
+        <p:grpSpPr>
+          <a:xfrm>
+            <a:off x="2555776" y="1692250"/>
+            <a:ext cx="3173573" cy="3798000"/>
+            <a:chOff x="2555776" y="1692250"/>
+            <a:chExt cx="3173573" cy="3798000"/>
+          </a:xfrm>
+        </p:grpSpPr>
+        <p:grpSp>
+          <p:nvGrpSpPr>
+            <p:cNvPr id="4" name="Group 3"/>
+            <p:cNvGrpSpPr/>
+            <p:nvPr/>
+          </p:nvGrpSpPr>
+          <p:grpSpPr>
+            <a:xfrm>
+              <a:off x="2555776" y="1775291"/>
+              <a:ext cx="295274" cy="2930262"/>
+              <a:chOff x="35496" y="349801"/>
+              <a:chExt cx="295274" cy="2232582"/>
+            </a:xfrm>
+          </p:grpSpPr>
+          <p:sp>
+            <p:nvSpPr>
+              <p:cNvPr id="6" name="TextBox 5"/>
+              <p:cNvSpPr txBox="1"/>
+              <p:nvPr/>
+            </p:nvSpPr>
+            <p:spPr>
+              <a:xfrm>
+                <a:off x="35496" y="349801"/>
+                <a:ext cx="295274" cy="211047"/>
+              </a:xfrm>
+              <a:prstGeom prst="rect">
+                <a:avLst/>
+              </a:prstGeom>
+              <a:noFill/>
+            </p:spPr>
+            <p:txBody>
+              <a:bodyPr wrap="none" rtlCol="0">
+                <a:spAutoFit/>
+              </a:bodyPr>
+              <a:lstStyle/>
+              <a:p>
+                <a:r>
+                  <a:rPr lang="en-AU" sz="1200" b="1" dirty="0" smtClean="0">
+                    <a:latin typeface="Arial" panose="020B0604020202020204" pitchFamily="34" charset="0"/>
+                    <a:cs typeface="Arial" panose="020B0604020202020204" pitchFamily="34" charset="0"/>
+                  </a:rPr>
+                  <a:t>A</a:t>
+                </a:r>
+                <a:endParaRPr lang="en-AU" sz="1200" b="1" dirty="0">
+                  <a:latin typeface="Arial" panose="020B0604020202020204" pitchFamily="34" charset="0"/>
+                  <a:cs typeface="Arial" panose="020B0604020202020204" pitchFamily="34" charset="0"/>
+                </a:endParaRPr>
+              </a:p>
+            </p:txBody>
+          </p:sp>
+          <p:sp>
+            <p:nvSpPr>
+              <p:cNvPr id="7" name="TextBox 6"/>
+              <p:cNvSpPr txBox="1"/>
+              <p:nvPr/>
+            </p:nvSpPr>
+            <p:spPr>
+              <a:xfrm>
+                <a:off x="35496" y="788707"/>
+                <a:ext cx="295274" cy="211047"/>
+              </a:xfrm>
+              <a:prstGeom prst="rect">
+                <a:avLst/>
+              </a:prstGeom>
+              <a:noFill/>
+            </p:spPr>
+            <p:txBody>
+              <a:bodyPr wrap="none" rtlCol="0">
+                <a:spAutoFit/>
+              </a:bodyPr>
+              <a:lstStyle/>
+              <a:p>
+                <a:r>
+                  <a:rPr lang="en-AU" sz="1200" b="1" dirty="0">
+                    <a:latin typeface="Arial" panose="020B0604020202020204" pitchFamily="34" charset="0"/>
+                    <a:cs typeface="Arial" panose="020B0604020202020204" pitchFamily="34" charset="0"/>
+                  </a:rPr>
+                  <a:t>B</a:t>
+                </a:r>
+              </a:p>
+            </p:txBody>
+          </p:sp>
+          <p:sp>
+            <p:nvSpPr>
+              <p:cNvPr id="8" name="TextBox 7"/>
+              <p:cNvSpPr txBox="1"/>
+              <p:nvPr/>
+            </p:nvSpPr>
+            <p:spPr>
+              <a:xfrm>
+                <a:off x="35496" y="1383796"/>
+                <a:ext cx="295274" cy="211047"/>
+              </a:xfrm>
+              <a:prstGeom prst="rect">
+                <a:avLst/>
+              </a:prstGeom>
+              <a:noFill/>
+            </p:spPr>
+            <p:txBody>
+              <a:bodyPr wrap="none" rtlCol="0">
+                <a:spAutoFit/>
+              </a:bodyPr>
+              <a:lstStyle/>
+              <a:p>
+                <a:r>
+                  <a:rPr lang="en-AU" sz="1200" b="1" dirty="0">
+                    <a:latin typeface="Arial" panose="020B0604020202020204" pitchFamily="34" charset="0"/>
+                    <a:cs typeface="Arial" panose="020B0604020202020204" pitchFamily="34" charset="0"/>
+                  </a:rPr>
+                  <a:t>C</a:t>
+                </a:r>
+              </a:p>
+            </p:txBody>
+          </p:sp>
+          <p:sp>
+            <p:nvSpPr>
+              <p:cNvPr id="9" name="TextBox 8"/>
+              <p:cNvSpPr txBox="1"/>
+              <p:nvPr/>
+            </p:nvSpPr>
+            <p:spPr>
+              <a:xfrm>
+                <a:off x="35496" y="1877566"/>
+                <a:ext cx="295274" cy="211047"/>
+              </a:xfrm>
+              <a:prstGeom prst="rect">
+                <a:avLst/>
+              </a:prstGeom>
+              <a:noFill/>
+            </p:spPr>
+            <p:txBody>
+              <a:bodyPr wrap="none" rtlCol="0">
+                <a:spAutoFit/>
+              </a:bodyPr>
+              <a:lstStyle/>
+              <a:p>
+                <a:r>
+                  <a:rPr lang="en-AU" sz="1200" b="1" dirty="0">
+                    <a:latin typeface="Arial" panose="020B0604020202020204" pitchFamily="34" charset="0"/>
+                    <a:cs typeface="Arial" panose="020B0604020202020204" pitchFamily="34" charset="0"/>
+                  </a:rPr>
+                  <a:t>D</a:t>
+                </a:r>
+              </a:p>
+            </p:txBody>
+          </p:sp>
+          <p:sp>
+            <p:nvSpPr>
+              <p:cNvPr id="10" name="TextBox 9"/>
+              <p:cNvSpPr txBox="1"/>
+              <p:nvPr/>
+            </p:nvSpPr>
+            <p:spPr>
+              <a:xfrm>
+                <a:off x="35496" y="2371336"/>
+                <a:ext cx="287258" cy="211047"/>
+              </a:xfrm>
+              <a:prstGeom prst="rect">
+                <a:avLst/>
+              </a:prstGeom>
+              <a:noFill/>
+            </p:spPr>
+            <p:txBody>
+              <a:bodyPr wrap="none" rtlCol="0">
+                <a:spAutoFit/>
+              </a:bodyPr>
+              <a:lstStyle/>
+              <a:p>
+                <a:r>
+                  <a:rPr lang="en-AU" sz="1200" b="1" dirty="0">
+                    <a:latin typeface="Arial" panose="020B0604020202020204" pitchFamily="34" charset="0"/>
+                    <a:cs typeface="Arial" panose="020B0604020202020204" pitchFamily="34" charset="0"/>
+                  </a:rPr>
+                  <a:t>E</a:t>
+                </a:r>
+              </a:p>
+            </p:txBody>
+          </p:sp>
+        </p:grpSp>
+        <p:pic>
+          <p:nvPicPr>
+            <p:cNvPr id="13" name="Picture 5"/>
+            <p:cNvPicPr>
+              <a:picLocks noChangeAspect="1" noChangeArrowheads="1"/>
+            </p:cNvPicPr>
+            <p:nvPr/>
+          </p:nvPicPr>
+          <p:blipFill rotWithShape="1">
+            <a:blip r:embed="rId2" cstate="print">
+              <a:extLst>
+                <a:ext uri="{28A0092B-C50C-407E-A947-70E740481C1C}">
+                  <a14:useLocalDpi xmlns="" xmlns:a14="http://schemas.microsoft.com/office/drawing/2010/main" val="0"/>
+                </a:ext>
+              </a:extLst>
+            </a:blip>
+            <a:srcRect l="2176" t="3785" r="2226" b="4100"/>
+            <a:stretch/>
+          </p:blipFill>
+          <p:spPr bwMode="auto">
+            <a:xfrm>
+              <a:off x="2771800" y="1692250"/>
+              <a:ext cx="2957549" cy="3798000"/>
+            </a:xfrm>
+            <a:prstGeom prst="rect">
+              <a:avLst/>
+            </a:prstGeom>
+            <a:noFill/>
+            <a:ln>
+              <a:noFill/>
+            </a:ln>
+            <a:extLst>
+              <a:ext uri="{909E8E84-426E-40DD-AFC4-6F175D3DCCD1}">
+                <a14:hiddenFill xmlns="" xmlns:a14="http://schemas.microsoft.com/office/drawing/2010/main">
+                  <a:solidFill>
+                    <a:schemeClr val="accent1"/>
+                  </a:solidFill>
+                </a14:hiddenFill>
+              </a:ext>
+              <a:ext uri="{91240B29-F687-4F45-9708-019B960494DF}">
+                <a14:hiddenLine xmlns="" xmlns:a14="http://schemas.microsoft.com/office/drawing/2010/main" w="9525">
+                  <a:solidFill>
+                    <a:schemeClr val="tx1"/>
+                  </a:solidFill>
+                  <a:miter lim="800000"/>
+                  <a:headEnd/>
+                  <a:tailEnd/>
+                </a14:hiddenLine>
+              </a:ext>
+            </a:extLst>
+          </p:spPr>
+        </p:pic>
+      </p:grpSp>
+    </p:spTree>
+  </p:cSld>
+  <p:clrMapOvr>
+    <a:masterClrMapping/>
+  </p:clrMapOvr>
+</p:sld>
+</file>
+
+<file path=ppt/slides/slide5.xml><?xml version="1.0" encoding="utf-8"?>
+<p:sld xmlns:a="http://schemas.openxmlformats.org/drawingml/2006/main" xmlns:r="http://schemas.openxmlformats.org/officeDocument/2006/relationships" xmlns:p="http://schemas.openxmlformats.org/presentationml/2006/main">
+  <p:cSld>
+    <p:spTree>
+      <p:nvGrpSpPr>
+        <p:cNvPr id="1" name=""/>
+        <p:cNvGrpSpPr/>
+        <p:nvPr/>
+      </p:nvGrpSpPr>
+      <p:grpSpPr>
+        <a:xfrm>
+          <a:off x="0" y="0"/>
+          <a:ext cx="0" cy="0"/>
+          <a:chOff x="0" y="0"/>
+          <a:chExt cx="0" cy="0"/>
+        </a:xfrm>
+      </p:grpSpPr>
+      <p:sp>
+        <p:nvSpPr>
+          <p:cNvPr id="8" name="Rectangle 7"/>
+          <p:cNvSpPr/>
+          <p:nvPr/>
+        </p:nvSpPr>
+        <p:spPr>
+          <a:xfrm>
+            <a:off x="1260000" y="396106"/>
+            <a:ext cx="432048" cy="288032"/>
+          </a:xfrm>
+          <a:prstGeom prst="rect">
+            <a:avLst/>
+          </a:prstGeom>
+          <a:noFill/>
+          <a:ln w="6350">
+            <a:solidFill>
+              <a:schemeClr val="tx1"/>
+            </a:solidFill>
+          </a:ln>
+        </p:spPr>
+        <p:style>
+          <a:lnRef idx="2">
+            <a:schemeClr val="accent1">
+              <a:shade val="50000"/>
+            </a:schemeClr>
+          </a:lnRef>
+          <a:fillRef idx="1">
+            <a:schemeClr val="accent1"/>
+          </a:fillRef>
+          <a:effectRef idx="0">
+            <a:schemeClr val="accent1"/>
+          </a:effectRef>
+          <a:fontRef idx="minor">
+            <a:schemeClr val="lt1"/>
+          </a:fontRef>
+        </p:style>
+        <p:txBody>
+          <a:bodyPr rtlCol="0" anchor="ctr"/>
+          <a:lstStyle/>
+          <a:p>
+            <a:pPr algn="ctr"/>
+            <a:r>
+              <a:rPr lang="en-AU" sz="800" dirty="0" smtClean="0">
+                <a:latin typeface="Arial" pitchFamily="34" charset="0"/>
+                <a:cs typeface="Arial" pitchFamily="34" charset="0"/>
+              </a:rPr>
+              <a:t>F(x)</a:t>
+            </a:r>
+            <a:endParaRPr lang="en-AU" sz="800" dirty="0">
+              <a:latin typeface="Arial" pitchFamily="34" charset="0"/>
+              <a:cs typeface="Arial" pitchFamily="34" charset="0"/>
+            </a:endParaRPr>
+          </a:p>
+        </p:txBody>
+      </p:sp>
+      <p:sp>
+        <p:nvSpPr>
+          <p:cNvPr id="4" name="Rectangle 3"/>
+          <p:cNvSpPr/>
+          <p:nvPr/>
+        </p:nvSpPr>
+        <p:spPr>
+          <a:xfrm>
+            <a:off x="0" y="0"/>
+            <a:ext cx="2952000" cy="2556346"/>
+          </a:xfrm>
+          <a:prstGeom prst="rect">
+            <a:avLst/>
+          </a:prstGeom>
+          <a:noFill/>
+          <a:ln w="6350"/>
+        </p:spPr>
+        <p:style>
+          <a:lnRef idx="2">
+            <a:schemeClr val="accent1">
+              <a:shade val="50000"/>
+            </a:schemeClr>
+          </a:lnRef>
+          <a:fillRef idx="1">
+            <a:schemeClr val="accent1"/>
+          </a:fillRef>
+          <a:effectRef idx="0">
+            <a:schemeClr val="accent1"/>
+          </a:effectRef>
+          <a:fontRef idx="minor">
+            <a:schemeClr val="lt1"/>
+          </a:fontRef>
+        </p:style>
+        <p:txBody>
+          <a:bodyPr rtlCol="0" anchor="ctr"/>
+          <a:lstStyle/>
+          <a:p>
+            <a:pPr algn="ctr"/>
+            <a:endParaRPr lang="en-AU" dirty="0"/>
+          </a:p>
+        </p:txBody>
+      </p:sp>
+      <p:pic>
+        <p:nvPicPr>
+          <p:cNvPr id="1027" name="Picture 3"/>
+          <p:cNvPicPr>
+            <a:picLocks noChangeAspect="1" noChangeArrowheads="1"/>
+          </p:cNvPicPr>
+          <p:nvPr/>
+        </p:nvPicPr>
+        <p:blipFill>
+          <a:blip r:embed="rId2" cstate="print"/>
+          <a:srcRect l="14987" t="16322" r="14050" b="19224"/>
+          <a:stretch>
+            <a:fillRect/>
+          </a:stretch>
+        </p:blipFill>
+        <p:spPr bwMode="auto">
+          <a:xfrm>
+            <a:off x="18000" y="18000"/>
+            <a:ext cx="894095" cy="1048554"/>
+          </a:xfrm>
+          <a:prstGeom prst="rect">
+            <a:avLst/>
+          </a:prstGeom>
+          <a:noFill/>
+          <a:ln w="9525">
+            <a:noFill/>
+            <a:miter lim="800000"/>
+            <a:headEnd/>
+            <a:tailEnd/>
+          </a:ln>
+        </p:spPr>
+      </p:pic>
+      <p:pic>
+        <p:nvPicPr>
+          <p:cNvPr id="1028" name="Picture 4"/>
+          <p:cNvPicPr>
+            <a:picLocks noChangeAspect="1" noChangeArrowheads="1"/>
+          </p:cNvPicPr>
+          <p:nvPr/>
+        </p:nvPicPr>
+        <p:blipFill>
+          <a:blip r:embed="rId3" cstate="print"/>
+          <a:srcRect l="11622" t="20675" r="9763" b="22489"/>
+          <a:stretch>
+            <a:fillRect/>
+          </a:stretch>
+        </p:blipFill>
+        <p:spPr bwMode="auto">
+          <a:xfrm>
+            <a:off x="1944000" y="100800"/>
+            <a:ext cx="990550" cy="917847"/>
+          </a:xfrm>
+          <a:prstGeom prst="rect">
+            <a:avLst/>
+          </a:prstGeom>
+          <a:noFill/>
+          <a:ln w="9525">
+            <a:noFill/>
+            <a:miter lim="800000"/>
+            <a:headEnd/>
+            <a:tailEnd/>
+          </a:ln>
+        </p:spPr>
+      </p:pic>
+      <p:sp>
+        <p:nvSpPr>
+          <p:cNvPr id="9" name="TextBox 8"/>
+          <p:cNvSpPr txBox="1"/>
+          <p:nvPr/>
+        </p:nvSpPr>
+        <p:spPr>
+          <a:xfrm>
+            <a:off x="1267200" y="417600"/>
+            <a:ext cx="370614" cy="246221"/>
+          </a:xfrm>
+          <a:prstGeom prst="rect">
+            <a:avLst/>
+          </a:prstGeom>
+          <a:noFill/>
+        </p:spPr>
+        <p:txBody>
+          <a:bodyPr wrap="none" rtlCol="0">
+            <a:spAutoFit/>
+          </a:bodyPr>
+          <a:lstStyle/>
+          <a:p>
+            <a:r>
+              <a:rPr lang="en-AU" sz="1000" dirty="0" smtClean="0">
+                <a:latin typeface="Arial" pitchFamily="34" charset="0"/>
+                <a:cs typeface="Arial" pitchFamily="34" charset="0"/>
+              </a:rPr>
+              <a:t>f</a:t>
+            </a:r>
+            <a:r>
+              <a:rPr lang="en-AU" sz="1000" dirty="0" smtClean="0">
+                <a:latin typeface="Arial" pitchFamily="34" charset="0"/>
+                <a:cs typeface="Arial" pitchFamily="34" charset="0"/>
+              </a:rPr>
+              <a:t>(x)</a:t>
+            </a:r>
+            <a:endParaRPr lang="en-AU" sz="1000" dirty="0">
+              <a:latin typeface="Arial" pitchFamily="34" charset="0"/>
+              <a:cs typeface="Arial" pitchFamily="34" charset="0"/>
+            </a:endParaRPr>
+          </a:p>
+        </p:txBody>
+      </p:sp>
+      <p:cxnSp>
+        <p:nvCxnSpPr>
+          <p:cNvPr id="11" name="Straight Arrow Connector 10"/>
+          <p:cNvCxnSpPr>
+            <a:endCxn id="8" idx="1"/>
+          </p:cNvCxnSpPr>
+          <p:nvPr/>
+        </p:nvCxnSpPr>
+        <p:spPr>
+          <a:xfrm>
+            <a:off x="971600" y="540122"/>
+            <a:ext cx="288400" cy="0"/>
+          </a:xfrm>
+          <a:prstGeom prst="straightConnector1">
+            <a:avLst/>
+          </a:prstGeom>
+          <a:ln>
+            <a:solidFill>
+              <a:schemeClr val="tx1"/>
+            </a:solidFill>
+            <a:tailEnd type="arrow"/>
+          </a:ln>
+        </p:spPr>
+        <p:style>
+          <a:lnRef idx="1">
+            <a:schemeClr val="accent1"/>
+          </a:lnRef>
+          <a:fillRef idx="0">
+            <a:schemeClr val="accent1"/>
+          </a:fillRef>
+          <a:effectRef idx="0">
+            <a:schemeClr val="accent1"/>
+          </a:effectRef>
+          <a:fontRef idx="minor">
+            <a:schemeClr val="tx1"/>
+          </a:fontRef>
+        </p:style>
+      </p:cxnSp>
+      <p:cxnSp>
+        <p:nvCxnSpPr>
+          <p:cNvPr id="12" name="Straight Arrow Connector 11"/>
+          <p:cNvCxnSpPr/>
+          <p:nvPr/>
+        </p:nvCxnSpPr>
+        <p:spPr>
+          <a:xfrm>
+            <a:off x="1691680" y="540122"/>
+            <a:ext cx="288400" cy="0"/>
+          </a:xfrm>
+          <a:prstGeom prst="straightConnector1">
+            <a:avLst/>
+          </a:prstGeom>
+          <a:ln>
+            <a:solidFill>
+              <a:schemeClr val="tx1"/>
+            </a:solidFill>
+            <a:tailEnd type="arrow"/>
+          </a:ln>
+        </p:spPr>
+        <p:style>
+          <a:lnRef idx="1">
+            <a:schemeClr val="accent1"/>
+          </a:lnRef>
+          <a:fillRef idx="0">
+            <a:schemeClr val="accent1"/>
+          </a:fillRef>
+          <a:effectRef idx="0">
+            <a:schemeClr val="accent1"/>
+          </a:effectRef>
+          <a:fontRef idx="minor">
+            <a:schemeClr val="tx1"/>
+          </a:fontRef>
+        </p:style>
+      </p:cxnSp>
+      <p:pic>
+        <p:nvPicPr>
+          <p:cNvPr id="1029" name="Picture 5"/>
+          <p:cNvPicPr>
+            <a:picLocks noChangeAspect="1" noChangeArrowheads="1"/>
+          </p:cNvPicPr>
+          <p:nvPr/>
+        </p:nvPicPr>
+        <p:blipFill>
+          <a:blip r:embed="rId4" cstate="print"/>
+          <a:srcRect/>
+          <a:stretch>
+            <a:fillRect/>
+          </a:stretch>
+        </p:blipFill>
+        <p:spPr bwMode="auto">
+          <a:xfrm>
+            <a:off x="251520" y="1044178"/>
+            <a:ext cx="2520000" cy="1443958"/>
+          </a:xfrm>
+          <a:prstGeom prst="rect">
+            <a:avLst/>
+          </a:prstGeom>
+          <a:noFill/>
+          <a:ln w="9525">
+            <a:noFill/>
+            <a:miter lim="800000"/>
+            <a:headEnd/>
+            <a:tailEnd/>
+          </a:ln>
+        </p:spPr>
+      </p:pic>
+      <p:sp>
+        <p:nvSpPr>
+          <p:cNvPr id="14" name="TextBox 13"/>
+          <p:cNvSpPr txBox="1"/>
+          <p:nvPr/>
+        </p:nvSpPr>
+        <p:spPr>
+          <a:xfrm>
+            <a:off x="0" y="0"/>
+            <a:ext cx="295274" cy="276999"/>
+          </a:xfrm>
+          <a:prstGeom prst="rect">
+            <a:avLst/>
+          </a:prstGeom>
+          <a:noFill/>
+        </p:spPr>
+        <p:txBody>
+          <a:bodyPr wrap="none" rtlCol="0">
+            <a:spAutoFit/>
+          </a:bodyPr>
+          <a:lstStyle/>
+          <a:p>
+            <a:r>
+              <a:rPr lang="en-AU" sz="1200" b="1" dirty="0" smtClean="0">
+                <a:latin typeface="Arial" pitchFamily="34" charset="0"/>
+                <a:cs typeface="Arial" pitchFamily="34" charset="0"/>
+              </a:rPr>
+              <a:t>A</a:t>
+            </a:r>
+            <a:endParaRPr lang="en-AU" sz="1200" b="1" dirty="0">
+              <a:latin typeface="Arial" pitchFamily="34" charset="0"/>
+              <a:cs typeface="Arial" pitchFamily="34" charset="0"/>
+            </a:endParaRPr>
+          </a:p>
+        </p:txBody>
+      </p:sp>
+      <p:sp>
+        <p:nvSpPr>
+          <p:cNvPr id="15" name="TextBox 14"/>
+          <p:cNvSpPr txBox="1"/>
+          <p:nvPr/>
+        </p:nvSpPr>
+        <p:spPr>
+          <a:xfrm>
+            <a:off x="0" y="1116186"/>
+            <a:ext cx="295274" cy="276999"/>
+          </a:xfrm>
+          <a:prstGeom prst="rect">
+            <a:avLst/>
+          </a:prstGeom>
+          <a:noFill/>
+        </p:spPr>
+        <p:txBody>
+          <a:bodyPr wrap="none" rtlCol="0">
+            <a:spAutoFit/>
+          </a:bodyPr>
+          <a:lstStyle/>
+          <a:p>
+            <a:r>
+              <a:rPr lang="en-AU" sz="1200" b="1" dirty="0" smtClean="0">
+                <a:latin typeface="Arial" pitchFamily="34" charset="0"/>
+                <a:cs typeface="Arial" pitchFamily="34" charset="0"/>
+              </a:rPr>
+              <a:t>B</a:t>
+            </a:r>
+            <a:endParaRPr lang="en-AU" sz="1200" b="1" dirty="0">
+              <a:latin typeface="Arial" pitchFamily="34" charset="0"/>
+              <a:cs typeface="Arial" pitchFamily="34" charset="0"/>
+            </a:endParaRPr>
+          </a:p>
+        </p:txBody>
+      </p:sp>
+    </p:spTree>
   </p:cSld>
   <p:clrMapOvr>
     <a:masterClrMapping/>

--- a/fig/EstimationFigures.pptx
+++ b/fig/EstimationFigures.pptx
@@ -10,6 +10,9 @@
     <p:sldId id="259" r:id="rId4"/>
     <p:sldId id="260" r:id="rId5"/>
     <p:sldId id="261" r:id="rId6"/>
+    <p:sldId id="263" r:id="rId7"/>
+    <p:sldId id="262" r:id="rId8"/>
+    <p:sldId id="264" r:id="rId9"/>
   </p:sldIdLst>
   <p:sldSz cx="9144000" cy="9001125"/>
   <p:notesSz cx="6858000" cy="9144000"/>
@@ -293,7 +296,7 @@
             <a:fld id="{23031417-08DC-4991-BA64-45FCA174C9D0}" type="datetimeFigureOut">
               <a:rPr lang="en-AU" smtClean="0"/>
               <a:pPr/>
-              <a:t>23/09/2013</a:t>
+              <a:t>25/09/2013</a:t>
             </a:fld>
             <a:endParaRPr lang="en-AU"/>
           </a:p>
@@ -345,7 +348,7 @@
     </p:spTree>
     <p:extLst>
       <p:ext uri="{BB962C8B-B14F-4D97-AF65-F5344CB8AC3E}">
-        <p14:creationId xmlns="" xmlns:p14="http://schemas.microsoft.com/office/powerpoint/2010/main" val="1088028021"/>
+        <p14:creationId xmlns:p14="http://schemas.microsoft.com/office/powerpoint/2010/main" xmlns="" val="1088028021"/>
       </p:ext>
     </p:extLst>
   </p:cSld>
@@ -465,7 +468,7 @@
             <a:fld id="{23031417-08DC-4991-BA64-45FCA174C9D0}" type="datetimeFigureOut">
               <a:rPr lang="en-AU" smtClean="0"/>
               <a:pPr/>
-              <a:t>23/09/2013</a:t>
+              <a:t>25/09/2013</a:t>
             </a:fld>
             <a:endParaRPr lang="en-AU"/>
           </a:p>
@@ -517,7 +520,7 @@
     </p:spTree>
     <p:extLst>
       <p:ext uri="{BB962C8B-B14F-4D97-AF65-F5344CB8AC3E}">
-        <p14:creationId xmlns="" xmlns:p14="http://schemas.microsoft.com/office/powerpoint/2010/main" val="1651409770"/>
+        <p14:creationId xmlns:p14="http://schemas.microsoft.com/office/powerpoint/2010/main" xmlns="" val="1651409770"/>
       </p:ext>
     </p:extLst>
   </p:cSld>
@@ -647,7 +650,7 @@
             <a:fld id="{23031417-08DC-4991-BA64-45FCA174C9D0}" type="datetimeFigureOut">
               <a:rPr lang="en-AU" smtClean="0"/>
               <a:pPr/>
-              <a:t>23/09/2013</a:t>
+              <a:t>25/09/2013</a:t>
             </a:fld>
             <a:endParaRPr lang="en-AU"/>
           </a:p>
@@ -699,7 +702,7 @@
     </p:spTree>
     <p:extLst>
       <p:ext uri="{BB962C8B-B14F-4D97-AF65-F5344CB8AC3E}">
-        <p14:creationId xmlns="" xmlns:p14="http://schemas.microsoft.com/office/powerpoint/2010/main" val="434562314"/>
+        <p14:creationId xmlns:p14="http://schemas.microsoft.com/office/powerpoint/2010/main" xmlns="" val="434562314"/>
       </p:ext>
     </p:extLst>
   </p:cSld>
@@ -819,7 +822,7 @@
             <a:fld id="{23031417-08DC-4991-BA64-45FCA174C9D0}" type="datetimeFigureOut">
               <a:rPr lang="en-AU" smtClean="0"/>
               <a:pPr/>
-              <a:t>23/09/2013</a:t>
+              <a:t>25/09/2013</a:t>
             </a:fld>
             <a:endParaRPr lang="en-AU"/>
           </a:p>
@@ -871,7 +874,7 @@
     </p:spTree>
     <p:extLst>
       <p:ext uri="{BB962C8B-B14F-4D97-AF65-F5344CB8AC3E}">
-        <p14:creationId xmlns="" xmlns:p14="http://schemas.microsoft.com/office/powerpoint/2010/main" val="3995899577"/>
+        <p14:creationId xmlns:p14="http://schemas.microsoft.com/office/powerpoint/2010/main" xmlns="" val="3995899577"/>
       </p:ext>
     </p:extLst>
   </p:cSld>
@@ -1067,7 +1070,7 @@
             <a:fld id="{23031417-08DC-4991-BA64-45FCA174C9D0}" type="datetimeFigureOut">
               <a:rPr lang="en-AU" smtClean="0"/>
               <a:pPr/>
-              <a:t>23/09/2013</a:t>
+              <a:t>25/09/2013</a:t>
             </a:fld>
             <a:endParaRPr lang="en-AU"/>
           </a:p>
@@ -1119,7 +1122,7 @@
     </p:spTree>
     <p:extLst>
       <p:ext uri="{BB962C8B-B14F-4D97-AF65-F5344CB8AC3E}">
-        <p14:creationId xmlns="" xmlns:p14="http://schemas.microsoft.com/office/powerpoint/2010/main" val="4194826409"/>
+        <p14:creationId xmlns:p14="http://schemas.microsoft.com/office/powerpoint/2010/main" xmlns="" val="4194826409"/>
       </p:ext>
     </p:extLst>
   </p:cSld>
@@ -1357,7 +1360,7 @@
             <a:fld id="{23031417-08DC-4991-BA64-45FCA174C9D0}" type="datetimeFigureOut">
               <a:rPr lang="en-AU" smtClean="0"/>
               <a:pPr/>
-              <a:t>23/09/2013</a:t>
+              <a:t>25/09/2013</a:t>
             </a:fld>
             <a:endParaRPr lang="en-AU"/>
           </a:p>
@@ -1409,7 +1412,7 @@
     </p:spTree>
     <p:extLst>
       <p:ext uri="{BB962C8B-B14F-4D97-AF65-F5344CB8AC3E}">
-        <p14:creationId xmlns="" xmlns:p14="http://schemas.microsoft.com/office/powerpoint/2010/main" val="1940354534"/>
+        <p14:creationId xmlns:p14="http://schemas.microsoft.com/office/powerpoint/2010/main" xmlns="" val="1940354534"/>
       </p:ext>
     </p:extLst>
   </p:cSld>
@@ -1781,7 +1784,7 @@
             <a:fld id="{23031417-08DC-4991-BA64-45FCA174C9D0}" type="datetimeFigureOut">
               <a:rPr lang="en-AU" smtClean="0"/>
               <a:pPr/>
-              <a:t>23/09/2013</a:t>
+              <a:t>25/09/2013</a:t>
             </a:fld>
             <a:endParaRPr lang="en-AU"/>
           </a:p>
@@ -1833,7 +1836,7 @@
     </p:spTree>
     <p:extLst>
       <p:ext uri="{BB962C8B-B14F-4D97-AF65-F5344CB8AC3E}">
-        <p14:creationId xmlns="" xmlns:p14="http://schemas.microsoft.com/office/powerpoint/2010/main" val="344776633"/>
+        <p14:creationId xmlns:p14="http://schemas.microsoft.com/office/powerpoint/2010/main" xmlns="" val="344776633"/>
       </p:ext>
     </p:extLst>
   </p:cSld>
@@ -1901,7 +1904,7 @@
             <a:fld id="{23031417-08DC-4991-BA64-45FCA174C9D0}" type="datetimeFigureOut">
               <a:rPr lang="en-AU" smtClean="0"/>
               <a:pPr/>
-              <a:t>23/09/2013</a:t>
+              <a:t>25/09/2013</a:t>
             </a:fld>
             <a:endParaRPr lang="en-AU"/>
           </a:p>
@@ -1953,7 +1956,7 @@
     </p:spTree>
     <p:extLst>
       <p:ext uri="{BB962C8B-B14F-4D97-AF65-F5344CB8AC3E}">
-        <p14:creationId xmlns="" xmlns:p14="http://schemas.microsoft.com/office/powerpoint/2010/main" val="1569838215"/>
+        <p14:creationId xmlns:p14="http://schemas.microsoft.com/office/powerpoint/2010/main" xmlns="" val="1569838215"/>
       </p:ext>
     </p:extLst>
   </p:cSld>
@@ -1998,7 +2001,7 @@
             <a:fld id="{23031417-08DC-4991-BA64-45FCA174C9D0}" type="datetimeFigureOut">
               <a:rPr lang="en-AU" smtClean="0"/>
               <a:pPr/>
-              <a:t>23/09/2013</a:t>
+              <a:t>25/09/2013</a:t>
             </a:fld>
             <a:endParaRPr lang="en-AU"/>
           </a:p>
@@ -2050,7 +2053,7 @@
     </p:spTree>
     <p:extLst>
       <p:ext uri="{BB962C8B-B14F-4D97-AF65-F5344CB8AC3E}">
-        <p14:creationId xmlns="" xmlns:p14="http://schemas.microsoft.com/office/powerpoint/2010/main" val="1917389887"/>
+        <p14:creationId xmlns:p14="http://schemas.microsoft.com/office/powerpoint/2010/main" xmlns="" val="1917389887"/>
       </p:ext>
     </p:extLst>
   </p:cSld>
@@ -2277,7 +2280,7 @@
             <a:fld id="{23031417-08DC-4991-BA64-45FCA174C9D0}" type="datetimeFigureOut">
               <a:rPr lang="en-AU" smtClean="0"/>
               <a:pPr/>
-              <a:t>23/09/2013</a:t>
+              <a:t>25/09/2013</a:t>
             </a:fld>
             <a:endParaRPr lang="en-AU"/>
           </a:p>
@@ -2329,7 +2332,7 @@
     </p:spTree>
     <p:extLst>
       <p:ext uri="{BB962C8B-B14F-4D97-AF65-F5344CB8AC3E}">
-        <p14:creationId xmlns="" xmlns:p14="http://schemas.microsoft.com/office/powerpoint/2010/main" val="3220937641"/>
+        <p14:creationId xmlns:p14="http://schemas.microsoft.com/office/powerpoint/2010/main" xmlns="" val="3220937641"/>
       </p:ext>
     </p:extLst>
   </p:cSld>
@@ -2532,7 +2535,7 @@
             <a:fld id="{23031417-08DC-4991-BA64-45FCA174C9D0}" type="datetimeFigureOut">
               <a:rPr lang="en-AU" smtClean="0"/>
               <a:pPr/>
-              <a:t>23/09/2013</a:t>
+              <a:t>25/09/2013</a:t>
             </a:fld>
             <a:endParaRPr lang="en-AU"/>
           </a:p>
@@ -2584,7 +2587,7 @@
     </p:spTree>
     <p:extLst>
       <p:ext uri="{BB962C8B-B14F-4D97-AF65-F5344CB8AC3E}">
-        <p14:creationId xmlns="" xmlns:p14="http://schemas.microsoft.com/office/powerpoint/2010/main" val="1649930473"/>
+        <p14:creationId xmlns:p14="http://schemas.microsoft.com/office/powerpoint/2010/main" xmlns="" val="1649930473"/>
       </p:ext>
     </p:extLst>
   </p:cSld>
@@ -2747,7 +2750,7 @@
             <a:fld id="{23031417-08DC-4991-BA64-45FCA174C9D0}" type="datetimeFigureOut">
               <a:rPr lang="en-AU" smtClean="0"/>
               <a:pPr/>
-              <a:t>23/09/2013</a:t>
+              <a:t>25/09/2013</a:t>
             </a:fld>
             <a:endParaRPr lang="en-AU"/>
           </a:p>
@@ -2835,7 +2838,7 @@
     </p:spTree>
     <p:extLst>
       <p:ext uri="{BB962C8B-B14F-4D97-AF65-F5344CB8AC3E}">
-        <p14:creationId xmlns="" xmlns:p14="http://schemas.microsoft.com/office/powerpoint/2010/main" val="477204356"/>
+        <p14:creationId xmlns:p14="http://schemas.microsoft.com/office/powerpoint/2010/main" xmlns="" val="477204356"/>
       </p:ext>
     </p:extLst>
   </p:cSld>
@@ -3163,7 +3166,7 @@
               <a:blip r:embed="rId2" cstate="print">
                 <a:extLst>
                   <a:ext uri="{28A0092B-C50C-407E-A947-70E740481C1C}">
-                    <a14:useLocalDpi xmlns="" xmlns:a14="http://schemas.microsoft.com/office/drawing/2010/main" val="0"/>
+                    <a14:useLocalDpi xmlns:a14="http://schemas.microsoft.com/office/drawing/2010/main" xmlns="" val="0"/>
                   </a:ext>
                 </a:extLst>
               </a:blip>
@@ -3186,14 +3189,14 @@
               </a:ln>
               <a:extLst>
                 <a:ext uri="{909E8E84-426E-40DD-AFC4-6F175D3DCCD1}">
-                  <a14:hiddenFill xmlns="" xmlns:a14="http://schemas.microsoft.com/office/drawing/2010/main">
+                  <a14:hiddenFill xmlns:a14="http://schemas.microsoft.com/office/drawing/2010/main" xmlns="">
                     <a:solidFill>
                       <a:schemeClr val="accent1"/>
                     </a:solidFill>
                   </a14:hiddenFill>
                 </a:ext>
                 <a:ext uri="{91240B29-F687-4F45-9708-019B960494DF}">
-                  <a14:hiddenLine xmlns="" xmlns:a14="http://schemas.microsoft.com/office/drawing/2010/main" w="9525">
+                  <a14:hiddenLine xmlns:a14="http://schemas.microsoft.com/office/drawing/2010/main" xmlns="" w="9525">
                     <a:solidFill>
                       <a:schemeClr val="tx1"/>
                     </a:solidFill>
@@ -3424,7 +3427,7 @@
     </p:spTree>
     <p:extLst>
       <p:ext uri="{BB962C8B-B14F-4D97-AF65-F5344CB8AC3E}">
-        <p14:creationId xmlns="" xmlns:p14="http://schemas.microsoft.com/office/powerpoint/2010/main" val="3990381557"/>
+        <p14:creationId xmlns:p14="http://schemas.microsoft.com/office/powerpoint/2010/main" xmlns="" val="3990381557"/>
       </p:ext>
     </p:extLst>
   </p:cSld>
@@ -3721,7 +3724,7 @@
           <a:blip r:embed="rId2" cstate="print">
             <a:extLst>
               <a:ext uri="{28A0092B-C50C-407E-A947-70E740481C1C}">
-                <a14:useLocalDpi xmlns="" xmlns:a14="http://schemas.microsoft.com/office/drawing/2010/main" val="0"/>
+                <a14:useLocalDpi xmlns:a14="http://schemas.microsoft.com/office/drawing/2010/main" xmlns="" val="0"/>
               </a:ext>
             </a:extLst>
           </a:blip>
@@ -3742,14 +3745,14 @@
           </a:ln>
           <a:extLst>
             <a:ext uri="{909E8E84-426E-40DD-AFC4-6F175D3DCCD1}">
-              <a14:hiddenFill xmlns="" xmlns:a14="http://schemas.microsoft.com/office/drawing/2010/main">
+              <a14:hiddenFill xmlns:a14="http://schemas.microsoft.com/office/drawing/2010/main" xmlns="">
                 <a:solidFill>
                   <a:schemeClr val="accent1"/>
                 </a:solidFill>
               </a14:hiddenFill>
             </a:ext>
             <a:ext uri="{91240B29-F687-4F45-9708-019B960494DF}">
-              <a14:hiddenLine xmlns="" xmlns:a14="http://schemas.microsoft.com/office/drawing/2010/main" w="9525">
+              <a14:hiddenLine xmlns:a14="http://schemas.microsoft.com/office/drawing/2010/main" xmlns="" w="9525">
                 <a:solidFill>
                   <a:schemeClr val="tx1"/>
                 </a:solidFill>
@@ -3773,7 +3776,7 @@
           <a:blip r:embed="rId3" cstate="print">
             <a:extLst>
               <a:ext uri="{28A0092B-C50C-407E-A947-70E740481C1C}">
-                <a14:useLocalDpi xmlns="" xmlns:a14="http://schemas.microsoft.com/office/drawing/2010/main" val="0"/>
+                <a14:useLocalDpi xmlns:a14="http://schemas.microsoft.com/office/drawing/2010/main" xmlns="" val="0"/>
               </a:ext>
             </a:extLst>
           </a:blip>
@@ -3794,14 +3797,14 @@
           </a:ln>
           <a:extLst>
             <a:ext uri="{909E8E84-426E-40DD-AFC4-6F175D3DCCD1}">
-              <a14:hiddenFill xmlns="" xmlns:a14="http://schemas.microsoft.com/office/drawing/2010/main">
+              <a14:hiddenFill xmlns:a14="http://schemas.microsoft.com/office/drawing/2010/main" xmlns="">
                 <a:solidFill>
                   <a:schemeClr val="accent1"/>
                 </a:solidFill>
               </a14:hiddenFill>
             </a:ext>
             <a:ext uri="{91240B29-F687-4F45-9708-019B960494DF}">
-              <a14:hiddenLine xmlns="" xmlns:a14="http://schemas.microsoft.com/office/drawing/2010/main" w="9525">
+              <a14:hiddenLine xmlns:a14="http://schemas.microsoft.com/office/drawing/2010/main" xmlns="" w="9525">
                 <a:solidFill>
                   <a:schemeClr val="tx1"/>
                 </a:solidFill>
@@ -3825,7 +3828,7 @@
           <a:blip r:embed="rId4" cstate="print">
             <a:extLst>
               <a:ext uri="{28A0092B-C50C-407E-A947-70E740481C1C}">
-                <a14:useLocalDpi xmlns="" xmlns:a14="http://schemas.microsoft.com/office/drawing/2010/main" val="0"/>
+                <a14:useLocalDpi xmlns:a14="http://schemas.microsoft.com/office/drawing/2010/main" xmlns="" val="0"/>
               </a:ext>
             </a:extLst>
           </a:blip>
@@ -3846,14 +3849,14 @@
           </a:ln>
           <a:extLst>
             <a:ext uri="{909E8E84-426E-40DD-AFC4-6F175D3DCCD1}">
-              <a14:hiddenFill xmlns="" xmlns:a14="http://schemas.microsoft.com/office/drawing/2010/main">
+              <a14:hiddenFill xmlns:a14="http://schemas.microsoft.com/office/drawing/2010/main" xmlns="">
                 <a:solidFill>
                   <a:schemeClr val="accent1"/>
                 </a:solidFill>
               </a14:hiddenFill>
             </a:ext>
             <a:ext uri="{91240B29-F687-4F45-9708-019B960494DF}">
-              <a14:hiddenLine xmlns="" xmlns:a14="http://schemas.microsoft.com/office/drawing/2010/main" w="9525">
+              <a14:hiddenLine xmlns:a14="http://schemas.microsoft.com/office/drawing/2010/main" xmlns="" w="9525">
                 <a:solidFill>
                   <a:schemeClr val="tx1"/>
                 </a:solidFill>
@@ -3877,7 +3880,7 @@
           <a:blip r:embed="rId5" cstate="print">
             <a:extLst>
               <a:ext uri="{28A0092B-C50C-407E-A947-70E740481C1C}">
-                <a14:useLocalDpi xmlns="" xmlns:a14="http://schemas.microsoft.com/office/drawing/2010/main" val="0"/>
+                <a14:useLocalDpi xmlns:a14="http://schemas.microsoft.com/office/drawing/2010/main" xmlns="" val="0"/>
               </a:ext>
             </a:extLst>
           </a:blip>
@@ -3898,14 +3901,14 @@
           </a:ln>
           <a:extLst>
             <a:ext uri="{909E8E84-426E-40DD-AFC4-6F175D3DCCD1}">
-              <a14:hiddenFill xmlns="" xmlns:a14="http://schemas.microsoft.com/office/drawing/2010/main">
+              <a14:hiddenFill xmlns:a14="http://schemas.microsoft.com/office/drawing/2010/main" xmlns="">
                 <a:solidFill>
                   <a:schemeClr val="accent1"/>
                 </a:solidFill>
               </a14:hiddenFill>
             </a:ext>
             <a:ext uri="{91240B29-F687-4F45-9708-019B960494DF}">
-              <a14:hiddenLine xmlns="" xmlns:a14="http://schemas.microsoft.com/office/drawing/2010/main" w="9525">
+              <a14:hiddenLine xmlns:a14="http://schemas.microsoft.com/office/drawing/2010/main" xmlns="" w="9525">
                 <a:solidFill>
                   <a:schemeClr val="tx1"/>
                 </a:solidFill>
@@ -3920,7 +3923,7 @@
     </p:spTree>
     <p:extLst>
       <p:ext uri="{BB962C8B-B14F-4D97-AF65-F5344CB8AC3E}">
-        <p14:creationId xmlns="" xmlns:p14="http://schemas.microsoft.com/office/powerpoint/2010/main" val="3227314395"/>
+        <p14:creationId xmlns:p14="http://schemas.microsoft.com/office/powerpoint/2010/main" xmlns="" val="3227314395"/>
       </p:ext>
     </p:extLst>
   </p:cSld>
@@ -4105,7 +4108,7 @@
             <a:blip r:embed="rId2" cstate="print">
               <a:extLst>
                 <a:ext uri="{28A0092B-C50C-407E-A947-70E740481C1C}">
-                  <a14:useLocalDpi xmlns="" xmlns:a14="http://schemas.microsoft.com/office/drawing/2010/main" val="0"/>
+                  <a14:useLocalDpi xmlns:a14="http://schemas.microsoft.com/office/drawing/2010/main" xmlns="" val="0"/>
                 </a:ext>
               </a:extLst>
             </a:blip>
@@ -4126,14 +4129,14 @@
             </a:ln>
             <a:extLst>
               <a:ext uri="{909E8E84-426E-40DD-AFC4-6F175D3DCCD1}">
-                <a14:hiddenFill xmlns="" xmlns:a14="http://schemas.microsoft.com/office/drawing/2010/main">
+                <a14:hiddenFill xmlns:a14="http://schemas.microsoft.com/office/drawing/2010/main" xmlns="">
                   <a:solidFill>
                     <a:schemeClr val="accent1"/>
                   </a:solidFill>
                 </a14:hiddenFill>
               </a:ext>
               <a:ext uri="{91240B29-F687-4F45-9708-019B960494DF}">
-                <a14:hiddenLine xmlns="" xmlns:a14="http://schemas.microsoft.com/office/drawing/2010/main" w="9525">
+                <a14:hiddenLine xmlns:a14="http://schemas.microsoft.com/office/drawing/2010/main" xmlns="" w="9525">
                   <a:solidFill>
                     <a:schemeClr val="tx1"/>
                   </a:solidFill>
@@ -4157,7 +4160,7 @@
             <a:blip r:embed="rId3" cstate="print">
               <a:extLst>
                 <a:ext uri="{28A0092B-C50C-407E-A947-70E740481C1C}">
-                  <a14:useLocalDpi xmlns="" xmlns:a14="http://schemas.microsoft.com/office/drawing/2010/main" val="0"/>
+                  <a14:useLocalDpi xmlns:a14="http://schemas.microsoft.com/office/drawing/2010/main" xmlns="" val="0"/>
                 </a:ext>
               </a:extLst>
             </a:blip>
@@ -4178,14 +4181,14 @@
             </a:ln>
             <a:extLst>
               <a:ext uri="{909E8E84-426E-40DD-AFC4-6F175D3DCCD1}">
-                <a14:hiddenFill xmlns="" xmlns:a14="http://schemas.microsoft.com/office/drawing/2010/main">
+                <a14:hiddenFill xmlns:a14="http://schemas.microsoft.com/office/drawing/2010/main" xmlns="">
                   <a:solidFill>
                     <a:schemeClr val="accent1"/>
                   </a:solidFill>
                 </a14:hiddenFill>
               </a:ext>
               <a:ext uri="{91240B29-F687-4F45-9708-019B960494DF}">
-                <a14:hiddenLine xmlns="" xmlns:a14="http://schemas.microsoft.com/office/drawing/2010/main" w="9525">
+                <a14:hiddenLine xmlns:a14="http://schemas.microsoft.com/office/drawing/2010/main" xmlns="" w="9525">
                   <a:solidFill>
                     <a:schemeClr val="tx1"/>
                   </a:solidFill>
@@ -4209,7 +4212,7 @@
             <a:blip r:embed="rId4" cstate="print">
               <a:extLst>
                 <a:ext uri="{28A0092B-C50C-407E-A947-70E740481C1C}">
-                  <a14:useLocalDpi xmlns="" xmlns:a14="http://schemas.microsoft.com/office/drawing/2010/main" val="0"/>
+                  <a14:useLocalDpi xmlns:a14="http://schemas.microsoft.com/office/drawing/2010/main" xmlns="" val="0"/>
                 </a:ext>
               </a:extLst>
             </a:blip>
@@ -4230,14 +4233,14 @@
             </a:ln>
             <a:extLst>
               <a:ext uri="{909E8E84-426E-40DD-AFC4-6F175D3DCCD1}">
-                <a14:hiddenFill xmlns="" xmlns:a14="http://schemas.microsoft.com/office/drawing/2010/main">
+                <a14:hiddenFill xmlns:a14="http://schemas.microsoft.com/office/drawing/2010/main" xmlns="">
                   <a:solidFill>
                     <a:schemeClr val="accent1"/>
                   </a:solidFill>
                 </a14:hiddenFill>
               </a:ext>
               <a:ext uri="{91240B29-F687-4F45-9708-019B960494DF}">
-                <a14:hiddenLine xmlns="" xmlns:a14="http://schemas.microsoft.com/office/drawing/2010/main" w="9525">
+                <a14:hiddenLine xmlns:a14="http://schemas.microsoft.com/office/drawing/2010/main" xmlns="" w="9525">
                   <a:solidFill>
                     <a:schemeClr val="tx1"/>
                   </a:solidFill>
@@ -4261,7 +4264,7 @@
             <a:blip r:embed="rId5" cstate="print">
               <a:extLst>
                 <a:ext uri="{28A0092B-C50C-407E-A947-70E740481C1C}">
-                  <a14:useLocalDpi xmlns="" xmlns:a14="http://schemas.microsoft.com/office/drawing/2010/main" val="0"/>
+                  <a14:useLocalDpi xmlns:a14="http://schemas.microsoft.com/office/drawing/2010/main" xmlns="" val="0"/>
                 </a:ext>
               </a:extLst>
             </a:blip>
@@ -4282,14 +4285,14 @@
             </a:ln>
             <a:extLst>
               <a:ext uri="{909E8E84-426E-40DD-AFC4-6F175D3DCCD1}">
-                <a14:hiddenFill xmlns="" xmlns:a14="http://schemas.microsoft.com/office/drawing/2010/main">
+                <a14:hiddenFill xmlns:a14="http://schemas.microsoft.com/office/drawing/2010/main" xmlns="">
                   <a:solidFill>
                     <a:schemeClr val="accent1"/>
                   </a:solidFill>
                 </a14:hiddenFill>
               </a:ext>
               <a:ext uri="{91240B29-F687-4F45-9708-019B960494DF}">
-                <a14:hiddenLine xmlns="" xmlns:a14="http://schemas.microsoft.com/office/drawing/2010/main" w="9525">
+                <a14:hiddenLine xmlns:a14="http://schemas.microsoft.com/office/drawing/2010/main" xmlns="" w="9525">
                   <a:solidFill>
                     <a:schemeClr val="tx1"/>
                   </a:solidFill>
@@ -4305,7 +4308,7 @@
     </p:spTree>
     <p:extLst>
       <p:ext uri="{BB962C8B-B14F-4D97-AF65-F5344CB8AC3E}">
-        <p14:creationId xmlns="" xmlns:p14="http://schemas.microsoft.com/office/powerpoint/2010/main" val="3227314395"/>
+        <p14:creationId xmlns:p14="http://schemas.microsoft.com/office/powerpoint/2010/main" xmlns="" val="3227314395"/>
       </p:ext>
     </p:extLst>
   </p:cSld>
@@ -4537,7 +4540,7 @@
             <a:blip r:embed="rId2" cstate="print">
               <a:extLst>
                 <a:ext uri="{28A0092B-C50C-407E-A947-70E740481C1C}">
-                  <a14:useLocalDpi xmlns="" xmlns:a14="http://schemas.microsoft.com/office/drawing/2010/main" val="0"/>
+                  <a14:useLocalDpi xmlns:a14="http://schemas.microsoft.com/office/drawing/2010/main" xmlns="" val="0"/>
                 </a:ext>
               </a:extLst>
             </a:blip>
@@ -4558,14 +4561,14 @@
             </a:ln>
             <a:extLst>
               <a:ext uri="{909E8E84-426E-40DD-AFC4-6F175D3DCCD1}">
-                <a14:hiddenFill xmlns="" xmlns:a14="http://schemas.microsoft.com/office/drawing/2010/main">
+                <a14:hiddenFill xmlns:a14="http://schemas.microsoft.com/office/drawing/2010/main" xmlns="">
                   <a:solidFill>
                     <a:schemeClr val="accent1"/>
                   </a:solidFill>
                 </a14:hiddenFill>
               </a:ext>
               <a:ext uri="{91240B29-F687-4F45-9708-019B960494DF}">
-                <a14:hiddenLine xmlns="" xmlns:a14="http://schemas.microsoft.com/office/drawing/2010/main" w="9525">
+                <a14:hiddenLine xmlns:a14="http://schemas.microsoft.com/office/drawing/2010/main" xmlns="" w="9525">
                   <a:solidFill>
                     <a:schemeClr val="tx1"/>
                   </a:solidFill>
@@ -4792,14 +4795,7 @@
                 <a:latin typeface="Arial" pitchFamily="34" charset="0"/>
                 <a:cs typeface="Arial" pitchFamily="34" charset="0"/>
               </a:rPr>
-              <a:t>f</a:t>
-            </a:r>
-            <a:r>
-              <a:rPr lang="en-AU" sz="1000" dirty="0" smtClean="0">
-                <a:latin typeface="Arial" pitchFamily="34" charset="0"/>
-                <a:cs typeface="Arial" pitchFamily="34" charset="0"/>
-              </a:rPr>
-              <a:t>(x)</a:t>
+              <a:t>f(x)</a:t>
             </a:r>
             <a:endParaRPr lang="en-AU" sz="1000" dirty="0">
               <a:latin typeface="Arial" pitchFamily="34" charset="0"/>
@@ -4992,6 +4988,8495 @@
     <a:masterClrMapping/>
   </p:clrMapOvr>
 </p:sld>
+</file>
+
+<file path=ppt/slides/slide6.xml><?xml version="1.0" encoding="utf-8"?>
+<p:sld xmlns:a="http://schemas.openxmlformats.org/drawingml/2006/main" xmlns:r="http://schemas.openxmlformats.org/officeDocument/2006/relationships" xmlns:p="http://schemas.openxmlformats.org/presentationml/2006/main">
+  <p:cSld>
+    <p:spTree>
+      <p:nvGrpSpPr>
+        <p:cNvPr id="1" name=""/>
+        <p:cNvGrpSpPr/>
+        <p:nvPr/>
+      </p:nvGrpSpPr>
+      <p:grpSpPr>
+        <a:xfrm>
+          <a:off x="0" y="0"/>
+          <a:ext cx="0" cy="0"/>
+          <a:chOff x="0" y="0"/>
+          <a:chExt cx="0" cy="0"/>
+        </a:xfrm>
+      </p:grpSpPr>
+      <p:sp>
+        <p:nvSpPr>
+          <p:cNvPr id="8" name="Rectangle 7"/>
+          <p:cNvSpPr/>
+          <p:nvPr/>
+        </p:nvSpPr>
+        <p:spPr>
+          <a:xfrm>
+            <a:off x="1260000" y="396106"/>
+            <a:ext cx="432048" cy="288032"/>
+          </a:xfrm>
+          <a:prstGeom prst="rect">
+            <a:avLst/>
+          </a:prstGeom>
+          <a:noFill/>
+          <a:ln w="6350">
+            <a:solidFill>
+              <a:schemeClr val="tx1"/>
+            </a:solidFill>
+          </a:ln>
+        </p:spPr>
+        <p:style>
+          <a:lnRef idx="2">
+            <a:schemeClr val="accent1">
+              <a:shade val="50000"/>
+            </a:schemeClr>
+          </a:lnRef>
+          <a:fillRef idx="1">
+            <a:schemeClr val="accent1"/>
+          </a:fillRef>
+          <a:effectRef idx="0">
+            <a:schemeClr val="accent1"/>
+          </a:effectRef>
+          <a:fontRef idx="minor">
+            <a:schemeClr val="lt1"/>
+          </a:fontRef>
+        </p:style>
+        <p:txBody>
+          <a:bodyPr rtlCol="0" anchor="ctr"/>
+          <a:lstStyle/>
+          <a:p>
+            <a:pPr algn="ctr"/>
+            <a:r>
+              <a:rPr lang="en-AU" sz="800" dirty="0" smtClean="0">
+                <a:latin typeface="Arial" pitchFamily="34" charset="0"/>
+                <a:cs typeface="Arial" pitchFamily="34" charset="0"/>
+              </a:rPr>
+              <a:t>F(x)</a:t>
+            </a:r>
+            <a:endParaRPr lang="en-AU" sz="800" dirty="0">
+              <a:latin typeface="Arial" pitchFamily="34" charset="0"/>
+              <a:cs typeface="Arial" pitchFamily="34" charset="0"/>
+            </a:endParaRPr>
+          </a:p>
+        </p:txBody>
+      </p:sp>
+      <p:pic>
+        <p:nvPicPr>
+          <p:cNvPr id="1027" name="Picture 3"/>
+          <p:cNvPicPr>
+            <a:picLocks noChangeAspect="1" noChangeArrowheads="1"/>
+          </p:cNvPicPr>
+          <p:nvPr/>
+        </p:nvPicPr>
+        <p:blipFill>
+          <a:blip r:embed="rId2" cstate="print"/>
+          <a:srcRect l="14987" t="16322" r="14050" b="19224"/>
+          <a:stretch>
+            <a:fillRect/>
+          </a:stretch>
+        </p:blipFill>
+        <p:spPr bwMode="auto">
+          <a:xfrm>
+            <a:off x="18000" y="18000"/>
+            <a:ext cx="894095" cy="1048554"/>
+          </a:xfrm>
+          <a:prstGeom prst="rect">
+            <a:avLst/>
+          </a:prstGeom>
+          <a:noFill/>
+          <a:ln w="9525">
+            <a:noFill/>
+            <a:miter lim="800000"/>
+            <a:headEnd/>
+            <a:tailEnd/>
+          </a:ln>
+        </p:spPr>
+      </p:pic>
+      <p:pic>
+        <p:nvPicPr>
+          <p:cNvPr id="1028" name="Picture 4"/>
+          <p:cNvPicPr>
+            <a:picLocks noChangeAspect="1" noChangeArrowheads="1"/>
+          </p:cNvPicPr>
+          <p:nvPr/>
+        </p:nvPicPr>
+        <p:blipFill>
+          <a:blip r:embed="rId3" cstate="print"/>
+          <a:srcRect l="11622" t="20675" r="9763" b="22489"/>
+          <a:stretch>
+            <a:fillRect/>
+          </a:stretch>
+        </p:blipFill>
+        <p:spPr bwMode="auto">
+          <a:xfrm>
+            <a:off x="1944000" y="100800"/>
+            <a:ext cx="990550" cy="917847"/>
+          </a:xfrm>
+          <a:prstGeom prst="rect">
+            <a:avLst/>
+          </a:prstGeom>
+          <a:noFill/>
+          <a:ln w="9525">
+            <a:noFill/>
+            <a:miter lim="800000"/>
+            <a:headEnd/>
+            <a:tailEnd/>
+          </a:ln>
+        </p:spPr>
+      </p:pic>
+      <p:sp>
+        <p:nvSpPr>
+          <p:cNvPr id="9" name="TextBox 8"/>
+          <p:cNvSpPr txBox="1"/>
+          <p:nvPr/>
+        </p:nvSpPr>
+        <p:spPr>
+          <a:xfrm>
+            <a:off x="1267200" y="417600"/>
+            <a:ext cx="370614" cy="246221"/>
+          </a:xfrm>
+          <a:prstGeom prst="rect">
+            <a:avLst/>
+          </a:prstGeom>
+          <a:noFill/>
+        </p:spPr>
+        <p:txBody>
+          <a:bodyPr wrap="none" rtlCol="0">
+            <a:spAutoFit/>
+          </a:bodyPr>
+          <a:lstStyle/>
+          <a:p>
+            <a:r>
+              <a:rPr lang="en-AU" sz="1000" dirty="0" smtClean="0">
+                <a:latin typeface="Arial" pitchFamily="34" charset="0"/>
+                <a:cs typeface="Arial" pitchFamily="34" charset="0"/>
+              </a:rPr>
+              <a:t>f(x)</a:t>
+            </a:r>
+            <a:endParaRPr lang="en-AU" sz="1000" dirty="0">
+              <a:latin typeface="Arial" pitchFamily="34" charset="0"/>
+              <a:cs typeface="Arial" pitchFamily="34" charset="0"/>
+            </a:endParaRPr>
+          </a:p>
+        </p:txBody>
+      </p:sp>
+      <p:cxnSp>
+        <p:nvCxnSpPr>
+          <p:cNvPr id="11" name="Straight Arrow Connector 10"/>
+          <p:cNvCxnSpPr>
+            <a:endCxn id="8" idx="1"/>
+          </p:cNvCxnSpPr>
+          <p:nvPr/>
+        </p:nvCxnSpPr>
+        <p:spPr>
+          <a:xfrm>
+            <a:off x="971600" y="540122"/>
+            <a:ext cx="288400" cy="0"/>
+          </a:xfrm>
+          <a:prstGeom prst="straightConnector1">
+            <a:avLst/>
+          </a:prstGeom>
+          <a:ln>
+            <a:solidFill>
+              <a:schemeClr val="tx1"/>
+            </a:solidFill>
+            <a:tailEnd type="arrow"/>
+          </a:ln>
+        </p:spPr>
+        <p:style>
+          <a:lnRef idx="1">
+            <a:schemeClr val="accent1"/>
+          </a:lnRef>
+          <a:fillRef idx="0">
+            <a:schemeClr val="accent1"/>
+          </a:fillRef>
+          <a:effectRef idx="0">
+            <a:schemeClr val="accent1"/>
+          </a:effectRef>
+          <a:fontRef idx="minor">
+            <a:schemeClr val="tx1"/>
+          </a:fontRef>
+        </p:style>
+      </p:cxnSp>
+      <p:cxnSp>
+        <p:nvCxnSpPr>
+          <p:cNvPr id="12" name="Straight Arrow Connector 11"/>
+          <p:cNvCxnSpPr/>
+          <p:nvPr/>
+        </p:nvCxnSpPr>
+        <p:spPr>
+          <a:xfrm>
+            <a:off x="1691680" y="540122"/>
+            <a:ext cx="288400" cy="0"/>
+          </a:xfrm>
+          <a:prstGeom prst="straightConnector1">
+            <a:avLst/>
+          </a:prstGeom>
+          <a:ln>
+            <a:solidFill>
+              <a:schemeClr val="tx1"/>
+            </a:solidFill>
+            <a:tailEnd type="arrow"/>
+          </a:ln>
+        </p:spPr>
+        <p:style>
+          <a:lnRef idx="1">
+            <a:schemeClr val="accent1"/>
+          </a:lnRef>
+          <a:fillRef idx="0">
+            <a:schemeClr val="accent1"/>
+          </a:fillRef>
+          <a:effectRef idx="0">
+            <a:schemeClr val="accent1"/>
+          </a:effectRef>
+          <a:fontRef idx="minor">
+            <a:schemeClr val="tx1"/>
+          </a:fontRef>
+        </p:style>
+      </p:cxnSp>
+      <p:pic>
+        <p:nvPicPr>
+          <p:cNvPr id="1029" name="Picture 5"/>
+          <p:cNvPicPr>
+            <a:picLocks noChangeAspect="1" noChangeArrowheads="1"/>
+          </p:cNvPicPr>
+          <p:nvPr/>
+        </p:nvPicPr>
+        <p:blipFill>
+          <a:blip r:embed="rId4" cstate="print"/>
+          <a:srcRect/>
+          <a:stretch>
+            <a:fillRect/>
+          </a:stretch>
+        </p:blipFill>
+        <p:spPr bwMode="auto">
+          <a:xfrm>
+            <a:off x="251520" y="1044178"/>
+            <a:ext cx="2520000" cy="1443958"/>
+          </a:xfrm>
+          <a:prstGeom prst="rect">
+            <a:avLst/>
+          </a:prstGeom>
+          <a:noFill/>
+          <a:ln w="9525">
+            <a:noFill/>
+            <a:miter lim="800000"/>
+            <a:headEnd/>
+            <a:tailEnd/>
+          </a:ln>
+        </p:spPr>
+      </p:pic>
+      <p:sp>
+        <p:nvSpPr>
+          <p:cNvPr id="14" name="TextBox 13"/>
+          <p:cNvSpPr txBox="1"/>
+          <p:nvPr/>
+        </p:nvSpPr>
+        <p:spPr>
+          <a:xfrm>
+            <a:off x="0" y="0"/>
+            <a:ext cx="295274" cy="276999"/>
+          </a:xfrm>
+          <a:prstGeom prst="rect">
+            <a:avLst/>
+          </a:prstGeom>
+          <a:noFill/>
+        </p:spPr>
+        <p:txBody>
+          <a:bodyPr wrap="none" rtlCol="0">
+            <a:spAutoFit/>
+          </a:bodyPr>
+          <a:lstStyle/>
+          <a:p>
+            <a:r>
+              <a:rPr lang="en-AU" sz="1200" b="1" dirty="0" smtClean="0">
+                <a:latin typeface="Arial" pitchFamily="34" charset="0"/>
+                <a:cs typeface="Arial" pitchFamily="34" charset="0"/>
+              </a:rPr>
+              <a:t>A</a:t>
+            </a:r>
+            <a:endParaRPr lang="en-AU" sz="1200" b="1" dirty="0">
+              <a:latin typeface="Arial" pitchFamily="34" charset="0"/>
+              <a:cs typeface="Arial" pitchFamily="34" charset="0"/>
+            </a:endParaRPr>
+          </a:p>
+        </p:txBody>
+      </p:sp>
+      <p:sp>
+        <p:nvSpPr>
+          <p:cNvPr id="15" name="TextBox 14"/>
+          <p:cNvSpPr txBox="1"/>
+          <p:nvPr/>
+        </p:nvSpPr>
+        <p:spPr>
+          <a:xfrm>
+            <a:off x="0" y="1116186"/>
+            <a:ext cx="295274" cy="276999"/>
+          </a:xfrm>
+          <a:prstGeom prst="rect">
+            <a:avLst/>
+          </a:prstGeom>
+          <a:noFill/>
+        </p:spPr>
+        <p:txBody>
+          <a:bodyPr wrap="none" rtlCol="0">
+            <a:spAutoFit/>
+          </a:bodyPr>
+          <a:lstStyle/>
+          <a:p>
+            <a:r>
+              <a:rPr lang="en-AU" sz="1200" b="1" dirty="0" smtClean="0">
+                <a:latin typeface="Arial" pitchFamily="34" charset="0"/>
+                <a:cs typeface="Arial" pitchFamily="34" charset="0"/>
+              </a:rPr>
+              <a:t>B</a:t>
+            </a:r>
+            <a:endParaRPr lang="en-AU" sz="1200" b="1" dirty="0">
+              <a:latin typeface="Arial" pitchFamily="34" charset="0"/>
+              <a:cs typeface="Arial" pitchFamily="34" charset="0"/>
+            </a:endParaRPr>
+          </a:p>
+        </p:txBody>
+      </p:sp>
+    </p:spTree>
+  </p:cSld>
+  <p:clrMapOvr>
+    <a:masterClrMapping/>
+  </p:clrMapOvr>
+</p:sld>
+</file>
+
+<file path=ppt/slides/slide7.xml><?xml version="1.0" encoding="utf-8"?>
+<p:sld xmlns:a="http://schemas.openxmlformats.org/drawingml/2006/main" xmlns:r="http://schemas.openxmlformats.org/officeDocument/2006/relationships" xmlns:p="http://schemas.openxmlformats.org/presentationml/2006/main">
+  <p:cSld>
+    <p:spTree>
+      <p:nvGrpSpPr>
+        <p:cNvPr id="1" name=""/>
+        <p:cNvGrpSpPr/>
+        <p:nvPr/>
+      </p:nvGrpSpPr>
+      <p:grpSpPr>
+        <a:xfrm>
+          <a:off x="0" y="0"/>
+          <a:ext cx="0" cy="0"/>
+          <a:chOff x="0" y="0"/>
+          <a:chExt cx="0" cy="0"/>
+        </a:xfrm>
+      </p:grpSpPr>
+      <p:pic>
+        <p:nvPicPr>
+          <p:cNvPr id="1029" name="Picture 5"/>
+          <p:cNvPicPr>
+            <a:picLocks noChangeAspect="1" noChangeArrowheads="1"/>
+          </p:cNvPicPr>
+          <p:nvPr/>
+        </p:nvPicPr>
+        <p:blipFill>
+          <a:blip r:embed="rId13" cstate="print"/>
+          <a:srcRect r="213" b="912"/>
+          <a:stretch>
+            <a:fillRect/>
+          </a:stretch>
+        </p:blipFill>
+        <p:spPr bwMode="auto">
+          <a:xfrm>
+            <a:off x="359832" y="90000"/>
+            <a:ext cx="2700000" cy="1250055"/>
+          </a:xfrm>
+          <a:prstGeom prst="rect">
+            <a:avLst/>
+          </a:prstGeom>
+          <a:noFill/>
+          <a:ln w="9525">
+            <a:noFill/>
+            <a:miter lim="800000"/>
+            <a:headEnd/>
+            <a:tailEnd/>
+          </a:ln>
+        </p:spPr>
+      </p:pic>
+      <p:pic>
+        <p:nvPicPr>
+          <p:cNvPr id="1028" name="Picture 4"/>
+          <p:cNvPicPr>
+            <a:picLocks noChangeAspect="1" noChangeArrowheads="1"/>
+          </p:cNvPicPr>
+          <p:nvPr/>
+        </p:nvPicPr>
+        <p:blipFill>
+          <a:blip r:embed="rId14" cstate="print"/>
+          <a:srcRect/>
+          <a:stretch>
+            <a:fillRect/>
+          </a:stretch>
+        </p:blipFill>
+        <p:spPr bwMode="auto">
+          <a:xfrm>
+            <a:off x="359832" y="1530000"/>
+            <a:ext cx="2700000" cy="1254822"/>
+          </a:xfrm>
+          <a:prstGeom prst="rect">
+            <a:avLst/>
+          </a:prstGeom>
+          <a:noFill/>
+          <a:ln w="9525">
+            <a:noFill/>
+            <a:miter lim="800000"/>
+            <a:headEnd/>
+            <a:tailEnd/>
+          </a:ln>
+        </p:spPr>
+      </p:pic>
+      <p:sp>
+        <p:nvSpPr>
+          <p:cNvPr id="4" name="Rectangle 3"/>
+          <p:cNvSpPr/>
+          <p:nvPr/>
+        </p:nvSpPr>
+        <p:spPr>
+          <a:xfrm>
+            <a:off x="0" y="0"/>
+            <a:ext cx="2880000" cy="2880000"/>
+          </a:xfrm>
+          <a:prstGeom prst="rect">
+            <a:avLst/>
+          </a:prstGeom>
+          <a:noFill/>
+          <a:ln w="3175"/>
+        </p:spPr>
+        <p:style>
+          <a:lnRef idx="2">
+            <a:schemeClr val="accent1">
+              <a:shade val="50000"/>
+            </a:schemeClr>
+          </a:lnRef>
+          <a:fillRef idx="1">
+            <a:schemeClr val="accent1"/>
+          </a:fillRef>
+          <a:effectRef idx="0">
+            <a:schemeClr val="accent1"/>
+          </a:effectRef>
+          <a:fontRef idx="minor">
+            <a:schemeClr val="lt1"/>
+          </a:fontRef>
+        </p:style>
+        <p:txBody>
+          <a:bodyPr rtlCol="0" anchor="ctr"/>
+          <a:lstStyle/>
+          <a:p>
+            <a:pPr algn="ctr"/>
+            <a:endParaRPr lang="en-AU"/>
+          </a:p>
+        </p:txBody>
+      </p:sp>
+      <p:sp>
+        <p:nvSpPr>
+          <p:cNvPr id="5" name="Rectangle 4"/>
+          <p:cNvSpPr/>
+          <p:nvPr/>
+        </p:nvSpPr>
+        <p:spPr>
+          <a:xfrm>
+            <a:off x="0" y="0"/>
+            <a:ext cx="2880000" cy="1440000"/>
+          </a:xfrm>
+          <a:prstGeom prst="rect">
+            <a:avLst/>
+          </a:prstGeom>
+          <a:noFill/>
+          <a:ln w="3175"/>
+        </p:spPr>
+        <p:style>
+          <a:lnRef idx="2">
+            <a:schemeClr val="accent1">
+              <a:shade val="50000"/>
+            </a:schemeClr>
+          </a:lnRef>
+          <a:fillRef idx="1">
+            <a:schemeClr val="accent1"/>
+          </a:fillRef>
+          <a:effectRef idx="0">
+            <a:schemeClr val="accent1"/>
+          </a:effectRef>
+          <a:fontRef idx="minor">
+            <a:schemeClr val="lt1"/>
+          </a:fontRef>
+        </p:style>
+        <p:txBody>
+          <a:bodyPr rtlCol="0" anchor="ctr"/>
+          <a:lstStyle/>
+          <a:p>
+            <a:pPr algn="ctr"/>
+            <a:endParaRPr lang="en-AU"/>
+          </a:p>
+        </p:txBody>
+      </p:sp>
+      <p:grpSp>
+        <p:nvGrpSpPr>
+          <p:cNvPr id="128" name="Group 127"/>
+          <p:cNvGrpSpPr>
+            <a:grpSpLocks noChangeAspect="1"/>
+          </p:cNvGrpSpPr>
+          <p:nvPr/>
+        </p:nvGrpSpPr>
+        <p:grpSpPr>
+          <a:xfrm>
+            <a:off x="18000" y="1800000"/>
+            <a:ext cx="648000" cy="715840"/>
+            <a:chOff x="4067944" y="1476226"/>
+            <a:chExt cx="454488" cy="437457"/>
+          </a:xfrm>
+        </p:grpSpPr>
+        <p:sp>
+          <p:nvSpPr>
+            <p:cNvPr id="11" name="Oval 10"/>
+            <p:cNvSpPr/>
+            <p:nvPr/>
+          </p:nvSpPr>
+          <p:spPr>
+            <a:xfrm>
+              <a:off x="4121027" y="1660533"/>
+              <a:ext cx="67979" cy="67979"/>
+            </a:xfrm>
+            <a:prstGeom prst="ellipse">
+              <a:avLst/>
+            </a:prstGeom>
+            <a:noFill/>
+            <a:ln w="12700">
+              <a:solidFill>
+                <a:schemeClr val="accent5"/>
+              </a:solidFill>
+            </a:ln>
+          </p:spPr>
+          <p:style>
+            <a:lnRef idx="2">
+              <a:schemeClr val="accent1">
+                <a:shade val="50000"/>
+              </a:schemeClr>
+            </a:lnRef>
+            <a:fillRef idx="1">
+              <a:schemeClr val="accent1"/>
+            </a:fillRef>
+            <a:effectRef idx="0">
+              <a:schemeClr val="accent1"/>
+            </a:effectRef>
+            <a:fontRef idx="minor">
+              <a:schemeClr val="lt1"/>
+            </a:fontRef>
+          </p:style>
+          <p:txBody>
+            <a:bodyPr rtlCol="0" anchor="ctr"/>
+            <a:lstStyle/>
+            <a:p>
+              <a:pPr algn="ctr"/>
+              <a:endParaRPr lang="en-AU"/>
+            </a:p>
+          </p:txBody>
+        </p:sp>
+        <p:sp>
+          <p:nvSpPr>
+            <p:cNvPr id="12" name="Isosceles Triangle 11"/>
+            <p:cNvSpPr/>
+            <p:nvPr/>
+          </p:nvSpPr>
+          <p:spPr>
+            <a:xfrm flipV="1">
+              <a:off x="4231736" y="1660533"/>
+              <a:ext cx="67979" cy="67979"/>
+            </a:xfrm>
+            <a:prstGeom prst="triangle">
+              <a:avLst/>
+            </a:prstGeom>
+            <a:noFill/>
+            <a:ln w="12700">
+              <a:solidFill>
+                <a:schemeClr val="tx1"/>
+              </a:solidFill>
+            </a:ln>
+          </p:spPr>
+          <p:style>
+            <a:lnRef idx="2">
+              <a:schemeClr val="accent1">
+                <a:shade val="50000"/>
+              </a:schemeClr>
+            </a:lnRef>
+            <a:fillRef idx="1">
+              <a:schemeClr val="accent1"/>
+            </a:fillRef>
+            <a:effectRef idx="0">
+              <a:schemeClr val="accent1"/>
+            </a:effectRef>
+            <a:fontRef idx="minor">
+              <a:schemeClr val="lt1"/>
+            </a:fontRef>
+          </p:style>
+          <p:txBody>
+            <a:bodyPr rtlCol="0" anchor="ctr"/>
+            <a:lstStyle/>
+            <a:p>
+              <a:pPr algn="ctr"/>
+              <a:endParaRPr lang="en-AU"/>
+            </a:p>
+          </p:txBody>
+        </p:sp>
+        <p:cxnSp>
+          <p:nvCxnSpPr>
+            <p:cNvPr id="13" name="Curved Connector 12"/>
+            <p:cNvCxnSpPr/>
+            <p:nvPr/>
+          </p:nvCxnSpPr>
+          <p:spPr>
+            <a:xfrm flipV="1">
+              <a:off x="4256014" y="1678013"/>
+              <a:ext cx="19423" cy="19423"/>
+            </a:xfrm>
+            <a:prstGeom prst="curvedConnector3">
+              <a:avLst/>
+            </a:prstGeom>
+            <a:ln w="12700">
+              <a:solidFill>
+                <a:schemeClr val="tx1"/>
+              </a:solidFill>
+            </a:ln>
+            <a:effectLst/>
+          </p:spPr>
+          <p:style>
+            <a:lnRef idx="2">
+              <a:schemeClr val="accent1"/>
+            </a:lnRef>
+            <a:fillRef idx="0">
+              <a:schemeClr val="accent1"/>
+            </a:fillRef>
+            <a:effectRef idx="1">
+              <a:schemeClr val="accent1"/>
+            </a:effectRef>
+            <a:fontRef idx="minor">
+              <a:schemeClr val="tx1"/>
+            </a:fontRef>
+          </p:style>
+        </p:cxnSp>
+        <p:cxnSp>
+          <p:nvCxnSpPr>
+            <p:cNvPr id="14" name="Curved Connector 13"/>
+            <p:cNvCxnSpPr/>
+            <p:nvPr/>
+          </p:nvCxnSpPr>
+          <p:spPr>
+            <a:xfrm flipV="1">
+              <a:off x="4366722" y="1684811"/>
+              <a:ext cx="19423" cy="19423"/>
+            </a:xfrm>
+            <a:prstGeom prst="curvedConnector3">
+              <a:avLst/>
+            </a:prstGeom>
+            <a:ln w="12700">
+              <a:solidFill>
+                <a:srgbClr val="7030A0"/>
+              </a:solidFill>
+            </a:ln>
+            <a:effectLst/>
+          </p:spPr>
+          <p:style>
+            <a:lnRef idx="2">
+              <a:schemeClr val="accent1"/>
+            </a:lnRef>
+            <a:fillRef idx="0">
+              <a:schemeClr val="accent1"/>
+            </a:fillRef>
+            <a:effectRef idx="1">
+              <a:schemeClr val="accent1"/>
+            </a:effectRef>
+            <a:fontRef idx="minor">
+              <a:schemeClr val="tx1"/>
+            </a:fontRef>
+          </p:style>
+        </p:cxnSp>
+        <p:cxnSp>
+          <p:nvCxnSpPr>
+            <p:cNvPr id="15" name="Curved Connector 14"/>
+            <p:cNvCxnSpPr/>
+            <p:nvPr/>
+          </p:nvCxnSpPr>
+          <p:spPr>
+            <a:xfrm flipV="1">
+              <a:off x="4477431" y="1684811"/>
+              <a:ext cx="19423" cy="19423"/>
+            </a:xfrm>
+            <a:prstGeom prst="curvedConnector3">
+              <a:avLst/>
+            </a:prstGeom>
+            <a:ln w="12700">
+              <a:solidFill>
+                <a:srgbClr val="FF0000"/>
+              </a:solidFill>
+            </a:ln>
+            <a:effectLst/>
+          </p:spPr>
+          <p:style>
+            <a:lnRef idx="2">
+              <a:schemeClr val="accent1"/>
+            </a:lnRef>
+            <a:fillRef idx="0">
+              <a:schemeClr val="accent1"/>
+            </a:fillRef>
+            <a:effectRef idx="1">
+              <a:schemeClr val="accent1"/>
+            </a:effectRef>
+            <a:fontRef idx="minor">
+              <a:schemeClr val="tx1"/>
+            </a:fontRef>
+          </p:style>
+        </p:cxnSp>
+        <p:cxnSp>
+          <p:nvCxnSpPr>
+            <p:cNvPr id="16" name="Curved Connector 15"/>
+            <p:cNvCxnSpPr/>
+            <p:nvPr/>
+          </p:nvCxnSpPr>
+          <p:spPr>
+            <a:xfrm flipV="1">
+              <a:off x="4145305" y="1684811"/>
+              <a:ext cx="19423" cy="19423"/>
+            </a:xfrm>
+            <a:prstGeom prst="curvedConnector3">
+              <a:avLst/>
+            </a:prstGeom>
+            <a:ln w="12700">
+              <a:solidFill>
+                <a:schemeClr val="accent5"/>
+              </a:solidFill>
+            </a:ln>
+            <a:effectLst/>
+          </p:spPr>
+          <p:style>
+            <a:lnRef idx="2">
+              <a:schemeClr val="accent1"/>
+            </a:lnRef>
+            <a:fillRef idx="0">
+              <a:schemeClr val="accent1"/>
+            </a:fillRef>
+            <a:effectRef idx="1">
+              <a:schemeClr val="accent1"/>
+            </a:effectRef>
+            <a:fontRef idx="minor">
+              <a:schemeClr val="tx1"/>
+            </a:fontRef>
+          </p:style>
+        </p:cxnSp>
+        <p:cxnSp>
+          <p:nvCxnSpPr>
+            <p:cNvPr id="17" name="Curved Connector 16"/>
+            <p:cNvCxnSpPr/>
+            <p:nvPr/>
+          </p:nvCxnSpPr>
+          <p:spPr>
+            <a:xfrm rot="16200000" flipH="1">
+              <a:off x="4217169" y="1570218"/>
+              <a:ext cx="48556" cy="48556"/>
+            </a:xfrm>
+            <a:prstGeom prst="curvedConnector3">
+              <a:avLst/>
+            </a:prstGeom>
+            <a:ln w="12700">
+              <a:solidFill>
+                <a:schemeClr val="tx1"/>
+              </a:solidFill>
+            </a:ln>
+          </p:spPr>
+          <p:style>
+            <a:lnRef idx="1">
+              <a:schemeClr val="accent1"/>
+            </a:lnRef>
+            <a:fillRef idx="0">
+              <a:schemeClr val="accent1"/>
+            </a:fillRef>
+            <a:effectRef idx="0">
+              <a:schemeClr val="accent1"/>
+            </a:effectRef>
+            <a:fontRef idx="minor">
+              <a:schemeClr val="tx1"/>
+            </a:fontRef>
+          </p:style>
+        </p:cxnSp>
+        <p:cxnSp>
+          <p:nvCxnSpPr>
+            <p:cNvPr id="18" name="Curved Connector 17"/>
+            <p:cNvCxnSpPr/>
+            <p:nvPr/>
+          </p:nvCxnSpPr>
+          <p:spPr>
+            <a:xfrm rot="5400000">
+              <a:off x="4265882" y="1570696"/>
+              <a:ext cx="48556" cy="47585"/>
+            </a:xfrm>
+            <a:prstGeom prst="curvedConnector3">
+              <a:avLst/>
+            </a:prstGeom>
+            <a:ln w="12700">
+              <a:solidFill>
+                <a:schemeClr val="tx1"/>
+              </a:solidFill>
+            </a:ln>
+          </p:spPr>
+          <p:style>
+            <a:lnRef idx="1">
+              <a:schemeClr val="accent1"/>
+            </a:lnRef>
+            <a:fillRef idx="0">
+              <a:schemeClr val="accent1"/>
+            </a:fillRef>
+            <a:effectRef idx="0">
+              <a:schemeClr val="accent1"/>
+            </a:effectRef>
+            <a:fontRef idx="minor">
+              <a:schemeClr val="tx1"/>
+            </a:fontRef>
+          </p:style>
+        </p:cxnSp>
+        <p:cxnSp>
+          <p:nvCxnSpPr>
+            <p:cNvPr id="19" name="Straight Connector 18"/>
+            <p:cNvCxnSpPr/>
+            <p:nvPr/>
+          </p:nvCxnSpPr>
+          <p:spPr>
+            <a:xfrm>
+              <a:off x="4265725" y="1618776"/>
+              <a:ext cx="0" cy="39816"/>
+            </a:xfrm>
+            <a:prstGeom prst="line">
+              <a:avLst/>
+            </a:prstGeom>
+            <a:ln w="12700">
+              <a:solidFill>
+                <a:schemeClr val="tx1"/>
+              </a:solidFill>
+            </a:ln>
+          </p:spPr>
+          <p:style>
+            <a:lnRef idx="1">
+              <a:schemeClr val="accent1"/>
+            </a:lnRef>
+            <a:fillRef idx="0">
+              <a:schemeClr val="accent1"/>
+            </a:fillRef>
+            <a:effectRef idx="0">
+              <a:schemeClr val="accent1"/>
+            </a:effectRef>
+            <a:fontRef idx="minor">
+              <a:schemeClr val="tx1"/>
+            </a:fontRef>
+          </p:style>
+        </p:cxnSp>
+        <p:sp>
+          <p:nvSpPr>
+            <p:cNvPr id="20" name="Arc 19"/>
+            <p:cNvSpPr/>
+            <p:nvPr/>
+          </p:nvSpPr>
+          <p:spPr>
+            <a:xfrm rot="10800000">
+              <a:off x="4267010" y="1855415"/>
+              <a:ext cx="58268" cy="58268"/>
+            </a:xfrm>
+            <a:prstGeom prst="arc">
+              <a:avLst/>
+            </a:prstGeom>
+            <a:ln w="12700">
+              <a:solidFill>
+                <a:srgbClr val="FF0000"/>
+              </a:solidFill>
+            </a:ln>
+          </p:spPr>
+          <p:style>
+            <a:lnRef idx="1">
+              <a:schemeClr val="accent1"/>
+            </a:lnRef>
+            <a:fillRef idx="0">
+              <a:schemeClr val="accent1"/>
+            </a:fillRef>
+            <a:effectRef idx="0">
+              <a:schemeClr val="accent1"/>
+            </a:effectRef>
+            <a:fontRef idx="minor">
+              <a:schemeClr val="tx1"/>
+            </a:fontRef>
+          </p:style>
+          <p:txBody>
+            <a:bodyPr rtlCol="0" anchor="ctr"/>
+            <a:lstStyle/>
+            <a:p>
+              <a:pPr algn="ctr"/>
+              <a:endParaRPr lang="en-AU"/>
+            </a:p>
+          </p:txBody>
+        </p:sp>
+        <p:sp>
+          <p:nvSpPr>
+            <p:cNvPr id="21" name="Arc 20"/>
+            <p:cNvSpPr/>
+            <p:nvPr/>
+          </p:nvSpPr>
+          <p:spPr>
+            <a:xfrm rot="10800000">
+              <a:off x="4155017" y="1856288"/>
+              <a:ext cx="58268" cy="57296"/>
+            </a:xfrm>
+            <a:prstGeom prst="arc">
+              <a:avLst/>
+            </a:prstGeom>
+            <a:ln w="12700">
+              <a:solidFill>
+                <a:schemeClr val="accent5"/>
+              </a:solidFill>
+            </a:ln>
+          </p:spPr>
+          <p:style>
+            <a:lnRef idx="1">
+              <a:schemeClr val="accent1"/>
+            </a:lnRef>
+            <a:fillRef idx="0">
+              <a:schemeClr val="accent1"/>
+            </a:fillRef>
+            <a:effectRef idx="0">
+              <a:schemeClr val="accent1"/>
+            </a:effectRef>
+            <a:fontRef idx="minor">
+              <a:schemeClr val="tx1"/>
+            </a:fontRef>
+          </p:style>
+          <p:txBody>
+            <a:bodyPr rtlCol="0" anchor="ctr"/>
+            <a:lstStyle/>
+            <a:p>
+              <a:pPr algn="ctr"/>
+              <a:endParaRPr lang="en-AU"/>
+            </a:p>
+          </p:txBody>
+        </p:sp>
+        <p:sp>
+          <p:nvSpPr>
+            <p:cNvPr id="22" name="Arc 21"/>
+            <p:cNvSpPr/>
+            <p:nvPr/>
+          </p:nvSpPr>
+          <p:spPr>
+            <a:xfrm rot="10800000" flipH="1">
+              <a:off x="4294216" y="1854772"/>
+              <a:ext cx="57296" cy="58268"/>
+            </a:xfrm>
+            <a:prstGeom prst="arc">
+              <a:avLst/>
+            </a:prstGeom>
+            <a:ln w="12700">
+              <a:solidFill>
+                <a:srgbClr val="7030A0"/>
+              </a:solidFill>
+            </a:ln>
+          </p:spPr>
+          <p:style>
+            <a:lnRef idx="1">
+              <a:schemeClr val="accent1"/>
+            </a:lnRef>
+            <a:fillRef idx="0">
+              <a:schemeClr val="accent1"/>
+            </a:fillRef>
+            <a:effectRef idx="0">
+              <a:schemeClr val="accent1"/>
+            </a:effectRef>
+            <a:fontRef idx="minor">
+              <a:schemeClr val="tx1"/>
+            </a:fontRef>
+          </p:style>
+          <p:txBody>
+            <a:bodyPr rtlCol="0" anchor="ctr"/>
+            <a:lstStyle/>
+            <a:p>
+              <a:pPr algn="ctr"/>
+              <a:endParaRPr lang="en-AU"/>
+            </a:p>
+          </p:txBody>
+        </p:sp>
+        <p:sp>
+          <p:nvSpPr>
+            <p:cNvPr id="23" name="Arc 22"/>
+            <p:cNvSpPr/>
+            <p:nvPr/>
+          </p:nvSpPr>
+          <p:spPr>
+            <a:xfrm rot="10800000" flipH="1">
+              <a:off x="4428874" y="1856288"/>
+              <a:ext cx="58268" cy="57296"/>
+            </a:xfrm>
+            <a:prstGeom prst="arc">
+              <a:avLst/>
+            </a:prstGeom>
+            <a:ln w="12700">
+              <a:solidFill>
+                <a:srgbClr val="FF0000"/>
+              </a:solidFill>
+            </a:ln>
+          </p:spPr>
+          <p:style>
+            <a:lnRef idx="1">
+              <a:schemeClr val="accent1"/>
+            </a:lnRef>
+            <a:fillRef idx="0">
+              <a:schemeClr val="accent1"/>
+            </a:fillRef>
+            <a:effectRef idx="0">
+              <a:schemeClr val="accent1"/>
+            </a:effectRef>
+            <a:fontRef idx="minor">
+              <a:schemeClr val="tx1"/>
+            </a:fontRef>
+          </p:style>
+          <p:txBody>
+            <a:bodyPr rtlCol="0" anchor="ctr"/>
+            <a:lstStyle/>
+            <a:p>
+              <a:pPr algn="ctr"/>
+              <a:endParaRPr lang="en-AU"/>
+            </a:p>
+          </p:txBody>
+        </p:sp>
+        <p:cxnSp>
+          <p:nvCxnSpPr>
+            <p:cNvPr id="24" name="Straight Connector 23"/>
+            <p:cNvCxnSpPr/>
+            <p:nvPr/>
+          </p:nvCxnSpPr>
+          <p:spPr>
+            <a:xfrm flipV="1">
+              <a:off x="4155016" y="1729070"/>
+              <a:ext cx="0" cy="156351"/>
+            </a:xfrm>
+            <a:prstGeom prst="line">
+              <a:avLst/>
+            </a:prstGeom>
+            <a:ln w="12700">
+              <a:solidFill>
+                <a:schemeClr val="accent5"/>
+              </a:solidFill>
+            </a:ln>
+          </p:spPr>
+          <p:style>
+            <a:lnRef idx="1">
+              <a:schemeClr val="accent1"/>
+            </a:lnRef>
+            <a:fillRef idx="0">
+              <a:schemeClr val="accent1"/>
+            </a:fillRef>
+            <a:effectRef idx="0">
+              <a:schemeClr val="accent1"/>
+            </a:effectRef>
+            <a:fontRef idx="minor">
+              <a:schemeClr val="tx1"/>
+            </a:fontRef>
+          </p:style>
+        </p:cxnSp>
+        <p:cxnSp>
+          <p:nvCxnSpPr>
+            <p:cNvPr id="25" name="Straight Connector 24"/>
+            <p:cNvCxnSpPr/>
+            <p:nvPr/>
+          </p:nvCxnSpPr>
+          <p:spPr>
+            <a:xfrm flipV="1">
+              <a:off x="4487142" y="1729070"/>
+              <a:ext cx="0" cy="158293"/>
+            </a:xfrm>
+            <a:prstGeom prst="line">
+              <a:avLst/>
+            </a:prstGeom>
+            <a:ln w="12700">
+              <a:solidFill>
+                <a:srgbClr val="FF0000"/>
+              </a:solidFill>
+            </a:ln>
+          </p:spPr>
+          <p:style>
+            <a:lnRef idx="1">
+              <a:schemeClr val="accent1"/>
+            </a:lnRef>
+            <a:fillRef idx="0">
+              <a:schemeClr val="accent1"/>
+            </a:fillRef>
+            <a:effectRef idx="0">
+              <a:schemeClr val="accent1"/>
+            </a:effectRef>
+            <a:fontRef idx="minor">
+              <a:schemeClr val="tx1"/>
+            </a:fontRef>
+          </p:style>
+        </p:cxnSp>
+        <p:cxnSp>
+          <p:nvCxnSpPr>
+            <p:cNvPr id="26" name="Straight Connector 25"/>
+            <p:cNvCxnSpPr/>
+            <p:nvPr/>
+          </p:nvCxnSpPr>
+          <p:spPr>
+            <a:xfrm>
+              <a:off x="4375894" y="1729070"/>
+              <a:ext cx="652" cy="40787"/>
+            </a:xfrm>
+            <a:prstGeom prst="line">
+              <a:avLst/>
+            </a:prstGeom>
+            <a:ln w="12700">
+              <a:solidFill>
+                <a:srgbClr val="7030A0"/>
+              </a:solidFill>
+            </a:ln>
+          </p:spPr>
+          <p:style>
+            <a:lnRef idx="1">
+              <a:schemeClr val="accent1"/>
+            </a:lnRef>
+            <a:fillRef idx="0">
+              <a:schemeClr val="accent1"/>
+            </a:fillRef>
+            <a:effectRef idx="0">
+              <a:schemeClr val="accent1"/>
+            </a:effectRef>
+            <a:fontRef idx="minor">
+              <a:schemeClr val="tx1"/>
+            </a:fontRef>
+          </p:style>
+        </p:cxnSp>
+        <p:sp>
+          <p:nvSpPr>
+            <p:cNvPr id="27" name="Arc 26"/>
+            <p:cNvSpPr/>
+            <p:nvPr/>
+          </p:nvSpPr>
+          <p:spPr>
+            <a:xfrm rot="10800000" flipH="1">
+              <a:off x="4208450" y="1856288"/>
+              <a:ext cx="58268" cy="57296"/>
+            </a:xfrm>
+            <a:prstGeom prst="arc">
+              <a:avLst/>
+            </a:prstGeom>
+            <a:ln w="12700">
+              <a:solidFill>
+                <a:schemeClr val="accent5"/>
+              </a:solidFill>
+            </a:ln>
+          </p:spPr>
+          <p:style>
+            <a:lnRef idx="1">
+              <a:schemeClr val="accent1"/>
+            </a:lnRef>
+            <a:fillRef idx="0">
+              <a:schemeClr val="accent1"/>
+            </a:fillRef>
+            <a:effectRef idx="0">
+              <a:schemeClr val="accent1"/>
+            </a:effectRef>
+            <a:fontRef idx="minor">
+              <a:schemeClr val="tx1"/>
+            </a:fontRef>
+          </p:style>
+          <p:txBody>
+            <a:bodyPr rtlCol="0" anchor="ctr"/>
+            <a:lstStyle/>
+            <a:p>
+              <a:pPr algn="ctr"/>
+              <a:endParaRPr lang="en-AU"/>
+            </a:p>
+          </p:txBody>
+        </p:sp>
+        <p:cxnSp>
+          <p:nvCxnSpPr>
+            <p:cNvPr id="28" name="Straight Connector 27"/>
+            <p:cNvCxnSpPr/>
+            <p:nvPr/>
+          </p:nvCxnSpPr>
+          <p:spPr>
+            <a:xfrm flipV="1">
+              <a:off x="4376433" y="1519720"/>
+              <a:ext cx="0" cy="139842"/>
+            </a:xfrm>
+            <a:prstGeom prst="line">
+              <a:avLst/>
+            </a:prstGeom>
+            <a:ln w="12700">
+              <a:solidFill>
+                <a:srgbClr val="7030A0"/>
+              </a:solidFill>
+            </a:ln>
+          </p:spPr>
+          <p:style>
+            <a:lnRef idx="1">
+              <a:schemeClr val="accent1"/>
+            </a:lnRef>
+            <a:fillRef idx="0">
+              <a:schemeClr val="accent1"/>
+            </a:fillRef>
+            <a:effectRef idx="0">
+              <a:schemeClr val="accent1"/>
+            </a:effectRef>
+            <a:fontRef idx="minor">
+              <a:schemeClr val="tx1"/>
+            </a:fontRef>
+          </p:style>
+        </p:cxnSp>
+        <p:sp>
+          <p:nvSpPr>
+            <p:cNvPr id="29" name="Arc 28"/>
+            <p:cNvSpPr/>
+            <p:nvPr/>
+          </p:nvSpPr>
+          <p:spPr>
+            <a:xfrm rot="5400000" flipH="1">
+              <a:off x="4347942" y="1505638"/>
+              <a:ext cx="29134" cy="28163"/>
+            </a:xfrm>
+            <a:prstGeom prst="arc">
+              <a:avLst/>
+            </a:prstGeom>
+            <a:ln w="12700">
+              <a:solidFill>
+                <a:srgbClr val="7030A0"/>
+              </a:solidFill>
+            </a:ln>
+          </p:spPr>
+          <p:style>
+            <a:lnRef idx="1">
+              <a:schemeClr val="accent1"/>
+            </a:lnRef>
+            <a:fillRef idx="0">
+              <a:schemeClr val="accent1"/>
+            </a:fillRef>
+            <a:effectRef idx="0">
+              <a:schemeClr val="accent1"/>
+            </a:effectRef>
+            <a:fontRef idx="minor">
+              <a:schemeClr val="tx1"/>
+            </a:fontRef>
+          </p:style>
+          <p:txBody>
+            <a:bodyPr rtlCol="0" anchor="ctr"/>
+            <a:lstStyle/>
+            <a:p>
+              <a:pPr algn="ctr"/>
+              <a:endParaRPr lang="en-AU"/>
+            </a:p>
+          </p:txBody>
+        </p:sp>
+        <p:cxnSp>
+          <p:nvCxnSpPr>
+            <p:cNvPr id="30" name="Curved Connector 29"/>
+            <p:cNvCxnSpPr/>
+            <p:nvPr/>
+          </p:nvCxnSpPr>
+          <p:spPr>
+            <a:xfrm rot="5400000" flipH="1" flipV="1">
+              <a:off x="4339687" y="1780474"/>
+              <a:ext cx="48556" cy="25249"/>
+            </a:xfrm>
+            <a:prstGeom prst="curvedConnector3">
+              <a:avLst/>
+            </a:prstGeom>
+            <a:ln w="12700">
+              <a:solidFill>
+                <a:srgbClr val="7030A0"/>
+              </a:solidFill>
+            </a:ln>
+          </p:spPr>
+          <p:style>
+            <a:lnRef idx="1">
+              <a:schemeClr val="accent1"/>
+            </a:lnRef>
+            <a:fillRef idx="0">
+              <a:schemeClr val="accent1"/>
+            </a:fillRef>
+            <a:effectRef idx="0">
+              <a:schemeClr val="accent1"/>
+            </a:effectRef>
+            <a:fontRef idx="minor">
+              <a:schemeClr val="tx1"/>
+            </a:fontRef>
+          </p:style>
+        </p:cxnSp>
+        <p:cxnSp>
+          <p:nvCxnSpPr>
+            <p:cNvPr id="31" name="Curved Connector 30"/>
+            <p:cNvCxnSpPr/>
+            <p:nvPr/>
+          </p:nvCxnSpPr>
+          <p:spPr>
+            <a:xfrm rot="16200000" flipV="1">
+              <a:off x="4364294" y="1781453"/>
+              <a:ext cx="48556" cy="23307"/>
+            </a:xfrm>
+            <a:prstGeom prst="curvedConnector3">
+              <a:avLst/>
+            </a:prstGeom>
+            <a:ln w="12700">
+              <a:solidFill>
+                <a:srgbClr val="7030A0"/>
+              </a:solidFill>
+            </a:ln>
+          </p:spPr>
+          <p:style>
+            <a:lnRef idx="1">
+              <a:schemeClr val="accent1"/>
+            </a:lnRef>
+            <a:fillRef idx="0">
+              <a:schemeClr val="accent1"/>
+            </a:fillRef>
+            <a:effectRef idx="0">
+              <a:schemeClr val="accent1"/>
+            </a:effectRef>
+            <a:fontRef idx="minor">
+              <a:schemeClr val="tx1"/>
+            </a:fontRef>
+          </p:style>
+        </p:cxnSp>
+        <p:cxnSp>
+          <p:nvCxnSpPr>
+            <p:cNvPr id="32" name="Straight Connector 31"/>
+            <p:cNvCxnSpPr/>
+            <p:nvPr/>
+          </p:nvCxnSpPr>
+          <p:spPr>
+            <a:xfrm flipV="1">
+              <a:off x="4351718" y="1815500"/>
+              <a:ext cx="0" cy="68950"/>
+            </a:xfrm>
+            <a:prstGeom prst="line">
+              <a:avLst/>
+            </a:prstGeom>
+            <a:ln w="12700">
+              <a:solidFill>
+                <a:srgbClr val="7030A0"/>
+              </a:solidFill>
+            </a:ln>
+          </p:spPr>
+          <p:style>
+            <a:lnRef idx="1">
+              <a:schemeClr val="accent1"/>
+            </a:lnRef>
+            <a:fillRef idx="0">
+              <a:schemeClr val="accent1"/>
+            </a:fillRef>
+            <a:effectRef idx="0">
+              <a:schemeClr val="accent1"/>
+            </a:effectRef>
+            <a:fontRef idx="minor">
+              <a:schemeClr val="tx1"/>
+            </a:fontRef>
+          </p:style>
+        </p:cxnSp>
+        <p:sp>
+          <p:nvSpPr>
+            <p:cNvPr id="33" name="Arc 32"/>
+            <p:cNvSpPr/>
+            <p:nvPr/>
+          </p:nvSpPr>
+          <p:spPr>
+            <a:xfrm rot="5400000" flipH="1">
+              <a:off x="4428667" y="1476226"/>
+              <a:ext cx="58268" cy="58268"/>
+            </a:xfrm>
+            <a:prstGeom prst="arc">
+              <a:avLst/>
+            </a:prstGeom>
+            <a:ln w="12700">
+              <a:solidFill>
+                <a:schemeClr val="tx1"/>
+              </a:solidFill>
+            </a:ln>
+          </p:spPr>
+          <p:style>
+            <a:lnRef idx="1">
+              <a:schemeClr val="accent1"/>
+            </a:lnRef>
+            <a:fillRef idx="0">
+              <a:schemeClr val="accent1"/>
+            </a:fillRef>
+            <a:effectRef idx="0">
+              <a:schemeClr val="accent1"/>
+            </a:effectRef>
+            <a:fontRef idx="minor">
+              <a:schemeClr val="tx1"/>
+            </a:fontRef>
+          </p:style>
+          <p:txBody>
+            <a:bodyPr rtlCol="0" anchor="ctr"/>
+            <a:lstStyle/>
+            <a:p>
+              <a:pPr algn="ctr"/>
+              <a:endParaRPr lang="en-AU"/>
+            </a:p>
+          </p:txBody>
+        </p:sp>
+        <p:sp>
+          <p:nvSpPr>
+            <p:cNvPr id="34" name="Arc 33"/>
+            <p:cNvSpPr/>
+            <p:nvPr/>
+          </p:nvSpPr>
+          <p:spPr>
+            <a:xfrm rot="5400000" flipH="1">
+              <a:off x="4457905" y="1563523"/>
+              <a:ext cx="29134" cy="28928"/>
+            </a:xfrm>
+            <a:prstGeom prst="arc">
+              <a:avLst/>
+            </a:prstGeom>
+            <a:ln w="12700">
+              <a:solidFill>
+                <a:srgbClr val="7030A0"/>
+              </a:solidFill>
+            </a:ln>
+          </p:spPr>
+          <p:style>
+            <a:lnRef idx="1">
+              <a:schemeClr val="accent1"/>
+            </a:lnRef>
+            <a:fillRef idx="0">
+              <a:schemeClr val="accent1"/>
+            </a:fillRef>
+            <a:effectRef idx="0">
+              <a:schemeClr val="accent1"/>
+            </a:effectRef>
+            <a:fontRef idx="minor">
+              <a:schemeClr val="tx1"/>
+            </a:fontRef>
+          </p:style>
+          <p:txBody>
+            <a:bodyPr rtlCol="0" anchor="ctr"/>
+            <a:lstStyle/>
+            <a:p>
+              <a:pPr algn="ctr"/>
+              <a:endParaRPr lang="en-AU"/>
+            </a:p>
+          </p:txBody>
+        </p:sp>
+        <p:sp>
+          <p:nvSpPr>
+            <p:cNvPr id="35" name="Arc 34"/>
+            <p:cNvSpPr/>
+            <p:nvPr/>
+          </p:nvSpPr>
+          <p:spPr>
+            <a:xfrm flipH="1">
+              <a:off x="4431657" y="1564268"/>
+              <a:ext cx="29134" cy="28928"/>
+            </a:xfrm>
+            <a:prstGeom prst="arc">
+              <a:avLst/>
+            </a:prstGeom>
+            <a:ln w="12700">
+              <a:solidFill>
+                <a:srgbClr val="7030A0"/>
+              </a:solidFill>
+            </a:ln>
+          </p:spPr>
+          <p:style>
+            <a:lnRef idx="1">
+              <a:schemeClr val="accent1"/>
+            </a:lnRef>
+            <a:fillRef idx="0">
+              <a:schemeClr val="accent1"/>
+            </a:fillRef>
+            <a:effectRef idx="0">
+              <a:schemeClr val="accent1"/>
+            </a:effectRef>
+            <a:fontRef idx="minor">
+              <a:schemeClr val="tx1"/>
+            </a:fontRef>
+          </p:style>
+          <p:txBody>
+            <a:bodyPr rtlCol="0" anchor="ctr"/>
+            <a:lstStyle/>
+            <a:p>
+              <a:pPr algn="ctr"/>
+              <a:endParaRPr lang="en-AU"/>
+            </a:p>
+          </p:txBody>
+        </p:sp>
+        <p:sp>
+          <p:nvSpPr>
+            <p:cNvPr id="36" name="Arc 35"/>
+            <p:cNvSpPr/>
+            <p:nvPr/>
+          </p:nvSpPr>
+          <p:spPr>
+            <a:xfrm rot="10800000" flipH="1">
+              <a:off x="4403625" y="1855523"/>
+              <a:ext cx="28163" cy="28163"/>
+            </a:xfrm>
+            <a:prstGeom prst="arc">
+              <a:avLst/>
+            </a:prstGeom>
+            <a:ln w="12700">
+              <a:solidFill>
+                <a:srgbClr val="7030A0"/>
+              </a:solidFill>
+            </a:ln>
+          </p:spPr>
+          <p:style>
+            <a:lnRef idx="1">
+              <a:schemeClr val="accent1"/>
+            </a:lnRef>
+            <a:fillRef idx="0">
+              <a:schemeClr val="accent1"/>
+            </a:fillRef>
+            <a:effectRef idx="0">
+              <a:schemeClr val="accent1"/>
+            </a:effectRef>
+            <a:fontRef idx="minor">
+              <a:schemeClr val="tx1"/>
+            </a:fontRef>
+          </p:style>
+          <p:txBody>
+            <a:bodyPr rtlCol="0" anchor="ctr"/>
+            <a:lstStyle/>
+            <a:p>
+              <a:pPr algn="ctr"/>
+              <a:endParaRPr lang="en-AU"/>
+            </a:p>
+          </p:txBody>
+        </p:sp>
+        <p:sp>
+          <p:nvSpPr>
+            <p:cNvPr id="37" name="Arc 36"/>
+            <p:cNvSpPr/>
+            <p:nvPr/>
+          </p:nvSpPr>
+          <p:spPr>
+            <a:xfrm rot="16200000" flipH="1">
+              <a:off x="4400275" y="1855087"/>
+              <a:ext cx="28163" cy="28163"/>
+            </a:xfrm>
+            <a:prstGeom prst="arc">
+              <a:avLst/>
+            </a:prstGeom>
+            <a:ln w="12700">
+              <a:solidFill>
+                <a:srgbClr val="7030A0"/>
+              </a:solidFill>
+            </a:ln>
+          </p:spPr>
+          <p:style>
+            <a:lnRef idx="1">
+              <a:schemeClr val="accent1"/>
+            </a:lnRef>
+            <a:fillRef idx="0">
+              <a:schemeClr val="accent1"/>
+            </a:fillRef>
+            <a:effectRef idx="0">
+              <a:schemeClr val="accent1"/>
+            </a:effectRef>
+            <a:fontRef idx="minor">
+              <a:schemeClr val="tx1"/>
+            </a:fontRef>
+          </p:style>
+          <p:txBody>
+            <a:bodyPr rtlCol="0" anchor="ctr"/>
+            <a:lstStyle/>
+            <a:p>
+              <a:pPr algn="ctr"/>
+              <a:endParaRPr lang="en-AU"/>
+            </a:p>
+          </p:txBody>
+        </p:sp>
+        <p:sp>
+          <p:nvSpPr>
+            <p:cNvPr id="38" name="Arc 37"/>
+            <p:cNvSpPr/>
+            <p:nvPr/>
+          </p:nvSpPr>
+          <p:spPr>
+            <a:xfrm flipH="1">
+              <a:off x="4314281" y="1505069"/>
+              <a:ext cx="28163" cy="29134"/>
+            </a:xfrm>
+            <a:prstGeom prst="arc">
+              <a:avLst/>
+            </a:prstGeom>
+            <a:ln w="12700">
+              <a:solidFill>
+                <a:srgbClr val="7030A0"/>
+              </a:solidFill>
+            </a:ln>
+          </p:spPr>
+          <p:style>
+            <a:lnRef idx="1">
+              <a:schemeClr val="accent1"/>
+            </a:lnRef>
+            <a:fillRef idx="0">
+              <a:schemeClr val="accent1"/>
+            </a:fillRef>
+            <a:effectRef idx="0">
+              <a:schemeClr val="accent1"/>
+            </a:effectRef>
+            <a:fontRef idx="minor">
+              <a:schemeClr val="tx1"/>
+            </a:fontRef>
+          </p:style>
+          <p:txBody>
+            <a:bodyPr rtlCol="0" anchor="ctr"/>
+            <a:lstStyle/>
+            <a:p>
+              <a:pPr algn="ctr"/>
+              <a:endParaRPr lang="en-AU"/>
+            </a:p>
+          </p:txBody>
+        </p:sp>
+        <p:sp>
+          <p:nvSpPr>
+            <p:cNvPr id="39" name="Arc 38"/>
+            <p:cNvSpPr/>
+            <p:nvPr/>
+          </p:nvSpPr>
+          <p:spPr>
+            <a:xfrm flipH="1">
+              <a:off x="4155017" y="1477740"/>
+              <a:ext cx="29134" cy="28928"/>
+            </a:xfrm>
+            <a:prstGeom prst="arc">
+              <a:avLst/>
+            </a:prstGeom>
+            <a:ln w="12700">
+              <a:solidFill>
+                <a:schemeClr val="accent5"/>
+              </a:solidFill>
+            </a:ln>
+          </p:spPr>
+          <p:style>
+            <a:lnRef idx="1">
+              <a:schemeClr val="accent1"/>
+            </a:lnRef>
+            <a:fillRef idx="0">
+              <a:schemeClr val="accent1"/>
+            </a:fillRef>
+            <a:effectRef idx="0">
+              <a:schemeClr val="accent1"/>
+            </a:effectRef>
+            <a:fontRef idx="minor">
+              <a:schemeClr val="tx1"/>
+            </a:fontRef>
+          </p:style>
+          <p:txBody>
+            <a:bodyPr rtlCol="0" anchor="ctr"/>
+            <a:lstStyle/>
+            <a:p>
+              <a:pPr algn="ctr"/>
+              <a:endParaRPr lang="en-AU"/>
+            </a:p>
+          </p:txBody>
+        </p:sp>
+        <p:sp>
+          <p:nvSpPr>
+            <p:cNvPr id="40" name="Arc 39"/>
+            <p:cNvSpPr/>
+            <p:nvPr/>
+          </p:nvSpPr>
+          <p:spPr>
+            <a:xfrm rot="5400000" flipH="1">
+              <a:off x="4187932" y="1505898"/>
+              <a:ext cx="29134" cy="28928"/>
+            </a:xfrm>
+            <a:prstGeom prst="arc">
+              <a:avLst/>
+            </a:prstGeom>
+            <a:ln w="12700">
+              <a:solidFill>
+                <a:srgbClr val="00B0F0"/>
+              </a:solidFill>
+            </a:ln>
+          </p:spPr>
+          <p:style>
+            <a:lnRef idx="1">
+              <a:schemeClr val="accent1"/>
+            </a:lnRef>
+            <a:fillRef idx="0">
+              <a:schemeClr val="accent1"/>
+            </a:fillRef>
+            <a:effectRef idx="0">
+              <a:schemeClr val="accent1"/>
+            </a:effectRef>
+            <a:fontRef idx="minor">
+              <a:schemeClr val="tx1"/>
+            </a:fontRef>
+          </p:style>
+          <p:txBody>
+            <a:bodyPr rtlCol="0" anchor="ctr"/>
+            <a:lstStyle/>
+            <a:p>
+              <a:pPr algn="ctr"/>
+              <a:endParaRPr lang="en-AU"/>
+            </a:p>
+          </p:txBody>
+        </p:sp>
+        <p:sp>
+          <p:nvSpPr>
+            <p:cNvPr id="41" name="Arc 40"/>
+            <p:cNvSpPr/>
+            <p:nvPr/>
+          </p:nvSpPr>
+          <p:spPr>
+            <a:xfrm rot="5400000" flipH="1">
+              <a:off x="4158694" y="1477639"/>
+              <a:ext cx="58268" cy="58268"/>
+            </a:xfrm>
+            <a:prstGeom prst="arc">
+              <a:avLst/>
+            </a:prstGeom>
+            <a:ln w="12700">
+              <a:solidFill>
+                <a:srgbClr val="C00000"/>
+              </a:solidFill>
+            </a:ln>
+          </p:spPr>
+          <p:style>
+            <a:lnRef idx="1">
+              <a:schemeClr val="accent1"/>
+            </a:lnRef>
+            <a:fillRef idx="0">
+              <a:schemeClr val="accent1"/>
+            </a:fillRef>
+            <a:effectRef idx="0">
+              <a:schemeClr val="accent1"/>
+            </a:effectRef>
+            <a:fontRef idx="minor">
+              <a:schemeClr val="tx1"/>
+            </a:fontRef>
+          </p:style>
+          <p:txBody>
+            <a:bodyPr rtlCol="0" anchor="ctr"/>
+            <a:lstStyle/>
+            <a:p>
+              <a:pPr algn="ctr"/>
+              <a:endParaRPr lang="en-AU"/>
+            </a:p>
+          </p:txBody>
+        </p:sp>
+        <p:sp>
+          <p:nvSpPr>
+            <p:cNvPr id="42" name="Arc 41"/>
+            <p:cNvSpPr/>
+            <p:nvPr/>
+          </p:nvSpPr>
+          <p:spPr>
+            <a:xfrm flipH="1">
+              <a:off x="4266696" y="1477075"/>
+              <a:ext cx="57296" cy="58268"/>
+            </a:xfrm>
+            <a:prstGeom prst="arc">
+              <a:avLst/>
+            </a:prstGeom>
+            <a:ln w="12700">
+              <a:solidFill>
+                <a:schemeClr val="tx1"/>
+              </a:solidFill>
+            </a:ln>
+          </p:spPr>
+          <p:style>
+            <a:lnRef idx="1">
+              <a:schemeClr val="accent1"/>
+            </a:lnRef>
+            <a:fillRef idx="0">
+              <a:schemeClr val="accent1"/>
+            </a:fillRef>
+            <a:effectRef idx="0">
+              <a:schemeClr val="accent1"/>
+            </a:effectRef>
+            <a:fontRef idx="minor">
+              <a:schemeClr val="tx1"/>
+            </a:fontRef>
+          </p:style>
+          <p:txBody>
+            <a:bodyPr rtlCol="0" anchor="ctr"/>
+            <a:lstStyle/>
+            <a:p>
+              <a:pPr algn="ctr"/>
+              <a:endParaRPr lang="en-AU"/>
+            </a:p>
+          </p:txBody>
+        </p:sp>
+        <p:cxnSp>
+          <p:nvCxnSpPr>
+            <p:cNvPr id="43" name="Straight Connector 42"/>
+            <p:cNvCxnSpPr/>
+            <p:nvPr/>
+          </p:nvCxnSpPr>
+          <p:spPr>
+            <a:xfrm flipV="1">
+              <a:off x="4155017" y="1492116"/>
+              <a:ext cx="0" cy="167034"/>
+            </a:xfrm>
+            <a:prstGeom prst="line">
+              <a:avLst/>
+            </a:prstGeom>
+            <a:ln w="12700">
+              <a:solidFill>
+                <a:schemeClr val="accent5"/>
+              </a:solidFill>
+            </a:ln>
+          </p:spPr>
+          <p:style>
+            <a:lnRef idx="1">
+              <a:schemeClr val="accent1"/>
+            </a:lnRef>
+            <a:fillRef idx="0">
+              <a:schemeClr val="accent1"/>
+            </a:fillRef>
+            <a:effectRef idx="0">
+              <a:schemeClr val="accent1"/>
+            </a:effectRef>
+            <a:fontRef idx="minor">
+              <a:schemeClr val="tx1"/>
+            </a:fontRef>
+          </p:style>
+        </p:cxnSp>
+        <p:cxnSp>
+          <p:nvCxnSpPr>
+            <p:cNvPr id="44" name="Straight Connector 43"/>
+            <p:cNvCxnSpPr/>
+            <p:nvPr/>
+          </p:nvCxnSpPr>
+          <p:spPr>
+            <a:xfrm flipH="1">
+              <a:off x="4294859" y="1476226"/>
+              <a:ext cx="163149" cy="207"/>
+            </a:xfrm>
+            <a:prstGeom prst="line">
+              <a:avLst/>
+            </a:prstGeom>
+            <a:ln w="12700">
+              <a:solidFill>
+                <a:schemeClr val="tx1"/>
+              </a:solidFill>
+            </a:ln>
+          </p:spPr>
+          <p:style>
+            <a:lnRef idx="1">
+              <a:schemeClr val="accent1"/>
+            </a:lnRef>
+            <a:fillRef idx="0">
+              <a:schemeClr val="accent1"/>
+            </a:fillRef>
+            <a:effectRef idx="0">
+              <a:schemeClr val="accent1"/>
+            </a:effectRef>
+            <a:fontRef idx="minor">
+              <a:schemeClr val="tx1"/>
+            </a:fontRef>
+          </p:style>
+        </p:cxnSp>
+        <p:cxnSp>
+          <p:nvCxnSpPr>
+            <p:cNvPr id="45" name="Straight Connector 44"/>
+            <p:cNvCxnSpPr/>
+            <p:nvPr/>
+          </p:nvCxnSpPr>
+          <p:spPr>
+            <a:xfrm>
+              <a:off x="4314281" y="1518905"/>
+              <a:ext cx="0" cy="6798"/>
+            </a:xfrm>
+            <a:prstGeom prst="line">
+              <a:avLst/>
+            </a:prstGeom>
+            <a:ln w="12700">
+              <a:solidFill>
+                <a:srgbClr val="7030A0"/>
+              </a:solidFill>
+            </a:ln>
+          </p:spPr>
+          <p:style>
+            <a:lnRef idx="1">
+              <a:schemeClr val="accent1"/>
+            </a:lnRef>
+            <a:fillRef idx="0">
+              <a:schemeClr val="accent1"/>
+            </a:fillRef>
+            <a:effectRef idx="0">
+              <a:schemeClr val="accent1"/>
+            </a:effectRef>
+            <a:fontRef idx="minor">
+              <a:schemeClr val="tx1"/>
+            </a:fontRef>
+          </p:style>
+        </p:cxnSp>
+        <p:cxnSp>
+          <p:nvCxnSpPr>
+            <p:cNvPr id="46" name="Straight Connector 45"/>
+            <p:cNvCxnSpPr/>
+            <p:nvPr/>
+          </p:nvCxnSpPr>
+          <p:spPr>
+            <a:xfrm>
+              <a:off x="4400712" y="1815500"/>
+              <a:ext cx="0" cy="55354"/>
+            </a:xfrm>
+            <a:prstGeom prst="line">
+              <a:avLst/>
+            </a:prstGeom>
+            <a:ln w="12700">
+              <a:solidFill>
+                <a:srgbClr val="7030A0"/>
+              </a:solidFill>
+            </a:ln>
+          </p:spPr>
+          <p:style>
+            <a:lnRef idx="1">
+              <a:schemeClr val="accent1"/>
+            </a:lnRef>
+            <a:fillRef idx="0">
+              <a:schemeClr val="accent1"/>
+            </a:fillRef>
+            <a:effectRef idx="0">
+              <a:schemeClr val="accent1"/>
+            </a:effectRef>
+            <a:fontRef idx="minor">
+              <a:schemeClr val="tx1"/>
+            </a:fontRef>
+          </p:style>
+        </p:cxnSp>
+        <p:cxnSp>
+          <p:nvCxnSpPr>
+            <p:cNvPr id="47" name="Straight Connector 46"/>
+            <p:cNvCxnSpPr/>
+            <p:nvPr/>
+          </p:nvCxnSpPr>
+          <p:spPr>
+            <a:xfrm>
+              <a:off x="4327877" y="1505153"/>
+              <a:ext cx="35932" cy="0"/>
+            </a:xfrm>
+            <a:prstGeom prst="line">
+              <a:avLst/>
+            </a:prstGeom>
+            <a:ln w="12700">
+              <a:solidFill>
+                <a:srgbClr val="7030A0"/>
+              </a:solidFill>
+            </a:ln>
+          </p:spPr>
+          <p:style>
+            <a:lnRef idx="1">
+              <a:schemeClr val="accent1"/>
+            </a:lnRef>
+            <a:fillRef idx="0">
+              <a:schemeClr val="accent1"/>
+            </a:fillRef>
+            <a:effectRef idx="0">
+              <a:schemeClr val="accent1"/>
+            </a:effectRef>
+            <a:fontRef idx="minor">
+              <a:schemeClr val="tx1"/>
+            </a:fontRef>
+          </p:style>
+        </p:cxnSp>
+        <p:cxnSp>
+          <p:nvCxnSpPr>
+            <p:cNvPr id="48" name="Straight Connector 47"/>
+            <p:cNvCxnSpPr/>
+            <p:nvPr/>
+          </p:nvCxnSpPr>
+          <p:spPr>
+            <a:xfrm>
+              <a:off x="4413994" y="1883249"/>
+              <a:ext cx="4856" cy="0"/>
+            </a:xfrm>
+            <a:prstGeom prst="line">
+              <a:avLst/>
+            </a:prstGeom>
+            <a:ln w="12700">
+              <a:solidFill>
+                <a:srgbClr val="7030A0"/>
+              </a:solidFill>
+            </a:ln>
+          </p:spPr>
+          <p:style>
+            <a:lnRef idx="1">
+              <a:schemeClr val="accent1"/>
+            </a:lnRef>
+            <a:fillRef idx="0">
+              <a:schemeClr val="accent1"/>
+            </a:fillRef>
+            <a:effectRef idx="0">
+              <a:schemeClr val="accent1"/>
+            </a:effectRef>
+            <a:fontRef idx="minor">
+              <a:schemeClr val="tx1"/>
+            </a:fontRef>
+          </p:style>
+        </p:cxnSp>
+        <p:cxnSp>
+          <p:nvCxnSpPr>
+            <p:cNvPr id="49" name="Straight Connector 48"/>
+            <p:cNvCxnSpPr/>
+            <p:nvPr/>
+          </p:nvCxnSpPr>
+          <p:spPr>
+            <a:xfrm flipH="1">
+              <a:off x="4445712" y="1563420"/>
+              <a:ext cx="28163" cy="207"/>
+            </a:xfrm>
+            <a:prstGeom prst="line">
+              <a:avLst/>
+            </a:prstGeom>
+            <a:ln w="12700">
+              <a:solidFill>
+                <a:srgbClr val="7030A0"/>
+              </a:solidFill>
+            </a:ln>
+          </p:spPr>
+          <p:style>
+            <a:lnRef idx="1">
+              <a:schemeClr val="accent1"/>
+            </a:lnRef>
+            <a:fillRef idx="0">
+              <a:schemeClr val="accent1"/>
+            </a:fillRef>
+            <a:effectRef idx="0">
+              <a:schemeClr val="accent1"/>
+            </a:effectRef>
+            <a:fontRef idx="minor">
+              <a:schemeClr val="tx1"/>
+            </a:fontRef>
+          </p:style>
+        </p:cxnSp>
+        <p:cxnSp>
+          <p:nvCxnSpPr>
+            <p:cNvPr id="50" name="Straight Connector 49"/>
+            <p:cNvCxnSpPr/>
+            <p:nvPr/>
+          </p:nvCxnSpPr>
+          <p:spPr>
+            <a:xfrm flipV="1">
+              <a:off x="4431788" y="1577987"/>
+              <a:ext cx="237" cy="293280"/>
+            </a:xfrm>
+            <a:prstGeom prst="line">
+              <a:avLst/>
+            </a:prstGeom>
+            <a:ln w="12700">
+              <a:solidFill>
+                <a:srgbClr val="7030A0"/>
+              </a:solidFill>
+            </a:ln>
+          </p:spPr>
+          <p:style>
+            <a:lnRef idx="1">
+              <a:schemeClr val="accent1"/>
+            </a:lnRef>
+            <a:fillRef idx="0">
+              <a:schemeClr val="accent1"/>
+            </a:fillRef>
+            <a:effectRef idx="0">
+              <a:schemeClr val="accent1"/>
+            </a:effectRef>
+            <a:fontRef idx="minor">
+              <a:schemeClr val="tx1"/>
+            </a:fontRef>
+          </p:style>
+        </p:cxnSp>
+        <p:cxnSp>
+          <p:nvCxnSpPr>
+            <p:cNvPr id="51" name="Straight Connector 50"/>
+            <p:cNvCxnSpPr/>
+            <p:nvPr/>
+          </p:nvCxnSpPr>
+          <p:spPr>
+            <a:xfrm flipV="1">
+              <a:off x="4472812" y="1620727"/>
+              <a:ext cx="29134" cy="0"/>
+            </a:xfrm>
+            <a:prstGeom prst="line">
+              <a:avLst/>
+            </a:prstGeom>
+            <a:ln w="12700">
+              <a:solidFill>
+                <a:srgbClr val="FF0000"/>
+              </a:solidFill>
+            </a:ln>
+          </p:spPr>
+          <p:style>
+            <a:lnRef idx="1">
+              <a:schemeClr val="accent1"/>
+            </a:lnRef>
+            <a:fillRef idx="0">
+              <a:schemeClr val="accent1"/>
+            </a:fillRef>
+            <a:effectRef idx="0">
+              <a:schemeClr val="accent1"/>
+            </a:effectRef>
+            <a:fontRef idx="minor">
+              <a:schemeClr val="tx1"/>
+            </a:fontRef>
+          </p:style>
+        </p:cxnSp>
+        <p:cxnSp>
+          <p:nvCxnSpPr>
+            <p:cNvPr id="52" name="Straight Connector 51"/>
+            <p:cNvCxnSpPr/>
+            <p:nvPr/>
+          </p:nvCxnSpPr>
+          <p:spPr>
+            <a:xfrm flipV="1">
+              <a:off x="4472575" y="1615872"/>
+              <a:ext cx="0" cy="4856"/>
+            </a:xfrm>
+            <a:prstGeom prst="line">
+              <a:avLst/>
+            </a:prstGeom>
+            <a:ln w="12700">
+              <a:solidFill>
+                <a:srgbClr val="FF0000"/>
+              </a:solidFill>
+            </a:ln>
+          </p:spPr>
+          <p:style>
+            <a:lnRef idx="1">
+              <a:schemeClr val="accent1"/>
+            </a:lnRef>
+            <a:fillRef idx="0">
+              <a:schemeClr val="accent1"/>
+            </a:fillRef>
+            <a:effectRef idx="0">
+              <a:schemeClr val="accent1"/>
+            </a:effectRef>
+            <a:fontRef idx="minor">
+              <a:schemeClr val="tx1"/>
+            </a:fontRef>
+          </p:style>
+        </p:cxnSp>
+        <p:cxnSp>
+          <p:nvCxnSpPr>
+            <p:cNvPr id="53" name="Straight Connector 52"/>
+            <p:cNvCxnSpPr/>
+            <p:nvPr/>
+          </p:nvCxnSpPr>
+          <p:spPr>
+            <a:xfrm flipV="1">
+              <a:off x="4501575" y="1616147"/>
+              <a:ext cx="0" cy="4856"/>
+            </a:xfrm>
+            <a:prstGeom prst="line">
+              <a:avLst/>
+            </a:prstGeom>
+            <a:ln w="12700">
+              <a:solidFill>
+                <a:srgbClr val="FF0000"/>
+              </a:solidFill>
+            </a:ln>
+          </p:spPr>
+          <p:style>
+            <a:lnRef idx="1">
+              <a:schemeClr val="accent1"/>
+            </a:lnRef>
+            <a:fillRef idx="0">
+              <a:schemeClr val="accent1"/>
+            </a:fillRef>
+            <a:effectRef idx="0">
+              <a:schemeClr val="accent1"/>
+            </a:effectRef>
+            <a:fontRef idx="minor">
+              <a:schemeClr val="tx1"/>
+            </a:fontRef>
+          </p:style>
+        </p:cxnSp>
+        <p:sp>
+          <p:nvSpPr>
+            <p:cNvPr id="54" name="Oval 53"/>
+            <p:cNvSpPr/>
+            <p:nvPr/>
+          </p:nvSpPr>
+          <p:spPr>
+            <a:xfrm flipV="1">
+              <a:off x="4474384" y="1592069"/>
+              <a:ext cx="25249" cy="25249"/>
+            </a:xfrm>
+            <a:prstGeom prst="ellipse">
+              <a:avLst/>
+            </a:prstGeom>
+            <a:solidFill>
+              <a:srgbClr val="7030A0"/>
+            </a:solidFill>
+            <a:ln>
+              <a:noFill/>
+            </a:ln>
+          </p:spPr>
+          <p:style>
+            <a:lnRef idx="2">
+              <a:schemeClr val="accent1">
+                <a:shade val="50000"/>
+              </a:schemeClr>
+            </a:lnRef>
+            <a:fillRef idx="1">
+              <a:schemeClr val="accent1"/>
+            </a:fillRef>
+            <a:effectRef idx="0">
+              <a:schemeClr val="accent1"/>
+            </a:effectRef>
+            <a:fontRef idx="minor">
+              <a:schemeClr val="lt1"/>
+            </a:fontRef>
+          </p:style>
+          <p:txBody>
+            <a:bodyPr rtlCol="0" anchor="ctr"/>
+            <a:lstStyle/>
+            <a:p>
+              <a:pPr algn="ctr"/>
+              <a:endParaRPr lang="en-AU"/>
+            </a:p>
+          </p:txBody>
+        </p:sp>
+        <p:cxnSp>
+          <p:nvCxnSpPr>
+            <p:cNvPr id="55" name="Straight Connector 54"/>
+            <p:cNvCxnSpPr/>
+            <p:nvPr/>
+          </p:nvCxnSpPr>
+          <p:spPr>
+            <a:xfrm>
+              <a:off x="4487009" y="1620879"/>
+              <a:ext cx="0" cy="9711"/>
+            </a:xfrm>
+            <a:prstGeom prst="line">
+              <a:avLst/>
+            </a:prstGeom>
+            <a:ln w="12700">
+              <a:solidFill>
+                <a:srgbClr val="FF0000"/>
+              </a:solidFill>
+            </a:ln>
+          </p:spPr>
+          <p:style>
+            <a:lnRef idx="1">
+              <a:schemeClr val="accent1"/>
+            </a:lnRef>
+            <a:fillRef idx="0">
+              <a:schemeClr val="accent1"/>
+            </a:fillRef>
+            <a:effectRef idx="0">
+              <a:schemeClr val="accent1"/>
+            </a:effectRef>
+            <a:fontRef idx="minor">
+              <a:schemeClr val="tx1"/>
+            </a:fontRef>
+          </p:style>
+        </p:cxnSp>
+        <p:cxnSp>
+          <p:nvCxnSpPr>
+            <p:cNvPr id="56" name="Straight Connector 55"/>
+            <p:cNvCxnSpPr/>
+            <p:nvPr/>
+          </p:nvCxnSpPr>
+          <p:spPr>
+            <a:xfrm>
+              <a:off x="4487009" y="1582357"/>
+              <a:ext cx="0" cy="9711"/>
+            </a:xfrm>
+            <a:prstGeom prst="line">
+              <a:avLst/>
+            </a:prstGeom>
+            <a:ln w="12700">
+              <a:solidFill>
+                <a:schemeClr val="tx1"/>
+              </a:solidFill>
+            </a:ln>
+          </p:spPr>
+          <p:style>
+            <a:lnRef idx="1">
+              <a:schemeClr val="accent1"/>
+            </a:lnRef>
+            <a:fillRef idx="0">
+              <a:schemeClr val="accent1"/>
+            </a:fillRef>
+            <a:effectRef idx="0">
+              <a:schemeClr val="accent1"/>
+            </a:effectRef>
+            <a:fontRef idx="minor">
+              <a:schemeClr val="tx1"/>
+            </a:fontRef>
+          </p:style>
+        </p:cxnSp>
+        <p:cxnSp>
+          <p:nvCxnSpPr>
+            <p:cNvPr id="57" name="Straight Connector 56"/>
+            <p:cNvCxnSpPr/>
+            <p:nvPr/>
+          </p:nvCxnSpPr>
+          <p:spPr>
+            <a:xfrm flipV="1">
+              <a:off x="4265849" y="1784138"/>
+              <a:ext cx="0" cy="9711"/>
+            </a:xfrm>
+            <a:prstGeom prst="line">
+              <a:avLst/>
+            </a:prstGeom>
+            <a:ln w="12700">
+              <a:solidFill>
+                <a:schemeClr val="tx1"/>
+              </a:solidFill>
+            </a:ln>
+          </p:spPr>
+          <p:style>
+            <a:lnRef idx="1">
+              <a:schemeClr val="accent1"/>
+            </a:lnRef>
+            <a:fillRef idx="0">
+              <a:schemeClr val="accent1"/>
+            </a:fillRef>
+            <a:effectRef idx="0">
+              <a:schemeClr val="accent1"/>
+            </a:effectRef>
+            <a:fontRef idx="minor">
+              <a:schemeClr val="tx1"/>
+            </a:fontRef>
+          </p:style>
+        </p:cxnSp>
+        <p:grpSp>
+          <p:nvGrpSpPr>
+            <p:cNvPr id="58" name="Group 634"/>
+            <p:cNvGrpSpPr/>
+            <p:nvPr/>
+          </p:nvGrpSpPr>
+          <p:grpSpPr>
+            <a:xfrm>
+              <a:off x="4251449" y="1793574"/>
+              <a:ext cx="29371" cy="5130"/>
+              <a:chOff x="4724894" y="1611142"/>
+              <a:chExt cx="108879" cy="19018"/>
+            </a:xfrm>
+          </p:grpSpPr>
+          <p:cxnSp>
+            <p:nvCxnSpPr>
+              <p:cNvPr id="125" name="Straight Connector 124"/>
+              <p:cNvCxnSpPr/>
+              <p:nvPr/>
+            </p:nvCxnSpPr>
+            <p:spPr>
+              <a:xfrm>
+                <a:off x="4725773" y="1612161"/>
+                <a:ext cx="108000" cy="0"/>
+              </a:xfrm>
+              <a:prstGeom prst="line">
+                <a:avLst/>
+              </a:prstGeom>
+              <a:ln w="12700">
+                <a:solidFill>
+                  <a:schemeClr val="tx1"/>
+                </a:solidFill>
+              </a:ln>
+            </p:spPr>
+            <p:style>
+              <a:lnRef idx="1">
+                <a:schemeClr val="accent1"/>
+              </a:lnRef>
+              <a:fillRef idx="0">
+                <a:schemeClr val="accent1"/>
+              </a:fillRef>
+              <a:effectRef idx="0">
+                <a:schemeClr val="accent1"/>
+              </a:effectRef>
+              <a:fontRef idx="minor">
+                <a:schemeClr val="tx1"/>
+              </a:fontRef>
+            </p:style>
+          </p:cxnSp>
+          <p:cxnSp>
+            <p:nvCxnSpPr>
+              <p:cNvPr id="126" name="Straight Connector 125"/>
+              <p:cNvCxnSpPr/>
+              <p:nvPr/>
+            </p:nvCxnSpPr>
+            <p:spPr>
+              <a:xfrm>
+                <a:off x="4724894" y="1612160"/>
+                <a:ext cx="0" cy="18000"/>
+              </a:xfrm>
+              <a:prstGeom prst="line">
+                <a:avLst/>
+              </a:prstGeom>
+              <a:ln w="12700">
+                <a:solidFill>
+                  <a:schemeClr val="tx1"/>
+                </a:solidFill>
+              </a:ln>
+            </p:spPr>
+            <p:style>
+              <a:lnRef idx="1">
+                <a:schemeClr val="accent1"/>
+              </a:lnRef>
+              <a:fillRef idx="0">
+                <a:schemeClr val="accent1"/>
+              </a:fillRef>
+              <a:effectRef idx="0">
+                <a:schemeClr val="accent1"/>
+              </a:effectRef>
+              <a:fontRef idx="minor">
+                <a:schemeClr val="tx1"/>
+              </a:fontRef>
+            </p:style>
+          </p:cxnSp>
+          <p:cxnSp>
+            <p:nvCxnSpPr>
+              <p:cNvPr id="127" name="Straight Connector 126"/>
+              <p:cNvCxnSpPr/>
+              <p:nvPr/>
+            </p:nvCxnSpPr>
+            <p:spPr>
+              <a:xfrm>
+                <a:off x="4832400" y="1611142"/>
+                <a:ext cx="0" cy="18000"/>
+              </a:xfrm>
+              <a:prstGeom prst="line">
+                <a:avLst/>
+              </a:prstGeom>
+              <a:ln w="12700">
+                <a:solidFill>
+                  <a:schemeClr val="tx1"/>
+                </a:solidFill>
+              </a:ln>
+            </p:spPr>
+            <p:style>
+              <a:lnRef idx="1">
+                <a:schemeClr val="accent1"/>
+              </a:lnRef>
+              <a:fillRef idx="0">
+                <a:schemeClr val="accent1"/>
+              </a:fillRef>
+              <a:effectRef idx="0">
+                <a:schemeClr val="accent1"/>
+              </a:effectRef>
+              <a:fontRef idx="minor">
+                <a:schemeClr val="tx1"/>
+              </a:fontRef>
+            </p:style>
+          </p:cxnSp>
+        </p:grpSp>
+        <p:sp>
+          <p:nvSpPr>
+            <p:cNvPr id="59" name="Rectangle 58"/>
+            <p:cNvSpPr/>
+            <p:nvPr/>
+          </p:nvSpPr>
+          <p:spPr>
+            <a:xfrm>
+              <a:off x="4254360" y="1799190"/>
+              <a:ext cx="23307" cy="23307"/>
+            </a:xfrm>
+            <a:prstGeom prst="rect">
+              <a:avLst/>
+            </a:prstGeom>
+            <a:solidFill>
+              <a:schemeClr val="accent5"/>
+            </a:solidFill>
+            <a:ln w="12700">
+              <a:noFill/>
+            </a:ln>
+          </p:spPr>
+          <p:style>
+            <a:lnRef idx="2">
+              <a:schemeClr val="accent1">
+                <a:shade val="50000"/>
+              </a:schemeClr>
+            </a:lnRef>
+            <a:fillRef idx="1">
+              <a:schemeClr val="accent1"/>
+            </a:fillRef>
+            <a:effectRef idx="0">
+              <a:schemeClr val="accent1"/>
+            </a:effectRef>
+            <a:fontRef idx="minor">
+              <a:schemeClr val="lt1"/>
+            </a:fontRef>
+          </p:style>
+          <p:txBody>
+            <a:bodyPr rtlCol="0" anchor="ctr"/>
+            <a:lstStyle/>
+            <a:p>
+              <a:pPr algn="ctr"/>
+              <a:endParaRPr lang="en-AU"/>
+            </a:p>
+          </p:txBody>
+        </p:sp>
+        <p:cxnSp>
+          <p:nvCxnSpPr>
+            <p:cNvPr id="60" name="Straight Connector 59"/>
+            <p:cNvCxnSpPr/>
+            <p:nvPr/>
+          </p:nvCxnSpPr>
+          <p:spPr>
+            <a:xfrm flipV="1">
+              <a:off x="4266014" y="1822497"/>
+              <a:ext cx="0" cy="9711"/>
+            </a:xfrm>
+            <a:prstGeom prst="line">
+              <a:avLst/>
+            </a:prstGeom>
+            <a:ln w="12700">
+              <a:solidFill>
+                <a:srgbClr val="00B0F0"/>
+              </a:solidFill>
+            </a:ln>
+          </p:spPr>
+          <p:style>
+            <a:lnRef idx="1">
+              <a:schemeClr val="accent1"/>
+            </a:lnRef>
+            <a:fillRef idx="0">
+              <a:schemeClr val="accent1"/>
+            </a:fillRef>
+            <a:effectRef idx="0">
+              <a:schemeClr val="accent1"/>
+            </a:effectRef>
+            <a:fontRef idx="minor">
+              <a:schemeClr val="tx1"/>
+            </a:fontRef>
+          </p:style>
+        </p:cxnSp>
+        <p:sp>
+          <p:nvSpPr>
+            <p:cNvPr id="61" name="Isosceles Triangle 60"/>
+            <p:cNvSpPr/>
+            <p:nvPr/>
+          </p:nvSpPr>
+          <p:spPr>
+            <a:xfrm flipV="1">
+              <a:off x="4302461" y="1540113"/>
+              <a:ext cx="23307" cy="23307"/>
+            </a:xfrm>
+            <a:prstGeom prst="triangle">
+              <a:avLst/>
+            </a:prstGeom>
+            <a:solidFill>
+              <a:schemeClr val="tx1"/>
+            </a:solidFill>
+            <a:ln>
+              <a:noFill/>
+            </a:ln>
+          </p:spPr>
+          <p:style>
+            <a:lnRef idx="2">
+              <a:schemeClr val="accent1">
+                <a:shade val="50000"/>
+              </a:schemeClr>
+            </a:lnRef>
+            <a:fillRef idx="1">
+              <a:schemeClr val="accent1"/>
+            </a:fillRef>
+            <a:effectRef idx="0">
+              <a:schemeClr val="accent1"/>
+            </a:effectRef>
+            <a:fontRef idx="minor">
+              <a:schemeClr val="lt1"/>
+            </a:fontRef>
+          </p:style>
+          <p:txBody>
+            <a:bodyPr rtlCol="0" anchor="ctr"/>
+            <a:lstStyle/>
+            <a:p>
+              <a:pPr algn="ctr"/>
+              <a:endParaRPr lang="en-AU"/>
+            </a:p>
+          </p:txBody>
+        </p:sp>
+        <p:cxnSp>
+          <p:nvCxnSpPr>
+            <p:cNvPr id="62" name="Straight Connector 61"/>
+            <p:cNvCxnSpPr/>
+            <p:nvPr/>
+          </p:nvCxnSpPr>
+          <p:spPr>
+            <a:xfrm flipV="1">
+              <a:off x="4313705" y="1560507"/>
+              <a:ext cx="0" cy="12625"/>
+            </a:xfrm>
+            <a:prstGeom prst="line">
+              <a:avLst/>
+            </a:prstGeom>
+            <a:ln w="12700">
+              <a:solidFill>
+                <a:schemeClr val="tx1"/>
+              </a:solidFill>
+            </a:ln>
+          </p:spPr>
+          <p:style>
+            <a:lnRef idx="1">
+              <a:schemeClr val="accent1"/>
+            </a:lnRef>
+            <a:fillRef idx="0">
+              <a:schemeClr val="accent1"/>
+            </a:fillRef>
+            <a:effectRef idx="0">
+              <a:schemeClr val="accent1"/>
+            </a:effectRef>
+            <a:fontRef idx="minor">
+              <a:schemeClr val="tx1"/>
+            </a:fontRef>
+          </p:style>
+        </p:cxnSp>
+        <p:grpSp>
+          <p:nvGrpSpPr>
+            <p:cNvPr id="63" name="Group 532"/>
+            <p:cNvGrpSpPr/>
+            <p:nvPr/>
+          </p:nvGrpSpPr>
+          <p:grpSpPr>
+            <a:xfrm>
+              <a:off x="4299714" y="1524575"/>
+              <a:ext cx="29371" cy="14567"/>
+              <a:chOff x="4324218" y="1634400"/>
+              <a:chExt cx="108879" cy="53999"/>
+            </a:xfrm>
+          </p:grpSpPr>
+          <p:grpSp>
+            <p:nvGrpSpPr>
+              <p:cNvPr id="120" name="Group 533"/>
+              <p:cNvGrpSpPr/>
+              <p:nvPr/>
+            </p:nvGrpSpPr>
+            <p:grpSpPr>
+              <a:xfrm>
+                <a:off x="4324218" y="1669381"/>
+                <a:ext cx="108879" cy="19018"/>
+                <a:chOff x="4724894" y="1611142"/>
+                <a:chExt cx="108879" cy="19018"/>
+              </a:xfrm>
+            </p:grpSpPr>
+            <p:cxnSp>
+              <p:nvCxnSpPr>
+                <p:cNvPr id="122" name="Straight Connector 121"/>
+                <p:cNvCxnSpPr/>
+                <p:nvPr/>
+              </p:nvCxnSpPr>
+              <p:spPr>
+                <a:xfrm>
+                  <a:off x="4725773" y="1612161"/>
+                  <a:ext cx="108000" cy="0"/>
+                </a:xfrm>
+                <a:prstGeom prst="line">
+                  <a:avLst/>
+                </a:prstGeom>
+                <a:ln w="12700">
+                  <a:solidFill>
+                    <a:srgbClr val="7030A0"/>
+                  </a:solidFill>
+                </a:ln>
+              </p:spPr>
+              <p:style>
+                <a:lnRef idx="1">
+                  <a:schemeClr val="accent1"/>
+                </a:lnRef>
+                <a:fillRef idx="0">
+                  <a:schemeClr val="accent1"/>
+                </a:fillRef>
+                <a:effectRef idx="0">
+                  <a:schemeClr val="accent1"/>
+                </a:effectRef>
+                <a:fontRef idx="minor">
+                  <a:schemeClr val="tx1"/>
+                </a:fontRef>
+              </p:style>
+            </p:cxnSp>
+            <p:cxnSp>
+              <p:nvCxnSpPr>
+                <p:cNvPr id="123" name="Straight Connector 122"/>
+                <p:cNvCxnSpPr/>
+                <p:nvPr/>
+              </p:nvCxnSpPr>
+              <p:spPr>
+                <a:xfrm>
+                  <a:off x="4724894" y="1612160"/>
+                  <a:ext cx="0" cy="18000"/>
+                </a:xfrm>
+                <a:prstGeom prst="line">
+                  <a:avLst/>
+                </a:prstGeom>
+                <a:ln w="12700">
+                  <a:solidFill>
+                    <a:srgbClr val="7030A0"/>
+                  </a:solidFill>
+                </a:ln>
+              </p:spPr>
+              <p:style>
+                <a:lnRef idx="1">
+                  <a:schemeClr val="accent1"/>
+                </a:lnRef>
+                <a:fillRef idx="0">
+                  <a:schemeClr val="accent1"/>
+                </a:fillRef>
+                <a:effectRef idx="0">
+                  <a:schemeClr val="accent1"/>
+                </a:effectRef>
+                <a:fontRef idx="minor">
+                  <a:schemeClr val="tx1"/>
+                </a:fontRef>
+              </p:style>
+            </p:cxnSp>
+            <p:cxnSp>
+              <p:nvCxnSpPr>
+                <p:cNvPr id="124" name="Straight Connector 123"/>
+                <p:cNvCxnSpPr/>
+                <p:nvPr/>
+              </p:nvCxnSpPr>
+              <p:spPr>
+                <a:xfrm>
+                  <a:off x="4832400" y="1611142"/>
+                  <a:ext cx="0" cy="18000"/>
+                </a:xfrm>
+                <a:prstGeom prst="line">
+                  <a:avLst/>
+                </a:prstGeom>
+                <a:ln w="12700">
+                  <a:solidFill>
+                    <a:srgbClr val="7030A0"/>
+                  </a:solidFill>
+                </a:ln>
+              </p:spPr>
+              <p:style>
+                <a:lnRef idx="1">
+                  <a:schemeClr val="accent1"/>
+                </a:lnRef>
+                <a:fillRef idx="0">
+                  <a:schemeClr val="accent1"/>
+                </a:fillRef>
+                <a:effectRef idx="0">
+                  <a:schemeClr val="accent1"/>
+                </a:effectRef>
+                <a:fontRef idx="minor">
+                  <a:schemeClr val="tx1"/>
+                </a:fontRef>
+              </p:style>
+            </p:cxnSp>
+          </p:grpSp>
+          <p:cxnSp>
+            <p:nvCxnSpPr>
+              <p:cNvPr id="121" name="Straight Connector 120"/>
+              <p:cNvCxnSpPr/>
+              <p:nvPr/>
+            </p:nvCxnSpPr>
+            <p:spPr>
+              <a:xfrm flipV="1">
+                <a:off x="4377600" y="1634400"/>
+                <a:ext cx="0" cy="36000"/>
+              </a:xfrm>
+              <a:prstGeom prst="line">
+                <a:avLst/>
+              </a:prstGeom>
+              <a:ln w="12700">
+                <a:solidFill>
+                  <a:srgbClr val="7030A0"/>
+                </a:solidFill>
+              </a:ln>
+            </p:spPr>
+            <p:style>
+              <a:lnRef idx="1">
+                <a:schemeClr val="accent1"/>
+              </a:lnRef>
+              <a:fillRef idx="0">
+                <a:schemeClr val="accent1"/>
+              </a:fillRef>
+              <a:effectRef idx="0">
+                <a:schemeClr val="accent1"/>
+              </a:effectRef>
+              <a:fontRef idx="minor">
+                <a:schemeClr val="tx1"/>
+              </a:fontRef>
+            </p:style>
+          </p:cxnSp>
+        </p:grpSp>
+        <p:cxnSp>
+          <p:nvCxnSpPr>
+            <p:cNvPr id="64" name="Straight Connector 63"/>
+            <p:cNvCxnSpPr/>
+            <p:nvPr/>
+          </p:nvCxnSpPr>
+          <p:spPr>
+            <a:xfrm flipV="1">
+              <a:off x="4217002" y="1524575"/>
+              <a:ext cx="0" cy="9711"/>
+            </a:xfrm>
+            <a:prstGeom prst="line">
+              <a:avLst/>
+            </a:prstGeom>
+            <a:ln w="12700">
+              <a:solidFill>
+                <a:srgbClr val="C00000"/>
+              </a:solidFill>
+            </a:ln>
+          </p:spPr>
+          <p:style>
+            <a:lnRef idx="1">
+              <a:schemeClr val="accent1"/>
+            </a:lnRef>
+            <a:fillRef idx="0">
+              <a:schemeClr val="accent1"/>
+            </a:fillRef>
+            <a:effectRef idx="0">
+              <a:schemeClr val="accent1"/>
+            </a:effectRef>
+            <a:fontRef idx="minor">
+              <a:schemeClr val="tx1"/>
+            </a:fontRef>
+          </p:style>
+        </p:cxnSp>
+        <p:grpSp>
+          <p:nvGrpSpPr>
+            <p:cNvPr id="65" name="Group 516"/>
+            <p:cNvGrpSpPr/>
+            <p:nvPr/>
+          </p:nvGrpSpPr>
+          <p:grpSpPr>
+            <a:xfrm>
+              <a:off x="4202602" y="1534012"/>
+              <a:ext cx="29371" cy="28923"/>
+              <a:chOff x="4644008" y="1671181"/>
+              <a:chExt cx="108879" cy="107219"/>
+            </a:xfrm>
+          </p:grpSpPr>
+          <p:grpSp>
+            <p:nvGrpSpPr>
+              <p:cNvPr id="115" name="Group 518"/>
+              <p:cNvGrpSpPr/>
+              <p:nvPr/>
+            </p:nvGrpSpPr>
+            <p:grpSpPr>
+              <a:xfrm>
+                <a:off x="4644008" y="1671181"/>
+                <a:ext cx="108879" cy="19018"/>
+                <a:chOff x="4724894" y="1611142"/>
+                <a:chExt cx="108879" cy="19018"/>
+              </a:xfrm>
+            </p:grpSpPr>
+            <p:cxnSp>
+              <p:nvCxnSpPr>
+                <p:cNvPr id="117" name="Straight Connector 116"/>
+                <p:cNvCxnSpPr/>
+                <p:nvPr/>
+              </p:nvCxnSpPr>
+              <p:spPr>
+                <a:xfrm>
+                  <a:off x="4725773" y="1612161"/>
+                  <a:ext cx="108000" cy="0"/>
+                </a:xfrm>
+                <a:prstGeom prst="line">
+                  <a:avLst/>
+                </a:prstGeom>
+                <a:ln w="12700">
+                  <a:solidFill>
+                    <a:srgbClr val="C00000"/>
+                  </a:solidFill>
+                </a:ln>
+              </p:spPr>
+              <p:style>
+                <a:lnRef idx="1">
+                  <a:schemeClr val="accent1"/>
+                </a:lnRef>
+                <a:fillRef idx="0">
+                  <a:schemeClr val="accent1"/>
+                </a:fillRef>
+                <a:effectRef idx="0">
+                  <a:schemeClr val="accent1"/>
+                </a:effectRef>
+                <a:fontRef idx="minor">
+                  <a:schemeClr val="tx1"/>
+                </a:fontRef>
+              </p:style>
+            </p:cxnSp>
+            <p:cxnSp>
+              <p:nvCxnSpPr>
+                <p:cNvPr id="118" name="Straight Connector 117"/>
+                <p:cNvCxnSpPr/>
+                <p:nvPr/>
+              </p:nvCxnSpPr>
+              <p:spPr>
+                <a:xfrm>
+                  <a:off x="4724894" y="1612160"/>
+                  <a:ext cx="0" cy="18000"/>
+                </a:xfrm>
+                <a:prstGeom prst="line">
+                  <a:avLst/>
+                </a:prstGeom>
+                <a:ln w="12700">
+                  <a:solidFill>
+                    <a:srgbClr val="C00000"/>
+                  </a:solidFill>
+                </a:ln>
+              </p:spPr>
+              <p:style>
+                <a:lnRef idx="1">
+                  <a:schemeClr val="accent1"/>
+                </a:lnRef>
+                <a:fillRef idx="0">
+                  <a:schemeClr val="accent1"/>
+                </a:fillRef>
+                <a:effectRef idx="0">
+                  <a:schemeClr val="accent1"/>
+                </a:effectRef>
+                <a:fontRef idx="minor">
+                  <a:schemeClr val="tx1"/>
+                </a:fontRef>
+              </p:style>
+            </p:cxnSp>
+            <p:cxnSp>
+              <p:nvCxnSpPr>
+                <p:cNvPr id="119" name="Straight Connector 118"/>
+                <p:cNvCxnSpPr/>
+                <p:nvPr/>
+              </p:nvCxnSpPr>
+              <p:spPr>
+                <a:xfrm>
+                  <a:off x="4832400" y="1611142"/>
+                  <a:ext cx="0" cy="18000"/>
+                </a:xfrm>
+                <a:prstGeom prst="line">
+                  <a:avLst/>
+                </a:prstGeom>
+                <a:ln w="12700">
+                  <a:solidFill>
+                    <a:srgbClr val="C00000"/>
+                  </a:solidFill>
+                </a:ln>
+              </p:spPr>
+              <p:style>
+                <a:lnRef idx="1">
+                  <a:schemeClr val="accent1"/>
+                </a:lnRef>
+                <a:fillRef idx="0">
+                  <a:schemeClr val="accent1"/>
+                </a:fillRef>
+                <a:effectRef idx="0">
+                  <a:schemeClr val="accent1"/>
+                </a:effectRef>
+                <a:fontRef idx="minor">
+                  <a:schemeClr val="tx1"/>
+                </a:fontRef>
+              </p:style>
+            </p:cxnSp>
+          </p:grpSp>
+          <p:sp>
+            <p:nvSpPr>
+              <p:cNvPr id="116" name="Rectangle 115"/>
+              <p:cNvSpPr/>
+              <p:nvPr/>
+            </p:nvSpPr>
+            <p:spPr>
+              <a:xfrm>
+                <a:off x="4654800" y="1692000"/>
+                <a:ext cx="86400" cy="86400"/>
+              </a:xfrm>
+              <a:prstGeom prst="rect">
+                <a:avLst/>
+              </a:prstGeom>
+              <a:solidFill>
+                <a:schemeClr val="tx1"/>
+              </a:solidFill>
+              <a:ln w="12700">
+                <a:noFill/>
+              </a:ln>
+            </p:spPr>
+            <p:style>
+              <a:lnRef idx="2">
+                <a:schemeClr val="accent1">
+                  <a:shade val="50000"/>
+                </a:schemeClr>
+              </a:lnRef>
+              <a:fillRef idx="1">
+                <a:schemeClr val="accent1"/>
+              </a:fillRef>
+              <a:effectRef idx="0">
+                <a:schemeClr val="accent1"/>
+              </a:effectRef>
+              <a:fontRef idx="minor">
+                <a:schemeClr val="lt1"/>
+              </a:fontRef>
+            </p:style>
+            <p:txBody>
+              <a:bodyPr rtlCol="0" anchor="ctr"/>
+              <a:lstStyle/>
+              <a:p>
+                <a:pPr algn="ctr"/>
+                <a:endParaRPr lang="en-AU"/>
+              </a:p>
+            </p:txBody>
+          </p:sp>
+        </p:grpSp>
+        <p:cxnSp>
+          <p:nvCxnSpPr>
+            <p:cNvPr id="66" name="Straight Connector 65"/>
+            <p:cNvCxnSpPr/>
+            <p:nvPr/>
+          </p:nvCxnSpPr>
+          <p:spPr>
+            <a:xfrm flipV="1">
+              <a:off x="4217166" y="1562935"/>
+              <a:ext cx="0" cy="9711"/>
+            </a:xfrm>
+            <a:prstGeom prst="line">
+              <a:avLst/>
+            </a:prstGeom>
+            <a:ln w="12700">
+              <a:solidFill>
+                <a:schemeClr val="tx1"/>
+              </a:solidFill>
+            </a:ln>
+          </p:spPr>
+          <p:style>
+            <a:lnRef idx="1">
+              <a:schemeClr val="accent1"/>
+            </a:lnRef>
+            <a:fillRef idx="0">
+              <a:schemeClr val="accent1"/>
+            </a:fillRef>
+            <a:effectRef idx="0">
+              <a:schemeClr val="accent1"/>
+            </a:effectRef>
+            <a:fontRef idx="minor">
+              <a:schemeClr val="tx1"/>
+            </a:fontRef>
+          </p:style>
+        </p:cxnSp>
+        <p:cxnSp>
+          <p:nvCxnSpPr>
+            <p:cNvPr id="67" name="Straight Connector 66"/>
+            <p:cNvCxnSpPr/>
+            <p:nvPr/>
+          </p:nvCxnSpPr>
+          <p:spPr>
+            <a:xfrm flipH="1">
+              <a:off x="4265725" y="1504466"/>
+              <a:ext cx="971" cy="113889"/>
+            </a:xfrm>
+            <a:prstGeom prst="line">
+              <a:avLst/>
+            </a:prstGeom>
+            <a:ln w="12700">
+              <a:solidFill>
+                <a:schemeClr val="tx1"/>
+              </a:solidFill>
+            </a:ln>
+          </p:spPr>
+          <p:style>
+            <a:lnRef idx="1">
+              <a:schemeClr val="accent1"/>
+            </a:lnRef>
+            <a:fillRef idx="0">
+              <a:schemeClr val="accent1"/>
+            </a:fillRef>
+            <a:effectRef idx="0">
+              <a:schemeClr val="accent1"/>
+            </a:effectRef>
+            <a:fontRef idx="minor">
+              <a:schemeClr val="tx1"/>
+            </a:fontRef>
+          </p:style>
+        </p:cxnSp>
+        <p:cxnSp>
+          <p:nvCxnSpPr>
+            <p:cNvPr id="68" name="Straight Connector 67"/>
+            <p:cNvCxnSpPr/>
+            <p:nvPr/>
+          </p:nvCxnSpPr>
+          <p:spPr>
+            <a:xfrm>
+              <a:off x="4265399" y="1729070"/>
+              <a:ext cx="652" cy="55354"/>
+            </a:xfrm>
+            <a:prstGeom prst="line">
+              <a:avLst/>
+            </a:prstGeom>
+            <a:ln w="12700">
+              <a:solidFill>
+                <a:schemeClr val="tx1"/>
+              </a:solidFill>
+            </a:ln>
+          </p:spPr>
+          <p:style>
+            <a:lnRef idx="1">
+              <a:schemeClr val="accent1"/>
+            </a:lnRef>
+            <a:fillRef idx="0">
+              <a:schemeClr val="accent1"/>
+            </a:fillRef>
+            <a:effectRef idx="0">
+              <a:schemeClr val="accent1"/>
+            </a:effectRef>
+            <a:fontRef idx="minor">
+              <a:schemeClr val="tx1"/>
+            </a:fontRef>
+          </p:style>
+        </p:cxnSp>
+        <p:cxnSp>
+          <p:nvCxnSpPr>
+            <p:cNvPr id="69" name="Straight Connector 68"/>
+            <p:cNvCxnSpPr/>
+            <p:nvPr/>
+          </p:nvCxnSpPr>
+          <p:spPr>
+            <a:xfrm flipV="1">
+              <a:off x="4487142" y="1504740"/>
+              <a:ext cx="0" cy="77690"/>
+            </a:xfrm>
+            <a:prstGeom prst="line">
+              <a:avLst/>
+            </a:prstGeom>
+            <a:ln w="12700">
+              <a:solidFill>
+                <a:schemeClr val="tx1"/>
+              </a:solidFill>
+            </a:ln>
+          </p:spPr>
+          <p:style>
+            <a:lnRef idx="1">
+              <a:schemeClr val="accent1"/>
+            </a:lnRef>
+            <a:fillRef idx="0">
+              <a:schemeClr val="accent1"/>
+            </a:fillRef>
+            <a:effectRef idx="0">
+              <a:schemeClr val="accent1"/>
+            </a:effectRef>
+            <a:fontRef idx="minor">
+              <a:schemeClr val="tx1"/>
+            </a:fontRef>
+          </p:style>
+        </p:cxnSp>
+        <p:cxnSp>
+          <p:nvCxnSpPr>
+            <p:cNvPr id="70" name="Straight Connector 69"/>
+            <p:cNvCxnSpPr/>
+            <p:nvPr/>
+          </p:nvCxnSpPr>
+          <p:spPr>
+            <a:xfrm flipV="1">
+              <a:off x="4487142" y="1630590"/>
+              <a:ext cx="0" cy="29134"/>
+            </a:xfrm>
+            <a:prstGeom prst="line">
+              <a:avLst/>
+            </a:prstGeom>
+            <a:ln w="12700">
+              <a:solidFill>
+                <a:srgbClr val="FF0000"/>
+              </a:solidFill>
+            </a:ln>
+          </p:spPr>
+          <p:style>
+            <a:lnRef idx="1">
+              <a:schemeClr val="accent1"/>
+            </a:lnRef>
+            <a:fillRef idx="0">
+              <a:schemeClr val="accent1"/>
+            </a:fillRef>
+            <a:effectRef idx="0">
+              <a:schemeClr val="accent1"/>
+            </a:effectRef>
+            <a:fontRef idx="minor">
+              <a:schemeClr val="tx1"/>
+            </a:fontRef>
+          </p:style>
+        </p:cxnSp>
+        <p:cxnSp>
+          <p:nvCxnSpPr>
+            <p:cNvPr id="71" name="Straight Connector 70"/>
+            <p:cNvCxnSpPr/>
+            <p:nvPr/>
+          </p:nvCxnSpPr>
+          <p:spPr>
+            <a:xfrm flipH="1">
+              <a:off x="4067944" y="1477534"/>
+              <a:ext cx="120420" cy="207"/>
+            </a:xfrm>
+            <a:prstGeom prst="line">
+              <a:avLst/>
+            </a:prstGeom>
+            <a:ln w="12700">
+              <a:solidFill>
+                <a:srgbClr val="C00000"/>
+              </a:solidFill>
+            </a:ln>
+          </p:spPr>
+          <p:style>
+            <a:lnRef idx="1">
+              <a:schemeClr val="accent1"/>
+            </a:lnRef>
+            <a:fillRef idx="0">
+              <a:schemeClr val="accent1"/>
+            </a:fillRef>
+            <a:effectRef idx="0">
+              <a:schemeClr val="accent1"/>
+            </a:effectRef>
+            <a:fontRef idx="minor">
+              <a:schemeClr val="tx1"/>
+            </a:fontRef>
+          </p:style>
+        </p:cxnSp>
+        <p:pic>
+          <p:nvPicPr>
+            <p:cNvPr id="72" name="Picture 71"/>
+            <p:cNvPicPr>
+              <a:picLocks noChangeAspect="1"/>
+            </p:cNvPicPr>
+            <p:nvPr>
+              <p:custDataLst>
+                <p:tags r:id="rId1"/>
+              </p:custDataLst>
+            </p:nvPr>
+          </p:nvPicPr>
+          <p:blipFill>
+            <a:blip r:embed="rId15" cstate="print">
+              <a:extLst>
+                <a:ext uri="{28A0092B-C50C-407E-A947-70E740481C1C}">
+                  <a14:useLocalDpi xmlns:a14="http://schemas.microsoft.com/office/drawing/2010/main" xmlns="" val="0"/>
+                </a:ext>
+              </a:extLst>
+            </a:blip>
+            <a:stretch>
+              <a:fillRect/>
+            </a:stretch>
+          </p:blipFill>
+          <p:spPr>
+            <a:xfrm>
+              <a:off x="4268376" y="1634890"/>
+              <a:ext cx="23844" cy="20144"/>
+            </a:xfrm>
+            <a:prstGeom prst="rect">
+              <a:avLst/>
+            </a:prstGeom>
+          </p:spPr>
+        </p:pic>
+        <p:pic>
+          <p:nvPicPr>
+            <p:cNvPr id="73" name="Picture 72"/>
+            <p:cNvPicPr>
+              <a:picLocks noChangeAspect="1"/>
+            </p:cNvPicPr>
+            <p:nvPr>
+              <p:custDataLst>
+                <p:tags r:id="rId2"/>
+              </p:custDataLst>
+            </p:nvPr>
+          </p:nvPicPr>
+          <p:blipFill>
+            <a:blip r:embed="rId16" cstate="print">
+              <a:extLst>
+                <a:ext uri="{28A0092B-C50C-407E-A947-70E740481C1C}">
+                  <a14:useLocalDpi xmlns:a14="http://schemas.microsoft.com/office/drawing/2010/main" xmlns="" val="0"/>
+                </a:ext>
+              </a:extLst>
+            </a:blip>
+            <a:stretch>
+              <a:fillRect/>
+            </a:stretch>
+          </p:blipFill>
+          <p:spPr>
+            <a:xfrm>
+              <a:off x="4160166" y="1735664"/>
+              <a:ext cx="21583" cy="16444"/>
+            </a:xfrm>
+            <a:prstGeom prst="rect">
+              <a:avLst/>
+            </a:prstGeom>
+          </p:spPr>
+        </p:pic>
+        <p:pic>
+          <p:nvPicPr>
+            <p:cNvPr id="74" name="Picture 73"/>
+            <p:cNvPicPr>
+              <a:picLocks noChangeAspect="1"/>
+            </p:cNvPicPr>
+            <p:nvPr>
+              <p:custDataLst>
+                <p:tags r:id="rId3"/>
+              </p:custDataLst>
+            </p:nvPr>
+          </p:nvPicPr>
+          <p:blipFill>
+            <a:blip r:embed="rId17" cstate="print">
+              <a:extLst>
+                <a:ext uri="{28A0092B-C50C-407E-A947-70E740481C1C}">
+                  <a14:useLocalDpi xmlns:a14="http://schemas.microsoft.com/office/drawing/2010/main" xmlns="" val="0"/>
+                </a:ext>
+              </a:extLst>
+            </a:blip>
+            <a:stretch>
+              <a:fillRect/>
+            </a:stretch>
+          </p:blipFill>
+          <p:spPr>
+            <a:xfrm>
+              <a:off x="4381805" y="1736809"/>
+              <a:ext cx="24050" cy="16444"/>
+            </a:xfrm>
+            <a:prstGeom prst="rect">
+              <a:avLst/>
+            </a:prstGeom>
+          </p:spPr>
+        </p:pic>
+        <p:pic>
+          <p:nvPicPr>
+            <p:cNvPr id="75" name="Picture 74"/>
+            <p:cNvPicPr>
+              <a:picLocks noChangeAspect="1"/>
+            </p:cNvPicPr>
+            <p:nvPr>
+              <p:custDataLst>
+                <p:tags r:id="rId4"/>
+              </p:custDataLst>
+            </p:nvPr>
+          </p:nvPicPr>
+          <p:blipFill>
+            <a:blip r:embed="rId18" cstate="print">
+              <a:extLst>
+                <a:ext uri="{28A0092B-C50C-407E-A947-70E740481C1C}">
+                  <a14:useLocalDpi xmlns:a14="http://schemas.microsoft.com/office/drawing/2010/main" xmlns="" val="0"/>
+                </a:ext>
+              </a:extLst>
+            </a:blip>
+            <a:stretch>
+              <a:fillRect/>
+            </a:stretch>
+          </p:blipFill>
+          <p:spPr>
+            <a:xfrm>
+              <a:off x="4495915" y="1735664"/>
+              <a:ext cx="26517" cy="16444"/>
+            </a:xfrm>
+            <a:prstGeom prst="rect">
+              <a:avLst/>
+            </a:prstGeom>
+          </p:spPr>
+        </p:pic>
+        <p:cxnSp>
+          <p:nvCxnSpPr>
+            <p:cNvPr id="76" name="Straight Connector 75"/>
+            <p:cNvCxnSpPr/>
+            <p:nvPr/>
+          </p:nvCxnSpPr>
+          <p:spPr>
+            <a:xfrm flipV="1">
+              <a:off x="4184150" y="1913439"/>
+              <a:ext cx="53412" cy="15"/>
+            </a:xfrm>
+            <a:prstGeom prst="line">
+              <a:avLst/>
+            </a:prstGeom>
+            <a:ln w="12700">
+              <a:solidFill>
+                <a:schemeClr val="accent5"/>
+              </a:solidFill>
+            </a:ln>
+          </p:spPr>
+          <p:style>
+            <a:lnRef idx="1">
+              <a:schemeClr val="accent1"/>
+            </a:lnRef>
+            <a:fillRef idx="0">
+              <a:schemeClr val="accent1"/>
+            </a:fillRef>
+            <a:effectRef idx="0">
+              <a:schemeClr val="accent1"/>
+            </a:effectRef>
+            <a:fontRef idx="minor">
+              <a:schemeClr val="tx1"/>
+            </a:fontRef>
+          </p:style>
+        </p:cxnSp>
+        <p:cxnSp>
+          <p:nvCxnSpPr>
+            <p:cNvPr id="77" name="Straight Connector 76"/>
+            <p:cNvCxnSpPr/>
+            <p:nvPr/>
+          </p:nvCxnSpPr>
+          <p:spPr>
+            <a:xfrm flipV="1">
+              <a:off x="4294859" y="1913439"/>
+              <a:ext cx="163149" cy="15"/>
+            </a:xfrm>
+            <a:prstGeom prst="line">
+              <a:avLst/>
+            </a:prstGeom>
+            <a:ln w="12700">
+              <a:solidFill>
+                <a:srgbClr val="FF0000"/>
+              </a:solidFill>
+            </a:ln>
+          </p:spPr>
+          <p:style>
+            <a:lnRef idx="1">
+              <a:schemeClr val="accent1"/>
+            </a:lnRef>
+            <a:fillRef idx="0">
+              <a:schemeClr val="accent1"/>
+            </a:fillRef>
+            <a:effectRef idx="0">
+              <a:schemeClr val="accent1"/>
+            </a:effectRef>
+            <a:fontRef idx="minor">
+              <a:schemeClr val="tx1"/>
+            </a:fontRef>
+          </p:style>
+        </p:cxnSp>
+        <p:cxnSp>
+          <p:nvCxnSpPr>
+            <p:cNvPr id="80" name="Straight Connector 79"/>
+            <p:cNvCxnSpPr/>
+            <p:nvPr/>
+          </p:nvCxnSpPr>
+          <p:spPr>
+            <a:xfrm>
+              <a:off x="4266367" y="1831038"/>
+              <a:ext cx="652" cy="53412"/>
+            </a:xfrm>
+            <a:prstGeom prst="line">
+              <a:avLst/>
+            </a:prstGeom>
+            <a:ln w="12700">
+              <a:solidFill>
+                <a:schemeClr val="accent5"/>
+              </a:solidFill>
+            </a:ln>
+          </p:spPr>
+          <p:style>
+            <a:lnRef idx="1">
+              <a:schemeClr val="accent1"/>
+            </a:lnRef>
+            <a:fillRef idx="0">
+              <a:schemeClr val="accent1"/>
+            </a:fillRef>
+            <a:effectRef idx="0">
+              <a:schemeClr val="accent1"/>
+            </a:effectRef>
+            <a:fontRef idx="minor">
+              <a:schemeClr val="tx1"/>
+            </a:fontRef>
+          </p:style>
+        </p:cxnSp>
+        <p:sp>
+          <p:nvSpPr>
+            <p:cNvPr id="81" name="Hexagon 80"/>
+            <p:cNvSpPr/>
+            <p:nvPr/>
+          </p:nvSpPr>
+          <p:spPr>
+            <a:xfrm rot="5400000">
+              <a:off x="4342773" y="1659822"/>
+              <a:ext cx="67979" cy="67979"/>
+            </a:xfrm>
+            <a:prstGeom prst="hexagon">
+              <a:avLst/>
+            </a:prstGeom>
+            <a:noFill/>
+            <a:ln w="12700">
+              <a:solidFill>
+                <a:srgbClr val="7030A0"/>
+              </a:solidFill>
+            </a:ln>
+          </p:spPr>
+          <p:style>
+            <a:lnRef idx="2">
+              <a:schemeClr val="accent1">
+                <a:shade val="50000"/>
+              </a:schemeClr>
+            </a:lnRef>
+            <a:fillRef idx="1">
+              <a:schemeClr val="accent1"/>
+            </a:fillRef>
+            <a:effectRef idx="0">
+              <a:schemeClr val="accent1"/>
+            </a:effectRef>
+            <a:fontRef idx="minor">
+              <a:schemeClr val="lt1"/>
+            </a:fontRef>
+          </p:style>
+          <p:txBody>
+            <a:bodyPr rtlCol="0" anchor="ctr"/>
+            <a:lstStyle/>
+            <a:p>
+              <a:pPr algn="ctr"/>
+              <a:endParaRPr lang="en-AU"/>
+            </a:p>
+          </p:txBody>
+        </p:sp>
+        <p:sp>
+          <p:nvSpPr>
+            <p:cNvPr id="82" name="Diamond 81"/>
+            <p:cNvSpPr/>
+            <p:nvPr/>
+          </p:nvSpPr>
+          <p:spPr>
+            <a:xfrm>
+              <a:off x="4453496" y="1660533"/>
+              <a:ext cx="67773" cy="67566"/>
+            </a:xfrm>
+            <a:prstGeom prst="diamond">
+              <a:avLst/>
+            </a:prstGeom>
+            <a:noFill/>
+            <a:ln w="12700">
+              <a:solidFill>
+                <a:srgbClr val="FF0000"/>
+              </a:solidFill>
+            </a:ln>
+          </p:spPr>
+          <p:style>
+            <a:lnRef idx="2">
+              <a:schemeClr val="accent1">
+                <a:shade val="50000"/>
+              </a:schemeClr>
+            </a:lnRef>
+            <a:fillRef idx="1">
+              <a:schemeClr val="accent1"/>
+            </a:fillRef>
+            <a:effectRef idx="0">
+              <a:schemeClr val="accent1"/>
+            </a:effectRef>
+            <a:fontRef idx="minor">
+              <a:schemeClr val="lt1"/>
+            </a:fontRef>
+          </p:style>
+          <p:txBody>
+            <a:bodyPr rtlCol="0" anchor="ctr"/>
+            <a:lstStyle/>
+            <a:p>
+              <a:pPr algn="ctr"/>
+              <a:endParaRPr lang="en-AU"/>
+            </a:p>
+          </p:txBody>
+        </p:sp>
+        <p:grpSp>
+          <p:nvGrpSpPr>
+            <p:cNvPr id="83" name="Group 20"/>
+            <p:cNvGrpSpPr/>
+            <p:nvPr/>
+          </p:nvGrpSpPr>
+          <p:grpSpPr>
+            <a:xfrm>
+              <a:off x="4361008" y="1548805"/>
+              <a:ext cx="31076" cy="31076"/>
+              <a:chOff x="8066715" y="1045949"/>
+              <a:chExt cx="115200" cy="115200"/>
+            </a:xfrm>
+          </p:grpSpPr>
+          <p:sp>
+            <p:nvSpPr>
+              <p:cNvPr id="103" name="Oval 102"/>
+              <p:cNvSpPr/>
+              <p:nvPr/>
+            </p:nvSpPr>
+            <p:spPr>
+              <a:xfrm>
+                <a:off x="8066715" y="1045949"/>
+                <a:ext cx="115200" cy="115200"/>
+              </a:xfrm>
+              <a:prstGeom prst="ellipse">
+                <a:avLst/>
+              </a:prstGeom>
+              <a:solidFill>
+                <a:schemeClr val="bg1"/>
+              </a:solidFill>
+              <a:ln w="12700">
+                <a:solidFill>
+                  <a:srgbClr val="7030A0"/>
+                </a:solidFill>
+              </a:ln>
+            </p:spPr>
+            <p:style>
+              <a:lnRef idx="2">
+                <a:schemeClr val="accent1">
+                  <a:shade val="50000"/>
+                </a:schemeClr>
+              </a:lnRef>
+              <a:fillRef idx="1">
+                <a:schemeClr val="accent1"/>
+              </a:fillRef>
+              <a:effectRef idx="0">
+                <a:schemeClr val="accent1"/>
+              </a:effectRef>
+              <a:fontRef idx="minor">
+                <a:schemeClr val="lt1"/>
+              </a:fontRef>
+            </p:style>
+            <p:txBody>
+              <a:bodyPr rtlCol="0" anchor="ctr"/>
+              <a:lstStyle/>
+              <a:p>
+                <a:pPr algn="ctr"/>
+                <a:endParaRPr lang="en-AU"/>
+              </a:p>
+            </p:txBody>
+          </p:sp>
+          <p:pic>
+            <p:nvPicPr>
+              <p:cNvPr id="104" name="Picture 103"/>
+              <p:cNvPicPr>
+                <a:picLocks noChangeAspect="1"/>
+              </p:cNvPicPr>
+              <p:nvPr>
+                <p:custDataLst>
+                  <p:tags r:id="rId11"/>
+                </p:custDataLst>
+              </p:nvPr>
+            </p:nvPicPr>
+            <p:blipFill>
+              <a:blip r:embed="rId19" cstate="print">
+                <a:extLst>
+                  <a:ext uri="{28A0092B-C50C-407E-A947-70E740481C1C}">
+                    <a14:useLocalDpi xmlns:a14="http://schemas.microsoft.com/office/drawing/2010/main" xmlns="" val="0"/>
+                  </a:ext>
+                </a:extLst>
+              </a:blip>
+              <a:stretch>
+                <a:fillRect/>
+              </a:stretch>
+            </p:blipFill>
+            <p:spPr>
+              <a:xfrm>
+                <a:off x="8075305" y="1062379"/>
+                <a:ext cx="99060" cy="77153"/>
+              </a:xfrm>
+              <a:prstGeom prst="rect">
+                <a:avLst/>
+              </a:prstGeom>
+            </p:spPr>
+          </p:pic>
+        </p:grpSp>
+        <p:grpSp>
+          <p:nvGrpSpPr>
+            <p:cNvPr id="84" name="Group 22"/>
+            <p:cNvGrpSpPr/>
+            <p:nvPr/>
+          </p:nvGrpSpPr>
+          <p:grpSpPr>
+            <a:xfrm>
+              <a:off x="4385346" y="1822298"/>
+              <a:ext cx="31076" cy="31076"/>
+              <a:chOff x="8219115" y="1198349"/>
+              <a:chExt cx="115200" cy="115200"/>
+            </a:xfrm>
+          </p:grpSpPr>
+          <p:sp>
+            <p:nvSpPr>
+              <p:cNvPr id="101" name="Oval 100"/>
+              <p:cNvSpPr/>
+              <p:nvPr/>
+            </p:nvSpPr>
+            <p:spPr>
+              <a:xfrm>
+                <a:off x="8219115" y="1198349"/>
+                <a:ext cx="115200" cy="115200"/>
+              </a:xfrm>
+              <a:prstGeom prst="ellipse">
+                <a:avLst/>
+              </a:prstGeom>
+              <a:solidFill>
+                <a:schemeClr val="bg1"/>
+              </a:solidFill>
+              <a:ln w="12700">
+                <a:solidFill>
+                  <a:srgbClr val="7030A0"/>
+                </a:solidFill>
+              </a:ln>
+            </p:spPr>
+            <p:style>
+              <a:lnRef idx="2">
+                <a:schemeClr val="accent1">
+                  <a:shade val="50000"/>
+                </a:schemeClr>
+              </a:lnRef>
+              <a:fillRef idx="1">
+                <a:schemeClr val="accent1"/>
+              </a:fillRef>
+              <a:effectRef idx="0">
+                <a:schemeClr val="accent1"/>
+              </a:effectRef>
+              <a:fontRef idx="minor">
+                <a:schemeClr val="lt1"/>
+              </a:fontRef>
+            </p:style>
+            <p:txBody>
+              <a:bodyPr rtlCol="0" anchor="ctr"/>
+              <a:lstStyle/>
+              <a:p>
+                <a:pPr algn="ctr"/>
+                <a:endParaRPr lang="en-AU"/>
+              </a:p>
+            </p:txBody>
+          </p:sp>
+          <p:pic>
+            <p:nvPicPr>
+              <p:cNvPr id="102" name="Picture 101"/>
+              <p:cNvPicPr>
+                <a:picLocks noChangeAspect="1"/>
+              </p:cNvPicPr>
+              <p:nvPr>
+                <p:custDataLst>
+                  <p:tags r:id="rId10"/>
+                </p:custDataLst>
+              </p:nvPr>
+            </p:nvPicPr>
+            <p:blipFill>
+              <a:blip r:embed="rId20" cstate="print">
+                <a:extLst>
+                  <a:ext uri="{28A0092B-C50C-407E-A947-70E740481C1C}">
+                    <a14:useLocalDpi xmlns:a14="http://schemas.microsoft.com/office/drawing/2010/main" xmlns="" val="0"/>
+                  </a:ext>
+                </a:extLst>
+              </a:blip>
+              <a:stretch>
+                <a:fillRect/>
+              </a:stretch>
+            </p:blipFill>
+            <p:spPr>
+              <a:xfrm>
+                <a:off x="8227705" y="1214779"/>
+                <a:ext cx="96203" cy="77153"/>
+              </a:xfrm>
+              <a:prstGeom prst="rect">
+                <a:avLst/>
+              </a:prstGeom>
+            </p:spPr>
+          </p:pic>
+        </p:grpSp>
+        <p:grpSp>
+          <p:nvGrpSpPr>
+            <p:cNvPr id="85" name="Group 24"/>
+            <p:cNvGrpSpPr/>
+            <p:nvPr/>
+          </p:nvGrpSpPr>
+          <p:grpSpPr>
+            <a:xfrm>
+              <a:off x="4335646" y="1822497"/>
+              <a:ext cx="31076" cy="31076"/>
+              <a:chOff x="8371515" y="1350749"/>
+              <a:chExt cx="115200" cy="115200"/>
+            </a:xfrm>
+          </p:grpSpPr>
+          <p:sp>
+            <p:nvSpPr>
+              <p:cNvPr id="99" name="Oval 98"/>
+              <p:cNvSpPr/>
+              <p:nvPr/>
+            </p:nvSpPr>
+            <p:spPr>
+              <a:xfrm>
+                <a:off x="8371515" y="1350749"/>
+                <a:ext cx="115200" cy="115200"/>
+              </a:xfrm>
+              <a:prstGeom prst="ellipse">
+                <a:avLst/>
+              </a:prstGeom>
+              <a:solidFill>
+                <a:schemeClr val="bg1"/>
+              </a:solidFill>
+              <a:ln w="12700">
+                <a:solidFill>
+                  <a:srgbClr val="7030A0"/>
+                </a:solidFill>
+              </a:ln>
+            </p:spPr>
+            <p:style>
+              <a:lnRef idx="2">
+                <a:schemeClr val="accent1">
+                  <a:shade val="50000"/>
+                </a:schemeClr>
+              </a:lnRef>
+              <a:fillRef idx="1">
+                <a:schemeClr val="accent1"/>
+              </a:fillRef>
+              <a:effectRef idx="0">
+                <a:schemeClr val="accent1"/>
+              </a:effectRef>
+              <a:fontRef idx="minor">
+                <a:schemeClr val="lt1"/>
+              </a:fontRef>
+            </p:style>
+            <p:txBody>
+              <a:bodyPr rtlCol="0" anchor="ctr"/>
+              <a:lstStyle/>
+              <a:p>
+                <a:pPr algn="ctr"/>
+                <a:endParaRPr lang="en-AU"/>
+              </a:p>
+            </p:txBody>
+          </p:sp>
+          <p:pic>
+            <p:nvPicPr>
+              <p:cNvPr id="100" name="Picture 99"/>
+              <p:cNvPicPr>
+                <a:picLocks noChangeAspect="1"/>
+              </p:cNvPicPr>
+              <p:nvPr>
+                <p:custDataLst>
+                  <p:tags r:id="rId9"/>
+                </p:custDataLst>
+              </p:nvPr>
+            </p:nvPicPr>
+            <p:blipFill>
+              <a:blip r:embed="rId21" cstate="print">
+                <a:extLst>
+                  <a:ext uri="{28A0092B-C50C-407E-A947-70E740481C1C}">
+                    <a14:useLocalDpi xmlns:a14="http://schemas.microsoft.com/office/drawing/2010/main" xmlns="" val="0"/>
+                  </a:ext>
+                </a:extLst>
+              </a:blip>
+              <a:stretch>
+                <a:fillRect/>
+              </a:stretch>
+            </p:blipFill>
+            <p:spPr>
+              <a:xfrm>
+                <a:off x="8380105" y="1367179"/>
+                <a:ext cx="95250" cy="77153"/>
+              </a:xfrm>
+              <a:prstGeom prst="rect">
+                <a:avLst/>
+              </a:prstGeom>
+            </p:spPr>
+          </p:pic>
+        </p:grpSp>
+        <p:grpSp>
+          <p:nvGrpSpPr>
+            <p:cNvPr id="86" name="Group 41"/>
+            <p:cNvGrpSpPr/>
+            <p:nvPr/>
+          </p:nvGrpSpPr>
+          <p:grpSpPr>
+            <a:xfrm>
+              <a:off x="4199673" y="1491661"/>
+              <a:ext cx="31076" cy="31076"/>
+              <a:chOff x="6716324" y="1038714"/>
+              <a:chExt cx="115200" cy="115200"/>
+            </a:xfrm>
+          </p:grpSpPr>
+          <p:cxnSp>
+            <p:nvCxnSpPr>
+              <p:cNvPr id="96" name="Straight Connector 95"/>
+              <p:cNvCxnSpPr/>
+              <p:nvPr/>
+            </p:nvCxnSpPr>
+            <p:spPr>
+              <a:xfrm flipH="1">
+                <a:off x="6785943" y="1070532"/>
+                <a:ext cx="0" cy="79200"/>
+              </a:xfrm>
+              <a:prstGeom prst="line">
+                <a:avLst/>
+              </a:prstGeom>
+              <a:ln w="12700">
+                <a:solidFill>
+                  <a:srgbClr val="C00000"/>
+                </a:solidFill>
+              </a:ln>
+            </p:spPr>
+            <p:style>
+              <a:lnRef idx="1">
+                <a:schemeClr val="accent1"/>
+              </a:lnRef>
+              <a:fillRef idx="0">
+                <a:schemeClr val="accent1"/>
+              </a:fillRef>
+              <a:effectRef idx="0">
+                <a:schemeClr val="accent1"/>
+              </a:effectRef>
+              <a:fontRef idx="minor">
+                <a:schemeClr val="tx1"/>
+              </a:fontRef>
+            </p:style>
+          </p:cxnSp>
+          <p:sp>
+            <p:nvSpPr>
+              <p:cNvPr id="97" name="Oval 96"/>
+              <p:cNvSpPr/>
+              <p:nvPr/>
+            </p:nvSpPr>
+            <p:spPr>
+              <a:xfrm>
+                <a:off x="6716324" y="1038714"/>
+                <a:ext cx="115200" cy="115200"/>
+              </a:xfrm>
+              <a:prstGeom prst="ellipse">
+                <a:avLst/>
+              </a:prstGeom>
+              <a:solidFill>
+                <a:schemeClr val="bg1"/>
+              </a:solidFill>
+              <a:ln w="12700">
+                <a:solidFill>
+                  <a:srgbClr val="C00000"/>
+                </a:solidFill>
+              </a:ln>
+            </p:spPr>
+            <p:style>
+              <a:lnRef idx="2">
+                <a:schemeClr val="accent1">
+                  <a:shade val="50000"/>
+                </a:schemeClr>
+              </a:lnRef>
+              <a:fillRef idx="1">
+                <a:schemeClr val="accent1"/>
+              </a:fillRef>
+              <a:effectRef idx="0">
+                <a:schemeClr val="accent1"/>
+              </a:effectRef>
+              <a:fontRef idx="minor">
+                <a:schemeClr val="lt1"/>
+              </a:fontRef>
+            </p:style>
+            <p:txBody>
+              <a:bodyPr rtlCol="0" anchor="ctr"/>
+              <a:lstStyle/>
+              <a:p>
+                <a:pPr algn="ctr"/>
+                <a:endParaRPr lang="en-AU"/>
+              </a:p>
+            </p:txBody>
+          </p:sp>
+          <p:pic>
+            <p:nvPicPr>
+              <p:cNvPr id="98" name="Picture 97"/>
+              <p:cNvPicPr>
+                <a:picLocks noChangeAspect="1"/>
+              </p:cNvPicPr>
+              <p:nvPr>
+                <p:custDataLst>
+                  <p:tags r:id="rId8"/>
+                </p:custDataLst>
+              </p:nvPr>
+            </p:nvPicPr>
+            <p:blipFill>
+              <a:blip r:embed="rId22" cstate="print">
+                <a:extLst>
+                  <a:ext uri="{28A0092B-C50C-407E-A947-70E740481C1C}">
+                    <a14:useLocalDpi xmlns:a14="http://schemas.microsoft.com/office/drawing/2010/main" xmlns="" val="0"/>
+                  </a:ext>
+                </a:extLst>
+              </a:blip>
+              <a:stretch>
+                <a:fillRect/>
+              </a:stretch>
+            </p:blipFill>
+            <p:spPr>
+              <a:xfrm>
+                <a:off x="6724914" y="1057525"/>
+                <a:ext cx="95250" cy="75248"/>
+              </a:xfrm>
+              <a:prstGeom prst="rect">
+                <a:avLst/>
+              </a:prstGeom>
+            </p:spPr>
+          </p:pic>
+        </p:grpSp>
+        <p:grpSp>
+          <p:nvGrpSpPr>
+            <p:cNvPr id="87" name="Group 38"/>
+            <p:cNvGrpSpPr/>
+            <p:nvPr/>
+          </p:nvGrpSpPr>
+          <p:grpSpPr>
+            <a:xfrm>
+              <a:off x="4251155" y="1491661"/>
+              <a:ext cx="31076" cy="31076"/>
+              <a:chOff x="8676315" y="1655549"/>
+              <a:chExt cx="115200" cy="115200"/>
+            </a:xfrm>
+          </p:grpSpPr>
+          <p:sp>
+            <p:nvSpPr>
+              <p:cNvPr id="94" name="Oval 93"/>
+              <p:cNvSpPr/>
+              <p:nvPr/>
+            </p:nvSpPr>
+            <p:spPr>
+              <a:xfrm>
+                <a:off x="8676315" y="1655549"/>
+                <a:ext cx="115200" cy="115200"/>
+              </a:xfrm>
+              <a:prstGeom prst="ellipse">
+                <a:avLst/>
+              </a:prstGeom>
+              <a:solidFill>
+                <a:schemeClr val="bg1"/>
+              </a:solidFill>
+              <a:ln w="12700">
+                <a:solidFill>
+                  <a:schemeClr val="tx1"/>
+                </a:solidFill>
+              </a:ln>
+            </p:spPr>
+            <p:style>
+              <a:lnRef idx="2">
+                <a:schemeClr val="accent1">
+                  <a:shade val="50000"/>
+                </a:schemeClr>
+              </a:lnRef>
+              <a:fillRef idx="1">
+                <a:schemeClr val="accent1"/>
+              </a:fillRef>
+              <a:effectRef idx="0">
+                <a:schemeClr val="accent1"/>
+              </a:effectRef>
+              <a:fontRef idx="minor">
+                <a:schemeClr val="lt1"/>
+              </a:fontRef>
+            </p:style>
+            <p:txBody>
+              <a:bodyPr rtlCol="0" anchor="ctr"/>
+              <a:lstStyle/>
+              <a:p>
+                <a:pPr algn="ctr"/>
+                <a:endParaRPr lang="en-AU"/>
+              </a:p>
+            </p:txBody>
+          </p:sp>
+          <p:pic>
+            <p:nvPicPr>
+              <p:cNvPr id="95" name="Picture 94"/>
+              <p:cNvPicPr>
+                <a:picLocks noChangeAspect="1"/>
+              </p:cNvPicPr>
+              <p:nvPr>
+                <p:custDataLst>
+                  <p:tags r:id="rId7"/>
+                </p:custDataLst>
+              </p:nvPr>
+            </p:nvPicPr>
+            <p:blipFill>
+              <a:blip r:embed="rId23" cstate="print">
+                <a:extLst>
+                  <a:ext uri="{28A0092B-C50C-407E-A947-70E740481C1C}">
+                    <a14:useLocalDpi xmlns:a14="http://schemas.microsoft.com/office/drawing/2010/main" xmlns="" val="0"/>
+                  </a:ext>
+                </a:extLst>
+              </a:blip>
+              <a:stretch>
+                <a:fillRect/>
+              </a:stretch>
+            </p:blipFill>
+            <p:spPr>
+              <a:xfrm>
+                <a:off x="8684905" y="1671979"/>
+                <a:ext cx="98108" cy="75248"/>
+              </a:xfrm>
+              <a:prstGeom prst="rect">
+                <a:avLst/>
+              </a:prstGeom>
+            </p:spPr>
+          </p:pic>
+        </p:grpSp>
+        <p:grpSp>
+          <p:nvGrpSpPr>
+            <p:cNvPr id="88" name="Group 52"/>
+            <p:cNvGrpSpPr/>
+            <p:nvPr/>
+          </p:nvGrpSpPr>
+          <p:grpSpPr>
+            <a:xfrm>
+              <a:off x="4139478" y="1822497"/>
+              <a:ext cx="31076" cy="31076"/>
+              <a:chOff x="8828715" y="1807949"/>
+              <a:chExt cx="115200" cy="115200"/>
+            </a:xfrm>
+          </p:grpSpPr>
+          <p:sp>
+            <p:nvSpPr>
+              <p:cNvPr id="92" name="Oval 91"/>
+              <p:cNvSpPr/>
+              <p:nvPr/>
+            </p:nvSpPr>
+            <p:spPr>
+              <a:xfrm>
+                <a:off x="8828715" y="1807949"/>
+                <a:ext cx="115200" cy="115200"/>
+              </a:xfrm>
+              <a:prstGeom prst="ellipse">
+                <a:avLst/>
+              </a:prstGeom>
+              <a:solidFill>
+                <a:schemeClr val="bg1"/>
+              </a:solidFill>
+              <a:ln w="12700">
+                <a:solidFill>
+                  <a:schemeClr val="accent5"/>
+                </a:solidFill>
+              </a:ln>
+            </p:spPr>
+            <p:style>
+              <a:lnRef idx="2">
+                <a:schemeClr val="accent1">
+                  <a:shade val="50000"/>
+                </a:schemeClr>
+              </a:lnRef>
+              <a:fillRef idx="1">
+                <a:schemeClr val="accent1"/>
+              </a:fillRef>
+              <a:effectRef idx="0">
+                <a:schemeClr val="accent1"/>
+              </a:effectRef>
+              <a:fontRef idx="minor">
+                <a:schemeClr val="lt1"/>
+              </a:fontRef>
+            </p:style>
+            <p:txBody>
+              <a:bodyPr rtlCol="0" anchor="ctr"/>
+              <a:lstStyle/>
+              <a:p>
+                <a:pPr algn="ctr"/>
+                <a:endParaRPr lang="en-AU"/>
+              </a:p>
+            </p:txBody>
+          </p:sp>
+          <p:pic>
+            <p:nvPicPr>
+              <p:cNvPr id="93" name="Picture 92"/>
+              <p:cNvPicPr>
+                <a:picLocks noChangeAspect="1"/>
+              </p:cNvPicPr>
+              <p:nvPr>
+                <p:custDataLst>
+                  <p:tags r:id="rId6"/>
+                </p:custDataLst>
+              </p:nvPr>
+            </p:nvPicPr>
+            <p:blipFill>
+              <a:blip r:embed="rId24" cstate="print">
+                <a:extLst>
+                  <a:ext uri="{28A0092B-C50C-407E-A947-70E740481C1C}">
+                    <a14:useLocalDpi xmlns:a14="http://schemas.microsoft.com/office/drawing/2010/main" xmlns="" val="0"/>
+                  </a:ext>
+                </a:extLst>
+              </a:blip>
+              <a:stretch>
+                <a:fillRect/>
+              </a:stretch>
+            </p:blipFill>
+            <p:spPr>
+              <a:xfrm>
+                <a:off x="8837305" y="1824379"/>
+                <a:ext cx="92393" cy="75248"/>
+              </a:xfrm>
+              <a:prstGeom prst="rect">
+                <a:avLst/>
+              </a:prstGeom>
+            </p:spPr>
+          </p:pic>
+        </p:grpSp>
+        <p:grpSp>
+          <p:nvGrpSpPr>
+            <p:cNvPr id="89" name="Group 53"/>
+            <p:cNvGrpSpPr/>
+            <p:nvPr/>
+          </p:nvGrpSpPr>
+          <p:grpSpPr>
+            <a:xfrm>
+              <a:off x="4471471" y="1821806"/>
+              <a:ext cx="31076" cy="31076"/>
+              <a:chOff x="8828715" y="2027001"/>
+              <a:chExt cx="115200" cy="115200"/>
+            </a:xfrm>
+          </p:grpSpPr>
+          <p:sp>
+            <p:nvSpPr>
+              <p:cNvPr id="90" name="Oval 89"/>
+              <p:cNvSpPr/>
+              <p:nvPr/>
+            </p:nvSpPr>
+            <p:spPr>
+              <a:xfrm>
+                <a:off x="8828715" y="2027001"/>
+                <a:ext cx="115200" cy="115200"/>
+              </a:xfrm>
+              <a:prstGeom prst="ellipse">
+                <a:avLst/>
+              </a:prstGeom>
+              <a:solidFill>
+                <a:schemeClr val="bg1"/>
+              </a:solidFill>
+              <a:ln w="12700">
+                <a:solidFill>
+                  <a:srgbClr val="FF0000"/>
+                </a:solidFill>
+              </a:ln>
+            </p:spPr>
+            <p:style>
+              <a:lnRef idx="2">
+                <a:schemeClr val="accent1">
+                  <a:shade val="50000"/>
+                </a:schemeClr>
+              </a:lnRef>
+              <a:fillRef idx="1">
+                <a:schemeClr val="accent1"/>
+              </a:fillRef>
+              <a:effectRef idx="0">
+                <a:schemeClr val="accent1"/>
+              </a:effectRef>
+              <a:fontRef idx="minor">
+                <a:schemeClr val="lt1"/>
+              </a:fontRef>
+            </p:style>
+            <p:txBody>
+              <a:bodyPr rtlCol="0" anchor="ctr"/>
+              <a:lstStyle/>
+              <a:p>
+                <a:pPr algn="ctr"/>
+                <a:endParaRPr lang="en-AU"/>
+              </a:p>
+            </p:txBody>
+          </p:sp>
+          <p:pic>
+            <p:nvPicPr>
+              <p:cNvPr id="91" name="Picture 90"/>
+              <p:cNvPicPr>
+                <a:picLocks noChangeAspect="1"/>
+              </p:cNvPicPr>
+              <p:nvPr>
+                <p:custDataLst>
+                  <p:tags r:id="rId5"/>
+                </p:custDataLst>
+              </p:nvPr>
+            </p:nvPicPr>
+            <p:blipFill>
+              <a:blip r:embed="rId25" cstate="print">
+                <a:extLst>
+                  <a:ext uri="{28A0092B-C50C-407E-A947-70E740481C1C}">
+                    <a14:useLocalDpi xmlns:a14="http://schemas.microsoft.com/office/drawing/2010/main" xmlns="" val="0"/>
+                  </a:ext>
+                </a:extLst>
+              </a:blip>
+              <a:stretch>
+                <a:fillRect/>
+              </a:stretch>
+            </p:blipFill>
+            <p:spPr>
+              <a:xfrm>
+                <a:off x="8837305" y="2043431"/>
+                <a:ext cx="96203" cy="77153"/>
+              </a:xfrm>
+              <a:prstGeom prst="rect">
+                <a:avLst/>
+              </a:prstGeom>
+            </p:spPr>
+          </p:pic>
+        </p:grpSp>
+      </p:grpSp>
+      <p:sp>
+        <p:nvSpPr>
+          <p:cNvPr id="114" name="TextBox 113"/>
+          <p:cNvSpPr txBox="1"/>
+          <p:nvPr/>
+        </p:nvSpPr>
+        <p:spPr>
+          <a:xfrm>
+            <a:off x="0" y="0"/>
+            <a:ext cx="295274" cy="276999"/>
+          </a:xfrm>
+          <a:prstGeom prst="rect">
+            <a:avLst/>
+          </a:prstGeom>
+          <a:noFill/>
+        </p:spPr>
+        <p:txBody>
+          <a:bodyPr wrap="none" rtlCol="0">
+            <a:spAutoFit/>
+          </a:bodyPr>
+          <a:lstStyle/>
+          <a:p>
+            <a:r>
+              <a:rPr lang="en-AU" sz="1200" b="1" dirty="0" smtClean="0">
+                <a:latin typeface="Arial" pitchFamily="34" charset="0"/>
+                <a:cs typeface="Arial" pitchFamily="34" charset="0"/>
+              </a:rPr>
+              <a:t>A</a:t>
+            </a:r>
+            <a:endParaRPr lang="en-AU" sz="1200" b="1" dirty="0">
+              <a:latin typeface="Arial" pitchFamily="34" charset="0"/>
+              <a:cs typeface="Arial" pitchFamily="34" charset="0"/>
+            </a:endParaRPr>
+          </a:p>
+        </p:txBody>
+      </p:sp>
+      <p:sp>
+        <p:nvSpPr>
+          <p:cNvPr id="129" name="TextBox 128"/>
+          <p:cNvSpPr txBox="1"/>
+          <p:nvPr/>
+        </p:nvSpPr>
+        <p:spPr>
+          <a:xfrm>
+            <a:off x="0" y="1440000"/>
+            <a:ext cx="295274" cy="276999"/>
+          </a:xfrm>
+          <a:prstGeom prst="rect">
+            <a:avLst/>
+          </a:prstGeom>
+          <a:noFill/>
+        </p:spPr>
+        <p:txBody>
+          <a:bodyPr wrap="none" rtlCol="0">
+            <a:spAutoFit/>
+          </a:bodyPr>
+          <a:lstStyle/>
+          <a:p>
+            <a:r>
+              <a:rPr lang="en-AU" sz="1200" b="1" dirty="0" smtClean="0">
+                <a:latin typeface="Arial" pitchFamily="34" charset="0"/>
+                <a:cs typeface="Arial" pitchFamily="34" charset="0"/>
+              </a:rPr>
+              <a:t>B</a:t>
+            </a:r>
+            <a:endParaRPr lang="en-AU" sz="1200" b="1" dirty="0">
+              <a:latin typeface="Arial" pitchFamily="34" charset="0"/>
+              <a:cs typeface="Arial" pitchFamily="34" charset="0"/>
+            </a:endParaRPr>
+          </a:p>
+        </p:txBody>
+      </p:sp>
+      <p:pic>
+        <p:nvPicPr>
+          <p:cNvPr id="1027" name="Picture 3"/>
+          <p:cNvPicPr>
+            <a:picLocks noChangeAspect="1" noChangeArrowheads="1"/>
+          </p:cNvPicPr>
+          <p:nvPr/>
+        </p:nvPicPr>
+        <p:blipFill>
+          <a:blip r:embed="rId26" cstate="print"/>
+          <a:srcRect l="30267" t="25332" r="29685" b="31433"/>
+          <a:stretch>
+            <a:fillRect/>
+          </a:stretch>
+        </p:blipFill>
+        <p:spPr bwMode="auto">
+          <a:xfrm>
+            <a:off x="18000" y="449999"/>
+            <a:ext cx="648000" cy="535743"/>
+          </a:xfrm>
+          <a:prstGeom prst="rect">
+            <a:avLst/>
+          </a:prstGeom>
+          <a:noFill/>
+          <a:ln w="9525">
+            <a:noFill/>
+            <a:miter lim="800000"/>
+            <a:headEnd/>
+            <a:tailEnd/>
+          </a:ln>
+          <a:effectLst/>
+        </p:spPr>
+      </p:pic>
+    </p:spTree>
+  </p:cSld>
+  <p:clrMapOvr>
+    <a:masterClrMapping/>
+  </p:clrMapOvr>
+</p:sld>
+</file>
+
+<file path=ppt/slides/slide8.xml><?xml version="1.0" encoding="utf-8"?>
+<p:sld xmlns:a="http://schemas.openxmlformats.org/drawingml/2006/main" xmlns:r="http://schemas.openxmlformats.org/officeDocument/2006/relationships" xmlns:p="http://schemas.openxmlformats.org/presentationml/2006/main">
+  <p:cSld>
+    <p:spTree>
+      <p:nvGrpSpPr>
+        <p:cNvPr id="1" name=""/>
+        <p:cNvGrpSpPr/>
+        <p:nvPr/>
+      </p:nvGrpSpPr>
+      <p:grpSpPr>
+        <a:xfrm>
+          <a:off x="0" y="0"/>
+          <a:ext cx="0" cy="0"/>
+          <a:chOff x="0" y="0"/>
+          <a:chExt cx="0" cy="0"/>
+        </a:xfrm>
+      </p:grpSpPr>
+      <p:pic>
+        <p:nvPicPr>
+          <p:cNvPr id="1029" name="Picture 5"/>
+          <p:cNvPicPr>
+            <a:picLocks noChangeAspect="1" noChangeArrowheads="1"/>
+          </p:cNvPicPr>
+          <p:nvPr/>
+        </p:nvPicPr>
+        <p:blipFill>
+          <a:blip r:embed="rId13" cstate="print"/>
+          <a:srcRect r="213" b="912"/>
+          <a:stretch>
+            <a:fillRect/>
+          </a:stretch>
+        </p:blipFill>
+        <p:spPr bwMode="auto">
+          <a:xfrm>
+            <a:off x="359832" y="90000"/>
+            <a:ext cx="2700000" cy="1250055"/>
+          </a:xfrm>
+          <a:prstGeom prst="rect">
+            <a:avLst/>
+          </a:prstGeom>
+          <a:noFill/>
+          <a:ln w="9525">
+            <a:noFill/>
+            <a:miter lim="800000"/>
+            <a:headEnd/>
+            <a:tailEnd/>
+          </a:ln>
+        </p:spPr>
+      </p:pic>
+      <p:pic>
+        <p:nvPicPr>
+          <p:cNvPr id="1028" name="Picture 4"/>
+          <p:cNvPicPr>
+            <a:picLocks noChangeAspect="1" noChangeArrowheads="1"/>
+          </p:cNvPicPr>
+          <p:nvPr/>
+        </p:nvPicPr>
+        <p:blipFill>
+          <a:blip r:embed="rId14" cstate="print"/>
+          <a:srcRect/>
+          <a:stretch>
+            <a:fillRect/>
+          </a:stretch>
+        </p:blipFill>
+        <p:spPr bwMode="auto">
+          <a:xfrm>
+            <a:off x="359832" y="1530000"/>
+            <a:ext cx="2700000" cy="1254822"/>
+          </a:xfrm>
+          <a:prstGeom prst="rect">
+            <a:avLst/>
+          </a:prstGeom>
+          <a:noFill/>
+          <a:ln w="9525">
+            <a:noFill/>
+            <a:miter lim="800000"/>
+            <a:headEnd/>
+            <a:tailEnd/>
+          </a:ln>
+        </p:spPr>
+      </p:pic>
+      <p:grpSp>
+        <p:nvGrpSpPr>
+          <p:cNvPr id="2" name="Group 127"/>
+          <p:cNvGrpSpPr>
+            <a:grpSpLocks noChangeAspect="1"/>
+          </p:cNvGrpSpPr>
+          <p:nvPr/>
+        </p:nvGrpSpPr>
+        <p:grpSpPr>
+          <a:xfrm>
+            <a:off x="18000" y="1800000"/>
+            <a:ext cx="648000" cy="715840"/>
+            <a:chOff x="4067944" y="1476226"/>
+            <a:chExt cx="454488" cy="437457"/>
+          </a:xfrm>
+        </p:grpSpPr>
+        <p:sp>
+          <p:nvSpPr>
+            <p:cNvPr id="11" name="Oval 10"/>
+            <p:cNvSpPr/>
+            <p:nvPr/>
+          </p:nvSpPr>
+          <p:spPr>
+            <a:xfrm>
+              <a:off x="4121027" y="1660533"/>
+              <a:ext cx="67979" cy="67979"/>
+            </a:xfrm>
+            <a:prstGeom prst="ellipse">
+              <a:avLst/>
+            </a:prstGeom>
+            <a:noFill/>
+            <a:ln w="12700">
+              <a:solidFill>
+                <a:schemeClr val="accent5"/>
+              </a:solidFill>
+            </a:ln>
+          </p:spPr>
+          <p:style>
+            <a:lnRef idx="2">
+              <a:schemeClr val="accent1">
+                <a:shade val="50000"/>
+              </a:schemeClr>
+            </a:lnRef>
+            <a:fillRef idx="1">
+              <a:schemeClr val="accent1"/>
+            </a:fillRef>
+            <a:effectRef idx="0">
+              <a:schemeClr val="accent1"/>
+            </a:effectRef>
+            <a:fontRef idx="minor">
+              <a:schemeClr val="lt1"/>
+            </a:fontRef>
+          </p:style>
+          <p:txBody>
+            <a:bodyPr rtlCol="0" anchor="ctr"/>
+            <a:lstStyle/>
+            <a:p>
+              <a:pPr algn="ctr"/>
+              <a:endParaRPr lang="en-AU"/>
+            </a:p>
+          </p:txBody>
+        </p:sp>
+        <p:sp>
+          <p:nvSpPr>
+            <p:cNvPr id="12" name="Isosceles Triangle 11"/>
+            <p:cNvSpPr/>
+            <p:nvPr/>
+          </p:nvSpPr>
+          <p:spPr>
+            <a:xfrm flipV="1">
+              <a:off x="4231736" y="1660533"/>
+              <a:ext cx="67979" cy="67979"/>
+            </a:xfrm>
+            <a:prstGeom prst="triangle">
+              <a:avLst/>
+            </a:prstGeom>
+            <a:noFill/>
+            <a:ln w="12700">
+              <a:solidFill>
+                <a:schemeClr val="tx1"/>
+              </a:solidFill>
+            </a:ln>
+          </p:spPr>
+          <p:style>
+            <a:lnRef idx="2">
+              <a:schemeClr val="accent1">
+                <a:shade val="50000"/>
+              </a:schemeClr>
+            </a:lnRef>
+            <a:fillRef idx="1">
+              <a:schemeClr val="accent1"/>
+            </a:fillRef>
+            <a:effectRef idx="0">
+              <a:schemeClr val="accent1"/>
+            </a:effectRef>
+            <a:fontRef idx="minor">
+              <a:schemeClr val="lt1"/>
+            </a:fontRef>
+          </p:style>
+          <p:txBody>
+            <a:bodyPr rtlCol="0" anchor="ctr"/>
+            <a:lstStyle/>
+            <a:p>
+              <a:pPr algn="ctr"/>
+              <a:endParaRPr lang="en-AU"/>
+            </a:p>
+          </p:txBody>
+        </p:sp>
+        <p:cxnSp>
+          <p:nvCxnSpPr>
+            <p:cNvPr id="13" name="Curved Connector 12"/>
+            <p:cNvCxnSpPr/>
+            <p:nvPr/>
+          </p:nvCxnSpPr>
+          <p:spPr>
+            <a:xfrm flipV="1">
+              <a:off x="4256014" y="1678013"/>
+              <a:ext cx="19423" cy="19423"/>
+            </a:xfrm>
+            <a:prstGeom prst="curvedConnector3">
+              <a:avLst/>
+            </a:prstGeom>
+            <a:ln w="12700">
+              <a:solidFill>
+                <a:schemeClr val="tx1"/>
+              </a:solidFill>
+            </a:ln>
+            <a:effectLst/>
+          </p:spPr>
+          <p:style>
+            <a:lnRef idx="2">
+              <a:schemeClr val="accent1"/>
+            </a:lnRef>
+            <a:fillRef idx="0">
+              <a:schemeClr val="accent1"/>
+            </a:fillRef>
+            <a:effectRef idx="1">
+              <a:schemeClr val="accent1"/>
+            </a:effectRef>
+            <a:fontRef idx="minor">
+              <a:schemeClr val="tx1"/>
+            </a:fontRef>
+          </p:style>
+        </p:cxnSp>
+        <p:cxnSp>
+          <p:nvCxnSpPr>
+            <p:cNvPr id="14" name="Curved Connector 13"/>
+            <p:cNvCxnSpPr/>
+            <p:nvPr/>
+          </p:nvCxnSpPr>
+          <p:spPr>
+            <a:xfrm flipV="1">
+              <a:off x="4366722" y="1684811"/>
+              <a:ext cx="19423" cy="19423"/>
+            </a:xfrm>
+            <a:prstGeom prst="curvedConnector3">
+              <a:avLst/>
+            </a:prstGeom>
+            <a:ln w="12700">
+              <a:solidFill>
+                <a:srgbClr val="7030A0"/>
+              </a:solidFill>
+            </a:ln>
+            <a:effectLst/>
+          </p:spPr>
+          <p:style>
+            <a:lnRef idx="2">
+              <a:schemeClr val="accent1"/>
+            </a:lnRef>
+            <a:fillRef idx="0">
+              <a:schemeClr val="accent1"/>
+            </a:fillRef>
+            <a:effectRef idx="1">
+              <a:schemeClr val="accent1"/>
+            </a:effectRef>
+            <a:fontRef idx="minor">
+              <a:schemeClr val="tx1"/>
+            </a:fontRef>
+          </p:style>
+        </p:cxnSp>
+        <p:cxnSp>
+          <p:nvCxnSpPr>
+            <p:cNvPr id="15" name="Curved Connector 14"/>
+            <p:cNvCxnSpPr/>
+            <p:nvPr/>
+          </p:nvCxnSpPr>
+          <p:spPr>
+            <a:xfrm flipV="1">
+              <a:off x="4477431" y="1684811"/>
+              <a:ext cx="19423" cy="19423"/>
+            </a:xfrm>
+            <a:prstGeom prst="curvedConnector3">
+              <a:avLst/>
+            </a:prstGeom>
+            <a:ln w="12700">
+              <a:solidFill>
+                <a:srgbClr val="FF0000"/>
+              </a:solidFill>
+            </a:ln>
+            <a:effectLst/>
+          </p:spPr>
+          <p:style>
+            <a:lnRef idx="2">
+              <a:schemeClr val="accent1"/>
+            </a:lnRef>
+            <a:fillRef idx="0">
+              <a:schemeClr val="accent1"/>
+            </a:fillRef>
+            <a:effectRef idx="1">
+              <a:schemeClr val="accent1"/>
+            </a:effectRef>
+            <a:fontRef idx="minor">
+              <a:schemeClr val="tx1"/>
+            </a:fontRef>
+          </p:style>
+        </p:cxnSp>
+        <p:cxnSp>
+          <p:nvCxnSpPr>
+            <p:cNvPr id="16" name="Curved Connector 15"/>
+            <p:cNvCxnSpPr/>
+            <p:nvPr/>
+          </p:nvCxnSpPr>
+          <p:spPr>
+            <a:xfrm flipV="1">
+              <a:off x="4145305" y="1684811"/>
+              <a:ext cx="19423" cy="19423"/>
+            </a:xfrm>
+            <a:prstGeom prst="curvedConnector3">
+              <a:avLst/>
+            </a:prstGeom>
+            <a:ln w="12700">
+              <a:solidFill>
+                <a:schemeClr val="accent5"/>
+              </a:solidFill>
+            </a:ln>
+            <a:effectLst/>
+          </p:spPr>
+          <p:style>
+            <a:lnRef idx="2">
+              <a:schemeClr val="accent1"/>
+            </a:lnRef>
+            <a:fillRef idx="0">
+              <a:schemeClr val="accent1"/>
+            </a:fillRef>
+            <a:effectRef idx="1">
+              <a:schemeClr val="accent1"/>
+            </a:effectRef>
+            <a:fontRef idx="minor">
+              <a:schemeClr val="tx1"/>
+            </a:fontRef>
+          </p:style>
+        </p:cxnSp>
+        <p:cxnSp>
+          <p:nvCxnSpPr>
+            <p:cNvPr id="17" name="Curved Connector 16"/>
+            <p:cNvCxnSpPr/>
+            <p:nvPr/>
+          </p:nvCxnSpPr>
+          <p:spPr>
+            <a:xfrm rot="16200000" flipH="1">
+              <a:off x="4217169" y="1570218"/>
+              <a:ext cx="48556" cy="48556"/>
+            </a:xfrm>
+            <a:prstGeom prst="curvedConnector3">
+              <a:avLst/>
+            </a:prstGeom>
+            <a:ln w="12700">
+              <a:solidFill>
+                <a:schemeClr val="tx1"/>
+              </a:solidFill>
+            </a:ln>
+          </p:spPr>
+          <p:style>
+            <a:lnRef idx="1">
+              <a:schemeClr val="accent1"/>
+            </a:lnRef>
+            <a:fillRef idx="0">
+              <a:schemeClr val="accent1"/>
+            </a:fillRef>
+            <a:effectRef idx="0">
+              <a:schemeClr val="accent1"/>
+            </a:effectRef>
+            <a:fontRef idx="minor">
+              <a:schemeClr val="tx1"/>
+            </a:fontRef>
+          </p:style>
+        </p:cxnSp>
+        <p:cxnSp>
+          <p:nvCxnSpPr>
+            <p:cNvPr id="18" name="Curved Connector 17"/>
+            <p:cNvCxnSpPr/>
+            <p:nvPr/>
+          </p:nvCxnSpPr>
+          <p:spPr>
+            <a:xfrm rot="5400000">
+              <a:off x="4265882" y="1570696"/>
+              <a:ext cx="48556" cy="47585"/>
+            </a:xfrm>
+            <a:prstGeom prst="curvedConnector3">
+              <a:avLst/>
+            </a:prstGeom>
+            <a:ln w="12700">
+              <a:solidFill>
+                <a:schemeClr val="tx1"/>
+              </a:solidFill>
+            </a:ln>
+          </p:spPr>
+          <p:style>
+            <a:lnRef idx="1">
+              <a:schemeClr val="accent1"/>
+            </a:lnRef>
+            <a:fillRef idx="0">
+              <a:schemeClr val="accent1"/>
+            </a:fillRef>
+            <a:effectRef idx="0">
+              <a:schemeClr val="accent1"/>
+            </a:effectRef>
+            <a:fontRef idx="minor">
+              <a:schemeClr val="tx1"/>
+            </a:fontRef>
+          </p:style>
+        </p:cxnSp>
+        <p:cxnSp>
+          <p:nvCxnSpPr>
+            <p:cNvPr id="19" name="Straight Connector 18"/>
+            <p:cNvCxnSpPr/>
+            <p:nvPr/>
+          </p:nvCxnSpPr>
+          <p:spPr>
+            <a:xfrm>
+              <a:off x="4265725" y="1618776"/>
+              <a:ext cx="0" cy="39816"/>
+            </a:xfrm>
+            <a:prstGeom prst="line">
+              <a:avLst/>
+            </a:prstGeom>
+            <a:ln w="12700">
+              <a:solidFill>
+                <a:schemeClr val="tx1"/>
+              </a:solidFill>
+            </a:ln>
+          </p:spPr>
+          <p:style>
+            <a:lnRef idx="1">
+              <a:schemeClr val="accent1"/>
+            </a:lnRef>
+            <a:fillRef idx="0">
+              <a:schemeClr val="accent1"/>
+            </a:fillRef>
+            <a:effectRef idx="0">
+              <a:schemeClr val="accent1"/>
+            </a:effectRef>
+            <a:fontRef idx="minor">
+              <a:schemeClr val="tx1"/>
+            </a:fontRef>
+          </p:style>
+        </p:cxnSp>
+        <p:sp>
+          <p:nvSpPr>
+            <p:cNvPr id="20" name="Arc 19"/>
+            <p:cNvSpPr/>
+            <p:nvPr/>
+          </p:nvSpPr>
+          <p:spPr>
+            <a:xfrm rot="10800000">
+              <a:off x="4267010" y="1855415"/>
+              <a:ext cx="58268" cy="58268"/>
+            </a:xfrm>
+            <a:prstGeom prst="arc">
+              <a:avLst/>
+            </a:prstGeom>
+            <a:ln w="12700">
+              <a:solidFill>
+                <a:srgbClr val="FF0000"/>
+              </a:solidFill>
+            </a:ln>
+          </p:spPr>
+          <p:style>
+            <a:lnRef idx="1">
+              <a:schemeClr val="accent1"/>
+            </a:lnRef>
+            <a:fillRef idx="0">
+              <a:schemeClr val="accent1"/>
+            </a:fillRef>
+            <a:effectRef idx="0">
+              <a:schemeClr val="accent1"/>
+            </a:effectRef>
+            <a:fontRef idx="minor">
+              <a:schemeClr val="tx1"/>
+            </a:fontRef>
+          </p:style>
+          <p:txBody>
+            <a:bodyPr rtlCol="0" anchor="ctr"/>
+            <a:lstStyle/>
+            <a:p>
+              <a:pPr algn="ctr"/>
+              <a:endParaRPr lang="en-AU"/>
+            </a:p>
+          </p:txBody>
+        </p:sp>
+        <p:sp>
+          <p:nvSpPr>
+            <p:cNvPr id="21" name="Arc 20"/>
+            <p:cNvSpPr/>
+            <p:nvPr/>
+          </p:nvSpPr>
+          <p:spPr>
+            <a:xfrm rot="10800000">
+              <a:off x="4155017" y="1856288"/>
+              <a:ext cx="58268" cy="57296"/>
+            </a:xfrm>
+            <a:prstGeom prst="arc">
+              <a:avLst/>
+            </a:prstGeom>
+            <a:ln w="12700">
+              <a:solidFill>
+                <a:schemeClr val="accent5"/>
+              </a:solidFill>
+            </a:ln>
+          </p:spPr>
+          <p:style>
+            <a:lnRef idx="1">
+              <a:schemeClr val="accent1"/>
+            </a:lnRef>
+            <a:fillRef idx="0">
+              <a:schemeClr val="accent1"/>
+            </a:fillRef>
+            <a:effectRef idx="0">
+              <a:schemeClr val="accent1"/>
+            </a:effectRef>
+            <a:fontRef idx="minor">
+              <a:schemeClr val="tx1"/>
+            </a:fontRef>
+          </p:style>
+          <p:txBody>
+            <a:bodyPr rtlCol="0" anchor="ctr"/>
+            <a:lstStyle/>
+            <a:p>
+              <a:pPr algn="ctr"/>
+              <a:endParaRPr lang="en-AU"/>
+            </a:p>
+          </p:txBody>
+        </p:sp>
+        <p:sp>
+          <p:nvSpPr>
+            <p:cNvPr id="22" name="Arc 21"/>
+            <p:cNvSpPr/>
+            <p:nvPr/>
+          </p:nvSpPr>
+          <p:spPr>
+            <a:xfrm rot="10800000" flipH="1">
+              <a:off x="4294216" y="1854772"/>
+              <a:ext cx="57296" cy="58268"/>
+            </a:xfrm>
+            <a:prstGeom prst="arc">
+              <a:avLst/>
+            </a:prstGeom>
+            <a:ln w="12700">
+              <a:solidFill>
+                <a:srgbClr val="7030A0"/>
+              </a:solidFill>
+            </a:ln>
+          </p:spPr>
+          <p:style>
+            <a:lnRef idx="1">
+              <a:schemeClr val="accent1"/>
+            </a:lnRef>
+            <a:fillRef idx="0">
+              <a:schemeClr val="accent1"/>
+            </a:fillRef>
+            <a:effectRef idx="0">
+              <a:schemeClr val="accent1"/>
+            </a:effectRef>
+            <a:fontRef idx="minor">
+              <a:schemeClr val="tx1"/>
+            </a:fontRef>
+          </p:style>
+          <p:txBody>
+            <a:bodyPr rtlCol="0" anchor="ctr"/>
+            <a:lstStyle/>
+            <a:p>
+              <a:pPr algn="ctr"/>
+              <a:endParaRPr lang="en-AU"/>
+            </a:p>
+          </p:txBody>
+        </p:sp>
+        <p:sp>
+          <p:nvSpPr>
+            <p:cNvPr id="23" name="Arc 22"/>
+            <p:cNvSpPr/>
+            <p:nvPr/>
+          </p:nvSpPr>
+          <p:spPr>
+            <a:xfrm rot="10800000" flipH="1">
+              <a:off x="4428874" y="1856288"/>
+              <a:ext cx="58268" cy="57296"/>
+            </a:xfrm>
+            <a:prstGeom prst="arc">
+              <a:avLst/>
+            </a:prstGeom>
+            <a:ln w="12700">
+              <a:solidFill>
+                <a:srgbClr val="FF0000"/>
+              </a:solidFill>
+            </a:ln>
+          </p:spPr>
+          <p:style>
+            <a:lnRef idx="1">
+              <a:schemeClr val="accent1"/>
+            </a:lnRef>
+            <a:fillRef idx="0">
+              <a:schemeClr val="accent1"/>
+            </a:fillRef>
+            <a:effectRef idx="0">
+              <a:schemeClr val="accent1"/>
+            </a:effectRef>
+            <a:fontRef idx="minor">
+              <a:schemeClr val="tx1"/>
+            </a:fontRef>
+          </p:style>
+          <p:txBody>
+            <a:bodyPr rtlCol="0" anchor="ctr"/>
+            <a:lstStyle/>
+            <a:p>
+              <a:pPr algn="ctr"/>
+              <a:endParaRPr lang="en-AU"/>
+            </a:p>
+          </p:txBody>
+        </p:sp>
+        <p:cxnSp>
+          <p:nvCxnSpPr>
+            <p:cNvPr id="24" name="Straight Connector 23"/>
+            <p:cNvCxnSpPr/>
+            <p:nvPr/>
+          </p:nvCxnSpPr>
+          <p:spPr>
+            <a:xfrm flipV="1">
+              <a:off x="4155016" y="1729070"/>
+              <a:ext cx="0" cy="156351"/>
+            </a:xfrm>
+            <a:prstGeom prst="line">
+              <a:avLst/>
+            </a:prstGeom>
+            <a:ln w="12700">
+              <a:solidFill>
+                <a:schemeClr val="accent5"/>
+              </a:solidFill>
+            </a:ln>
+          </p:spPr>
+          <p:style>
+            <a:lnRef idx="1">
+              <a:schemeClr val="accent1"/>
+            </a:lnRef>
+            <a:fillRef idx="0">
+              <a:schemeClr val="accent1"/>
+            </a:fillRef>
+            <a:effectRef idx="0">
+              <a:schemeClr val="accent1"/>
+            </a:effectRef>
+            <a:fontRef idx="minor">
+              <a:schemeClr val="tx1"/>
+            </a:fontRef>
+          </p:style>
+        </p:cxnSp>
+        <p:cxnSp>
+          <p:nvCxnSpPr>
+            <p:cNvPr id="25" name="Straight Connector 24"/>
+            <p:cNvCxnSpPr/>
+            <p:nvPr/>
+          </p:nvCxnSpPr>
+          <p:spPr>
+            <a:xfrm flipV="1">
+              <a:off x="4487142" y="1729070"/>
+              <a:ext cx="0" cy="158293"/>
+            </a:xfrm>
+            <a:prstGeom prst="line">
+              <a:avLst/>
+            </a:prstGeom>
+            <a:ln w="12700">
+              <a:solidFill>
+                <a:srgbClr val="FF0000"/>
+              </a:solidFill>
+            </a:ln>
+          </p:spPr>
+          <p:style>
+            <a:lnRef idx="1">
+              <a:schemeClr val="accent1"/>
+            </a:lnRef>
+            <a:fillRef idx="0">
+              <a:schemeClr val="accent1"/>
+            </a:fillRef>
+            <a:effectRef idx="0">
+              <a:schemeClr val="accent1"/>
+            </a:effectRef>
+            <a:fontRef idx="minor">
+              <a:schemeClr val="tx1"/>
+            </a:fontRef>
+          </p:style>
+        </p:cxnSp>
+        <p:cxnSp>
+          <p:nvCxnSpPr>
+            <p:cNvPr id="26" name="Straight Connector 25"/>
+            <p:cNvCxnSpPr/>
+            <p:nvPr/>
+          </p:nvCxnSpPr>
+          <p:spPr>
+            <a:xfrm>
+              <a:off x="4375894" y="1729070"/>
+              <a:ext cx="652" cy="40787"/>
+            </a:xfrm>
+            <a:prstGeom prst="line">
+              <a:avLst/>
+            </a:prstGeom>
+            <a:ln w="12700">
+              <a:solidFill>
+                <a:srgbClr val="7030A0"/>
+              </a:solidFill>
+            </a:ln>
+          </p:spPr>
+          <p:style>
+            <a:lnRef idx="1">
+              <a:schemeClr val="accent1"/>
+            </a:lnRef>
+            <a:fillRef idx="0">
+              <a:schemeClr val="accent1"/>
+            </a:fillRef>
+            <a:effectRef idx="0">
+              <a:schemeClr val="accent1"/>
+            </a:effectRef>
+            <a:fontRef idx="minor">
+              <a:schemeClr val="tx1"/>
+            </a:fontRef>
+          </p:style>
+        </p:cxnSp>
+        <p:sp>
+          <p:nvSpPr>
+            <p:cNvPr id="27" name="Arc 26"/>
+            <p:cNvSpPr/>
+            <p:nvPr/>
+          </p:nvSpPr>
+          <p:spPr>
+            <a:xfrm rot="10800000" flipH="1">
+              <a:off x="4208450" y="1856288"/>
+              <a:ext cx="58268" cy="57296"/>
+            </a:xfrm>
+            <a:prstGeom prst="arc">
+              <a:avLst/>
+            </a:prstGeom>
+            <a:ln w="12700">
+              <a:solidFill>
+                <a:schemeClr val="accent5"/>
+              </a:solidFill>
+            </a:ln>
+          </p:spPr>
+          <p:style>
+            <a:lnRef idx="1">
+              <a:schemeClr val="accent1"/>
+            </a:lnRef>
+            <a:fillRef idx="0">
+              <a:schemeClr val="accent1"/>
+            </a:fillRef>
+            <a:effectRef idx="0">
+              <a:schemeClr val="accent1"/>
+            </a:effectRef>
+            <a:fontRef idx="minor">
+              <a:schemeClr val="tx1"/>
+            </a:fontRef>
+          </p:style>
+          <p:txBody>
+            <a:bodyPr rtlCol="0" anchor="ctr"/>
+            <a:lstStyle/>
+            <a:p>
+              <a:pPr algn="ctr"/>
+              <a:endParaRPr lang="en-AU"/>
+            </a:p>
+          </p:txBody>
+        </p:sp>
+        <p:cxnSp>
+          <p:nvCxnSpPr>
+            <p:cNvPr id="28" name="Straight Connector 27"/>
+            <p:cNvCxnSpPr/>
+            <p:nvPr/>
+          </p:nvCxnSpPr>
+          <p:spPr>
+            <a:xfrm flipV="1">
+              <a:off x="4376433" y="1519720"/>
+              <a:ext cx="0" cy="139842"/>
+            </a:xfrm>
+            <a:prstGeom prst="line">
+              <a:avLst/>
+            </a:prstGeom>
+            <a:ln w="12700">
+              <a:solidFill>
+                <a:srgbClr val="7030A0"/>
+              </a:solidFill>
+            </a:ln>
+          </p:spPr>
+          <p:style>
+            <a:lnRef idx="1">
+              <a:schemeClr val="accent1"/>
+            </a:lnRef>
+            <a:fillRef idx="0">
+              <a:schemeClr val="accent1"/>
+            </a:fillRef>
+            <a:effectRef idx="0">
+              <a:schemeClr val="accent1"/>
+            </a:effectRef>
+            <a:fontRef idx="minor">
+              <a:schemeClr val="tx1"/>
+            </a:fontRef>
+          </p:style>
+        </p:cxnSp>
+        <p:sp>
+          <p:nvSpPr>
+            <p:cNvPr id="29" name="Arc 28"/>
+            <p:cNvSpPr/>
+            <p:nvPr/>
+          </p:nvSpPr>
+          <p:spPr>
+            <a:xfrm rot="5400000" flipH="1">
+              <a:off x="4347942" y="1505638"/>
+              <a:ext cx="29134" cy="28163"/>
+            </a:xfrm>
+            <a:prstGeom prst="arc">
+              <a:avLst/>
+            </a:prstGeom>
+            <a:ln w="12700">
+              <a:solidFill>
+                <a:srgbClr val="7030A0"/>
+              </a:solidFill>
+            </a:ln>
+          </p:spPr>
+          <p:style>
+            <a:lnRef idx="1">
+              <a:schemeClr val="accent1"/>
+            </a:lnRef>
+            <a:fillRef idx="0">
+              <a:schemeClr val="accent1"/>
+            </a:fillRef>
+            <a:effectRef idx="0">
+              <a:schemeClr val="accent1"/>
+            </a:effectRef>
+            <a:fontRef idx="minor">
+              <a:schemeClr val="tx1"/>
+            </a:fontRef>
+          </p:style>
+          <p:txBody>
+            <a:bodyPr rtlCol="0" anchor="ctr"/>
+            <a:lstStyle/>
+            <a:p>
+              <a:pPr algn="ctr"/>
+              <a:endParaRPr lang="en-AU"/>
+            </a:p>
+          </p:txBody>
+        </p:sp>
+        <p:cxnSp>
+          <p:nvCxnSpPr>
+            <p:cNvPr id="30" name="Curved Connector 29"/>
+            <p:cNvCxnSpPr/>
+            <p:nvPr/>
+          </p:nvCxnSpPr>
+          <p:spPr>
+            <a:xfrm rot="5400000" flipH="1" flipV="1">
+              <a:off x="4339687" y="1780474"/>
+              <a:ext cx="48556" cy="25249"/>
+            </a:xfrm>
+            <a:prstGeom prst="curvedConnector3">
+              <a:avLst/>
+            </a:prstGeom>
+            <a:ln w="12700">
+              <a:solidFill>
+                <a:srgbClr val="7030A0"/>
+              </a:solidFill>
+            </a:ln>
+          </p:spPr>
+          <p:style>
+            <a:lnRef idx="1">
+              <a:schemeClr val="accent1"/>
+            </a:lnRef>
+            <a:fillRef idx="0">
+              <a:schemeClr val="accent1"/>
+            </a:fillRef>
+            <a:effectRef idx="0">
+              <a:schemeClr val="accent1"/>
+            </a:effectRef>
+            <a:fontRef idx="minor">
+              <a:schemeClr val="tx1"/>
+            </a:fontRef>
+          </p:style>
+        </p:cxnSp>
+        <p:cxnSp>
+          <p:nvCxnSpPr>
+            <p:cNvPr id="31" name="Curved Connector 30"/>
+            <p:cNvCxnSpPr/>
+            <p:nvPr/>
+          </p:nvCxnSpPr>
+          <p:spPr>
+            <a:xfrm rot="16200000" flipV="1">
+              <a:off x="4364294" y="1781453"/>
+              <a:ext cx="48556" cy="23307"/>
+            </a:xfrm>
+            <a:prstGeom prst="curvedConnector3">
+              <a:avLst/>
+            </a:prstGeom>
+            <a:ln w="12700">
+              <a:solidFill>
+                <a:srgbClr val="7030A0"/>
+              </a:solidFill>
+            </a:ln>
+          </p:spPr>
+          <p:style>
+            <a:lnRef idx="1">
+              <a:schemeClr val="accent1"/>
+            </a:lnRef>
+            <a:fillRef idx="0">
+              <a:schemeClr val="accent1"/>
+            </a:fillRef>
+            <a:effectRef idx="0">
+              <a:schemeClr val="accent1"/>
+            </a:effectRef>
+            <a:fontRef idx="minor">
+              <a:schemeClr val="tx1"/>
+            </a:fontRef>
+          </p:style>
+        </p:cxnSp>
+        <p:cxnSp>
+          <p:nvCxnSpPr>
+            <p:cNvPr id="32" name="Straight Connector 31"/>
+            <p:cNvCxnSpPr/>
+            <p:nvPr/>
+          </p:nvCxnSpPr>
+          <p:spPr>
+            <a:xfrm flipV="1">
+              <a:off x="4351718" y="1815500"/>
+              <a:ext cx="0" cy="68950"/>
+            </a:xfrm>
+            <a:prstGeom prst="line">
+              <a:avLst/>
+            </a:prstGeom>
+            <a:ln w="12700">
+              <a:solidFill>
+                <a:srgbClr val="7030A0"/>
+              </a:solidFill>
+            </a:ln>
+          </p:spPr>
+          <p:style>
+            <a:lnRef idx="1">
+              <a:schemeClr val="accent1"/>
+            </a:lnRef>
+            <a:fillRef idx="0">
+              <a:schemeClr val="accent1"/>
+            </a:fillRef>
+            <a:effectRef idx="0">
+              <a:schemeClr val="accent1"/>
+            </a:effectRef>
+            <a:fontRef idx="minor">
+              <a:schemeClr val="tx1"/>
+            </a:fontRef>
+          </p:style>
+        </p:cxnSp>
+        <p:sp>
+          <p:nvSpPr>
+            <p:cNvPr id="33" name="Arc 32"/>
+            <p:cNvSpPr/>
+            <p:nvPr/>
+          </p:nvSpPr>
+          <p:spPr>
+            <a:xfrm rot="5400000" flipH="1">
+              <a:off x="4428667" y="1476226"/>
+              <a:ext cx="58268" cy="58268"/>
+            </a:xfrm>
+            <a:prstGeom prst="arc">
+              <a:avLst/>
+            </a:prstGeom>
+            <a:ln w="12700">
+              <a:solidFill>
+                <a:schemeClr val="tx1"/>
+              </a:solidFill>
+            </a:ln>
+          </p:spPr>
+          <p:style>
+            <a:lnRef idx="1">
+              <a:schemeClr val="accent1"/>
+            </a:lnRef>
+            <a:fillRef idx="0">
+              <a:schemeClr val="accent1"/>
+            </a:fillRef>
+            <a:effectRef idx="0">
+              <a:schemeClr val="accent1"/>
+            </a:effectRef>
+            <a:fontRef idx="minor">
+              <a:schemeClr val="tx1"/>
+            </a:fontRef>
+          </p:style>
+          <p:txBody>
+            <a:bodyPr rtlCol="0" anchor="ctr"/>
+            <a:lstStyle/>
+            <a:p>
+              <a:pPr algn="ctr"/>
+              <a:endParaRPr lang="en-AU"/>
+            </a:p>
+          </p:txBody>
+        </p:sp>
+        <p:sp>
+          <p:nvSpPr>
+            <p:cNvPr id="34" name="Arc 33"/>
+            <p:cNvSpPr/>
+            <p:nvPr/>
+          </p:nvSpPr>
+          <p:spPr>
+            <a:xfrm rot="5400000" flipH="1">
+              <a:off x="4457905" y="1563523"/>
+              <a:ext cx="29134" cy="28928"/>
+            </a:xfrm>
+            <a:prstGeom prst="arc">
+              <a:avLst/>
+            </a:prstGeom>
+            <a:ln w="12700">
+              <a:solidFill>
+                <a:srgbClr val="7030A0"/>
+              </a:solidFill>
+            </a:ln>
+          </p:spPr>
+          <p:style>
+            <a:lnRef idx="1">
+              <a:schemeClr val="accent1"/>
+            </a:lnRef>
+            <a:fillRef idx="0">
+              <a:schemeClr val="accent1"/>
+            </a:fillRef>
+            <a:effectRef idx="0">
+              <a:schemeClr val="accent1"/>
+            </a:effectRef>
+            <a:fontRef idx="minor">
+              <a:schemeClr val="tx1"/>
+            </a:fontRef>
+          </p:style>
+          <p:txBody>
+            <a:bodyPr rtlCol="0" anchor="ctr"/>
+            <a:lstStyle/>
+            <a:p>
+              <a:pPr algn="ctr"/>
+              <a:endParaRPr lang="en-AU"/>
+            </a:p>
+          </p:txBody>
+        </p:sp>
+        <p:sp>
+          <p:nvSpPr>
+            <p:cNvPr id="35" name="Arc 34"/>
+            <p:cNvSpPr/>
+            <p:nvPr/>
+          </p:nvSpPr>
+          <p:spPr>
+            <a:xfrm flipH="1">
+              <a:off x="4431657" y="1564268"/>
+              <a:ext cx="29134" cy="28928"/>
+            </a:xfrm>
+            <a:prstGeom prst="arc">
+              <a:avLst/>
+            </a:prstGeom>
+            <a:ln w="12700">
+              <a:solidFill>
+                <a:srgbClr val="7030A0"/>
+              </a:solidFill>
+            </a:ln>
+          </p:spPr>
+          <p:style>
+            <a:lnRef idx="1">
+              <a:schemeClr val="accent1"/>
+            </a:lnRef>
+            <a:fillRef idx="0">
+              <a:schemeClr val="accent1"/>
+            </a:fillRef>
+            <a:effectRef idx="0">
+              <a:schemeClr val="accent1"/>
+            </a:effectRef>
+            <a:fontRef idx="minor">
+              <a:schemeClr val="tx1"/>
+            </a:fontRef>
+          </p:style>
+          <p:txBody>
+            <a:bodyPr rtlCol="0" anchor="ctr"/>
+            <a:lstStyle/>
+            <a:p>
+              <a:pPr algn="ctr"/>
+              <a:endParaRPr lang="en-AU"/>
+            </a:p>
+          </p:txBody>
+        </p:sp>
+        <p:sp>
+          <p:nvSpPr>
+            <p:cNvPr id="36" name="Arc 35"/>
+            <p:cNvSpPr/>
+            <p:nvPr/>
+          </p:nvSpPr>
+          <p:spPr>
+            <a:xfrm rot="10800000" flipH="1">
+              <a:off x="4403625" y="1855523"/>
+              <a:ext cx="28163" cy="28163"/>
+            </a:xfrm>
+            <a:prstGeom prst="arc">
+              <a:avLst/>
+            </a:prstGeom>
+            <a:ln w="12700">
+              <a:solidFill>
+                <a:srgbClr val="7030A0"/>
+              </a:solidFill>
+            </a:ln>
+          </p:spPr>
+          <p:style>
+            <a:lnRef idx="1">
+              <a:schemeClr val="accent1"/>
+            </a:lnRef>
+            <a:fillRef idx="0">
+              <a:schemeClr val="accent1"/>
+            </a:fillRef>
+            <a:effectRef idx="0">
+              <a:schemeClr val="accent1"/>
+            </a:effectRef>
+            <a:fontRef idx="minor">
+              <a:schemeClr val="tx1"/>
+            </a:fontRef>
+          </p:style>
+          <p:txBody>
+            <a:bodyPr rtlCol="0" anchor="ctr"/>
+            <a:lstStyle/>
+            <a:p>
+              <a:pPr algn="ctr"/>
+              <a:endParaRPr lang="en-AU"/>
+            </a:p>
+          </p:txBody>
+        </p:sp>
+        <p:sp>
+          <p:nvSpPr>
+            <p:cNvPr id="37" name="Arc 36"/>
+            <p:cNvSpPr/>
+            <p:nvPr/>
+          </p:nvSpPr>
+          <p:spPr>
+            <a:xfrm rot="16200000" flipH="1">
+              <a:off x="4400275" y="1855087"/>
+              <a:ext cx="28163" cy="28163"/>
+            </a:xfrm>
+            <a:prstGeom prst="arc">
+              <a:avLst/>
+            </a:prstGeom>
+            <a:ln w="12700">
+              <a:solidFill>
+                <a:srgbClr val="7030A0"/>
+              </a:solidFill>
+            </a:ln>
+          </p:spPr>
+          <p:style>
+            <a:lnRef idx="1">
+              <a:schemeClr val="accent1"/>
+            </a:lnRef>
+            <a:fillRef idx="0">
+              <a:schemeClr val="accent1"/>
+            </a:fillRef>
+            <a:effectRef idx="0">
+              <a:schemeClr val="accent1"/>
+            </a:effectRef>
+            <a:fontRef idx="minor">
+              <a:schemeClr val="tx1"/>
+            </a:fontRef>
+          </p:style>
+          <p:txBody>
+            <a:bodyPr rtlCol="0" anchor="ctr"/>
+            <a:lstStyle/>
+            <a:p>
+              <a:pPr algn="ctr"/>
+              <a:endParaRPr lang="en-AU"/>
+            </a:p>
+          </p:txBody>
+        </p:sp>
+        <p:sp>
+          <p:nvSpPr>
+            <p:cNvPr id="38" name="Arc 37"/>
+            <p:cNvSpPr/>
+            <p:nvPr/>
+          </p:nvSpPr>
+          <p:spPr>
+            <a:xfrm flipH="1">
+              <a:off x="4314281" y="1505069"/>
+              <a:ext cx="28163" cy="29134"/>
+            </a:xfrm>
+            <a:prstGeom prst="arc">
+              <a:avLst/>
+            </a:prstGeom>
+            <a:ln w="12700">
+              <a:solidFill>
+                <a:srgbClr val="7030A0"/>
+              </a:solidFill>
+            </a:ln>
+          </p:spPr>
+          <p:style>
+            <a:lnRef idx="1">
+              <a:schemeClr val="accent1"/>
+            </a:lnRef>
+            <a:fillRef idx="0">
+              <a:schemeClr val="accent1"/>
+            </a:fillRef>
+            <a:effectRef idx="0">
+              <a:schemeClr val="accent1"/>
+            </a:effectRef>
+            <a:fontRef idx="minor">
+              <a:schemeClr val="tx1"/>
+            </a:fontRef>
+          </p:style>
+          <p:txBody>
+            <a:bodyPr rtlCol="0" anchor="ctr"/>
+            <a:lstStyle/>
+            <a:p>
+              <a:pPr algn="ctr"/>
+              <a:endParaRPr lang="en-AU"/>
+            </a:p>
+          </p:txBody>
+        </p:sp>
+        <p:sp>
+          <p:nvSpPr>
+            <p:cNvPr id="39" name="Arc 38"/>
+            <p:cNvSpPr/>
+            <p:nvPr/>
+          </p:nvSpPr>
+          <p:spPr>
+            <a:xfrm flipH="1">
+              <a:off x="4155017" y="1477740"/>
+              <a:ext cx="29134" cy="28928"/>
+            </a:xfrm>
+            <a:prstGeom prst="arc">
+              <a:avLst/>
+            </a:prstGeom>
+            <a:ln w="12700">
+              <a:solidFill>
+                <a:schemeClr val="accent5"/>
+              </a:solidFill>
+            </a:ln>
+          </p:spPr>
+          <p:style>
+            <a:lnRef idx="1">
+              <a:schemeClr val="accent1"/>
+            </a:lnRef>
+            <a:fillRef idx="0">
+              <a:schemeClr val="accent1"/>
+            </a:fillRef>
+            <a:effectRef idx="0">
+              <a:schemeClr val="accent1"/>
+            </a:effectRef>
+            <a:fontRef idx="minor">
+              <a:schemeClr val="tx1"/>
+            </a:fontRef>
+          </p:style>
+          <p:txBody>
+            <a:bodyPr rtlCol="0" anchor="ctr"/>
+            <a:lstStyle/>
+            <a:p>
+              <a:pPr algn="ctr"/>
+              <a:endParaRPr lang="en-AU"/>
+            </a:p>
+          </p:txBody>
+        </p:sp>
+        <p:sp>
+          <p:nvSpPr>
+            <p:cNvPr id="40" name="Arc 39"/>
+            <p:cNvSpPr/>
+            <p:nvPr/>
+          </p:nvSpPr>
+          <p:spPr>
+            <a:xfrm rot="5400000" flipH="1">
+              <a:off x="4187932" y="1505898"/>
+              <a:ext cx="29134" cy="28928"/>
+            </a:xfrm>
+            <a:prstGeom prst="arc">
+              <a:avLst/>
+            </a:prstGeom>
+            <a:ln w="12700">
+              <a:solidFill>
+                <a:srgbClr val="00B0F0"/>
+              </a:solidFill>
+            </a:ln>
+          </p:spPr>
+          <p:style>
+            <a:lnRef idx="1">
+              <a:schemeClr val="accent1"/>
+            </a:lnRef>
+            <a:fillRef idx="0">
+              <a:schemeClr val="accent1"/>
+            </a:fillRef>
+            <a:effectRef idx="0">
+              <a:schemeClr val="accent1"/>
+            </a:effectRef>
+            <a:fontRef idx="minor">
+              <a:schemeClr val="tx1"/>
+            </a:fontRef>
+          </p:style>
+          <p:txBody>
+            <a:bodyPr rtlCol="0" anchor="ctr"/>
+            <a:lstStyle/>
+            <a:p>
+              <a:pPr algn="ctr"/>
+              <a:endParaRPr lang="en-AU"/>
+            </a:p>
+          </p:txBody>
+        </p:sp>
+        <p:sp>
+          <p:nvSpPr>
+            <p:cNvPr id="41" name="Arc 40"/>
+            <p:cNvSpPr/>
+            <p:nvPr/>
+          </p:nvSpPr>
+          <p:spPr>
+            <a:xfrm rot="5400000" flipH="1">
+              <a:off x="4158694" y="1477639"/>
+              <a:ext cx="58268" cy="58268"/>
+            </a:xfrm>
+            <a:prstGeom prst="arc">
+              <a:avLst/>
+            </a:prstGeom>
+            <a:ln w="12700">
+              <a:solidFill>
+                <a:srgbClr val="C00000"/>
+              </a:solidFill>
+            </a:ln>
+          </p:spPr>
+          <p:style>
+            <a:lnRef idx="1">
+              <a:schemeClr val="accent1"/>
+            </a:lnRef>
+            <a:fillRef idx="0">
+              <a:schemeClr val="accent1"/>
+            </a:fillRef>
+            <a:effectRef idx="0">
+              <a:schemeClr val="accent1"/>
+            </a:effectRef>
+            <a:fontRef idx="minor">
+              <a:schemeClr val="tx1"/>
+            </a:fontRef>
+          </p:style>
+          <p:txBody>
+            <a:bodyPr rtlCol="0" anchor="ctr"/>
+            <a:lstStyle/>
+            <a:p>
+              <a:pPr algn="ctr"/>
+              <a:endParaRPr lang="en-AU"/>
+            </a:p>
+          </p:txBody>
+        </p:sp>
+        <p:sp>
+          <p:nvSpPr>
+            <p:cNvPr id="42" name="Arc 41"/>
+            <p:cNvSpPr/>
+            <p:nvPr/>
+          </p:nvSpPr>
+          <p:spPr>
+            <a:xfrm flipH="1">
+              <a:off x="4266696" y="1477075"/>
+              <a:ext cx="57296" cy="58268"/>
+            </a:xfrm>
+            <a:prstGeom prst="arc">
+              <a:avLst/>
+            </a:prstGeom>
+            <a:ln w="12700">
+              <a:solidFill>
+                <a:schemeClr val="tx1"/>
+              </a:solidFill>
+            </a:ln>
+          </p:spPr>
+          <p:style>
+            <a:lnRef idx="1">
+              <a:schemeClr val="accent1"/>
+            </a:lnRef>
+            <a:fillRef idx="0">
+              <a:schemeClr val="accent1"/>
+            </a:fillRef>
+            <a:effectRef idx="0">
+              <a:schemeClr val="accent1"/>
+            </a:effectRef>
+            <a:fontRef idx="minor">
+              <a:schemeClr val="tx1"/>
+            </a:fontRef>
+          </p:style>
+          <p:txBody>
+            <a:bodyPr rtlCol="0" anchor="ctr"/>
+            <a:lstStyle/>
+            <a:p>
+              <a:pPr algn="ctr"/>
+              <a:endParaRPr lang="en-AU"/>
+            </a:p>
+          </p:txBody>
+        </p:sp>
+        <p:cxnSp>
+          <p:nvCxnSpPr>
+            <p:cNvPr id="43" name="Straight Connector 42"/>
+            <p:cNvCxnSpPr/>
+            <p:nvPr/>
+          </p:nvCxnSpPr>
+          <p:spPr>
+            <a:xfrm flipV="1">
+              <a:off x="4155017" y="1492116"/>
+              <a:ext cx="0" cy="167034"/>
+            </a:xfrm>
+            <a:prstGeom prst="line">
+              <a:avLst/>
+            </a:prstGeom>
+            <a:ln w="12700">
+              <a:solidFill>
+                <a:schemeClr val="accent5"/>
+              </a:solidFill>
+            </a:ln>
+          </p:spPr>
+          <p:style>
+            <a:lnRef idx="1">
+              <a:schemeClr val="accent1"/>
+            </a:lnRef>
+            <a:fillRef idx="0">
+              <a:schemeClr val="accent1"/>
+            </a:fillRef>
+            <a:effectRef idx="0">
+              <a:schemeClr val="accent1"/>
+            </a:effectRef>
+            <a:fontRef idx="minor">
+              <a:schemeClr val="tx1"/>
+            </a:fontRef>
+          </p:style>
+        </p:cxnSp>
+        <p:cxnSp>
+          <p:nvCxnSpPr>
+            <p:cNvPr id="44" name="Straight Connector 43"/>
+            <p:cNvCxnSpPr/>
+            <p:nvPr/>
+          </p:nvCxnSpPr>
+          <p:spPr>
+            <a:xfrm flipH="1">
+              <a:off x="4294859" y="1476226"/>
+              <a:ext cx="163149" cy="207"/>
+            </a:xfrm>
+            <a:prstGeom prst="line">
+              <a:avLst/>
+            </a:prstGeom>
+            <a:ln w="12700">
+              <a:solidFill>
+                <a:schemeClr val="tx1"/>
+              </a:solidFill>
+            </a:ln>
+          </p:spPr>
+          <p:style>
+            <a:lnRef idx="1">
+              <a:schemeClr val="accent1"/>
+            </a:lnRef>
+            <a:fillRef idx="0">
+              <a:schemeClr val="accent1"/>
+            </a:fillRef>
+            <a:effectRef idx="0">
+              <a:schemeClr val="accent1"/>
+            </a:effectRef>
+            <a:fontRef idx="minor">
+              <a:schemeClr val="tx1"/>
+            </a:fontRef>
+          </p:style>
+        </p:cxnSp>
+        <p:cxnSp>
+          <p:nvCxnSpPr>
+            <p:cNvPr id="45" name="Straight Connector 44"/>
+            <p:cNvCxnSpPr/>
+            <p:nvPr/>
+          </p:nvCxnSpPr>
+          <p:spPr>
+            <a:xfrm>
+              <a:off x="4314281" y="1518905"/>
+              <a:ext cx="0" cy="6798"/>
+            </a:xfrm>
+            <a:prstGeom prst="line">
+              <a:avLst/>
+            </a:prstGeom>
+            <a:ln w="12700">
+              <a:solidFill>
+                <a:srgbClr val="7030A0"/>
+              </a:solidFill>
+            </a:ln>
+          </p:spPr>
+          <p:style>
+            <a:lnRef idx="1">
+              <a:schemeClr val="accent1"/>
+            </a:lnRef>
+            <a:fillRef idx="0">
+              <a:schemeClr val="accent1"/>
+            </a:fillRef>
+            <a:effectRef idx="0">
+              <a:schemeClr val="accent1"/>
+            </a:effectRef>
+            <a:fontRef idx="minor">
+              <a:schemeClr val="tx1"/>
+            </a:fontRef>
+          </p:style>
+        </p:cxnSp>
+        <p:cxnSp>
+          <p:nvCxnSpPr>
+            <p:cNvPr id="46" name="Straight Connector 45"/>
+            <p:cNvCxnSpPr/>
+            <p:nvPr/>
+          </p:nvCxnSpPr>
+          <p:spPr>
+            <a:xfrm>
+              <a:off x="4400712" y="1815500"/>
+              <a:ext cx="0" cy="55354"/>
+            </a:xfrm>
+            <a:prstGeom prst="line">
+              <a:avLst/>
+            </a:prstGeom>
+            <a:ln w="12700">
+              <a:solidFill>
+                <a:srgbClr val="7030A0"/>
+              </a:solidFill>
+            </a:ln>
+          </p:spPr>
+          <p:style>
+            <a:lnRef idx="1">
+              <a:schemeClr val="accent1"/>
+            </a:lnRef>
+            <a:fillRef idx="0">
+              <a:schemeClr val="accent1"/>
+            </a:fillRef>
+            <a:effectRef idx="0">
+              <a:schemeClr val="accent1"/>
+            </a:effectRef>
+            <a:fontRef idx="minor">
+              <a:schemeClr val="tx1"/>
+            </a:fontRef>
+          </p:style>
+        </p:cxnSp>
+        <p:cxnSp>
+          <p:nvCxnSpPr>
+            <p:cNvPr id="47" name="Straight Connector 46"/>
+            <p:cNvCxnSpPr/>
+            <p:nvPr/>
+          </p:nvCxnSpPr>
+          <p:spPr>
+            <a:xfrm>
+              <a:off x="4327877" y="1505153"/>
+              <a:ext cx="35932" cy="0"/>
+            </a:xfrm>
+            <a:prstGeom prst="line">
+              <a:avLst/>
+            </a:prstGeom>
+            <a:ln w="12700">
+              <a:solidFill>
+                <a:srgbClr val="7030A0"/>
+              </a:solidFill>
+            </a:ln>
+          </p:spPr>
+          <p:style>
+            <a:lnRef idx="1">
+              <a:schemeClr val="accent1"/>
+            </a:lnRef>
+            <a:fillRef idx="0">
+              <a:schemeClr val="accent1"/>
+            </a:fillRef>
+            <a:effectRef idx="0">
+              <a:schemeClr val="accent1"/>
+            </a:effectRef>
+            <a:fontRef idx="minor">
+              <a:schemeClr val="tx1"/>
+            </a:fontRef>
+          </p:style>
+        </p:cxnSp>
+        <p:cxnSp>
+          <p:nvCxnSpPr>
+            <p:cNvPr id="48" name="Straight Connector 47"/>
+            <p:cNvCxnSpPr/>
+            <p:nvPr/>
+          </p:nvCxnSpPr>
+          <p:spPr>
+            <a:xfrm>
+              <a:off x="4413994" y="1883249"/>
+              <a:ext cx="4856" cy="0"/>
+            </a:xfrm>
+            <a:prstGeom prst="line">
+              <a:avLst/>
+            </a:prstGeom>
+            <a:ln w="12700">
+              <a:solidFill>
+                <a:srgbClr val="7030A0"/>
+              </a:solidFill>
+            </a:ln>
+          </p:spPr>
+          <p:style>
+            <a:lnRef idx="1">
+              <a:schemeClr val="accent1"/>
+            </a:lnRef>
+            <a:fillRef idx="0">
+              <a:schemeClr val="accent1"/>
+            </a:fillRef>
+            <a:effectRef idx="0">
+              <a:schemeClr val="accent1"/>
+            </a:effectRef>
+            <a:fontRef idx="minor">
+              <a:schemeClr val="tx1"/>
+            </a:fontRef>
+          </p:style>
+        </p:cxnSp>
+        <p:cxnSp>
+          <p:nvCxnSpPr>
+            <p:cNvPr id="49" name="Straight Connector 48"/>
+            <p:cNvCxnSpPr/>
+            <p:nvPr/>
+          </p:nvCxnSpPr>
+          <p:spPr>
+            <a:xfrm flipH="1">
+              <a:off x="4445712" y="1563420"/>
+              <a:ext cx="28163" cy="207"/>
+            </a:xfrm>
+            <a:prstGeom prst="line">
+              <a:avLst/>
+            </a:prstGeom>
+            <a:ln w="12700">
+              <a:solidFill>
+                <a:srgbClr val="7030A0"/>
+              </a:solidFill>
+            </a:ln>
+          </p:spPr>
+          <p:style>
+            <a:lnRef idx="1">
+              <a:schemeClr val="accent1"/>
+            </a:lnRef>
+            <a:fillRef idx="0">
+              <a:schemeClr val="accent1"/>
+            </a:fillRef>
+            <a:effectRef idx="0">
+              <a:schemeClr val="accent1"/>
+            </a:effectRef>
+            <a:fontRef idx="minor">
+              <a:schemeClr val="tx1"/>
+            </a:fontRef>
+          </p:style>
+        </p:cxnSp>
+        <p:cxnSp>
+          <p:nvCxnSpPr>
+            <p:cNvPr id="50" name="Straight Connector 49"/>
+            <p:cNvCxnSpPr/>
+            <p:nvPr/>
+          </p:nvCxnSpPr>
+          <p:spPr>
+            <a:xfrm flipV="1">
+              <a:off x="4431788" y="1577987"/>
+              <a:ext cx="237" cy="293280"/>
+            </a:xfrm>
+            <a:prstGeom prst="line">
+              <a:avLst/>
+            </a:prstGeom>
+            <a:ln w="12700">
+              <a:solidFill>
+                <a:srgbClr val="7030A0"/>
+              </a:solidFill>
+            </a:ln>
+          </p:spPr>
+          <p:style>
+            <a:lnRef idx="1">
+              <a:schemeClr val="accent1"/>
+            </a:lnRef>
+            <a:fillRef idx="0">
+              <a:schemeClr val="accent1"/>
+            </a:fillRef>
+            <a:effectRef idx="0">
+              <a:schemeClr val="accent1"/>
+            </a:effectRef>
+            <a:fontRef idx="minor">
+              <a:schemeClr val="tx1"/>
+            </a:fontRef>
+          </p:style>
+        </p:cxnSp>
+        <p:cxnSp>
+          <p:nvCxnSpPr>
+            <p:cNvPr id="51" name="Straight Connector 50"/>
+            <p:cNvCxnSpPr/>
+            <p:nvPr/>
+          </p:nvCxnSpPr>
+          <p:spPr>
+            <a:xfrm flipV="1">
+              <a:off x="4472812" y="1620727"/>
+              <a:ext cx="29134" cy="0"/>
+            </a:xfrm>
+            <a:prstGeom prst="line">
+              <a:avLst/>
+            </a:prstGeom>
+            <a:ln w="12700">
+              <a:solidFill>
+                <a:srgbClr val="FF0000"/>
+              </a:solidFill>
+            </a:ln>
+          </p:spPr>
+          <p:style>
+            <a:lnRef idx="1">
+              <a:schemeClr val="accent1"/>
+            </a:lnRef>
+            <a:fillRef idx="0">
+              <a:schemeClr val="accent1"/>
+            </a:fillRef>
+            <a:effectRef idx="0">
+              <a:schemeClr val="accent1"/>
+            </a:effectRef>
+            <a:fontRef idx="minor">
+              <a:schemeClr val="tx1"/>
+            </a:fontRef>
+          </p:style>
+        </p:cxnSp>
+        <p:cxnSp>
+          <p:nvCxnSpPr>
+            <p:cNvPr id="52" name="Straight Connector 51"/>
+            <p:cNvCxnSpPr/>
+            <p:nvPr/>
+          </p:nvCxnSpPr>
+          <p:spPr>
+            <a:xfrm flipV="1">
+              <a:off x="4472575" y="1615872"/>
+              <a:ext cx="0" cy="4856"/>
+            </a:xfrm>
+            <a:prstGeom prst="line">
+              <a:avLst/>
+            </a:prstGeom>
+            <a:ln w="12700">
+              <a:solidFill>
+                <a:srgbClr val="FF0000"/>
+              </a:solidFill>
+            </a:ln>
+          </p:spPr>
+          <p:style>
+            <a:lnRef idx="1">
+              <a:schemeClr val="accent1"/>
+            </a:lnRef>
+            <a:fillRef idx="0">
+              <a:schemeClr val="accent1"/>
+            </a:fillRef>
+            <a:effectRef idx="0">
+              <a:schemeClr val="accent1"/>
+            </a:effectRef>
+            <a:fontRef idx="minor">
+              <a:schemeClr val="tx1"/>
+            </a:fontRef>
+          </p:style>
+        </p:cxnSp>
+        <p:cxnSp>
+          <p:nvCxnSpPr>
+            <p:cNvPr id="53" name="Straight Connector 52"/>
+            <p:cNvCxnSpPr/>
+            <p:nvPr/>
+          </p:nvCxnSpPr>
+          <p:spPr>
+            <a:xfrm flipV="1">
+              <a:off x="4501575" y="1616147"/>
+              <a:ext cx="0" cy="4856"/>
+            </a:xfrm>
+            <a:prstGeom prst="line">
+              <a:avLst/>
+            </a:prstGeom>
+            <a:ln w="12700">
+              <a:solidFill>
+                <a:srgbClr val="FF0000"/>
+              </a:solidFill>
+            </a:ln>
+          </p:spPr>
+          <p:style>
+            <a:lnRef idx="1">
+              <a:schemeClr val="accent1"/>
+            </a:lnRef>
+            <a:fillRef idx="0">
+              <a:schemeClr val="accent1"/>
+            </a:fillRef>
+            <a:effectRef idx="0">
+              <a:schemeClr val="accent1"/>
+            </a:effectRef>
+            <a:fontRef idx="minor">
+              <a:schemeClr val="tx1"/>
+            </a:fontRef>
+          </p:style>
+        </p:cxnSp>
+        <p:sp>
+          <p:nvSpPr>
+            <p:cNvPr id="54" name="Oval 53"/>
+            <p:cNvSpPr/>
+            <p:nvPr/>
+          </p:nvSpPr>
+          <p:spPr>
+            <a:xfrm flipV="1">
+              <a:off x="4474384" y="1592069"/>
+              <a:ext cx="25249" cy="25249"/>
+            </a:xfrm>
+            <a:prstGeom prst="ellipse">
+              <a:avLst/>
+            </a:prstGeom>
+            <a:solidFill>
+              <a:srgbClr val="7030A0"/>
+            </a:solidFill>
+            <a:ln>
+              <a:noFill/>
+            </a:ln>
+          </p:spPr>
+          <p:style>
+            <a:lnRef idx="2">
+              <a:schemeClr val="accent1">
+                <a:shade val="50000"/>
+              </a:schemeClr>
+            </a:lnRef>
+            <a:fillRef idx="1">
+              <a:schemeClr val="accent1"/>
+            </a:fillRef>
+            <a:effectRef idx="0">
+              <a:schemeClr val="accent1"/>
+            </a:effectRef>
+            <a:fontRef idx="minor">
+              <a:schemeClr val="lt1"/>
+            </a:fontRef>
+          </p:style>
+          <p:txBody>
+            <a:bodyPr rtlCol="0" anchor="ctr"/>
+            <a:lstStyle/>
+            <a:p>
+              <a:pPr algn="ctr"/>
+              <a:endParaRPr lang="en-AU"/>
+            </a:p>
+          </p:txBody>
+        </p:sp>
+        <p:cxnSp>
+          <p:nvCxnSpPr>
+            <p:cNvPr id="55" name="Straight Connector 54"/>
+            <p:cNvCxnSpPr/>
+            <p:nvPr/>
+          </p:nvCxnSpPr>
+          <p:spPr>
+            <a:xfrm>
+              <a:off x="4487009" y="1620879"/>
+              <a:ext cx="0" cy="9711"/>
+            </a:xfrm>
+            <a:prstGeom prst="line">
+              <a:avLst/>
+            </a:prstGeom>
+            <a:ln w="12700">
+              <a:solidFill>
+                <a:srgbClr val="FF0000"/>
+              </a:solidFill>
+            </a:ln>
+          </p:spPr>
+          <p:style>
+            <a:lnRef idx="1">
+              <a:schemeClr val="accent1"/>
+            </a:lnRef>
+            <a:fillRef idx="0">
+              <a:schemeClr val="accent1"/>
+            </a:fillRef>
+            <a:effectRef idx="0">
+              <a:schemeClr val="accent1"/>
+            </a:effectRef>
+            <a:fontRef idx="minor">
+              <a:schemeClr val="tx1"/>
+            </a:fontRef>
+          </p:style>
+        </p:cxnSp>
+        <p:cxnSp>
+          <p:nvCxnSpPr>
+            <p:cNvPr id="56" name="Straight Connector 55"/>
+            <p:cNvCxnSpPr/>
+            <p:nvPr/>
+          </p:nvCxnSpPr>
+          <p:spPr>
+            <a:xfrm>
+              <a:off x="4487009" y="1582357"/>
+              <a:ext cx="0" cy="9711"/>
+            </a:xfrm>
+            <a:prstGeom prst="line">
+              <a:avLst/>
+            </a:prstGeom>
+            <a:ln w="12700">
+              <a:solidFill>
+                <a:schemeClr val="tx1"/>
+              </a:solidFill>
+            </a:ln>
+          </p:spPr>
+          <p:style>
+            <a:lnRef idx="1">
+              <a:schemeClr val="accent1"/>
+            </a:lnRef>
+            <a:fillRef idx="0">
+              <a:schemeClr val="accent1"/>
+            </a:fillRef>
+            <a:effectRef idx="0">
+              <a:schemeClr val="accent1"/>
+            </a:effectRef>
+            <a:fontRef idx="minor">
+              <a:schemeClr val="tx1"/>
+            </a:fontRef>
+          </p:style>
+        </p:cxnSp>
+        <p:cxnSp>
+          <p:nvCxnSpPr>
+            <p:cNvPr id="57" name="Straight Connector 56"/>
+            <p:cNvCxnSpPr/>
+            <p:nvPr/>
+          </p:nvCxnSpPr>
+          <p:spPr>
+            <a:xfrm flipV="1">
+              <a:off x="4265849" y="1784138"/>
+              <a:ext cx="0" cy="9711"/>
+            </a:xfrm>
+            <a:prstGeom prst="line">
+              <a:avLst/>
+            </a:prstGeom>
+            <a:ln w="12700">
+              <a:solidFill>
+                <a:schemeClr val="tx1"/>
+              </a:solidFill>
+            </a:ln>
+          </p:spPr>
+          <p:style>
+            <a:lnRef idx="1">
+              <a:schemeClr val="accent1"/>
+            </a:lnRef>
+            <a:fillRef idx="0">
+              <a:schemeClr val="accent1"/>
+            </a:fillRef>
+            <a:effectRef idx="0">
+              <a:schemeClr val="accent1"/>
+            </a:effectRef>
+            <a:fontRef idx="minor">
+              <a:schemeClr val="tx1"/>
+            </a:fontRef>
+          </p:style>
+        </p:cxnSp>
+        <p:grpSp>
+          <p:nvGrpSpPr>
+            <p:cNvPr id="3" name="Group 634"/>
+            <p:cNvGrpSpPr/>
+            <p:nvPr/>
+          </p:nvGrpSpPr>
+          <p:grpSpPr>
+            <a:xfrm>
+              <a:off x="4251449" y="1793574"/>
+              <a:ext cx="29371" cy="5130"/>
+              <a:chOff x="4724894" y="1611142"/>
+              <a:chExt cx="108879" cy="19018"/>
+            </a:xfrm>
+          </p:grpSpPr>
+          <p:cxnSp>
+            <p:nvCxnSpPr>
+              <p:cNvPr id="125" name="Straight Connector 124"/>
+              <p:cNvCxnSpPr/>
+              <p:nvPr/>
+            </p:nvCxnSpPr>
+            <p:spPr>
+              <a:xfrm>
+                <a:off x="4725773" y="1612161"/>
+                <a:ext cx="108000" cy="0"/>
+              </a:xfrm>
+              <a:prstGeom prst="line">
+                <a:avLst/>
+              </a:prstGeom>
+              <a:ln w="12700">
+                <a:solidFill>
+                  <a:schemeClr val="tx1"/>
+                </a:solidFill>
+              </a:ln>
+            </p:spPr>
+            <p:style>
+              <a:lnRef idx="1">
+                <a:schemeClr val="accent1"/>
+              </a:lnRef>
+              <a:fillRef idx="0">
+                <a:schemeClr val="accent1"/>
+              </a:fillRef>
+              <a:effectRef idx="0">
+                <a:schemeClr val="accent1"/>
+              </a:effectRef>
+              <a:fontRef idx="minor">
+                <a:schemeClr val="tx1"/>
+              </a:fontRef>
+            </p:style>
+          </p:cxnSp>
+          <p:cxnSp>
+            <p:nvCxnSpPr>
+              <p:cNvPr id="126" name="Straight Connector 125"/>
+              <p:cNvCxnSpPr/>
+              <p:nvPr/>
+            </p:nvCxnSpPr>
+            <p:spPr>
+              <a:xfrm>
+                <a:off x="4724894" y="1612160"/>
+                <a:ext cx="0" cy="18000"/>
+              </a:xfrm>
+              <a:prstGeom prst="line">
+                <a:avLst/>
+              </a:prstGeom>
+              <a:ln w="12700">
+                <a:solidFill>
+                  <a:schemeClr val="tx1"/>
+                </a:solidFill>
+              </a:ln>
+            </p:spPr>
+            <p:style>
+              <a:lnRef idx="1">
+                <a:schemeClr val="accent1"/>
+              </a:lnRef>
+              <a:fillRef idx="0">
+                <a:schemeClr val="accent1"/>
+              </a:fillRef>
+              <a:effectRef idx="0">
+                <a:schemeClr val="accent1"/>
+              </a:effectRef>
+              <a:fontRef idx="minor">
+                <a:schemeClr val="tx1"/>
+              </a:fontRef>
+            </p:style>
+          </p:cxnSp>
+          <p:cxnSp>
+            <p:nvCxnSpPr>
+              <p:cNvPr id="127" name="Straight Connector 126"/>
+              <p:cNvCxnSpPr/>
+              <p:nvPr/>
+            </p:nvCxnSpPr>
+            <p:spPr>
+              <a:xfrm>
+                <a:off x="4832400" y="1611142"/>
+                <a:ext cx="0" cy="18000"/>
+              </a:xfrm>
+              <a:prstGeom prst="line">
+                <a:avLst/>
+              </a:prstGeom>
+              <a:ln w="12700">
+                <a:solidFill>
+                  <a:schemeClr val="tx1"/>
+                </a:solidFill>
+              </a:ln>
+            </p:spPr>
+            <p:style>
+              <a:lnRef idx="1">
+                <a:schemeClr val="accent1"/>
+              </a:lnRef>
+              <a:fillRef idx="0">
+                <a:schemeClr val="accent1"/>
+              </a:fillRef>
+              <a:effectRef idx="0">
+                <a:schemeClr val="accent1"/>
+              </a:effectRef>
+              <a:fontRef idx="minor">
+                <a:schemeClr val="tx1"/>
+              </a:fontRef>
+            </p:style>
+          </p:cxnSp>
+        </p:grpSp>
+        <p:sp>
+          <p:nvSpPr>
+            <p:cNvPr id="59" name="Rectangle 58"/>
+            <p:cNvSpPr/>
+            <p:nvPr/>
+          </p:nvSpPr>
+          <p:spPr>
+            <a:xfrm>
+              <a:off x="4254360" y="1799190"/>
+              <a:ext cx="23307" cy="23307"/>
+            </a:xfrm>
+            <a:prstGeom prst="rect">
+              <a:avLst/>
+            </a:prstGeom>
+            <a:solidFill>
+              <a:schemeClr val="accent5"/>
+            </a:solidFill>
+            <a:ln w="12700">
+              <a:noFill/>
+            </a:ln>
+          </p:spPr>
+          <p:style>
+            <a:lnRef idx="2">
+              <a:schemeClr val="accent1">
+                <a:shade val="50000"/>
+              </a:schemeClr>
+            </a:lnRef>
+            <a:fillRef idx="1">
+              <a:schemeClr val="accent1"/>
+            </a:fillRef>
+            <a:effectRef idx="0">
+              <a:schemeClr val="accent1"/>
+            </a:effectRef>
+            <a:fontRef idx="minor">
+              <a:schemeClr val="lt1"/>
+            </a:fontRef>
+          </p:style>
+          <p:txBody>
+            <a:bodyPr rtlCol="0" anchor="ctr"/>
+            <a:lstStyle/>
+            <a:p>
+              <a:pPr algn="ctr"/>
+              <a:endParaRPr lang="en-AU"/>
+            </a:p>
+          </p:txBody>
+        </p:sp>
+        <p:cxnSp>
+          <p:nvCxnSpPr>
+            <p:cNvPr id="60" name="Straight Connector 59"/>
+            <p:cNvCxnSpPr/>
+            <p:nvPr/>
+          </p:nvCxnSpPr>
+          <p:spPr>
+            <a:xfrm flipV="1">
+              <a:off x="4266014" y="1822497"/>
+              <a:ext cx="0" cy="9711"/>
+            </a:xfrm>
+            <a:prstGeom prst="line">
+              <a:avLst/>
+            </a:prstGeom>
+            <a:ln w="12700">
+              <a:solidFill>
+                <a:srgbClr val="00B0F0"/>
+              </a:solidFill>
+            </a:ln>
+          </p:spPr>
+          <p:style>
+            <a:lnRef idx="1">
+              <a:schemeClr val="accent1"/>
+            </a:lnRef>
+            <a:fillRef idx="0">
+              <a:schemeClr val="accent1"/>
+            </a:fillRef>
+            <a:effectRef idx="0">
+              <a:schemeClr val="accent1"/>
+            </a:effectRef>
+            <a:fontRef idx="minor">
+              <a:schemeClr val="tx1"/>
+            </a:fontRef>
+          </p:style>
+        </p:cxnSp>
+        <p:sp>
+          <p:nvSpPr>
+            <p:cNvPr id="61" name="Isosceles Triangle 60"/>
+            <p:cNvSpPr/>
+            <p:nvPr/>
+          </p:nvSpPr>
+          <p:spPr>
+            <a:xfrm flipV="1">
+              <a:off x="4302461" y="1540113"/>
+              <a:ext cx="23307" cy="23307"/>
+            </a:xfrm>
+            <a:prstGeom prst="triangle">
+              <a:avLst/>
+            </a:prstGeom>
+            <a:solidFill>
+              <a:schemeClr val="tx1"/>
+            </a:solidFill>
+            <a:ln>
+              <a:noFill/>
+            </a:ln>
+          </p:spPr>
+          <p:style>
+            <a:lnRef idx="2">
+              <a:schemeClr val="accent1">
+                <a:shade val="50000"/>
+              </a:schemeClr>
+            </a:lnRef>
+            <a:fillRef idx="1">
+              <a:schemeClr val="accent1"/>
+            </a:fillRef>
+            <a:effectRef idx="0">
+              <a:schemeClr val="accent1"/>
+            </a:effectRef>
+            <a:fontRef idx="minor">
+              <a:schemeClr val="lt1"/>
+            </a:fontRef>
+          </p:style>
+          <p:txBody>
+            <a:bodyPr rtlCol="0" anchor="ctr"/>
+            <a:lstStyle/>
+            <a:p>
+              <a:pPr algn="ctr"/>
+              <a:endParaRPr lang="en-AU"/>
+            </a:p>
+          </p:txBody>
+        </p:sp>
+        <p:cxnSp>
+          <p:nvCxnSpPr>
+            <p:cNvPr id="62" name="Straight Connector 61"/>
+            <p:cNvCxnSpPr/>
+            <p:nvPr/>
+          </p:nvCxnSpPr>
+          <p:spPr>
+            <a:xfrm flipV="1">
+              <a:off x="4313705" y="1560507"/>
+              <a:ext cx="0" cy="12625"/>
+            </a:xfrm>
+            <a:prstGeom prst="line">
+              <a:avLst/>
+            </a:prstGeom>
+            <a:ln w="12700">
+              <a:solidFill>
+                <a:schemeClr val="tx1"/>
+              </a:solidFill>
+            </a:ln>
+          </p:spPr>
+          <p:style>
+            <a:lnRef idx="1">
+              <a:schemeClr val="accent1"/>
+            </a:lnRef>
+            <a:fillRef idx="0">
+              <a:schemeClr val="accent1"/>
+            </a:fillRef>
+            <a:effectRef idx="0">
+              <a:schemeClr val="accent1"/>
+            </a:effectRef>
+            <a:fontRef idx="minor">
+              <a:schemeClr val="tx1"/>
+            </a:fontRef>
+          </p:style>
+        </p:cxnSp>
+        <p:grpSp>
+          <p:nvGrpSpPr>
+            <p:cNvPr id="6" name="Group 532"/>
+            <p:cNvGrpSpPr/>
+            <p:nvPr/>
+          </p:nvGrpSpPr>
+          <p:grpSpPr>
+            <a:xfrm>
+              <a:off x="4299714" y="1524575"/>
+              <a:ext cx="29371" cy="14567"/>
+              <a:chOff x="4324218" y="1634400"/>
+              <a:chExt cx="108879" cy="53999"/>
+            </a:xfrm>
+          </p:grpSpPr>
+          <p:grpSp>
+            <p:nvGrpSpPr>
+              <p:cNvPr id="7" name="Group 533"/>
+              <p:cNvGrpSpPr/>
+              <p:nvPr/>
+            </p:nvGrpSpPr>
+            <p:grpSpPr>
+              <a:xfrm>
+                <a:off x="4324218" y="1669381"/>
+                <a:ext cx="108879" cy="19018"/>
+                <a:chOff x="4724894" y="1611142"/>
+                <a:chExt cx="108879" cy="19018"/>
+              </a:xfrm>
+            </p:grpSpPr>
+            <p:cxnSp>
+              <p:nvCxnSpPr>
+                <p:cNvPr id="122" name="Straight Connector 121"/>
+                <p:cNvCxnSpPr/>
+                <p:nvPr/>
+              </p:nvCxnSpPr>
+              <p:spPr>
+                <a:xfrm>
+                  <a:off x="4725773" y="1612161"/>
+                  <a:ext cx="108000" cy="0"/>
+                </a:xfrm>
+                <a:prstGeom prst="line">
+                  <a:avLst/>
+                </a:prstGeom>
+                <a:ln w="12700">
+                  <a:solidFill>
+                    <a:srgbClr val="7030A0"/>
+                  </a:solidFill>
+                </a:ln>
+              </p:spPr>
+              <p:style>
+                <a:lnRef idx="1">
+                  <a:schemeClr val="accent1"/>
+                </a:lnRef>
+                <a:fillRef idx="0">
+                  <a:schemeClr val="accent1"/>
+                </a:fillRef>
+                <a:effectRef idx="0">
+                  <a:schemeClr val="accent1"/>
+                </a:effectRef>
+                <a:fontRef idx="minor">
+                  <a:schemeClr val="tx1"/>
+                </a:fontRef>
+              </p:style>
+            </p:cxnSp>
+            <p:cxnSp>
+              <p:nvCxnSpPr>
+                <p:cNvPr id="123" name="Straight Connector 122"/>
+                <p:cNvCxnSpPr/>
+                <p:nvPr/>
+              </p:nvCxnSpPr>
+              <p:spPr>
+                <a:xfrm>
+                  <a:off x="4724894" y="1612160"/>
+                  <a:ext cx="0" cy="18000"/>
+                </a:xfrm>
+                <a:prstGeom prst="line">
+                  <a:avLst/>
+                </a:prstGeom>
+                <a:ln w="12700">
+                  <a:solidFill>
+                    <a:srgbClr val="7030A0"/>
+                  </a:solidFill>
+                </a:ln>
+              </p:spPr>
+              <p:style>
+                <a:lnRef idx="1">
+                  <a:schemeClr val="accent1"/>
+                </a:lnRef>
+                <a:fillRef idx="0">
+                  <a:schemeClr val="accent1"/>
+                </a:fillRef>
+                <a:effectRef idx="0">
+                  <a:schemeClr val="accent1"/>
+                </a:effectRef>
+                <a:fontRef idx="minor">
+                  <a:schemeClr val="tx1"/>
+                </a:fontRef>
+              </p:style>
+            </p:cxnSp>
+            <p:cxnSp>
+              <p:nvCxnSpPr>
+                <p:cNvPr id="124" name="Straight Connector 123"/>
+                <p:cNvCxnSpPr/>
+                <p:nvPr/>
+              </p:nvCxnSpPr>
+              <p:spPr>
+                <a:xfrm>
+                  <a:off x="4832400" y="1611142"/>
+                  <a:ext cx="0" cy="18000"/>
+                </a:xfrm>
+                <a:prstGeom prst="line">
+                  <a:avLst/>
+                </a:prstGeom>
+                <a:ln w="12700">
+                  <a:solidFill>
+                    <a:srgbClr val="7030A0"/>
+                  </a:solidFill>
+                </a:ln>
+              </p:spPr>
+              <p:style>
+                <a:lnRef idx="1">
+                  <a:schemeClr val="accent1"/>
+                </a:lnRef>
+                <a:fillRef idx="0">
+                  <a:schemeClr val="accent1"/>
+                </a:fillRef>
+                <a:effectRef idx="0">
+                  <a:schemeClr val="accent1"/>
+                </a:effectRef>
+                <a:fontRef idx="minor">
+                  <a:schemeClr val="tx1"/>
+                </a:fontRef>
+              </p:style>
+            </p:cxnSp>
+          </p:grpSp>
+          <p:cxnSp>
+            <p:nvCxnSpPr>
+              <p:cNvPr id="121" name="Straight Connector 120"/>
+              <p:cNvCxnSpPr/>
+              <p:nvPr/>
+            </p:nvCxnSpPr>
+            <p:spPr>
+              <a:xfrm flipV="1">
+                <a:off x="4377600" y="1634400"/>
+                <a:ext cx="0" cy="36000"/>
+              </a:xfrm>
+              <a:prstGeom prst="line">
+                <a:avLst/>
+              </a:prstGeom>
+              <a:ln w="12700">
+                <a:solidFill>
+                  <a:srgbClr val="7030A0"/>
+                </a:solidFill>
+              </a:ln>
+            </p:spPr>
+            <p:style>
+              <a:lnRef idx="1">
+                <a:schemeClr val="accent1"/>
+              </a:lnRef>
+              <a:fillRef idx="0">
+                <a:schemeClr val="accent1"/>
+              </a:fillRef>
+              <a:effectRef idx="0">
+                <a:schemeClr val="accent1"/>
+              </a:effectRef>
+              <a:fontRef idx="minor">
+                <a:schemeClr val="tx1"/>
+              </a:fontRef>
+            </p:style>
+          </p:cxnSp>
+        </p:grpSp>
+        <p:cxnSp>
+          <p:nvCxnSpPr>
+            <p:cNvPr id="64" name="Straight Connector 63"/>
+            <p:cNvCxnSpPr/>
+            <p:nvPr/>
+          </p:nvCxnSpPr>
+          <p:spPr>
+            <a:xfrm flipV="1">
+              <a:off x="4217002" y="1524575"/>
+              <a:ext cx="0" cy="9711"/>
+            </a:xfrm>
+            <a:prstGeom prst="line">
+              <a:avLst/>
+            </a:prstGeom>
+            <a:ln w="12700">
+              <a:solidFill>
+                <a:srgbClr val="C00000"/>
+              </a:solidFill>
+            </a:ln>
+          </p:spPr>
+          <p:style>
+            <a:lnRef idx="1">
+              <a:schemeClr val="accent1"/>
+            </a:lnRef>
+            <a:fillRef idx="0">
+              <a:schemeClr val="accent1"/>
+            </a:fillRef>
+            <a:effectRef idx="0">
+              <a:schemeClr val="accent1"/>
+            </a:effectRef>
+            <a:fontRef idx="minor">
+              <a:schemeClr val="tx1"/>
+            </a:fontRef>
+          </p:style>
+        </p:cxnSp>
+        <p:grpSp>
+          <p:nvGrpSpPr>
+            <p:cNvPr id="8" name="Group 516"/>
+            <p:cNvGrpSpPr/>
+            <p:nvPr/>
+          </p:nvGrpSpPr>
+          <p:grpSpPr>
+            <a:xfrm>
+              <a:off x="4202602" y="1534012"/>
+              <a:ext cx="29371" cy="28923"/>
+              <a:chOff x="4644008" y="1671181"/>
+              <a:chExt cx="108879" cy="107219"/>
+            </a:xfrm>
+          </p:grpSpPr>
+          <p:grpSp>
+            <p:nvGrpSpPr>
+              <p:cNvPr id="9" name="Group 518"/>
+              <p:cNvGrpSpPr/>
+              <p:nvPr/>
+            </p:nvGrpSpPr>
+            <p:grpSpPr>
+              <a:xfrm>
+                <a:off x="4644008" y="1671181"/>
+                <a:ext cx="108879" cy="19018"/>
+                <a:chOff x="4724894" y="1611142"/>
+                <a:chExt cx="108879" cy="19018"/>
+              </a:xfrm>
+            </p:grpSpPr>
+            <p:cxnSp>
+              <p:nvCxnSpPr>
+                <p:cNvPr id="117" name="Straight Connector 116"/>
+                <p:cNvCxnSpPr/>
+                <p:nvPr/>
+              </p:nvCxnSpPr>
+              <p:spPr>
+                <a:xfrm>
+                  <a:off x="4725773" y="1612161"/>
+                  <a:ext cx="108000" cy="0"/>
+                </a:xfrm>
+                <a:prstGeom prst="line">
+                  <a:avLst/>
+                </a:prstGeom>
+                <a:ln w="12700">
+                  <a:solidFill>
+                    <a:srgbClr val="C00000"/>
+                  </a:solidFill>
+                </a:ln>
+              </p:spPr>
+              <p:style>
+                <a:lnRef idx="1">
+                  <a:schemeClr val="accent1"/>
+                </a:lnRef>
+                <a:fillRef idx="0">
+                  <a:schemeClr val="accent1"/>
+                </a:fillRef>
+                <a:effectRef idx="0">
+                  <a:schemeClr val="accent1"/>
+                </a:effectRef>
+                <a:fontRef idx="minor">
+                  <a:schemeClr val="tx1"/>
+                </a:fontRef>
+              </p:style>
+            </p:cxnSp>
+            <p:cxnSp>
+              <p:nvCxnSpPr>
+                <p:cNvPr id="118" name="Straight Connector 117"/>
+                <p:cNvCxnSpPr/>
+                <p:nvPr/>
+              </p:nvCxnSpPr>
+              <p:spPr>
+                <a:xfrm>
+                  <a:off x="4724894" y="1612160"/>
+                  <a:ext cx="0" cy="18000"/>
+                </a:xfrm>
+                <a:prstGeom prst="line">
+                  <a:avLst/>
+                </a:prstGeom>
+                <a:ln w="12700">
+                  <a:solidFill>
+                    <a:srgbClr val="C00000"/>
+                  </a:solidFill>
+                </a:ln>
+              </p:spPr>
+              <p:style>
+                <a:lnRef idx="1">
+                  <a:schemeClr val="accent1"/>
+                </a:lnRef>
+                <a:fillRef idx="0">
+                  <a:schemeClr val="accent1"/>
+                </a:fillRef>
+                <a:effectRef idx="0">
+                  <a:schemeClr val="accent1"/>
+                </a:effectRef>
+                <a:fontRef idx="minor">
+                  <a:schemeClr val="tx1"/>
+                </a:fontRef>
+              </p:style>
+            </p:cxnSp>
+            <p:cxnSp>
+              <p:nvCxnSpPr>
+                <p:cNvPr id="119" name="Straight Connector 118"/>
+                <p:cNvCxnSpPr/>
+                <p:nvPr/>
+              </p:nvCxnSpPr>
+              <p:spPr>
+                <a:xfrm>
+                  <a:off x="4832400" y="1611142"/>
+                  <a:ext cx="0" cy="18000"/>
+                </a:xfrm>
+                <a:prstGeom prst="line">
+                  <a:avLst/>
+                </a:prstGeom>
+                <a:ln w="12700">
+                  <a:solidFill>
+                    <a:srgbClr val="C00000"/>
+                  </a:solidFill>
+                </a:ln>
+              </p:spPr>
+              <p:style>
+                <a:lnRef idx="1">
+                  <a:schemeClr val="accent1"/>
+                </a:lnRef>
+                <a:fillRef idx="0">
+                  <a:schemeClr val="accent1"/>
+                </a:fillRef>
+                <a:effectRef idx="0">
+                  <a:schemeClr val="accent1"/>
+                </a:effectRef>
+                <a:fontRef idx="minor">
+                  <a:schemeClr val="tx1"/>
+                </a:fontRef>
+              </p:style>
+            </p:cxnSp>
+          </p:grpSp>
+          <p:sp>
+            <p:nvSpPr>
+              <p:cNvPr id="116" name="Rectangle 115"/>
+              <p:cNvSpPr/>
+              <p:nvPr/>
+            </p:nvSpPr>
+            <p:spPr>
+              <a:xfrm>
+                <a:off x="4654800" y="1692000"/>
+                <a:ext cx="86400" cy="86400"/>
+              </a:xfrm>
+              <a:prstGeom prst="rect">
+                <a:avLst/>
+              </a:prstGeom>
+              <a:solidFill>
+                <a:schemeClr val="tx1"/>
+              </a:solidFill>
+              <a:ln w="12700">
+                <a:noFill/>
+              </a:ln>
+            </p:spPr>
+            <p:style>
+              <a:lnRef idx="2">
+                <a:schemeClr val="accent1">
+                  <a:shade val="50000"/>
+                </a:schemeClr>
+              </a:lnRef>
+              <a:fillRef idx="1">
+                <a:schemeClr val="accent1"/>
+              </a:fillRef>
+              <a:effectRef idx="0">
+                <a:schemeClr val="accent1"/>
+              </a:effectRef>
+              <a:fontRef idx="minor">
+                <a:schemeClr val="lt1"/>
+              </a:fontRef>
+            </p:style>
+            <p:txBody>
+              <a:bodyPr rtlCol="0" anchor="ctr"/>
+              <a:lstStyle/>
+              <a:p>
+                <a:pPr algn="ctr"/>
+                <a:endParaRPr lang="en-AU"/>
+              </a:p>
+            </p:txBody>
+          </p:sp>
+        </p:grpSp>
+        <p:cxnSp>
+          <p:nvCxnSpPr>
+            <p:cNvPr id="66" name="Straight Connector 65"/>
+            <p:cNvCxnSpPr/>
+            <p:nvPr/>
+          </p:nvCxnSpPr>
+          <p:spPr>
+            <a:xfrm flipV="1">
+              <a:off x="4217166" y="1562935"/>
+              <a:ext cx="0" cy="9711"/>
+            </a:xfrm>
+            <a:prstGeom prst="line">
+              <a:avLst/>
+            </a:prstGeom>
+            <a:ln w="12700">
+              <a:solidFill>
+                <a:schemeClr val="tx1"/>
+              </a:solidFill>
+            </a:ln>
+          </p:spPr>
+          <p:style>
+            <a:lnRef idx="1">
+              <a:schemeClr val="accent1"/>
+            </a:lnRef>
+            <a:fillRef idx="0">
+              <a:schemeClr val="accent1"/>
+            </a:fillRef>
+            <a:effectRef idx="0">
+              <a:schemeClr val="accent1"/>
+            </a:effectRef>
+            <a:fontRef idx="minor">
+              <a:schemeClr val="tx1"/>
+            </a:fontRef>
+          </p:style>
+        </p:cxnSp>
+        <p:cxnSp>
+          <p:nvCxnSpPr>
+            <p:cNvPr id="67" name="Straight Connector 66"/>
+            <p:cNvCxnSpPr/>
+            <p:nvPr/>
+          </p:nvCxnSpPr>
+          <p:spPr>
+            <a:xfrm flipH="1">
+              <a:off x="4265725" y="1504466"/>
+              <a:ext cx="971" cy="113889"/>
+            </a:xfrm>
+            <a:prstGeom prst="line">
+              <a:avLst/>
+            </a:prstGeom>
+            <a:ln w="12700">
+              <a:solidFill>
+                <a:schemeClr val="tx1"/>
+              </a:solidFill>
+            </a:ln>
+          </p:spPr>
+          <p:style>
+            <a:lnRef idx="1">
+              <a:schemeClr val="accent1"/>
+            </a:lnRef>
+            <a:fillRef idx="0">
+              <a:schemeClr val="accent1"/>
+            </a:fillRef>
+            <a:effectRef idx="0">
+              <a:schemeClr val="accent1"/>
+            </a:effectRef>
+            <a:fontRef idx="minor">
+              <a:schemeClr val="tx1"/>
+            </a:fontRef>
+          </p:style>
+        </p:cxnSp>
+        <p:cxnSp>
+          <p:nvCxnSpPr>
+            <p:cNvPr id="68" name="Straight Connector 67"/>
+            <p:cNvCxnSpPr/>
+            <p:nvPr/>
+          </p:nvCxnSpPr>
+          <p:spPr>
+            <a:xfrm>
+              <a:off x="4265399" y="1729070"/>
+              <a:ext cx="652" cy="55354"/>
+            </a:xfrm>
+            <a:prstGeom prst="line">
+              <a:avLst/>
+            </a:prstGeom>
+            <a:ln w="12700">
+              <a:solidFill>
+                <a:schemeClr val="tx1"/>
+              </a:solidFill>
+            </a:ln>
+          </p:spPr>
+          <p:style>
+            <a:lnRef idx="1">
+              <a:schemeClr val="accent1"/>
+            </a:lnRef>
+            <a:fillRef idx="0">
+              <a:schemeClr val="accent1"/>
+            </a:fillRef>
+            <a:effectRef idx="0">
+              <a:schemeClr val="accent1"/>
+            </a:effectRef>
+            <a:fontRef idx="minor">
+              <a:schemeClr val="tx1"/>
+            </a:fontRef>
+          </p:style>
+        </p:cxnSp>
+        <p:cxnSp>
+          <p:nvCxnSpPr>
+            <p:cNvPr id="69" name="Straight Connector 68"/>
+            <p:cNvCxnSpPr/>
+            <p:nvPr/>
+          </p:nvCxnSpPr>
+          <p:spPr>
+            <a:xfrm flipV="1">
+              <a:off x="4487142" y="1504740"/>
+              <a:ext cx="0" cy="77690"/>
+            </a:xfrm>
+            <a:prstGeom prst="line">
+              <a:avLst/>
+            </a:prstGeom>
+            <a:ln w="12700">
+              <a:solidFill>
+                <a:schemeClr val="tx1"/>
+              </a:solidFill>
+            </a:ln>
+          </p:spPr>
+          <p:style>
+            <a:lnRef idx="1">
+              <a:schemeClr val="accent1"/>
+            </a:lnRef>
+            <a:fillRef idx="0">
+              <a:schemeClr val="accent1"/>
+            </a:fillRef>
+            <a:effectRef idx="0">
+              <a:schemeClr val="accent1"/>
+            </a:effectRef>
+            <a:fontRef idx="minor">
+              <a:schemeClr val="tx1"/>
+            </a:fontRef>
+          </p:style>
+        </p:cxnSp>
+        <p:cxnSp>
+          <p:nvCxnSpPr>
+            <p:cNvPr id="70" name="Straight Connector 69"/>
+            <p:cNvCxnSpPr/>
+            <p:nvPr/>
+          </p:nvCxnSpPr>
+          <p:spPr>
+            <a:xfrm flipV="1">
+              <a:off x="4487142" y="1630590"/>
+              <a:ext cx="0" cy="29134"/>
+            </a:xfrm>
+            <a:prstGeom prst="line">
+              <a:avLst/>
+            </a:prstGeom>
+            <a:ln w="12700">
+              <a:solidFill>
+                <a:srgbClr val="FF0000"/>
+              </a:solidFill>
+            </a:ln>
+          </p:spPr>
+          <p:style>
+            <a:lnRef idx="1">
+              <a:schemeClr val="accent1"/>
+            </a:lnRef>
+            <a:fillRef idx="0">
+              <a:schemeClr val="accent1"/>
+            </a:fillRef>
+            <a:effectRef idx="0">
+              <a:schemeClr val="accent1"/>
+            </a:effectRef>
+            <a:fontRef idx="minor">
+              <a:schemeClr val="tx1"/>
+            </a:fontRef>
+          </p:style>
+        </p:cxnSp>
+        <p:cxnSp>
+          <p:nvCxnSpPr>
+            <p:cNvPr id="71" name="Straight Connector 70"/>
+            <p:cNvCxnSpPr/>
+            <p:nvPr/>
+          </p:nvCxnSpPr>
+          <p:spPr>
+            <a:xfrm flipH="1">
+              <a:off x="4067944" y="1477534"/>
+              <a:ext cx="120420" cy="207"/>
+            </a:xfrm>
+            <a:prstGeom prst="line">
+              <a:avLst/>
+            </a:prstGeom>
+            <a:ln w="12700">
+              <a:solidFill>
+                <a:srgbClr val="C00000"/>
+              </a:solidFill>
+            </a:ln>
+          </p:spPr>
+          <p:style>
+            <a:lnRef idx="1">
+              <a:schemeClr val="accent1"/>
+            </a:lnRef>
+            <a:fillRef idx="0">
+              <a:schemeClr val="accent1"/>
+            </a:fillRef>
+            <a:effectRef idx="0">
+              <a:schemeClr val="accent1"/>
+            </a:effectRef>
+            <a:fontRef idx="minor">
+              <a:schemeClr val="tx1"/>
+            </a:fontRef>
+          </p:style>
+        </p:cxnSp>
+        <p:pic>
+          <p:nvPicPr>
+            <p:cNvPr id="72" name="Picture 71"/>
+            <p:cNvPicPr>
+              <a:picLocks noChangeAspect="1"/>
+            </p:cNvPicPr>
+            <p:nvPr>
+              <p:custDataLst>
+                <p:tags r:id="rId1"/>
+              </p:custDataLst>
+            </p:nvPr>
+          </p:nvPicPr>
+          <p:blipFill>
+            <a:blip r:embed="rId15" cstate="print">
+              <a:extLst>
+                <a:ext uri="{28A0092B-C50C-407E-A947-70E740481C1C}">
+                  <a14:useLocalDpi xmlns:a14="http://schemas.microsoft.com/office/drawing/2010/main" xmlns="" val="0"/>
+                </a:ext>
+              </a:extLst>
+            </a:blip>
+            <a:stretch>
+              <a:fillRect/>
+            </a:stretch>
+          </p:blipFill>
+          <p:spPr>
+            <a:xfrm>
+              <a:off x="4268376" y="1634890"/>
+              <a:ext cx="23844" cy="20144"/>
+            </a:xfrm>
+            <a:prstGeom prst="rect">
+              <a:avLst/>
+            </a:prstGeom>
+          </p:spPr>
+        </p:pic>
+        <p:pic>
+          <p:nvPicPr>
+            <p:cNvPr id="73" name="Picture 72"/>
+            <p:cNvPicPr>
+              <a:picLocks noChangeAspect="1"/>
+            </p:cNvPicPr>
+            <p:nvPr>
+              <p:custDataLst>
+                <p:tags r:id="rId2"/>
+              </p:custDataLst>
+            </p:nvPr>
+          </p:nvPicPr>
+          <p:blipFill>
+            <a:blip r:embed="rId16" cstate="print">
+              <a:extLst>
+                <a:ext uri="{28A0092B-C50C-407E-A947-70E740481C1C}">
+                  <a14:useLocalDpi xmlns:a14="http://schemas.microsoft.com/office/drawing/2010/main" xmlns="" val="0"/>
+                </a:ext>
+              </a:extLst>
+            </a:blip>
+            <a:stretch>
+              <a:fillRect/>
+            </a:stretch>
+          </p:blipFill>
+          <p:spPr>
+            <a:xfrm>
+              <a:off x="4160166" y="1735664"/>
+              <a:ext cx="21583" cy="16444"/>
+            </a:xfrm>
+            <a:prstGeom prst="rect">
+              <a:avLst/>
+            </a:prstGeom>
+          </p:spPr>
+        </p:pic>
+        <p:pic>
+          <p:nvPicPr>
+            <p:cNvPr id="74" name="Picture 73"/>
+            <p:cNvPicPr>
+              <a:picLocks noChangeAspect="1"/>
+            </p:cNvPicPr>
+            <p:nvPr>
+              <p:custDataLst>
+                <p:tags r:id="rId3"/>
+              </p:custDataLst>
+            </p:nvPr>
+          </p:nvPicPr>
+          <p:blipFill>
+            <a:blip r:embed="rId17" cstate="print">
+              <a:extLst>
+                <a:ext uri="{28A0092B-C50C-407E-A947-70E740481C1C}">
+                  <a14:useLocalDpi xmlns:a14="http://schemas.microsoft.com/office/drawing/2010/main" xmlns="" val="0"/>
+                </a:ext>
+              </a:extLst>
+            </a:blip>
+            <a:stretch>
+              <a:fillRect/>
+            </a:stretch>
+          </p:blipFill>
+          <p:spPr>
+            <a:xfrm>
+              <a:off x="4381805" y="1736809"/>
+              <a:ext cx="24050" cy="16444"/>
+            </a:xfrm>
+            <a:prstGeom prst="rect">
+              <a:avLst/>
+            </a:prstGeom>
+          </p:spPr>
+        </p:pic>
+        <p:pic>
+          <p:nvPicPr>
+            <p:cNvPr id="75" name="Picture 74"/>
+            <p:cNvPicPr>
+              <a:picLocks noChangeAspect="1"/>
+            </p:cNvPicPr>
+            <p:nvPr>
+              <p:custDataLst>
+                <p:tags r:id="rId4"/>
+              </p:custDataLst>
+            </p:nvPr>
+          </p:nvPicPr>
+          <p:blipFill>
+            <a:blip r:embed="rId18" cstate="print">
+              <a:extLst>
+                <a:ext uri="{28A0092B-C50C-407E-A947-70E740481C1C}">
+                  <a14:useLocalDpi xmlns:a14="http://schemas.microsoft.com/office/drawing/2010/main" xmlns="" val="0"/>
+                </a:ext>
+              </a:extLst>
+            </a:blip>
+            <a:stretch>
+              <a:fillRect/>
+            </a:stretch>
+          </p:blipFill>
+          <p:spPr>
+            <a:xfrm>
+              <a:off x="4495915" y="1735664"/>
+              <a:ext cx="26517" cy="16444"/>
+            </a:xfrm>
+            <a:prstGeom prst="rect">
+              <a:avLst/>
+            </a:prstGeom>
+          </p:spPr>
+        </p:pic>
+        <p:cxnSp>
+          <p:nvCxnSpPr>
+            <p:cNvPr id="76" name="Straight Connector 75"/>
+            <p:cNvCxnSpPr/>
+            <p:nvPr/>
+          </p:nvCxnSpPr>
+          <p:spPr>
+            <a:xfrm flipV="1">
+              <a:off x="4184150" y="1913439"/>
+              <a:ext cx="53412" cy="15"/>
+            </a:xfrm>
+            <a:prstGeom prst="line">
+              <a:avLst/>
+            </a:prstGeom>
+            <a:ln w="12700">
+              <a:solidFill>
+                <a:schemeClr val="accent5"/>
+              </a:solidFill>
+            </a:ln>
+          </p:spPr>
+          <p:style>
+            <a:lnRef idx="1">
+              <a:schemeClr val="accent1"/>
+            </a:lnRef>
+            <a:fillRef idx="0">
+              <a:schemeClr val="accent1"/>
+            </a:fillRef>
+            <a:effectRef idx="0">
+              <a:schemeClr val="accent1"/>
+            </a:effectRef>
+            <a:fontRef idx="minor">
+              <a:schemeClr val="tx1"/>
+            </a:fontRef>
+          </p:style>
+        </p:cxnSp>
+        <p:cxnSp>
+          <p:nvCxnSpPr>
+            <p:cNvPr id="77" name="Straight Connector 76"/>
+            <p:cNvCxnSpPr/>
+            <p:nvPr/>
+          </p:nvCxnSpPr>
+          <p:spPr>
+            <a:xfrm flipV="1">
+              <a:off x="4294859" y="1913439"/>
+              <a:ext cx="163149" cy="15"/>
+            </a:xfrm>
+            <a:prstGeom prst="line">
+              <a:avLst/>
+            </a:prstGeom>
+            <a:ln w="12700">
+              <a:solidFill>
+                <a:srgbClr val="FF0000"/>
+              </a:solidFill>
+            </a:ln>
+          </p:spPr>
+          <p:style>
+            <a:lnRef idx="1">
+              <a:schemeClr val="accent1"/>
+            </a:lnRef>
+            <a:fillRef idx="0">
+              <a:schemeClr val="accent1"/>
+            </a:fillRef>
+            <a:effectRef idx="0">
+              <a:schemeClr val="accent1"/>
+            </a:effectRef>
+            <a:fontRef idx="minor">
+              <a:schemeClr val="tx1"/>
+            </a:fontRef>
+          </p:style>
+        </p:cxnSp>
+        <p:cxnSp>
+          <p:nvCxnSpPr>
+            <p:cNvPr id="80" name="Straight Connector 79"/>
+            <p:cNvCxnSpPr/>
+            <p:nvPr/>
+          </p:nvCxnSpPr>
+          <p:spPr>
+            <a:xfrm>
+              <a:off x="4266367" y="1831038"/>
+              <a:ext cx="652" cy="53412"/>
+            </a:xfrm>
+            <a:prstGeom prst="line">
+              <a:avLst/>
+            </a:prstGeom>
+            <a:ln w="12700">
+              <a:solidFill>
+                <a:schemeClr val="accent5"/>
+              </a:solidFill>
+            </a:ln>
+          </p:spPr>
+          <p:style>
+            <a:lnRef idx="1">
+              <a:schemeClr val="accent1"/>
+            </a:lnRef>
+            <a:fillRef idx="0">
+              <a:schemeClr val="accent1"/>
+            </a:fillRef>
+            <a:effectRef idx="0">
+              <a:schemeClr val="accent1"/>
+            </a:effectRef>
+            <a:fontRef idx="minor">
+              <a:schemeClr val="tx1"/>
+            </a:fontRef>
+          </p:style>
+        </p:cxnSp>
+        <p:sp>
+          <p:nvSpPr>
+            <p:cNvPr id="81" name="Hexagon 80"/>
+            <p:cNvSpPr/>
+            <p:nvPr/>
+          </p:nvSpPr>
+          <p:spPr>
+            <a:xfrm rot="5400000">
+              <a:off x="4342773" y="1659822"/>
+              <a:ext cx="67979" cy="67979"/>
+            </a:xfrm>
+            <a:prstGeom prst="hexagon">
+              <a:avLst/>
+            </a:prstGeom>
+            <a:noFill/>
+            <a:ln w="12700">
+              <a:solidFill>
+                <a:srgbClr val="7030A0"/>
+              </a:solidFill>
+            </a:ln>
+          </p:spPr>
+          <p:style>
+            <a:lnRef idx="2">
+              <a:schemeClr val="accent1">
+                <a:shade val="50000"/>
+              </a:schemeClr>
+            </a:lnRef>
+            <a:fillRef idx="1">
+              <a:schemeClr val="accent1"/>
+            </a:fillRef>
+            <a:effectRef idx="0">
+              <a:schemeClr val="accent1"/>
+            </a:effectRef>
+            <a:fontRef idx="minor">
+              <a:schemeClr val="lt1"/>
+            </a:fontRef>
+          </p:style>
+          <p:txBody>
+            <a:bodyPr rtlCol="0" anchor="ctr"/>
+            <a:lstStyle/>
+            <a:p>
+              <a:pPr algn="ctr"/>
+              <a:endParaRPr lang="en-AU"/>
+            </a:p>
+          </p:txBody>
+        </p:sp>
+        <p:sp>
+          <p:nvSpPr>
+            <p:cNvPr id="82" name="Diamond 81"/>
+            <p:cNvSpPr/>
+            <p:nvPr/>
+          </p:nvSpPr>
+          <p:spPr>
+            <a:xfrm>
+              <a:off x="4453496" y="1660533"/>
+              <a:ext cx="67773" cy="67566"/>
+            </a:xfrm>
+            <a:prstGeom prst="diamond">
+              <a:avLst/>
+            </a:prstGeom>
+            <a:noFill/>
+            <a:ln w="12700">
+              <a:solidFill>
+                <a:srgbClr val="FF0000"/>
+              </a:solidFill>
+            </a:ln>
+          </p:spPr>
+          <p:style>
+            <a:lnRef idx="2">
+              <a:schemeClr val="accent1">
+                <a:shade val="50000"/>
+              </a:schemeClr>
+            </a:lnRef>
+            <a:fillRef idx="1">
+              <a:schemeClr val="accent1"/>
+            </a:fillRef>
+            <a:effectRef idx="0">
+              <a:schemeClr val="accent1"/>
+            </a:effectRef>
+            <a:fontRef idx="minor">
+              <a:schemeClr val="lt1"/>
+            </a:fontRef>
+          </p:style>
+          <p:txBody>
+            <a:bodyPr rtlCol="0" anchor="ctr"/>
+            <a:lstStyle/>
+            <a:p>
+              <a:pPr algn="ctr"/>
+              <a:endParaRPr lang="en-AU"/>
+            </a:p>
+          </p:txBody>
+        </p:sp>
+        <p:grpSp>
+          <p:nvGrpSpPr>
+            <p:cNvPr id="10" name="Group 20"/>
+            <p:cNvGrpSpPr/>
+            <p:nvPr/>
+          </p:nvGrpSpPr>
+          <p:grpSpPr>
+            <a:xfrm>
+              <a:off x="4361008" y="1548805"/>
+              <a:ext cx="31076" cy="31076"/>
+              <a:chOff x="8066715" y="1045949"/>
+              <a:chExt cx="115200" cy="115200"/>
+            </a:xfrm>
+          </p:grpSpPr>
+          <p:sp>
+            <p:nvSpPr>
+              <p:cNvPr id="103" name="Oval 102"/>
+              <p:cNvSpPr/>
+              <p:nvPr/>
+            </p:nvSpPr>
+            <p:spPr>
+              <a:xfrm>
+                <a:off x="8066715" y="1045949"/>
+                <a:ext cx="115200" cy="115200"/>
+              </a:xfrm>
+              <a:prstGeom prst="ellipse">
+                <a:avLst/>
+              </a:prstGeom>
+              <a:solidFill>
+                <a:schemeClr val="bg1"/>
+              </a:solidFill>
+              <a:ln w="12700">
+                <a:solidFill>
+                  <a:srgbClr val="7030A0"/>
+                </a:solidFill>
+              </a:ln>
+            </p:spPr>
+            <p:style>
+              <a:lnRef idx="2">
+                <a:schemeClr val="accent1">
+                  <a:shade val="50000"/>
+                </a:schemeClr>
+              </a:lnRef>
+              <a:fillRef idx="1">
+                <a:schemeClr val="accent1"/>
+              </a:fillRef>
+              <a:effectRef idx="0">
+                <a:schemeClr val="accent1"/>
+              </a:effectRef>
+              <a:fontRef idx="minor">
+                <a:schemeClr val="lt1"/>
+              </a:fontRef>
+            </p:style>
+            <p:txBody>
+              <a:bodyPr rtlCol="0" anchor="ctr"/>
+              <a:lstStyle/>
+              <a:p>
+                <a:pPr algn="ctr"/>
+                <a:endParaRPr lang="en-AU"/>
+              </a:p>
+            </p:txBody>
+          </p:sp>
+          <p:pic>
+            <p:nvPicPr>
+              <p:cNvPr id="104" name="Picture 103"/>
+              <p:cNvPicPr>
+                <a:picLocks noChangeAspect="1"/>
+              </p:cNvPicPr>
+              <p:nvPr>
+                <p:custDataLst>
+                  <p:tags r:id="rId11"/>
+                </p:custDataLst>
+              </p:nvPr>
+            </p:nvPicPr>
+            <p:blipFill>
+              <a:blip r:embed="rId19" cstate="print">
+                <a:extLst>
+                  <a:ext uri="{28A0092B-C50C-407E-A947-70E740481C1C}">
+                    <a14:useLocalDpi xmlns:a14="http://schemas.microsoft.com/office/drawing/2010/main" xmlns="" val="0"/>
+                  </a:ext>
+                </a:extLst>
+              </a:blip>
+              <a:stretch>
+                <a:fillRect/>
+              </a:stretch>
+            </p:blipFill>
+            <p:spPr>
+              <a:xfrm>
+                <a:off x="8075305" y="1062379"/>
+                <a:ext cx="99060" cy="77153"/>
+              </a:xfrm>
+              <a:prstGeom prst="rect">
+                <a:avLst/>
+              </a:prstGeom>
+            </p:spPr>
+          </p:pic>
+        </p:grpSp>
+        <p:grpSp>
+          <p:nvGrpSpPr>
+            <p:cNvPr id="58" name="Group 22"/>
+            <p:cNvGrpSpPr/>
+            <p:nvPr/>
+          </p:nvGrpSpPr>
+          <p:grpSpPr>
+            <a:xfrm>
+              <a:off x="4385346" y="1822298"/>
+              <a:ext cx="31076" cy="31076"/>
+              <a:chOff x="8219115" y="1198349"/>
+              <a:chExt cx="115200" cy="115200"/>
+            </a:xfrm>
+          </p:grpSpPr>
+          <p:sp>
+            <p:nvSpPr>
+              <p:cNvPr id="101" name="Oval 100"/>
+              <p:cNvSpPr/>
+              <p:nvPr/>
+            </p:nvSpPr>
+            <p:spPr>
+              <a:xfrm>
+                <a:off x="8219115" y="1198349"/>
+                <a:ext cx="115200" cy="115200"/>
+              </a:xfrm>
+              <a:prstGeom prst="ellipse">
+                <a:avLst/>
+              </a:prstGeom>
+              <a:solidFill>
+                <a:schemeClr val="bg1"/>
+              </a:solidFill>
+              <a:ln w="12700">
+                <a:solidFill>
+                  <a:srgbClr val="7030A0"/>
+                </a:solidFill>
+              </a:ln>
+            </p:spPr>
+            <p:style>
+              <a:lnRef idx="2">
+                <a:schemeClr val="accent1">
+                  <a:shade val="50000"/>
+                </a:schemeClr>
+              </a:lnRef>
+              <a:fillRef idx="1">
+                <a:schemeClr val="accent1"/>
+              </a:fillRef>
+              <a:effectRef idx="0">
+                <a:schemeClr val="accent1"/>
+              </a:effectRef>
+              <a:fontRef idx="minor">
+                <a:schemeClr val="lt1"/>
+              </a:fontRef>
+            </p:style>
+            <p:txBody>
+              <a:bodyPr rtlCol="0" anchor="ctr"/>
+              <a:lstStyle/>
+              <a:p>
+                <a:pPr algn="ctr"/>
+                <a:endParaRPr lang="en-AU"/>
+              </a:p>
+            </p:txBody>
+          </p:sp>
+          <p:pic>
+            <p:nvPicPr>
+              <p:cNvPr id="102" name="Picture 101"/>
+              <p:cNvPicPr>
+                <a:picLocks noChangeAspect="1"/>
+              </p:cNvPicPr>
+              <p:nvPr>
+                <p:custDataLst>
+                  <p:tags r:id="rId10"/>
+                </p:custDataLst>
+              </p:nvPr>
+            </p:nvPicPr>
+            <p:blipFill>
+              <a:blip r:embed="rId20" cstate="print">
+                <a:extLst>
+                  <a:ext uri="{28A0092B-C50C-407E-A947-70E740481C1C}">
+                    <a14:useLocalDpi xmlns:a14="http://schemas.microsoft.com/office/drawing/2010/main" xmlns="" val="0"/>
+                  </a:ext>
+                </a:extLst>
+              </a:blip>
+              <a:stretch>
+                <a:fillRect/>
+              </a:stretch>
+            </p:blipFill>
+            <p:spPr>
+              <a:xfrm>
+                <a:off x="8227705" y="1214779"/>
+                <a:ext cx="96203" cy="77153"/>
+              </a:xfrm>
+              <a:prstGeom prst="rect">
+                <a:avLst/>
+              </a:prstGeom>
+            </p:spPr>
+          </p:pic>
+        </p:grpSp>
+        <p:grpSp>
+          <p:nvGrpSpPr>
+            <p:cNvPr id="63" name="Group 24"/>
+            <p:cNvGrpSpPr/>
+            <p:nvPr/>
+          </p:nvGrpSpPr>
+          <p:grpSpPr>
+            <a:xfrm>
+              <a:off x="4335646" y="1822497"/>
+              <a:ext cx="31076" cy="31076"/>
+              <a:chOff x="8371515" y="1350749"/>
+              <a:chExt cx="115200" cy="115200"/>
+            </a:xfrm>
+          </p:grpSpPr>
+          <p:sp>
+            <p:nvSpPr>
+              <p:cNvPr id="99" name="Oval 98"/>
+              <p:cNvSpPr/>
+              <p:nvPr/>
+            </p:nvSpPr>
+            <p:spPr>
+              <a:xfrm>
+                <a:off x="8371515" y="1350749"/>
+                <a:ext cx="115200" cy="115200"/>
+              </a:xfrm>
+              <a:prstGeom prst="ellipse">
+                <a:avLst/>
+              </a:prstGeom>
+              <a:solidFill>
+                <a:schemeClr val="bg1"/>
+              </a:solidFill>
+              <a:ln w="12700">
+                <a:solidFill>
+                  <a:srgbClr val="7030A0"/>
+                </a:solidFill>
+              </a:ln>
+            </p:spPr>
+            <p:style>
+              <a:lnRef idx="2">
+                <a:schemeClr val="accent1">
+                  <a:shade val="50000"/>
+                </a:schemeClr>
+              </a:lnRef>
+              <a:fillRef idx="1">
+                <a:schemeClr val="accent1"/>
+              </a:fillRef>
+              <a:effectRef idx="0">
+                <a:schemeClr val="accent1"/>
+              </a:effectRef>
+              <a:fontRef idx="minor">
+                <a:schemeClr val="lt1"/>
+              </a:fontRef>
+            </p:style>
+            <p:txBody>
+              <a:bodyPr rtlCol="0" anchor="ctr"/>
+              <a:lstStyle/>
+              <a:p>
+                <a:pPr algn="ctr"/>
+                <a:endParaRPr lang="en-AU"/>
+              </a:p>
+            </p:txBody>
+          </p:sp>
+          <p:pic>
+            <p:nvPicPr>
+              <p:cNvPr id="100" name="Picture 99"/>
+              <p:cNvPicPr>
+                <a:picLocks noChangeAspect="1"/>
+              </p:cNvPicPr>
+              <p:nvPr>
+                <p:custDataLst>
+                  <p:tags r:id="rId9"/>
+                </p:custDataLst>
+              </p:nvPr>
+            </p:nvPicPr>
+            <p:blipFill>
+              <a:blip r:embed="rId21" cstate="print">
+                <a:extLst>
+                  <a:ext uri="{28A0092B-C50C-407E-A947-70E740481C1C}">
+                    <a14:useLocalDpi xmlns:a14="http://schemas.microsoft.com/office/drawing/2010/main" xmlns="" val="0"/>
+                  </a:ext>
+                </a:extLst>
+              </a:blip>
+              <a:stretch>
+                <a:fillRect/>
+              </a:stretch>
+            </p:blipFill>
+            <p:spPr>
+              <a:xfrm>
+                <a:off x="8380105" y="1367179"/>
+                <a:ext cx="95250" cy="77153"/>
+              </a:xfrm>
+              <a:prstGeom prst="rect">
+                <a:avLst/>
+              </a:prstGeom>
+            </p:spPr>
+          </p:pic>
+        </p:grpSp>
+        <p:grpSp>
+          <p:nvGrpSpPr>
+            <p:cNvPr id="65" name="Group 41"/>
+            <p:cNvGrpSpPr/>
+            <p:nvPr/>
+          </p:nvGrpSpPr>
+          <p:grpSpPr>
+            <a:xfrm>
+              <a:off x="4199673" y="1491661"/>
+              <a:ext cx="31076" cy="31076"/>
+              <a:chOff x="6716324" y="1038714"/>
+              <a:chExt cx="115200" cy="115200"/>
+            </a:xfrm>
+          </p:grpSpPr>
+          <p:cxnSp>
+            <p:nvCxnSpPr>
+              <p:cNvPr id="96" name="Straight Connector 95"/>
+              <p:cNvCxnSpPr/>
+              <p:nvPr/>
+            </p:nvCxnSpPr>
+            <p:spPr>
+              <a:xfrm flipH="1">
+                <a:off x="6785943" y="1070532"/>
+                <a:ext cx="0" cy="79200"/>
+              </a:xfrm>
+              <a:prstGeom prst="line">
+                <a:avLst/>
+              </a:prstGeom>
+              <a:ln w="12700">
+                <a:solidFill>
+                  <a:srgbClr val="C00000"/>
+                </a:solidFill>
+              </a:ln>
+            </p:spPr>
+            <p:style>
+              <a:lnRef idx="1">
+                <a:schemeClr val="accent1"/>
+              </a:lnRef>
+              <a:fillRef idx="0">
+                <a:schemeClr val="accent1"/>
+              </a:fillRef>
+              <a:effectRef idx="0">
+                <a:schemeClr val="accent1"/>
+              </a:effectRef>
+              <a:fontRef idx="minor">
+                <a:schemeClr val="tx1"/>
+              </a:fontRef>
+            </p:style>
+          </p:cxnSp>
+          <p:sp>
+            <p:nvSpPr>
+              <p:cNvPr id="97" name="Oval 96"/>
+              <p:cNvSpPr/>
+              <p:nvPr/>
+            </p:nvSpPr>
+            <p:spPr>
+              <a:xfrm>
+                <a:off x="6716324" y="1038714"/>
+                <a:ext cx="115200" cy="115200"/>
+              </a:xfrm>
+              <a:prstGeom prst="ellipse">
+                <a:avLst/>
+              </a:prstGeom>
+              <a:solidFill>
+                <a:schemeClr val="bg1"/>
+              </a:solidFill>
+              <a:ln w="12700">
+                <a:solidFill>
+                  <a:srgbClr val="C00000"/>
+                </a:solidFill>
+              </a:ln>
+            </p:spPr>
+            <p:style>
+              <a:lnRef idx="2">
+                <a:schemeClr val="accent1">
+                  <a:shade val="50000"/>
+                </a:schemeClr>
+              </a:lnRef>
+              <a:fillRef idx="1">
+                <a:schemeClr val="accent1"/>
+              </a:fillRef>
+              <a:effectRef idx="0">
+                <a:schemeClr val="accent1"/>
+              </a:effectRef>
+              <a:fontRef idx="minor">
+                <a:schemeClr val="lt1"/>
+              </a:fontRef>
+            </p:style>
+            <p:txBody>
+              <a:bodyPr rtlCol="0" anchor="ctr"/>
+              <a:lstStyle/>
+              <a:p>
+                <a:pPr algn="ctr"/>
+                <a:endParaRPr lang="en-AU"/>
+              </a:p>
+            </p:txBody>
+          </p:sp>
+          <p:pic>
+            <p:nvPicPr>
+              <p:cNvPr id="98" name="Picture 97"/>
+              <p:cNvPicPr>
+                <a:picLocks noChangeAspect="1"/>
+              </p:cNvPicPr>
+              <p:nvPr>
+                <p:custDataLst>
+                  <p:tags r:id="rId8"/>
+                </p:custDataLst>
+              </p:nvPr>
+            </p:nvPicPr>
+            <p:blipFill>
+              <a:blip r:embed="rId22" cstate="print">
+                <a:extLst>
+                  <a:ext uri="{28A0092B-C50C-407E-A947-70E740481C1C}">
+                    <a14:useLocalDpi xmlns:a14="http://schemas.microsoft.com/office/drawing/2010/main" xmlns="" val="0"/>
+                  </a:ext>
+                </a:extLst>
+              </a:blip>
+              <a:stretch>
+                <a:fillRect/>
+              </a:stretch>
+            </p:blipFill>
+            <p:spPr>
+              <a:xfrm>
+                <a:off x="6724914" y="1057525"/>
+                <a:ext cx="95250" cy="75248"/>
+              </a:xfrm>
+              <a:prstGeom prst="rect">
+                <a:avLst/>
+              </a:prstGeom>
+            </p:spPr>
+          </p:pic>
+        </p:grpSp>
+        <p:grpSp>
+          <p:nvGrpSpPr>
+            <p:cNvPr id="78" name="Group 38"/>
+            <p:cNvGrpSpPr/>
+            <p:nvPr/>
+          </p:nvGrpSpPr>
+          <p:grpSpPr>
+            <a:xfrm>
+              <a:off x="4251155" y="1491661"/>
+              <a:ext cx="31076" cy="31076"/>
+              <a:chOff x="8676315" y="1655549"/>
+              <a:chExt cx="115200" cy="115200"/>
+            </a:xfrm>
+          </p:grpSpPr>
+          <p:sp>
+            <p:nvSpPr>
+              <p:cNvPr id="94" name="Oval 93"/>
+              <p:cNvSpPr/>
+              <p:nvPr/>
+            </p:nvSpPr>
+            <p:spPr>
+              <a:xfrm>
+                <a:off x="8676315" y="1655549"/>
+                <a:ext cx="115200" cy="115200"/>
+              </a:xfrm>
+              <a:prstGeom prst="ellipse">
+                <a:avLst/>
+              </a:prstGeom>
+              <a:solidFill>
+                <a:schemeClr val="bg1"/>
+              </a:solidFill>
+              <a:ln w="12700">
+                <a:solidFill>
+                  <a:schemeClr val="tx1"/>
+                </a:solidFill>
+              </a:ln>
+            </p:spPr>
+            <p:style>
+              <a:lnRef idx="2">
+                <a:schemeClr val="accent1">
+                  <a:shade val="50000"/>
+                </a:schemeClr>
+              </a:lnRef>
+              <a:fillRef idx="1">
+                <a:schemeClr val="accent1"/>
+              </a:fillRef>
+              <a:effectRef idx="0">
+                <a:schemeClr val="accent1"/>
+              </a:effectRef>
+              <a:fontRef idx="minor">
+                <a:schemeClr val="lt1"/>
+              </a:fontRef>
+            </p:style>
+            <p:txBody>
+              <a:bodyPr rtlCol="0" anchor="ctr"/>
+              <a:lstStyle/>
+              <a:p>
+                <a:pPr algn="ctr"/>
+                <a:endParaRPr lang="en-AU"/>
+              </a:p>
+            </p:txBody>
+          </p:sp>
+          <p:pic>
+            <p:nvPicPr>
+              <p:cNvPr id="95" name="Picture 94"/>
+              <p:cNvPicPr>
+                <a:picLocks noChangeAspect="1"/>
+              </p:cNvPicPr>
+              <p:nvPr>
+                <p:custDataLst>
+                  <p:tags r:id="rId7"/>
+                </p:custDataLst>
+              </p:nvPr>
+            </p:nvPicPr>
+            <p:blipFill>
+              <a:blip r:embed="rId23" cstate="print">
+                <a:extLst>
+                  <a:ext uri="{28A0092B-C50C-407E-A947-70E740481C1C}">
+                    <a14:useLocalDpi xmlns:a14="http://schemas.microsoft.com/office/drawing/2010/main" xmlns="" val="0"/>
+                  </a:ext>
+                </a:extLst>
+              </a:blip>
+              <a:stretch>
+                <a:fillRect/>
+              </a:stretch>
+            </p:blipFill>
+            <p:spPr>
+              <a:xfrm>
+                <a:off x="8684905" y="1671979"/>
+                <a:ext cx="98108" cy="75248"/>
+              </a:xfrm>
+              <a:prstGeom prst="rect">
+                <a:avLst/>
+              </a:prstGeom>
+            </p:spPr>
+          </p:pic>
+        </p:grpSp>
+        <p:grpSp>
+          <p:nvGrpSpPr>
+            <p:cNvPr id="79" name="Group 52"/>
+            <p:cNvGrpSpPr/>
+            <p:nvPr/>
+          </p:nvGrpSpPr>
+          <p:grpSpPr>
+            <a:xfrm>
+              <a:off x="4139478" y="1822497"/>
+              <a:ext cx="31076" cy="31076"/>
+              <a:chOff x="8828715" y="1807949"/>
+              <a:chExt cx="115200" cy="115200"/>
+            </a:xfrm>
+          </p:grpSpPr>
+          <p:sp>
+            <p:nvSpPr>
+              <p:cNvPr id="92" name="Oval 91"/>
+              <p:cNvSpPr/>
+              <p:nvPr/>
+            </p:nvSpPr>
+            <p:spPr>
+              <a:xfrm>
+                <a:off x="8828715" y="1807949"/>
+                <a:ext cx="115200" cy="115200"/>
+              </a:xfrm>
+              <a:prstGeom prst="ellipse">
+                <a:avLst/>
+              </a:prstGeom>
+              <a:solidFill>
+                <a:schemeClr val="bg1"/>
+              </a:solidFill>
+              <a:ln w="12700">
+                <a:solidFill>
+                  <a:schemeClr val="accent5"/>
+                </a:solidFill>
+              </a:ln>
+            </p:spPr>
+            <p:style>
+              <a:lnRef idx="2">
+                <a:schemeClr val="accent1">
+                  <a:shade val="50000"/>
+                </a:schemeClr>
+              </a:lnRef>
+              <a:fillRef idx="1">
+                <a:schemeClr val="accent1"/>
+              </a:fillRef>
+              <a:effectRef idx="0">
+                <a:schemeClr val="accent1"/>
+              </a:effectRef>
+              <a:fontRef idx="minor">
+                <a:schemeClr val="lt1"/>
+              </a:fontRef>
+            </p:style>
+            <p:txBody>
+              <a:bodyPr rtlCol="0" anchor="ctr"/>
+              <a:lstStyle/>
+              <a:p>
+                <a:pPr algn="ctr"/>
+                <a:endParaRPr lang="en-AU"/>
+              </a:p>
+            </p:txBody>
+          </p:sp>
+          <p:pic>
+            <p:nvPicPr>
+              <p:cNvPr id="93" name="Picture 92"/>
+              <p:cNvPicPr>
+                <a:picLocks noChangeAspect="1"/>
+              </p:cNvPicPr>
+              <p:nvPr>
+                <p:custDataLst>
+                  <p:tags r:id="rId6"/>
+                </p:custDataLst>
+              </p:nvPr>
+            </p:nvPicPr>
+            <p:blipFill>
+              <a:blip r:embed="rId24" cstate="print">
+                <a:extLst>
+                  <a:ext uri="{28A0092B-C50C-407E-A947-70E740481C1C}">
+                    <a14:useLocalDpi xmlns:a14="http://schemas.microsoft.com/office/drawing/2010/main" xmlns="" val="0"/>
+                  </a:ext>
+                </a:extLst>
+              </a:blip>
+              <a:stretch>
+                <a:fillRect/>
+              </a:stretch>
+            </p:blipFill>
+            <p:spPr>
+              <a:xfrm>
+                <a:off x="8837305" y="1824379"/>
+                <a:ext cx="92393" cy="75248"/>
+              </a:xfrm>
+              <a:prstGeom prst="rect">
+                <a:avLst/>
+              </a:prstGeom>
+            </p:spPr>
+          </p:pic>
+        </p:grpSp>
+        <p:grpSp>
+          <p:nvGrpSpPr>
+            <p:cNvPr id="83" name="Group 53"/>
+            <p:cNvGrpSpPr/>
+            <p:nvPr/>
+          </p:nvGrpSpPr>
+          <p:grpSpPr>
+            <a:xfrm>
+              <a:off x="4471471" y="1821806"/>
+              <a:ext cx="31076" cy="31076"/>
+              <a:chOff x="8828715" y="2027001"/>
+              <a:chExt cx="115200" cy="115200"/>
+            </a:xfrm>
+          </p:grpSpPr>
+          <p:sp>
+            <p:nvSpPr>
+              <p:cNvPr id="90" name="Oval 89"/>
+              <p:cNvSpPr/>
+              <p:nvPr/>
+            </p:nvSpPr>
+            <p:spPr>
+              <a:xfrm>
+                <a:off x="8828715" y="2027001"/>
+                <a:ext cx="115200" cy="115200"/>
+              </a:xfrm>
+              <a:prstGeom prst="ellipse">
+                <a:avLst/>
+              </a:prstGeom>
+              <a:solidFill>
+                <a:schemeClr val="bg1"/>
+              </a:solidFill>
+              <a:ln w="12700">
+                <a:solidFill>
+                  <a:srgbClr val="FF0000"/>
+                </a:solidFill>
+              </a:ln>
+            </p:spPr>
+            <p:style>
+              <a:lnRef idx="2">
+                <a:schemeClr val="accent1">
+                  <a:shade val="50000"/>
+                </a:schemeClr>
+              </a:lnRef>
+              <a:fillRef idx="1">
+                <a:schemeClr val="accent1"/>
+              </a:fillRef>
+              <a:effectRef idx="0">
+                <a:schemeClr val="accent1"/>
+              </a:effectRef>
+              <a:fontRef idx="minor">
+                <a:schemeClr val="lt1"/>
+              </a:fontRef>
+            </p:style>
+            <p:txBody>
+              <a:bodyPr rtlCol="0" anchor="ctr"/>
+              <a:lstStyle/>
+              <a:p>
+                <a:pPr algn="ctr"/>
+                <a:endParaRPr lang="en-AU"/>
+              </a:p>
+            </p:txBody>
+          </p:sp>
+          <p:pic>
+            <p:nvPicPr>
+              <p:cNvPr id="91" name="Picture 90"/>
+              <p:cNvPicPr>
+                <a:picLocks noChangeAspect="1"/>
+              </p:cNvPicPr>
+              <p:nvPr>
+                <p:custDataLst>
+                  <p:tags r:id="rId5"/>
+                </p:custDataLst>
+              </p:nvPr>
+            </p:nvPicPr>
+            <p:blipFill>
+              <a:blip r:embed="rId25" cstate="print">
+                <a:extLst>
+                  <a:ext uri="{28A0092B-C50C-407E-A947-70E740481C1C}">
+                    <a14:useLocalDpi xmlns:a14="http://schemas.microsoft.com/office/drawing/2010/main" xmlns="" val="0"/>
+                  </a:ext>
+                </a:extLst>
+              </a:blip>
+              <a:stretch>
+                <a:fillRect/>
+              </a:stretch>
+            </p:blipFill>
+            <p:spPr>
+              <a:xfrm>
+                <a:off x="8837305" y="2043431"/>
+                <a:ext cx="96203" cy="77153"/>
+              </a:xfrm>
+              <a:prstGeom prst="rect">
+                <a:avLst/>
+              </a:prstGeom>
+            </p:spPr>
+          </p:pic>
+        </p:grpSp>
+      </p:grpSp>
+      <p:sp>
+        <p:nvSpPr>
+          <p:cNvPr id="114" name="TextBox 113"/>
+          <p:cNvSpPr txBox="1"/>
+          <p:nvPr/>
+        </p:nvSpPr>
+        <p:spPr>
+          <a:xfrm>
+            <a:off x="0" y="0"/>
+            <a:ext cx="295274" cy="276999"/>
+          </a:xfrm>
+          <a:prstGeom prst="rect">
+            <a:avLst/>
+          </a:prstGeom>
+          <a:noFill/>
+        </p:spPr>
+        <p:txBody>
+          <a:bodyPr wrap="none" rtlCol="0">
+            <a:spAutoFit/>
+          </a:bodyPr>
+          <a:lstStyle/>
+          <a:p>
+            <a:r>
+              <a:rPr lang="en-AU" sz="1200" b="1" dirty="0" smtClean="0">
+                <a:latin typeface="Arial" pitchFamily="34" charset="0"/>
+                <a:cs typeface="Arial" pitchFamily="34" charset="0"/>
+              </a:rPr>
+              <a:t>A</a:t>
+            </a:r>
+            <a:endParaRPr lang="en-AU" sz="1200" b="1" dirty="0">
+              <a:latin typeface="Arial" pitchFamily="34" charset="0"/>
+              <a:cs typeface="Arial" pitchFamily="34" charset="0"/>
+            </a:endParaRPr>
+          </a:p>
+        </p:txBody>
+      </p:sp>
+      <p:sp>
+        <p:nvSpPr>
+          <p:cNvPr id="129" name="TextBox 128"/>
+          <p:cNvSpPr txBox="1"/>
+          <p:nvPr/>
+        </p:nvSpPr>
+        <p:spPr>
+          <a:xfrm>
+            <a:off x="0" y="1440000"/>
+            <a:ext cx="295274" cy="276999"/>
+          </a:xfrm>
+          <a:prstGeom prst="rect">
+            <a:avLst/>
+          </a:prstGeom>
+          <a:noFill/>
+        </p:spPr>
+        <p:txBody>
+          <a:bodyPr wrap="none" rtlCol="0">
+            <a:spAutoFit/>
+          </a:bodyPr>
+          <a:lstStyle/>
+          <a:p>
+            <a:r>
+              <a:rPr lang="en-AU" sz="1200" b="1" dirty="0" smtClean="0">
+                <a:latin typeface="Arial" pitchFamily="34" charset="0"/>
+                <a:cs typeface="Arial" pitchFamily="34" charset="0"/>
+              </a:rPr>
+              <a:t>B</a:t>
+            </a:r>
+            <a:endParaRPr lang="en-AU" sz="1200" b="1" dirty="0">
+              <a:latin typeface="Arial" pitchFamily="34" charset="0"/>
+              <a:cs typeface="Arial" pitchFamily="34" charset="0"/>
+            </a:endParaRPr>
+          </a:p>
+        </p:txBody>
+      </p:sp>
+      <p:pic>
+        <p:nvPicPr>
+          <p:cNvPr id="1027" name="Picture 3"/>
+          <p:cNvPicPr>
+            <a:picLocks noChangeAspect="1" noChangeArrowheads="1"/>
+          </p:cNvPicPr>
+          <p:nvPr/>
+        </p:nvPicPr>
+        <p:blipFill>
+          <a:blip r:embed="rId26" cstate="print"/>
+          <a:srcRect l="30267" t="25332" r="29685" b="31433"/>
+          <a:stretch>
+            <a:fillRect/>
+          </a:stretch>
+        </p:blipFill>
+        <p:spPr bwMode="auto">
+          <a:xfrm>
+            <a:off x="18000" y="449999"/>
+            <a:ext cx="648000" cy="535743"/>
+          </a:xfrm>
+          <a:prstGeom prst="rect">
+            <a:avLst/>
+          </a:prstGeom>
+          <a:noFill/>
+          <a:ln w="9525">
+            <a:noFill/>
+            <a:miter lim="800000"/>
+            <a:headEnd/>
+            <a:tailEnd/>
+          </a:ln>
+          <a:effectLst/>
+        </p:spPr>
+      </p:pic>
+    </p:spTree>
+  </p:cSld>
+  <p:clrMapOvr>
+    <a:masterClrMapping/>
+  </p:clrMapOvr>
+</p:sld>
+</file>
+
+<file path=ppt/tags/tag1.xml><?xml version="1.0" encoding="utf-8"?>
+<p:tagLst xmlns:a="http://schemas.openxmlformats.org/drawingml/2006/main" xmlns:r="http://schemas.openxmlformats.org/officeDocument/2006/relationships" xmlns:p="http://schemas.openxmlformats.org/presentationml/2006/main">
+  <p:tag name="LATEXADDIN" val="\documentclass{article}&#10;\usepackage{amsmath}&#10;\pagestyle{empty}&#10;\begin{document}&#10;&#10;$v_{\mathrm{p}}$&#10;&#10;&#10;\end{document}"/>
+  <p:tag name="IGUANATEXSIZE" val="10"/>
+</p:tagLst>
+</file>
+
+<file path=ppt/tags/tag10.xml><?xml version="1.0" encoding="utf-8"?>
+<p:tagLst xmlns:a="http://schemas.openxmlformats.org/drawingml/2006/main" xmlns:r="http://schemas.openxmlformats.org/officeDocument/2006/relationships" xmlns:p="http://schemas.openxmlformats.org/presentationml/2006/main">
+  <p:tag name="LATEXADDIN" val="\documentclass{article}&#10;\usepackage{amsmath}&#10;\pagestyle{empty}&#10;\begin{document}&#10;&#10;$c_{6}$&#10;&#10;&#10;\end{document}"/>
+  <p:tag name="IGUANATEXSIZE" val="10"/>
+</p:tagLst>
+</file>
+
+<file path=ppt/tags/tag11.xml><?xml version="1.0" encoding="utf-8"?>
+<p:tagLst xmlns:a="http://schemas.openxmlformats.org/drawingml/2006/main" xmlns:r="http://schemas.openxmlformats.org/officeDocument/2006/relationships" xmlns:p="http://schemas.openxmlformats.org/presentationml/2006/main">
+  <p:tag name="LATEXADDIN" val="\documentclass{article}&#10;\usepackage{amsmath}&#10;\pagestyle{empty}&#10;\begin{document}&#10;&#10;$c_{7}$&#10;&#10;&#10;\end{document}"/>
+  <p:tag name="IGUANATEXSIZE" val="10"/>
+</p:tagLst>
+</file>
+
+<file path=ppt/tags/tag12.xml><?xml version="1.0" encoding="utf-8"?>
+<p:tagLst xmlns:a="http://schemas.openxmlformats.org/drawingml/2006/main" xmlns:r="http://schemas.openxmlformats.org/officeDocument/2006/relationships" xmlns:p="http://schemas.openxmlformats.org/presentationml/2006/main">
+  <p:tag name="LATEXADDIN" val="\documentclass{article}&#10;\usepackage{amsmath}&#10;\pagestyle{empty}&#10;\begin{document}&#10;&#10;$v_{\mathrm{p}}$&#10;&#10;&#10;\end{document}"/>
+  <p:tag name="IGUANATEXSIZE" val="10"/>
+</p:tagLst>
+</file>
+
+<file path=ppt/tags/tag13.xml><?xml version="1.0" encoding="utf-8"?>
+<p:tagLst xmlns:a="http://schemas.openxmlformats.org/drawingml/2006/main" xmlns:r="http://schemas.openxmlformats.org/officeDocument/2006/relationships" xmlns:p="http://schemas.openxmlformats.org/presentationml/2006/main">
+  <p:tag name="LATEXADDIN" val="\documentclass{article}&#10;\usepackage{amsmath}&#10;\pagestyle{empty}&#10;\begin{document}&#10;&#10;$v_{\mathrm{e}}$&#10;&#10;&#10;\end{document}"/>
+  <p:tag name="IGUANATEXSIZE" val="10"/>
+</p:tagLst>
+</file>
+
+<file path=ppt/tags/tag14.xml><?xml version="1.0" encoding="utf-8"?>
+<p:tagLst xmlns:a="http://schemas.openxmlformats.org/drawingml/2006/main" xmlns:r="http://schemas.openxmlformats.org/officeDocument/2006/relationships" xmlns:p="http://schemas.openxmlformats.org/presentationml/2006/main">
+  <p:tag name="LATEXADDIN" val="\documentclass{article}&#10;\usepackage{amsmath}&#10;\pagestyle{empty}&#10;\begin{document}&#10;&#10;$v_{\mathrm{fi}}$&#10;&#10;&#10;\end{document}"/>
+  <p:tag name="IGUANATEXSIZE" val="10"/>
+</p:tagLst>
+</file>
+
+<file path=ppt/tags/tag15.xml><?xml version="1.0" encoding="utf-8"?>
+<p:tagLst xmlns:a="http://schemas.openxmlformats.org/drawingml/2006/main" xmlns:r="http://schemas.openxmlformats.org/officeDocument/2006/relationships" xmlns:p="http://schemas.openxmlformats.org/presentationml/2006/main">
+  <p:tag name="LATEXADDIN" val="\documentclass{article}&#10;\usepackage{amsmath}&#10;\pagestyle{empty}&#10;\begin{document}&#10;&#10;$v_{\mathrm{si}}$&#10;&#10;&#10;\end{document}"/>
+  <p:tag name="IGUANATEXSIZE" val="10"/>
+</p:tagLst>
+</file>
+
+<file path=ppt/tags/tag16.xml><?xml version="1.0" encoding="utf-8"?>
+<p:tagLst xmlns:a="http://schemas.openxmlformats.org/drawingml/2006/main" xmlns:r="http://schemas.openxmlformats.org/officeDocument/2006/relationships" xmlns:p="http://schemas.openxmlformats.org/presentationml/2006/main">
+  <p:tag name="LATEXADDIN" val="\documentclass{article}&#10;\usepackage{amsmath}&#10;\pagestyle{empty}&#10;\begin{document}&#10;&#10;$c_{3}$&#10;&#10;&#10;\end{document}"/>
+  <p:tag name="IGUANATEXSIZE" val="10"/>
+</p:tagLst>
+</file>
+
+<file path=ppt/tags/tag17.xml><?xml version="1.0" encoding="utf-8"?>
+<p:tagLst xmlns:a="http://schemas.openxmlformats.org/drawingml/2006/main" xmlns:r="http://schemas.openxmlformats.org/officeDocument/2006/relationships" xmlns:p="http://schemas.openxmlformats.org/presentationml/2006/main">
+  <p:tag name="LATEXADDIN" val="\documentclass{article}&#10;\usepackage{amsmath}&#10;\pagestyle{empty}&#10;\begin{document}&#10;&#10;$c_{1}$&#10;&#10;&#10;\end{document}"/>
+  <p:tag name="IGUANATEXSIZE" val="10"/>
+</p:tagLst>
+</file>
+
+<file path=ppt/tags/tag18.xml><?xml version="1.0" encoding="utf-8"?>
+<p:tagLst xmlns:a="http://schemas.openxmlformats.org/drawingml/2006/main" xmlns:r="http://schemas.openxmlformats.org/officeDocument/2006/relationships" xmlns:p="http://schemas.openxmlformats.org/presentationml/2006/main">
+  <p:tag name="LATEXADDIN" val="\documentclass{article}&#10;\usepackage{amsmath}&#10;\pagestyle{empty}&#10;\begin{document}&#10;&#10;$c_{4}$&#10;&#10;&#10;\end{document}"/>
+  <p:tag name="IGUANATEXSIZE" val="10"/>
+</p:tagLst>
+</file>
+
+<file path=ppt/tags/tag19.xml><?xml version="1.0" encoding="utf-8"?>
+<p:tagLst xmlns:a="http://schemas.openxmlformats.org/drawingml/2006/main" xmlns:r="http://schemas.openxmlformats.org/officeDocument/2006/relationships" xmlns:p="http://schemas.openxmlformats.org/presentationml/2006/main">
+  <p:tag name="LATEXADDIN" val="\documentclass{article}&#10;\usepackage{amsmath}&#10;\pagestyle{empty}&#10;\begin{document}&#10;&#10;$c_{2}$&#10;&#10;&#10;\end{document}"/>
+  <p:tag name="IGUANATEXSIZE" val="10"/>
+</p:tagLst>
+</file>
+
+<file path=ppt/tags/tag2.xml><?xml version="1.0" encoding="utf-8"?>
+<p:tagLst xmlns:a="http://schemas.openxmlformats.org/drawingml/2006/main" xmlns:r="http://schemas.openxmlformats.org/officeDocument/2006/relationships" xmlns:p="http://schemas.openxmlformats.org/presentationml/2006/main">
+  <p:tag name="LATEXADDIN" val="\documentclass{article}&#10;\usepackage{amsmath}&#10;\pagestyle{empty}&#10;\begin{document}&#10;&#10;$v_{\mathrm{e}}$&#10;&#10;&#10;\end{document}"/>
+  <p:tag name="IGUANATEXSIZE" val="10"/>
+</p:tagLst>
+</file>
+
+<file path=ppt/tags/tag20.xml><?xml version="1.0" encoding="utf-8"?>
+<p:tagLst xmlns:a="http://schemas.openxmlformats.org/drawingml/2006/main" xmlns:r="http://schemas.openxmlformats.org/officeDocument/2006/relationships" xmlns:p="http://schemas.openxmlformats.org/presentationml/2006/main">
+  <p:tag name="LATEXADDIN" val="\documentclass{article}&#10;\usepackage{amsmath}&#10;\pagestyle{empty}&#10;\begin{document}&#10;&#10;$c_{5}$&#10;&#10;&#10;\end{document}"/>
+  <p:tag name="IGUANATEXSIZE" val="10"/>
+</p:tagLst>
+</file>
+
+<file path=ppt/tags/tag21.xml><?xml version="1.0" encoding="utf-8"?>
+<p:tagLst xmlns:a="http://schemas.openxmlformats.org/drawingml/2006/main" xmlns:r="http://schemas.openxmlformats.org/officeDocument/2006/relationships" xmlns:p="http://schemas.openxmlformats.org/presentationml/2006/main">
+  <p:tag name="LATEXADDIN" val="\documentclass{article}&#10;\usepackage{amsmath}&#10;\pagestyle{empty}&#10;\begin{document}&#10;&#10;$c_{6}$&#10;&#10;&#10;\end{document}"/>
+  <p:tag name="IGUANATEXSIZE" val="10"/>
+</p:tagLst>
+</file>
+
+<file path=ppt/tags/tag22.xml><?xml version="1.0" encoding="utf-8"?>
+<p:tagLst xmlns:a="http://schemas.openxmlformats.org/drawingml/2006/main" xmlns:r="http://schemas.openxmlformats.org/officeDocument/2006/relationships" xmlns:p="http://schemas.openxmlformats.org/presentationml/2006/main">
+  <p:tag name="LATEXADDIN" val="\documentclass{article}&#10;\usepackage{amsmath}&#10;\pagestyle{empty}&#10;\begin{document}&#10;&#10;$c_{7}$&#10;&#10;&#10;\end{document}"/>
+  <p:tag name="IGUANATEXSIZE" val="10"/>
+</p:tagLst>
+</file>
+
+<file path=ppt/tags/tag3.xml><?xml version="1.0" encoding="utf-8"?>
+<p:tagLst xmlns:a="http://schemas.openxmlformats.org/drawingml/2006/main" xmlns:r="http://schemas.openxmlformats.org/officeDocument/2006/relationships" xmlns:p="http://schemas.openxmlformats.org/presentationml/2006/main">
+  <p:tag name="LATEXADDIN" val="\documentclass{article}&#10;\usepackage{amsmath}&#10;\pagestyle{empty}&#10;\begin{document}&#10;&#10;$v_{\mathrm{fi}}$&#10;&#10;&#10;\end{document}"/>
+  <p:tag name="IGUANATEXSIZE" val="10"/>
+</p:tagLst>
+</file>
+
+<file path=ppt/tags/tag4.xml><?xml version="1.0" encoding="utf-8"?>
+<p:tagLst xmlns:a="http://schemas.openxmlformats.org/drawingml/2006/main" xmlns:r="http://schemas.openxmlformats.org/officeDocument/2006/relationships" xmlns:p="http://schemas.openxmlformats.org/presentationml/2006/main">
+  <p:tag name="LATEXADDIN" val="\documentclass{article}&#10;\usepackage{amsmath}&#10;\pagestyle{empty}&#10;\begin{document}&#10;&#10;$v_{\mathrm{si}}$&#10;&#10;&#10;\end{document}"/>
+  <p:tag name="IGUANATEXSIZE" val="10"/>
+</p:tagLst>
+</file>
+
+<file path=ppt/tags/tag5.xml><?xml version="1.0" encoding="utf-8"?>
+<p:tagLst xmlns:a="http://schemas.openxmlformats.org/drawingml/2006/main" xmlns:r="http://schemas.openxmlformats.org/officeDocument/2006/relationships" xmlns:p="http://schemas.openxmlformats.org/presentationml/2006/main">
+  <p:tag name="LATEXADDIN" val="\documentclass{article}&#10;\usepackage{amsmath}&#10;\pagestyle{empty}&#10;\begin{document}&#10;&#10;$c_{3}$&#10;&#10;&#10;\end{document}"/>
+  <p:tag name="IGUANATEXSIZE" val="10"/>
+</p:tagLst>
+</file>
+
+<file path=ppt/tags/tag6.xml><?xml version="1.0" encoding="utf-8"?>
+<p:tagLst xmlns:a="http://schemas.openxmlformats.org/drawingml/2006/main" xmlns:r="http://schemas.openxmlformats.org/officeDocument/2006/relationships" xmlns:p="http://schemas.openxmlformats.org/presentationml/2006/main">
+  <p:tag name="LATEXADDIN" val="\documentclass{article}&#10;\usepackage{amsmath}&#10;\pagestyle{empty}&#10;\begin{document}&#10;&#10;$c_{1}$&#10;&#10;&#10;\end{document}"/>
+  <p:tag name="IGUANATEXSIZE" val="10"/>
+</p:tagLst>
+</file>
+
+<file path=ppt/tags/tag7.xml><?xml version="1.0" encoding="utf-8"?>
+<p:tagLst xmlns:a="http://schemas.openxmlformats.org/drawingml/2006/main" xmlns:r="http://schemas.openxmlformats.org/officeDocument/2006/relationships" xmlns:p="http://schemas.openxmlformats.org/presentationml/2006/main">
+  <p:tag name="LATEXADDIN" val="\documentclass{article}&#10;\usepackage{amsmath}&#10;\pagestyle{empty}&#10;\begin{document}&#10;&#10;$c_{4}$&#10;&#10;&#10;\end{document}"/>
+  <p:tag name="IGUANATEXSIZE" val="10"/>
+</p:tagLst>
+</file>
+
+<file path=ppt/tags/tag8.xml><?xml version="1.0" encoding="utf-8"?>
+<p:tagLst xmlns:a="http://schemas.openxmlformats.org/drawingml/2006/main" xmlns:r="http://schemas.openxmlformats.org/officeDocument/2006/relationships" xmlns:p="http://schemas.openxmlformats.org/presentationml/2006/main">
+  <p:tag name="LATEXADDIN" val="\documentclass{article}&#10;\usepackage{amsmath}&#10;\pagestyle{empty}&#10;\begin{document}&#10;&#10;$c_{2}$&#10;&#10;&#10;\end{document}"/>
+  <p:tag name="IGUANATEXSIZE" val="10"/>
+</p:tagLst>
+</file>
+
+<file path=ppt/tags/tag9.xml><?xml version="1.0" encoding="utf-8"?>
+<p:tagLst xmlns:a="http://schemas.openxmlformats.org/drawingml/2006/main" xmlns:r="http://schemas.openxmlformats.org/officeDocument/2006/relationships" xmlns:p="http://schemas.openxmlformats.org/presentationml/2006/main">
+  <p:tag name="LATEXADDIN" val="\documentclass{article}&#10;\usepackage{amsmath}&#10;\pagestyle{empty}&#10;\begin{document}&#10;&#10;$c_{5}$&#10;&#10;&#10;\end{document}"/>
+  <p:tag name="IGUANATEXSIZE" val="10"/>
+</p:tagLst>
 </file>
 
 <file path=ppt/theme/theme1.xml><?xml version="1.0" encoding="utf-8"?>

--- a/fig/EstimationFigures.pptx
+++ b/fig/EstimationFigures.pptx
@@ -13,6 +13,11 @@
     <p:sldId id="263" r:id="rId7"/>
     <p:sldId id="262" r:id="rId8"/>
     <p:sldId id="264" r:id="rId9"/>
+    <p:sldId id="265" r:id="rId10"/>
+    <p:sldId id="266" r:id="rId11"/>
+    <p:sldId id="267" r:id="rId12"/>
+    <p:sldId id="268" r:id="rId13"/>
+    <p:sldId id="269" r:id="rId14"/>
   </p:sldIdLst>
   <p:sldSz cx="9144000" cy="9001125"/>
   <p:notesSz cx="6858000" cy="9144000"/>
@@ -296,7 +301,7 @@
             <a:fld id="{23031417-08DC-4991-BA64-45FCA174C9D0}" type="datetimeFigureOut">
               <a:rPr lang="en-AU" smtClean="0"/>
               <a:pPr/>
-              <a:t>25/09/2013</a:t>
+              <a:t>27/09/2013</a:t>
             </a:fld>
             <a:endParaRPr lang="en-AU"/>
           </a:p>
@@ -348,7 +353,7 @@
     </p:spTree>
     <p:extLst>
       <p:ext uri="{BB962C8B-B14F-4D97-AF65-F5344CB8AC3E}">
-        <p14:creationId xmlns:p14="http://schemas.microsoft.com/office/powerpoint/2010/main" xmlns="" val="1088028021"/>
+        <p14:creationId xmlns:p14="http://schemas.microsoft.com/office/powerpoint/2010/main" val="1088028021"/>
       </p:ext>
     </p:extLst>
   </p:cSld>
@@ -468,7 +473,7 @@
             <a:fld id="{23031417-08DC-4991-BA64-45FCA174C9D0}" type="datetimeFigureOut">
               <a:rPr lang="en-AU" smtClean="0"/>
               <a:pPr/>
-              <a:t>25/09/2013</a:t>
+              <a:t>27/09/2013</a:t>
             </a:fld>
             <a:endParaRPr lang="en-AU"/>
           </a:p>
@@ -520,7 +525,7 @@
     </p:spTree>
     <p:extLst>
       <p:ext uri="{BB962C8B-B14F-4D97-AF65-F5344CB8AC3E}">
-        <p14:creationId xmlns:p14="http://schemas.microsoft.com/office/powerpoint/2010/main" xmlns="" val="1651409770"/>
+        <p14:creationId xmlns:p14="http://schemas.microsoft.com/office/powerpoint/2010/main" val="1651409770"/>
       </p:ext>
     </p:extLst>
   </p:cSld>
@@ -650,7 +655,7 @@
             <a:fld id="{23031417-08DC-4991-BA64-45FCA174C9D0}" type="datetimeFigureOut">
               <a:rPr lang="en-AU" smtClean="0"/>
               <a:pPr/>
-              <a:t>25/09/2013</a:t>
+              <a:t>27/09/2013</a:t>
             </a:fld>
             <a:endParaRPr lang="en-AU"/>
           </a:p>
@@ -702,7 +707,7 @@
     </p:spTree>
     <p:extLst>
       <p:ext uri="{BB962C8B-B14F-4D97-AF65-F5344CB8AC3E}">
-        <p14:creationId xmlns:p14="http://schemas.microsoft.com/office/powerpoint/2010/main" xmlns="" val="434562314"/>
+        <p14:creationId xmlns:p14="http://schemas.microsoft.com/office/powerpoint/2010/main" val="434562314"/>
       </p:ext>
     </p:extLst>
   </p:cSld>
@@ -822,7 +827,7 @@
             <a:fld id="{23031417-08DC-4991-BA64-45FCA174C9D0}" type="datetimeFigureOut">
               <a:rPr lang="en-AU" smtClean="0"/>
               <a:pPr/>
-              <a:t>25/09/2013</a:t>
+              <a:t>27/09/2013</a:t>
             </a:fld>
             <a:endParaRPr lang="en-AU"/>
           </a:p>
@@ -874,7 +879,7 @@
     </p:spTree>
     <p:extLst>
       <p:ext uri="{BB962C8B-B14F-4D97-AF65-F5344CB8AC3E}">
-        <p14:creationId xmlns:p14="http://schemas.microsoft.com/office/powerpoint/2010/main" xmlns="" val="3995899577"/>
+        <p14:creationId xmlns:p14="http://schemas.microsoft.com/office/powerpoint/2010/main" val="3995899577"/>
       </p:ext>
     </p:extLst>
   </p:cSld>
@@ -1070,7 +1075,7 @@
             <a:fld id="{23031417-08DC-4991-BA64-45FCA174C9D0}" type="datetimeFigureOut">
               <a:rPr lang="en-AU" smtClean="0"/>
               <a:pPr/>
-              <a:t>25/09/2013</a:t>
+              <a:t>27/09/2013</a:t>
             </a:fld>
             <a:endParaRPr lang="en-AU"/>
           </a:p>
@@ -1122,7 +1127,7 @@
     </p:spTree>
     <p:extLst>
       <p:ext uri="{BB962C8B-B14F-4D97-AF65-F5344CB8AC3E}">
-        <p14:creationId xmlns:p14="http://schemas.microsoft.com/office/powerpoint/2010/main" xmlns="" val="4194826409"/>
+        <p14:creationId xmlns:p14="http://schemas.microsoft.com/office/powerpoint/2010/main" val="4194826409"/>
       </p:ext>
     </p:extLst>
   </p:cSld>
@@ -1360,7 +1365,7 @@
             <a:fld id="{23031417-08DC-4991-BA64-45FCA174C9D0}" type="datetimeFigureOut">
               <a:rPr lang="en-AU" smtClean="0"/>
               <a:pPr/>
-              <a:t>25/09/2013</a:t>
+              <a:t>27/09/2013</a:t>
             </a:fld>
             <a:endParaRPr lang="en-AU"/>
           </a:p>
@@ -1412,7 +1417,7 @@
     </p:spTree>
     <p:extLst>
       <p:ext uri="{BB962C8B-B14F-4D97-AF65-F5344CB8AC3E}">
-        <p14:creationId xmlns:p14="http://schemas.microsoft.com/office/powerpoint/2010/main" xmlns="" val="1940354534"/>
+        <p14:creationId xmlns:p14="http://schemas.microsoft.com/office/powerpoint/2010/main" val="1940354534"/>
       </p:ext>
     </p:extLst>
   </p:cSld>
@@ -1784,7 +1789,7 @@
             <a:fld id="{23031417-08DC-4991-BA64-45FCA174C9D0}" type="datetimeFigureOut">
               <a:rPr lang="en-AU" smtClean="0"/>
               <a:pPr/>
-              <a:t>25/09/2013</a:t>
+              <a:t>27/09/2013</a:t>
             </a:fld>
             <a:endParaRPr lang="en-AU"/>
           </a:p>
@@ -1836,7 +1841,7 @@
     </p:spTree>
     <p:extLst>
       <p:ext uri="{BB962C8B-B14F-4D97-AF65-F5344CB8AC3E}">
-        <p14:creationId xmlns:p14="http://schemas.microsoft.com/office/powerpoint/2010/main" xmlns="" val="344776633"/>
+        <p14:creationId xmlns:p14="http://schemas.microsoft.com/office/powerpoint/2010/main" val="344776633"/>
       </p:ext>
     </p:extLst>
   </p:cSld>
@@ -1904,7 +1909,7 @@
             <a:fld id="{23031417-08DC-4991-BA64-45FCA174C9D0}" type="datetimeFigureOut">
               <a:rPr lang="en-AU" smtClean="0"/>
               <a:pPr/>
-              <a:t>25/09/2013</a:t>
+              <a:t>27/09/2013</a:t>
             </a:fld>
             <a:endParaRPr lang="en-AU"/>
           </a:p>
@@ -1956,7 +1961,7 @@
     </p:spTree>
     <p:extLst>
       <p:ext uri="{BB962C8B-B14F-4D97-AF65-F5344CB8AC3E}">
-        <p14:creationId xmlns:p14="http://schemas.microsoft.com/office/powerpoint/2010/main" xmlns="" val="1569838215"/>
+        <p14:creationId xmlns:p14="http://schemas.microsoft.com/office/powerpoint/2010/main" val="1569838215"/>
       </p:ext>
     </p:extLst>
   </p:cSld>
@@ -2001,7 +2006,7 @@
             <a:fld id="{23031417-08DC-4991-BA64-45FCA174C9D0}" type="datetimeFigureOut">
               <a:rPr lang="en-AU" smtClean="0"/>
               <a:pPr/>
-              <a:t>25/09/2013</a:t>
+              <a:t>27/09/2013</a:t>
             </a:fld>
             <a:endParaRPr lang="en-AU"/>
           </a:p>
@@ -2053,7 +2058,7 @@
     </p:spTree>
     <p:extLst>
       <p:ext uri="{BB962C8B-B14F-4D97-AF65-F5344CB8AC3E}">
-        <p14:creationId xmlns:p14="http://schemas.microsoft.com/office/powerpoint/2010/main" xmlns="" val="1917389887"/>
+        <p14:creationId xmlns:p14="http://schemas.microsoft.com/office/powerpoint/2010/main" val="1917389887"/>
       </p:ext>
     </p:extLst>
   </p:cSld>
@@ -2280,7 +2285,7 @@
             <a:fld id="{23031417-08DC-4991-BA64-45FCA174C9D0}" type="datetimeFigureOut">
               <a:rPr lang="en-AU" smtClean="0"/>
               <a:pPr/>
-              <a:t>25/09/2013</a:t>
+              <a:t>27/09/2013</a:t>
             </a:fld>
             <a:endParaRPr lang="en-AU"/>
           </a:p>
@@ -2332,7 +2337,7 @@
     </p:spTree>
     <p:extLst>
       <p:ext uri="{BB962C8B-B14F-4D97-AF65-F5344CB8AC3E}">
-        <p14:creationId xmlns:p14="http://schemas.microsoft.com/office/powerpoint/2010/main" xmlns="" val="3220937641"/>
+        <p14:creationId xmlns:p14="http://schemas.microsoft.com/office/powerpoint/2010/main" val="3220937641"/>
       </p:ext>
     </p:extLst>
   </p:cSld>
@@ -2535,7 +2540,7 @@
             <a:fld id="{23031417-08DC-4991-BA64-45FCA174C9D0}" type="datetimeFigureOut">
               <a:rPr lang="en-AU" smtClean="0"/>
               <a:pPr/>
-              <a:t>25/09/2013</a:t>
+              <a:t>27/09/2013</a:t>
             </a:fld>
             <a:endParaRPr lang="en-AU"/>
           </a:p>
@@ -2587,7 +2592,7 @@
     </p:spTree>
     <p:extLst>
       <p:ext uri="{BB962C8B-B14F-4D97-AF65-F5344CB8AC3E}">
-        <p14:creationId xmlns:p14="http://schemas.microsoft.com/office/powerpoint/2010/main" xmlns="" val="1649930473"/>
+        <p14:creationId xmlns:p14="http://schemas.microsoft.com/office/powerpoint/2010/main" val="1649930473"/>
       </p:ext>
     </p:extLst>
   </p:cSld>
@@ -2750,7 +2755,7 @@
             <a:fld id="{23031417-08DC-4991-BA64-45FCA174C9D0}" type="datetimeFigureOut">
               <a:rPr lang="en-AU" smtClean="0"/>
               <a:pPr/>
-              <a:t>25/09/2013</a:t>
+              <a:t>27/09/2013</a:t>
             </a:fld>
             <a:endParaRPr lang="en-AU"/>
           </a:p>
@@ -2838,7 +2843,7 @@
     </p:spTree>
     <p:extLst>
       <p:ext uri="{BB962C8B-B14F-4D97-AF65-F5344CB8AC3E}">
-        <p14:creationId xmlns:p14="http://schemas.microsoft.com/office/powerpoint/2010/main" xmlns="" val="477204356"/>
+        <p14:creationId xmlns:p14="http://schemas.microsoft.com/office/powerpoint/2010/main" val="477204356"/>
       </p:ext>
     </p:extLst>
   </p:cSld>
@@ -3166,7 +3171,7 @@
               <a:blip r:embed="rId2" cstate="print">
                 <a:extLst>
                   <a:ext uri="{28A0092B-C50C-407E-A947-70E740481C1C}">
-                    <a14:useLocalDpi xmlns:a14="http://schemas.microsoft.com/office/drawing/2010/main" xmlns="" val="0"/>
+                    <a14:useLocalDpi xmlns:a14="http://schemas.microsoft.com/office/drawing/2010/main" val="0"/>
                   </a:ext>
                 </a:extLst>
               </a:blip>
@@ -3189,14 +3194,14 @@
               </a:ln>
               <a:extLst>
                 <a:ext uri="{909E8E84-426E-40DD-AFC4-6F175D3DCCD1}">
-                  <a14:hiddenFill xmlns:a14="http://schemas.microsoft.com/office/drawing/2010/main" xmlns="">
+                  <a14:hiddenFill xmlns:a14="http://schemas.microsoft.com/office/drawing/2010/main">
                     <a:solidFill>
                       <a:schemeClr val="accent1"/>
                     </a:solidFill>
                   </a14:hiddenFill>
                 </a:ext>
                 <a:ext uri="{91240B29-F687-4F45-9708-019B960494DF}">
-                  <a14:hiddenLine xmlns:a14="http://schemas.microsoft.com/office/drawing/2010/main" xmlns="" w="9525">
+                  <a14:hiddenLine xmlns:a14="http://schemas.microsoft.com/office/drawing/2010/main" w="9525">
                     <a:solidFill>
                       <a:schemeClr val="tx1"/>
                     </a:solidFill>
@@ -3427,7 +3432,1538 @@
     </p:spTree>
     <p:extLst>
       <p:ext uri="{BB962C8B-B14F-4D97-AF65-F5344CB8AC3E}">
-        <p14:creationId xmlns:p14="http://schemas.microsoft.com/office/powerpoint/2010/main" xmlns="" val="3990381557"/>
+        <p14:creationId xmlns:p14="http://schemas.microsoft.com/office/powerpoint/2010/main" val="3990381557"/>
+      </p:ext>
+    </p:extLst>
+  </p:cSld>
+  <p:clrMapOvr>
+    <a:masterClrMapping/>
+  </p:clrMapOvr>
+</p:sld>
+</file>
+
+<file path=ppt/slides/slide10.xml><?xml version="1.0" encoding="utf-8"?>
+<p:sld xmlns:a="http://schemas.openxmlformats.org/drawingml/2006/main" xmlns:r="http://schemas.openxmlformats.org/officeDocument/2006/relationships" xmlns:p="http://schemas.openxmlformats.org/presentationml/2006/main">
+  <p:cSld>
+    <p:spTree>
+      <p:nvGrpSpPr>
+        <p:cNvPr id="1" name=""/>
+        <p:cNvGrpSpPr/>
+        <p:nvPr/>
+      </p:nvGrpSpPr>
+      <p:grpSpPr>
+        <a:xfrm>
+          <a:off x="0" y="0"/>
+          <a:ext cx="0" cy="0"/>
+          <a:chOff x="0" y="0"/>
+          <a:chExt cx="0" cy="0"/>
+        </a:xfrm>
+      </p:grpSpPr>
+      <p:pic>
+        <p:nvPicPr>
+          <p:cNvPr id="1028" name="Picture 4"/>
+          <p:cNvPicPr>
+            <a:picLocks noChangeAspect="1" noChangeArrowheads="1"/>
+          </p:cNvPicPr>
+          <p:nvPr/>
+        </p:nvPicPr>
+        <p:blipFill>
+          <a:blip r:embed="rId2" cstate="print"/>
+          <a:srcRect l="579" t="6338" r="7721" b="2161"/>
+          <a:stretch>
+            <a:fillRect/>
+          </a:stretch>
+        </p:blipFill>
+        <p:spPr bwMode="auto">
+          <a:xfrm>
+            <a:off x="1247217" y="879812"/>
+            <a:ext cx="3664265" cy="4899617"/>
+          </a:xfrm>
+          <a:prstGeom prst="rect">
+            <a:avLst/>
+          </a:prstGeom>
+          <a:noFill/>
+          <a:ln w="9525">
+            <a:noFill/>
+            <a:miter lim="800000"/>
+            <a:headEnd/>
+            <a:tailEnd/>
+          </a:ln>
+        </p:spPr>
+      </p:pic>
+    </p:spTree>
+  </p:cSld>
+  <p:clrMapOvr>
+    <a:masterClrMapping/>
+  </p:clrMapOvr>
+</p:sld>
+</file>
+
+<file path=ppt/slides/slide11.xml><?xml version="1.0" encoding="utf-8"?>
+<p:sld xmlns:a="http://schemas.openxmlformats.org/drawingml/2006/main" xmlns:r="http://schemas.openxmlformats.org/officeDocument/2006/relationships" xmlns:p="http://schemas.openxmlformats.org/presentationml/2006/main">
+  <p:cSld>
+    <p:spTree>
+      <p:nvGrpSpPr>
+        <p:cNvPr id="1" name=""/>
+        <p:cNvGrpSpPr/>
+        <p:nvPr/>
+      </p:nvGrpSpPr>
+      <p:grpSpPr>
+        <a:xfrm>
+          <a:off x="0" y="0"/>
+          <a:ext cx="0" cy="0"/>
+          <a:chOff x="0" y="0"/>
+          <a:chExt cx="0" cy="0"/>
+        </a:xfrm>
+      </p:grpSpPr>
+      <p:sp>
+        <p:nvSpPr>
+          <p:cNvPr id="4" name="Rectangle 3"/>
+          <p:cNvSpPr/>
+          <p:nvPr/>
+        </p:nvSpPr>
+        <p:spPr>
+          <a:xfrm>
+            <a:off x="0" y="0"/>
+            <a:ext cx="6120000" cy="8280000"/>
+          </a:xfrm>
+          <a:prstGeom prst="rect">
+            <a:avLst/>
+          </a:prstGeom>
+          <a:noFill/>
+          <a:ln w="6350"/>
+        </p:spPr>
+        <p:style>
+          <a:lnRef idx="2">
+            <a:schemeClr val="accent1">
+              <a:shade val="50000"/>
+            </a:schemeClr>
+          </a:lnRef>
+          <a:fillRef idx="1">
+            <a:schemeClr val="accent1"/>
+          </a:fillRef>
+          <a:effectRef idx="0">
+            <a:schemeClr val="accent1"/>
+          </a:effectRef>
+          <a:fontRef idx="minor">
+            <a:schemeClr val="lt1"/>
+          </a:fontRef>
+        </p:style>
+        <p:txBody>
+          <a:bodyPr rtlCol="0" anchor="ctr"/>
+          <a:lstStyle/>
+          <a:p>
+            <a:pPr algn="ctr"/>
+            <a:endParaRPr lang="en-AU"/>
+          </a:p>
+        </p:txBody>
+      </p:sp>
+      <p:sp>
+        <p:nvSpPr>
+          <p:cNvPr id="5" name="Rectangle 4"/>
+          <p:cNvSpPr/>
+          <p:nvPr/>
+        </p:nvSpPr>
+        <p:spPr>
+          <a:xfrm>
+            <a:off x="0" y="0"/>
+            <a:ext cx="3060000" cy="8280000"/>
+          </a:xfrm>
+          <a:prstGeom prst="rect">
+            <a:avLst/>
+          </a:prstGeom>
+          <a:noFill/>
+          <a:ln w="6350"/>
+        </p:spPr>
+        <p:style>
+          <a:lnRef idx="2">
+            <a:schemeClr val="accent1">
+              <a:shade val="50000"/>
+            </a:schemeClr>
+          </a:lnRef>
+          <a:fillRef idx="1">
+            <a:schemeClr val="accent1"/>
+          </a:fillRef>
+          <a:effectRef idx="0">
+            <a:schemeClr val="accent1"/>
+          </a:effectRef>
+          <a:fontRef idx="minor">
+            <a:schemeClr val="lt1"/>
+          </a:fontRef>
+        </p:style>
+        <p:txBody>
+          <a:bodyPr rtlCol="0" anchor="ctr"/>
+          <a:lstStyle/>
+          <a:p>
+            <a:pPr algn="ctr"/>
+            <a:endParaRPr lang="en-AU"/>
+          </a:p>
+        </p:txBody>
+      </p:sp>
+      <p:sp>
+        <p:nvSpPr>
+          <p:cNvPr id="6" name="Rectangle 5"/>
+          <p:cNvSpPr/>
+          <p:nvPr/>
+        </p:nvSpPr>
+        <p:spPr>
+          <a:xfrm>
+            <a:off x="0" y="1"/>
+            <a:ext cx="6120000" cy="4140000"/>
+          </a:xfrm>
+          <a:prstGeom prst="rect">
+            <a:avLst/>
+          </a:prstGeom>
+          <a:noFill/>
+          <a:ln w="3175"/>
+        </p:spPr>
+        <p:style>
+          <a:lnRef idx="2">
+            <a:schemeClr val="accent1">
+              <a:shade val="50000"/>
+            </a:schemeClr>
+          </a:lnRef>
+          <a:fillRef idx="1">
+            <a:schemeClr val="accent1"/>
+          </a:fillRef>
+          <a:effectRef idx="0">
+            <a:schemeClr val="accent1"/>
+          </a:effectRef>
+          <a:fontRef idx="minor">
+            <a:schemeClr val="lt1"/>
+          </a:fontRef>
+        </p:style>
+        <p:txBody>
+          <a:bodyPr rtlCol="0" anchor="ctr"/>
+          <a:lstStyle/>
+          <a:p>
+            <a:pPr algn="ctr"/>
+            <a:endParaRPr lang="en-AU"/>
+          </a:p>
+        </p:txBody>
+      </p:sp>
+      <p:sp>
+        <p:nvSpPr>
+          <p:cNvPr id="7" name="TextBox 6"/>
+          <p:cNvSpPr txBox="1"/>
+          <p:nvPr/>
+        </p:nvSpPr>
+        <p:spPr>
+          <a:xfrm>
+            <a:off x="0" y="2"/>
+            <a:ext cx="295274" cy="276999"/>
+          </a:xfrm>
+          <a:prstGeom prst="rect">
+            <a:avLst/>
+          </a:prstGeom>
+          <a:noFill/>
+        </p:spPr>
+        <p:txBody>
+          <a:bodyPr wrap="none" rtlCol="0">
+            <a:spAutoFit/>
+          </a:bodyPr>
+          <a:lstStyle/>
+          <a:p>
+            <a:r>
+              <a:rPr lang="en-AU" sz="1200" b="1" dirty="0" smtClean="0">
+                <a:latin typeface="Arial" panose="020B0604020202020204" pitchFamily="34" charset="0"/>
+                <a:cs typeface="Arial" panose="020B0604020202020204" pitchFamily="34" charset="0"/>
+              </a:rPr>
+              <a:t>A</a:t>
+            </a:r>
+            <a:endParaRPr lang="en-AU" sz="1200" b="1" dirty="0">
+              <a:latin typeface="Arial" panose="020B0604020202020204" pitchFamily="34" charset="0"/>
+              <a:cs typeface="Arial" panose="020B0604020202020204" pitchFamily="34" charset="0"/>
+            </a:endParaRPr>
+          </a:p>
+        </p:txBody>
+      </p:sp>
+      <p:sp>
+        <p:nvSpPr>
+          <p:cNvPr id="8" name="TextBox 7"/>
+          <p:cNvSpPr txBox="1"/>
+          <p:nvPr/>
+        </p:nvSpPr>
+        <p:spPr>
+          <a:xfrm>
+            <a:off x="3060000" y="-1"/>
+            <a:ext cx="295274" cy="276999"/>
+          </a:xfrm>
+          <a:prstGeom prst="rect">
+            <a:avLst/>
+          </a:prstGeom>
+          <a:noFill/>
+        </p:spPr>
+        <p:txBody>
+          <a:bodyPr wrap="none" rtlCol="0">
+            <a:spAutoFit/>
+          </a:bodyPr>
+          <a:lstStyle/>
+          <a:p>
+            <a:r>
+              <a:rPr lang="en-AU" sz="1200" b="1" dirty="0">
+                <a:latin typeface="Arial" panose="020B0604020202020204" pitchFamily="34" charset="0"/>
+                <a:cs typeface="Arial" panose="020B0604020202020204" pitchFamily="34" charset="0"/>
+              </a:rPr>
+              <a:t>B</a:t>
+            </a:r>
+          </a:p>
+        </p:txBody>
+      </p:sp>
+      <p:sp>
+        <p:nvSpPr>
+          <p:cNvPr id="9" name="TextBox 8"/>
+          <p:cNvSpPr txBox="1"/>
+          <p:nvPr/>
+        </p:nvSpPr>
+        <p:spPr>
+          <a:xfrm>
+            <a:off x="0" y="4140522"/>
+            <a:ext cx="295274" cy="276999"/>
+          </a:xfrm>
+          <a:prstGeom prst="rect">
+            <a:avLst/>
+          </a:prstGeom>
+          <a:noFill/>
+        </p:spPr>
+        <p:txBody>
+          <a:bodyPr wrap="none" rtlCol="0">
+            <a:spAutoFit/>
+          </a:bodyPr>
+          <a:lstStyle/>
+          <a:p>
+            <a:r>
+              <a:rPr lang="en-AU" sz="1200" b="1" dirty="0">
+                <a:latin typeface="Arial" panose="020B0604020202020204" pitchFamily="34" charset="0"/>
+                <a:cs typeface="Arial" panose="020B0604020202020204" pitchFamily="34" charset="0"/>
+              </a:rPr>
+              <a:t>C</a:t>
+            </a:r>
+          </a:p>
+        </p:txBody>
+      </p:sp>
+      <p:sp>
+        <p:nvSpPr>
+          <p:cNvPr id="10" name="TextBox 9"/>
+          <p:cNvSpPr txBox="1"/>
+          <p:nvPr/>
+        </p:nvSpPr>
+        <p:spPr>
+          <a:xfrm>
+            <a:off x="3060000" y="4154548"/>
+            <a:ext cx="295274" cy="276999"/>
+          </a:xfrm>
+          <a:prstGeom prst="rect">
+            <a:avLst/>
+          </a:prstGeom>
+          <a:noFill/>
+        </p:spPr>
+        <p:txBody>
+          <a:bodyPr wrap="none" rtlCol="0">
+            <a:spAutoFit/>
+          </a:bodyPr>
+          <a:lstStyle/>
+          <a:p>
+            <a:r>
+              <a:rPr lang="en-AU" sz="1200" b="1" dirty="0">
+                <a:latin typeface="Arial" panose="020B0604020202020204" pitchFamily="34" charset="0"/>
+                <a:cs typeface="Arial" panose="020B0604020202020204" pitchFamily="34" charset="0"/>
+              </a:rPr>
+              <a:t>D</a:t>
+            </a:r>
+          </a:p>
+        </p:txBody>
+      </p:sp>
+      <p:pic>
+        <p:nvPicPr>
+          <p:cNvPr id="3" name="Picture 2"/>
+          <p:cNvPicPr>
+            <a:picLocks noChangeAspect="1" noChangeArrowheads="1"/>
+          </p:cNvPicPr>
+          <p:nvPr/>
+        </p:nvPicPr>
+        <p:blipFill>
+          <a:blip r:embed="rId2" cstate="print">
+            <a:extLst>
+              <a:ext uri="{28A0092B-C50C-407E-A947-70E740481C1C}">
+                <a14:useLocalDpi xmlns:a14="http://schemas.microsoft.com/office/drawing/2010/main" val="0"/>
+              </a:ext>
+            </a:extLst>
+          </a:blip>
+          <a:srcRect/>
+          <a:stretch>
+            <a:fillRect/>
+          </a:stretch>
+        </p:blipFill>
+        <p:spPr bwMode="auto">
+          <a:xfrm>
+            <a:off x="35496" y="108074"/>
+            <a:ext cx="2988000" cy="3999695"/>
+          </a:xfrm>
+          <a:prstGeom prst="rect">
+            <a:avLst/>
+          </a:prstGeom>
+          <a:noFill/>
+          <a:ln>
+            <a:noFill/>
+          </a:ln>
+          <a:extLst>
+            <a:ext uri="{909E8E84-426E-40DD-AFC4-6F175D3DCCD1}">
+              <a14:hiddenFill xmlns:a14="http://schemas.microsoft.com/office/drawing/2010/main">
+                <a:solidFill>
+                  <a:schemeClr val="accent1"/>
+                </a:solidFill>
+              </a14:hiddenFill>
+            </a:ext>
+            <a:ext uri="{91240B29-F687-4F45-9708-019B960494DF}">
+              <a14:hiddenLine xmlns:a14="http://schemas.microsoft.com/office/drawing/2010/main" w="9525">
+                <a:solidFill>
+                  <a:schemeClr val="tx1"/>
+                </a:solidFill>
+                <a:miter lim="800000"/>
+                <a:headEnd/>
+                <a:tailEnd/>
+              </a14:hiddenLine>
+            </a:ext>
+          </a:extLst>
+        </p:spPr>
+      </p:pic>
+      <p:pic>
+        <p:nvPicPr>
+          <p:cNvPr id="1027" name="Picture 3"/>
+          <p:cNvPicPr>
+            <a:picLocks noChangeAspect="1" noChangeArrowheads="1"/>
+          </p:cNvPicPr>
+          <p:nvPr/>
+        </p:nvPicPr>
+        <p:blipFill>
+          <a:blip r:embed="rId3" cstate="print">
+            <a:extLst>
+              <a:ext uri="{28A0092B-C50C-407E-A947-70E740481C1C}">
+                <a14:useLocalDpi xmlns:a14="http://schemas.microsoft.com/office/drawing/2010/main" val="0"/>
+              </a:ext>
+            </a:extLst>
+          </a:blip>
+          <a:srcRect/>
+          <a:stretch>
+            <a:fillRect/>
+          </a:stretch>
+        </p:blipFill>
+        <p:spPr bwMode="auto">
+          <a:xfrm>
+            <a:off x="3096168" y="131919"/>
+            <a:ext cx="2988000" cy="4008603"/>
+          </a:xfrm>
+          <a:prstGeom prst="rect">
+            <a:avLst/>
+          </a:prstGeom>
+          <a:noFill/>
+          <a:ln>
+            <a:noFill/>
+          </a:ln>
+          <a:extLst>
+            <a:ext uri="{909E8E84-426E-40DD-AFC4-6F175D3DCCD1}">
+              <a14:hiddenFill xmlns:a14="http://schemas.microsoft.com/office/drawing/2010/main">
+                <a:solidFill>
+                  <a:schemeClr val="accent1"/>
+                </a:solidFill>
+              </a14:hiddenFill>
+            </a:ext>
+            <a:ext uri="{91240B29-F687-4F45-9708-019B960494DF}">
+              <a14:hiddenLine xmlns:a14="http://schemas.microsoft.com/office/drawing/2010/main" w="9525">
+                <a:solidFill>
+                  <a:schemeClr val="tx1"/>
+                </a:solidFill>
+                <a:miter lim="800000"/>
+                <a:headEnd/>
+                <a:tailEnd/>
+              </a14:hiddenLine>
+            </a:ext>
+          </a:extLst>
+        </p:spPr>
+      </p:pic>
+      <p:pic>
+        <p:nvPicPr>
+          <p:cNvPr id="11" name="Picture 4"/>
+          <p:cNvPicPr>
+            <a:picLocks noChangeAspect="1" noChangeArrowheads="1"/>
+          </p:cNvPicPr>
+          <p:nvPr/>
+        </p:nvPicPr>
+        <p:blipFill>
+          <a:blip r:embed="rId4" cstate="print">
+            <a:extLst>
+              <a:ext uri="{28A0092B-C50C-407E-A947-70E740481C1C}">
+                <a14:useLocalDpi xmlns:a14="http://schemas.microsoft.com/office/drawing/2010/main" val="0"/>
+              </a:ext>
+            </a:extLst>
+          </a:blip>
+          <a:srcRect/>
+          <a:stretch>
+            <a:fillRect/>
+          </a:stretch>
+        </p:blipFill>
+        <p:spPr bwMode="auto">
+          <a:xfrm>
+            <a:off x="72000" y="4279021"/>
+            <a:ext cx="2988000" cy="3999695"/>
+          </a:xfrm>
+          <a:prstGeom prst="rect">
+            <a:avLst/>
+          </a:prstGeom>
+          <a:noFill/>
+          <a:ln>
+            <a:noFill/>
+          </a:ln>
+          <a:extLst>
+            <a:ext uri="{909E8E84-426E-40DD-AFC4-6F175D3DCCD1}">
+              <a14:hiddenFill xmlns:a14="http://schemas.microsoft.com/office/drawing/2010/main">
+                <a:solidFill>
+                  <a:schemeClr val="accent1"/>
+                </a:solidFill>
+              </a14:hiddenFill>
+            </a:ext>
+            <a:ext uri="{91240B29-F687-4F45-9708-019B960494DF}">
+              <a14:hiddenLine xmlns:a14="http://schemas.microsoft.com/office/drawing/2010/main" w="9525">
+                <a:solidFill>
+                  <a:schemeClr val="tx1"/>
+                </a:solidFill>
+                <a:miter lim="800000"/>
+                <a:headEnd/>
+                <a:tailEnd/>
+              </a14:hiddenLine>
+            </a:ext>
+          </a:extLst>
+        </p:spPr>
+      </p:pic>
+      <p:pic>
+        <p:nvPicPr>
+          <p:cNvPr id="12" name="Picture 5"/>
+          <p:cNvPicPr>
+            <a:picLocks noChangeAspect="1" noChangeArrowheads="1"/>
+          </p:cNvPicPr>
+          <p:nvPr/>
+        </p:nvPicPr>
+        <p:blipFill>
+          <a:blip r:embed="rId5" cstate="print">
+            <a:extLst>
+              <a:ext uri="{28A0092B-C50C-407E-A947-70E740481C1C}">
+                <a14:useLocalDpi xmlns:a14="http://schemas.microsoft.com/office/drawing/2010/main" val="0"/>
+              </a:ext>
+            </a:extLst>
+          </a:blip>
+          <a:srcRect/>
+          <a:stretch>
+            <a:fillRect/>
+          </a:stretch>
+        </p:blipFill>
+        <p:spPr bwMode="auto">
+          <a:xfrm>
+            <a:off x="3119400" y="4300110"/>
+            <a:ext cx="2988000" cy="3996688"/>
+          </a:xfrm>
+          <a:prstGeom prst="rect">
+            <a:avLst/>
+          </a:prstGeom>
+          <a:noFill/>
+          <a:ln>
+            <a:noFill/>
+          </a:ln>
+          <a:extLst>
+            <a:ext uri="{909E8E84-426E-40DD-AFC4-6F175D3DCCD1}">
+              <a14:hiddenFill xmlns:a14="http://schemas.microsoft.com/office/drawing/2010/main">
+                <a:solidFill>
+                  <a:schemeClr val="accent1"/>
+                </a:solidFill>
+              </a14:hiddenFill>
+            </a:ext>
+            <a:ext uri="{91240B29-F687-4F45-9708-019B960494DF}">
+              <a14:hiddenLine xmlns:a14="http://schemas.microsoft.com/office/drawing/2010/main" w="9525">
+                <a:solidFill>
+                  <a:schemeClr val="tx1"/>
+                </a:solidFill>
+                <a:miter lim="800000"/>
+                <a:headEnd/>
+                <a:tailEnd/>
+              </a14:hiddenLine>
+            </a:ext>
+          </a:extLst>
+        </p:spPr>
+      </p:pic>
+    </p:spTree>
+    <p:extLst>
+      <p:ext uri="{BB962C8B-B14F-4D97-AF65-F5344CB8AC3E}">
+        <p14:creationId xmlns:p14="http://schemas.microsoft.com/office/powerpoint/2010/main" val="3589790898"/>
+      </p:ext>
+    </p:extLst>
+  </p:cSld>
+  <p:clrMapOvr>
+    <a:masterClrMapping/>
+  </p:clrMapOvr>
+</p:sld>
+</file>
+
+<file path=ppt/slides/slide12.xml><?xml version="1.0" encoding="utf-8"?>
+<p:sld xmlns:a="http://schemas.openxmlformats.org/drawingml/2006/main" xmlns:r="http://schemas.openxmlformats.org/officeDocument/2006/relationships" xmlns:p="http://schemas.openxmlformats.org/presentationml/2006/main">
+  <p:cSld>
+    <p:spTree>
+      <p:nvGrpSpPr>
+        <p:cNvPr id="1" name=""/>
+        <p:cNvGrpSpPr/>
+        <p:nvPr/>
+      </p:nvGrpSpPr>
+      <p:grpSpPr>
+        <a:xfrm>
+          <a:off x="0" y="0"/>
+          <a:ext cx="0" cy="0"/>
+          <a:chOff x="0" y="0"/>
+          <a:chExt cx="0" cy="0"/>
+        </a:xfrm>
+      </p:grpSpPr>
+      <p:sp>
+        <p:nvSpPr>
+          <p:cNvPr id="4" name="Rectangle 3"/>
+          <p:cNvSpPr/>
+          <p:nvPr/>
+        </p:nvSpPr>
+        <p:spPr>
+          <a:xfrm>
+            <a:off x="0" y="0"/>
+            <a:ext cx="6120000" cy="8280000"/>
+          </a:xfrm>
+          <a:prstGeom prst="rect">
+            <a:avLst/>
+          </a:prstGeom>
+          <a:noFill/>
+          <a:ln w="6350"/>
+        </p:spPr>
+        <p:style>
+          <a:lnRef idx="2">
+            <a:schemeClr val="accent1">
+              <a:shade val="50000"/>
+            </a:schemeClr>
+          </a:lnRef>
+          <a:fillRef idx="1">
+            <a:schemeClr val="accent1"/>
+          </a:fillRef>
+          <a:effectRef idx="0">
+            <a:schemeClr val="accent1"/>
+          </a:effectRef>
+          <a:fontRef idx="minor">
+            <a:schemeClr val="lt1"/>
+          </a:fontRef>
+        </p:style>
+        <p:txBody>
+          <a:bodyPr rtlCol="0" anchor="ctr"/>
+          <a:lstStyle/>
+          <a:p>
+            <a:pPr algn="ctr"/>
+            <a:endParaRPr lang="en-AU"/>
+          </a:p>
+        </p:txBody>
+      </p:sp>
+      <p:sp>
+        <p:nvSpPr>
+          <p:cNvPr id="5" name="Rectangle 4"/>
+          <p:cNvSpPr/>
+          <p:nvPr/>
+        </p:nvSpPr>
+        <p:spPr>
+          <a:xfrm>
+            <a:off x="0" y="0"/>
+            <a:ext cx="3060000" cy="8280000"/>
+          </a:xfrm>
+          <a:prstGeom prst="rect">
+            <a:avLst/>
+          </a:prstGeom>
+          <a:noFill/>
+          <a:ln w="6350"/>
+        </p:spPr>
+        <p:style>
+          <a:lnRef idx="2">
+            <a:schemeClr val="accent1">
+              <a:shade val="50000"/>
+            </a:schemeClr>
+          </a:lnRef>
+          <a:fillRef idx="1">
+            <a:schemeClr val="accent1"/>
+          </a:fillRef>
+          <a:effectRef idx="0">
+            <a:schemeClr val="accent1"/>
+          </a:effectRef>
+          <a:fontRef idx="minor">
+            <a:schemeClr val="lt1"/>
+          </a:fontRef>
+        </p:style>
+        <p:txBody>
+          <a:bodyPr rtlCol="0" anchor="ctr"/>
+          <a:lstStyle/>
+          <a:p>
+            <a:pPr algn="ctr"/>
+            <a:endParaRPr lang="en-AU"/>
+          </a:p>
+        </p:txBody>
+      </p:sp>
+      <p:sp>
+        <p:nvSpPr>
+          <p:cNvPr id="6" name="Rectangle 5"/>
+          <p:cNvSpPr/>
+          <p:nvPr/>
+        </p:nvSpPr>
+        <p:spPr>
+          <a:xfrm>
+            <a:off x="0" y="1"/>
+            <a:ext cx="6120000" cy="4140000"/>
+          </a:xfrm>
+          <a:prstGeom prst="rect">
+            <a:avLst/>
+          </a:prstGeom>
+          <a:noFill/>
+          <a:ln w="3175"/>
+        </p:spPr>
+        <p:style>
+          <a:lnRef idx="2">
+            <a:schemeClr val="accent1">
+              <a:shade val="50000"/>
+            </a:schemeClr>
+          </a:lnRef>
+          <a:fillRef idx="1">
+            <a:schemeClr val="accent1"/>
+          </a:fillRef>
+          <a:effectRef idx="0">
+            <a:schemeClr val="accent1"/>
+          </a:effectRef>
+          <a:fontRef idx="minor">
+            <a:schemeClr val="lt1"/>
+          </a:fontRef>
+        </p:style>
+        <p:txBody>
+          <a:bodyPr rtlCol="0" anchor="ctr"/>
+          <a:lstStyle/>
+          <a:p>
+            <a:pPr algn="ctr"/>
+            <a:endParaRPr lang="en-AU"/>
+          </a:p>
+        </p:txBody>
+      </p:sp>
+      <p:sp>
+        <p:nvSpPr>
+          <p:cNvPr id="7" name="TextBox 6"/>
+          <p:cNvSpPr txBox="1"/>
+          <p:nvPr/>
+        </p:nvSpPr>
+        <p:spPr>
+          <a:xfrm>
+            <a:off x="0" y="2"/>
+            <a:ext cx="295274" cy="276999"/>
+          </a:xfrm>
+          <a:prstGeom prst="rect">
+            <a:avLst/>
+          </a:prstGeom>
+          <a:noFill/>
+        </p:spPr>
+        <p:txBody>
+          <a:bodyPr wrap="none" rtlCol="0">
+            <a:spAutoFit/>
+          </a:bodyPr>
+          <a:lstStyle/>
+          <a:p>
+            <a:r>
+              <a:rPr lang="en-AU" sz="1200" b="1" dirty="0" smtClean="0">
+                <a:latin typeface="Arial" panose="020B0604020202020204" pitchFamily="34" charset="0"/>
+                <a:cs typeface="Arial" panose="020B0604020202020204" pitchFamily="34" charset="0"/>
+              </a:rPr>
+              <a:t>A</a:t>
+            </a:r>
+            <a:endParaRPr lang="en-AU" sz="1200" b="1" dirty="0">
+              <a:latin typeface="Arial" panose="020B0604020202020204" pitchFamily="34" charset="0"/>
+              <a:cs typeface="Arial" panose="020B0604020202020204" pitchFamily="34" charset="0"/>
+            </a:endParaRPr>
+          </a:p>
+        </p:txBody>
+      </p:sp>
+      <p:sp>
+        <p:nvSpPr>
+          <p:cNvPr id="8" name="TextBox 7"/>
+          <p:cNvSpPr txBox="1"/>
+          <p:nvPr/>
+        </p:nvSpPr>
+        <p:spPr>
+          <a:xfrm>
+            <a:off x="3060000" y="-1"/>
+            <a:ext cx="295274" cy="276999"/>
+          </a:xfrm>
+          <a:prstGeom prst="rect">
+            <a:avLst/>
+          </a:prstGeom>
+          <a:noFill/>
+        </p:spPr>
+        <p:txBody>
+          <a:bodyPr wrap="none" rtlCol="0">
+            <a:spAutoFit/>
+          </a:bodyPr>
+          <a:lstStyle/>
+          <a:p>
+            <a:r>
+              <a:rPr lang="en-AU" sz="1200" b="1" dirty="0">
+                <a:latin typeface="Arial" panose="020B0604020202020204" pitchFamily="34" charset="0"/>
+                <a:cs typeface="Arial" panose="020B0604020202020204" pitchFamily="34" charset="0"/>
+              </a:rPr>
+              <a:t>B</a:t>
+            </a:r>
+          </a:p>
+        </p:txBody>
+      </p:sp>
+      <p:sp>
+        <p:nvSpPr>
+          <p:cNvPr id="9" name="TextBox 8"/>
+          <p:cNvSpPr txBox="1"/>
+          <p:nvPr/>
+        </p:nvSpPr>
+        <p:spPr>
+          <a:xfrm>
+            <a:off x="0" y="4140522"/>
+            <a:ext cx="295274" cy="276999"/>
+          </a:xfrm>
+          <a:prstGeom prst="rect">
+            <a:avLst/>
+          </a:prstGeom>
+          <a:noFill/>
+        </p:spPr>
+        <p:txBody>
+          <a:bodyPr wrap="none" rtlCol="0">
+            <a:spAutoFit/>
+          </a:bodyPr>
+          <a:lstStyle/>
+          <a:p>
+            <a:r>
+              <a:rPr lang="en-AU" sz="1200" b="1" dirty="0">
+                <a:latin typeface="Arial" panose="020B0604020202020204" pitchFamily="34" charset="0"/>
+                <a:cs typeface="Arial" panose="020B0604020202020204" pitchFamily="34" charset="0"/>
+              </a:rPr>
+              <a:t>C</a:t>
+            </a:r>
+          </a:p>
+        </p:txBody>
+      </p:sp>
+      <p:sp>
+        <p:nvSpPr>
+          <p:cNvPr id="10" name="TextBox 9"/>
+          <p:cNvSpPr txBox="1"/>
+          <p:nvPr/>
+        </p:nvSpPr>
+        <p:spPr>
+          <a:xfrm>
+            <a:off x="3060000" y="4154548"/>
+            <a:ext cx="295274" cy="276999"/>
+          </a:xfrm>
+          <a:prstGeom prst="rect">
+            <a:avLst/>
+          </a:prstGeom>
+          <a:noFill/>
+        </p:spPr>
+        <p:txBody>
+          <a:bodyPr wrap="none" rtlCol="0">
+            <a:spAutoFit/>
+          </a:bodyPr>
+          <a:lstStyle/>
+          <a:p>
+            <a:r>
+              <a:rPr lang="en-AU" sz="1200" b="1" dirty="0">
+                <a:latin typeface="Arial" panose="020B0604020202020204" pitchFamily="34" charset="0"/>
+                <a:cs typeface="Arial" panose="020B0604020202020204" pitchFamily="34" charset="0"/>
+              </a:rPr>
+              <a:t>D</a:t>
+            </a:r>
+          </a:p>
+        </p:txBody>
+      </p:sp>
+      <p:pic>
+        <p:nvPicPr>
+          <p:cNvPr id="3" name="Picture 2"/>
+          <p:cNvPicPr>
+            <a:picLocks noChangeAspect="1" noChangeArrowheads="1"/>
+          </p:cNvPicPr>
+          <p:nvPr/>
+        </p:nvPicPr>
+        <p:blipFill rotWithShape="1">
+          <a:blip r:embed="rId2" cstate="print">
+            <a:extLst>
+              <a:ext uri="{28A0092B-C50C-407E-A947-70E740481C1C}">
+                <a14:useLocalDpi xmlns:a14="http://schemas.microsoft.com/office/drawing/2010/main" val="0"/>
+              </a:ext>
+            </a:extLst>
+          </a:blip>
+          <a:srcRect l="621" t="6299" r="7816" b="1896"/>
+          <a:stretch/>
+        </p:blipFill>
+        <p:spPr bwMode="auto">
+          <a:xfrm>
+            <a:off x="162000" y="396000"/>
+            <a:ext cx="2736000" cy="3672000"/>
+          </a:xfrm>
+          <a:prstGeom prst="rect">
+            <a:avLst/>
+          </a:prstGeom>
+          <a:noFill/>
+          <a:ln>
+            <a:noFill/>
+          </a:ln>
+          <a:extLst>
+            <a:ext uri="{909E8E84-426E-40DD-AFC4-6F175D3DCCD1}">
+              <a14:hiddenFill xmlns:a14="http://schemas.microsoft.com/office/drawing/2010/main">
+                <a:solidFill>
+                  <a:schemeClr val="accent1"/>
+                </a:solidFill>
+              </a14:hiddenFill>
+            </a:ext>
+            <a:ext uri="{91240B29-F687-4F45-9708-019B960494DF}">
+              <a14:hiddenLine xmlns:a14="http://schemas.microsoft.com/office/drawing/2010/main" w="9525">
+                <a:solidFill>
+                  <a:schemeClr val="tx1"/>
+                </a:solidFill>
+                <a:miter lim="800000"/>
+                <a:headEnd/>
+                <a:tailEnd/>
+              </a14:hiddenLine>
+            </a:ext>
+          </a:extLst>
+        </p:spPr>
+      </p:pic>
+      <p:pic>
+        <p:nvPicPr>
+          <p:cNvPr id="1027" name="Picture 3"/>
+          <p:cNvPicPr>
+            <a:picLocks noChangeAspect="1" noChangeArrowheads="1"/>
+          </p:cNvPicPr>
+          <p:nvPr/>
+        </p:nvPicPr>
+        <p:blipFill rotWithShape="1">
+          <a:blip r:embed="rId3" cstate="print">
+            <a:extLst>
+              <a:ext uri="{28A0092B-C50C-407E-A947-70E740481C1C}">
+                <a14:useLocalDpi xmlns:a14="http://schemas.microsoft.com/office/drawing/2010/main" val="0"/>
+              </a:ext>
+            </a:extLst>
+          </a:blip>
+          <a:srcRect l="597" t="6588" r="7837" b="1810"/>
+          <a:stretch/>
+        </p:blipFill>
+        <p:spPr bwMode="auto">
+          <a:xfrm>
+            <a:off x="3222000" y="396000"/>
+            <a:ext cx="2736000" cy="3672000"/>
+          </a:xfrm>
+          <a:prstGeom prst="rect">
+            <a:avLst/>
+          </a:prstGeom>
+          <a:noFill/>
+          <a:ln>
+            <a:noFill/>
+          </a:ln>
+          <a:extLst>
+            <a:ext uri="{909E8E84-426E-40DD-AFC4-6F175D3DCCD1}">
+              <a14:hiddenFill xmlns:a14="http://schemas.microsoft.com/office/drawing/2010/main">
+                <a:solidFill>
+                  <a:schemeClr val="accent1"/>
+                </a:solidFill>
+              </a14:hiddenFill>
+            </a:ext>
+            <a:ext uri="{91240B29-F687-4F45-9708-019B960494DF}">
+              <a14:hiddenLine xmlns:a14="http://schemas.microsoft.com/office/drawing/2010/main" w="9525">
+                <a:solidFill>
+                  <a:schemeClr val="tx1"/>
+                </a:solidFill>
+                <a:miter lim="800000"/>
+                <a:headEnd/>
+                <a:tailEnd/>
+              </a14:hiddenLine>
+            </a:ext>
+          </a:extLst>
+        </p:spPr>
+      </p:pic>
+      <p:pic>
+        <p:nvPicPr>
+          <p:cNvPr id="11" name="Picture 4"/>
+          <p:cNvPicPr>
+            <a:picLocks noChangeAspect="1" noChangeArrowheads="1"/>
+          </p:cNvPicPr>
+          <p:nvPr/>
+        </p:nvPicPr>
+        <p:blipFill rotWithShape="1">
+          <a:blip r:embed="rId4" cstate="print">
+            <a:extLst>
+              <a:ext uri="{28A0092B-C50C-407E-A947-70E740481C1C}">
+                <a14:useLocalDpi xmlns:a14="http://schemas.microsoft.com/office/drawing/2010/main" val="0"/>
+              </a:ext>
+            </a:extLst>
+          </a:blip>
+          <a:srcRect l="603" t="6426" r="7831" b="1768"/>
+          <a:stretch/>
+        </p:blipFill>
+        <p:spPr bwMode="auto">
+          <a:xfrm>
+            <a:off x="162000" y="4428000"/>
+            <a:ext cx="2736000" cy="3672000"/>
+          </a:xfrm>
+          <a:prstGeom prst="rect">
+            <a:avLst/>
+          </a:prstGeom>
+          <a:noFill/>
+          <a:ln>
+            <a:noFill/>
+          </a:ln>
+          <a:extLst>
+            <a:ext uri="{909E8E84-426E-40DD-AFC4-6F175D3DCCD1}">
+              <a14:hiddenFill xmlns:a14="http://schemas.microsoft.com/office/drawing/2010/main">
+                <a:solidFill>
+                  <a:schemeClr val="accent1"/>
+                </a:solidFill>
+              </a14:hiddenFill>
+            </a:ext>
+            <a:ext uri="{91240B29-F687-4F45-9708-019B960494DF}">
+              <a14:hiddenLine xmlns:a14="http://schemas.microsoft.com/office/drawing/2010/main" w="9525">
+                <a:solidFill>
+                  <a:schemeClr val="tx1"/>
+                </a:solidFill>
+                <a:miter lim="800000"/>
+                <a:headEnd/>
+                <a:tailEnd/>
+              </a14:hiddenLine>
+            </a:ext>
+          </a:extLst>
+        </p:spPr>
+      </p:pic>
+      <p:pic>
+        <p:nvPicPr>
+          <p:cNvPr id="12" name="Picture 5"/>
+          <p:cNvPicPr>
+            <a:picLocks noChangeAspect="1" noChangeArrowheads="1"/>
+          </p:cNvPicPr>
+          <p:nvPr/>
+        </p:nvPicPr>
+        <p:blipFill rotWithShape="1">
+          <a:blip r:embed="rId5" cstate="print">
+            <a:extLst>
+              <a:ext uri="{28A0092B-C50C-407E-A947-70E740481C1C}">
+                <a14:useLocalDpi xmlns:a14="http://schemas.microsoft.com/office/drawing/2010/main" val="0"/>
+              </a:ext>
+            </a:extLst>
+          </a:blip>
+          <a:srcRect l="422" t="5901" r="8012" b="2222"/>
+          <a:stretch/>
+        </p:blipFill>
+        <p:spPr bwMode="auto">
+          <a:xfrm>
+            <a:off x="3222000" y="4428000"/>
+            <a:ext cx="2736000" cy="3672000"/>
+          </a:xfrm>
+          <a:prstGeom prst="rect">
+            <a:avLst/>
+          </a:prstGeom>
+          <a:noFill/>
+          <a:ln>
+            <a:noFill/>
+          </a:ln>
+          <a:extLst>
+            <a:ext uri="{909E8E84-426E-40DD-AFC4-6F175D3DCCD1}">
+              <a14:hiddenFill xmlns:a14="http://schemas.microsoft.com/office/drawing/2010/main">
+                <a:solidFill>
+                  <a:schemeClr val="accent1"/>
+                </a:solidFill>
+              </a14:hiddenFill>
+            </a:ext>
+            <a:ext uri="{91240B29-F687-4F45-9708-019B960494DF}">
+              <a14:hiddenLine xmlns:a14="http://schemas.microsoft.com/office/drawing/2010/main" w="9525">
+                <a:solidFill>
+                  <a:schemeClr val="tx1"/>
+                </a:solidFill>
+                <a:miter lim="800000"/>
+                <a:headEnd/>
+                <a:tailEnd/>
+              </a14:hiddenLine>
+            </a:ext>
+          </a:extLst>
+        </p:spPr>
+      </p:pic>
+      <p:pic>
+        <p:nvPicPr>
+          <p:cNvPr id="13" name="Picture 5"/>
+          <p:cNvPicPr>
+            <a:picLocks noChangeAspect="1" noChangeArrowheads="1"/>
+          </p:cNvPicPr>
+          <p:nvPr/>
+        </p:nvPicPr>
+        <p:blipFill rotWithShape="1">
+          <a:blip r:embed="rId6" cstate="print">
+            <a:extLst>
+              <a:ext uri="{28A0092B-C50C-407E-A947-70E740481C1C}">
+                <a14:useLocalDpi xmlns:a14="http://schemas.microsoft.com/office/drawing/2010/main" val="0"/>
+              </a:ext>
+            </a:extLst>
+          </a:blip>
+          <a:srcRect l="1197" t="2683" r="8" b="93714"/>
+          <a:stretch/>
+        </p:blipFill>
+        <p:spPr bwMode="auto">
+          <a:xfrm>
+            <a:off x="1584000" y="238200"/>
+            <a:ext cx="2952000" cy="144000"/>
+          </a:xfrm>
+          <a:prstGeom prst="rect">
+            <a:avLst/>
+          </a:prstGeom>
+          <a:noFill/>
+          <a:ln>
+            <a:noFill/>
+          </a:ln>
+          <a:extLst>
+            <a:ext uri="{909E8E84-426E-40DD-AFC4-6F175D3DCCD1}">
+              <a14:hiddenFill xmlns:a14="http://schemas.microsoft.com/office/drawing/2010/main">
+                <a:solidFill>
+                  <a:schemeClr val="accent1"/>
+                </a:solidFill>
+              </a14:hiddenFill>
+            </a:ext>
+            <a:ext uri="{91240B29-F687-4F45-9708-019B960494DF}">
+              <a14:hiddenLine xmlns:a14="http://schemas.microsoft.com/office/drawing/2010/main" w="9525">
+                <a:solidFill>
+                  <a:schemeClr val="tx1"/>
+                </a:solidFill>
+                <a:miter lim="800000"/>
+                <a:headEnd/>
+                <a:tailEnd/>
+              </a14:hiddenLine>
+            </a:ext>
+          </a:extLst>
+        </p:spPr>
+      </p:pic>
+    </p:spTree>
+    <p:extLst>
+      <p:ext uri="{BB962C8B-B14F-4D97-AF65-F5344CB8AC3E}">
+        <p14:creationId xmlns:p14="http://schemas.microsoft.com/office/powerpoint/2010/main" val="3737398496"/>
+      </p:ext>
+    </p:extLst>
+  </p:cSld>
+  <p:clrMapOvr>
+    <a:masterClrMapping/>
+  </p:clrMapOvr>
+</p:sld>
+</file>
+
+<file path=ppt/slides/slide13.xml><?xml version="1.0" encoding="utf-8"?>
+<p:sld xmlns:a="http://schemas.openxmlformats.org/drawingml/2006/main" xmlns:r="http://schemas.openxmlformats.org/officeDocument/2006/relationships" xmlns:p="http://schemas.openxmlformats.org/presentationml/2006/main">
+  <p:cSld>
+    <p:spTree>
+      <p:nvGrpSpPr>
+        <p:cNvPr id="1" name=""/>
+        <p:cNvGrpSpPr/>
+        <p:nvPr/>
+      </p:nvGrpSpPr>
+      <p:grpSpPr>
+        <a:xfrm>
+          <a:off x="0" y="0"/>
+          <a:ext cx="0" cy="0"/>
+          <a:chOff x="0" y="0"/>
+          <a:chExt cx="0" cy="0"/>
+        </a:xfrm>
+      </p:grpSpPr>
+      <p:sp>
+        <p:nvSpPr>
+          <p:cNvPr id="7" name="TextBox 6"/>
+          <p:cNvSpPr txBox="1"/>
+          <p:nvPr/>
+        </p:nvSpPr>
+        <p:spPr>
+          <a:xfrm>
+            <a:off x="0" y="191115"/>
+            <a:ext cx="295274" cy="276999"/>
+          </a:xfrm>
+          <a:prstGeom prst="rect">
+            <a:avLst/>
+          </a:prstGeom>
+          <a:noFill/>
+        </p:spPr>
+        <p:txBody>
+          <a:bodyPr wrap="none" rtlCol="0">
+            <a:spAutoFit/>
+          </a:bodyPr>
+          <a:lstStyle/>
+          <a:p>
+            <a:r>
+              <a:rPr lang="en-AU" sz="1200" b="1" dirty="0" smtClean="0">
+                <a:latin typeface="Arial" panose="020B0604020202020204" pitchFamily="34" charset="0"/>
+                <a:cs typeface="Arial" panose="020B0604020202020204" pitchFamily="34" charset="0"/>
+              </a:rPr>
+              <a:t>A</a:t>
+            </a:r>
+            <a:endParaRPr lang="en-AU" sz="1200" b="1" dirty="0">
+              <a:latin typeface="Arial" panose="020B0604020202020204" pitchFamily="34" charset="0"/>
+              <a:cs typeface="Arial" panose="020B0604020202020204" pitchFamily="34" charset="0"/>
+            </a:endParaRPr>
+          </a:p>
+        </p:txBody>
+      </p:sp>
+      <p:sp>
+        <p:nvSpPr>
+          <p:cNvPr id="8" name="TextBox 7"/>
+          <p:cNvSpPr txBox="1"/>
+          <p:nvPr/>
+        </p:nvSpPr>
+        <p:spPr>
+          <a:xfrm>
+            <a:off x="3060000" y="191115"/>
+            <a:ext cx="295274" cy="276999"/>
+          </a:xfrm>
+          <a:prstGeom prst="rect">
+            <a:avLst/>
+          </a:prstGeom>
+          <a:noFill/>
+        </p:spPr>
+        <p:txBody>
+          <a:bodyPr wrap="none" rtlCol="0">
+            <a:spAutoFit/>
+          </a:bodyPr>
+          <a:lstStyle/>
+          <a:p>
+            <a:r>
+              <a:rPr lang="en-AU" sz="1200" b="1" dirty="0">
+                <a:latin typeface="Arial" panose="020B0604020202020204" pitchFamily="34" charset="0"/>
+                <a:cs typeface="Arial" panose="020B0604020202020204" pitchFamily="34" charset="0"/>
+              </a:rPr>
+              <a:t>B</a:t>
+            </a:r>
+          </a:p>
+        </p:txBody>
+      </p:sp>
+      <p:sp>
+        <p:nvSpPr>
+          <p:cNvPr id="9" name="TextBox 8"/>
+          <p:cNvSpPr txBox="1"/>
+          <p:nvPr/>
+        </p:nvSpPr>
+        <p:spPr>
+          <a:xfrm>
+            <a:off x="0" y="4140522"/>
+            <a:ext cx="295274" cy="276999"/>
+          </a:xfrm>
+          <a:prstGeom prst="rect">
+            <a:avLst/>
+          </a:prstGeom>
+          <a:noFill/>
+        </p:spPr>
+        <p:txBody>
+          <a:bodyPr wrap="none" rtlCol="0">
+            <a:spAutoFit/>
+          </a:bodyPr>
+          <a:lstStyle/>
+          <a:p>
+            <a:r>
+              <a:rPr lang="en-AU" sz="1200" b="1" dirty="0">
+                <a:latin typeface="Arial" panose="020B0604020202020204" pitchFamily="34" charset="0"/>
+                <a:cs typeface="Arial" panose="020B0604020202020204" pitchFamily="34" charset="0"/>
+              </a:rPr>
+              <a:t>C</a:t>
+            </a:r>
+          </a:p>
+        </p:txBody>
+      </p:sp>
+      <p:sp>
+        <p:nvSpPr>
+          <p:cNvPr id="10" name="TextBox 9"/>
+          <p:cNvSpPr txBox="1"/>
+          <p:nvPr/>
+        </p:nvSpPr>
+        <p:spPr>
+          <a:xfrm>
+            <a:off x="3060000" y="4154548"/>
+            <a:ext cx="295274" cy="276999"/>
+          </a:xfrm>
+          <a:prstGeom prst="rect">
+            <a:avLst/>
+          </a:prstGeom>
+          <a:noFill/>
+        </p:spPr>
+        <p:txBody>
+          <a:bodyPr wrap="none" rtlCol="0">
+            <a:spAutoFit/>
+          </a:bodyPr>
+          <a:lstStyle/>
+          <a:p>
+            <a:r>
+              <a:rPr lang="en-AU" sz="1200" b="1" dirty="0">
+                <a:latin typeface="Arial" panose="020B0604020202020204" pitchFamily="34" charset="0"/>
+                <a:cs typeface="Arial" panose="020B0604020202020204" pitchFamily="34" charset="0"/>
+              </a:rPr>
+              <a:t>D</a:t>
+            </a:r>
+          </a:p>
+        </p:txBody>
+      </p:sp>
+      <p:pic>
+        <p:nvPicPr>
+          <p:cNvPr id="3" name="Picture 2"/>
+          <p:cNvPicPr>
+            <a:picLocks noChangeAspect="1" noChangeArrowheads="1"/>
+          </p:cNvPicPr>
+          <p:nvPr/>
+        </p:nvPicPr>
+        <p:blipFill rotWithShape="1">
+          <a:blip r:embed="rId2" cstate="print">
+            <a:extLst>
+              <a:ext uri="{28A0092B-C50C-407E-A947-70E740481C1C}">
+                <a14:useLocalDpi xmlns:a14="http://schemas.microsoft.com/office/drawing/2010/main" val="0"/>
+              </a:ext>
+            </a:extLst>
+          </a:blip>
+          <a:srcRect l="621" t="6299" r="7816" b="1896"/>
+          <a:stretch/>
+        </p:blipFill>
+        <p:spPr bwMode="auto">
+          <a:xfrm>
+            <a:off x="162000" y="396000"/>
+            <a:ext cx="2736000" cy="3672000"/>
+          </a:xfrm>
+          <a:prstGeom prst="rect">
+            <a:avLst/>
+          </a:prstGeom>
+          <a:noFill/>
+          <a:ln>
+            <a:noFill/>
+          </a:ln>
+          <a:extLst>
+            <a:ext uri="{909E8E84-426E-40DD-AFC4-6F175D3DCCD1}">
+              <a14:hiddenFill xmlns:a14="http://schemas.microsoft.com/office/drawing/2010/main">
+                <a:solidFill>
+                  <a:schemeClr val="accent1"/>
+                </a:solidFill>
+              </a14:hiddenFill>
+            </a:ext>
+            <a:ext uri="{91240B29-F687-4F45-9708-019B960494DF}">
+              <a14:hiddenLine xmlns:a14="http://schemas.microsoft.com/office/drawing/2010/main" w="9525">
+                <a:solidFill>
+                  <a:schemeClr val="tx1"/>
+                </a:solidFill>
+                <a:miter lim="800000"/>
+                <a:headEnd/>
+                <a:tailEnd/>
+              </a14:hiddenLine>
+            </a:ext>
+          </a:extLst>
+        </p:spPr>
+      </p:pic>
+      <p:pic>
+        <p:nvPicPr>
+          <p:cNvPr id="1027" name="Picture 3"/>
+          <p:cNvPicPr>
+            <a:picLocks noChangeAspect="1" noChangeArrowheads="1"/>
+          </p:cNvPicPr>
+          <p:nvPr/>
+        </p:nvPicPr>
+        <p:blipFill rotWithShape="1">
+          <a:blip r:embed="rId3" cstate="print">
+            <a:extLst>
+              <a:ext uri="{28A0092B-C50C-407E-A947-70E740481C1C}">
+                <a14:useLocalDpi xmlns:a14="http://schemas.microsoft.com/office/drawing/2010/main" val="0"/>
+              </a:ext>
+            </a:extLst>
+          </a:blip>
+          <a:srcRect l="597" t="6588" r="6752" b="1810"/>
+          <a:stretch/>
+        </p:blipFill>
+        <p:spPr bwMode="auto">
+          <a:xfrm>
+            <a:off x="3222000" y="396000"/>
+            <a:ext cx="2768400" cy="3672000"/>
+          </a:xfrm>
+          <a:prstGeom prst="rect">
+            <a:avLst/>
+          </a:prstGeom>
+          <a:noFill/>
+          <a:ln>
+            <a:noFill/>
+          </a:ln>
+          <a:extLst>
+            <a:ext uri="{909E8E84-426E-40DD-AFC4-6F175D3DCCD1}">
+              <a14:hiddenFill xmlns:a14="http://schemas.microsoft.com/office/drawing/2010/main">
+                <a:solidFill>
+                  <a:schemeClr val="accent1"/>
+                </a:solidFill>
+              </a14:hiddenFill>
+            </a:ext>
+            <a:ext uri="{91240B29-F687-4F45-9708-019B960494DF}">
+              <a14:hiddenLine xmlns:a14="http://schemas.microsoft.com/office/drawing/2010/main" w="9525">
+                <a:solidFill>
+                  <a:schemeClr val="tx1"/>
+                </a:solidFill>
+                <a:miter lim="800000"/>
+                <a:headEnd/>
+                <a:tailEnd/>
+              </a14:hiddenLine>
+            </a:ext>
+          </a:extLst>
+        </p:spPr>
+      </p:pic>
+      <p:pic>
+        <p:nvPicPr>
+          <p:cNvPr id="11" name="Picture 4"/>
+          <p:cNvPicPr>
+            <a:picLocks noChangeAspect="1" noChangeArrowheads="1"/>
+          </p:cNvPicPr>
+          <p:nvPr/>
+        </p:nvPicPr>
+        <p:blipFill rotWithShape="1">
+          <a:blip r:embed="rId4" cstate="print">
+            <a:extLst>
+              <a:ext uri="{28A0092B-C50C-407E-A947-70E740481C1C}">
+                <a14:useLocalDpi xmlns:a14="http://schemas.microsoft.com/office/drawing/2010/main" val="0"/>
+              </a:ext>
+            </a:extLst>
+          </a:blip>
+          <a:srcRect l="603" t="6426" r="7831" b="1768"/>
+          <a:stretch/>
+        </p:blipFill>
+        <p:spPr bwMode="auto">
+          <a:xfrm>
+            <a:off x="162000" y="4428000"/>
+            <a:ext cx="2736000" cy="3672000"/>
+          </a:xfrm>
+          <a:prstGeom prst="rect">
+            <a:avLst/>
+          </a:prstGeom>
+          <a:noFill/>
+          <a:ln>
+            <a:noFill/>
+          </a:ln>
+          <a:extLst>
+            <a:ext uri="{909E8E84-426E-40DD-AFC4-6F175D3DCCD1}">
+              <a14:hiddenFill xmlns:a14="http://schemas.microsoft.com/office/drawing/2010/main">
+                <a:solidFill>
+                  <a:schemeClr val="accent1"/>
+                </a:solidFill>
+              </a14:hiddenFill>
+            </a:ext>
+            <a:ext uri="{91240B29-F687-4F45-9708-019B960494DF}">
+              <a14:hiddenLine xmlns:a14="http://schemas.microsoft.com/office/drawing/2010/main" w="9525">
+                <a:solidFill>
+                  <a:schemeClr val="tx1"/>
+                </a:solidFill>
+                <a:miter lim="800000"/>
+                <a:headEnd/>
+                <a:tailEnd/>
+              </a14:hiddenLine>
+            </a:ext>
+          </a:extLst>
+        </p:spPr>
+      </p:pic>
+      <p:pic>
+        <p:nvPicPr>
+          <p:cNvPr id="12" name="Picture 5"/>
+          <p:cNvPicPr>
+            <a:picLocks noChangeAspect="1" noChangeArrowheads="1"/>
+          </p:cNvPicPr>
+          <p:nvPr/>
+        </p:nvPicPr>
+        <p:blipFill rotWithShape="1">
+          <a:blip r:embed="rId5" cstate="print">
+            <a:extLst>
+              <a:ext uri="{28A0092B-C50C-407E-A947-70E740481C1C}">
+                <a14:useLocalDpi xmlns:a14="http://schemas.microsoft.com/office/drawing/2010/main" val="0"/>
+              </a:ext>
+            </a:extLst>
+          </a:blip>
+          <a:srcRect l="422" t="5901" r="6928" b="2222"/>
+          <a:stretch/>
+        </p:blipFill>
+        <p:spPr bwMode="auto">
+          <a:xfrm>
+            <a:off x="3222000" y="4428000"/>
+            <a:ext cx="2768400" cy="3672000"/>
+          </a:xfrm>
+          <a:prstGeom prst="rect">
+            <a:avLst/>
+          </a:prstGeom>
+          <a:noFill/>
+          <a:ln>
+            <a:noFill/>
+          </a:ln>
+          <a:extLst>
+            <a:ext uri="{909E8E84-426E-40DD-AFC4-6F175D3DCCD1}">
+              <a14:hiddenFill xmlns:a14="http://schemas.microsoft.com/office/drawing/2010/main">
+                <a:solidFill>
+                  <a:schemeClr val="accent1"/>
+                </a:solidFill>
+              </a14:hiddenFill>
+            </a:ext>
+            <a:ext uri="{91240B29-F687-4F45-9708-019B960494DF}">
+              <a14:hiddenLine xmlns:a14="http://schemas.microsoft.com/office/drawing/2010/main" w="9525">
+                <a:solidFill>
+                  <a:schemeClr val="tx1"/>
+                </a:solidFill>
+                <a:miter lim="800000"/>
+                <a:headEnd/>
+                <a:tailEnd/>
+              </a14:hiddenLine>
+            </a:ext>
+          </a:extLst>
+        </p:spPr>
+      </p:pic>
+      <p:pic>
+        <p:nvPicPr>
+          <p:cNvPr id="13" name="Picture 5"/>
+          <p:cNvPicPr>
+            <a:picLocks noChangeAspect="1" noChangeArrowheads="1"/>
+          </p:cNvPicPr>
+          <p:nvPr/>
+        </p:nvPicPr>
+        <p:blipFill rotWithShape="1">
+          <a:blip r:embed="rId6" cstate="print">
+            <a:extLst>
+              <a:ext uri="{28A0092B-C50C-407E-A947-70E740481C1C}">
+                <a14:useLocalDpi xmlns:a14="http://schemas.microsoft.com/office/drawing/2010/main" val="0"/>
+              </a:ext>
+            </a:extLst>
+          </a:blip>
+          <a:srcRect l="1197" t="2683" r="8" b="93714"/>
+          <a:stretch/>
+        </p:blipFill>
+        <p:spPr bwMode="auto">
+          <a:xfrm>
+            <a:off x="1584000" y="0"/>
+            <a:ext cx="2952000" cy="144000"/>
+          </a:xfrm>
+          <a:prstGeom prst="rect">
+            <a:avLst/>
+          </a:prstGeom>
+          <a:noFill/>
+          <a:ln>
+            <a:noFill/>
+          </a:ln>
+          <a:extLst>
+            <a:ext uri="{909E8E84-426E-40DD-AFC4-6F175D3DCCD1}">
+              <a14:hiddenFill xmlns:a14="http://schemas.microsoft.com/office/drawing/2010/main">
+                <a:solidFill>
+                  <a:schemeClr val="accent1"/>
+                </a:solidFill>
+              </a14:hiddenFill>
+            </a:ext>
+            <a:ext uri="{91240B29-F687-4F45-9708-019B960494DF}">
+              <a14:hiddenLine xmlns:a14="http://schemas.microsoft.com/office/drawing/2010/main" w="9525">
+                <a:solidFill>
+                  <a:schemeClr val="tx1"/>
+                </a:solidFill>
+                <a:miter lim="800000"/>
+                <a:headEnd/>
+                <a:tailEnd/>
+              </a14:hiddenLine>
+            </a:ext>
+          </a:extLst>
+        </p:spPr>
+      </p:pic>
+    </p:spTree>
+    <p:extLst>
+      <p:ext uri="{BB962C8B-B14F-4D97-AF65-F5344CB8AC3E}">
+        <p14:creationId xmlns:p14="http://schemas.microsoft.com/office/powerpoint/2010/main" val="24551431"/>
       </p:ext>
     </p:extLst>
   </p:cSld>
@@ -3724,7 +5260,7 @@
           <a:blip r:embed="rId2" cstate="print">
             <a:extLst>
               <a:ext uri="{28A0092B-C50C-407E-A947-70E740481C1C}">
-                <a14:useLocalDpi xmlns:a14="http://schemas.microsoft.com/office/drawing/2010/main" xmlns="" val="0"/>
+                <a14:useLocalDpi xmlns:a14="http://schemas.microsoft.com/office/drawing/2010/main" val="0"/>
               </a:ext>
             </a:extLst>
           </a:blip>
@@ -3745,14 +5281,14 @@
           </a:ln>
           <a:extLst>
             <a:ext uri="{909E8E84-426E-40DD-AFC4-6F175D3DCCD1}">
-              <a14:hiddenFill xmlns:a14="http://schemas.microsoft.com/office/drawing/2010/main" xmlns="">
+              <a14:hiddenFill xmlns:a14="http://schemas.microsoft.com/office/drawing/2010/main">
                 <a:solidFill>
                   <a:schemeClr val="accent1"/>
                 </a:solidFill>
               </a14:hiddenFill>
             </a:ext>
             <a:ext uri="{91240B29-F687-4F45-9708-019B960494DF}">
-              <a14:hiddenLine xmlns:a14="http://schemas.microsoft.com/office/drawing/2010/main" xmlns="" w="9525">
+              <a14:hiddenLine xmlns:a14="http://schemas.microsoft.com/office/drawing/2010/main" w="9525">
                 <a:solidFill>
                   <a:schemeClr val="tx1"/>
                 </a:solidFill>
@@ -3776,7 +5312,7 @@
           <a:blip r:embed="rId3" cstate="print">
             <a:extLst>
               <a:ext uri="{28A0092B-C50C-407E-A947-70E740481C1C}">
-                <a14:useLocalDpi xmlns:a14="http://schemas.microsoft.com/office/drawing/2010/main" xmlns="" val="0"/>
+                <a14:useLocalDpi xmlns:a14="http://schemas.microsoft.com/office/drawing/2010/main" val="0"/>
               </a:ext>
             </a:extLst>
           </a:blip>
@@ -3797,14 +5333,14 @@
           </a:ln>
           <a:extLst>
             <a:ext uri="{909E8E84-426E-40DD-AFC4-6F175D3DCCD1}">
-              <a14:hiddenFill xmlns:a14="http://schemas.microsoft.com/office/drawing/2010/main" xmlns="">
+              <a14:hiddenFill xmlns:a14="http://schemas.microsoft.com/office/drawing/2010/main">
                 <a:solidFill>
                   <a:schemeClr val="accent1"/>
                 </a:solidFill>
               </a14:hiddenFill>
             </a:ext>
             <a:ext uri="{91240B29-F687-4F45-9708-019B960494DF}">
-              <a14:hiddenLine xmlns:a14="http://schemas.microsoft.com/office/drawing/2010/main" xmlns="" w="9525">
+              <a14:hiddenLine xmlns:a14="http://schemas.microsoft.com/office/drawing/2010/main" w="9525">
                 <a:solidFill>
                   <a:schemeClr val="tx1"/>
                 </a:solidFill>
@@ -3828,7 +5364,7 @@
           <a:blip r:embed="rId4" cstate="print">
             <a:extLst>
               <a:ext uri="{28A0092B-C50C-407E-A947-70E740481C1C}">
-                <a14:useLocalDpi xmlns:a14="http://schemas.microsoft.com/office/drawing/2010/main" xmlns="" val="0"/>
+                <a14:useLocalDpi xmlns:a14="http://schemas.microsoft.com/office/drawing/2010/main" val="0"/>
               </a:ext>
             </a:extLst>
           </a:blip>
@@ -3849,14 +5385,14 @@
           </a:ln>
           <a:extLst>
             <a:ext uri="{909E8E84-426E-40DD-AFC4-6F175D3DCCD1}">
-              <a14:hiddenFill xmlns:a14="http://schemas.microsoft.com/office/drawing/2010/main" xmlns="">
+              <a14:hiddenFill xmlns:a14="http://schemas.microsoft.com/office/drawing/2010/main">
                 <a:solidFill>
                   <a:schemeClr val="accent1"/>
                 </a:solidFill>
               </a14:hiddenFill>
             </a:ext>
             <a:ext uri="{91240B29-F687-4F45-9708-019B960494DF}">
-              <a14:hiddenLine xmlns:a14="http://schemas.microsoft.com/office/drawing/2010/main" xmlns="" w="9525">
+              <a14:hiddenLine xmlns:a14="http://schemas.microsoft.com/office/drawing/2010/main" w="9525">
                 <a:solidFill>
                   <a:schemeClr val="tx1"/>
                 </a:solidFill>
@@ -3880,7 +5416,7 @@
           <a:blip r:embed="rId5" cstate="print">
             <a:extLst>
               <a:ext uri="{28A0092B-C50C-407E-A947-70E740481C1C}">
-                <a14:useLocalDpi xmlns:a14="http://schemas.microsoft.com/office/drawing/2010/main" xmlns="" val="0"/>
+                <a14:useLocalDpi xmlns:a14="http://schemas.microsoft.com/office/drawing/2010/main" val="0"/>
               </a:ext>
             </a:extLst>
           </a:blip>
@@ -3901,14 +5437,14 @@
           </a:ln>
           <a:extLst>
             <a:ext uri="{909E8E84-426E-40DD-AFC4-6F175D3DCCD1}">
-              <a14:hiddenFill xmlns:a14="http://schemas.microsoft.com/office/drawing/2010/main" xmlns="">
+              <a14:hiddenFill xmlns:a14="http://schemas.microsoft.com/office/drawing/2010/main">
                 <a:solidFill>
                   <a:schemeClr val="accent1"/>
                 </a:solidFill>
               </a14:hiddenFill>
             </a:ext>
             <a:ext uri="{91240B29-F687-4F45-9708-019B960494DF}">
-              <a14:hiddenLine xmlns:a14="http://schemas.microsoft.com/office/drawing/2010/main" xmlns="" w="9525">
+              <a14:hiddenLine xmlns:a14="http://schemas.microsoft.com/office/drawing/2010/main" w="9525">
                 <a:solidFill>
                   <a:schemeClr val="tx1"/>
                 </a:solidFill>
@@ -3923,7 +5459,7 @@
     </p:spTree>
     <p:extLst>
       <p:ext uri="{BB962C8B-B14F-4D97-AF65-F5344CB8AC3E}">
-        <p14:creationId xmlns:p14="http://schemas.microsoft.com/office/powerpoint/2010/main" xmlns="" val="3227314395"/>
+        <p14:creationId xmlns:p14="http://schemas.microsoft.com/office/powerpoint/2010/main" val="3227314395"/>
       </p:ext>
     </p:extLst>
   </p:cSld>
@@ -4108,7 +5644,7 @@
             <a:blip r:embed="rId2" cstate="print">
               <a:extLst>
                 <a:ext uri="{28A0092B-C50C-407E-A947-70E740481C1C}">
-                  <a14:useLocalDpi xmlns:a14="http://schemas.microsoft.com/office/drawing/2010/main" xmlns="" val="0"/>
+                  <a14:useLocalDpi xmlns:a14="http://schemas.microsoft.com/office/drawing/2010/main" val="0"/>
                 </a:ext>
               </a:extLst>
             </a:blip>
@@ -4129,14 +5665,14 @@
             </a:ln>
             <a:extLst>
               <a:ext uri="{909E8E84-426E-40DD-AFC4-6F175D3DCCD1}">
-                <a14:hiddenFill xmlns:a14="http://schemas.microsoft.com/office/drawing/2010/main" xmlns="">
+                <a14:hiddenFill xmlns:a14="http://schemas.microsoft.com/office/drawing/2010/main">
                   <a:solidFill>
                     <a:schemeClr val="accent1"/>
                   </a:solidFill>
                 </a14:hiddenFill>
               </a:ext>
               <a:ext uri="{91240B29-F687-4F45-9708-019B960494DF}">
-                <a14:hiddenLine xmlns:a14="http://schemas.microsoft.com/office/drawing/2010/main" xmlns="" w="9525">
+                <a14:hiddenLine xmlns:a14="http://schemas.microsoft.com/office/drawing/2010/main" w="9525">
                   <a:solidFill>
                     <a:schemeClr val="tx1"/>
                   </a:solidFill>
@@ -4160,7 +5696,7 @@
             <a:blip r:embed="rId3" cstate="print">
               <a:extLst>
                 <a:ext uri="{28A0092B-C50C-407E-A947-70E740481C1C}">
-                  <a14:useLocalDpi xmlns:a14="http://schemas.microsoft.com/office/drawing/2010/main" xmlns="" val="0"/>
+                  <a14:useLocalDpi xmlns:a14="http://schemas.microsoft.com/office/drawing/2010/main" val="0"/>
                 </a:ext>
               </a:extLst>
             </a:blip>
@@ -4181,14 +5717,14 @@
             </a:ln>
             <a:extLst>
               <a:ext uri="{909E8E84-426E-40DD-AFC4-6F175D3DCCD1}">
-                <a14:hiddenFill xmlns:a14="http://schemas.microsoft.com/office/drawing/2010/main" xmlns="">
+                <a14:hiddenFill xmlns:a14="http://schemas.microsoft.com/office/drawing/2010/main">
                   <a:solidFill>
                     <a:schemeClr val="accent1"/>
                   </a:solidFill>
                 </a14:hiddenFill>
               </a:ext>
               <a:ext uri="{91240B29-F687-4F45-9708-019B960494DF}">
-                <a14:hiddenLine xmlns:a14="http://schemas.microsoft.com/office/drawing/2010/main" xmlns="" w="9525">
+                <a14:hiddenLine xmlns:a14="http://schemas.microsoft.com/office/drawing/2010/main" w="9525">
                   <a:solidFill>
                     <a:schemeClr val="tx1"/>
                   </a:solidFill>
@@ -4212,7 +5748,7 @@
             <a:blip r:embed="rId4" cstate="print">
               <a:extLst>
                 <a:ext uri="{28A0092B-C50C-407E-A947-70E740481C1C}">
-                  <a14:useLocalDpi xmlns:a14="http://schemas.microsoft.com/office/drawing/2010/main" xmlns="" val="0"/>
+                  <a14:useLocalDpi xmlns:a14="http://schemas.microsoft.com/office/drawing/2010/main" val="0"/>
                 </a:ext>
               </a:extLst>
             </a:blip>
@@ -4233,14 +5769,14 @@
             </a:ln>
             <a:extLst>
               <a:ext uri="{909E8E84-426E-40DD-AFC4-6F175D3DCCD1}">
-                <a14:hiddenFill xmlns:a14="http://schemas.microsoft.com/office/drawing/2010/main" xmlns="">
+                <a14:hiddenFill xmlns:a14="http://schemas.microsoft.com/office/drawing/2010/main">
                   <a:solidFill>
                     <a:schemeClr val="accent1"/>
                   </a:solidFill>
                 </a14:hiddenFill>
               </a:ext>
               <a:ext uri="{91240B29-F687-4F45-9708-019B960494DF}">
-                <a14:hiddenLine xmlns:a14="http://schemas.microsoft.com/office/drawing/2010/main" xmlns="" w="9525">
+                <a14:hiddenLine xmlns:a14="http://schemas.microsoft.com/office/drawing/2010/main" w="9525">
                   <a:solidFill>
                     <a:schemeClr val="tx1"/>
                   </a:solidFill>
@@ -4264,7 +5800,7 @@
             <a:blip r:embed="rId5" cstate="print">
               <a:extLst>
                 <a:ext uri="{28A0092B-C50C-407E-A947-70E740481C1C}">
-                  <a14:useLocalDpi xmlns:a14="http://schemas.microsoft.com/office/drawing/2010/main" xmlns="" val="0"/>
+                  <a14:useLocalDpi xmlns:a14="http://schemas.microsoft.com/office/drawing/2010/main" val="0"/>
                 </a:ext>
               </a:extLst>
             </a:blip>
@@ -4285,14 +5821,14 @@
             </a:ln>
             <a:extLst>
               <a:ext uri="{909E8E84-426E-40DD-AFC4-6F175D3DCCD1}">
-                <a14:hiddenFill xmlns:a14="http://schemas.microsoft.com/office/drawing/2010/main" xmlns="">
+                <a14:hiddenFill xmlns:a14="http://schemas.microsoft.com/office/drawing/2010/main">
                   <a:solidFill>
                     <a:schemeClr val="accent1"/>
                   </a:solidFill>
                 </a14:hiddenFill>
               </a:ext>
               <a:ext uri="{91240B29-F687-4F45-9708-019B960494DF}">
-                <a14:hiddenLine xmlns:a14="http://schemas.microsoft.com/office/drawing/2010/main" xmlns="" w="9525">
+                <a14:hiddenLine xmlns:a14="http://schemas.microsoft.com/office/drawing/2010/main" w="9525">
                   <a:solidFill>
                     <a:schemeClr val="tx1"/>
                   </a:solidFill>
@@ -4308,7 +5844,7 @@
     </p:spTree>
     <p:extLst>
       <p:ext uri="{BB962C8B-B14F-4D97-AF65-F5344CB8AC3E}">
-        <p14:creationId xmlns:p14="http://schemas.microsoft.com/office/powerpoint/2010/main" xmlns="" val="3227314395"/>
+        <p14:creationId xmlns:p14="http://schemas.microsoft.com/office/powerpoint/2010/main" val="3227314395"/>
       </p:ext>
     </p:extLst>
   </p:cSld>
@@ -4540,7 +6076,7 @@
             <a:blip r:embed="rId2" cstate="print">
               <a:extLst>
                 <a:ext uri="{28A0092B-C50C-407E-A947-70E740481C1C}">
-                  <a14:useLocalDpi xmlns:a14="http://schemas.microsoft.com/office/drawing/2010/main" xmlns="" val="0"/>
+                  <a14:useLocalDpi xmlns:a14="http://schemas.microsoft.com/office/drawing/2010/main" val="0"/>
                 </a:ext>
               </a:extLst>
             </a:blip>
@@ -4561,14 +6097,14 @@
             </a:ln>
             <a:extLst>
               <a:ext uri="{909E8E84-426E-40DD-AFC4-6F175D3DCCD1}">
-                <a14:hiddenFill xmlns:a14="http://schemas.microsoft.com/office/drawing/2010/main" xmlns="">
+                <a14:hiddenFill xmlns:a14="http://schemas.microsoft.com/office/drawing/2010/main">
                   <a:solidFill>
                     <a:schemeClr val="accent1"/>
                   </a:solidFill>
                 </a14:hiddenFill>
               </a:ext>
               <a:ext uri="{91240B29-F687-4F45-9708-019B960494DF}">
-                <a14:hiddenLine xmlns:a14="http://schemas.microsoft.com/office/drawing/2010/main" xmlns="" w="9525">
+                <a14:hiddenLine xmlns:a14="http://schemas.microsoft.com/office/drawing/2010/main" w="9525">
                   <a:solidFill>
                     <a:schemeClr val="tx1"/>
                   </a:solidFill>
@@ -8234,7 +9770,7 @@
             <a:blip r:embed="rId15" cstate="print">
               <a:extLst>
                 <a:ext uri="{28A0092B-C50C-407E-A947-70E740481C1C}">
-                  <a14:useLocalDpi xmlns:a14="http://schemas.microsoft.com/office/drawing/2010/main" xmlns="" val="0"/>
+                  <a14:useLocalDpi xmlns:a14="http://schemas.microsoft.com/office/drawing/2010/main" val="0"/>
                 </a:ext>
               </a:extLst>
             </a:blip>
@@ -8268,7 +9804,7 @@
             <a:blip r:embed="rId16" cstate="print">
               <a:extLst>
                 <a:ext uri="{28A0092B-C50C-407E-A947-70E740481C1C}">
-                  <a14:useLocalDpi xmlns:a14="http://schemas.microsoft.com/office/drawing/2010/main" xmlns="" val="0"/>
+                  <a14:useLocalDpi xmlns:a14="http://schemas.microsoft.com/office/drawing/2010/main" val="0"/>
                 </a:ext>
               </a:extLst>
             </a:blip>
@@ -8302,7 +9838,7 @@
             <a:blip r:embed="rId17" cstate="print">
               <a:extLst>
                 <a:ext uri="{28A0092B-C50C-407E-A947-70E740481C1C}">
-                  <a14:useLocalDpi xmlns:a14="http://schemas.microsoft.com/office/drawing/2010/main" xmlns="" val="0"/>
+                  <a14:useLocalDpi xmlns:a14="http://schemas.microsoft.com/office/drawing/2010/main" val="0"/>
                 </a:ext>
               </a:extLst>
             </a:blip>
@@ -8336,7 +9872,7 @@
             <a:blip r:embed="rId18" cstate="print">
               <a:extLst>
                 <a:ext uri="{28A0092B-C50C-407E-A947-70E740481C1C}">
-                  <a14:useLocalDpi xmlns:a14="http://schemas.microsoft.com/office/drawing/2010/main" xmlns="" val="0"/>
+                  <a14:useLocalDpi xmlns:a14="http://schemas.microsoft.com/office/drawing/2010/main" val="0"/>
                 </a:ext>
               </a:extLst>
             </a:blip>
@@ -8629,7 +10165,7 @@
               <a:blip r:embed="rId19" cstate="print">
                 <a:extLst>
                   <a:ext uri="{28A0092B-C50C-407E-A947-70E740481C1C}">
-                    <a14:useLocalDpi xmlns:a14="http://schemas.microsoft.com/office/drawing/2010/main" xmlns="" val="0"/>
+                    <a14:useLocalDpi xmlns:a14="http://schemas.microsoft.com/office/drawing/2010/main" val="0"/>
                   </a:ext>
                 </a:extLst>
               </a:blip>
@@ -8726,7 +10262,7 @@
               <a:blip r:embed="rId20" cstate="print">
                 <a:extLst>
                   <a:ext uri="{28A0092B-C50C-407E-A947-70E740481C1C}">
-                    <a14:useLocalDpi xmlns:a14="http://schemas.microsoft.com/office/drawing/2010/main" xmlns="" val="0"/>
+                    <a14:useLocalDpi xmlns:a14="http://schemas.microsoft.com/office/drawing/2010/main" val="0"/>
                   </a:ext>
                 </a:extLst>
               </a:blip>
@@ -8823,7 +10359,7 @@
               <a:blip r:embed="rId21" cstate="print">
                 <a:extLst>
                   <a:ext uri="{28A0092B-C50C-407E-A947-70E740481C1C}">
-                    <a14:useLocalDpi xmlns:a14="http://schemas.microsoft.com/office/drawing/2010/main" xmlns="" val="0"/>
+                    <a14:useLocalDpi xmlns:a14="http://schemas.microsoft.com/office/drawing/2010/main" val="0"/>
                   </a:ext>
                 </a:extLst>
               </a:blip>
@@ -8955,7 +10491,7 @@
               <a:blip r:embed="rId22" cstate="print">
                 <a:extLst>
                   <a:ext uri="{28A0092B-C50C-407E-A947-70E740481C1C}">
-                    <a14:useLocalDpi xmlns:a14="http://schemas.microsoft.com/office/drawing/2010/main" xmlns="" val="0"/>
+                    <a14:useLocalDpi xmlns:a14="http://schemas.microsoft.com/office/drawing/2010/main" val="0"/>
                   </a:ext>
                 </a:extLst>
               </a:blip>
@@ -9052,7 +10588,7 @@
               <a:blip r:embed="rId23" cstate="print">
                 <a:extLst>
                   <a:ext uri="{28A0092B-C50C-407E-A947-70E740481C1C}">
-                    <a14:useLocalDpi xmlns:a14="http://schemas.microsoft.com/office/drawing/2010/main" xmlns="" val="0"/>
+                    <a14:useLocalDpi xmlns:a14="http://schemas.microsoft.com/office/drawing/2010/main" val="0"/>
                   </a:ext>
                 </a:extLst>
               </a:blip>
@@ -9149,7 +10685,7 @@
               <a:blip r:embed="rId24" cstate="print">
                 <a:extLst>
                   <a:ext uri="{28A0092B-C50C-407E-A947-70E740481C1C}">
-                    <a14:useLocalDpi xmlns:a14="http://schemas.microsoft.com/office/drawing/2010/main" xmlns="" val="0"/>
+                    <a14:useLocalDpi xmlns:a14="http://schemas.microsoft.com/office/drawing/2010/main" val="0"/>
                   </a:ext>
                 </a:extLst>
               </a:blip>
@@ -9246,7 +10782,7 @@
               <a:blip r:embed="rId25" cstate="print">
                 <a:extLst>
                   <a:ext uri="{28A0092B-C50C-407E-A947-70E740481C1C}">
-                    <a14:useLocalDpi xmlns:a14="http://schemas.microsoft.com/office/drawing/2010/main" xmlns="" val="0"/>
+                    <a14:useLocalDpi xmlns:a14="http://schemas.microsoft.com/office/drawing/2010/main" val="0"/>
                   </a:ext>
                 </a:extLst>
               </a:blip>
@@ -12180,7 +13716,7 @@
             <a:blip r:embed="rId15" cstate="print">
               <a:extLst>
                 <a:ext uri="{28A0092B-C50C-407E-A947-70E740481C1C}">
-                  <a14:useLocalDpi xmlns:a14="http://schemas.microsoft.com/office/drawing/2010/main" xmlns="" val="0"/>
+                  <a14:useLocalDpi xmlns:a14="http://schemas.microsoft.com/office/drawing/2010/main" val="0"/>
                 </a:ext>
               </a:extLst>
             </a:blip>
@@ -12214,7 +13750,7 @@
             <a:blip r:embed="rId16" cstate="print">
               <a:extLst>
                 <a:ext uri="{28A0092B-C50C-407E-A947-70E740481C1C}">
-                  <a14:useLocalDpi xmlns:a14="http://schemas.microsoft.com/office/drawing/2010/main" xmlns="" val="0"/>
+                  <a14:useLocalDpi xmlns:a14="http://schemas.microsoft.com/office/drawing/2010/main" val="0"/>
                 </a:ext>
               </a:extLst>
             </a:blip>
@@ -12248,7 +13784,7 @@
             <a:blip r:embed="rId17" cstate="print">
               <a:extLst>
                 <a:ext uri="{28A0092B-C50C-407E-A947-70E740481C1C}">
-                  <a14:useLocalDpi xmlns:a14="http://schemas.microsoft.com/office/drawing/2010/main" xmlns="" val="0"/>
+                  <a14:useLocalDpi xmlns:a14="http://schemas.microsoft.com/office/drawing/2010/main" val="0"/>
                 </a:ext>
               </a:extLst>
             </a:blip>
@@ -12282,7 +13818,7 @@
             <a:blip r:embed="rId18" cstate="print">
               <a:extLst>
                 <a:ext uri="{28A0092B-C50C-407E-A947-70E740481C1C}">
-                  <a14:useLocalDpi xmlns:a14="http://schemas.microsoft.com/office/drawing/2010/main" xmlns="" val="0"/>
+                  <a14:useLocalDpi xmlns:a14="http://schemas.microsoft.com/office/drawing/2010/main" val="0"/>
                 </a:ext>
               </a:extLst>
             </a:blip>
@@ -12575,7 +14111,7 @@
               <a:blip r:embed="rId19" cstate="print">
                 <a:extLst>
                   <a:ext uri="{28A0092B-C50C-407E-A947-70E740481C1C}">
-                    <a14:useLocalDpi xmlns:a14="http://schemas.microsoft.com/office/drawing/2010/main" xmlns="" val="0"/>
+                    <a14:useLocalDpi xmlns:a14="http://schemas.microsoft.com/office/drawing/2010/main" val="0"/>
                   </a:ext>
                 </a:extLst>
               </a:blip>
@@ -12672,7 +14208,7 @@
               <a:blip r:embed="rId20" cstate="print">
                 <a:extLst>
                   <a:ext uri="{28A0092B-C50C-407E-A947-70E740481C1C}">
-                    <a14:useLocalDpi xmlns:a14="http://schemas.microsoft.com/office/drawing/2010/main" xmlns="" val="0"/>
+                    <a14:useLocalDpi xmlns:a14="http://schemas.microsoft.com/office/drawing/2010/main" val="0"/>
                   </a:ext>
                 </a:extLst>
               </a:blip>
@@ -12769,7 +14305,7 @@
               <a:blip r:embed="rId21" cstate="print">
                 <a:extLst>
                   <a:ext uri="{28A0092B-C50C-407E-A947-70E740481C1C}">
-                    <a14:useLocalDpi xmlns:a14="http://schemas.microsoft.com/office/drawing/2010/main" xmlns="" val="0"/>
+                    <a14:useLocalDpi xmlns:a14="http://schemas.microsoft.com/office/drawing/2010/main" val="0"/>
                   </a:ext>
                 </a:extLst>
               </a:blip>
@@ -12901,7 +14437,7 @@
               <a:blip r:embed="rId22" cstate="print">
                 <a:extLst>
                   <a:ext uri="{28A0092B-C50C-407E-A947-70E740481C1C}">
-                    <a14:useLocalDpi xmlns:a14="http://schemas.microsoft.com/office/drawing/2010/main" xmlns="" val="0"/>
+                    <a14:useLocalDpi xmlns:a14="http://schemas.microsoft.com/office/drawing/2010/main" val="0"/>
                   </a:ext>
                 </a:extLst>
               </a:blip>
@@ -12998,7 +14534,7 @@
               <a:blip r:embed="rId23" cstate="print">
                 <a:extLst>
                   <a:ext uri="{28A0092B-C50C-407E-A947-70E740481C1C}">
-                    <a14:useLocalDpi xmlns:a14="http://schemas.microsoft.com/office/drawing/2010/main" xmlns="" val="0"/>
+                    <a14:useLocalDpi xmlns:a14="http://schemas.microsoft.com/office/drawing/2010/main" val="0"/>
                   </a:ext>
                 </a:extLst>
               </a:blip>
@@ -13095,7 +14631,7 @@
               <a:blip r:embed="rId24" cstate="print">
                 <a:extLst>
                   <a:ext uri="{28A0092B-C50C-407E-A947-70E740481C1C}">
-                    <a14:useLocalDpi xmlns:a14="http://schemas.microsoft.com/office/drawing/2010/main" xmlns="" val="0"/>
+                    <a14:useLocalDpi xmlns:a14="http://schemas.microsoft.com/office/drawing/2010/main" val="0"/>
                   </a:ext>
                 </a:extLst>
               </a:blip>
@@ -13192,7 +14728,7 @@
               <a:blip r:embed="rId25" cstate="print">
                 <a:extLst>
                   <a:ext uri="{28A0092B-C50C-407E-A947-70E740481C1C}">
-                    <a14:useLocalDpi xmlns:a14="http://schemas.microsoft.com/office/drawing/2010/main" xmlns="" val="0"/>
+                    <a14:useLocalDpi xmlns:a14="http://schemas.microsoft.com/office/drawing/2010/main" val="0"/>
                   </a:ext>
                 </a:extLst>
               </a:blip>
@@ -13325,6 +14861,4035 @@
 </p:sld>
 </file>
 
+<file path=ppt/slides/slide9.xml><?xml version="1.0" encoding="utf-8"?>
+<p:sld xmlns:a="http://schemas.openxmlformats.org/drawingml/2006/main" xmlns:r="http://schemas.openxmlformats.org/officeDocument/2006/relationships" xmlns:p="http://schemas.openxmlformats.org/presentationml/2006/main">
+  <p:cSld>
+    <p:spTree>
+      <p:nvGrpSpPr>
+        <p:cNvPr id="1" name=""/>
+        <p:cNvGrpSpPr/>
+        <p:nvPr/>
+      </p:nvGrpSpPr>
+      <p:grpSpPr>
+        <a:xfrm>
+          <a:off x="0" y="0"/>
+          <a:ext cx="0" cy="0"/>
+          <a:chOff x="0" y="0"/>
+          <a:chExt cx="0" cy="0"/>
+        </a:xfrm>
+      </p:grpSpPr>
+      <p:grpSp>
+        <p:nvGrpSpPr>
+          <p:cNvPr id="131" name="Group 130"/>
+          <p:cNvGrpSpPr/>
+          <p:nvPr/>
+        </p:nvGrpSpPr>
+        <p:grpSpPr>
+          <a:xfrm>
+            <a:off x="0" y="0"/>
+            <a:ext cx="7308304" cy="6660802"/>
+            <a:chOff x="0" y="0"/>
+            <a:chExt cx="7308304" cy="6660802"/>
+          </a:xfrm>
+        </p:grpSpPr>
+        <p:sp>
+          <p:nvSpPr>
+            <p:cNvPr id="130" name="Rectangle 129"/>
+            <p:cNvSpPr/>
+            <p:nvPr/>
+          </p:nvSpPr>
+          <p:spPr>
+            <a:xfrm>
+              <a:off x="0" y="0"/>
+              <a:ext cx="7308304" cy="6660802"/>
+            </a:xfrm>
+            <a:prstGeom prst="rect">
+              <a:avLst/>
+            </a:prstGeom>
+            <a:solidFill>
+              <a:schemeClr val="bg1"/>
+            </a:solidFill>
+            <a:ln>
+              <a:noFill/>
+            </a:ln>
+          </p:spPr>
+          <p:style>
+            <a:lnRef idx="2">
+              <a:schemeClr val="accent1">
+                <a:shade val="50000"/>
+              </a:schemeClr>
+            </a:lnRef>
+            <a:fillRef idx="1">
+              <a:schemeClr val="accent1"/>
+            </a:fillRef>
+            <a:effectRef idx="0">
+              <a:schemeClr val="accent1"/>
+            </a:effectRef>
+            <a:fontRef idx="minor">
+              <a:schemeClr val="lt1"/>
+            </a:fontRef>
+          </p:style>
+          <p:txBody>
+            <a:bodyPr rtlCol="0" anchor="ctr"/>
+            <a:lstStyle/>
+            <a:p>
+              <a:pPr algn="ctr"/>
+              <a:endParaRPr lang="en-AU"/>
+            </a:p>
+          </p:txBody>
+        </p:sp>
+        <p:grpSp>
+          <p:nvGrpSpPr>
+            <p:cNvPr id="128" name="Group 127"/>
+            <p:cNvGrpSpPr/>
+            <p:nvPr/>
+          </p:nvGrpSpPr>
+          <p:grpSpPr>
+            <a:xfrm>
+              <a:off x="0" y="0"/>
+              <a:ext cx="7200000" cy="6552882"/>
+              <a:chOff x="0" y="0"/>
+              <a:chExt cx="7200000" cy="6552882"/>
+            </a:xfrm>
+          </p:grpSpPr>
+          <p:pic>
+            <p:nvPicPr>
+              <p:cNvPr id="1029" name="Picture 5"/>
+              <p:cNvPicPr>
+                <a:picLocks noChangeAspect="1" noChangeArrowheads="1"/>
+              </p:cNvPicPr>
+              <p:nvPr/>
+            </p:nvPicPr>
+            <p:blipFill>
+              <a:blip r:embed="rId13" cstate="print"/>
+              <a:srcRect r="1330" b="912"/>
+              <a:stretch>
+                <a:fillRect/>
+              </a:stretch>
+            </p:blipFill>
+            <p:spPr bwMode="auto">
+              <a:xfrm>
+                <a:off x="846710" y="211776"/>
+                <a:ext cx="6282147" cy="2941467"/>
+              </a:xfrm>
+              <a:prstGeom prst="rect">
+                <a:avLst/>
+              </a:prstGeom>
+              <a:noFill/>
+              <a:ln w="9525">
+                <a:noFill/>
+                <a:miter lim="800000"/>
+                <a:headEnd/>
+                <a:tailEnd/>
+              </a:ln>
+              <a:effectLst>
+                <a:outerShdw blurRad="50800" dist="50800" dir="5400000" algn="ctr" rotWithShape="0">
+                  <a:srgbClr val="000000">
+                    <a:alpha val="0"/>
+                  </a:srgbClr>
+                </a:outerShdw>
+              </a:effectLst>
+            </p:spPr>
+          </p:pic>
+          <p:pic>
+            <p:nvPicPr>
+              <p:cNvPr id="1028" name="Picture 4"/>
+              <p:cNvPicPr>
+                <a:picLocks noChangeAspect="1" noChangeArrowheads="1"/>
+              </p:cNvPicPr>
+              <p:nvPr/>
+            </p:nvPicPr>
+            <p:blipFill>
+              <a:blip r:embed="rId14" cstate="print"/>
+              <a:srcRect/>
+              <a:stretch>
+                <a:fillRect/>
+              </a:stretch>
+            </p:blipFill>
+            <p:spPr bwMode="auto">
+              <a:xfrm>
+                <a:off x="846710" y="3600198"/>
+                <a:ext cx="6353290" cy="2952684"/>
+              </a:xfrm>
+              <a:prstGeom prst="rect">
+                <a:avLst/>
+              </a:prstGeom>
+              <a:noFill/>
+              <a:ln w="9525">
+                <a:noFill/>
+                <a:miter lim="800000"/>
+                <a:headEnd/>
+                <a:tailEnd/>
+              </a:ln>
+            </p:spPr>
+          </p:pic>
+          <p:sp>
+            <p:nvSpPr>
+              <p:cNvPr id="114" name="TextBox 113"/>
+              <p:cNvSpPr txBox="1"/>
+              <p:nvPr/>
+            </p:nvSpPr>
+            <p:spPr>
+              <a:xfrm>
+                <a:off x="0" y="0"/>
+                <a:ext cx="694800" cy="651798"/>
+              </a:xfrm>
+              <a:prstGeom prst="rect">
+                <a:avLst/>
+              </a:prstGeom>
+              <a:noFill/>
+            </p:spPr>
+            <p:txBody>
+              <a:bodyPr wrap="none" rtlCol="0">
+                <a:spAutoFit/>
+              </a:bodyPr>
+              <a:lstStyle/>
+              <a:p>
+                <a:r>
+                  <a:rPr lang="en-AU" sz="1200" b="1" dirty="0" smtClean="0">
+                    <a:latin typeface="Arial" pitchFamily="34" charset="0"/>
+                    <a:cs typeface="Arial" pitchFamily="34" charset="0"/>
+                  </a:rPr>
+                  <a:t>A</a:t>
+                </a:r>
+                <a:endParaRPr lang="en-AU" sz="1200" b="1" dirty="0">
+                  <a:latin typeface="Arial" pitchFamily="34" charset="0"/>
+                  <a:cs typeface="Arial" pitchFamily="34" charset="0"/>
+                </a:endParaRPr>
+              </a:p>
+            </p:txBody>
+          </p:sp>
+          <p:sp>
+            <p:nvSpPr>
+              <p:cNvPr id="129" name="TextBox 128"/>
+              <p:cNvSpPr txBox="1"/>
+              <p:nvPr/>
+            </p:nvSpPr>
+            <p:spPr>
+              <a:xfrm>
+                <a:off x="0" y="3388421"/>
+                <a:ext cx="694800" cy="651798"/>
+              </a:xfrm>
+              <a:prstGeom prst="rect">
+                <a:avLst/>
+              </a:prstGeom>
+              <a:noFill/>
+            </p:spPr>
+            <p:txBody>
+              <a:bodyPr wrap="none" rtlCol="0">
+                <a:spAutoFit/>
+              </a:bodyPr>
+              <a:lstStyle/>
+              <a:p>
+                <a:r>
+                  <a:rPr lang="en-AU" sz="1200" b="1" dirty="0" smtClean="0">
+                    <a:latin typeface="Arial" pitchFamily="34" charset="0"/>
+                    <a:cs typeface="Arial" pitchFamily="34" charset="0"/>
+                  </a:rPr>
+                  <a:t>B</a:t>
+                </a:r>
+                <a:endParaRPr lang="en-AU" sz="1200" b="1" dirty="0">
+                  <a:latin typeface="Arial" pitchFamily="34" charset="0"/>
+                  <a:cs typeface="Arial" pitchFamily="34" charset="0"/>
+                </a:endParaRPr>
+              </a:p>
+            </p:txBody>
+          </p:sp>
+          <p:pic>
+            <p:nvPicPr>
+              <p:cNvPr id="1027" name="Picture 3"/>
+              <p:cNvPicPr>
+                <a:picLocks noChangeAspect="1" noChangeArrowheads="1"/>
+              </p:cNvPicPr>
+              <p:nvPr/>
+            </p:nvPicPr>
+            <p:blipFill>
+              <a:blip r:embed="rId15" cstate="print"/>
+              <a:srcRect l="30267" t="25332" r="29685" b="31433"/>
+              <a:stretch>
+                <a:fillRect/>
+              </a:stretch>
+            </p:blipFill>
+            <p:spPr bwMode="auto">
+              <a:xfrm>
+                <a:off x="42355" y="1058879"/>
+                <a:ext cx="1524790" cy="1260641"/>
+              </a:xfrm>
+              <a:prstGeom prst="rect">
+                <a:avLst/>
+              </a:prstGeom>
+              <a:noFill/>
+              <a:ln w="9525">
+                <a:noFill/>
+                <a:miter lim="800000"/>
+                <a:headEnd/>
+                <a:tailEnd/>
+              </a:ln>
+              <a:effectLst/>
+            </p:spPr>
+          </p:pic>
+          <p:grpSp>
+            <p:nvGrpSpPr>
+              <p:cNvPr id="2" name="Group 127"/>
+              <p:cNvGrpSpPr>
+                <a:grpSpLocks noChangeAspect="1"/>
+              </p:cNvGrpSpPr>
+              <p:nvPr/>
+            </p:nvGrpSpPr>
+            <p:grpSpPr>
+              <a:xfrm>
+                <a:off x="107504" y="4140522"/>
+                <a:ext cx="1512000" cy="1670293"/>
+                <a:chOff x="4067944" y="1476226"/>
+                <a:chExt cx="454488" cy="437457"/>
+              </a:xfrm>
+            </p:grpSpPr>
+            <p:sp>
+              <p:nvSpPr>
+                <p:cNvPr id="11" name="Oval 10"/>
+                <p:cNvSpPr/>
+                <p:nvPr/>
+              </p:nvSpPr>
+              <p:spPr>
+                <a:xfrm>
+                  <a:off x="4121027" y="1660533"/>
+                  <a:ext cx="67979" cy="67979"/>
+                </a:xfrm>
+                <a:prstGeom prst="ellipse">
+                  <a:avLst/>
+                </a:prstGeom>
+                <a:noFill/>
+                <a:ln w="12700">
+                  <a:solidFill>
+                    <a:schemeClr val="accent5"/>
+                  </a:solidFill>
+                </a:ln>
+              </p:spPr>
+              <p:style>
+                <a:lnRef idx="2">
+                  <a:schemeClr val="accent1">
+                    <a:shade val="50000"/>
+                  </a:schemeClr>
+                </a:lnRef>
+                <a:fillRef idx="1">
+                  <a:schemeClr val="accent1"/>
+                </a:fillRef>
+                <a:effectRef idx="0">
+                  <a:schemeClr val="accent1"/>
+                </a:effectRef>
+                <a:fontRef idx="minor">
+                  <a:schemeClr val="lt1"/>
+                </a:fontRef>
+              </p:style>
+              <p:txBody>
+                <a:bodyPr rtlCol="0" anchor="ctr"/>
+                <a:lstStyle/>
+                <a:p>
+                  <a:pPr algn="ctr"/>
+                  <a:endParaRPr lang="en-AU"/>
+                </a:p>
+              </p:txBody>
+            </p:sp>
+            <p:sp>
+              <p:nvSpPr>
+                <p:cNvPr id="12" name="Isosceles Triangle 11"/>
+                <p:cNvSpPr/>
+                <p:nvPr/>
+              </p:nvSpPr>
+              <p:spPr>
+                <a:xfrm flipV="1">
+                  <a:off x="4231736" y="1660533"/>
+                  <a:ext cx="67979" cy="67979"/>
+                </a:xfrm>
+                <a:prstGeom prst="triangle">
+                  <a:avLst/>
+                </a:prstGeom>
+                <a:noFill/>
+                <a:ln w="12700">
+                  <a:solidFill>
+                    <a:schemeClr val="tx1"/>
+                  </a:solidFill>
+                </a:ln>
+              </p:spPr>
+              <p:style>
+                <a:lnRef idx="2">
+                  <a:schemeClr val="accent1">
+                    <a:shade val="50000"/>
+                  </a:schemeClr>
+                </a:lnRef>
+                <a:fillRef idx="1">
+                  <a:schemeClr val="accent1"/>
+                </a:fillRef>
+                <a:effectRef idx="0">
+                  <a:schemeClr val="accent1"/>
+                </a:effectRef>
+                <a:fontRef idx="minor">
+                  <a:schemeClr val="lt1"/>
+                </a:fontRef>
+              </p:style>
+              <p:txBody>
+                <a:bodyPr rtlCol="0" anchor="ctr"/>
+                <a:lstStyle/>
+                <a:p>
+                  <a:pPr algn="ctr"/>
+                  <a:endParaRPr lang="en-AU"/>
+                </a:p>
+              </p:txBody>
+            </p:sp>
+            <p:cxnSp>
+              <p:nvCxnSpPr>
+                <p:cNvPr id="13" name="Curved Connector 12"/>
+                <p:cNvCxnSpPr/>
+                <p:nvPr/>
+              </p:nvCxnSpPr>
+              <p:spPr>
+                <a:xfrm flipV="1">
+                  <a:off x="4256014" y="1678013"/>
+                  <a:ext cx="19423" cy="19423"/>
+                </a:xfrm>
+                <a:prstGeom prst="curvedConnector3">
+                  <a:avLst/>
+                </a:prstGeom>
+                <a:ln w="12700">
+                  <a:solidFill>
+                    <a:schemeClr val="tx1"/>
+                  </a:solidFill>
+                </a:ln>
+                <a:effectLst/>
+              </p:spPr>
+              <p:style>
+                <a:lnRef idx="2">
+                  <a:schemeClr val="accent1"/>
+                </a:lnRef>
+                <a:fillRef idx="0">
+                  <a:schemeClr val="accent1"/>
+                </a:fillRef>
+                <a:effectRef idx="1">
+                  <a:schemeClr val="accent1"/>
+                </a:effectRef>
+                <a:fontRef idx="minor">
+                  <a:schemeClr val="tx1"/>
+                </a:fontRef>
+              </p:style>
+            </p:cxnSp>
+            <p:cxnSp>
+              <p:nvCxnSpPr>
+                <p:cNvPr id="14" name="Curved Connector 13"/>
+                <p:cNvCxnSpPr/>
+                <p:nvPr/>
+              </p:nvCxnSpPr>
+              <p:spPr>
+                <a:xfrm flipV="1">
+                  <a:off x="4366722" y="1684811"/>
+                  <a:ext cx="19423" cy="19423"/>
+                </a:xfrm>
+                <a:prstGeom prst="curvedConnector3">
+                  <a:avLst/>
+                </a:prstGeom>
+                <a:ln w="12700">
+                  <a:solidFill>
+                    <a:srgbClr val="7030A0"/>
+                  </a:solidFill>
+                </a:ln>
+                <a:effectLst/>
+              </p:spPr>
+              <p:style>
+                <a:lnRef idx="2">
+                  <a:schemeClr val="accent1"/>
+                </a:lnRef>
+                <a:fillRef idx="0">
+                  <a:schemeClr val="accent1"/>
+                </a:fillRef>
+                <a:effectRef idx="1">
+                  <a:schemeClr val="accent1"/>
+                </a:effectRef>
+                <a:fontRef idx="minor">
+                  <a:schemeClr val="tx1"/>
+                </a:fontRef>
+              </p:style>
+            </p:cxnSp>
+            <p:cxnSp>
+              <p:nvCxnSpPr>
+                <p:cNvPr id="15" name="Curved Connector 14"/>
+                <p:cNvCxnSpPr/>
+                <p:nvPr/>
+              </p:nvCxnSpPr>
+              <p:spPr>
+                <a:xfrm flipV="1">
+                  <a:off x="4477431" y="1684811"/>
+                  <a:ext cx="19423" cy="19423"/>
+                </a:xfrm>
+                <a:prstGeom prst="curvedConnector3">
+                  <a:avLst/>
+                </a:prstGeom>
+                <a:ln w="12700">
+                  <a:solidFill>
+                    <a:srgbClr val="FF0000"/>
+                  </a:solidFill>
+                </a:ln>
+                <a:effectLst/>
+              </p:spPr>
+              <p:style>
+                <a:lnRef idx="2">
+                  <a:schemeClr val="accent1"/>
+                </a:lnRef>
+                <a:fillRef idx="0">
+                  <a:schemeClr val="accent1"/>
+                </a:fillRef>
+                <a:effectRef idx="1">
+                  <a:schemeClr val="accent1"/>
+                </a:effectRef>
+                <a:fontRef idx="minor">
+                  <a:schemeClr val="tx1"/>
+                </a:fontRef>
+              </p:style>
+            </p:cxnSp>
+            <p:cxnSp>
+              <p:nvCxnSpPr>
+                <p:cNvPr id="16" name="Curved Connector 15"/>
+                <p:cNvCxnSpPr/>
+                <p:nvPr/>
+              </p:nvCxnSpPr>
+              <p:spPr>
+                <a:xfrm flipV="1">
+                  <a:off x="4145305" y="1684811"/>
+                  <a:ext cx="19423" cy="19423"/>
+                </a:xfrm>
+                <a:prstGeom prst="curvedConnector3">
+                  <a:avLst/>
+                </a:prstGeom>
+                <a:ln w="12700">
+                  <a:solidFill>
+                    <a:schemeClr val="accent5"/>
+                  </a:solidFill>
+                </a:ln>
+                <a:effectLst/>
+              </p:spPr>
+              <p:style>
+                <a:lnRef idx="2">
+                  <a:schemeClr val="accent1"/>
+                </a:lnRef>
+                <a:fillRef idx="0">
+                  <a:schemeClr val="accent1"/>
+                </a:fillRef>
+                <a:effectRef idx="1">
+                  <a:schemeClr val="accent1"/>
+                </a:effectRef>
+                <a:fontRef idx="minor">
+                  <a:schemeClr val="tx1"/>
+                </a:fontRef>
+              </p:style>
+            </p:cxnSp>
+            <p:cxnSp>
+              <p:nvCxnSpPr>
+                <p:cNvPr id="17" name="Curved Connector 16"/>
+                <p:cNvCxnSpPr/>
+                <p:nvPr/>
+              </p:nvCxnSpPr>
+              <p:spPr>
+                <a:xfrm rot="16200000" flipH="1">
+                  <a:off x="4217169" y="1570218"/>
+                  <a:ext cx="48556" cy="48556"/>
+                </a:xfrm>
+                <a:prstGeom prst="curvedConnector3">
+                  <a:avLst/>
+                </a:prstGeom>
+                <a:ln w="12700">
+                  <a:solidFill>
+                    <a:schemeClr val="tx1"/>
+                  </a:solidFill>
+                </a:ln>
+              </p:spPr>
+              <p:style>
+                <a:lnRef idx="1">
+                  <a:schemeClr val="accent1"/>
+                </a:lnRef>
+                <a:fillRef idx="0">
+                  <a:schemeClr val="accent1"/>
+                </a:fillRef>
+                <a:effectRef idx="0">
+                  <a:schemeClr val="accent1"/>
+                </a:effectRef>
+                <a:fontRef idx="minor">
+                  <a:schemeClr val="tx1"/>
+                </a:fontRef>
+              </p:style>
+            </p:cxnSp>
+            <p:cxnSp>
+              <p:nvCxnSpPr>
+                <p:cNvPr id="18" name="Curved Connector 17"/>
+                <p:cNvCxnSpPr/>
+                <p:nvPr/>
+              </p:nvCxnSpPr>
+              <p:spPr>
+                <a:xfrm rot="5400000">
+                  <a:off x="4265882" y="1570696"/>
+                  <a:ext cx="48556" cy="47585"/>
+                </a:xfrm>
+                <a:prstGeom prst="curvedConnector3">
+                  <a:avLst/>
+                </a:prstGeom>
+                <a:ln w="12700">
+                  <a:solidFill>
+                    <a:schemeClr val="tx1"/>
+                  </a:solidFill>
+                </a:ln>
+              </p:spPr>
+              <p:style>
+                <a:lnRef idx="1">
+                  <a:schemeClr val="accent1"/>
+                </a:lnRef>
+                <a:fillRef idx="0">
+                  <a:schemeClr val="accent1"/>
+                </a:fillRef>
+                <a:effectRef idx="0">
+                  <a:schemeClr val="accent1"/>
+                </a:effectRef>
+                <a:fontRef idx="minor">
+                  <a:schemeClr val="tx1"/>
+                </a:fontRef>
+              </p:style>
+            </p:cxnSp>
+            <p:cxnSp>
+              <p:nvCxnSpPr>
+                <p:cNvPr id="19" name="Straight Connector 18"/>
+                <p:cNvCxnSpPr/>
+                <p:nvPr/>
+              </p:nvCxnSpPr>
+              <p:spPr>
+                <a:xfrm>
+                  <a:off x="4265725" y="1618776"/>
+                  <a:ext cx="0" cy="39816"/>
+                </a:xfrm>
+                <a:prstGeom prst="line">
+                  <a:avLst/>
+                </a:prstGeom>
+                <a:ln w="12700">
+                  <a:solidFill>
+                    <a:schemeClr val="tx1"/>
+                  </a:solidFill>
+                </a:ln>
+              </p:spPr>
+              <p:style>
+                <a:lnRef idx="1">
+                  <a:schemeClr val="accent1"/>
+                </a:lnRef>
+                <a:fillRef idx="0">
+                  <a:schemeClr val="accent1"/>
+                </a:fillRef>
+                <a:effectRef idx="0">
+                  <a:schemeClr val="accent1"/>
+                </a:effectRef>
+                <a:fontRef idx="minor">
+                  <a:schemeClr val="tx1"/>
+                </a:fontRef>
+              </p:style>
+            </p:cxnSp>
+            <p:sp>
+              <p:nvSpPr>
+                <p:cNvPr id="20" name="Arc 19"/>
+                <p:cNvSpPr/>
+                <p:nvPr/>
+              </p:nvSpPr>
+              <p:spPr>
+                <a:xfrm rot="10800000">
+                  <a:off x="4267010" y="1855415"/>
+                  <a:ext cx="58268" cy="58268"/>
+                </a:xfrm>
+                <a:prstGeom prst="arc">
+                  <a:avLst/>
+                </a:prstGeom>
+                <a:ln w="12700">
+                  <a:solidFill>
+                    <a:srgbClr val="FF0000"/>
+                  </a:solidFill>
+                </a:ln>
+              </p:spPr>
+              <p:style>
+                <a:lnRef idx="1">
+                  <a:schemeClr val="accent1"/>
+                </a:lnRef>
+                <a:fillRef idx="0">
+                  <a:schemeClr val="accent1"/>
+                </a:fillRef>
+                <a:effectRef idx="0">
+                  <a:schemeClr val="accent1"/>
+                </a:effectRef>
+                <a:fontRef idx="minor">
+                  <a:schemeClr val="tx1"/>
+                </a:fontRef>
+              </p:style>
+              <p:txBody>
+                <a:bodyPr rtlCol="0" anchor="ctr"/>
+                <a:lstStyle/>
+                <a:p>
+                  <a:pPr algn="ctr"/>
+                  <a:endParaRPr lang="en-AU"/>
+                </a:p>
+              </p:txBody>
+            </p:sp>
+            <p:sp>
+              <p:nvSpPr>
+                <p:cNvPr id="21" name="Arc 20"/>
+                <p:cNvSpPr/>
+                <p:nvPr/>
+              </p:nvSpPr>
+              <p:spPr>
+                <a:xfrm rot="10800000">
+                  <a:off x="4155017" y="1856288"/>
+                  <a:ext cx="58268" cy="57296"/>
+                </a:xfrm>
+                <a:prstGeom prst="arc">
+                  <a:avLst/>
+                </a:prstGeom>
+                <a:ln w="12700">
+                  <a:solidFill>
+                    <a:schemeClr val="accent5"/>
+                  </a:solidFill>
+                </a:ln>
+              </p:spPr>
+              <p:style>
+                <a:lnRef idx="1">
+                  <a:schemeClr val="accent1"/>
+                </a:lnRef>
+                <a:fillRef idx="0">
+                  <a:schemeClr val="accent1"/>
+                </a:fillRef>
+                <a:effectRef idx="0">
+                  <a:schemeClr val="accent1"/>
+                </a:effectRef>
+                <a:fontRef idx="minor">
+                  <a:schemeClr val="tx1"/>
+                </a:fontRef>
+              </p:style>
+              <p:txBody>
+                <a:bodyPr rtlCol="0" anchor="ctr"/>
+                <a:lstStyle/>
+                <a:p>
+                  <a:pPr algn="ctr"/>
+                  <a:endParaRPr lang="en-AU"/>
+                </a:p>
+              </p:txBody>
+            </p:sp>
+            <p:sp>
+              <p:nvSpPr>
+                <p:cNvPr id="22" name="Arc 21"/>
+                <p:cNvSpPr/>
+                <p:nvPr/>
+              </p:nvSpPr>
+              <p:spPr>
+                <a:xfrm rot="10800000" flipH="1">
+                  <a:off x="4294216" y="1854772"/>
+                  <a:ext cx="57296" cy="58268"/>
+                </a:xfrm>
+                <a:prstGeom prst="arc">
+                  <a:avLst/>
+                </a:prstGeom>
+                <a:ln w="12700">
+                  <a:solidFill>
+                    <a:srgbClr val="7030A0"/>
+                  </a:solidFill>
+                </a:ln>
+              </p:spPr>
+              <p:style>
+                <a:lnRef idx="1">
+                  <a:schemeClr val="accent1"/>
+                </a:lnRef>
+                <a:fillRef idx="0">
+                  <a:schemeClr val="accent1"/>
+                </a:fillRef>
+                <a:effectRef idx="0">
+                  <a:schemeClr val="accent1"/>
+                </a:effectRef>
+                <a:fontRef idx="minor">
+                  <a:schemeClr val="tx1"/>
+                </a:fontRef>
+              </p:style>
+              <p:txBody>
+                <a:bodyPr rtlCol="0" anchor="ctr"/>
+                <a:lstStyle/>
+                <a:p>
+                  <a:pPr algn="ctr"/>
+                  <a:endParaRPr lang="en-AU"/>
+                </a:p>
+              </p:txBody>
+            </p:sp>
+            <p:sp>
+              <p:nvSpPr>
+                <p:cNvPr id="23" name="Arc 22"/>
+                <p:cNvSpPr/>
+                <p:nvPr/>
+              </p:nvSpPr>
+              <p:spPr>
+                <a:xfrm rot="10800000" flipH="1">
+                  <a:off x="4428874" y="1856288"/>
+                  <a:ext cx="58268" cy="57296"/>
+                </a:xfrm>
+                <a:prstGeom prst="arc">
+                  <a:avLst/>
+                </a:prstGeom>
+                <a:ln w="12700">
+                  <a:solidFill>
+                    <a:srgbClr val="FF0000"/>
+                  </a:solidFill>
+                </a:ln>
+              </p:spPr>
+              <p:style>
+                <a:lnRef idx="1">
+                  <a:schemeClr val="accent1"/>
+                </a:lnRef>
+                <a:fillRef idx="0">
+                  <a:schemeClr val="accent1"/>
+                </a:fillRef>
+                <a:effectRef idx="0">
+                  <a:schemeClr val="accent1"/>
+                </a:effectRef>
+                <a:fontRef idx="minor">
+                  <a:schemeClr val="tx1"/>
+                </a:fontRef>
+              </p:style>
+              <p:txBody>
+                <a:bodyPr rtlCol="0" anchor="ctr"/>
+                <a:lstStyle/>
+                <a:p>
+                  <a:pPr algn="ctr"/>
+                  <a:endParaRPr lang="en-AU"/>
+                </a:p>
+              </p:txBody>
+            </p:sp>
+            <p:cxnSp>
+              <p:nvCxnSpPr>
+                <p:cNvPr id="24" name="Straight Connector 23"/>
+                <p:cNvCxnSpPr/>
+                <p:nvPr/>
+              </p:nvCxnSpPr>
+              <p:spPr>
+                <a:xfrm flipV="1">
+                  <a:off x="4155016" y="1729070"/>
+                  <a:ext cx="0" cy="156351"/>
+                </a:xfrm>
+                <a:prstGeom prst="line">
+                  <a:avLst/>
+                </a:prstGeom>
+                <a:ln w="12700">
+                  <a:solidFill>
+                    <a:schemeClr val="accent5"/>
+                  </a:solidFill>
+                </a:ln>
+              </p:spPr>
+              <p:style>
+                <a:lnRef idx="1">
+                  <a:schemeClr val="accent1"/>
+                </a:lnRef>
+                <a:fillRef idx="0">
+                  <a:schemeClr val="accent1"/>
+                </a:fillRef>
+                <a:effectRef idx="0">
+                  <a:schemeClr val="accent1"/>
+                </a:effectRef>
+                <a:fontRef idx="minor">
+                  <a:schemeClr val="tx1"/>
+                </a:fontRef>
+              </p:style>
+            </p:cxnSp>
+            <p:cxnSp>
+              <p:nvCxnSpPr>
+                <p:cNvPr id="25" name="Straight Connector 24"/>
+                <p:cNvCxnSpPr/>
+                <p:nvPr/>
+              </p:nvCxnSpPr>
+              <p:spPr>
+                <a:xfrm flipV="1">
+                  <a:off x="4487142" y="1729070"/>
+                  <a:ext cx="0" cy="158293"/>
+                </a:xfrm>
+                <a:prstGeom prst="line">
+                  <a:avLst/>
+                </a:prstGeom>
+                <a:ln w="12700">
+                  <a:solidFill>
+                    <a:srgbClr val="FF0000"/>
+                  </a:solidFill>
+                </a:ln>
+              </p:spPr>
+              <p:style>
+                <a:lnRef idx="1">
+                  <a:schemeClr val="accent1"/>
+                </a:lnRef>
+                <a:fillRef idx="0">
+                  <a:schemeClr val="accent1"/>
+                </a:fillRef>
+                <a:effectRef idx="0">
+                  <a:schemeClr val="accent1"/>
+                </a:effectRef>
+                <a:fontRef idx="minor">
+                  <a:schemeClr val="tx1"/>
+                </a:fontRef>
+              </p:style>
+            </p:cxnSp>
+            <p:cxnSp>
+              <p:nvCxnSpPr>
+                <p:cNvPr id="26" name="Straight Connector 25"/>
+                <p:cNvCxnSpPr/>
+                <p:nvPr/>
+              </p:nvCxnSpPr>
+              <p:spPr>
+                <a:xfrm>
+                  <a:off x="4375894" y="1729070"/>
+                  <a:ext cx="652" cy="40787"/>
+                </a:xfrm>
+                <a:prstGeom prst="line">
+                  <a:avLst/>
+                </a:prstGeom>
+                <a:ln w="12700">
+                  <a:solidFill>
+                    <a:srgbClr val="7030A0"/>
+                  </a:solidFill>
+                </a:ln>
+              </p:spPr>
+              <p:style>
+                <a:lnRef idx="1">
+                  <a:schemeClr val="accent1"/>
+                </a:lnRef>
+                <a:fillRef idx="0">
+                  <a:schemeClr val="accent1"/>
+                </a:fillRef>
+                <a:effectRef idx="0">
+                  <a:schemeClr val="accent1"/>
+                </a:effectRef>
+                <a:fontRef idx="minor">
+                  <a:schemeClr val="tx1"/>
+                </a:fontRef>
+              </p:style>
+            </p:cxnSp>
+            <p:sp>
+              <p:nvSpPr>
+                <p:cNvPr id="27" name="Arc 26"/>
+                <p:cNvSpPr/>
+                <p:nvPr/>
+              </p:nvSpPr>
+              <p:spPr>
+                <a:xfrm rot="10800000" flipH="1">
+                  <a:off x="4208450" y="1856288"/>
+                  <a:ext cx="58268" cy="57296"/>
+                </a:xfrm>
+                <a:prstGeom prst="arc">
+                  <a:avLst/>
+                </a:prstGeom>
+                <a:ln w="12700">
+                  <a:solidFill>
+                    <a:schemeClr val="accent5"/>
+                  </a:solidFill>
+                </a:ln>
+              </p:spPr>
+              <p:style>
+                <a:lnRef idx="1">
+                  <a:schemeClr val="accent1"/>
+                </a:lnRef>
+                <a:fillRef idx="0">
+                  <a:schemeClr val="accent1"/>
+                </a:fillRef>
+                <a:effectRef idx="0">
+                  <a:schemeClr val="accent1"/>
+                </a:effectRef>
+                <a:fontRef idx="minor">
+                  <a:schemeClr val="tx1"/>
+                </a:fontRef>
+              </p:style>
+              <p:txBody>
+                <a:bodyPr rtlCol="0" anchor="ctr"/>
+                <a:lstStyle/>
+                <a:p>
+                  <a:pPr algn="ctr"/>
+                  <a:endParaRPr lang="en-AU"/>
+                </a:p>
+              </p:txBody>
+            </p:sp>
+            <p:cxnSp>
+              <p:nvCxnSpPr>
+                <p:cNvPr id="28" name="Straight Connector 27"/>
+                <p:cNvCxnSpPr/>
+                <p:nvPr/>
+              </p:nvCxnSpPr>
+              <p:spPr>
+                <a:xfrm flipV="1">
+                  <a:off x="4376433" y="1519720"/>
+                  <a:ext cx="0" cy="139842"/>
+                </a:xfrm>
+                <a:prstGeom prst="line">
+                  <a:avLst/>
+                </a:prstGeom>
+                <a:ln w="12700">
+                  <a:solidFill>
+                    <a:srgbClr val="7030A0"/>
+                  </a:solidFill>
+                </a:ln>
+              </p:spPr>
+              <p:style>
+                <a:lnRef idx="1">
+                  <a:schemeClr val="accent1"/>
+                </a:lnRef>
+                <a:fillRef idx="0">
+                  <a:schemeClr val="accent1"/>
+                </a:fillRef>
+                <a:effectRef idx="0">
+                  <a:schemeClr val="accent1"/>
+                </a:effectRef>
+                <a:fontRef idx="minor">
+                  <a:schemeClr val="tx1"/>
+                </a:fontRef>
+              </p:style>
+            </p:cxnSp>
+            <p:sp>
+              <p:nvSpPr>
+                <p:cNvPr id="29" name="Arc 28"/>
+                <p:cNvSpPr/>
+                <p:nvPr/>
+              </p:nvSpPr>
+              <p:spPr>
+                <a:xfrm rot="5400000" flipH="1">
+                  <a:off x="4347942" y="1505638"/>
+                  <a:ext cx="29134" cy="28163"/>
+                </a:xfrm>
+                <a:prstGeom prst="arc">
+                  <a:avLst/>
+                </a:prstGeom>
+                <a:ln w="12700">
+                  <a:solidFill>
+                    <a:srgbClr val="7030A0"/>
+                  </a:solidFill>
+                </a:ln>
+              </p:spPr>
+              <p:style>
+                <a:lnRef idx="1">
+                  <a:schemeClr val="accent1"/>
+                </a:lnRef>
+                <a:fillRef idx="0">
+                  <a:schemeClr val="accent1"/>
+                </a:fillRef>
+                <a:effectRef idx="0">
+                  <a:schemeClr val="accent1"/>
+                </a:effectRef>
+                <a:fontRef idx="minor">
+                  <a:schemeClr val="tx1"/>
+                </a:fontRef>
+              </p:style>
+              <p:txBody>
+                <a:bodyPr rtlCol="0" anchor="ctr"/>
+                <a:lstStyle/>
+                <a:p>
+                  <a:pPr algn="ctr"/>
+                  <a:endParaRPr lang="en-AU"/>
+                </a:p>
+              </p:txBody>
+            </p:sp>
+            <p:cxnSp>
+              <p:nvCxnSpPr>
+                <p:cNvPr id="30" name="Curved Connector 29"/>
+                <p:cNvCxnSpPr/>
+                <p:nvPr/>
+              </p:nvCxnSpPr>
+              <p:spPr>
+                <a:xfrm rot="5400000" flipH="1" flipV="1">
+                  <a:off x="4339687" y="1780474"/>
+                  <a:ext cx="48556" cy="25249"/>
+                </a:xfrm>
+                <a:prstGeom prst="curvedConnector3">
+                  <a:avLst/>
+                </a:prstGeom>
+                <a:ln w="12700">
+                  <a:solidFill>
+                    <a:srgbClr val="7030A0"/>
+                  </a:solidFill>
+                </a:ln>
+              </p:spPr>
+              <p:style>
+                <a:lnRef idx="1">
+                  <a:schemeClr val="accent1"/>
+                </a:lnRef>
+                <a:fillRef idx="0">
+                  <a:schemeClr val="accent1"/>
+                </a:fillRef>
+                <a:effectRef idx="0">
+                  <a:schemeClr val="accent1"/>
+                </a:effectRef>
+                <a:fontRef idx="minor">
+                  <a:schemeClr val="tx1"/>
+                </a:fontRef>
+              </p:style>
+            </p:cxnSp>
+            <p:cxnSp>
+              <p:nvCxnSpPr>
+                <p:cNvPr id="31" name="Curved Connector 30"/>
+                <p:cNvCxnSpPr/>
+                <p:nvPr/>
+              </p:nvCxnSpPr>
+              <p:spPr>
+                <a:xfrm rot="16200000" flipV="1">
+                  <a:off x="4364294" y="1781453"/>
+                  <a:ext cx="48556" cy="23307"/>
+                </a:xfrm>
+                <a:prstGeom prst="curvedConnector3">
+                  <a:avLst/>
+                </a:prstGeom>
+                <a:ln w="12700">
+                  <a:solidFill>
+                    <a:srgbClr val="7030A0"/>
+                  </a:solidFill>
+                </a:ln>
+              </p:spPr>
+              <p:style>
+                <a:lnRef idx="1">
+                  <a:schemeClr val="accent1"/>
+                </a:lnRef>
+                <a:fillRef idx="0">
+                  <a:schemeClr val="accent1"/>
+                </a:fillRef>
+                <a:effectRef idx="0">
+                  <a:schemeClr val="accent1"/>
+                </a:effectRef>
+                <a:fontRef idx="minor">
+                  <a:schemeClr val="tx1"/>
+                </a:fontRef>
+              </p:style>
+            </p:cxnSp>
+            <p:cxnSp>
+              <p:nvCxnSpPr>
+                <p:cNvPr id="32" name="Straight Connector 31"/>
+                <p:cNvCxnSpPr/>
+                <p:nvPr/>
+              </p:nvCxnSpPr>
+              <p:spPr>
+                <a:xfrm flipV="1">
+                  <a:off x="4351718" y="1815500"/>
+                  <a:ext cx="0" cy="68950"/>
+                </a:xfrm>
+                <a:prstGeom prst="line">
+                  <a:avLst/>
+                </a:prstGeom>
+                <a:ln w="12700">
+                  <a:solidFill>
+                    <a:srgbClr val="7030A0"/>
+                  </a:solidFill>
+                </a:ln>
+              </p:spPr>
+              <p:style>
+                <a:lnRef idx="1">
+                  <a:schemeClr val="accent1"/>
+                </a:lnRef>
+                <a:fillRef idx="0">
+                  <a:schemeClr val="accent1"/>
+                </a:fillRef>
+                <a:effectRef idx="0">
+                  <a:schemeClr val="accent1"/>
+                </a:effectRef>
+                <a:fontRef idx="minor">
+                  <a:schemeClr val="tx1"/>
+                </a:fontRef>
+              </p:style>
+            </p:cxnSp>
+            <p:sp>
+              <p:nvSpPr>
+                <p:cNvPr id="33" name="Arc 32"/>
+                <p:cNvSpPr/>
+                <p:nvPr/>
+              </p:nvSpPr>
+              <p:spPr>
+                <a:xfrm rot="5400000" flipH="1">
+                  <a:off x="4428667" y="1476226"/>
+                  <a:ext cx="58268" cy="58268"/>
+                </a:xfrm>
+                <a:prstGeom prst="arc">
+                  <a:avLst/>
+                </a:prstGeom>
+                <a:ln w="12700">
+                  <a:solidFill>
+                    <a:schemeClr val="tx1"/>
+                  </a:solidFill>
+                </a:ln>
+              </p:spPr>
+              <p:style>
+                <a:lnRef idx="1">
+                  <a:schemeClr val="accent1"/>
+                </a:lnRef>
+                <a:fillRef idx="0">
+                  <a:schemeClr val="accent1"/>
+                </a:fillRef>
+                <a:effectRef idx="0">
+                  <a:schemeClr val="accent1"/>
+                </a:effectRef>
+                <a:fontRef idx="minor">
+                  <a:schemeClr val="tx1"/>
+                </a:fontRef>
+              </p:style>
+              <p:txBody>
+                <a:bodyPr rtlCol="0" anchor="ctr"/>
+                <a:lstStyle/>
+                <a:p>
+                  <a:pPr algn="ctr"/>
+                  <a:endParaRPr lang="en-AU"/>
+                </a:p>
+              </p:txBody>
+            </p:sp>
+            <p:sp>
+              <p:nvSpPr>
+                <p:cNvPr id="34" name="Arc 33"/>
+                <p:cNvSpPr/>
+                <p:nvPr/>
+              </p:nvSpPr>
+              <p:spPr>
+                <a:xfrm rot="5400000" flipH="1">
+                  <a:off x="4457905" y="1563523"/>
+                  <a:ext cx="29134" cy="28928"/>
+                </a:xfrm>
+                <a:prstGeom prst="arc">
+                  <a:avLst/>
+                </a:prstGeom>
+                <a:ln w="12700">
+                  <a:solidFill>
+                    <a:srgbClr val="7030A0"/>
+                  </a:solidFill>
+                </a:ln>
+              </p:spPr>
+              <p:style>
+                <a:lnRef idx="1">
+                  <a:schemeClr val="accent1"/>
+                </a:lnRef>
+                <a:fillRef idx="0">
+                  <a:schemeClr val="accent1"/>
+                </a:fillRef>
+                <a:effectRef idx="0">
+                  <a:schemeClr val="accent1"/>
+                </a:effectRef>
+                <a:fontRef idx="minor">
+                  <a:schemeClr val="tx1"/>
+                </a:fontRef>
+              </p:style>
+              <p:txBody>
+                <a:bodyPr rtlCol="0" anchor="ctr"/>
+                <a:lstStyle/>
+                <a:p>
+                  <a:pPr algn="ctr"/>
+                  <a:endParaRPr lang="en-AU"/>
+                </a:p>
+              </p:txBody>
+            </p:sp>
+            <p:sp>
+              <p:nvSpPr>
+                <p:cNvPr id="35" name="Arc 34"/>
+                <p:cNvSpPr/>
+                <p:nvPr/>
+              </p:nvSpPr>
+              <p:spPr>
+                <a:xfrm flipH="1">
+                  <a:off x="4431657" y="1564268"/>
+                  <a:ext cx="29134" cy="28928"/>
+                </a:xfrm>
+                <a:prstGeom prst="arc">
+                  <a:avLst/>
+                </a:prstGeom>
+                <a:ln w="12700">
+                  <a:solidFill>
+                    <a:srgbClr val="7030A0"/>
+                  </a:solidFill>
+                </a:ln>
+              </p:spPr>
+              <p:style>
+                <a:lnRef idx="1">
+                  <a:schemeClr val="accent1"/>
+                </a:lnRef>
+                <a:fillRef idx="0">
+                  <a:schemeClr val="accent1"/>
+                </a:fillRef>
+                <a:effectRef idx="0">
+                  <a:schemeClr val="accent1"/>
+                </a:effectRef>
+                <a:fontRef idx="minor">
+                  <a:schemeClr val="tx1"/>
+                </a:fontRef>
+              </p:style>
+              <p:txBody>
+                <a:bodyPr rtlCol="0" anchor="ctr"/>
+                <a:lstStyle/>
+                <a:p>
+                  <a:pPr algn="ctr"/>
+                  <a:endParaRPr lang="en-AU"/>
+                </a:p>
+              </p:txBody>
+            </p:sp>
+            <p:sp>
+              <p:nvSpPr>
+                <p:cNvPr id="36" name="Arc 35"/>
+                <p:cNvSpPr/>
+                <p:nvPr/>
+              </p:nvSpPr>
+              <p:spPr>
+                <a:xfrm rot="10800000" flipH="1">
+                  <a:off x="4403625" y="1855523"/>
+                  <a:ext cx="28163" cy="28163"/>
+                </a:xfrm>
+                <a:prstGeom prst="arc">
+                  <a:avLst/>
+                </a:prstGeom>
+                <a:ln w="12700">
+                  <a:solidFill>
+                    <a:srgbClr val="7030A0"/>
+                  </a:solidFill>
+                </a:ln>
+              </p:spPr>
+              <p:style>
+                <a:lnRef idx="1">
+                  <a:schemeClr val="accent1"/>
+                </a:lnRef>
+                <a:fillRef idx="0">
+                  <a:schemeClr val="accent1"/>
+                </a:fillRef>
+                <a:effectRef idx="0">
+                  <a:schemeClr val="accent1"/>
+                </a:effectRef>
+                <a:fontRef idx="minor">
+                  <a:schemeClr val="tx1"/>
+                </a:fontRef>
+              </p:style>
+              <p:txBody>
+                <a:bodyPr rtlCol="0" anchor="ctr"/>
+                <a:lstStyle/>
+                <a:p>
+                  <a:pPr algn="ctr"/>
+                  <a:endParaRPr lang="en-AU"/>
+                </a:p>
+              </p:txBody>
+            </p:sp>
+            <p:sp>
+              <p:nvSpPr>
+                <p:cNvPr id="37" name="Arc 36"/>
+                <p:cNvSpPr/>
+                <p:nvPr/>
+              </p:nvSpPr>
+              <p:spPr>
+                <a:xfrm rot="16200000" flipH="1">
+                  <a:off x="4400275" y="1855087"/>
+                  <a:ext cx="28163" cy="28163"/>
+                </a:xfrm>
+                <a:prstGeom prst="arc">
+                  <a:avLst/>
+                </a:prstGeom>
+                <a:ln w="12700">
+                  <a:solidFill>
+                    <a:srgbClr val="7030A0"/>
+                  </a:solidFill>
+                </a:ln>
+              </p:spPr>
+              <p:style>
+                <a:lnRef idx="1">
+                  <a:schemeClr val="accent1"/>
+                </a:lnRef>
+                <a:fillRef idx="0">
+                  <a:schemeClr val="accent1"/>
+                </a:fillRef>
+                <a:effectRef idx="0">
+                  <a:schemeClr val="accent1"/>
+                </a:effectRef>
+                <a:fontRef idx="minor">
+                  <a:schemeClr val="tx1"/>
+                </a:fontRef>
+              </p:style>
+              <p:txBody>
+                <a:bodyPr rtlCol="0" anchor="ctr"/>
+                <a:lstStyle/>
+                <a:p>
+                  <a:pPr algn="ctr"/>
+                  <a:endParaRPr lang="en-AU"/>
+                </a:p>
+              </p:txBody>
+            </p:sp>
+            <p:sp>
+              <p:nvSpPr>
+                <p:cNvPr id="38" name="Arc 37"/>
+                <p:cNvSpPr/>
+                <p:nvPr/>
+              </p:nvSpPr>
+              <p:spPr>
+                <a:xfrm flipH="1">
+                  <a:off x="4314281" y="1505069"/>
+                  <a:ext cx="28163" cy="29134"/>
+                </a:xfrm>
+                <a:prstGeom prst="arc">
+                  <a:avLst/>
+                </a:prstGeom>
+                <a:ln w="12700">
+                  <a:solidFill>
+                    <a:srgbClr val="7030A0"/>
+                  </a:solidFill>
+                </a:ln>
+              </p:spPr>
+              <p:style>
+                <a:lnRef idx="1">
+                  <a:schemeClr val="accent1"/>
+                </a:lnRef>
+                <a:fillRef idx="0">
+                  <a:schemeClr val="accent1"/>
+                </a:fillRef>
+                <a:effectRef idx="0">
+                  <a:schemeClr val="accent1"/>
+                </a:effectRef>
+                <a:fontRef idx="minor">
+                  <a:schemeClr val="tx1"/>
+                </a:fontRef>
+              </p:style>
+              <p:txBody>
+                <a:bodyPr rtlCol="0" anchor="ctr"/>
+                <a:lstStyle/>
+                <a:p>
+                  <a:pPr algn="ctr"/>
+                  <a:endParaRPr lang="en-AU"/>
+                </a:p>
+              </p:txBody>
+            </p:sp>
+            <p:sp>
+              <p:nvSpPr>
+                <p:cNvPr id="39" name="Arc 38"/>
+                <p:cNvSpPr/>
+                <p:nvPr/>
+              </p:nvSpPr>
+              <p:spPr>
+                <a:xfrm flipH="1">
+                  <a:off x="4155017" y="1477740"/>
+                  <a:ext cx="29134" cy="28928"/>
+                </a:xfrm>
+                <a:prstGeom prst="arc">
+                  <a:avLst/>
+                </a:prstGeom>
+                <a:ln w="12700">
+                  <a:solidFill>
+                    <a:schemeClr val="accent5"/>
+                  </a:solidFill>
+                </a:ln>
+              </p:spPr>
+              <p:style>
+                <a:lnRef idx="1">
+                  <a:schemeClr val="accent1"/>
+                </a:lnRef>
+                <a:fillRef idx="0">
+                  <a:schemeClr val="accent1"/>
+                </a:fillRef>
+                <a:effectRef idx="0">
+                  <a:schemeClr val="accent1"/>
+                </a:effectRef>
+                <a:fontRef idx="minor">
+                  <a:schemeClr val="tx1"/>
+                </a:fontRef>
+              </p:style>
+              <p:txBody>
+                <a:bodyPr rtlCol="0" anchor="ctr"/>
+                <a:lstStyle/>
+                <a:p>
+                  <a:pPr algn="ctr"/>
+                  <a:endParaRPr lang="en-AU"/>
+                </a:p>
+              </p:txBody>
+            </p:sp>
+            <p:sp>
+              <p:nvSpPr>
+                <p:cNvPr id="40" name="Arc 39"/>
+                <p:cNvSpPr/>
+                <p:nvPr/>
+              </p:nvSpPr>
+              <p:spPr>
+                <a:xfrm rot="5400000" flipH="1">
+                  <a:off x="4187932" y="1505898"/>
+                  <a:ext cx="29134" cy="28928"/>
+                </a:xfrm>
+                <a:prstGeom prst="arc">
+                  <a:avLst/>
+                </a:prstGeom>
+                <a:ln w="12700">
+                  <a:solidFill>
+                    <a:srgbClr val="00B0F0"/>
+                  </a:solidFill>
+                </a:ln>
+              </p:spPr>
+              <p:style>
+                <a:lnRef idx="1">
+                  <a:schemeClr val="accent1"/>
+                </a:lnRef>
+                <a:fillRef idx="0">
+                  <a:schemeClr val="accent1"/>
+                </a:fillRef>
+                <a:effectRef idx="0">
+                  <a:schemeClr val="accent1"/>
+                </a:effectRef>
+                <a:fontRef idx="minor">
+                  <a:schemeClr val="tx1"/>
+                </a:fontRef>
+              </p:style>
+              <p:txBody>
+                <a:bodyPr rtlCol="0" anchor="ctr"/>
+                <a:lstStyle/>
+                <a:p>
+                  <a:pPr algn="ctr"/>
+                  <a:endParaRPr lang="en-AU"/>
+                </a:p>
+              </p:txBody>
+            </p:sp>
+            <p:sp>
+              <p:nvSpPr>
+                <p:cNvPr id="41" name="Arc 40"/>
+                <p:cNvSpPr/>
+                <p:nvPr/>
+              </p:nvSpPr>
+              <p:spPr>
+                <a:xfrm rot="5400000" flipH="1">
+                  <a:off x="4158694" y="1477639"/>
+                  <a:ext cx="58268" cy="58268"/>
+                </a:xfrm>
+                <a:prstGeom prst="arc">
+                  <a:avLst/>
+                </a:prstGeom>
+                <a:ln w="12700">
+                  <a:solidFill>
+                    <a:srgbClr val="C00000"/>
+                  </a:solidFill>
+                </a:ln>
+              </p:spPr>
+              <p:style>
+                <a:lnRef idx="1">
+                  <a:schemeClr val="accent1"/>
+                </a:lnRef>
+                <a:fillRef idx="0">
+                  <a:schemeClr val="accent1"/>
+                </a:fillRef>
+                <a:effectRef idx="0">
+                  <a:schemeClr val="accent1"/>
+                </a:effectRef>
+                <a:fontRef idx="minor">
+                  <a:schemeClr val="tx1"/>
+                </a:fontRef>
+              </p:style>
+              <p:txBody>
+                <a:bodyPr rtlCol="0" anchor="ctr"/>
+                <a:lstStyle/>
+                <a:p>
+                  <a:pPr algn="ctr"/>
+                  <a:endParaRPr lang="en-AU"/>
+                </a:p>
+              </p:txBody>
+            </p:sp>
+            <p:sp>
+              <p:nvSpPr>
+                <p:cNvPr id="42" name="Arc 41"/>
+                <p:cNvSpPr/>
+                <p:nvPr/>
+              </p:nvSpPr>
+              <p:spPr>
+                <a:xfrm flipH="1">
+                  <a:off x="4266696" y="1477075"/>
+                  <a:ext cx="57296" cy="58268"/>
+                </a:xfrm>
+                <a:prstGeom prst="arc">
+                  <a:avLst/>
+                </a:prstGeom>
+                <a:ln w="12700">
+                  <a:solidFill>
+                    <a:schemeClr val="tx1"/>
+                  </a:solidFill>
+                </a:ln>
+              </p:spPr>
+              <p:style>
+                <a:lnRef idx="1">
+                  <a:schemeClr val="accent1"/>
+                </a:lnRef>
+                <a:fillRef idx="0">
+                  <a:schemeClr val="accent1"/>
+                </a:fillRef>
+                <a:effectRef idx="0">
+                  <a:schemeClr val="accent1"/>
+                </a:effectRef>
+                <a:fontRef idx="minor">
+                  <a:schemeClr val="tx1"/>
+                </a:fontRef>
+              </p:style>
+              <p:txBody>
+                <a:bodyPr rtlCol="0" anchor="ctr"/>
+                <a:lstStyle/>
+                <a:p>
+                  <a:pPr algn="ctr"/>
+                  <a:endParaRPr lang="en-AU"/>
+                </a:p>
+              </p:txBody>
+            </p:sp>
+            <p:cxnSp>
+              <p:nvCxnSpPr>
+                <p:cNvPr id="43" name="Straight Connector 42"/>
+                <p:cNvCxnSpPr/>
+                <p:nvPr/>
+              </p:nvCxnSpPr>
+              <p:spPr>
+                <a:xfrm flipV="1">
+                  <a:off x="4155017" y="1492116"/>
+                  <a:ext cx="0" cy="167034"/>
+                </a:xfrm>
+                <a:prstGeom prst="line">
+                  <a:avLst/>
+                </a:prstGeom>
+                <a:ln w="12700">
+                  <a:solidFill>
+                    <a:schemeClr val="accent5"/>
+                  </a:solidFill>
+                </a:ln>
+              </p:spPr>
+              <p:style>
+                <a:lnRef idx="1">
+                  <a:schemeClr val="accent1"/>
+                </a:lnRef>
+                <a:fillRef idx="0">
+                  <a:schemeClr val="accent1"/>
+                </a:fillRef>
+                <a:effectRef idx="0">
+                  <a:schemeClr val="accent1"/>
+                </a:effectRef>
+                <a:fontRef idx="minor">
+                  <a:schemeClr val="tx1"/>
+                </a:fontRef>
+              </p:style>
+            </p:cxnSp>
+            <p:cxnSp>
+              <p:nvCxnSpPr>
+                <p:cNvPr id="44" name="Straight Connector 43"/>
+                <p:cNvCxnSpPr/>
+                <p:nvPr/>
+              </p:nvCxnSpPr>
+              <p:spPr>
+                <a:xfrm flipH="1">
+                  <a:off x="4294859" y="1476226"/>
+                  <a:ext cx="163149" cy="207"/>
+                </a:xfrm>
+                <a:prstGeom prst="line">
+                  <a:avLst/>
+                </a:prstGeom>
+                <a:ln w="12700">
+                  <a:solidFill>
+                    <a:schemeClr val="tx1"/>
+                  </a:solidFill>
+                </a:ln>
+              </p:spPr>
+              <p:style>
+                <a:lnRef idx="1">
+                  <a:schemeClr val="accent1"/>
+                </a:lnRef>
+                <a:fillRef idx="0">
+                  <a:schemeClr val="accent1"/>
+                </a:fillRef>
+                <a:effectRef idx="0">
+                  <a:schemeClr val="accent1"/>
+                </a:effectRef>
+                <a:fontRef idx="minor">
+                  <a:schemeClr val="tx1"/>
+                </a:fontRef>
+              </p:style>
+            </p:cxnSp>
+            <p:cxnSp>
+              <p:nvCxnSpPr>
+                <p:cNvPr id="45" name="Straight Connector 44"/>
+                <p:cNvCxnSpPr/>
+                <p:nvPr/>
+              </p:nvCxnSpPr>
+              <p:spPr>
+                <a:xfrm>
+                  <a:off x="4314281" y="1518905"/>
+                  <a:ext cx="0" cy="6798"/>
+                </a:xfrm>
+                <a:prstGeom prst="line">
+                  <a:avLst/>
+                </a:prstGeom>
+                <a:ln w="12700">
+                  <a:solidFill>
+                    <a:srgbClr val="7030A0"/>
+                  </a:solidFill>
+                </a:ln>
+              </p:spPr>
+              <p:style>
+                <a:lnRef idx="1">
+                  <a:schemeClr val="accent1"/>
+                </a:lnRef>
+                <a:fillRef idx="0">
+                  <a:schemeClr val="accent1"/>
+                </a:fillRef>
+                <a:effectRef idx="0">
+                  <a:schemeClr val="accent1"/>
+                </a:effectRef>
+                <a:fontRef idx="minor">
+                  <a:schemeClr val="tx1"/>
+                </a:fontRef>
+              </p:style>
+            </p:cxnSp>
+            <p:cxnSp>
+              <p:nvCxnSpPr>
+                <p:cNvPr id="46" name="Straight Connector 45"/>
+                <p:cNvCxnSpPr/>
+                <p:nvPr/>
+              </p:nvCxnSpPr>
+              <p:spPr>
+                <a:xfrm>
+                  <a:off x="4400712" y="1815500"/>
+                  <a:ext cx="0" cy="55354"/>
+                </a:xfrm>
+                <a:prstGeom prst="line">
+                  <a:avLst/>
+                </a:prstGeom>
+                <a:ln w="12700">
+                  <a:solidFill>
+                    <a:srgbClr val="7030A0"/>
+                  </a:solidFill>
+                </a:ln>
+              </p:spPr>
+              <p:style>
+                <a:lnRef idx="1">
+                  <a:schemeClr val="accent1"/>
+                </a:lnRef>
+                <a:fillRef idx="0">
+                  <a:schemeClr val="accent1"/>
+                </a:fillRef>
+                <a:effectRef idx="0">
+                  <a:schemeClr val="accent1"/>
+                </a:effectRef>
+                <a:fontRef idx="minor">
+                  <a:schemeClr val="tx1"/>
+                </a:fontRef>
+              </p:style>
+            </p:cxnSp>
+            <p:cxnSp>
+              <p:nvCxnSpPr>
+                <p:cNvPr id="47" name="Straight Connector 46"/>
+                <p:cNvCxnSpPr/>
+                <p:nvPr/>
+              </p:nvCxnSpPr>
+              <p:spPr>
+                <a:xfrm>
+                  <a:off x="4327877" y="1505153"/>
+                  <a:ext cx="35932" cy="0"/>
+                </a:xfrm>
+                <a:prstGeom prst="line">
+                  <a:avLst/>
+                </a:prstGeom>
+                <a:ln w="12700">
+                  <a:solidFill>
+                    <a:srgbClr val="7030A0"/>
+                  </a:solidFill>
+                </a:ln>
+              </p:spPr>
+              <p:style>
+                <a:lnRef idx="1">
+                  <a:schemeClr val="accent1"/>
+                </a:lnRef>
+                <a:fillRef idx="0">
+                  <a:schemeClr val="accent1"/>
+                </a:fillRef>
+                <a:effectRef idx="0">
+                  <a:schemeClr val="accent1"/>
+                </a:effectRef>
+                <a:fontRef idx="minor">
+                  <a:schemeClr val="tx1"/>
+                </a:fontRef>
+              </p:style>
+            </p:cxnSp>
+            <p:cxnSp>
+              <p:nvCxnSpPr>
+                <p:cNvPr id="48" name="Straight Connector 47"/>
+                <p:cNvCxnSpPr/>
+                <p:nvPr/>
+              </p:nvCxnSpPr>
+              <p:spPr>
+                <a:xfrm>
+                  <a:off x="4413994" y="1883249"/>
+                  <a:ext cx="4856" cy="0"/>
+                </a:xfrm>
+                <a:prstGeom prst="line">
+                  <a:avLst/>
+                </a:prstGeom>
+                <a:ln w="12700">
+                  <a:solidFill>
+                    <a:srgbClr val="7030A0"/>
+                  </a:solidFill>
+                </a:ln>
+              </p:spPr>
+              <p:style>
+                <a:lnRef idx="1">
+                  <a:schemeClr val="accent1"/>
+                </a:lnRef>
+                <a:fillRef idx="0">
+                  <a:schemeClr val="accent1"/>
+                </a:fillRef>
+                <a:effectRef idx="0">
+                  <a:schemeClr val="accent1"/>
+                </a:effectRef>
+                <a:fontRef idx="minor">
+                  <a:schemeClr val="tx1"/>
+                </a:fontRef>
+              </p:style>
+            </p:cxnSp>
+            <p:cxnSp>
+              <p:nvCxnSpPr>
+                <p:cNvPr id="49" name="Straight Connector 48"/>
+                <p:cNvCxnSpPr/>
+                <p:nvPr/>
+              </p:nvCxnSpPr>
+              <p:spPr>
+                <a:xfrm flipH="1">
+                  <a:off x="4445712" y="1563420"/>
+                  <a:ext cx="28163" cy="207"/>
+                </a:xfrm>
+                <a:prstGeom prst="line">
+                  <a:avLst/>
+                </a:prstGeom>
+                <a:ln w="12700">
+                  <a:solidFill>
+                    <a:srgbClr val="7030A0"/>
+                  </a:solidFill>
+                </a:ln>
+              </p:spPr>
+              <p:style>
+                <a:lnRef idx="1">
+                  <a:schemeClr val="accent1"/>
+                </a:lnRef>
+                <a:fillRef idx="0">
+                  <a:schemeClr val="accent1"/>
+                </a:fillRef>
+                <a:effectRef idx="0">
+                  <a:schemeClr val="accent1"/>
+                </a:effectRef>
+                <a:fontRef idx="minor">
+                  <a:schemeClr val="tx1"/>
+                </a:fontRef>
+              </p:style>
+            </p:cxnSp>
+            <p:cxnSp>
+              <p:nvCxnSpPr>
+                <p:cNvPr id="50" name="Straight Connector 49"/>
+                <p:cNvCxnSpPr/>
+                <p:nvPr/>
+              </p:nvCxnSpPr>
+              <p:spPr>
+                <a:xfrm flipV="1">
+                  <a:off x="4431788" y="1577987"/>
+                  <a:ext cx="237" cy="293280"/>
+                </a:xfrm>
+                <a:prstGeom prst="line">
+                  <a:avLst/>
+                </a:prstGeom>
+                <a:ln w="12700">
+                  <a:solidFill>
+                    <a:srgbClr val="7030A0"/>
+                  </a:solidFill>
+                </a:ln>
+              </p:spPr>
+              <p:style>
+                <a:lnRef idx="1">
+                  <a:schemeClr val="accent1"/>
+                </a:lnRef>
+                <a:fillRef idx="0">
+                  <a:schemeClr val="accent1"/>
+                </a:fillRef>
+                <a:effectRef idx="0">
+                  <a:schemeClr val="accent1"/>
+                </a:effectRef>
+                <a:fontRef idx="minor">
+                  <a:schemeClr val="tx1"/>
+                </a:fontRef>
+              </p:style>
+            </p:cxnSp>
+            <p:cxnSp>
+              <p:nvCxnSpPr>
+                <p:cNvPr id="51" name="Straight Connector 50"/>
+                <p:cNvCxnSpPr/>
+                <p:nvPr/>
+              </p:nvCxnSpPr>
+              <p:spPr>
+                <a:xfrm flipV="1">
+                  <a:off x="4472812" y="1620727"/>
+                  <a:ext cx="29134" cy="0"/>
+                </a:xfrm>
+                <a:prstGeom prst="line">
+                  <a:avLst/>
+                </a:prstGeom>
+                <a:ln w="12700">
+                  <a:solidFill>
+                    <a:srgbClr val="FF0000"/>
+                  </a:solidFill>
+                </a:ln>
+              </p:spPr>
+              <p:style>
+                <a:lnRef idx="1">
+                  <a:schemeClr val="accent1"/>
+                </a:lnRef>
+                <a:fillRef idx="0">
+                  <a:schemeClr val="accent1"/>
+                </a:fillRef>
+                <a:effectRef idx="0">
+                  <a:schemeClr val="accent1"/>
+                </a:effectRef>
+                <a:fontRef idx="minor">
+                  <a:schemeClr val="tx1"/>
+                </a:fontRef>
+              </p:style>
+            </p:cxnSp>
+            <p:cxnSp>
+              <p:nvCxnSpPr>
+                <p:cNvPr id="52" name="Straight Connector 51"/>
+                <p:cNvCxnSpPr/>
+                <p:nvPr/>
+              </p:nvCxnSpPr>
+              <p:spPr>
+                <a:xfrm flipV="1">
+                  <a:off x="4472575" y="1615872"/>
+                  <a:ext cx="0" cy="4856"/>
+                </a:xfrm>
+                <a:prstGeom prst="line">
+                  <a:avLst/>
+                </a:prstGeom>
+                <a:ln w="12700">
+                  <a:solidFill>
+                    <a:srgbClr val="FF0000"/>
+                  </a:solidFill>
+                </a:ln>
+              </p:spPr>
+              <p:style>
+                <a:lnRef idx="1">
+                  <a:schemeClr val="accent1"/>
+                </a:lnRef>
+                <a:fillRef idx="0">
+                  <a:schemeClr val="accent1"/>
+                </a:fillRef>
+                <a:effectRef idx="0">
+                  <a:schemeClr val="accent1"/>
+                </a:effectRef>
+                <a:fontRef idx="minor">
+                  <a:schemeClr val="tx1"/>
+                </a:fontRef>
+              </p:style>
+            </p:cxnSp>
+            <p:cxnSp>
+              <p:nvCxnSpPr>
+                <p:cNvPr id="53" name="Straight Connector 52"/>
+                <p:cNvCxnSpPr/>
+                <p:nvPr/>
+              </p:nvCxnSpPr>
+              <p:spPr>
+                <a:xfrm flipV="1">
+                  <a:off x="4501575" y="1616147"/>
+                  <a:ext cx="0" cy="4856"/>
+                </a:xfrm>
+                <a:prstGeom prst="line">
+                  <a:avLst/>
+                </a:prstGeom>
+                <a:ln w="12700">
+                  <a:solidFill>
+                    <a:srgbClr val="FF0000"/>
+                  </a:solidFill>
+                </a:ln>
+              </p:spPr>
+              <p:style>
+                <a:lnRef idx="1">
+                  <a:schemeClr val="accent1"/>
+                </a:lnRef>
+                <a:fillRef idx="0">
+                  <a:schemeClr val="accent1"/>
+                </a:fillRef>
+                <a:effectRef idx="0">
+                  <a:schemeClr val="accent1"/>
+                </a:effectRef>
+                <a:fontRef idx="minor">
+                  <a:schemeClr val="tx1"/>
+                </a:fontRef>
+              </p:style>
+            </p:cxnSp>
+            <p:sp>
+              <p:nvSpPr>
+                <p:cNvPr id="54" name="Oval 53"/>
+                <p:cNvSpPr/>
+                <p:nvPr/>
+              </p:nvSpPr>
+              <p:spPr>
+                <a:xfrm flipV="1">
+                  <a:off x="4474384" y="1592069"/>
+                  <a:ext cx="25249" cy="25249"/>
+                </a:xfrm>
+                <a:prstGeom prst="ellipse">
+                  <a:avLst/>
+                </a:prstGeom>
+                <a:solidFill>
+                  <a:srgbClr val="7030A0"/>
+                </a:solidFill>
+                <a:ln>
+                  <a:noFill/>
+                </a:ln>
+              </p:spPr>
+              <p:style>
+                <a:lnRef idx="2">
+                  <a:schemeClr val="accent1">
+                    <a:shade val="50000"/>
+                  </a:schemeClr>
+                </a:lnRef>
+                <a:fillRef idx="1">
+                  <a:schemeClr val="accent1"/>
+                </a:fillRef>
+                <a:effectRef idx="0">
+                  <a:schemeClr val="accent1"/>
+                </a:effectRef>
+                <a:fontRef idx="minor">
+                  <a:schemeClr val="lt1"/>
+                </a:fontRef>
+              </p:style>
+              <p:txBody>
+                <a:bodyPr rtlCol="0" anchor="ctr"/>
+                <a:lstStyle/>
+                <a:p>
+                  <a:pPr algn="ctr"/>
+                  <a:endParaRPr lang="en-AU"/>
+                </a:p>
+              </p:txBody>
+            </p:sp>
+            <p:cxnSp>
+              <p:nvCxnSpPr>
+                <p:cNvPr id="55" name="Straight Connector 54"/>
+                <p:cNvCxnSpPr/>
+                <p:nvPr/>
+              </p:nvCxnSpPr>
+              <p:spPr>
+                <a:xfrm>
+                  <a:off x="4487009" y="1620879"/>
+                  <a:ext cx="0" cy="9711"/>
+                </a:xfrm>
+                <a:prstGeom prst="line">
+                  <a:avLst/>
+                </a:prstGeom>
+                <a:ln w="12700">
+                  <a:solidFill>
+                    <a:srgbClr val="FF0000"/>
+                  </a:solidFill>
+                </a:ln>
+              </p:spPr>
+              <p:style>
+                <a:lnRef idx="1">
+                  <a:schemeClr val="accent1"/>
+                </a:lnRef>
+                <a:fillRef idx="0">
+                  <a:schemeClr val="accent1"/>
+                </a:fillRef>
+                <a:effectRef idx="0">
+                  <a:schemeClr val="accent1"/>
+                </a:effectRef>
+                <a:fontRef idx="minor">
+                  <a:schemeClr val="tx1"/>
+                </a:fontRef>
+              </p:style>
+            </p:cxnSp>
+            <p:cxnSp>
+              <p:nvCxnSpPr>
+                <p:cNvPr id="56" name="Straight Connector 55"/>
+                <p:cNvCxnSpPr/>
+                <p:nvPr/>
+              </p:nvCxnSpPr>
+              <p:spPr>
+                <a:xfrm>
+                  <a:off x="4487009" y="1582357"/>
+                  <a:ext cx="0" cy="9711"/>
+                </a:xfrm>
+                <a:prstGeom prst="line">
+                  <a:avLst/>
+                </a:prstGeom>
+                <a:ln w="12700">
+                  <a:solidFill>
+                    <a:schemeClr val="tx1"/>
+                  </a:solidFill>
+                </a:ln>
+              </p:spPr>
+              <p:style>
+                <a:lnRef idx="1">
+                  <a:schemeClr val="accent1"/>
+                </a:lnRef>
+                <a:fillRef idx="0">
+                  <a:schemeClr val="accent1"/>
+                </a:fillRef>
+                <a:effectRef idx="0">
+                  <a:schemeClr val="accent1"/>
+                </a:effectRef>
+                <a:fontRef idx="minor">
+                  <a:schemeClr val="tx1"/>
+                </a:fontRef>
+              </p:style>
+            </p:cxnSp>
+            <p:cxnSp>
+              <p:nvCxnSpPr>
+                <p:cNvPr id="57" name="Straight Connector 56"/>
+                <p:cNvCxnSpPr/>
+                <p:nvPr/>
+              </p:nvCxnSpPr>
+              <p:spPr>
+                <a:xfrm flipV="1">
+                  <a:off x="4265849" y="1784138"/>
+                  <a:ext cx="0" cy="9711"/>
+                </a:xfrm>
+                <a:prstGeom prst="line">
+                  <a:avLst/>
+                </a:prstGeom>
+                <a:ln w="12700">
+                  <a:solidFill>
+                    <a:schemeClr val="tx1"/>
+                  </a:solidFill>
+                </a:ln>
+              </p:spPr>
+              <p:style>
+                <a:lnRef idx="1">
+                  <a:schemeClr val="accent1"/>
+                </a:lnRef>
+                <a:fillRef idx="0">
+                  <a:schemeClr val="accent1"/>
+                </a:fillRef>
+                <a:effectRef idx="0">
+                  <a:schemeClr val="accent1"/>
+                </a:effectRef>
+                <a:fontRef idx="minor">
+                  <a:schemeClr val="tx1"/>
+                </a:fontRef>
+              </p:style>
+            </p:cxnSp>
+            <p:grpSp>
+              <p:nvGrpSpPr>
+                <p:cNvPr id="3" name="Group 634"/>
+                <p:cNvGrpSpPr/>
+                <p:nvPr/>
+              </p:nvGrpSpPr>
+              <p:grpSpPr>
+                <a:xfrm>
+                  <a:off x="4251449" y="1793574"/>
+                  <a:ext cx="29371" cy="5130"/>
+                  <a:chOff x="4724894" y="1611142"/>
+                  <a:chExt cx="108879" cy="19018"/>
+                </a:xfrm>
+              </p:grpSpPr>
+              <p:cxnSp>
+                <p:nvCxnSpPr>
+                  <p:cNvPr id="125" name="Straight Connector 124"/>
+                  <p:cNvCxnSpPr/>
+                  <p:nvPr/>
+                </p:nvCxnSpPr>
+                <p:spPr>
+                  <a:xfrm>
+                    <a:off x="4725773" y="1612161"/>
+                    <a:ext cx="108000" cy="0"/>
+                  </a:xfrm>
+                  <a:prstGeom prst="line">
+                    <a:avLst/>
+                  </a:prstGeom>
+                  <a:ln w="12700">
+                    <a:solidFill>
+                      <a:schemeClr val="tx1"/>
+                    </a:solidFill>
+                  </a:ln>
+                </p:spPr>
+                <p:style>
+                  <a:lnRef idx="1">
+                    <a:schemeClr val="accent1"/>
+                  </a:lnRef>
+                  <a:fillRef idx="0">
+                    <a:schemeClr val="accent1"/>
+                  </a:fillRef>
+                  <a:effectRef idx="0">
+                    <a:schemeClr val="accent1"/>
+                  </a:effectRef>
+                  <a:fontRef idx="minor">
+                    <a:schemeClr val="tx1"/>
+                  </a:fontRef>
+                </p:style>
+              </p:cxnSp>
+              <p:cxnSp>
+                <p:nvCxnSpPr>
+                  <p:cNvPr id="126" name="Straight Connector 125"/>
+                  <p:cNvCxnSpPr/>
+                  <p:nvPr/>
+                </p:nvCxnSpPr>
+                <p:spPr>
+                  <a:xfrm>
+                    <a:off x="4724894" y="1612160"/>
+                    <a:ext cx="0" cy="18000"/>
+                  </a:xfrm>
+                  <a:prstGeom prst="line">
+                    <a:avLst/>
+                  </a:prstGeom>
+                  <a:ln w="12700">
+                    <a:solidFill>
+                      <a:schemeClr val="tx1"/>
+                    </a:solidFill>
+                  </a:ln>
+                </p:spPr>
+                <p:style>
+                  <a:lnRef idx="1">
+                    <a:schemeClr val="accent1"/>
+                  </a:lnRef>
+                  <a:fillRef idx="0">
+                    <a:schemeClr val="accent1"/>
+                  </a:fillRef>
+                  <a:effectRef idx="0">
+                    <a:schemeClr val="accent1"/>
+                  </a:effectRef>
+                  <a:fontRef idx="minor">
+                    <a:schemeClr val="tx1"/>
+                  </a:fontRef>
+                </p:style>
+              </p:cxnSp>
+              <p:cxnSp>
+                <p:nvCxnSpPr>
+                  <p:cNvPr id="127" name="Straight Connector 126"/>
+                  <p:cNvCxnSpPr/>
+                  <p:nvPr/>
+                </p:nvCxnSpPr>
+                <p:spPr>
+                  <a:xfrm>
+                    <a:off x="4832400" y="1611142"/>
+                    <a:ext cx="0" cy="18000"/>
+                  </a:xfrm>
+                  <a:prstGeom prst="line">
+                    <a:avLst/>
+                  </a:prstGeom>
+                  <a:ln w="12700">
+                    <a:solidFill>
+                      <a:schemeClr val="tx1"/>
+                    </a:solidFill>
+                  </a:ln>
+                </p:spPr>
+                <p:style>
+                  <a:lnRef idx="1">
+                    <a:schemeClr val="accent1"/>
+                  </a:lnRef>
+                  <a:fillRef idx="0">
+                    <a:schemeClr val="accent1"/>
+                  </a:fillRef>
+                  <a:effectRef idx="0">
+                    <a:schemeClr val="accent1"/>
+                  </a:effectRef>
+                  <a:fontRef idx="minor">
+                    <a:schemeClr val="tx1"/>
+                  </a:fontRef>
+                </p:style>
+              </p:cxnSp>
+            </p:grpSp>
+            <p:sp>
+              <p:nvSpPr>
+                <p:cNvPr id="59" name="Rectangle 58"/>
+                <p:cNvSpPr/>
+                <p:nvPr/>
+              </p:nvSpPr>
+              <p:spPr>
+                <a:xfrm>
+                  <a:off x="4254360" y="1799190"/>
+                  <a:ext cx="23307" cy="23307"/>
+                </a:xfrm>
+                <a:prstGeom prst="rect">
+                  <a:avLst/>
+                </a:prstGeom>
+                <a:solidFill>
+                  <a:schemeClr val="accent5"/>
+                </a:solidFill>
+                <a:ln w="12700">
+                  <a:noFill/>
+                </a:ln>
+              </p:spPr>
+              <p:style>
+                <a:lnRef idx="2">
+                  <a:schemeClr val="accent1">
+                    <a:shade val="50000"/>
+                  </a:schemeClr>
+                </a:lnRef>
+                <a:fillRef idx="1">
+                  <a:schemeClr val="accent1"/>
+                </a:fillRef>
+                <a:effectRef idx="0">
+                  <a:schemeClr val="accent1"/>
+                </a:effectRef>
+                <a:fontRef idx="minor">
+                  <a:schemeClr val="lt1"/>
+                </a:fontRef>
+              </p:style>
+              <p:txBody>
+                <a:bodyPr rtlCol="0" anchor="ctr"/>
+                <a:lstStyle/>
+                <a:p>
+                  <a:pPr algn="ctr"/>
+                  <a:endParaRPr lang="en-AU"/>
+                </a:p>
+              </p:txBody>
+            </p:sp>
+            <p:cxnSp>
+              <p:nvCxnSpPr>
+                <p:cNvPr id="60" name="Straight Connector 59"/>
+                <p:cNvCxnSpPr/>
+                <p:nvPr/>
+              </p:nvCxnSpPr>
+              <p:spPr>
+                <a:xfrm flipV="1">
+                  <a:off x="4266014" y="1822497"/>
+                  <a:ext cx="0" cy="9711"/>
+                </a:xfrm>
+                <a:prstGeom prst="line">
+                  <a:avLst/>
+                </a:prstGeom>
+                <a:ln w="12700">
+                  <a:solidFill>
+                    <a:srgbClr val="00B0F0"/>
+                  </a:solidFill>
+                </a:ln>
+              </p:spPr>
+              <p:style>
+                <a:lnRef idx="1">
+                  <a:schemeClr val="accent1"/>
+                </a:lnRef>
+                <a:fillRef idx="0">
+                  <a:schemeClr val="accent1"/>
+                </a:fillRef>
+                <a:effectRef idx="0">
+                  <a:schemeClr val="accent1"/>
+                </a:effectRef>
+                <a:fontRef idx="minor">
+                  <a:schemeClr val="tx1"/>
+                </a:fontRef>
+              </p:style>
+            </p:cxnSp>
+            <p:sp>
+              <p:nvSpPr>
+                <p:cNvPr id="61" name="Isosceles Triangle 60"/>
+                <p:cNvSpPr/>
+                <p:nvPr/>
+              </p:nvSpPr>
+              <p:spPr>
+                <a:xfrm flipV="1">
+                  <a:off x="4302461" y="1540113"/>
+                  <a:ext cx="23307" cy="23307"/>
+                </a:xfrm>
+                <a:prstGeom prst="triangle">
+                  <a:avLst/>
+                </a:prstGeom>
+                <a:solidFill>
+                  <a:schemeClr val="tx1"/>
+                </a:solidFill>
+                <a:ln>
+                  <a:noFill/>
+                </a:ln>
+              </p:spPr>
+              <p:style>
+                <a:lnRef idx="2">
+                  <a:schemeClr val="accent1">
+                    <a:shade val="50000"/>
+                  </a:schemeClr>
+                </a:lnRef>
+                <a:fillRef idx="1">
+                  <a:schemeClr val="accent1"/>
+                </a:fillRef>
+                <a:effectRef idx="0">
+                  <a:schemeClr val="accent1"/>
+                </a:effectRef>
+                <a:fontRef idx="minor">
+                  <a:schemeClr val="lt1"/>
+                </a:fontRef>
+              </p:style>
+              <p:txBody>
+                <a:bodyPr rtlCol="0" anchor="ctr"/>
+                <a:lstStyle/>
+                <a:p>
+                  <a:pPr algn="ctr"/>
+                  <a:endParaRPr lang="en-AU"/>
+                </a:p>
+              </p:txBody>
+            </p:sp>
+            <p:cxnSp>
+              <p:nvCxnSpPr>
+                <p:cNvPr id="62" name="Straight Connector 61"/>
+                <p:cNvCxnSpPr/>
+                <p:nvPr/>
+              </p:nvCxnSpPr>
+              <p:spPr>
+                <a:xfrm flipV="1">
+                  <a:off x="4313705" y="1560507"/>
+                  <a:ext cx="0" cy="12625"/>
+                </a:xfrm>
+                <a:prstGeom prst="line">
+                  <a:avLst/>
+                </a:prstGeom>
+                <a:ln w="12700">
+                  <a:solidFill>
+                    <a:schemeClr val="tx1"/>
+                  </a:solidFill>
+                </a:ln>
+              </p:spPr>
+              <p:style>
+                <a:lnRef idx="1">
+                  <a:schemeClr val="accent1"/>
+                </a:lnRef>
+                <a:fillRef idx="0">
+                  <a:schemeClr val="accent1"/>
+                </a:fillRef>
+                <a:effectRef idx="0">
+                  <a:schemeClr val="accent1"/>
+                </a:effectRef>
+                <a:fontRef idx="minor">
+                  <a:schemeClr val="tx1"/>
+                </a:fontRef>
+              </p:style>
+            </p:cxnSp>
+            <p:grpSp>
+              <p:nvGrpSpPr>
+                <p:cNvPr id="4" name="Group 532"/>
+                <p:cNvGrpSpPr/>
+                <p:nvPr/>
+              </p:nvGrpSpPr>
+              <p:grpSpPr>
+                <a:xfrm>
+                  <a:off x="4299714" y="1524575"/>
+                  <a:ext cx="29371" cy="14567"/>
+                  <a:chOff x="4324218" y="1634400"/>
+                  <a:chExt cx="108879" cy="53999"/>
+                </a:xfrm>
+              </p:grpSpPr>
+              <p:grpSp>
+                <p:nvGrpSpPr>
+                  <p:cNvPr id="5" name="Group 533"/>
+                  <p:cNvGrpSpPr/>
+                  <p:nvPr/>
+                </p:nvGrpSpPr>
+                <p:grpSpPr>
+                  <a:xfrm>
+                    <a:off x="4324218" y="1669381"/>
+                    <a:ext cx="108879" cy="19018"/>
+                    <a:chOff x="4724894" y="1611142"/>
+                    <a:chExt cx="108879" cy="19018"/>
+                  </a:xfrm>
+                </p:grpSpPr>
+                <p:cxnSp>
+                  <p:nvCxnSpPr>
+                    <p:cNvPr id="122" name="Straight Connector 121"/>
+                    <p:cNvCxnSpPr/>
+                    <p:nvPr/>
+                  </p:nvCxnSpPr>
+                  <p:spPr>
+                    <a:xfrm>
+                      <a:off x="4725773" y="1612161"/>
+                      <a:ext cx="108000" cy="0"/>
+                    </a:xfrm>
+                    <a:prstGeom prst="line">
+                      <a:avLst/>
+                    </a:prstGeom>
+                    <a:ln w="12700">
+                      <a:solidFill>
+                        <a:srgbClr val="7030A0"/>
+                      </a:solidFill>
+                    </a:ln>
+                  </p:spPr>
+                  <p:style>
+                    <a:lnRef idx="1">
+                      <a:schemeClr val="accent1"/>
+                    </a:lnRef>
+                    <a:fillRef idx="0">
+                      <a:schemeClr val="accent1"/>
+                    </a:fillRef>
+                    <a:effectRef idx="0">
+                      <a:schemeClr val="accent1"/>
+                    </a:effectRef>
+                    <a:fontRef idx="minor">
+                      <a:schemeClr val="tx1"/>
+                    </a:fontRef>
+                  </p:style>
+                </p:cxnSp>
+                <p:cxnSp>
+                  <p:nvCxnSpPr>
+                    <p:cNvPr id="123" name="Straight Connector 122"/>
+                    <p:cNvCxnSpPr/>
+                    <p:nvPr/>
+                  </p:nvCxnSpPr>
+                  <p:spPr>
+                    <a:xfrm>
+                      <a:off x="4724894" y="1612160"/>
+                      <a:ext cx="0" cy="18000"/>
+                    </a:xfrm>
+                    <a:prstGeom prst="line">
+                      <a:avLst/>
+                    </a:prstGeom>
+                    <a:ln w="12700">
+                      <a:solidFill>
+                        <a:srgbClr val="7030A0"/>
+                      </a:solidFill>
+                    </a:ln>
+                  </p:spPr>
+                  <p:style>
+                    <a:lnRef idx="1">
+                      <a:schemeClr val="accent1"/>
+                    </a:lnRef>
+                    <a:fillRef idx="0">
+                      <a:schemeClr val="accent1"/>
+                    </a:fillRef>
+                    <a:effectRef idx="0">
+                      <a:schemeClr val="accent1"/>
+                    </a:effectRef>
+                    <a:fontRef idx="minor">
+                      <a:schemeClr val="tx1"/>
+                    </a:fontRef>
+                  </p:style>
+                </p:cxnSp>
+                <p:cxnSp>
+                  <p:nvCxnSpPr>
+                    <p:cNvPr id="124" name="Straight Connector 123"/>
+                    <p:cNvCxnSpPr/>
+                    <p:nvPr/>
+                  </p:nvCxnSpPr>
+                  <p:spPr>
+                    <a:xfrm>
+                      <a:off x="4832400" y="1611142"/>
+                      <a:ext cx="0" cy="18000"/>
+                    </a:xfrm>
+                    <a:prstGeom prst="line">
+                      <a:avLst/>
+                    </a:prstGeom>
+                    <a:ln w="12700">
+                      <a:solidFill>
+                        <a:srgbClr val="7030A0"/>
+                      </a:solidFill>
+                    </a:ln>
+                  </p:spPr>
+                  <p:style>
+                    <a:lnRef idx="1">
+                      <a:schemeClr val="accent1"/>
+                    </a:lnRef>
+                    <a:fillRef idx="0">
+                      <a:schemeClr val="accent1"/>
+                    </a:fillRef>
+                    <a:effectRef idx="0">
+                      <a:schemeClr val="accent1"/>
+                    </a:effectRef>
+                    <a:fontRef idx="minor">
+                      <a:schemeClr val="tx1"/>
+                    </a:fontRef>
+                  </p:style>
+                </p:cxnSp>
+              </p:grpSp>
+              <p:cxnSp>
+                <p:nvCxnSpPr>
+                  <p:cNvPr id="121" name="Straight Connector 120"/>
+                  <p:cNvCxnSpPr/>
+                  <p:nvPr/>
+                </p:nvCxnSpPr>
+                <p:spPr>
+                  <a:xfrm flipV="1">
+                    <a:off x="4377600" y="1634400"/>
+                    <a:ext cx="0" cy="36000"/>
+                  </a:xfrm>
+                  <a:prstGeom prst="line">
+                    <a:avLst/>
+                  </a:prstGeom>
+                  <a:ln w="12700">
+                    <a:solidFill>
+                      <a:srgbClr val="7030A0"/>
+                    </a:solidFill>
+                  </a:ln>
+                </p:spPr>
+                <p:style>
+                  <a:lnRef idx="1">
+                    <a:schemeClr val="accent1"/>
+                  </a:lnRef>
+                  <a:fillRef idx="0">
+                    <a:schemeClr val="accent1"/>
+                  </a:fillRef>
+                  <a:effectRef idx="0">
+                    <a:schemeClr val="accent1"/>
+                  </a:effectRef>
+                  <a:fontRef idx="minor">
+                    <a:schemeClr val="tx1"/>
+                  </a:fontRef>
+                </p:style>
+              </p:cxnSp>
+            </p:grpSp>
+            <p:cxnSp>
+              <p:nvCxnSpPr>
+                <p:cNvPr id="64" name="Straight Connector 63"/>
+                <p:cNvCxnSpPr/>
+                <p:nvPr/>
+              </p:nvCxnSpPr>
+              <p:spPr>
+                <a:xfrm flipV="1">
+                  <a:off x="4217002" y="1524575"/>
+                  <a:ext cx="0" cy="9711"/>
+                </a:xfrm>
+                <a:prstGeom prst="line">
+                  <a:avLst/>
+                </a:prstGeom>
+                <a:ln w="12700">
+                  <a:solidFill>
+                    <a:srgbClr val="C00000"/>
+                  </a:solidFill>
+                </a:ln>
+              </p:spPr>
+              <p:style>
+                <a:lnRef idx="1">
+                  <a:schemeClr val="accent1"/>
+                </a:lnRef>
+                <a:fillRef idx="0">
+                  <a:schemeClr val="accent1"/>
+                </a:fillRef>
+                <a:effectRef idx="0">
+                  <a:schemeClr val="accent1"/>
+                </a:effectRef>
+                <a:fontRef idx="minor">
+                  <a:schemeClr val="tx1"/>
+                </a:fontRef>
+              </p:style>
+            </p:cxnSp>
+            <p:grpSp>
+              <p:nvGrpSpPr>
+                <p:cNvPr id="6" name="Group 516"/>
+                <p:cNvGrpSpPr/>
+                <p:nvPr/>
+              </p:nvGrpSpPr>
+              <p:grpSpPr>
+                <a:xfrm>
+                  <a:off x="4202602" y="1534012"/>
+                  <a:ext cx="29371" cy="28923"/>
+                  <a:chOff x="4644008" y="1671181"/>
+                  <a:chExt cx="108879" cy="107219"/>
+                </a:xfrm>
+              </p:grpSpPr>
+              <p:grpSp>
+                <p:nvGrpSpPr>
+                  <p:cNvPr id="7" name="Group 518"/>
+                  <p:cNvGrpSpPr/>
+                  <p:nvPr/>
+                </p:nvGrpSpPr>
+                <p:grpSpPr>
+                  <a:xfrm>
+                    <a:off x="4644008" y="1671181"/>
+                    <a:ext cx="108879" cy="19018"/>
+                    <a:chOff x="4724894" y="1611142"/>
+                    <a:chExt cx="108879" cy="19018"/>
+                  </a:xfrm>
+                </p:grpSpPr>
+                <p:cxnSp>
+                  <p:nvCxnSpPr>
+                    <p:cNvPr id="117" name="Straight Connector 116"/>
+                    <p:cNvCxnSpPr/>
+                    <p:nvPr/>
+                  </p:nvCxnSpPr>
+                  <p:spPr>
+                    <a:xfrm>
+                      <a:off x="4725773" y="1612161"/>
+                      <a:ext cx="108000" cy="0"/>
+                    </a:xfrm>
+                    <a:prstGeom prst="line">
+                      <a:avLst/>
+                    </a:prstGeom>
+                    <a:ln w="12700">
+                      <a:solidFill>
+                        <a:srgbClr val="C00000"/>
+                      </a:solidFill>
+                    </a:ln>
+                  </p:spPr>
+                  <p:style>
+                    <a:lnRef idx="1">
+                      <a:schemeClr val="accent1"/>
+                    </a:lnRef>
+                    <a:fillRef idx="0">
+                      <a:schemeClr val="accent1"/>
+                    </a:fillRef>
+                    <a:effectRef idx="0">
+                      <a:schemeClr val="accent1"/>
+                    </a:effectRef>
+                    <a:fontRef idx="minor">
+                      <a:schemeClr val="tx1"/>
+                    </a:fontRef>
+                  </p:style>
+                </p:cxnSp>
+                <p:cxnSp>
+                  <p:nvCxnSpPr>
+                    <p:cNvPr id="118" name="Straight Connector 117"/>
+                    <p:cNvCxnSpPr/>
+                    <p:nvPr/>
+                  </p:nvCxnSpPr>
+                  <p:spPr>
+                    <a:xfrm>
+                      <a:off x="4724894" y="1612160"/>
+                      <a:ext cx="0" cy="18000"/>
+                    </a:xfrm>
+                    <a:prstGeom prst="line">
+                      <a:avLst/>
+                    </a:prstGeom>
+                    <a:ln w="12700">
+                      <a:solidFill>
+                        <a:srgbClr val="C00000"/>
+                      </a:solidFill>
+                    </a:ln>
+                  </p:spPr>
+                  <p:style>
+                    <a:lnRef idx="1">
+                      <a:schemeClr val="accent1"/>
+                    </a:lnRef>
+                    <a:fillRef idx="0">
+                      <a:schemeClr val="accent1"/>
+                    </a:fillRef>
+                    <a:effectRef idx="0">
+                      <a:schemeClr val="accent1"/>
+                    </a:effectRef>
+                    <a:fontRef idx="minor">
+                      <a:schemeClr val="tx1"/>
+                    </a:fontRef>
+                  </p:style>
+                </p:cxnSp>
+                <p:cxnSp>
+                  <p:nvCxnSpPr>
+                    <p:cNvPr id="119" name="Straight Connector 118"/>
+                    <p:cNvCxnSpPr/>
+                    <p:nvPr/>
+                  </p:nvCxnSpPr>
+                  <p:spPr>
+                    <a:xfrm>
+                      <a:off x="4832400" y="1611142"/>
+                      <a:ext cx="0" cy="18000"/>
+                    </a:xfrm>
+                    <a:prstGeom prst="line">
+                      <a:avLst/>
+                    </a:prstGeom>
+                    <a:ln w="12700">
+                      <a:solidFill>
+                        <a:srgbClr val="C00000"/>
+                      </a:solidFill>
+                    </a:ln>
+                  </p:spPr>
+                  <p:style>
+                    <a:lnRef idx="1">
+                      <a:schemeClr val="accent1"/>
+                    </a:lnRef>
+                    <a:fillRef idx="0">
+                      <a:schemeClr val="accent1"/>
+                    </a:fillRef>
+                    <a:effectRef idx="0">
+                      <a:schemeClr val="accent1"/>
+                    </a:effectRef>
+                    <a:fontRef idx="minor">
+                      <a:schemeClr val="tx1"/>
+                    </a:fontRef>
+                  </p:style>
+                </p:cxnSp>
+              </p:grpSp>
+              <p:sp>
+                <p:nvSpPr>
+                  <p:cNvPr id="116" name="Rectangle 115"/>
+                  <p:cNvSpPr/>
+                  <p:nvPr/>
+                </p:nvSpPr>
+                <p:spPr>
+                  <a:xfrm>
+                    <a:off x="4654800" y="1692000"/>
+                    <a:ext cx="86400" cy="86400"/>
+                  </a:xfrm>
+                  <a:prstGeom prst="rect">
+                    <a:avLst/>
+                  </a:prstGeom>
+                  <a:solidFill>
+                    <a:schemeClr val="tx1"/>
+                  </a:solidFill>
+                  <a:ln w="12700">
+                    <a:noFill/>
+                  </a:ln>
+                </p:spPr>
+                <p:style>
+                  <a:lnRef idx="2">
+                    <a:schemeClr val="accent1">
+                      <a:shade val="50000"/>
+                    </a:schemeClr>
+                  </a:lnRef>
+                  <a:fillRef idx="1">
+                    <a:schemeClr val="accent1"/>
+                  </a:fillRef>
+                  <a:effectRef idx="0">
+                    <a:schemeClr val="accent1"/>
+                  </a:effectRef>
+                  <a:fontRef idx="minor">
+                    <a:schemeClr val="lt1"/>
+                  </a:fontRef>
+                </p:style>
+                <p:txBody>
+                  <a:bodyPr rtlCol="0" anchor="ctr"/>
+                  <a:lstStyle/>
+                  <a:p>
+                    <a:pPr algn="ctr"/>
+                    <a:endParaRPr lang="en-AU"/>
+                  </a:p>
+                </p:txBody>
+              </p:sp>
+            </p:grpSp>
+            <p:cxnSp>
+              <p:nvCxnSpPr>
+                <p:cNvPr id="66" name="Straight Connector 65"/>
+                <p:cNvCxnSpPr/>
+                <p:nvPr/>
+              </p:nvCxnSpPr>
+              <p:spPr>
+                <a:xfrm flipV="1">
+                  <a:off x="4217166" y="1562935"/>
+                  <a:ext cx="0" cy="9711"/>
+                </a:xfrm>
+                <a:prstGeom prst="line">
+                  <a:avLst/>
+                </a:prstGeom>
+                <a:ln w="12700">
+                  <a:solidFill>
+                    <a:schemeClr val="tx1"/>
+                  </a:solidFill>
+                </a:ln>
+              </p:spPr>
+              <p:style>
+                <a:lnRef idx="1">
+                  <a:schemeClr val="accent1"/>
+                </a:lnRef>
+                <a:fillRef idx="0">
+                  <a:schemeClr val="accent1"/>
+                </a:fillRef>
+                <a:effectRef idx="0">
+                  <a:schemeClr val="accent1"/>
+                </a:effectRef>
+                <a:fontRef idx="minor">
+                  <a:schemeClr val="tx1"/>
+                </a:fontRef>
+              </p:style>
+            </p:cxnSp>
+            <p:cxnSp>
+              <p:nvCxnSpPr>
+                <p:cNvPr id="67" name="Straight Connector 66"/>
+                <p:cNvCxnSpPr/>
+                <p:nvPr/>
+              </p:nvCxnSpPr>
+              <p:spPr>
+                <a:xfrm flipH="1">
+                  <a:off x="4265725" y="1504466"/>
+                  <a:ext cx="971" cy="113889"/>
+                </a:xfrm>
+                <a:prstGeom prst="line">
+                  <a:avLst/>
+                </a:prstGeom>
+                <a:ln w="12700">
+                  <a:solidFill>
+                    <a:schemeClr val="tx1"/>
+                  </a:solidFill>
+                </a:ln>
+              </p:spPr>
+              <p:style>
+                <a:lnRef idx="1">
+                  <a:schemeClr val="accent1"/>
+                </a:lnRef>
+                <a:fillRef idx="0">
+                  <a:schemeClr val="accent1"/>
+                </a:fillRef>
+                <a:effectRef idx="0">
+                  <a:schemeClr val="accent1"/>
+                </a:effectRef>
+                <a:fontRef idx="minor">
+                  <a:schemeClr val="tx1"/>
+                </a:fontRef>
+              </p:style>
+            </p:cxnSp>
+            <p:cxnSp>
+              <p:nvCxnSpPr>
+                <p:cNvPr id="68" name="Straight Connector 67"/>
+                <p:cNvCxnSpPr/>
+                <p:nvPr/>
+              </p:nvCxnSpPr>
+              <p:spPr>
+                <a:xfrm>
+                  <a:off x="4265399" y="1729070"/>
+                  <a:ext cx="652" cy="55354"/>
+                </a:xfrm>
+                <a:prstGeom prst="line">
+                  <a:avLst/>
+                </a:prstGeom>
+                <a:ln w="12700">
+                  <a:solidFill>
+                    <a:schemeClr val="tx1"/>
+                  </a:solidFill>
+                </a:ln>
+              </p:spPr>
+              <p:style>
+                <a:lnRef idx="1">
+                  <a:schemeClr val="accent1"/>
+                </a:lnRef>
+                <a:fillRef idx="0">
+                  <a:schemeClr val="accent1"/>
+                </a:fillRef>
+                <a:effectRef idx="0">
+                  <a:schemeClr val="accent1"/>
+                </a:effectRef>
+                <a:fontRef idx="minor">
+                  <a:schemeClr val="tx1"/>
+                </a:fontRef>
+              </p:style>
+            </p:cxnSp>
+            <p:cxnSp>
+              <p:nvCxnSpPr>
+                <p:cNvPr id="69" name="Straight Connector 68"/>
+                <p:cNvCxnSpPr/>
+                <p:nvPr/>
+              </p:nvCxnSpPr>
+              <p:spPr>
+                <a:xfrm flipV="1">
+                  <a:off x="4487142" y="1504740"/>
+                  <a:ext cx="0" cy="77690"/>
+                </a:xfrm>
+                <a:prstGeom prst="line">
+                  <a:avLst/>
+                </a:prstGeom>
+                <a:ln w="12700">
+                  <a:solidFill>
+                    <a:schemeClr val="tx1"/>
+                  </a:solidFill>
+                </a:ln>
+              </p:spPr>
+              <p:style>
+                <a:lnRef idx="1">
+                  <a:schemeClr val="accent1"/>
+                </a:lnRef>
+                <a:fillRef idx="0">
+                  <a:schemeClr val="accent1"/>
+                </a:fillRef>
+                <a:effectRef idx="0">
+                  <a:schemeClr val="accent1"/>
+                </a:effectRef>
+                <a:fontRef idx="minor">
+                  <a:schemeClr val="tx1"/>
+                </a:fontRef>
+              </p:style>
+            </p:cxnSp>
+            <p:cxnSp>
+              <p:nvCxnSpPr>
+                <p:cNvPr id="70" name="Straight Connector 69"/>
+                <p:cNvCxnSpPr/>
+                <p:nvPr/>
+              </p:nvCxnSpPr>
+              <p:spPr>
+                <a:xfrm flipV="1">
+                  <a:off x="4487142" y="1630590"/>
+                  <a:ext cx="0" cy="29134"/>
+                </a:xfrm>
+                <a:prstGeom prst="line">
+                  <a:avLst/>
+                </a:prstGeom>
+                <a:ln w="12700">
+                  <a:solidFill>
+                    <a:srgbClr val="FF0000"/>
+                  </a:solidFill>
+                </a:ln>
+              </p:spPr>
+              <p:style>
+                <a:lnRef idx="1">
+                  <a:schemeClr val="accent1"/>
+                </a:lnRef>
+                <a:fillRef idx="0">
+                  <a:schemeClr val="accent1"/>
+                </a:fillRef>
+                <a:effectRef idx="0">
+                  <a:schemeClr val="accent1"/>
+                </a:effectRef>
+                <a:fontRef idx="minor">
+                  <a:schemeClr val="tx1"/>
+                </a:fontRef>
+              </p:style>
+            </p:cxnSp>
+            <p:cxnSp>
+              <p:nvCxnSpPr>
+                <p:cNvPr id="71" name="Straight Connector 70"/>
+                <p:cNvCxnSpPr/>
+                <p:nvPr/>
+              </p:nvCxnSpPr>
+              <p:spPr>
+                <a:xfrm flipH="1">
+                  <a:off x="4067944" y="1477534"/>
+                  <a:ext cx="120420" cy="207"/>
+                </a:xfrm>
+                <a:prstGeom prst="line">
+                  <a:avLst/>
+                </a:prstGeom>
+                <a:ln w="12700">
+                  <a:solidFill>
+                    <a:srgbClr val="C00000"/>
+                  </a:solidFill>
+                </a:ln>
+              </p:spPr>
+              <p:style>
+                <a:lnRef idx="1">
+                  <a:schemeClr val="accent1"/>
+                </a:lnRef>
+                <a:fillRef idx="0">
+                  <a:schemeClr val="accent1"/>
+                </a:fillRef>
+                <a:effectRef idx="0">
+                  <a:schemeClr val="accent1"/>
+                </a:effectRef>
+                <a:fontRef idx="minor">
+                  <a:schemeClr val="tx1"/>
+                </a:fontRef>
+              </p:style>
+            </p:cxnSp>
+            <p:pic>
+              <p:nvPicPr>
+                <p:cNvPr id="72" name="Picture 71"/>
+                <p:cNvPicPr>
+                  <a:picLocks noChangeAspect="1"/>
+                </p:cNvPicPr>
+                <p:nvPr>
+                  <p:custDataLst>
+                    <p:tags r:id="rId1"/>
+                  </p:custDataLst>
+                </p:nvPr>
+              </p:nvPicPr>
+              <p:blipFill>
+                <a:blip r:embed="rId16" cstate="print">
+                  <a:extLst>
+                    <a:ext uri="{28A0092B-C50C-407E-A947-70E740481C1C}">
+                      <a14:useLocalDpi xmlns:a14="http://schemas.microsoft.com/office/drawing/2010/main" val="0"/>
+                    </a:ext>
+                  </a:extLst>
+                </a:blip>
+                <a:stretch>
+                  <a:fillRect/>
+                </a:stretch>
+              </p:blipFill>
+              <p:spPr>
+                <a:xfrm>
+                  <a:off x="4268376" y="1634890"/>
+                  <a:ext cx="23844" cy="20144"/>
+                </a:xfrm>
+                <a:prstGeom prst="rect">
+                  <a:avLst/>
+                </a:prstGeom>
+              </p:spPr>
+            </p:pic>
+            <p:pic>
+              <p:nvPicPr>
+                <p:cNvPr id="73" name="Picture 72"/>
+                <p:cNvPicPr>
+                  <a:picLocks noChangeAspect="1"/>
+                </p:cNvPicPr>
+                <p:nvPr>
+                  <p:custDataLst>
+                    <p:tags r:id="rId2"/>
+                  </p:custDataLst>
+                </p:nvPr>
+              </p:nvPicPr>
+              <p:blipFill>
+                <a:blip r:embed="rId17" cstate="print">
+                  <a:extLst>
+                    <a:ext uri="{28A0092B-C50C-407E-A947-70E740481C1C}">
+                      <a14:useLocalDpi xmlns:a14="http://schemas.microsoft.com/office/drawing/2010/main" val="0"/>
+                    </a:ext>
+                  </a:extLst>
+                </a:blip>
+                <a:stretch>
+                  <a:fillRect/>
+                </a:stretch>
+              </p:blipFill>
+              <p:spPr>
+                <a:xfrm>
+                  <a:off x="4160166" y="1735664"/>
+                  <a:ext cx="21583" cy="16444"/>
+                </a:xfrm>
+                <a:prstGeom prst="rect">
+                  <a:avLst/>
+                </a:prstGeom>
+              </p:spPr>
+            </p:pic>
+            <p:pic>
+              <p:nvPicPr>
+                <p:cNvPr id="74" name="Picture 73"/>
+                <p:cNvPicPr>
+                  <a:picLocks noChangeAspect="1"/>
+                </p:cNvPicPr>
+                <p:nvPr>
+                  <p:custDataLst>
+                    <p:tags r:id="rId3"/>
+                  </p:custDataLst>
+                </p:nvPr>
+              </p:nvPicPr>
+              <p:blipFill>
+                <a:blip r:embed="rId18" cstate="print">
+                  <a:extLst>
+                    <a:ext uri="{28A0092B-C50C-407E-A947-70E740481C1C}">
+                      <a14:useLocalDpi xmlns:a14="http://schemas.microsoft.com/office/drawing/2010/main" val="0"/>
+                    </a:ext>
+                  </a:extLst>
+                </a:blip>
+                <a:stretch>
+                  <a:fillRect/>
+                </a:stretch>
+              </p:blipFill>
+              <p:spPr>
+                <a:xfrm>
+                  <a:off x="4381805" y="1736809"/>
+                  <a:ext cx="24050" cy="16444"/>
+                </a:xfrm>
+                <a:prstGeom prst="rect">
+                  <a:avLst/>
+                </a:prstGeom>
+              </p:spPr>
+            </p:pic>
+            <p:pic>
+              <p:nvPicPr>
+                <p:cNvPr id="75" name="Picture 74"/>
+                <p:cNvPicPr>
+                  <a:picLocks noChangeAspect="1"/>
+                </p:cNvPicPr>
+                <p:nvPr>
+                  <p:custDataLst>
+                    <p:tags r:id="rId4"/>
+                  </p:custDataLst>
+                </p:nvPr>
+              </p:nvPicPr>
+              <p:blipFill>
+                <a:blip r:embed="rId19" cstate="print">
+                  <a:extLst>
+                    <a:ext uri="{28A0092B-C50C-407E-A947-70E740481C1C}">
+                      <a14:useLocalDpi xmlns:a14="http://schemas.microsoft.com/office/drawing/2010/main" val="0"/>
+                    </a:ext>
+                  </a:extLst>
+                </a:blip>
+                <a:stretch>
+                  <a:fillRect/>
+                </a:stretch>
+              </p:blipFill>
+              <p:spPr>
+                <a:xfrm>
+                  <a:off x="4495915" y="1735664"/>
+                  <a:ext cx="26517" cy="16444"/>
+                </a:xfrm>
+                <a:prstGeom prst="rect">
+                  <a:avLst/>
+                </a:prstGeom>
+              </p:spPr>
+            </p:pic>
+            <p:cxnSp>
+              <p:nvCxnSpPr>
+                <p:cNvPr id="76" name="Straight Connector 75"/>
+                <p:cNvCxnSpPr/>
+                <p:nvPr/>
+              </p:nvCxnSpPr>
+              <p:spPr>
+                <a:xfrm flipV="1">
+                  <a:off x="4184150" y="1913439"/>
+                  <a:ext cx="53412" cy="15"/>
+                </a:xfrm>
+                <a:prstGeom prst="line">
+                  <a:avLst/>
+                </a:prstGeom>
+                <a:ln w="12700">
+                  <a:solidFill>
+                    <a:schemeClr val="accent5"/>
+                  </a:solidFill>
+                </a:ln>
+              </p:spPr>
+              <p:style>
+                <a:lnRef idx="1">
+                  <a:schemeClr val="accent1"/>
+                </a:lnRef>
+                <a:fillRef idx="0">
+                  <a:schemeClr val="accent1"/>
+                </a:fillRef>
+                <a:effectRef idx="0">
+                  <a:schemeClr val="accent1"/>
+                </a:effectRef>
+                <a:fontRef idx="minor">
+                  <a:schemeClr val="tx1"/>
+                </a:fontRef>
+              </p:style>
+            </p:cxnSp>
+            <p:cxnSp>
+              <p:nvCxnSpPr>
+                <p:cNvPr id="77" name="Straight Connector 76"/>
+                <p:cNvCxnSpPr/>
+                <p:nvPr/>
+              </p:nvCxnSpPr>
+              <p:spPr>
+                <a:xfrm flipV="1">
+                  <a:off x="4294859" y="1913439"/>
+                  <a:ext cx="163149" cy="15"/>
+                </a:xfrm>
+                <a:prstGeom prst="line">
+                  <a:avLst/>
+                </a:prstGeom>
+                <a:ln w="12700">
+                  <a:solidFill>
+                    <a:srgbClr val="FF0000"/>
+                  </a:solidFill>
+                </a:ln>
+              </p:spPr>
+              <p:style>
+                <a:lnRef idx="1">
+                  <a:schemeClr val="accent1"/>
+                </a:lnRef>
+                <a:fillRef idx="0">
+                  <a:schemeClr val="accent1"/>
+                </a:fillRef>
+                <a:effectRef idx="0">
+                  <a:schemeClr val="accent1"/>
+                </a:effectRef>
+                <a:fontRef idx="minor">
+                  <a:schemeClr val="tx1"/>
+                </a:fontRef>
+              </p:style>
+            </p:cxnSp>
+            <p:cxnSp>
+              <p:nvCxnSpPr>
+                <p:cNvPr id="80" name="Straight Connector 79"/>
+                <p:cNvCxnSpPr/>
+                <p:nvPr/>
+              </p:nvCxnSpPr>
+              <p:spPr>
+                <a:xfrm>
+                  <a:off x="4266367" y="1831038"/>
+                  <a:ext cx="652" cy="53412"/>
+                </a:xfrm>
+                <a:prstGeom prst="line">
+                  <a:avLst/>
+                </a:prstGeom>
+                <a:ln w="12700">
+                  <a:solidFill>
+                    <a:schemeClr val="accent5"/>
+                  </a:solidFill>
+                </a:ln>
+              </p:spPr>
+              <p:style>
+                <a:lnRef idx="1">
+                  <a:schemeClr val="accent1"/>
+                </a:lnRef>
+                <a:fillRef idx="0">
+                  <a:schemeClr val="accent1"/>
+                </a:fillRef>
+                <a:effectRef idx="0">
+                  <a:schemeClr val="accent1"/>
+                </a:effectRef>
+                <a:fontRef idx="minor">
+                  <a:schemeClr val="tx1"/>
+                </a:fontRef>
+              </p:style>
+            </p:cxnSp>
+            <p:sp>
+              <p:nvSpPr>
+                <p:cNvPr id="81" name="Hexagon 80"/>
+                <p:cNvSpPr/>
+                <p:nvPr/>
+              </p:nvSpPr>
+              <p:spPr>
+                <a:xfrm rot="5400000">
+                  <a:off x="4342773" y="1659822"/>
+                  <a:ext cx="67979" cy="67979"/>
+                </a:xfrm>
+                <a:prstGeom prst="hexagon">
+                  <a:avLst/>
+                </a:prstGeom>
+                <a:noFill/>
+                <a:ln w="12700">
+                  <a:solidFill>
+                    <a:srgbClr val="7030A0"/>
+                  </a:solidFill>
+                </a:ln>
+              </p:spPr>
+              <p:style>
+                <a:lnRef idx="2">
+                  <a:schemeClr val="accent1">
+                    <a:shade val="50000"/>
+                  </a:schemeClr>
+                </a:lnRef>
+                <a:fillRef idx="1">
+                  <a:schemeClr val="accent1"/>
+                </a:fillRef>
+                <a:effectRef idx="0">
+                  <a:schemeClr val="accent1"/>
+                </a:effectRef>
+                <a:fontRef idx="minor">
+                  <a:schemeClr val="lt1"/>
+                </a:fontRef>
+              </p:style>
+              <p:txBody>
+                <a:bodyPr rtlCol="0" anchor="ctr"/>
+                <a:lstStyle/>
+                <a:p>
+                  <a:pPr algn="ctr"/>
+                  <a:endParaRPr lang="en-AU"/>
+                </a:p>
+              </p:txBody>
+            </p:sp>
+            <p:sp>
+              <p:nvSpPr>
+                <p:cNvPr id="82" name="Diamond 81"/>
+                <p:cNvSpPr/>
+                <p:nvPr/>
+              </p:nvSpPr>
+              <p:spPr>
+                <a:xfrm>
+                  <a:off x="4453496" y="1660533"/>
+                  <a:ext cx="67773" cy="67566"/>
+                </a:xfrm>
+                <a:prstGeom prst="diamond">
+                  <a:avLst/>
+                </a:prstGeom>
+                <a:noFill/>
+                <a:ln w="12700">
+                  <a:solidFill>
+                    <a:srgbClr val="FF0000"/>
+                  </a:solidFill>
+                </a:ln>
+              </p:spPr>
+              <p:style>
+                <a:lnRef idx="2">
+                  <a:schemeClr val="accent1">
+                    <a:shade val="50000"/>
+                  </a:schemeClr>
+                </a:lnRef>
+                <a:fillRef idx="1">
+                  <a:schemeClr val="accent1"/>
+                </a:fillRef>
+                <a:effectRef idx="0">
+                  <a:schemeClr val="accent1"/>
+                </a:effectRef>
+                <a:fontRef idx="minor">
+                  <a:schemeClr val="lt1"/>
+                </a:fontRef>
+              </p:style>
+              <p:txBody>
+                <a:bodyPr rtlCol="0" anchor="ctr"/>
+                <a:lstStyle/>
+                <a:p>
+                  <a:pPr algn="ctr"/>
+                  <a:endParaRPr lang="en-AU"/>
+                </a:p>
+              </p:txBody>
+            </p:sp>
+            <p:grpSp>
+              <p:nvGrpSpPr>
+                <p:cNvPr id="8" name="Group 20"/>
+                <p:cNvGrpSpPr/>
+                <p:nvPr/>
+              </p:nvGrpSpPr>
+              <p:grpSpPr>
+                <a:xfrm>
+                  <a:off x="4361008" y="1548805"/>
+                  <a:ext cx="31076" cy="31076"/>
+                  <a:chOff x="8066715" y="1045949"/>
+                  <a:chExt cx="115200" cy="115200"/>
+                </a:xfrm>
+              </p:grpSpPr>
+              <p:sp>
+                <p:nvSpPr>
+                  <p:cNvPr id="103" name="Oval 102"/>
+                  <p:cNvSpPr/>
+                  <p:nvPr/>
+                </p:nvSpPr>
+                <p:spPr>
+                  <a:xfrm>
+                    <a:off x="8066715" y="1045949"/>
+                    <a:ext cx="115200" cy="115200"/>
+                  </a:xfrm>
+                  <a:prstGeom prst="ellipse">
+                    <a:avLst/>
+                  </a:prstGeom>
+                  <a:solidFill>
+                    <a:schemeClr val="bg1"/>
+                  </a:solidFill>
+                  <a:ln w="12700">
+                    <a:solidFill>
+                      <a:srgbClr val="7030A0"/>
+                    </a:solidFill>
+                  </a:ln>
+                </p:spPr>
+                <p:style>
+                  <a:lnRef idx="2">
+                    <a:schemeClr val="accent1">
+                      <a:shade val="50000"/>
+                    </a:schemeClr>
+                  </a:lnRef>
+                  <a:fillRef idx="1">
+                    <a:schemeClr val="accent1"/>
+                  </a:fillRef>
+                  <a:effectRef idx="0">
+                    <a:schemeClr val="accent1"/>
+                  </a:effectRef>
+                  <a:fontRef idx="minor">
+                    <a:schemeClr val="lt1"/>
+                  </a:fontRef>
+                </p:style>
+                <p:txBody>
+                  <a:bodyPr rtlCol="0" anchor="ctr"/>
+                  <a:lstStyle/>
+                  <a:p>
+                    <a:pPr algn="ctr"/>
+                    <a:endParaRPr lang="en-AU"/>
+                  </a:p>
+                </p:txBody>
+              </p:sp>
+              <p:pic>
+                <p:nvPicPr>
+                  <p:cNvPr id="104" name="Picture 103"/>
+                  <p:cNvPicPr>
+                    <a:picLocks noChangeAspect="1"/>
+                  </p:cNvPicPr>
+                  <p:nvPr>
+                    <p:custDataLst>
+                      <p:tags r:id="rId11"/>
+                    </p:custDataLst>
+                  </p:nvPr>
+                </p:nvPicPr>
+                <p:blipFill>
+                  <a:blip r:embed="rId20" cstate="print">
+                    <a:extLst>
+                      <a:ext uri="{28A0092B-C50C-407E-A947-70E740481C1C}">
+                        <a14:useLocalDpi xmlns:a14="http://schemas.microsoft.com/office/drawing/2010/main" val="0"/>
+                      </a:ext>
+                    </a:extLst>
+                  </a:blip>
+                  <a:stretch>
+                    <a:fillRect/>
+                  </a:stretch>
+                </p:blipFill>
+                <p:spPr>
+                  <a:xfrm>
+                    <a:off x="8075305" y="1062379"/>
+                    <a:ext cx="99060" cy="77153"/>
+                  </a:xfrm>
+                  <a:prstGeom prst="rect">
+                    <a:avLst/>
+                  </a:prstGeom>
+                </p:spPr>
+              </p:pic>
+            </p:grpSp>
+            <p:grpSp>
+              <p:nvGrpSpPr>
+                <p:cNvPr id="9" name="Group 22"/>
+                <p:cNvGrpSpPr/>
+                <p:nvPr/>
+              </p:nvGrpSpPr>
+              <p:grpSpPr>
+                <a:xfrm>
+                  <a:off x="4385346" y="1822298"/>
+                  <a:ext cx="31076" cy="31076"/>
+                  <a:chOff x="8219115" y="1198349"/>
+                  <a:chExt cx="115200" cy="115200"/>
+                </a:xfrm>
+              </p:grpSpPr>
+              <p:sp>
+                <p:nvSpPr>
+                  <p:cNvPr id="101" name="Oval 100"/>
+                  <p:cNvSpPr/>
+                  <p:nvPr/>
+                </p:nvSpPr>
+                <p:spPr>
+                  <a:xfrm>
+                    <a:off x="8219115" y="1198349"/>
+                    <a:ext cx="115200" cy="115200"/>
+                  </a:xfrm>
+                  <a:prstGeom prst="ellipse">
+                    <a:avLst/>
+                  </a:prstGeom>
+                  <a:solidFill>
+                    <a:schemeClr val="bg1"/>
+                  </a:solidFill>
+                  <a:ln w="12700">
+                    <a:solidFill>
+                      <a:srgbClr val="7030A0"/>
+                    </a:solidFill>
+                  </a:ln>
+                </p:spPr>
+                <p:style>
+                  <a:lnRef idx="2">
+                    <a:schemeClr val="accent1">
+                      <a:shade val="50000"/>
+                    </a:schemeClr>
+                  </a:lnRef>
+                  <a:fillRef idx="1">
+                    <a:schemeClr val="accent1"/>
+                  </a:fillRef>
+                  <a:effectRef idx="0">
+                    <a:schemeClr val="accent1"/>
+                  </a:effectRef>
+                  <a:fontRef idx="minor">
+                    <a:schemeClr val="lt1"/>
+                  </a:fontRef>
+                </p:style>
+                <p:txBody>
+                  <a:bodyPr rtlCol="0" anchor="ctr"/>
+                  <a:lstStyle/>
+                  <a:p>
+                    <a:pPr algn="ctr"/>
+                    <a:endParaRPr lang="en-AU"/>
+                  </a:p>
+                </p:txBody>
+              </p:sp>
+              <p:pic>
+                <p:nvPicPr>
+                  <p:cNvPr id="102" name="Picture 101"/>
+                  <p:cNvPicPr>
+                    <a:picLocks noChangeAspect="1"/>
+                  </p:cNvPicPr>
+                  <p:nvPr>
+                    <p:custDataLst>
+                      <p:tags r:id="rId10"/>
+                    </p:custDataLst>
+                  </p:nvPr>
+                </p:nvPicPr>
+                <p:blipFill>
+                  <a:blip r:embed="rId21" cstate="print">
+                    <a:extLst>
+                      <a:ext uri="{28A0092B-C50C-407E-A947-70E740481C1C}">
+                        <a14:useLocalDpi xmlns:a14="http://schemas.microsoft.com/office/drawing/2010/main" val="0"/>
+                      </a:ext>
+                    </a:extLst>
+                  </a:blip>
+                  <a:stretch>
+                    <a:fillRect/>
+                  </a:stretch>
+                </p:blipFill>
+                <p:spPr>
+                  <a:xfrm>
+                    <a:off x="8227705" y="1214779"/>
+                    <a:ext cx="96203" cy="77153"/>
+                  </a:xfrm>
+                  <a:prstGeom prst="rect">
+                    <a:avLst/>
+                  </a:prstGeom>
+                </p:spPr>
+              </p:pic>
+            </p:grpSp>
+            <p:grpSp>
+              <p:nvGrpSpPr>
+                <p:cNvPr id="10" name="Group 24"/>
+                <p:cNvGrpSpPr/>
+                <p:nvPr/>
+              </p:nvGrpSpPr>
+              <p:grpSpPr>
+                <a:xfrm>
+                  <a:off x="4335646" y="1822497"/>
+                  <a:ext cx="31076" cy="31076"/>
+                  <a:chOff x="8371515" y="1350749"/>
+                  <a:chExt cx="115200" cy="115200"/>
+                </a:xfrm>
+              </p:grpSpPr>
+              <p:sp>
+                <p:nvSpPr>
+                  <p:cNvPr id="99" name="Oval 98"/>
+                  <p:cNvSpPr/>
+                  <p:nvPr/>
+                </p:nvSpPr>
+                <p:spPr>
+                  <a:xfrm>
+                    <a:off x="8371515" y="1350749"/>
+                    <a:ext cx="115200" cy="115200"/>
+                  </a:xfrm>
+                  <a:prstGeom prst="ellipse">
+                    <a:avLst/>
+                  </a:prstGeom>
+                  <a:solidFill>
+                    <a:schemeClr val="bg1"/>
+                  </a:solidFill>
+                  <a:ln w="12700">
+                    <a:solidFill>
+                      <a:srgbClr val="7030A0"/>
+                    </a:solidFill>
+                  </a:ln>
+                </p:spPr>
+                <p:style>
+                  <a:lnRef idx="2">
+                    <a:schemeClr val="accent1">
+                      <a:shade val="50000"/>
+                    </a:schemeClr>
+                  </a:lnRef>
+                  <a:fillRef idx="1">
+                    <a:schemeClr val="accent1"/>
+                  </a:fillRef>
+                  <a:effectRef idx="0">
+                    <a:schemeClr val="accent1"/>
+                  </a:effectRef>
+                  <a:fontRef idx="minor">
+                    <a:schemeClr val="lt1"/>
+                  </a:fontRef>
+                </p:style>
+                <p:txBody>
+                  <a:bodyPr rtlCol="0" anchor="ctr"/>
+                  <a:lstStyle/>
+                  <a:p>
+                    <a:pPr algn="ctr"/>
+                    <a:endParaRPr lang="en-AU"/>
+                  </a:p>
+                </p:txBody>
+              </p:sp>
+              <p:pic>
+                <p:nvPicPr>
+                  <p:cNvPr id="100" name="Picture 99"/>
+                  <p:cNvPicPr>
+                    <a:picLocks noChangeAspect="1"/>
+                  </p:cNvPicPr>
+                  <p:nvPr>
+                    <p:custDataLst>
+                      <p:tags r:id="rId9"/>
+                    </p:custDataLst>
+                  </p:nvPr>
+                </p:nvPicPr>
+                <p:blipFill>
+                  <a:blip r:embed="rId22" cstate="print">
+                    <a:extLst>
+                      <a:ext uri="{28A0092B-C50C-407E-A947-70E740481C1C}">
+                        <a14:useLocalDpi xmlns:a14="http://schemas.microsoft.com/office/drawing/2010/main" val="0"/>
+                      </a:ext>
+                    </a:extLst>
+                  </a:blip>
+                  <a:stretch>
+                    <a:fillRect/>
+                  </a:stretch>
+                </p:blipFill>
+                <p:spPr>
+                  <a:xfrm>
+                    <a:off x="8380105" y="1367179"/>
+                    <a:ext cx="95250" cy="77153"/>
+                  </a:xfrm>
+                  <a:prstGeom prst="rect">
+                    <a:avLst/>
+                  </a:prstGeom>
+                </p:spPr>
+              </p:pic>
+            </p:grpSp>
+            <p:grpSp>
+              <p:nvGrpSpPr>
+                <p:cNvPr id="58" name="Group 41"/>
+                <p:cNvGrpSpPr/>
+                <p:nvPr/>
+              </p:nvGrpSpPr>
+              <p:grpSpPr>
+                <a:xfrm>
+                  <a:off x="4199673" y="1491661"/>
+                  <a:ext cx="31076" cy="31076"/>
+                  <a:chOff x="6716324" y="1038714"/>
+                  <a:chExt cx="115200" cy="115200"/>
+                </a:xfrm>
+              </p:grpSpPr>
+              <p:cxnSp>
+                <p:nvCxnSpPr>
+                  <p:cNvPr id="96" name="Straight Connector 95"/>
+                  <p:cNvCxnSpPr/>
+                  <p:nvPr/>
+                </p:nvCxnSpPr>
+                <p:spPr>
+                  <a:xfrm flipH="1">
+                    <a:off x="6785943" y="1070532"/>
+                    <a:ext cx="0" cy="79200"/>
+                  </a:xfrm>
+                  <a:prstGeom prst="line">
+                    <a:avLst/>
+                  </a:prstGeom>
+                  <a:ln w="12700">
+                    <a:solidFill>
+                      <a:srgbClr val="C00000"/>
+                    </a:solidFill>
+                  </a:ln>
+                </p:spPr>
+                <p:style>
+                  <a:lnRef idx="1">
+                    <a:schemeClr val="accent1"/>
+                  </a:lnRef>
+                  <a:fillRef idx="0">
+                    <a:schemeClr val="accent1"/>
+                  </a:fillRef>
+                  <a:effectRef idx="0">
+                    <a:schemeClr val="accent1"/>
+                  </a:effectRef>
+                  <a:fontRef idx="minor">
+                    <a:schemeClr val="tx1"/>
+                  </a:fontRef>
+                </p:style>
+              </p:cxnSp>
+              <p:sp>
+                <p:nvSpPr>
+                  <p:cNvPr id="97" name="Oval 96"/>
+                  <p:cNvSpPr/>
+                  <p:nvPr/>
+                </p:nvSpPr>
+                <p:spPr>
+                  <a:xfrm>
+                    <a:off x="6716324" y="1038714"/>
+                    <a:ext cx="115200" cy="115200"/>
+                  </a:xfrm>
+                  <a:prstGeom prst="ellipse">
+                    <a:avLst/>
+                  </a:prstGeom>
+                  <a:solidFill>
+                    <a:schemeClr val="bg1"/>
+                  </a:solidFill>
+                  <a:ln w="12700">
+                    <a:solidFill>
+                      <a:srgbClr val="C00000"/>
+                    </a:solidFill>
+                  </a:ln>
+                </p:spPr>
+                <p:style>
+                  <a:lnRef idx="2">
+                    <a:schemeClr val="accent1">
+                      <a:shade val="50000"/>
+                    </a:schemeClr>
+                  </a:lnRef>
+                  <a:fillRef idx="1">
+                    <a:schemeClr val="accent1"/>
+                  </a:fillRef>
+                  <a:effectRef idx="0">
+                    <a:schemeClr val="accent1"/>
+                  </a:effectRef>
+                  <a:fontRef idx="minor">
+                    <a:schemeClr val="lt1"/>
+                  </a:fontRef>
+                </p:style>
+                <p:txBody>
+                  <a:bodyPr rtlCol="0" anchor="ctr"/>
+                  <a:lstStyle/>
+                  <a:p>
+                    <a:pPr algn="ctr"/>
+                    <a:endParaRPr lang="en-AU"/>
+                  </a:p>
+                </p:txBody>
+              </p:sp>
+              <p:pic>
+                <p:nvPicPr>
+                  <p:cNvPr id="98" name="Picture 97"/>
+                  <p:cNvPicPr>
+                    <a:picLocks noChangeAspect="1"/>
+                  </p:cNvPicPr>
+                  <p:nvPr>
+                    <p:custDataLst>
+                      <p:tags r:id="rId8"/>
+                    </p:custDataLst>
+                  </p:nvPr>
+                </p:nvPicPr>
+                <p:blipFill>
+                  <a:blip r:embed="rId23" cstate="print">
+                    <a:extLst>
+                      <a:ext uri="{28A0092B-C50C-407E-A947-70E740481C1C}">
+                        <a14:useLocalDpi xmlns:a14="http://schemas.microsoft.com/office/drawing/2010/main" val="0"/>
+                      </a:ext>
+                    </a:extLst>
+                  </a:blip>
+                  <a:stretch>
+                    <a:fillRect/>
+                  </a:stretch>
+                </p:blipFill>
+                <p:spPr>
+                  <a:xfrm>
+                    <a:off x="6724914" y="1057525"/>
+                    <a:ext cx="95250" cy="75248"/>
+                  </a:xfrm>
+                  <a:prstGeom prst="rect">
+                    <a:avLst/>
+                  </a:prstGeom>
+                </p:spPr>
+              </p:pic>
+            </p:grpSp>
+            <p:grpSp>
+              <p:nvGrpSpPr>
+                <p:cNvPr id="63" name="Group 38"/>
+                <p:cNvGrpSpPr/>
+                <p:nvPr/>
+              </p:nvGrpSpPr>
+              <p:grpSpPr>
+                <a:xfrm>
+                  <a:off x="4251155" y="1491661"/>
+                  <a:ext cx="31076" cy="31076"/>
+                  <a:chOff x="8676315" y="1655549"/>
+                  <a:chExt cx="115200" cy="115200"/>
+                </a:xfrm>
+              </p:grpSpPr>
+              <p:sp>
+                <p:nvSpPr>
+                  <p:cNvPr id="94" name="Oval 93"/>
+                  <p:cNvSpPr/>
+                  <p:nvPr/>
+                </p:nvSpPr>
+                <p:spPr>
+                  <a:xfrm>
+                    <a:off x="8676315" y="1655549"/>
+                    <a:ext cx="115200" cy="115200"/>
+                  </a:xfrm>
+                  <a:prstGeom prst="ellipse">
+                    <a:avLst/>
+                  </a:prstGeom>
+                  <a:solidFill>
+                    <a:schemeClr val="bg1"/>
+                  </a:solidFill>
+                  <a:ln w="12700">
+                    <a:solidFill>
+                      <a:schemeClr val="tx1"/>
+                    </a:solidFill>
+                  </a:ln>
+                </p:spPr>
+                <p:style>
+                  <a:lnRef idx="2">
+                    <a:schemeClr val="accent1">
+                      <a:shade val="50000"/>
+                    </a:schemeClr>
+                  </a:lnRef>
+                  <a:fillRef idx="1">
+                    <a:schemeClr val="accent1"/>
+                  </a:fillRef>
+                  <a:effectRef idx="0">
+                    <a:schemeClr val="accent1"/>
+                  </a:effectRef>
+                  <a:fontRef idx="minor">
+                    <a:schemeClr val="lt1"/>
+                  </a:fontRef>
+                </p:style>
+                <p:txBody>
+                  <a:bodyPr rtlCol="0" anchor="ctr"/>
+                  <a:lstStyle/>
+                  <a:p>
+                    <a:pPr algn="ctr"/>
+                    <a:endParaRPr lang="en-AU"/>
+                  </a:p>
+                </p:txBody>
+              </p:sp>
+              <p:pic>
+                <p:nvPicPr>
+                  <p:cNvPr id="95" name="Picture 94"/>
+                  <p:cNvPicPr>
+                    <a:picLocks noChangeAspect="1"/>
+                  </p:cNvPicPr>
+                  <p:nvPr>
+                    <p:custDataLst>
+                      <p:tags r:id="rId7"/>
+                    </p:custDataLst>
+                  </p:nvPr>
+                </p:nvPicPr>
+                <p:blipFill>
+                  <a:blip r:embed="rId24" cstate="print">
+                    <a:extLst>
+                      <a:ext uri="{28A0092B-C50C-407E-A947-70E740481C1C}">
+                        <a14:useLocalDpi xmlns:a14="http://schemas.microsoft.com/office/drawing/2010/main" val="0"/>
+                      </a:ext>
+                    </a:extLst>
+                  </a:blip>
+                  <a:stretch>
+                    <a:fillRect/>
+                  </a:stretch>
+                </p:blipFill>
+                <p:spPr>
+                  <a:xfrm>
+                    <a:off x="8684905" y="1671979"/>
+                    <a:ext cx="98108" cy="75248"/>
+                  </a:xfrm>
+                  <a:prstGeom prst="rect">
+                    <a:avLst/>
+                  </a:prstGeom>
+                </p:spPr>
+              </p:pic>
+            </p:grpSp>
+            <p:grpSp>
+              <p:nvGrpSpPr>
+                <p:cNvPr id="65" name="Group 52"/>
+                <p:cNvGrpSpPr/>
+                <p:nvPr/>
+              </p:nvGrpSpPr>
+              <p:grpSpPr>
+                <a:xfrm>
+                  <a:off x="4139478" y="1822497"/>
+                  <a:ext cx="31076" cy="31076"/>
+                  <a:chOff x="8828715" y="1807949"/>
+                  <a:chExt cx="115200" cy="115200"/>
+                </a:xfrm>
+              </p:grpSpPr>
+              <p:sp>
+                <p:nvSpPr>
+                  <p:cNvPr id="92" name="Oval 91"/>
+                  <p:cNvSpPr/>
+                  <p:nvPr/>
+                </p:nvSpPr>
+                <p:spPr>
+                  <a:xfrm>
+                    <a:off x="8828715" y="1807949"/>
+                    <a:ext cx="115200" cy="115200"/>
+                  </a:xfrm>
+                  <a:prstGeom prst="ellipse">
+                    <a:avLst/>
+                  </a:prstGeom>
+                  <a:solidFill>
+                    <a:schemeClr val="bg1"/>
+                  </a:solidFill>
+                  <a:ln w="12700">
+                    <a:solidFill>
+                      <a:schemeClr val="accent5"/>
+                    </a:solidFill>
+                  </a:ln>
+                </p:spPr>
+                <p:style>
+                  <a:lnRef idx="2">
+                    <a:schemeClr val="accent1">
+                      <a:shade val="50000"/>
+                    </a:schemeClr>
+                  </a:lnRef>
+                  <a:fillRef idx="1">
+                    <a:schemeClr val="accent1"/>
+                  </a:fillRef>
+                  <a:effectRef idx="0">
+                    <a:schemeClr val="accent1"/>
+                  </a:effectRef>
+                  <a:fontRef idx="minor">
+                    <a:schemeClr val="lt1"/>
+                  </a:fontRef>
+                </p:style>
+                <p:txBody>
+                  <a:bodyPr rtlCol="0" anchor="ctr"/>
+                  <a:lstStyle/>
+                  <a:p>
+                    <a:pPr algn="ctr"/>
+                    <a:endParaRPr lang="en-AU"/>
+                  </a:p>
+                </p:txBody>
+              </p:sp>
+              <p:pic>
+                <p:nvPicPr>
+                  <p:cNvPr id="93" name="Picture 92"/>
+                  <p:cNvPicPr>
+                    <a:picLocks noChangeAspect="1"/>
+                  </p:cNvPicPr>
+                  <p:nvPr>
+                    <p:custDataLst>
+                      <p:tags r:id="rId6"/>
+                    </p:custDataLst>
+                  </p:nvPr>
+                </p:nvPicPr>
+                <p:blipFill>
+                  <a:blip r:embed="rId25" cstate="print">
+                    <a:extLst>
+                      <a:ext uri="{28A0092B-C50C-407E-A947-70E740481C1C}">
+                        <a14:useLocalDpi xmlns:a14="http://schemas.microsoft.com/office/drawing/2010/main" val="0"/>
+                      </a:ext>
+                    </a:extLst>
+                  </a:blip>
+                  <a:stretch>
+                    <a:fillRect/>
+                  </a:stretch>
+                </p:blipFill>
+                <p:spPr>
+                  <a:xfrm>
+                    <a:off x="8837305" y="1824379"/>
+                    <a:ext cx="92393" cy="75248"/>
+                  </a:xfrm>
+                  <a:prstGeom prst="rect">
+                    <a:avLst/>
+                  </a:prstGeom>
+                </p:spPr>
+              </p:pic>
+            </p:grpSp>
+            <p:grpSp>
+              <p:nvGrpSpPr>
+                <p:cNvPr id="78" name="Group 53"/>
+                <p:cNvGrpSpPr/>
+                <p:nvPr/>
+              </p:nvGrpSpPr>
+              <p:grpSpPr>
+                <a:xfrm>
+                  <a:off x="4471471" y="1821806"/>
+                  <a:ext cx="31076" cy="31076"/>
+                  <a:chOff x="8828715" y="2027001"/>
+                  <a:chExt cx="115200" cy="115200"/>
+                </a:xfrm>
+              </p:grpSpPr>
+              <p:sp>
+                <p:nvSpPr>
+                  <p:cNvPr id="90" name="Oval 89"/>
+                  <p:cNvSpPr/>
+                  <p:nvPr/>
+                </p:nvSpPr>
+                <p:spPr>
+                  <a:xfrm>
+                    <a:off x="8828715" y="2027001"/>
+                    <a:ext cx="115200" cy="115200"/>
+                  </a:xfrm>
+                  <a:prstGeom prst="ellipse">
+                    <a:avLst/>
+                  </a:prstGeom>
+                  <a:solidFill>
+                    <a:schemeClr val="bg1"/>
+                  </a:solidFill>
+                  <a:ln w="12700">
+                    <a:solidFill>
+                      <a:srgbClr val="FF0000"/>
+                    </a:solidFill>
+                  </a:ln>
+                </p:spPr>
+                <p:style>
+                  <a:lnRef idx="2">
+                    <a:schemeClr val="accent1">
+                      <a:shade val="50000"/>
+                    </a:schemeClr>
+                  </a:lnRef>
+                  <a:fillRef idx="1">
+                    <a:schemeClr val="accent1"/>
+                  </a:fillRef>
+                  <a:effectRef idx="0">
+                    <a:schemeClr val="accent1"/>
+                  </a:effectRef>
+                  <a:fontRef idx="minor">
+                    <a:schemeClr val="lt1"/>
+                  </a:fontRef>
+                </p:style>
+                <p:txBody>
+                  <a:bodyPr rtlCol="0" anchor="ctr"/>
+                  <a:lstStyle/>
+                  <a:p>
+                    <a:pPr algn="ctr"/>
+                    <a:endParaRPr lang="en-AU"/>
+                  </a:p>
+                </p:txBody>
+              </p:sp>
+              <p:pic>
+                <p:nvPicPr>
+                  <p:cNvPr id="91" name="Picture 90"/>
+                  <p:cNvPicPr>
+                    <a:picLocks noChangeAspect="1"/>
+                  </p:cNvPicPr>
+                  <p:nvPr>
+                    <p:custDataLst>
+                      <p:tags r:id="rId5"/>
+                    </p:custDataLst>
+                  </p:nvPr>
+                </p:nvPicPr>
+                <p:blipFill>
+                  <a:blip r:embed="rId26" cstate="print">
+                    <a:extLst>
+                      <a:ext uri="{28A0092B-C50C-407E-A947-70E740481C1C}">
+                        <a14:useLocalDpi xmlns:a14="http://schemas.microsoft.com/office/drawing/2010/main" val="0"/>
+                      </a:ext>
+                    </a:extLst>
+                  </a:blip>
+                  <a:stretch>
+                    <a:fillRect/>
+                  </a:stretch>
+                </p:blipFill>
+                <p:spPr>
+                  <a:xfrm>
+                    <a:off x="8837305" y="2043431"/>
+                    <a:ext cx="96203" cy="77153"/>
+                  </a:xfrm>
+                  <a:prstGeom prst="rect">
+                    <a:avLst/>
+                  </a:prstGeom>
+                </p:spPr>
+              </p:pic>
+            </p:grpSp>
+          </p:grpSp>
+        </p:grpSp>
+      </p:grpSp>
+    </p:spTree>
+  </p:cSld>
+  <p:clrMapOvr>
+    <a:masterClrMapping/>
+  </p:clrMapOvr>
+</p:sld>
+</file>
+
 <file path=ppt/tags/tag1.xml><?xml version="1.0" encoding="utf-8"?>
 <p:tagLst xmlns:a="http://schemas.openxmlformats.org/drawingml/2006/main" xmlns:r="http://schemas.openxmlformats.org/officeDocument/2006/relationships" xmlns:p="http://schemas.openxmlformats.org/presentationml/2006/main">
   <p:tag name="LATEXADDIN" val="\documentclass{article}&#10;\usepackage{amsmath}&#10;\pagestyle{empty}&#10;\begin{document}&#10;&#10;$v_{\mathrm{p}}$&#10;&#10;&#10;\end{document}"/>
@@ -13430,9 +18995,86 @@
 </p:tagLst>
 </file>
 
+<file path=ppt/tags/tag23.xml><?xml version="1.0" encoding="utf-8"?>
+<p:tagLst xmlns:a="http://schemas.openxmlformats.org/drawingml/2006/main" xmlns:r="http://schemas.openxmlformats.org/officeDocument/2006/relationships" xmlns:p="http://schemas.openxmlformats.org/presentationml/2006/main">
+  <p:tag name="LATEXADDIN" val="\documentclass{article}&#10;\usepackage{amsmath}&#10;\pagestyle{empty}&#10;\begin{document}&#10;&#10;$v_{\mathrm{p}}$&#10;&#10;&#10;\end{document}"/>
+  <p:tag name="IGUANATEXSIZE" val="10"/>
+</p:tagLst>
+</file>
+
+<file path=ppt/tags/tag24.xml><?xml version="1.0" encoding="utf-8"?>
+<p:tagLst xmlns:a="http://schemas.openxmlformats.org/drawingml/2006/main" xmlns:r="http://schemas.openxmlformats.org/officeDocument/2006/relationships" xmlns:p="http://schemas.openxmlformats.org/presentationml/2006/main">
+  <p:tag name="LATEXADDIN" val="\documentclass{article}&#10;\usepackage{amsmath}&#10;\pagestyle{empty}&#10;\begin{document}&#10;&#10;$v_{\mathrm{e}}$&#10;&#10;&#10;\end{document}"/>
+  <p:tag name="IGUANATEXSIZE" val="10"/>
+</p:tagLst>
+</file>
+
+<file path=ppt/tags/tag25.xml><?xml version="1.0" encoding="utf-8"?>
+<p:tagLst xmlns:a="http://schemas.openxmlformats.org/drawingml/2006/main" xmlns:r="http://schemas.openxmlformats.org/officeDocument/2006/relationships" xmlns:p="http://schemas.openxmlformats.org/presentationml/2006/main">
+  <p:tag name="LATEXADDIN" val="\documentclass{article}&#10;\usepackage{amsmath}&#10;\pagestyle{empty}&#10;\begin{document}&#10;&#10;$v_{\mathrm{fi}}$&#10;&#10;&#10;\end{document}"/>
+  <p:tag name="IGUANATEXSIZE" val="10"/>
+</p:tagLst>
+</file>
+
+<file path=ppt/tags/tag26.xml><?xml version="1.0" encoding="utf-8"?>
+<p:tagLst xmlns:a="http://schemas.openxmlformats.org/drawingml/2006/main" xmlns:r="http://schemas.openxmlformats.org/officeDocument/2006/relationships" xmlns:p="http://schemas.openxmlformats.org/presentationml/2006/main">
+  <p:tag name="LATEXADDIN" val="\documentclass{article}&#10;\usepackage{amsmath}&#10;\pagestyle{empty}&#10;\begin{document}&#10;&#10;$v_{\mathrm{si}}$&#10;&#10;&#10;\end{document}"/>
+  <p:tag name="IGUANATEXSIZE" val="10"/>
+</p:tagLst>
+</file>
+
+<file path=ppt/tags/tag27.xml><?xml version="1.0" encoding="utf-8"?>
+<p:tagLst xmlns:a="http://schemas.openxmlformats.org/drawingml/2006/main" xmlns:r="http://schemas.openxmlformats.org/officeDocument/2006/relationships" xmlns:p="http://schemas.openxmlformats.org/presentationml/2006/main">
+  <p:tag name="LATEXADDIN" val="\documentclass{article}&#10;\usepackage{amsmath}&#10;\pagestyle{empty}&#10;\begin{document}&#10;&#10;$c_{3}$&#10;&#10;&#10;\end{document}"/>
+  <p:tag name="IGUANATEXSIZE" val="10"/>
+</p:tagLst>
+</file>
+
+<file path=ppt/tags/tag28.xml><?xml version="1.0" encoding="utf-8"?>
+<p:tagLst xmlns:a="http://schemas.openxmlformats.org/drawingml/2006/main" xmlns:r="http://schemas.openxmlformats.org/officeDocument/2006/relationships" xmlns:p="http://schemas.openxmlformats.org/presentationml/2006/main">
+  <p:tag name="LATEXADDIN" val="\documentclass{article}&#10;\usepackage{amsmath}&#10;\pagestyle{empty}&#10;\begin{document}&#10;&#10;$c_{1}$&#10;&#10;&#10;\end{document}"/>
+  <p:tag name="IGUANATEXSIZE" val="10"/>
+</p:tagLst>
+</file>
+
+<file path=ppt/tags/tag29.xml><?xml version="1.0" encoding="utf-8"?>
+<p:tagLst xmlns:a="http://schemas.openxmlformats.org/drawingml/2006/main" xmlns:r="http://schemas.openxmlformats.org/officeDocument/2006/relationships" xmlns:p="http://schemas.openxmlformats.org/presentationml/2006/main">
+  <p:tag name="LATEXADDIN" val="\documentclass{article}&#10;\usepackage{amsmath}&#10;\pagestyle{empty}&#10;\begin{document}&#10;&#10;$c_{4}$&#10;&#10;&#10;\end{document}"/>
+  <p:tag name="IGUANATEXSIZE" val="10"/>
+</p:tagLst>
+</file>
+
 <file path=ppt/tags/tag3.xml><?xml version="1.0" encoding="utf-8"?>
 <p:tagLst xmlns:a="http://schemas.openxmlformats.org/drawingml/2006/main" xmlns:r="http://schemas.openxmlformats.org/officeDocument/2006/relationships" xmlns:p="http://schemas.openxmlformats.org/presentationml/2006/main">
   <p:tag name="LATEXADDIN" val="\documentclass{article}&#10;\usepackage{amsmath}&#10;\pagestyle{empty}&#10;\begin{document}&#10;&#10;$v_{\mathrm{fi}}$&#10;&#10;&#10;\end{document}"/>
+  <p:tag name="IGUANATEXSIZE" val="10"/>
+</p:tagLst>
+</file>
+
+<file path=ppt/tags/tag30.xml><?xml version="1.0" encoding="utf-8"?>
+<p:tagLst xmlns:a="http://schemas.openxmlformats.org/drawingml/2006/main" xmlns:r="http://schemas.openxmlformats.org/officeDocument/2006/relationships" xmlns:p="http://schemas.openxmlformats.org/presentationml/2006/main">
+  <p:tag name="LATEXADDIN" val="\documentclass{article}&#10;\usepackage{amsmath}&#10;\pagestyle{empty}&#10;\begin{document}&#10;&#10;$c_{2}$&#10;&#10;&#10;\end{document}"/>
+  <p:tag name="IGUANATEXSIZE" val="10"/>
+</p:tagLst>
+</file>
+
+<file path=ppt/tags/tag31.xml><?xml version="1.0" encoding="utf-8"?>
+<p:tagLst xmlns:a="http://schemas.openxmlformats.org/drawingml/2006/main" xmlns:r="http://schemas.openxmlformats.org/officeDocument/2006/relationships" xmlns:p="http://schemas.openxmlformats.org/presentationml/2006/main">
+  <p:tag name="LATEXADDIN" val="\documentclass{article}&#10;\usepackage{amsmath}&#10;\pagestyle{empty}&#10;\begin{document}&#10;&#10;$c_{5}$&#10;&#10;&#10;\end{document}"/>
+  <p:tag name="IGUANATEXSIZE" val="10"/>
+</p:tagLst>
+</file>
+
+<file path=ppt/tags/tag32.xml><?xml version="1.0" encoding="utf-8"?>
+<p:tagLst xmlns:a="http://schemas.openxmlformats.org/drawingml/2006/main" xmlns:r="http://schemas.openxmlformats.org/officeDocument/2006/relationships" xmlns:p="http://schemas.openxmlformats.org/presentationml/2006/main">
+  <p:tag name="LATEXADDIN" val="\documentclass{article}&#10;\usepackage{amsmath}&#10;\pagestyle{empty}&#10;\begin{document}&#10;&#10;$c_{6}$&#10;&#10;&#10;\end{document}"/>
+  <p:tag name="IGUANATEXSIZE" val="10"/>
+</p:tagLst>
+</file>
+
+<file path=ppt/tags/tag33.xml><?xml version="1.0" encoding="utf-8"?>
+<p:tagLst xmlns:a="http://schemas.openxmlformats.org/drawingml/2006/main" xmlns:r="http://schemas.openxmlformats.org/officeDocument/2006/relationships" xmlns:p="http://schemas.openxmlformats.org/presentationml/2006/main">
+  <p:tag name="LATEXADDIN" val="\documentclass{article}&#10;\usepackage{amsmath}&#10;\pagestyle{empty}&#10;\begin{document}&#10;&#10;$c_{7}$&#10;&#10;&#10;\end{document}"/>
   <p:tag name="IGUANATEXSIZE" val="10"/>
 </p:tagLst>
 </file>

--- a/fig/EstimationFigures.pptx
+++ b/fig/EstimationFigures.pptx
@@ -18,6 +18,8 @@
     <p:sldId id="267" r:id="rId12"/>
     <p:sldId id="268" r:id="rId13"/>
     <p:sldId id="269" r:id="rId14"/>
+    <p:sldId id="270" r:id="rId15"/>
+    <p:sldId id="271" r:id="rId16"/>
   </p:sldIdLst>
   <p:sldSz cx="9144000" cy="9001125"/>
   <p:notesSz cx="6858000" cy="9144000"/>
@@ -301,7 +303,7 @@
             <a:fld id="{23031417-08DC-4991-BA64-45FCA174C9D0}" type="datetimeFigureOut">
               <a:rPr lang="en-AU" smtClean="0"/>
               <a:pPr/>
-              <a:t>27/09/2013</a:t>
+              <a:t>30/09/2013</a:t>
             </a:fld>
             <a:endParaRPr lang="en-AU"/>
           </a:p>
@@ -473,7 +475,7 @@
             <a:fld id="{23031417-08DC-4991-BA64-45FCA174C9D0}" type="datetimeFigureOut">
               <a:rPr lang="en-AU" smtClean="0"/>
               <a:pPr/>
-              <a:t>27/09/2013</a:t>
+              <a:t>30/09/2013</a:t>
             </a:fld>
             <a:endParaRPr lang="en-AU"/>
           </a:p>
@@ -655,7 +657,7 @@
             <a:fld id="{23031417-08DC-4991-BA64-45FCA174C9D0}" type="datetimeFigureOut">
               <a:rPr lang="en-AU" smtClean="0"/>
               <a:pPr/>
-              <a:t>27/09/2013</a:t>
+              <a:t>30/09/2013</a:t>
             </a:fld>
             <a:endParaRPr lang="en-AU"/>
           </a:p>
@@ -827,7 +829,7 @@
             <a:fld id="{23031417-08DC-4991-BA64-45FCA174C9D0}" type="datetimeFigureOut">
               <a:rPr lang="en-AU" smtClean="0"/>
               <a:pPr/>
-              <a:t>27/09/2013</a:t>
+              <a:t>30/09/2013</a:t>
             </a:fld>
             <a:endParaRPr lang="en-AU"/>
           </a:p>
@@ -1075,7 +1077,7 @@
             <a:fld id="{23031417-08DC-4991-BA64-45FCA174C9D0}" type="datetimeFigureOut">
               <a:rPr lang="en-AU" smtClean="0"/>
               <a:pPr/>
-              <a:t>27/09/2013</a:t>
+              <a:t>30/09/2013</a:t>
             </a:fld>
             <a:endParaRPr lang="en-AU"/>
           </a:p>
@@ -1365,7 +1367,7 @@
             <a:fld id="{23031417-08DC-4991-BA64-45FCA174C9D0}" type="datetimeFigureOut">
               <a:rPr lang="en-AU" smtClean="0"/>
               <a:pPr/>
-              <a:t>27/09/2013</a:t>
+              <a:t>30/09/2013</a:t>
             </a:fld>
             <a:endParaRPr lang="en-AU"/>
           </a:p>
@@ -1789,7 +1791,7 @@
             <a:fld id="{23031417-08DC-4991-BA64-45FCA174C9D0}" type="datetimeFigureOut">
               <a:rPr lang="en-AU" smtClean="0"/>
               <a:pPr/>
-              <a:t>27/09/2013</a:t>
+              <a:t>30/09/2013</a:t>
             </a:fld>
             <a:endParaRPr lang="en-AU"/>
           </a:p>
@@ -1909,7 +1911,7 @@
             <a:fld id="{23031417-08DC-4991-BA64-45FCA174C9D0}" type="datetimeFigureOut">
               <a:rPr lang="en-AU" smtClean="0"/>
               <a:pPr/>
-              <a:t>27/09/2013</a:t>
+              <a:t>30/09/2013</a:t>
             </a:fld>
             <a:endParaRPr lang="en-AU"/>
           </a:p>
@@ -2006,7 +2008,7 @@
             <a:fld id="{23031417-08DC-4991-BA64-45FCA174C9D0}" type="datetimeFigureOut">
               <a:rPr lang="en-AU" smtClean="0"/>
               <a:pPr/>
-              <a:t>27/09/2013</a:t>
+              <a:t>30/09/2013</a:t>
             </a:fld>
             <a:endParaRPr lang="en-AU"/>
           </a:p>
@@ -2285,7 +2287,7 @@
             <a:fld id="{23031417-08DC-4991-BA64-45FCA174C9D0}" type="datetimeFigureOut">
               <a:rPr lang="en-AU" smtClean="0"/>
               <a:pPr/>
-              <a:t>27/09/2013</a:t>
+              <a:t>30/09/2013</a:t>
             </a:fld>
             <a:endParaRPr lang="en-AU"/>
           </a:p>
@@ -2540,7 +2542,7 @@
             <a:fld id="{23031417-08DC-4991-BA64-45FCA174C9D0}" type="datetimeFigureOut">
               <a:rPr lang="en-AU" smtClean="0"/>
               <a:pPr/>
-              <a:t>27/09/2013</a:t>
+              <a:t>30/09/2013</a:t>
             </a:fld>
             <a:endParaRPr lang="en-AU"/>
           </a:p>
@@ -2755,7 +2757,7 @@
             <a:fld id="{23031417-08DC-4991-BA64-45FCA174C9D0}" type="datetimeFigureOut">
               <a:rPr lang="en-AU" smtClean="0"/>
               <a:pPr/>
-              <a:t>27/09/2013</a:t>
+              <a:t>30/09/2013</a:t>
             </a:fld>
             <a:endParaRPr lang="en-AU"/>
           </a:p>
@@ -3439,6 +3441,13 @@
   <p:clrMapOvr>
     <a:masterClrMapping/>
   </p:clrMapOvr>
+  <p:timing>
+    <p:tnLst>
+      <p:par>
+        <p:cTn id="1" dur="indefinite" restart="never" nodeType="tmRoot"/>
+      </p:par>
+    </p:tnLst>
+  </p:timing>
 </p:sld>
 </file>
 
@@ -4000,6 +4009,13 @@
   <p:clrMapOvr>
     <a:masterClrMapping/>
   </p:clrMapOvr>
+  <p:timing>
+    <p:tnLst>
+      <p:par>
+        <p:cTn id="1" dur="indefinite" restart="never" nodeType="tmRoot"/>
+      </p:par>
+    </p:tnLst>
+  </p:timing>
 </p:sld>
 </file>
 
@@ -4548,6 +4564,13 @@
   <p:clrMapOvr>
     <a:masterClrMapping/>
   </p:clrMapOvr>
+  <p:timing>
+    <p:tnLst>
+      <p:par>
+        <p:cTn id="1" dur="indefinite" restart="never" nodeType="tmRoot"/>
+      </p:par>
+    </p:tnLst>
+  </p:timing>
 </p:sld>
 </file>
 
@@ -4970,6 +4993,997 @@
   <p:clrMapOvr>
     <a:masterClrMapping/>
   </p:clrMapOvr>
+  <p:timing>
+    <p:tnLst>
+      <p:par>
+        <p:cTn id="1" dur="indefinite" restart="never" nodeType="tmRoot"/>
+      </p:par>
+    </p:tnLst>
+  </p:timing>
+</p:sld>
+</file>
+
+<file path=ppt/slides/slide14.xml><?xml version="1.0" encoding="utf-8"?>
+<p:sld xmlns:a="http://schemas.openxmlformats.org/drawingml/2006/main" xmlns:r="http://schemas.openxmlformats.org/officeDocument/2006/relationships" xmlns:p="http://schemas.openxmlformats.org/presentationml/2006/main">
+  <p:cSld>
+    <p:spTree>
+      <p:nvGrpSpPr>
+        <p:cNvPr id="1" name=""/>
+        <p:cNvGrpSpPr/>
+        <p:nvPr/>
+      </p:nvGrpSpPr>
+      <p:grpSpPr>
+        <a:xfrm>
+          <a:off x="0" y="0"/>
+          <a:ext cx="0" cy="0"/>
+          <a:chOff x="0" y="0"/>
+          <a:chExt cx="0" cy="0"/>
+        </a:xfrm>
+      </p:grpSpPr>
+      <p:sp>
+        <p:nvSpPr>
+          <p:cNvPr id="4" name="Rectangle 3"/>
+          <p:cNvSpPr/>
+          <p:nvPr/>
+        </p:nvSpPr>
+        <p:spPr>
+          <a:xfrm>
+            <a:off x="0" y="0"/>
+            <a:ext cx="6120000" cy="8280000"/>
+          </a:xfrm>
+          <a:prstGeom prst="rect">
+            <a:avLst/>
+          </a:prstGeom>
+          <a:noFill/>
+          <a:ln w="6350"/>
+        </p:spPr>
+        <p:style>
+          <a:lnRef idx="2">
+            <a:schemeClr val="accent1">
+              <a:shade val="50000"/>
+            </a:schemeClr>
+          </a:lnRef>
+          <a:fillRef idx="1">
+            <a:schemeClr val="accent1"/>
+          </a:fillRef>
+          <a:effectRef idx="0">
+            <a:schemeClr val="accent1"/>
+          </a:effectRef>
+          <a:fontRef idx="minor">
+            <a:schemeClr val="lt1"/>
+          </a:fontRef>
+        </p:style>
+        <p:txBody>
+          <a:bodyPr rtlCol="0" anchor="ctr"/>
+          <a:lstStyle/>
+          <a:p>
+            <a:pPr algn="ctr"/>
+            <a:endParaRPr lang="en-AU"/>
+          </a:p>
+        </p:txBody>
+      </p:sp>
+      <p:sp>
+        <p:nvSpPr>
+          <p:cNvPr id="5" name="Rectangle 4"/>
+          <p:cNvSpPr/>
+          <p:nvPr/>
+        </p:nvSpPr>
+        <p:spPr>
+          <a:xfrm>
+            <a:off x="0" y="0"/>
+            <a:ext cx="3060000" cy="8280000"/>
+          </a:xfrm>
+          <a:prstGeom prst="rect">
+            <a:avLst/>
+          </a:prstGeom>
+          <a:noFill/>
+          <a:ln w="6350"/>
+        </p:spPr>
+        <p:style>
+          <a:lnRef idx="2">
+            <a:schemeClr val="accent1">
+              <a:shade val="50000"/>
+            </a:schemeClr>
+          </a:lnRef>
+          <a:fillRef idx="1">
+            <a:schemeClr val="accent1"/>
+          </a:fillRef>
+          <a:effectRef idx="0">
+            <a:schemeClr val="accent1"/>
+          </a:effectRef>
+          <a:fontRef idx="minor">
+            <a:schemeClr val="lt1"/>
+          </a:fontRef>
+        </p:style>
+        <p:txBody>
+          <a:bodyPr rtlCol="0" anchor="ctr"/>
+          <a:lstStyle/>
+          <a:p>
+            <a:pPr algn="ctr"/>
+            <a:endParaRPr lang="en-AU"/>
+          </a:p>
+        </p:txBody>
+      </p:sp>
+      <p:sp>
+        <p:nvSpPr>
+          <p:cNvPr id="6" name="Rectangle 5"/>
+          <p:cNvSpPr/>
+          <p:nvPr/>
+        </p:nvSpPr>
+        <p:spPr>
+          <a:xfrm>
+            <a:off x="0" y="1"/>
+            <a:ext cx="6120000" cy="4140000"/>
+          </a:xfrm>
+          <a:prstGeom prst="rect">
+            <a:avLst/>
+          </a:prstGeom>
+          <a:noFill/>
+          <a:ln w="3175"/>
+        </p:spPr>
+        <p:style>
+          <a:lnRef idx="2">
+            <a:schemeClr val="accent1">
+              <a:shade val="50000"/>
+            </a:schemeClr>
+          </a:lnRef>
+          <a:fillRef idx="1">
+            <a:schemeClr val="accent1"/>
+          </a:fillRef>
+          <a:effectRef idx="0">
+            <a:schemeClr val="accent1"/>
+          </a:effectRef>
+          <a:fontRef idx="minor">
+            <a:schemeClr val="lt1"/>
+          </a:fontRef>
+        </p:style>
+        <p:txBody>
+          <a:bodyPr rtlCol="0" anchor="ctr"/>
+          <a:lstStyle/>
+          <a:p>
+            <a:pPr algn="ctr"/>
+            <a:endParaRPr lang="en-AU"/>
+          </a:p>
+        </p:txBody>
+      </p:sp>
+      <p:sp>
+        <p:nvSpPr>
+          <p:cNvPr id="7" name="TextBox 6"/>
+          <p:cNvSpPr txBox="1"/>
+          <p:nvPr/>
+        </p:nvSpPr>
+        <p:spPr>
+          <a:xfrm>
+            <a:off x="0" y="2"/>
+            <a:ext cx="295274" cy="276999"/>
+          </a:xfrm>
+          <a:prstGeom prst="rect">
+            <a:avLst/>
+          </a:prstGeom>
+          <a:noFill/>
+        </p:spPr>
+        <p:txBody>
+          <a:bodyPr wrap="none" rtlCol="0">
+            <a:spAutoFit/>
+          </a:bodyPr>
+          <a:lstStyle/>
+          <a:p>
+            <a:r>
+              <a:rPr lang="en-AU" sz="1200" b="1" dirty="0" smtClean="0">
+                <a:latin typeface="Arial" panose="020B0604020202020204" pitchFamily="34" charset="0"/>
+                <a:cs typeface="Arial" panose="020B0604020202020204" pitchFamily="34" charset="0"/>
+              </a:rPr>
+              <a:t>A</a:t>
+            </a:r>
+            <a:endParaRPr lang="en-AU" sz="1200" b="1" dirty="0">
+              <a:latin typeface="Arial" panose="020B0604020202020204" pitchFamily="34" charset="0"/>
+              <a:cs typeface="Arial" panose="020B0604020202020204" pitchFamily="34" charset="0"/>
+            </a:endParaRPr>
+          </a:p>
+        </p:txBody>
+      </p:sp>
+      <p:sp>
+        <p:nvSpPr>
+          <p:cNvPr id="8" name="TextBox 7"/>
+          <p:cNvSpPr txBox="1"/>
+          <p:nvPr/>
+        </p:nvSpPr>
+        <p:spPr>
+          <a:xfrm>
+            <a:off x="3060000" y="-1"/>
+            <a:ext cx="295274" cy="276999"/>
+          </a:xfrm>
+          <a:prstGeom prst="rect">
+            <a:avLst/>
+          </a:prstGeom>
+          <a:noFill/>
+        </p:spPr>
+        <p:txBody>
+          <a:bodyPr wrap="none" rtlCol="0">
+            <a:spAutoFit/>
+          </a:bodyPr>
+          <a:lstStyle/>
+          <a:p>
+            <a:r>
+              <a:rPr lang="en-AU" sz="1200" b="1" dirty="0">
+                <a:latin typeface="Arial" panose="020B0604020202020204" pitchFamily="34" charset="0"/>
+                <a:cs typeface="Arial" panose="020B0604020202020204" pitchFamily="34" charset="0"/>
+              </a:rPr>
+              <a:t>B</a:t>
+            </a:r>
+          </a:p>
+        </p:txBody>
+      </p:sp>
+      <p:sp>
+        <p:nvSpPr>
+          <p:cNvPr id="9" name="TextBox 8"/>
+          <p:cNvSpPr txBox="1"/>
+          <p:nvPr/>
+        </p:nvSpPr>
+        <p:spPr>
+          <a:xfrm>
+            <a:off x="0" y="4140522"/>
+            <a:ext cx="295274" cy="276999"/>
+          </a:xfrm>
+          <a:prstGeom prst="rect">
+            <a:avLst/>
+          </a:prstGeom>
+          <a:noFill/>
+        </p:spPr>
+        <p:txBody>
+          <a:bodyPr wrap="none" rtlCol="0">
+            <a:spAutoFit/>
+          </a:bodyPr>
+          <a:lstStyle/>
+          <a:p>
+            <a:r>
+              <a:rPr lang="en-AU" sz="1200" b="1" dirty="0">
+                <a:latin typeface="Arial" panose="020B0604020202020204" pitchFamily="34" charset="0"/>
+                <a:cs typeface="Arial" panose="020B0604020202020204" pitchFamily="34" charset="0"/>
+              </a:rPr>
+              <a:t>C</a:t>
+            </a:r>
+          </a:p>
+        </p:txBody>
+      </p:sp>
+      <p:sp>
+        <p:nvSpPr>
+          <p:cNvPr id="10" name="TextBox 9"/>
+          <p:cNvSpPr txBox="1"/>
+          <p:nvPr/>
+        </p:nvSpPr>
+        <p:spPr>
+          <a:xfrm>
+            <a:off x="3060000" y="4154548"/>
+            <a:ext cx="295274" cy="276999"/>
+          </a:xfrm>
+          <a:prstGeom prst="rect">
+            <a:avLst/>
+          </a:prstGeom>
+          <a:noFill/>
+        </p:spPr>
+        <p:txBody>
+          <a:bodyPr wrap="none" rtlCol="0">
+            <a:spAutoFit/>
+          </a:bodyPr>
+          <a:lstStyle/>
+          <a:p>
+            <a:r>
+              <a:rPr lang="en-AU" sz="1200" b="1" dirty="0">
+                <a:latin typeface="Arial" panose="020B0604020202020204" pitchFamily="34" charset="0"/>
+                <a:cs typeface="Arial" panose="020B0604020202020204" pitchFamily="34" charset="0"/>
+              </a:rPr>
+              <a:t>D</a:t>
+            </a:r>
+          </a:p>
+        </p:txBody>
+      </p:sp>
+      <p:pic>
+        <p:nvPicPr>
+          <p:cNvPr id="2" name="Picture 3"/>
+          <p:cNvPicPr>
+            <a:picLocks noChangeAspect="1" noChangeArrowheads="1"/>
+          </p:cNvPicPr>
+          <p:nvPr/>
+        </p:nvPicPr>
+        <p:blipFill rotWithShape="1">
+          <a:blip r:embed="rId2" cstate="print">
+            <a:extLst>
+              <a:ext uri="{28A0092B-C50C-407E-A947-70E740481C1C}">
+                <a14:useLocalDpi xmlns:a14="http://schemas.microsoft.com/office/drawing/2010/main" val="0"/>
+              </a:ext>
+            </a:extLst>
+          </a:blip>
+          <a:srcRect l="1205" t="6353" r="8434" b="2078"/>
+          <a:stretch/>
+        </p:blipFill>
+        <p:spPr bwMode="auto">
+          <a:xfrm>
+            <a:off x="180000" y="432000"/>
+            <a:ext cx="2700000" cy="3672000"/>
+          </a:xfrm>
+          <a:prstGeom prst="rect">
+            <a:avLst/>
+          </a:prstGeom>
+          <a:noFill/>
+          <a:ln>
+            <a:noFill/>
+          </a:ln>
+          <a:extLst>
+            <a:ext uri="{909E8E84-426E-40DD-AFC4-6F175D3DCCD1}">
+              <a14:hiddenFill xmlns:a14="http://schemas.microsoft.com/office/drawing/2010/main">
+                <a:solidFill>
+                  <a:schemeClr val="accent1"/>
+                </a:solidFill>
+              </a14:hiddenFill>
+            </a:ext>
+            <a:ext uri="{91240B29-F687-4F45-9708-019B960494DF}">
+              <a14:hiddenLine xmlns:a14="http://schemas.microsoft.com/office/drawing/2010/main" w="9525">
+                <a:solidFill>
+                  <a:schemeClr val="tx1"/>
+                </a:solidFill>
+                <a:miter lim="800000"/>
+                <a:headEnd/>
+                <a:tailEnd/>
+              </a14:hiddenLine>
+            </a:ext>
+          </a:extLst>
+        </p:spPr>
+      </p:pic>
+      <p:pic>
+        <p:nvPicPr>
+          <p:cNvPr id="1028" name="Picture 4"/>
+          <p:cNvPicPr>
+            <a:picLocks noChangeAspect="1" noChangeArrowheads="1"/>
+          </p:cNvPicPr>
+          <p:nvPr/>
+        </p:nvPicPr>
+        <p:blipFill rotWithShape="1">
+          <a:blip r:embed="rId3" cstate="print">
+            <a:extLst>
+              <a:ext uri="{28A0092B-C50C-407E-A947-70E740481C1C}">
+                <a14:useLocalDpi xmlns:a14="http://schemas.microsoft.com/office/drawing/2010/main" val="0"/>
+              </a:ext>
+            </a:extLst>
+          </a:blip>
+          <a:srcRect l="1205" t="6237" r="7229" b="2418"/>
+          <a:stretch/>
+        </p:blipFill>
+        <p:spPr bwMode="auto">
+          <a:xfrm>
+            <a:off x="3240000" y="432000"/>
+            <a:ext cx="2736000" cy="3636000"/>
+          </a:xfrm>
+          <a:prstGeom prst="rect">
+            <a:avLst/>
+          </a:prstGeom>
+          <a:noFill/>
+          <a:ln>
+            <a:noFill/>
+          </a:ln>
+          <a:extLst>
+            <a:ext uri="{909E8E84-426E-40DD-AFC4-6F175D3DCCD1}">
+              <a14:hiddenFill xmlns:a14="http://schemas.microsoft.com/office/drawing/2010/main">
+                <a:solidFill>
+                  <a:schemeClr val="accent1"/>
+                </a:solidFill>
+              </a14:hiddenFill>
+            </a:ext>
+            <a:ext uri="{91240B29-F687-4F45-9708-019B960494DF}">
+              <a14:hiddenLine xmlns:a14="http://schemas.microsoft.com/office/drawing/2010/main" w="9525">
+                <a:solidFill>
+                  <a:schemeClr val="tx1"/>
+                </a:solidFill>
+                <a:miter lim="800000"/>
+                <a:headEnd/>
+                <a:tailEnd/>
+              </a14:hiddenLine>
+            </a:ext>
+          </a:extLst>
+        </p:spPr>
+      </p:pic>
+      <p:pic>
+        <p:nvPicPr>
+          <p:cNvPr id="1029" name="Picture 5"/>
+          <p:cNvPicPr>
+            <a:picLocks noChangeAspect="1" noChangeArrowheads="1"/>
+          </p:cNvPicPr>
+          <p:nvPr/>
+        </p:nvPicPr>
+        <p:blipFill rotWithShape="1">
+          <a:blip r:embed="rId4" cstate="print">
+            <a:extLst>
+              <a:ext uri="{28A0092B-C50C-407E-A947-70E740481C1C}">
+                <a14:useLocalDpi xmlns:a14="http://schemas.microsoft.com/office/drawing/2010/main" val="0"/>
+              </a:ext>
+            </a:extLst>
+          </a:blip>
+          <a:srcRect l="1205" t="6066" r="8434" b="2193"/>
+          <a:stretch/>
+        </p:blipFill>
+        <p:spPr bwMode="auto">
+          <a:xfrm>
+            <a:off x="180000" y="4428000"/>
+            <a:ext cx="2700000" cy="3672000"/>
+          </a:xfrm>
+          <a:prstGeom prst="rect">
+            <a:avLst/>
+          </a:prstGeom>
+          <a:noFill/>
+          <a:ln>
+            <a:noFill/>
+          </a:ln>
+          <a:extLst>
+            <a:ext uri="{909E8E84-426E-40DD-AFC4-6F175D3DCCD1}">
+              <a14:hiddenFill xmlns:a14="http://schemas.microsoft.com/office/drawing/2010/main">
+                <a:solidFill>
+                  <a:schemeClr val="accent1"/>
+                </a:solidFill>
+              </a14:hiddenFill>
+            </a:ext>
+            <a:ext uri="{91240B29-F687-4F45-9708-019B960494DF}">
+              <a14:hiddenLine xmlns:a14="http://schemas.microsoft.com/office/drawing/2010/main" w="9525">
+                <a:solidFill>
+                  <a:schemeClr val="tx1"/>
+                </a:solidFill>
+                <a:miter lim="800000"/>
+                <a:headEnd/>
+                <a:tailEnd/>
+              </a14:hiddenLine>
+            </a:ext>
+          </a:extLst>
+        </p:spPr>
+      </p:pic>
+      <p:pic>
+        <p:nvPicPr>
+          <p:cNvPr id="1031" name="Picture 7"/>
+          <p:cNvPicPr>
+            <a:picLocks noChangeAspect="1" noChangeArrowheads="1"/>
+          </p:cNvPicPr>
+          <p:nvPr/>
+        </p:nvPicPr>
+        <p:blipFill rotWithShape="1">
+          <a:blip r:embed="rId5" cstate="print">
+            <a:extLst>
+              <a:ext uri="{28A0092B-C50C-407E-A947-70E740481C1C}">
+                <a14:useLocalDpi xmlns:a14="http://schemas.microsoft.com/office/drawing/2010/main" val="0"/>
+              </a:ext>
+            </a:extLst>
+          </a:blip>
+          <a:srcRect l="1205" t="6720" r="8434" b="1741"/>
+          <a:stretch/>
+        </p:blipFill>
+        <p:spPr bwMode="auto">
+          <a:xfrm>
+            <a:off x="3240000" y="4428000"/>
+            <a:ext cx="2700000" cy="3672000"/>
+          </a:xfrm>
+          <a:prstGeom prst="rect">
+            <a:avLst/>
+          </a:prstGeom>
+          <a:noFill/>
+          <a:ln>
+            <a:noFill/>
+          </a:ln>
+          <a:extLst>
+            <a:ext uri="{909E8E84-426E-40DD-AFC4-6F175D3DCCD1}">
+              <a14:hiddenFill xmlns:a14="http://schemas.microsoft.com/office/drawing/2010/main">
+                <a:solidFill>
+                  <a:schemeClr val="accent1"/>
+                </a:solidFill>
+              </a14:hiddenFill>
+            </a:ext>
+            <a:ext uri="{91240B29-F687-4F45-9708-019B960494DF}">
+              <a14:hiddenLine xmlns:a14="http://schemas.microsoft.com/office/drawing/2010/main" w="9525">
+                <a:solidFill>
+                  <a:schemeClr val="tx1"/>
+                </a:solidFill>
+                <a:miter lim="800000"/>
+                <a:headEnd/>
+                <a:tailEnd/>
+              </a14:hiddenLine>
+            </a:ext>
+          </a:extLst>
+        </p:spPr>
+      </p:pic>
+      <p:pic>
+        <p:nvPicPr>
+          <p:cNvPr id="1032" name="Picture 8"/>
+          <p:cNvPicPr>
+            <a:picLocks noChangeAspect="1" noChangeArrowheads="1"/>
+          </p:cNvPicPr>
+          <p:nvPr/>
+        </p:nvPicPr>
+        <p:blipFill rotWithShape="1">
+          <a:blip r:embed="rId6" cstate="print">
+            <a:extLst>
+              <a:ext uri="{28A0092B-C50C-407E-A947-70E740481C1C}">
+                <a14:useLocalDpi xmlns:a14="http://schemas.microsoft.com/office/drawing/2010/main" val="0"/>
+              </a:ext>
+            </a:extLst>
+          </a:blip>
+          <a:srcRect l="591" t="2597" r="614" b="93814"/>
+          <a:stretch/>
+        </p:blipFill>
+        <p:spPr bwMode="auto">
+          <a:xfrm>
+            <a:off x="1584000" y="237600"/>
+            <a:ext cx="2952000" cy="144000"/>
+          </a:xfrm>
+          <a:prstGeom prst="rect">
+            <a:avLst/>
+          </a:prstGeom>
+          <a:noFill/>
+          <a:ln>
+            <a:noFill/>
+          </a:ln>
+          <a:extLst>
+            <a:ext uri="{909E8E84-426E-40DD-AFC4-6F175D3DCCD1}">
+              <a14:hiddenFill xmlns:a14="http://schemas.microsoft.com/office/drawing/2010/main">
+                <a:solidFill>
+                  <a:schemeClr val="accent1"/>
+                </a:solidFill>
+              </a14:hiddenFill>
+            </a:ext>
+            <a:ext uri="{91240B29-F687-4F45-9708-019B960494DF}">
+              <a14:hiddenLine xmlns:a14="http://schemas.microsoft.com/office/drawing/2010/main" w="9525">
+                <a:solidFill>
+                  <a:schemeClr val="tx1"/>
+                </a:solidFill>
+                <a:miter lim="800000"/>
+                <a:headEnd/>
+                <a:tailEnd/>
+              </a14:hiddenLine>
+            </a:ext>
+          </a:extLst>
+        </p:spPr>
+      </p:pic>
+    </p:spTree>
+    <p:extLst>
+      <p:ext uri="{BB962C8B-B14F-4D97-AF65-F5344CB8AC3E}">
+        <p14:creationId xmlns:p14="http://schemas.microsoft.com/office/powerpoint/2010/main" val="3122463977"/>
+      </p:ext>
+    </p:extLst>
+  </p:cSld>
+  <p:clrMapOvr>
+    <a:masterClrMapping/>
+  </p:clrMapOvr>
+  <p:timing>
+    <p:tnLst>
+      <p:par>
+        <p:cTn id="1" dur="indefinite" restart="never" nodeType="tmRoot"/>
+      </p:par>
+    </p:tnLst>
+  </p:timing>
+</p:sld>
+</file>
+
+<file path=ppt/slides/slide15.xml><?xml version="1.0" encoding="utf-8"?>
+<p:sld xmlns:a="http://schemas.openxmlformats.org/drawingml/2006/main" xmlns:r="http://schemas.openxmlformats.org/officeDocument/2006/relationships" xmlns:p="http://schemas.openxmlformats.org/presentationml/2006/main">
+  <p:cSld>
+    <p:spTree>
+      <p:nvGrpSpPr>
+        <p:cNvPr id="1" name=""/>
+        <p:cNvGrpSpPr/>
+        <p:nvPr/>
+      </p:nvGrpSpPr>
+      <p:grpSpPr>
+        <a:xfrm>
+          <a:off x="0" y="0"/>
+          <a:ext cx="0" cy="0"/>
+          <a:chOff x="0" y="0"/>
+          <a:chExt cx="0" cy="0"/>
+        </a:xfrm>
+      </p:grpSpPr>
+      <p:sp>
+        <p:nvSpPr>
+          <p:cNvPr id="7" name="TextBox 6"/>
+          <p:cNvSpPr txBox="1"/>
+          <p:nvPr/>
+        </p:nvSpPr>
+        <p:spPr>
+          <a:xfrm>
+            <a:off x="0" y="190800"/>
+            <a:ext cx="295274" cy="276999"/>
+          </a:xfrm>
+          <a:prstGeom prst="rect">
+            <a:avLst/>
+          </a:prstGeom>
+          <a:noFill/>
+        </p:spPr>
+        <p:txBody>
+          <a:bodyPr wrap="none" rtlCol="0">
+            <a:spAutoFit/>
+          </a:bodyPr>
+          <a:lstStyle/>
+          <a:p>
+            <a:r>
+              <a:rPr lang="en-AU" sz="1200" b="1" dirty="0" smtClean="0">
+                <a:latin typeface="Arial" panose="020B0604020202020204" pitchFamily="34" charset="0"/>
+                <a:cs typeface="Arial" panose="020B0604020202020204" pitchFamily="34" charset="0"/>
+              </a:rPr>
+              <a:t>A</a:t>
+            </a:r>
+            <a:endParaRPr lang="en-AU" sz="1200" b="1" dirty="0">
+              <a:latin typeface="Arial" panose="020B0604020202020204" pitchFamily="34" charset="0"/>
+              <a:cs typeface="Arial" panose="020B0604020202020204" pitchFamily="34" charset="0"/>
+            </a:endParaRPr>
+          </a:p>
+        </p:txBody>
+      </p:sp>
+      <p:sp>
+        <p:nvSpPr>
+          <p:cNvPr id="8" name="TextBox 7"/>
+          <p:cNvSpPr txBox="1"/>
+          <p:nvPr/>
+        </p:nvSpPr>
+        <p:spPr>
+          <a:xfrm>
+            <a:off x="3060000" y="190800"/>
+            <a:ext cx="295274" cy="276999"/>
+          </a:xfrm>
+          <a:prstGeom prst="rect">
+            <a:avLst/>
+          </a:prstGeom>
+          <a:noFill/>
+        </p:spPr>
+        <p:txBody>
+          <a:bodyPr wrap="none" rtlCol="0">
+            <a:spAutoFit/>
+          </a:bodyPr>
+          <a:lstStyle/>
+          <a:p>
+            <a:r>
+              <a:rPr lang="en-AU" sz="1200" b="1" dirty="0">
+                <a:latin typeface="Arial" panose="020B0604020202020204" pitchFamily="34" charset="0"/>
+                <a:cs typeface="Arial" panose="020B0604020202020204" pitchFamily="34" charset="0"/>
+              </a:rPr>
+              <a:t>B</a:t>
+            </a:r>
+          </a:p>
+        </p:txBody>
+      </p:sp>
+      <p:sp>
+        <p:nvSpPr>
+          <p:cNvPr id="9" name="TextBox 8"/>
+          <p:cNvSpPr txBox="1"/>
+          <p:nvPr/>
+        </p:nvSpPr>
+        <p:spPr>
+          <a:xfrm>
+            <a:off x="0" y="4140522"/>
+            <a:ext cx="295274" cy="276999"/>
+          </a:xfrm>
+          <a:prstGeom prst="rect">
+            <a:avLst/>
+          </a:prstGeom>
+          <a:noFill/>
+        </p:spPr>
+        <p:txBody>
+          <a:bodyPr wrap="none" rtlCol="0">
+            <a:spAutoFit/>
+          </a:bodyPr>
+          <a:lstStyle/>
+          <a:p>
+            <a:r>
+              <a:rPr lang="en-AU" sz="1200" b="1" dirty="0">
+                <a:latin typeface="Arial" panose="020B0604020202020204" pitchFamily="34" charset="0"/>
+                <a:cs typeface="Arial" panose="020B0604020202020204" pitchFamily="34" charset="0"/>
+              </a:rPr>
+              <a:t>C</a:t>
+            </a:r>
+          </a:p>
+        </p:txBody>
+      </p:sp>
+      <p:sp>
+        <p:nvSpPr>
+          <p:cNvPr id="10" name="TextBox 9"/>
+          <p:cNvSpPr txBox="1"/>
+          <p:nvPr/>
+        </p:nvSpPr>
+        <p:spPr>
+          <a:xfrm>
+            <a:off x="3060000" y="4154548"/>
+            <a:ext cx="295274" cy="276999"/>
+          </a:xfrm>
+          <a:prstGeom prst="rect">
+            <a:avLst/>
+          </a:prstGeom>
+          <a:noFill/>
+        </p:spPr>
+        <p:txBody>
+          <a:bodyPr wrap="none" rtlCol="0">
+            <a:spAutoFit/>
+          </a:bodyPr>
+          <a:lstStyle/>
+          <a:p>
+            <a:r>
+              <a:rPr lang="en-AU" sz="1200" b="1" dirty="0">
+                <a:latin typeface="Arial" panose="020B0604020202020204" pitchFamily="34" charset="0"/>
+                <a:cs typeface="Arial" panose="020B0604020202020204" pitchFamily="34" charset="0"/>
+              </a:rPr>
+              <a:t>D</a:t>
+            </a:r>
+          </a:p>
+        </p:txBody>
+      </p:sp>
+      <p:pic>
+        <p:nvPicPr>
+          <p:cNvPr id="2" name="Picture 3"/>
+          <p:cNvPicPr>
+            <a:picLocks noChangeAspect="1" noChangeArrowheads="1"/>
+          </p:cNvPicPr>
+          <p:nvPr/>
+        </p:nvPicPr>
+        <p:blipFill rotWithShape="1">
+          <a:blip r:embed="rId2" cstate="print">
+            <a:extLst>
+              <a:ext uri="{28A0092B-C50C-407E-A947-70E740481C1C}">
+                <a14:useLocalDpi xmlns:a14="http://schemas.microsoft.com/office/drawing/2010/main" val="0"/>
+              </a:ext>
+            </a:extLst>
+          </a:blip>
+          <a:srcRect l="1205" t="6353" r="8434" b="2078"/>
+          <a:stretch/>
+        </p:blipFill>
+        <p:spPr bwMode="auto">
+          <a:xfrm>
+            <a:off x="180000" y="432000"/>
+            <a:ext cx="2700000" cy="3672000"/>
+          </a:xfrm>
+          <a:prstGeom prst="rect">
+            <a:avLst/>
+          </a:prstGeom>
+          <a:noFill/>
+          <a:ln>
+            <a:noFill/>
+          </a:ln>
+          <a:extLst>
+            <a:ext uri="{909E8E84-426E-40DD-AFC4-6F175D3DCCD1}">
+              <a14:hiddenFill xmlns:a14="http://schemas.microsoft.com/office/drawing/2010/main">
+                <a:solidFill>
+                  <a:schemeClr val="accent1"/>
+                </a:solidFill>
+              </a14:hiddenFill>
+            </a:ext>
+            <a:ext uri="{91240B29-F687-4F45-9708-019B960494DF}">
+              <a14:hiddenLine xmlns:a14="http://schemas.microsoft.com/office/drawing/2010/main" w="9525">
+                <a:solidFill>
+                  <a:schemeClr val="tx1"/>
+                </a:solidFill>
+                <a:miter lim="800000"/>
+                <a:headEnd/>
+                <a:tailEnd/>
+              </a14:hiddenLine>
+            </a:ext>
+          </a:extLst>
+        </p:spPr>
+      </p:pic>
+      <p:pic>
+        <p:nvPicPr>
+          <p:cNvPr id="1028" name="Picture 4"/>
+          <p:cNvPicPr>
+            <a:picLocks noChangeAspect="1" noChangeArrowheads="1"/>
+          </p:cNvPicPr>
+          <p:nvPr/>
+        </p:nvPicPr>
+        <p:blipFill rotWithShape="1">
+          <a:blip r:embed="rId3" cstate="print">
+            <a:extLst>
+              <a:ext uri="{28A0092B-C50C-407E-A947-70E740481C1C}">
+                <a14:useLocalDpi xmlns:a14="http://schemas.microsoft.com/office/drawing/2010/main" val="0"/>
+              </a:ext>
+            </a:extLst>
+          </a:blip>
+          <a:srcRect l="1205" t="6237" r="7229" b="2418"/>
+          <a:stretch/>
+        </p:blipFill>
+        <p:spPr bwMode="auto">
+          <a:xfrm>
+            <a:off x="3240000" y="432000"/>
+            <a:ext cx="2736000" cy="3636000"/>
+          </a:xfrm>
+          <a:prstGeom prst="rect">
+            <a:avLst/>
+          </a:prstGeom>
+          <a:noFill/>
+          <a:ln>
+            <a:noFill/>
+          </a:ln>
+          <a:extLst>
+            <a:ext uri="{909E8E84-426E-40DD-AFC4-6F175D3DCCD1}">
+              <a14:hiddenFill xmlns:a14="http://schemas.microsoft.com/office/drawing/2010/main">
+                <a:solidFill>
+                  <a:schemeClr val="accent1"/>
+                </a:solidFill>
+              </a14:hiddenFill>
+            </a:ext>
+            <a:ext uri="{91240B29-F687-4F45-9708-019B960494DF}">
+              <a14:hiddenLine xmlns:a14="http://schemas.microsoft.com/office/drawing/2010/main" w="9525">
+                <a:solidFill>
+                  <a:schemeClr val="tx1"/>
+                </a:solidFill>
+                <a:miter lim="800000"/>
+                <a:headEnd/>
+                <a:tailEnd/>
+              </a14:hiddenLine>
+            </a:ext>
+          </a:extLst>
+        </p:spPr>
+      </p:pic>
+      <p:pic>
+        <p:nvPicPr>
+          <p:cNvPr id="1029" name="Picture 5"/>
+          <p:cNvPicPr>
+            <a:picLocks noChangeAspect="1" noChangeArrowheads="1"/>
+          </p:cNvPicPr>
+          <p:nvPr/>
+        </p:nvPicPr>
+        <p:blipFill rotWithShape="1">
+          <a:blip r:embed="rId4" cstate="print">
+            <a:extLst>
+              <a:ext uri="{28A0092B-C50C-407E-A947-70E740481C1C}">
+                <a14:useLocalDpi xmlns:a14="http://schemas.microsoft.com/office/drawing/2010/main" val="0"/>
+              </a:ext>
+            </a:extLst>
+          </a:blip>
+          <a:srcRect l="1205" t="6066" r="8434" b="2193"/>
+          <a:stretch/>
+        </p:blipFill>
+        <p:spPr bwMode="auto">
+          <a:xfrm>
+            <a:off x="180000" y="4428000"/>
+            <a:ext cx="2700000" cy="3672000"/>
+          </a:xfrm>
+          <a:prstGeom prst="rect">
+            <a:avLst/>
+          </a:prstGeom>
+          <a:noFill/>
+          <a:ln>
+            <a:noFill/>
+          </a:ln>
+          <a:extLst>
+            <a:ext uri="{909E8E84-426E-40DD-AFC4-6F175D3DCCD1}">
+              <a14:hiddenFill xmlns:a14="http://schemas.microsoft.com/office/drawing/2010/main">
+                <a:solidFill>
+                  <a:schemeClr val="accent1"/>
+                </a:solidFill>
+              </a14:hiddenFill>
+            </a:ext>
+            <a:ext uri="{91240B29-F687-4F45-9708-019B960494DF}">
+              <a14:hiddenLine xmlns:a14="http://schemas.microsoft.com/office/drawing/2010/main" w="9525">
+                <a:solidFill>
+                  <a:schemeClr val="tx1"/>
+                </a:solidFill>
+                <a:miter lim="800000"/>
+                <a:headEnd/>
+                <a:tailEnd/>
+              </a14:hiddenLine>
+            </a:ext>
+          </a:extLst>
+        </p:spPr>
+      </p:pic>
+      <p:pic>
+        <p:nvPicPr>
+          <p:cNvPr id="1031" name="Picture 7"/>
+          <p:cNvPicPr>
+            <a:picLocks noChangeAspect="1" noChangeArrowheads="1"/>
+          </p:cNvPicPr>
+          <p:nvPr/>
+        </p:nvPicPr>
+        <p:blipFill rotWithShape="1">
+          <a:blip r:embed="rId5" cstate="print">
+            <a:extLst>
+              <a:ext uri="{28A0092B-C50C-407E-A947-70E740481C1C}">
+                <a14:useLocalDpi xmlns:a14="http://schemas.microsoft.com/office/drawing/2010/main" val="0"/>
+              </a:ext>
+            </a:extLst>
+          </a:blip>
+          <a:srcRect l="1205" t="6720" r="7229" b="1741"/>
+          <a:stretch/>
+        </p:blipFill>
+        <p:spPr bwMode="auto">
+          <a:xfrm>
+            <a:off x="3240000" y="4428000"/>
+            <a:ext cx="2736000" cy="3672000"/>
+          </a:xfrm>
+          <a:prstGeom prst="rect">
+            <a:avLst/>
+          </a:prstGeom>
+          <a:noFill/>
+          <a:ln>
+            <a:noFill/>
+          </a:ln>
+          <a:extLst>
+            <a:ext uri="{909E8E84-426E-40DD-AFC4-6F175D3DCCD1}">
+              <a14:hiddenFill xmlns:a14="http://schemas.microsoft.com/office/drawing/2010/main">
+                <a:solidFill>
+                  <a:schemeClr val="accent1"/>
+                </a:solidFill>
+              </a14:hiddenFill>
+            </a:ext>
+            <a:ext uri="{91240B29-F687-4F45-9708-019B960494DF}">
+              <a14:hiddenLine xmlns:a14="http://schemas.microsoft.com/office/drawing/2010/main" w="9525">
+                <a:solidFill>
+                  <a:schemeClr val="tx1"/>
+                </a:solidFill>
+                <a:miter lim="800000"/>
+                <a:headEnd/>
+                <a:tailEnd/>
+              </a14:hiddenLine>
+            </a:ext>
+          </a:extLst>
+        </p:spPr>
+      </p:pic>
+      <p:pic>
+        <p:nvPicPr>
+          <p:cNvPr id="1032" name="Picture 8"/>
+          <p:cNvPicPr>
+            <a:picLocks noChangeAspect="1" noChangeArrowheads="1"/>
+          </p:cNvPicPr>
+          <p:nvPr/>
+        </p:nvPicPr>
+        <p:blipFill rotWithShape="1">
+          <a:blip r:embed="rId6" cstate="print">
+            <a:extLst>
+              <a:ext uri="{28A0092B-C50C-407E-A947-70E740481C1C}">
+                <a14:useLocalDpi xmlns:a14="http://schemas.microsoft.com/office/drawing/2010/main" val="0"/>
+              </a:ext>
+            </a:extLst>
+          </a:blip>
+          <a:srcRect l="591" t="2597" r="614" b="93814"/>
+          <a:stretch/>
+        </p:blipFill>
+        <p:spPr bwMode="auto">
+          <a:xfrm>
+            <a:off x="1584000" y="0"/>
+            <a:ext cx="2952000" cy="144000"/>
+          </a:xfrm>
+          <a:prstGeom prst="rect">
+            <a:avLst/>
+          </a:prstGeom>
+          <a:noFill/>
+          <a:ln>
+            <a:noFill/>
+          </a:ln>
+          <a:extLst>
+            <a:ext uri="{909E8E84-426E-40DD-AFC4-6F175D3DCCD1}">
+              <a14:hiddenFill xmlns:a14="http://schemas.microsoft.com/office/drawing/2010/main">
+                <a:solidFill>
+                  <a:schemeClr val="accent1"/>
+                </a:solidFill>
+              </a14:hiddenFill>
+            </a:ext>
+            <a:ext uri="{91240B29-F687-4F45-9708-019B960494DF}">
+              <a14:hiddenLine xmlns:a14="http://schemas.microsoft.com/office/drawing/2010/main" w="9525">
+                <a:solidFill>
+                  <a:schemeClr val="tx1"/>
+                </a:solidFill>
+                <a:miter lim="800000"/>
+                <a:headEnd/>
+                <a:tailEnd/>
+              </a14:hiddenLine>
+            </a:ext>
+          </a:extLst>
+        </p:spPr>
+      </p:pic>
+    </p:spTree>
+    <p:extLst>
+      <p:ext uri="{BB962C8B-B14F-4D97-AF65-F5344CB8AC3E}">
+        <p14:creationId xmlns:p14="http://schemas.microsoft.com/office/powerpoint/2010/main" val="2199044932"/>
+      </p:ext>
+    </p:extLst>
+  </p:cSld>
+  <p:clrMapOvr>
+    <a:masterClrMapping/>
+  </p:clrMapOvr>
+  <p:timing>
+    <p:tnLst>
+      <p:par>
+        <p:cTn id="1" dur="indefinite" restart="never" nodeType="tmRoot"/>
+      </p:par>
+    </p:tnLst>
+  </p:timing>
 </p:sld>
 </file>
 

--- a/fig/EstimationFigures.pptx
+++ b/fig/EstimationFigures.pptx
@@ -20,6 +20,10 @@
     <p:sldId id="269" r:id="rId14"/>
     <p:sldId id="270" r:id="rId15"/>
     <p:sldId id="271" r:id="rId16"/>
+    <p:sldId id="272" r:id="rId17"/>
+    <p:sldId id="273" r:id="rId18"/>
+    <p:sldId id="274" r:id="rId19"/>
+    <p:sldId id="275" r:id="rId20"/>
   </p:sldIdLst>
   <p:sldSz cx="9144000" cy="9001125"/>
   <p:notesSz cx="6858000" cy="9144000"/>
@@ -303,7 +307,7 @@
             <a:fld id="{23031417-08DC-4991-BA64-45FCA174C9D0}" type="datetimeFigureOut">
               <a:rPr lang="en-AU" smtClean="0"/>
               <a:pPr/>
-              <a:t>30/09/2013</a:t>
+              <a:t>2/10/2013</a:t>
             </a:fld>
             <a:endParaRPr lang="en-AU"/>
           </a:p>
@@ -475,7 +479,7 @@
             <a:fld id="{23031417-08DC-4991-BA64-45FCA174C9D0}" type="datetimeFigureOut">
               <a:rPr lang="en-AU" smtClean="0"/>
               <a:pPr/>
-              <a:t>30/09/2013</a:t>
+              <a:t>2/10/2013</a:t>
             </a:fld>
             <a:endParaRPr lang="en-AU"/>
           </a:p>
@@ -657,7 +661,7 @@
             <a:fld id="{23031417-08DC-4991-BA64-45FCA174C9D0}" type="datetimeFigureOut">
               <a:rPr lang="en-AU" smtClean="0"/>
               <a:pPr/>
-              <a:t>30/09/2013</a:t>
+              <a:t>2/10/2013</a:t>
             </a:fld>
             <a:endParaRPr lang="en-AU"/>
           </a:p>
@@ -829,7 +833,7 @@
             <a:fld id="{23031417-08DC-4991-BA64-45FCA174C9D0}" type="datetimeFigureOut">
               <a:rPr lang="en-AU" smtClean="0"/>
               <a:pPr/>
-              <a:t>30/09/2013</a:t>
+              <a:t>2/10/2013</a:t>
             </a:fld>
             <a:endParaRPr lang="en-AU"/>
           </a:p>
@@ -1077,7 +1081,7 @@
             <a:fld id="{23031417-08DC-4991-BA64-45FCA174C9D0}" type="datetimeFigureOut">
               <a:rPr lang="en-AU" smtClean="0"/>
               <a:pPr/>
-              <a:t>30/09/2013</a:t>
+              <a:t>2/10/2013</a:t>
             </a:fld>
             <a:endParaRPr lang="en-AU"/>
           </a:p>
@@ -1367,7 +1371,7 @@
             <a:fld id="{23031417-08DC-4991-BA64-45FCA174C9D0}" type="datetimeFigureOut">
               <a:rPr lang="en-AU" smtClean="0"/>
               <a:pPr/>
-              <a:t>30/09/2013</a:t>
+              <a:t>2/10/2013</a:t>
             </a:fld>
             <a:endParaRPr lang="en-AU"/>
           </a:p>
@@ -1791,7 +1795,7 @@
             <a:fld id="{23031417-08DC-4991-BA64-45FCA174C9D0}" type="datetimeFigureOut">
               <a:rPr lang="en-AU" smtClean="0"/>
               <a:pPr/>
-              <a:t>30/09/2013</a:t>
+              <a:t>2/10/2013</a:t>
             </a:fld>
             <a:endParaRPr lang="en-AU"/>
           </a:p>
@@ -1911,7 +1915,7 @@
             <a:fld id="{23031417-08DC-4991-BA64-45FCA174C9D0}" type="datetimeFigureOut">
               <a:rPr lang="en-AU" smtClean="0"/>
               <a:pPr/>
-              <a:t>30/09/2013</a:t>
+              <a:t>2/10/2013</a:t>
             </a:fld>
             <a:endParaRPr lang="en-AU"/>
           </a:p>
@@ -2008,7 +2012,7 @@
             <a:fld id="{23031417-08DC-4991-BA64-45FCA174C9D0}" type="datetimeFigureOut">
               <a:rPr lang="en-AU" smtClean="0"/>
               <a:pPr/>
-              <a:t>30/09/2013</a:t>
+              <a:t>2/10/2013</a:t>
             </a:fld>
             <a:endParaRPr lang="en-AU"/>
           </a:p>
@@ -2287,7 +2291,7 @@
             <a:fld id="{23031417-08DC-4991-BA64-45FCA174C9D0}" type="datetimeFigureOut">
               <a:rPr lang="en-AU" smtClean="0"/>
               <a:pPr/>
-              <a:t>30/09/2013</a:t>
+              <a:t>2/10/2013</a:t>
             </a:fld>
             <a:endParaRPr lang="en-AU"/>
           </a:p>
@@ -2542,7 +2546,7 @@
             <a:fld id="{23031417-08DC-4991-BA64-45FCA174C9D0}" type="datetimeFigureOut">
               <a:rPr lang="en-AU" smtClean="0"/>
               <a:pPr/>
-              <a:t>30/09/2013</a:t>
+              <a:t>2/10/2013</a:t>
             </a:fld>
             <a:endParaRPr lang="en-AU"/>
           </a:p>
@@ -2757,7 +2761,7 @@
             <a:fld id="{23031417-08DC-4991-BA64-45FCA174C9D0}" type="datetimeFigureOut">
               <a:rPr lang="en-AU" smtClean="0"/>
               <a:pPr/>
-              <a:t>30/09/2013</a:t>
+              <a:t>2/10/2013</a:t>
             </a:fld>
             <a:endParaRPr lang="en-AU"/>
           </a:p>
@@ -5987,6 +5991,8636 @@
 </p:sld>
 </file>
 
+<file path=ppt/slides/slide16.xml><?xml version="1.0" encoding="utf-8"?>
+<p:sld xmlns:a="http://schemas.openxmlformats.org/drawingml/2006/main" xmlns:r="http://schemas.openxmlformats.org/officeDocument/2006/relationships" xmlns:p="http://schemas.openxmlformats.org/presentationml/2006/main">
+  <p:cSld>
+    <p:spTree>
+      <p:nvGrpSpPr>
+        <p:cNvPr id="1" name=""/>
+        <p:cNvGrpSpPr/>
+        <p:nvPr/>
+      </p:nvGrpSpPr>
+      <p:grpSpPr>
+        <a:xfrm>
+          <a:off x="0" y="0"/>
+          <a:ext cx="0" cy="0"/>
+          <a:chOff x="0" y="0"/>
+          <a:chExt cx="0" cy="0"/>
+        </a:xfrm>
+      </p:grpSpPr>
+      <p:pic>
+        <p:nvPicPr>
+          <p:cNvPr id="1029" name="Picture 5"/>
+          <p:cNvPicPr>
+            <a:picLocks noChangeAspect="1" noChangeArrowheads="1"/>
+          </p:cNvPicPr>
+          <p:nvPr/>
+        </p:nvPicPr>
+        <p:blipFill>
+          <a:blip r:embed="rId13" cstate="print"/>
+          <a:srcRect r="213" b="912"/>
+          <a:stretch>
+            <a:fillRect/>
+          </a:stretch>
+        </p:blipFill>
+        <p:spPr bwMode="auto">
+          <a:xfrm>
+            <a:off x="359832" y="90000"/>
+            <a:ext cx="2700000" cy="1250055"/>
+          </a:xfrm>
+          <a:prstGeom prst="rect">
+            <a:avLst/>
+          </a:prstGeom>
+          <a:noFill/>
+          <a:ln w="9525">
+            <a:noFill/>
+            <a:miter lim="800000"/>
+            <a:headEnd/>
+            <a:tailEnd/>
+          </a:ln>
+        </p:spPr>
+      </p:pic>
+      <p:pic>
+        <p:nvPicPr>
+          <p:cNvPr id="1028" name="Picture 4"/>
+          <p:cNvPicPr>
+            <a:picLocks noChangeAspect="1" noChangeArrowheads="1"/>
+          </p:cNvPicPr>
+          <p:nvPr/>
+        </p:nvPicPr>
+        <p:blipFill>
+          <a:blip r:embed="rId14" cstate="print"/>
+          <a:srcRect/>
+          <a:stretch>
+            <a:fillRect/>
+          </a:stretch>
+        </p:blipFill>
+        <p:spPr bwMode="auto">
+          <a:xfrm>
+            <a:off x="359832" y="1530000"/>
+            <a:ext cx="2700000" cy="1254822"/>
+          </a:xfrm>
+          <a:prstGeom prst="rect">
+            <a:avLst/>
+          </a:prstGeom>
+          <a:noFill/>
+          <a:ln w="9525">
+            <a:noFill/>
+            <a:miter lim="800000"/>
+            <a:headEnd/>
+            <a:tailEnd/>
+          </a:ln>
+        </p:spPr>
+      </p:pic>
+      <p:sp>
+        <p:nvSpPr>
+          <p:cNvPr id="4" name="Rectangle 3"/>
+          <p:cNvSpPr/>
+          <p:nvPr/>
+        </p:nvSpPr>
+        <p:spPr>
+          <a:xfrm>
+            <a:off x="0" y="0"/>
+            <a:ext cx="2880000" cy="2880000"/>
+          </a:xfrm>
+          <a:prstGeom prst="rect">
+            <a:avLst/>
+          </a:prstGeom>
+          <a:noFill/>
+          <a:ln w="3175"/>
+        </p:spPr>
+        <p:style>
+          <a:lnRef idx="2">
+            <a:schemeClr val="accent1">
+              <a:shade val="50000"/>
+            </a:schemeClr>
+          </a:lnRef>
+          <a:fillRef idx="1">
+            <a:schemeClr val="accent1"/>
+          </a:fillRef>
+          <a:effectRef idx="0">
+            <a:schemeClr val="accent1"/>
+          </a:effectRef>
+          <a:fontRef idx="minor">
+            <a:schemeClr val="lt1"/>
+          </a:fontRef>
+        </p:style>
+        <p:txBody>
+          <a:bodyPr rtlCol="0" anchor="ctr"/>
+          <a:lstStyle/>
+          <a:p>
+            <a:pPr algn="ctr"/>
+            <a:endParaRPr lang="en-AU"/>
+          </a:p>
+        </p:txBody>
+      </p:sp>
+      <p:sp>
+        <p:nvSpPr>
+          <p:cNvPr id="5" name="Rectangle 4"/>
+          <p:cNvSpPr/>
+          <p:nvPr/>
+        </p:nvSpPr>
+        <p:spPr>
+          <a:xfrm>
+            <a:off x="0" y="0"/>
+            <a:ext cx="2880000" cy="1440000"/>
+          </a:xfrm>
+          <a:prstGeom prst="rect">
+            <a:avLst/>
+          </a:prstGeom>
+          <a:noFill/>
+          <a:ln w="3175"/>
+        </p:spPr>
+        <p:style>
+          <a:lnRef idx="2">
+            <a:schemeClr val="accent1">
+              <a:shade val="50000"/>
+            </a:schemeClr>
+          </a:lnRef>
+          <a:fillRef idx="1">
+            <a:schemeClr val="accent1"/>
+          </a:fillRef>
+          <a:effectRef idx="0">
+            <a:schemeClr val="accent1"/>
+          </a:effectRef>
+          <a:fontRef idx="minor">
+            <a:schemeClr val="lt1"/>
+          </a:fontRef>
+        </p:style>
+        <p:txBody>
+          <a:bodyPr rtlCol="0" anchor="ctr"/>
+          <a:lstStyle/>
+          <a:p>
+            <a:pPr algn="ctr"/>
+            <a:endParaRPr lang="en-AU"/>
+          </a:p>
+        </p:txBody>
+      </p:sp>
+      <p:grpSp>
+        <p:nvGrpSpPr>
+          <p:cNvPr id="128" name="Group 127"/>
+          <p:cNvGrpSpPr>
+            <a:grpSpLocks noChangeAspect="1"/>
+          </p:cNvGrpSpPr>
+          <p:nvPr/>
+        </p:nvGrpSpPr>
+        <p:grpSpPr>
+          <a:xfrm>
+            <a:off x="18000" y="1800000"/>
+            <a:ext cx="648000" cy="715840"/>
+            <a:chOff x="4067944" y="1476226"/>
+            <a:chExt cx="454488" cy="437457"/>
+          </a:xfrm>
+        </p:grpSpPr>
+        <p:sp>
+          <p:nvSpPr>
+            <p:cNvPr id="11" name="Oval 10"/>
+            <p:cNvSpPr/>
+            <p:nvPr/>
+          </p:nvSpPr>
+          <p:spPr>
+            <a:xfrm>
+              <a:off x="4121027" y="1660533"/>
+              <a:ext cx="67979" cy="67979"/>
+            </a:xfrm>
+            <a:prstGeom prst="ellipse">
+              <a:avLst/>
+            </a:prstGeom>
+            <a:noFill/>
+            <a:ln w="12700">
+              <a:solidFill>
+                <a:schemeClr val="accent5"/>
+              </a:solidFill>
+            </a:ln>
+          </p:spPr>
+          <p:style>
+            <a:lnRef idx="2">
+              <a:schemeClr val="accent1">
+                <a:shade val="50000"/>
+              </a:schemeClr>
+            </a:lnRef>
+            <a:fillRef idx="1">
+              <a:schemeClr val="accent1"/>
+            </a:fillRef>
+            <a:effectRef idx="0">
+              <a:schemeClr val="accent1"/>
+            </a:effectRef>
+            <a:fontRef idx="minor">
+              <a:schemeClr val="lt1"/>
+            </a:fontRef>
+          </p:style>
+          <p:txBody>
+            <a:bodyPr rtlCol="0" anchor="ctr"/>
+            <a:lstStyle/>
+            <a:p>
+              <a:pPr algn="ctr"/>
+              <a:endParaRPr lang="en-AU"/>
+            </a:p>
+          </p:txBody>
+        </p:sp>
+        <p:sp>
+          <p:nvSpPr>
+            <p:cNvPr id="12" name="Isosceles Triangle 11"/>
+            <p:cNvSpPr/>
+            <p:nvPr/>
+          </p:nvSpPr>
+          <p:spPr>
+            <a:xfrm flipV="1">
+              <a:off x="4231736" y="1660533"/>
+              <a:ext cx="67979" cy="67979"/>
+            </a:xfrm>
+            <a:prstGeom prst="triangle">
+              <a:avLst/>
+            </a:prstGeom>
+            <a:noFill/>
+            <a:ln w="12700">
+              <a:solidFill>
+                <a:schemeClr val="tx1"/>
+              </a:solidFill>
+            </a:ln>
+          </p:spPr>
+          <p:style>
+            <a:lnRef idx="2">
+              <a:schemeClr val="accent1">
+                <a:shade val="50000"/>
+              </a:schemeClr>
+            </a:lnRef>
+            <a:fillRef idx="1">
+              <a:schemeClr val="accent1"/>
+            </a:fillRef>
+            <a:effectRef idx="0">
+              <a:schemeClr val="accent1"/>
+            </a:effectRef>
+            <a:fontRef idx="minor">
+              <a:schemeClr val="lt1"/>
+            </a:fontRef>
+          </p:style>
+          <p:txBody>
+            <a:bodyPr rtlCol="0" anchor="ctr"/>
+            <a:lstStyle/>
+            <a:p>
+              <a:pPr algn="ctr"/>
+              <a:endParaRPr lang="en-AU"/>
+            </a:p>
+          </p:txBody>
+        </p:sp>
+        <p:cxnSp>
+          <p:nvCxnSpPr>
+            <p:cNvPr id="13" name="Curved Connector 12"/>
+            <p:cNvCxnSpPr/>
+            <p:nvPr/>
+          </p:nvCxnSpPr>
+          <p:spPr>
+            <a:xfrm flipV="1">
+              <a:off x="4256014" y="1678013"/>
+              <a:ext cx="19423" cy="19423"/>
+            </a:xfrm>
+            <a:prstGeom prst="curvedConnector3">
+              <a:avLst/>
+            </a:prstGeom>
+            <a:ln w="12700">
+              <a:solidFill>
+                <a:schemeClr val="tx1"/>
+              </a:solidFill>
+            </a:ln>
+            <a:effectLst/>
+          </p:spPr>
+          <p:style>
+            <a:lnRef idx="2">
+              <a:schemeClr val="accent1"/>
+            </a:lnRef>
+            <a:fillRef idx="0">
+              <a:schemeClr val="accent1"/>
+            </a:fillRef>
+            <a:effectRef idx="1">
+              <a:schemeClr val="accent1"/>
+            </a:effectRef>
+            <a:fontRef idx="minor">
+              <a:schemeClr val="tx1"/>
+            </a:fontRef>
+          </p:style>
+        </p:cxnSp>
+        <p:cxnSp>
+          <p:nvCxnSpPr>
+            <p:cNvPr id="14" name="Curved Connector 13"/>
+            <p:cNvCxnSpPr/>
+            <p:nvPr/>
+          </p:nvCxnSpPr>
+          <p:spPr>
+            <a:xfrm flipV="1">
+              <a:off x="4366722" y="1684811"/>
+              <a:ext cx="19423" cy="19423"/>
+            </a:xfrm>
+            <a:prstGeom prst="curvedConnector3">
+              <a:avLst/>
+            </a:prstGeom>
+            <a:ln w="12700">
+              <a:solidFill>
+                <a:srgbClr val="7030A0"/>
+              </a:solidFill>
+            </a:ln>
+            <a:effectLst/>
+          </p:spPr>
+          <p:style>
+            <a:lnRef idx="2">
+              <a:schemeClr val="accent1"/>
+            </a:lnRef>
+            <a:fillRef idx="0">
+              <a:schemeClr val="accent1"/>
+            </a:fillRef>
+            <a:effectRef idx="1">
+              <a:schemeClr val="accent1"/>
+            </a:effectRef>
+            <a:fontRef idx="minor">
+              <a:schemeClr val="tx1"/>
+            </a:fontRef>
+          </p:style>
+        </p:cxnSp>
+        <p:cxnSp>
+          <p:nvCxnSpPr>
+            <p:cNvPr id="15" name="Curved Connector 14"/>
+            <p:cNvCxnSpPr/>
+            <p:nvPr/>
+          </p:nvCxnSpPr>
+          <p:spPr>
+            <a:xfrm flipV="1">
+              <a:off x="4477431" y="1684811"/>
+              <a:ext cx="19423" cy="19423"/>
+            </a:xfrm>
+            <a:prstGeom prst="curvedConnector3">
+              <a:avLst/>
+            </a:prstGeom>
+            <a:ln w="12700">
+              <a:solidFill>
+                <a:srgbClr val="FF0000"/>
+              </a:solidFill>
+            </a:ln>
+            <a:effectLst/>
+          </p:spPr>
+          <p:style>
+            <a:lnRef idx="2">
+              <a:schemeClr val="accent1"/>
+            </a:lnRef>
+            <a:fillRef idx="0">
+              <a:schemeClr val="accent1"/>
+            </a:fillRef>
+            <a:effectRef idx="1">
+              <a:schemeClr val="accent1"/>
+            </a:effectRef>
+            <a:fontRef idx="minor">
+              <a:schemeClr val="tx1"/>
+            </a:fontRef>
+          </p:style>
+        </p:cxnSp>
+        <p:cxnSp>
+          <p:nvCxnSpPr>
+            <p:cNvPr id="16" name="Curved Connector 15"/>
+            <p:cNvCxnSpPr/>
+            <p:nvPr/>
+          </p:nvCxnSpPr>
+          <p:spPr>
+            <a:xfrm flipV="1">
+              <a:off x="4145305" y="1684811"/>
+              <a:ext cx="19423" cy="19423"/>
+            </a:xfrm>
+            <a:prstGeom prst="curvedConnector3">
+              <a:avLst/>
+            </a:prstGeom>
+            <a:ln w="12700">
+              <a:solidFill>
+                <a:schemeClr val="accent5"/>
+              </a:solidFill>
+            </a:ln>
+            <a:effectLst/>
+          </p:spPr>
+          <p:style>
+            <a:lnRef idx="2">
+              <a:schemeClr val="accent1"/>
+            </a:lnRef>
+            <a:fillRef idx="0">
+              <a:schemeClr val="accent1"/>
+            </a:fillRef>
+            <a:effectRef idx="1">
+              <a:schemeClr val="accent1"/>
+            </a:effectRef>
+            <a:fontRef idx="minor">
+              <a:schemeClr val="tx1"/>
+            </a:fontRef>
+          </p:style>
+        </p:cxnSp>
+        <p:cxnSp>
+          <p:nvCxnSpPr>
+            <p:cNvPr id="17" name="Curved Connector 16"/>
+            <p:cNvCxnSpPr/>
+            <p:nvPr/>
+          </p:nvCxnSpPr>
+          <p:spPr>
+            <a:xfrm rot="16200000" flipH="1">
+              <a:off x="4217169" y="1570218"/>
+              <a:ext cx="48556" cy="48556"/>
+            </a:xfrm>
+            <a:prstGeom prst="curvedConnector3">
+              <a:avLst/>
+            </a:prstGeom>
+            <a:ln w="12700">
+              <a:solidFill>
+                <a:schemeClr val="tx1"/>
+              </a:solidFill>
+            </a:ln>
+          </p:spPr>
+          <p:style>
+            <a:lnRef idx="1">
+              <a:schemeClr val="accent1"/>
+            </a:lnRef>
+            <a:fillRef idx="0">
+              <a:schemeClr val="accent1"/>
+            </a:fillRef>
+            <a:effectRef idx="0">
+              <a:schemeClr val="accent1"/>
+            </a:effectRef>
+            <a:fontRef idx="minor">
+              <a:schemeClr val="tx1"/>
+            </a:fontRef>
+          </p:style>
+        </p:cxnSp>
+        <p:cxnSp>
+          <p:nvCxnSpPr>
+            <p:cNvPr id="18" name="Curved Connector 17"/>
+            <p:cNvCxnSpPr/>
+            <p:nvPr/>
+          </p:nvCxnSpPr>
+          <p:spPr>
+            <a:xfrm rot="5400000">
+              <a:off x="4265882" y="1570696"/>
+              <a:ext cx="48556" cy="47585"/>
+            </a:xfrm>
+            <a:prstGeom prst="curvedConnector3">
+              <a:avLst/>
+            </a:prstGeom>
+            <a:ln w="12700">
+              <a:solidFill>
+                <a:schemeClr val="tx1"/>
+              </a:solidFill>
+            </a:ln>
+          </p:spPr>
+          <p:style>
+            <a:lnRef idx="1">
+              <a:schemeClr val="accent1"/>
+            </a:lnRef>
+            <a:fillRef idx="0">
+              <a:schemeClr val="accent1"/>
+            </a:fillRef>
+            <a:effectRef idx="0">
+              <a:schemeClr val="accent1"/>
+            </a:effectRef>
+            <a:fontRef idx="minor">
+              <a:schemeClr val="tx1"/>
+            </a:fontRef>
+          </p:style>
+        </p:cxnSp>
+        <p:cxnSp>
+          <p:nvCxnSpPr>
+            <p:cNvPr id="19" name="Straight Connector 18"/>
+            <p:cNvCxnSpPr/>
+            <p:nvPr/>
+          </p:nvCxnSpPr>
+          <p:spPr>
+            <a:xfrm>
+              <a:off x="4265725" y="1618776"/>
+              <a:ext cx="0" cy="39816"/>
+            </a:xfrm>
+            <a:prstGeom prst="line">
+              <a:avLst/>
+            </a:prstGeom>
+            <a:ln w="12700">
+              <a:solidFill>
+                <a:schemeClr val="tx1"/>
+              </a:solidFill>
+            </a:ln>
+          </p:spPr>
+          <p:style>
+            <a:lnRef idx="1">
+              <a:schemeClr val="accent1"/>
+            </a:lnRef>
+            <a:fillRef idx="0">
+              <a:schemeClr val="accent1"/>
+            </a:fillRef>
+            <a:effectRef idx="0">
+              <a:schemeClr val="accent1"/>
+            </a:effectRef>
+            <a:fontRef idx="minor">
+              <a:schemeClr val="tx1"/>
+            </a:fontRef>
+          </p:style>
+        </p:cxnSp>
+        <p:sp>
+          <p:nvSpPr>
+            <p:cNvPr id="20" name="Arc 19"/>
+            <p:cNvSpPr/>
+            <p:nvPr/>
+          </p:nvSpPr>
+          <p:spPr>
+            <a:xfrm rot="10800000">
+              <a:off x="4267010" y="1855415"/>
+              <a:ext cx="58268" cy="58268"/>
+            </a:xfrm>
+            <a:prstGeom prst="arc">
+              <a:avLst/>
+            </a:prstGeom>
+            <a:ln w="12700">
+              <a:solidFill>
+                <a:srgbClr val="FF0000"/>
+              </a:solidFill>
+            </a:ln>
+          </p:spPr>
+          <p:style>
+            <a:lnRef idx="1">
+              <a:schemeClr val="accent1"/>
+            </a:lnRef>
+            <a:fillRef idx="0">
+              <a:schemeClr val="accent1"/>
+            </a:fillRef>
+            <a:effectRef idx="0">
+              <a:schemeClr val="accent1"/>
+            </a:effectRef>
+            <a:fontRef idx="minor">
+              <a:schemeClr val="tx1"/>
+            </a:fontRef>
+          </p:style>
+          <p:txBody>
+            <a:bodyPr rtlCol="0" anchor="ctr"/>
+            <a:lstStyle/>
+            <a:p>
+              <a:pPr algn="ctr"/>
+              <a:endParaRPr lang="en-AU"/>
+            </a:p>
+          </p:txBody>
+        </p:sp>
+        <p:sp>
+          <p:nvSpPr>
+            <p:cNvPr id="21" name="Arc 20"/>
+            <p:cNvSpPr/>
+            <p:nvPr/>
+          </p:nvSpPr>
+          <p:spPr>
+            <a:xfrm rot="10800000">
+              <a:off x="4155017" y="1856288"/>
+              <a:ext cx="58268" cy="57296"/>
+            </a:xfrm>
+            <a:prstGeom prst="arc">
+              <a:avLst/>
+            </a:prstGeom>
+            <a:ln w="12700">
+              <a:solidFill>
+                <a:schemeClr val="accent5"/>
+              </a:solidFill>
+            </a:ln>
+          </p:spPr>
+          <p:style>
+            <a:lnRef idx="1">
+              <a:schemeClr val="accent1"/>
+            </a:lnRef>
+            <a:fillRef idx="0">
+              <a:schemeClr val="accent1"/>
+            </a:fillRef>
+            <a:effectRef idx="0">
+              <a:schemeClr val="accent1"/>
+            </a:effectRef>
+            <a:fontRef idx="minor">
+              <a:schemeClr val="tx1"/>
+            </a:fontRef>
+          </p:style>
+          <p:txBody>
+            <a:bodyPr rtlCol="0" anchor="ctr"/>
+            <a:lstStyle/>
+            <a:p>
+              <a:pPr algn="ctr"/>
+              <a:endParaRPr lang="en-AU"/>
+            </a:p>
+          </p:txBody>
+        </p:sp>
+        <p:sp>
+          <p:nvSpPr>
+            <p:cNvPr id="22" name="Arc 21"/>
+            <p:cNvSpPr/>
+            <p:nvPr/>
+          </p:nvSpPr>
+          <p:spPr>
+            <a:xfrm rot="10800000" flipH="1">
+              <a:off x="4294216" y="1854772"/>
+              <a:ext cx="57296" cy="58268"/>
+            </a:xfrm>
+            <a:prstGeom prst="arc">
+              <a:avLst/>
+            </a:prstGeom>
+            <a:ln w="12700">
+              <a:solidFill>
+                <a:srgbClr val="7030A0"/>
+              </a:solidFill>
+            </a:ln>
+          </p:spPr>
+          <p:style>
+            <a:lnRef idx="1">
+              <a:schemeClr val="accent1"/>
+            </a:lnRef>
+            <a:fillRef idx="0">
+              <a:schemeClr val="accent1"/>
+            </a:fillRef>
+            <a:effectRef idx="0">
+              <a:schemeClr val="accent1"/>
+            </a:effectRef>
+            <a:fontRef idx="minor">
+              <a:schemeClr val="tx1"/>
+            </a:fontRef>
+          </p:style>
+          <p:txBody>
+            <a:bodyPr rtlCol="0" anchor="ctr"/>
+            <a:lstStyle/>
+            <a:p>
+              <a:pPr algn="ctr"/>
+              <a:endParaRPr lang="en-AU"/>
+            </a:p>
+          </p:txBody>
+        </p:sp>
+        <p:sp>
+          <p:nvSpPr>
+            <p:cNvPr id="23" name="Arc 22"/>
+            <p:cNvSpPr/>
+            <p:nvPr/>
+          </p:nvSpPr>
+          <p:spPr>
+            <a:xfrm rot="10800000" flipH="1">
+              <a:off x="4428874" y="1856288"/>
+              <a:ext cx="58268" cy="57296"/>
+            </a:xfrm>
+            <a:prstGeom prst="arc">
+              <a:avLst/>
+            </a:prstGeom>
+            <a:ln w="12700">
+              <a:solidFill>
+                <a:srgbClr val="FF0000"/>
+              </a:solidFill>
+            </a:ln>
+          </p:spPr>
+          <p:style>
+            <a:lnRef idx="1">
+              <a:schemeClr val="accent1"/>
+            </a:lnRef>
+            <a:fillRef idx="0">
+              <a:schemeClr val="accent1"/>
+            </a:fillRef>
+            <a:effectRef idx="0">
+              <a:schemeClr val="accent1"/>
+            </a:effectRef>
+            <a:fontRef idx="minor">
+              <a:schemeClr val="tx1"/>
+            </a:fontRef>
+          </p:style>
+          <p:txBody>
+            <a:bodyPr rtlCol="0" anchor="ctr"/>
+            <a:lstStyle/>
+            <a:p>
+              <a:pPr algn="ctr"/>
+              <a:endParaRPr lang="en-AU"/>
+            </a:p>
+          </p:txBody>
+        </p:sp>
+        <p:cxnSp>
+          <p:nvCxnSpPr>
+            <p:cNvPr id="24" name="Straight Connector 23"/>
+            <p:cNvCxnSpPr/>
+            <p:nvPr/>
+          </p:nvCxnSpPr>
+          <p:spPr>
+            <a:xfrm flipV="1">
+              <a:off x="4155016" y="1729070"/>
+              <a:ext cx="0" cy="156351"/>
+            </a:xfrm>
+            <a:prstGeom prst="line">
+              <a:avLst/>
+            </a:prstGeom>
+            <a:ln w="12700">
+              <a:solidFill>
+                <a:schemeClr val="accent5"/>
+              </a:solidFill>
+            </a:ln>
+          </p:spPr>
+          <p:style>
+            <a:lnRef idx="1">
+              <a:schemeClr val="accent1"/>
+            </a:lnRef>
+            <a:fillRef idx="0">
+              <a:schemeClr val="accent1"/>
+            </a:fillRef>
+            <a:effectRef idx="0">
+              <a:schemeClr val="accent1"/>
+            </a:effectRef>
+            <a:fontRef idx="minor">
+              <a:schemeClr val="tx1"/>
+            </a:fontRef>
+          </p:style>
+        </p:cxnSp>
+        <p:cxnSp>
+          <p:nvCxnSpPr>
+            <p:cNvPr id="25" name="Straight Connector 24"/>
+            <p:cNvCxnSpPr/>
+            <p:nvPr/>
+          </p:nvCxnSpPr>
+          <p:spPr>
+            <a:xfrm flipV="1">
+              <a:off x="4487142" y="1729070"/>
+              <a:ext cx="0" cy="158293"/>
+            </a:xfrm>
+            <a:prstGeom prst="line">
+              <a:avLst/>
+            </a:prstGeom>
+            <a:ln w="12700">
+              <a:solidFill>
+                <a:srgbClr val="FF0000"/>
+              </a:solidFill>
+            </a:ln>
+          </p:spPr>
+          <p:style>
+            <a:lnRef idx="1">
+              <a:schemeClr val="accent1"/>
+            </a:lnRef>
+            <a:fillRef idx="0">
+              <a:schemeClr val="accent1"/>
+            </a:fillRef>
+            <a:effectRef idx="0">
+              <a:schemeClr val="accent1"/>
+            </a:effectRef>
+            <a:fontRef idx="minor">
+              <a:schemeClr val="tx1"/>
+            </a:fontRef>
+          </p:style>
+        </p:cxnSp>
+        <p:cxnSp>
+          <p:nvCxnSpPr>
+            <p:cNvPr id="26" name="Straight Connector 25"/>
+            <p:cNvCxnSpPr/>
+            <p:nvPr/>
+          </p:nvCxnSpPr>
+          <p:spPr>
+            <a:xfrm>
+              <a:off x="4375894" y="1729070"/>
+              <a:ext cx="652" cy="40787"/>
+            </a:xfrm>
+            <a:prstGeom prst="line">
+              <a:avLst/>
+            </a:prstGeom>
+            <a:ln w="12700">
+              <a:solidFill>
+                <a:srgbClr val="7030A0"/>
+              </a:solidFill>
+            </a:ln>
+          </p:spPr>
+          <p:style>
+            <a:lnRef idx="1">
+              <a:schemeClr val="accent1"/>
+            </a:lnRef>
+            <a:fillRef idx="0">
+              <a:schemeClr val="accent1"/>
+            </a:fillRef>
+            <a:effectRef idx="0">
+              <a:schemeClr val="accent1"/>
+            </a:effectRef>
+            <a:fontRef idx="minor">
+              <a:schemeClr val="tx1"/>
+            </a:fontRef>
+          </p:style>
+        </p:cxnSp>
+        <p:sp>
+          <p:nvSpPr>
+            <p:cNvPr id="27" name="Arc 26"/>
+            <p:cNvSpPr/>
+            <p:nvPr/>
+          </p:nvSpPr>
+          <p:spPr>
+            <a:xfrm rot="10800000" flipH="1">
+              <a:off x="4208450" y="1856288"/>
+              <a:ext cx="58268" cy="57296"/>
+            </a:xfrm>
+            <a:prstGeom prst="arc">
+              <a:avLst/>
+            </a:prstGeom>
+            <a:ln w="12700">
+              <a:solidFill>
+                <a:schemeClr val="accent5"/>
+              </a:solidFill>
+            </a:ln>
+          </p:spPr>
+          <p:style>
+            <a:lnRef idx="1">
+              <a:schemeClr val="accent1"/>
+            </a:lnRef>
+            <a:fillRef idx="0">
+              <a:schemeClr val="accent1"/>
+            </a:fillRef>
+            <a:effectRef idx="0">
+              <a:schemeClr val="accent1"/>
+            </a:effectRef>
+            <a:fontRef idx="minor">
+              <a:schemeClr val="tx1"/>
+            </a:fontRef>
+          </p:style>
+          <p:txBody>
+            <a:bodyPr rtlCol="0" anchor="ctr"/>
+            <a:lstStyle/>
+            <a:p>
+              <a:pPr algn="ctr"/>
+              <a:endParaRPr lang="en-AU"/>
+            </a:p>
+          </p:txBody>
+        </p:sp>
+        <p:cxnSp>
+          <p:nvCxnSpPr>
+            <p:cNvPr id="28" name="Straight Connector 27"/>
+            <p:cNvCxnSpPr/>
+            <p:nvPr/>
+          </p:nvCxnSpPr>
+          <p:spPr>
+            <a:xfrm flipV="1">
+              <a:off x="4376433" y="1519720"/>
+              <a:ext cx="0" cy="139842"/>
+            </a:xfrm>
+            <a:prstGeom prst="line">
+              <a:avLst/>
+            </a:prstGeom>
+            <a:ln w="12700">
+              <a:solidFill>
+                <a:srgbClr val="7030A0"/>
+              </a:solidFill>
+            </a:ln>
+          </p:spPr>
+          <p:style>
+            <a:lnRef idx="1">
+              <a:schemeClr val="accent1"/>
+            </a:lnRef>
+            <a:fillRef idx="0">
+              <a:schemeClr val="accent1"/>
+            </a:fillRef>
+            <a:effectRef idx="0">
+              <a:schemeClr val="accent1"/>
+            </a:effectRef>
+            <a:fontRef idx="minor">
+              <a:schemeClr val="tx1"/>
+            </a:fontRef>
+          </p:style>
+        </p:cxnSp>
+        <p:sp>
+          <p:nvSpPr>
+            <p:cNvPr id="29" name="Arc 28"/>
+            <p:cNvSpPr/>
+            <p:nvPr/>
+          </p:nvSpPr>
+          <p:spPr>
+            <a:xfrm rot="5400000" flipH="1">
+              <a:off x="4347942" y="1505638"/>
+              <a:ext cx="29134" cy="28163"/>
+            </a:xfrm>
+            <a:prstGeom prst="arc">
+              <a:avLst/>
+            </a:prstGeom>
+            <a:ln w="12700">
+              <a:solidFill>
+                <a:srgbClr val="7030A0"/>
+              </a:solidFill>
+            </a:ln>
+          </p:spPr>
+          <p:style>
+            <a:lnRef idx="1">
+              <a:schemeClr val="accent1"/>
+            </a:lnRef>
+            <a:fillRef idx="0">
+              <a:schemeClr val="accent1"/>
+            </a:fillRef>
+            <a:effectRef idx="0">
+              <a:schemeClr val="accent1"/>
+            </a:effectRef>
+            <a:fontRef idx="minor">
+              <a:schemeClr val="tx1"/>
+            </a:fontRef>
+          </p:style>
+          <p:txBody>
+            <a:bodyPr rtlCol="0" anchor="ctr"/>
+            <a:lstStyle/>
+            <a:p>
+              <a:pPr algn="ctr"/>
+              <a:endParaRPr lang="en-AU"/>
+            </a:p>
+          </p:txBody>
+        </p:sp>
+        <p:cxnSp>
+          <p:nvCxnSpPr>
+            <p:cNvPr id="30" name="Curved Connector 29"/>
+            <p:cNvCxnSpPr/>
+            <p:nvPr/>
+          </p:nvCxnSpPr>
+          <p:spPr>
+            <a:xfrm rot="5400000" flipH="1" flipV="1">
+              <a:off x="4339687" y="1780474"/>
+              <a:ext cx="48556" cy="25249"/>
+            </a:xfrm>
+            <a:prstGeom prst="curvedConnector3">
+              <a:avLst/>
+            </a:prstGeom>
+            <a:ln w="12700">
+              <a:solidFill>
+                <a:srgbClr val="7030A0"/>
+              </a:solidFill>
+            </a:ln>
+          </p:spPr>
+          <p:style>
+            <a:lnRef idx="1">
+              <a:schemeClr val="accent1"/>
+            </a:lnRef>
+            <a:fillRef idx="0">
+              <a:schemeClr val="accent1"/>
+            </a:fillRef>
+            <a:effectRef idx="0">
+              <a:schemeClr val="accent1"/>
+            </a:effectRef>
+            <a:fontRef idx="minor">
+              <a:schemeClr val="tx1"/>
+            </a:fontRef>
+          </p:style>
+        </p:cxnSp>
+        <p:cxnSp>
+          <p:nvCxnSpPr>
+            <p:cNvPr id="31" name="Curved Connector 30"/>
+            <p:cNvCxnSpPr/>
+            <p:nvPr/>
+          </p:nvCxnSpPr>
+          <p:spPr>
+            <a:xfrm rot="16200000" flipV="1">
+              <a:off x="4364294" y="1781453"/>
+              <a:ext cx="48556" cy="23307"/>
+            </a:xfrm>
+            <a:prstGeom prst="curvedConnector3">
+              <a:avLst/>
+            </a:prstGeom>
+            <a:ln w="12700">
+              <a:solidFill>
+                <a:srgbClr val="7030A0"/>
+              </a:solidFill>
+            </a:ln>
+          </p:spPr>
+          <p:style>
+            <a:lnRef idx="1">
+              <a:schemeClr val="accent1"/>
+            </a:lnRef>
+            <a:fillRef idx="0">
+              <a:schemeClr val="accent1"/>
+            </a:fillRef>
+            <a:effectRef idx="0">
+              <a:schemeClr val="accent1"/>
+            </a:effectRef>
+            <a:fontRef idx="minor">
+              <a:schemeClr val="tx1"/>
+            </a:fontRef>
+          </p:style>
+        </p:cxnSp>
+        <p:cxnSp>
+          <p:nvCxnSpPr>
+            <p:cNvPr id="32" name="Straight Connector 31"/>
+            <p:cNvCxnSpPr/>
+            <p:nvPr/>
+          </p:nvCxnSpPr>
+          <p:spPr>
+            <a:xfrm flipV="1">
+              <a:off x="4351718" y="1815500"/>
+              <a:ext cx="0" cy="68950"/>
+            </a:xfrm>
+            <a:prstGeom prst="line">
+              <a:avLst/>
+            </a:prstGeom>
+            <a:ln w="12700">
+              <a:solidFill>
+                <a:srgbClr val="7030A0"/>
+              </a:solidFill>
+            </a:ln>
+          </p:spPr>
+          <p:style>
+            <a:lnRef idx="1">
+              <a:schemeClr val="accent1"/>
+            </a:lnRef>
+            <a:fillRef idx="0">
+              <a:schemeClr val="accent1"/>
+            </a:fillRef>
+            <a:effectRef idx="0">
+              <a:schemeClr val="accent1"/>
+            </a:effectRef>
+            <a:fontRef idx="minor">
+              <a:schemeClr val="tx1"/>
+            </a:fontRef>
+          </p:style>
+        </p:cxnSp>
+        <p:sp>
+          <p:nvSpPr>
+            <p:cNvPr id="33" name="Arc 32"/>
+            <p:cNvSpPr/>
+            <p:nvPr/>
+          </p:nvSpPr>
+          <p:spPr>
+            <a:xfrm rot="5400000" flipH="1">
+              <a:off x="4428667" y="1476226"/>
+              <a:ext cx="58268" cy="58268"/>
+            </a:xfrm>
+            <a:prstGeom prst="arc">
+              <a:avLst/>
+            </a:prstGeom>
+            <a:ln w="12700">
+              <a:solidFill>
+                <a:schemeClr val="tx1"/>
+              </a:solidFill>
+            </a:ln>
+          </p:spPr>
+          <p:style>
+            <a:lnRef idx="1">
+              <a:schemeClr val="accent1"/>
+            </a:lnRef>
+            <a:fillRef idx="0">
+              <a:schemeClr val="accent1"/>
+            </a:fillRef>
+            <a:effectRef idx="0">
+              <a:schemeClr val="accent1"/>
+            </a:effectRef>
+            <a:fontRef idx="minor">
+              <a:schemeClr val="tx1"/>
+            </a:fontRef>
+          </p:style>
+          <p:txBody>
+            <a:bodyPr rtlCol="0" anchor="ctr"/>
+            <a:lstStyle/>
+            <a:p>
+              <a:pPr algn="ctr"/>
+              <a:endParaRPr lang="en-AU"/>
+            </a:p>
+          </p:txBody>
+        </p:sp>
+        <p:sp>
+          <p:nvSpPr>
+            <p:cNvPr id="34" name="Arc 33"/>
+            <p:cNvSpPr/>
+            <p:nvPr/>
+          </p:nvSpPr>
+          <p:spPr>
+            <a:xfrm rot="5400000" flipH="1">
+              <a:off x="4457905" y="1563523"/>
+              <a:ext cx="29134" cy="28928"/>
+            </a:xfrm>
+            <a:prstGeom prst="arc">
+              <a:avLst/>
+            </a:prstGeom>
+            <a:ln w="12700">
+              <a:solidFill>
+                <a:srgbClr val="7030A0"/>
+              </a:solidFill>
+            </a:ln>
+          </p:spPr>
+          <p:style>
+            <a:lnRef idx="1">
+              <a:schemeClr val="accent1"/>
+            </a:lnRef>
+            <a:fillRef idx="0">
+              <a:schemeClr val="accent1"/>
+            </a:fillRef>
+            <a:effectRef idx="0">
+              <a:schemeClr val="accent1"/>
+            </a:effectRef>
+            <a:fontRef idx="minor">
+              <a:schemeClr val="tx1"/>
+            </a:fontRef>
+          </p:style>
+          <p:txBody>
+            <a:bodyPr rtlCol="0" anchor="ctr"/>
+            <a:lstStyle/>
+            <a:p>
+              <a:pPr algn="ctr"/>
+              <a:endParaRPr lang="en-AU"/>
+            </a:p>
+          </p:txBody>
+        </p:sp>
+        <p:sp>
+          <p:nvSpPr>
+            <p:cNvPr id="35" name="Arc 34"/>
+            <p:cNvSpPr/>
+            <p:nvPr/>
+          </p:nvSpPr>
+          <p:spPr>
+            <a:xfrm flipH="1">
+              <a:off x="4431657" y="1564268"/>
+              <a:ext cx="29134" cy="28928"/>
+            </a:xfrm>
+            <a:prstGeom prst="arc">
+              <a:avLst/>
+            </a:prstGeom>
+            <a:ln w="12700">
+              <a:solidFill>
+                <a:srgbClr val="7030A0"/>
+              </a:solidFill>
+            </a:ln>
+          </p:spPr>
+          <p:style>
+            <a:lnRef idx="1">
+              <a:schemeClr val="accent1"/>
+            </a:lnRef>
+            <a:fillRef idx="0">
+              <a:schemeClr val="accent1"/>
+            </a:fillRef>
+            <a:effectRef idx="0">
+              <a:schemeClr val="accent1"/>
+            </a:effectRef>
+            <a:fontRef idx="minor">
+              <a:schemeClr val="tx1"/>
+            </a:fontRef>
+          </p:style>
+          <p:txBody>
+            <a:bodyPr rtlCol="0" anchor="ctr"/>
+            <a:lstStyle/>
+            <a:p>
+              <a:pPr algn="ctr"/>
+              <a:endParaRPr lang="en-AU"/>
+            </a:p>
+          </p:txBody>
+        </p:sp>
+        <p:sp>
+          <p:nvSpPr>
+            <p:cNvPr id="36" name="Arc 35"/>
+            <p:cNvSpPr/>
+            <p:nvPr/>
+          </p:nvSpPr>
+          <p:spPr>
+            <a:xfrm rot="10800000" flipH="1">
+              <a:off x="4403625" y="1855523"/>
+              <a:ext cx="28163" cy="28163"/>
+            </a:xfrm>
+            <a:prstGeom prst="arc">
+              <a:avLst/>
+            </a:prstGeom>
+            <a:ln w="12700">
+              <a:solidFill>
+                <a:srgbClr val="7030A0"/>
+              </a:solidFill>
+            </a:ln>
+          </p:spPr>
+          <p:style>
+            <a:lnRef idx="1">
+              <a:schemeClr val="accent1"/>
+            </a:lnRef>
+            <a:fillRef idx="0">
+              <a:schemeClr val="accent1"/>
+            </a:fillRef>
+            <a:effectRef idx="0">
+              <a:schemeClr val="accent1"/>
+            </a:effectRef>
+            <a:fontRef idx="minor">
+              <a:schemeClr val="tx1"/>
+            </a:fontRef>
+          </p:style>
+          <p:txBody>
+            <a:bodyPr rtlCol="0" anchor="ctr"/>
+            <a:lstStyle/>
+            <a:p>
+              <a:pPr algn="ctr"/>
+              <a:endParaRPr lang="en-AU"/>
+            </a:p>
+          </p:txBody>
+        </p:sp>
+        <p:sp>
+          <p:nvSpPr>
+            <p:cNvPr id="37" name="Arc 36"/>
+            <p:cNvSpPr/>
+            <p:nvPr/>
+          </p:nvSpPr>
+          <p:spPr>
+            <a:xfrm rot="16200000" flipH="1">
+              <a:off x="4400275" y="1855087"/>
+              <a:ext cx="28163" cy="28163"/>
+            </a:xfrm>
+            <a:prstGeom prst="arc">
+              <a:avLst/>
+            </a:prstGeom>
+            <a:ln w="12700">
+              <a:solidFill>
+                <a:srgbClr val="7030A0"/>
+              </a:solidFill>
+            </a:ln>
+          </p:spPr>
+          <p:style>
+            <a:lnRef idx="1">
+              <a:schemeClr val="accent1"/>
+            </a:lnRef>
+            <a:fillRef idx="0">
+              <a:schemeClr val="accent1"/>
+            </a:fillRef>
+            <a:effectRef idx="0">
+              <a:schemeClr val="accent1"/>
+            </a:effectRef>
+            <a:fontRef idx="minor">
+              <a:schemeClr val="tx1"/>
+            </a:fontRef>
+          </p:style>
+          <p:txBody>
+            <a:bodyPr rtlCol="0" anchor="ctr"/>
+            <a:lstStyle/>
+            <a:p>
+              <a:pPr algn="ctr"/>
+              <a:endParaRPr lang="en-AU"/>
+            </a:p>
+          </p:txBody>
+        </p:sp>
+        <p:sp>
+          <p:nvSpPr>
+            <p:cNvPr id="38" name="Arc 37"/>
+            <p:cNvSpPr/>
+            <p:nvPr/>
+          </p:nvSpPr>
+          <p:spPr>
+            <a:xfrm flipH="1">
+              <a:off x="4314281" y="1505069"/>
+              <a:ext cx="28163" cy="29134"/>
+            </a:xfrm>
+            <a:prstGeom prst="arc">
+              <a:avLst/>
+            </a:prstGeom>
+            <a:ln w="12700">
+              <a:solidFill>
+                <a:srgbClr val="7030A0"/>
+              </a:solidFill>
+            </a:ln>
+          </p:spPr>
+          <p:style>
+            <a:lnRef idx="1">
+              <a:schemeClr val="accent1"/>
+            </a:lnRef>
+            <a:fillRef idx="0">
+              <a:schemeClr val="accent1"/>
+            </a:fillRef>
+            <a:effectRef idx="0">
+              <a:schemeClr val="accent1"/>
+            </a:effectRef>
+            <a:fontRef idx="minor">
+              <a:schemeClr val="tx1"/>
+            </a:fontRef>
+          </p:style>
+          <p:txBody>
+            <a:bodyPr rtlCol="0" anchor="ctr"/>
+            <a:lstStyle/>
+            <a:p>
+              <a:pPr algn="ctr"/>
+              <a:endParaRPr lang="en-AU"/>
+            </a:p>
+          </p:txBody>
+        </p:sp>
+        <p:sp>
+          <p:nvSpPr>
+            <p:cNvPr id="39" name="Arc 38"/>
+            <p:cNvSpPr/>
+            <p:nvPr/>
+          </p:nvSpPr>
+          <p:spPr>
+            <a:xfrm flipH="1">
+              <a:off x="4155017" y="1477740"/>
+              <a:ext cx="29134" cy="28928"/>
+            </a:xfrm>
+            <a:prstGeom prst="arc">
+              <a:avLst/>
+            </a:prstGeom>
+            <a:ln w="12700">
+              <a:solidFill>
+                <a:schemeClr val="accent5"/>
+              </a:solidFill>
+            </a:ln>
+          </p:spPr>
+          <p:style>
+            <a:lnRef idx="1">
+              <a:schemeClr val="accent1"/>
+            </a:lnRef>
+            <a:fillRef idx="0">
+              <a:schemeClr val="accent1"/>
+            </a:fillRef>
+            <a:effectRef idx="0">
+              <a:schemeClr val="accent1"/>
+            </a:effectRef>
+            <a:fontRef idx="minor">
+              <a:schemeClr val="tx1"/>
+            </a:fontRef>
+          </p:style>
+          <p:txBody>
+            <a:bodyPr rtlCol="0" anchor="ctr"/>
+            <a:lstStyle/>
+            <a:p>
+              <a:pPr algn="ctr"/>
+              <a:endParaRPr lang="en-AU"/>
+            </a:p>
+          </p:txBody>
+        </p:sp>
+        <p:sp>
+          <p:nvSpPr>
+            <p:cNvPr id="40" name="Arc 39"/>
+            <p:cNvSpPr/>
+            <p:nvPr/>
+          </p:nvSpPr>
+          <p:spPr>
+            <a:xfrm rot="5400000" flipH="1">
+              <a:off x="4187932" y="1505898"/>
+              <a:ext cx="29134" cy="28928"/>
+            </a:xfrm>
+            <a:prstGeom prst="arc">
+              <a:avLst/>
+            </a:prstGeom>
+            <a:ln w="12700">
+              <a:solidFill>
+                <a:srgbClr val="00B0F0"/>
+              </a:solidFill>
+            </a:ln>
+          </p:spPr>
+          <p:style>
+            <a:lnRef idx="1">
+              <a:schemeClr val="accent1"/>
+            </a:lnRef>
+            <a:fillRef idx="0">
+              <a:schemeClr val="accent1"/>
+            </a:fillRef>
+            <a:effectRef idx="0">
+              <a:schemeClr val="accent1"/>
+            </a:effectRef>
+            <a:fontRef idx="minor">
+              <a:schemeClr val="tx1"/>
+            </a:fontRef>
+          </p:style>
+          <p:txBody>
+            <a:bodyPr rtlCol="0" anchor="ctr"/>
+            <a:lstStyle/>
+            <a:p>
+              <a:pPr algn="ctr"/>
+              <a:endParaRPr lang="en-AU"/>
+            </a:p>
+          </p:txBody>
+        </p:sp>
+        <p:sp>
+          <p:nvSpPr>
+            <p:cNvPr id="41" name="Arc 40"/>
+            <p:cNvSpPr/>
+            <p:nvPr/>
+          </p:nvSpPr>
+          <p:spPr>
+            <a:xfrm rot="5400000" flipH="1">
+              <a:off x="4158694" y="1477639"/>
+              <a:ext cx="58268" cy="58268"/>
+            </a:xfrm>
+            <a:prstGeom prst="arc">
+              <a:avLst/>
+            </a:prstGeom>
+            <a:ln w="12700">
+              <a:solidFill>
+                <a:srgbClr val="C00000"/>
+              </a:solidFill>
+            </a:ln>
+          </p:spPr>
+          <p:style>
+            <a:lnRef idx="1">
+              <a:schemeClr val="accent1"/>
+            </a:lnRef>
+            <a:fillRef idx="0">
+              <a:schemeClr val="accent1"/>
+            </a:fillRef>
+            <a:effectRef idx="0">
+              <a:schemeClr val="accent1"/>
+            </a:effectRef>
+            <a:fontRef idx="minor">
+              <a:schemeClr val="tx1"/>
+            </a:fontRef>
+          </p:style>
+          <p:txBody>
+            <a:bodyPr rtlCol="0" anchor="ctr"/>
+            <a:lstStyle/>
+            <a:p>
+              <a:pPr algn="ctr"/>
+              <a:endParaRPr lang="en-AU"/>
+            </a:p>
+          </p:txBody>
+        </p:sp>
+        <p:sp>
+          <p:nvSpPr>
+            <p:cNvPr id="42" name="Arc 41"/>
+            <p:cNvSpPr/>
+            <p:nvPr/>
+          </p:nvSpPr>
+          <p:spPr>
+            <a:xfrm flipH="1">
+              <a:off x="4266696" y="1477075"/>
+              <a:ext cx="57296" cy="58268"/>
+            </a:xfrm>
+            <a:prstGeom prst="arc">
+              <a:avLst/>
+            </a:prstGeom>
+            <a:ln w="12700">
+              <a:solidFill>
+                <a:schemeClr val="tx1"/>
+              </a:solidFill>
+            </a:ln>
+          </p:spPr>
+          <p:style>
+            <a:lnRef idx="1">
+              <a:schemeClr val="accent1"/>
+            </a:lnRef>
+            <a:fillRef idx="0">
+              <a:schemeClr val="accent1"/>
+            </a:fillRef>
+            <a:effectRef idx="0">
+              <a:schemeClr val="accent1"/>
+            </a:effectRef>
+            <a:fontRef idx="minor">
+              <a:schemeClr val="tx1"/>
+            </a:fontRef>
+          </p:style>
+          <p:txBody>
+            <a:bodyPr rtlCol="0" anchor="ctr"/>
+            <a:lstStyle/>
+            <a:p>
+              <a:pPr algn="ctr"/>
+              <a:endParaRPr lang="en-AU"/>
+            </a:p>
+          </p:txBody>
+        </p:sp>
+        <p:cxnSp>
+          <p:nvCxnSpPr>
+            <p:cNvPr id="43" name="Straight Connector 42"/>
+            <p:cNvCxnSpPr/>
+            <p:nvPr/>
+          </p:nvCxnSpPr>
+          <p:spPr>
+            <a:xfrm flipV="1">
+              <a:off x="4155017" y="1492116"/>
+              <a:ext cx="0" cy="167034"/>
+            </a:xfrm>
+            <a:prstGeom prst="line">
+              <a:avLst/>
+            </a:prstGeom>
+            <a:ln w="12700">
+              <a:solidFill>
+                <a:schemeClr val="accent5"/>
+              </a:solidFill>
+            </a:ln>
+          </p:spPr>
+          <p:style>
+            <a:lnRef idx="1">
+              <a:schemeClr val="accent1"/>
+            </a:lnRef>
+            <a:fillRef idx="0">
+              <a:schemeClr val="accent1"/>
+            </a:fillRef>
+            <a:effectRef idx="0">
+              <a:schemeClr val="accent1"/>
+            </a:effectRef>
+            <a:fontRef idx="minor">
+              <a:schemeClr val="tx1"/>
+            </a:fontRef>
+          </p:style>
+        </p:cxnSp>
+        <p:cxnSp>
+          <p:nvCxnSpPr>
+            <p:cNvPr id="44" name="Straight Connector 43"/>
+            <p:cNvCxnSpPr/>
+            <p:nvPr/>
+          </p:nvCxnSpPr>
+          <p:spPr>
+            <a:xfrm flipH="1">
+              <a:off x="4294859" y="1476226"/>
+              <a:ext cx="163149" cy="207"/>
+            </a:xfrm>
+            <a:prstGeom prst="line">
+              <a:avLst/>
+            </a:prstGeom>
+            <a:ln w="12700">
+              <a:solidFill>
+                <a:schemeClr val="tx1"/>
+              </a:solidFill>
+            </a:ln>
+          </p:spPr>
+          <p:style>
+            <a:lnRef idx="1">
+              <a:schemeClr val="accent1"/>
+            </a:lnRef>
+            <a:fillRef idx="0">
+              <a:schemeClr val="accent1"/>
+            </a:fillRef>
+            <a:effectRef idx="0">
+              <a:schemeClr val="accent1"/>
+            </a:effectRef>
+            <a:fontRef idx="minor">
+              <a:schemeClr val="tx1"/>
+            </a:fontRef>
+          </p:style>
+        </p:cxnSp>
+        <p:cxnSp>
+          <p:nvCxnSpPr>
+            <p:cNvPr id="45" name="Straight Connector 44"/>
+            <p:cNvCxnSpPr/>
+            <p:nvPr/>
+          </p:nvCxnSpPr>
+          <p:spPr>
+            <a:xfrm>
+              <a:off x="4314281" y="1518905"/>
+              <a:ext cx="0" cy="6798"/>
+            </a:xfrm>
+            <a:prstGeom prst="line">
+              <a:avLst/>
+            </a:prstGeom>
+            <a:ln w="12700">
+              <a:solidFill>
+                <a:srgbClr val="7030A0"/>
+              </a:solidFill>
+            </a:ln>
+          </p:spPr>
+          <p:style>
+            <a:lnRef idx="1">
+              <a:schemeClr val="accent1"/>
+            </a:lnRef>
+            <a:fillRef idx="0">
+              <a:schemeClr val="accent1"/>
+            </a:fillRef>
+            <a:effectRef idx="0">
+              <a:schemeClr val="accent1"/>
+            </a:effectRef>
+            <a:fontRef idx="minor">
+              <a:schemeClr val="tx1"/>
+            </a:fontRef>
+          </p:style>
+        </p:cxnSp>
+        <p:cxnSp>
+          <p:nvCxnSpPr>
+            <p:cNvPr id="46" name="Straight Connector 45"/>
+            <p:cNvCxnSpPr/>
+            <p:nvPr/>
+          </p:nvCxnSpPr>
+          <p:spPr>
+            <a:xfrm>
+              <a:off x="4400712" y="1815500"/>
+              <a:ext cx="0" cy="55354"/>
+            </a:xfrm>
+            <a:prstGeom prst="line">
+              <a:avLst/>
+            </a:prstGeom>
+            <a:ln w="12700">
+              <a:solidFill>
+                <a:srgbClr val="7030A0"/>
+              </a:solidFill>
+            </a:ln>
+          </p:spPr>
+          <p:style>
+            <a:lnRef idx="1">
+              <a:schemeClr val="accent1"/>
+            </a:lnRef>
+            <a:fillRef idx="0">
+              <a:schemeClr val="accent1"/>
+            </a:fillRef>
+            <a:effectRef idx="0">
+              <a:schemeClr val="accent1"/>
+            </a:effectRef>
+            <a:fontRef idx="minor">
+              <a:schemeClr val="tx1"/>
+            </a:fontRef>
+          </p:style>
+        </p:cxnSp>
+        <p:cxnSp>
+          <p:nvCxnSpPr>
+            <p:cNvPr id="47" name="Straight Connector 46"/>
+            <p:cNvCxnSpPr/>
+            <p:nvPr/>
+          </p:nvCxnSpPr>
+          <p:spPr>
+            <a:xfrm>
+              <a:off x="4327877" y="1505153"/>
+              <a:ext cx="35932" cy="0"/>
+            </a:xfrm>
+            <a:prstGeom prst="line">
+              <a:avLst/>
+            </a:prstGeom>
+            <a:ln w="12700">
+              <a:solidFill>
+                <a:srgbClr val="7030A0"/>
+              </a:solidFill>
+            </a:ln>
+          </p:spPr>
+          <p:style>
+            <a:lnRef idx="1">
+              <a:schemeClr val="accent1"/>
+            </a:lnRef>
+            <a:fillRef idx="0">
+              <a:schemeClr val="accent1"/>
+            </a:fillRef>
+            <a:effectRef idx="0">
+              <a:schemeClr val="accent1"/>
+            </a:effectRef>
+            <a:fontRef idx="minor">
+              <a:schemeClr val="tx1"/>
+            </a:fontRef>
+          </p:style>
+        </p:cxnSp>
+        <p:cxnSp>
+          <p:nvCxnSpPr>
+            <p:cNvPr id="48" name="Straight Connector 47"/>
+            <p:cNvCxnSpPr/>
+            <p:nvPr/>
+          </p:nvCxnSpPr>
+          <p:spPr>
+            <a:xfrm>
+              <a:off x="4413994" y="1883249"/>
+              <a:ext cx="4856" cy="0"/>
+            </a:xfrm>
+            <a:prstGeom prst="line">
+              <a:avLst/>
+            </a:prstGeom>
+            <a:ln w="12700">
+              <a:solidFill>
+                <a:srgbClr val="7030A0"/>
+              </a:solidFill>
+            </a:ln>
+          </p:spPr>
+          <p:style>
+            <a:lnRef idx="1">
+              <a:schemeClr val="accent1"/>
+            </a:lnRef>
+            <a:fillRef idx="0">
+              <a:schemeClr val="accent1"/>
+            </a:fillRef>
+            <a:effectRef idx="0">
+              <a:schemeClr val="accent1"/>
+            </a:effectRef>
+            <a:fontRef idx="minor">
+              <a:schemeClr val="tx1"/>
+            </a:fontRef>
+          </p:style>
+        </p:cxnSp>
+        <p:cxnSp>
+          <p:nvCxnSpPr>
+            <p:cNvPr id="49" name="Straight Connector 48"/>
+            <p:cNvCxnSpPr/>
+            <p:nvPr/>
+          </p:nvCxnSpPr>
+          <p:spPr>
+            <a:xfrm flipH="1">
+              <a:off x="4445712" y="1563420"/>
+              <a:ext cx="28163" cy="207"/>
+            </a:xfrm>
+            <a:prstGeom prst="line">
+              <a:avLst/>
+            </a:prstGeom>
+            <a:ln w="12700">
+              <a:solidFill>
+                <a:srgbClr val="7030A0"/>
+              </a:solidFill>
+            </a:ln>
+          </p:spPr>
+          <p:style>
+            <a:lnRef idx="1">
+              <a:schemeClr val="accent1"/>
+            </a:lnRef>
+            <a:fillRef idx="0">
+              <a:schemeClr val="accent1"/>
+            </a:fillRef>
+            <a:effectRef idx="0">
+              <a:schemeClr val="accent1"/>
+            </a:effectRef>
+            <a:fontRef idx="minor">
+              <a:schemeClr val="tx1"/>
+            </a:fontRef>
+          </p:style>
+        </p:cxnSp>
+        <p:cxnSp>
+          <p:nvCxnSpPr>
+            <p:cNvPr id="50" name="Straight Connector 49"/>
+            <p:cNvCxnSpPr/>
+            <p:nvPr/>
+          </p:nvCxnSpPr>
+          <p:spPr>
+            <a:xfrm flipV="1">
+              <a:off x="4431788" y="1577987"/>
+              <a:ext cx="237" cy="293280"/>
+            </a:xfrm>
+            <a:prstGeom prst="line">
+              <a:avLst/>
+            </a:prstGeom>
+            <a:ln w="12700">
+              <a:solidFill>
+                <a:srgbClr val="7030A0"/>
+              </a:solidFill>
+            </a:ln>
+          </p:spPr>
+          <p:style>
+            <a:lnRef idx="1">
+              <a:schemeClr val="accent1"/>
+            </a:lnRef>
+            <a:fillRef idx="0">
+              <a:schemeClr val="accent1"/>
+            </a:fillRef>
+            <a:effectRef idx="0">
+              <a:schemeClr val="accent1"/>
+            </a:effectRef>
+            <a:fontRef idx="minor">
+              <a:schemeClr val="tx1"/>
+            </a:fontRef>
+          </p:style>
+        </p:cxnSp>
+        <p:cxnSp>
+          <p:nvCxnSpPr>
+            <p:cNvPr id="51" name="Straight Connector 50"/>
+            <p:cNvCxnSpPr/>
+            <p:nvPr/>
+          </p:nvCxnSpPr>
+          <p:spPr>
+            <a:xfrm flipV="1">
+              <a:off x="4472812" y="1620727"/>
+              <a:ext cx="29134" cy="0"/>
+            </a:xfrm>
+            <a:prstGeom prst="line">
+              <a:avLst/>
+            </a:prstGeom>
+            <a:ln w="12700">
+              <a:solidFill>
+                <a:srgbClr val="FF0000"/>
+              </a:solidFill>
+            </a:ln>
+          </p:spPr>
+          <p:style>
+            <a:lnRef idx="1">
+              <a:schemeClr val="accent1"/>
+            </a:lnRef>
+            <a:fillRef idx="0">
+              <a:schemeClr val="accent1"/>
+            </a:fillRef>
+            <a:effectRef idx="0">
+              <a:schemeClr val="accent1"/>
+            </a:effectRef>
+            <a:fontRef idx="minor">
+              <a:schemeClr val="tx1"/>
+            </a:fontRef>
+          </p:style>
+        </p:cxnSp>
+        <p:cxnSp>
+          <p:nvCxnSpPr>
+            <p:cNvPr id="52" name="Straight Connector 51"/>
+            <p:cNvCxnSpPr/>
+            <p:nvPr/>
+          </p:nvCxnSpPr>
+          <p:spPr>
+            <a:xfrm flipV="1">
+              <a:off x="4472575" y="1615872"/>
+              <a:ext cx="0" cy="4856"/>
+            </a:xfrm>
+            <a:prstGeom prst="line">
+              <a:avLst/>
+            </a:prstGeom>
+            <a:ln w="12700">
+              <a:solidFill>
+                <a:srgbClr val="FF0000"/>
+              </a:solidFill>
+            </a:ln>
+          </p:spPr>
+          <p:style>
+            <a:lnRef idx="1">
+              <a:schemeClr val="accent1"/>
+            </a:lnRef>
+            <a:fillRef idx="0">
+              <a:schemeClr val="accent1"/>
+            </a:fillRef>
+            <a:effectRef idx="0">
+              <a:schemeClr val="accent1"/>
+            </a:effectRef>
+            <a:fontRef idx="minor">
+              <a:schemeClr val="tx1"/>
+            </a:fontRef>
+          </p:style>
+        </p:cxnSp>
+        <p:cxnSp>
+          <p:nvCxnSpPr>
+            <p:cNvPr id="53" name="Straight Connector 52"/>
+            <p:cNvCxnSpPr/>
+            <p:nvPr/>
+          </p:nvCxnSpPr>
+          <p:spPr>
+            <a:xfrm flipV="1">
+              <a:off x="4501575" y="1616147"/>
+              <a:ext cx="0" cy="4856"/>
+            </a:xfrm>
+            <a:prstGeom prst="line">
+              <a:avLst/>
+            </a:prstGeom>
+            <a:ln w="12700">
+              <a:solidFill>
+                <a:srgbClr val="FF0000"/>
+              </a:solidFill>
+            </a:ln>
+          </p:spPr>
+          <p:style>
+            <a:lnRef idx="1">
+              <a:schemeClr val="accent1"/>
+            </a:lnRef>
+            <a:fillRef idx="0">
+              <a:schemeClr val="accent1"/>
+            </a:fillRef>
+            <a:effectRef idx="0">
+              <a:schemeClr val="accent1"/>
+            </a:effectRef>
+            <a:fontRef idx="minor">
+              <a:schemeClr val="tx1"/>
+            </a:fontRef>
+          </p:style>
+        </p:cxnSp>
+        <p:sp>
+          <p:nvSpPr>
+            <p:cNvPr id="54" name="Oval 53"/>
+            <p:cNvSpPr/>
+            <p:nvPr/>
+          </p:nvSpPr>
+          <p:spPr>
+            <a:xfrm flipV="1">
+              <a:off x="4474384" y="1592069"/>
+              <a:ext cx="25249" cy="25249"/>
+            </a:xfrm>
+            <a:prstGeom prst="ellipse">
+              <a:avLst/>
+            </a:prstGeom>
+            <a:solidFill>
+              <a:srgbClr val="7030A0"/>
+            </a:solidFill>
+            <a:ln>
+              <a:noFill/>
+            </a:ln>
+          </p:spPr>
+          <p:style>
+            <a:lnRef idx="2">
+              <a:schemeClr val="accent1">
+                <a:shade val="50000"/>
+              </a:schemeClr>
+            </a:lnRef>
+            <a:fillRef idx="1">
+              <a:schemeClr val="accent1"/>
+            </a:fillRef>
+            <a:effectRef idx="0">
+              <a:schemeClr val="accent1"/>
+            </a:effectRef>
+            <a:fontRef idx="minor">
+              <a:schemeClr val="lt1"/>
+            </a:fontRef>
+          </p:style>
+          <p:txBody>
+            <a:bodyPr rtlCol="0" anchor="ctr"/>
+            <a:lstStyle/>
+            <a:p>
+              <a:pPr algn="ctr"/>
+              <a:endParaRPr lang="en-AU"/>
+            </a:p>
+          </p:txBody>
+        </p:sp>
+        <p:cxnSp>
+          <p:nvCxnSpPr>
+            <p:cNvPr id="55" name="Straight Connector 54"/>
+            <p:cNvCxnSpPr/>
+            <p:nvPr/>
+          </p:nvCxnSpPr>
+          <p:spPr>
+            <a:xfrm>
+              <a:off x="4487009" y="1620879"/>
+              <a:ext cx="0" cy="9711"/>
+            </a:xfrm>
+            <a:prstGeom prst="line">
+              <a:avLst/>
+            </a:prstGeom>
+            <a:ln w="12700">
+              <a:solidFill>
+                <a:srgbClr val="FF0000"/>
+              </a:solidFill>
+            </a:ln>
+          </p:spPr>
+          <p:style>
+            <a:lnRef idx="1">
+              <a:schemeClr val="accent1"/>
+            </a:lnRef>
+            <a:fillRef idx="0">
+              <a:schemeClr val="accent1"/>
+            </a:fillRef>
+            <a:effectRef idx="0">
+              <a:schemeClr val="accent1"/>
+            </a:effectRef>
+            <a:fontRef idx="minor">
+              <a:schemeClr val="tx1"/>
+            </a:fontRef>
+          </p:style>
+        </p:cxnSp>
+        <p:cxnSp>
+          <p:nvCxnSpPr>
+            <p:cNvPr id="56" name="Straight Connector 55"/>
+            <p:cNvCxnSpPr/>
+            <p:nvPr/>
+          </p:nvCxnSpPr>
+          <p:spPr>
+            <a:xfrm>
+              <a:off x="4487009" y="1582357"/>
+              <a:ext cx="0" cy="9711"/>
+            </a:xfrm>
+            <a:prstGeom prst="line">
+              <a:avLst/>
+            </a:prstGeom>
+            <a:ln w="12700">
+              <a:solidFill>
+                <a:schemeClr val="tx1"/>
+              </a:solidFill>
+            </a:ln>
+          </p:spPr>
+          <p:style>
+            <a:lnRef idx="1">
+              <a:schemeClr val="accent1"/>
+            </a:lnRef>
+            <a:fillRef idx="0">
+              <a:schemeClr val="accent1"/>
+            </a:fillRef>
+            <a:effectRef idx="0">
+              <a:schemeClr val="accent1"/>
+            </a:effectRef>
+            <a:fontRef idx="minor">
+              <a:schemeClr val="tx1"/>
+            </a:fontRef>
+          </p:style>
+        </p:cxnSp>
+        <p:cxnSp>
+          <p:nvCxnSpPr>
+            <p:cNvPr id="57" name="Straight Connector 56"/>
+            <p:cNvCxnSpPr/>
+            <p:nvPr/>
+          </p:nvCxnSpPr>
+          <p:spPr>
+            <a:xfrm flipV="1">
+              <a:off x="4265849" y="1784138"/>
+              <a:ext cx="0" cy="9711"/>
+            </a:xfrm>
+            <a:prstGeom prst="line">
+              <a:avLst/>
+            </a:prstGeom>
+            <a:ln w="12700">
+              <a:solidFill>
+                <a:schemeClr val="tx1"/>
+              </a:solidFill>
+            </a:ln>
+          </p:spPr>
+          <p:style>
+            <a:lnRef idx="1">
+              <a:schemeClr val="accent1"/>
+            </a:lnRef>
+            <a:fillRef idx="0">
+              <a:schemeClr val="accent1"/>
+            </a:fillRef>
+            <a:effectRef idx="0">
+              <a:schemeClr val="accent1"/>
+            </a:effectRef>
+            <a:fontRef idx="minor">
+              <a:schemeClr val="tx1"/>
+            </a:fontRef>
+          </p:style>
+        </p:cxnSp>
+        <p:grpSp>
+          <p:nvGrpSpPr>
+            <p:cNvPr id="58" name="Group 634"/>
+            <p:cNvGrpSpPr/>
+            <p:nvPr/>
+          </p:nvGrpSpPr>
+          <p:grpSpPr>
+            <a:xfrm>
+              <a:off x="4251449" y="1793574"/>
+              <a:ext cx="29371" cy="5130"/>
+              <a:chOff x="4724894" y="1611142"/>
+              <a:chExt cx="108879" cy="19018"/>
+            </a:xfrm>
+          </p:grpSpPr>
+          <p:cxnSp>
+            <p:nvCxnSpPr>
+              <p:cNvPr id="125" name="Straight Connector 124"/>
+              <p:cNvCxnSpPr/>
+              <p:nvPr/>
+            </p:nvCxnSpPr>
+            <p:spPr>
+              <a:xfrm>
+                <a:off x="4725773" y="1612161"/>
+                <a:ext cx="108000" cy="0"/>
+              </a:xfrm>
+              <a:prstGeom prst="line">
+                <a:avLst/>
+              </a:prstGeom>
+              <a:ln w="12700">
+                <a:solidFill>
+                  <a:schemeClr val="tx1"/>
+                </a:solidFill>
+              </a:ln>
+            </p:spPr>
+            <p:style>
+              <a:lnRef idx="1">
+                <a:schemeClr val="accent1"/>
+              </a:lnRef>
+              <a:fillRef idx="0">
+                <a:schemeClr val="accent1"/>
+              </a:fillRef>
+              <a:effectRef idx="0">
+                <a:schemeClr val="accent1"/>
+              </a:effectRef>
+              <a:fontRef idx="minor">
+                <a:schemeClr val="tx1"/>
+              </a:fontRef>
+            </p:style>
+          </p:cxnSp>
+          <p:cxnSp>
+            <p:nvCxnSpPr>
+              <p:cNvPr id="126" name="Straight Connector 125"/>
+              <p:cNvCxnSpPr/>
+              <p:nvPr/>
+            </p:nvCxnSpPr>
+            <p:spPr>
+              <a:xfrm>
+                <a:off x="4724894" y="1612160"/>
+                <a:ext cx="0" cy="18000"/>
+              </a:xfrm>
+              <a:prstGeom prst="line">
+                <a:avLst/>
+              </a:prstGeom>
+              <a:ln w="12700">
+                <a:solidFill>
+                  <a:schemeClr val="tx1"/>
+                </a:solidFill>
+              </a:ln>
+            </p:spPr>
+            <p:style>
+              <a:lnRef idx="1">
+                <a:schemeClr val="accent1"/>
+              </a:lnRef>
+              <a:fillRef idx="0">
+                <a:schemeClr val="accent1"/>
+              </a:fillRef>
+              <a:effectRef idx="0">
+                <a:schemeClr val="accent1"/>
+              </a:effectRef>
+              <a:fontRef idx="minor">
+                <a:schemeClr val="tx1"/>
+              </a:fontRef>
+            </p:style>
+          </p:cxnSp>
+          <p:cxnSp>
+            <p:nvCxnSpPr>
+              <p:cNvPr id="127" name="Straight Connector 126"/>
+              <p:cNvCxnSpPr/>
+              <p:nvPr/>
+            </p:nvCxnSpPr>
+            <p:spPr>
+              <a:xfrm>
+                <a:off x="4832400" y="1611142"/>
+                <a:ext cx="0" cy="18000"/>
+              </a:xfrm>
+              <a:prstGeom prst="line">
+                <a:avLst/>
+              </a:prstGeom>
+              <a:ln w="12700">
+                <a:solidFill>
+                  <a:schemeClr val="tx1"/>
+                </a:solidFill>
+              </a:ln>
+            </p:spPr>
+            <p:style>
+              <a:lnRef idx="1">
+                <a:schemeClr val="accent1"/>
+              </a:lnRef>
+              <a:fillRef idx="0">
+                <a:schemeClr val="accent1"/>
+              </a:fillRef>
+              <a:effectRef idx="0">
+                <a:schemeClr val="accent1"/>
+              </a:effectRef>
+              <a:fontRef idx="minor">
+                <a:schemeClr val="tx1"/>
+              </a:fontRef>
+            </p:style>
+          </p:cxnSp>
+        </p:grpSp>
+        <p:sp>
+          <p:nvSpPr>
+            <p:cNvPr id="59" name="Rectangle 58"/>
+            <p:cNvSpPr/>
+            <p:nvPr/>
+          </p:nvSpPr>
+          <p:spPr>
+            <a:xfrm>
+              <a:off x="4254360" y="1799190"/>
+              <a:ext cx="23307" cy="23307"/>
+            </a:xfrm>
+            <a:prstGeom prst="rect">
+              <a:avLst/>
+            </a:prstGeom>
+            <a:solidFill>
+              <a:schemeClr val="accent5"/>
+            </a:solidFill>
+            <a:ln w="12700">
+              <a:noFill/>
+            </a:ln>
+          </p:spPr>
+          <p:style>
+            <a:lnRef idx="2">
+              <a:schemeClr val="accent1">
+                <a:shade val="50000"/>
+              </a:schemeClr>
+            </a:lnRef>
+            <a:fillRef idx="1">
+              <a:schemeClr val="accent1"/>
+            </a:fillRef>
+            <a:effectRef idx="0">
+              <a:schemeClr val="accent1"/>
+            </a:effectRef>
+            <a:fontRef idx="minor">
+              <a:schemeClr val="lt1"/>
+            </a:fontRef>
+          </p:style>
+          <p:txBody>
+            <a:bodyPr rtlCol="0" anchor="ctr"/>
+            <a:lstStyle/>
+            <a:p>
+              <a:pPr algn="ctr"/>
+              <a:endParaRPr lang="en-AU"/>
+            </a:p>
+          </p:txBody>
+        </p:sp>
+        <p:cxnSp>
+          <p:nvCxnSpPr>
+            <p:cNvPr id="60" name="Straight Connector 59"/>
+            <p:cNvCxnSpPr/>
+            <p:nvPr/>
+          </p:nvCxnSpPr>
+          <p:spPr>
+            <a:xfrm flipV="1">
+              <a:off x="4266014" y="1822497"/>
+              <a:ext cx="0" cy="9711"/>
+            </a:xfrm>
+            <a:prstGeom prst="line">
+              <a:avLst/>
+            </a:prstGeom>
+            <a:ln w="12700">
+              <a:solidFill>
+                <a:srgbClr val="00B0F0"/>
+              </a:solidFill>
+            </a:ln>
+          </p:spPr>
+          <p:style>
+            <a:lnRef idx="1">
+              <a:schemeClr val="accent1"/>
+            </a:lnRef>
+            <a:fillRef idx="0">
+              <a:schemeClr val="accent1"/>
+            </a:fillRef>
+            <a:effectRef idx="0">
+              <a:schemeClr val="accent1"/>
+            </a:effectRef>
+            <a:fontRef idx="minor">
+              <a:schemeClr val="tx1"/>
+            </a:fontRef>
+          </p:style>
+        </p:cxnSp>
+        <p:sp>
+          <p:nvSpPr>
+            <p:cNvPr id="61" name="Isosceles Triangle 60"/>
+            <p:cNvSpPr/>
+            <p:nvPr/>
+          </p:nvSpPr>
+          <p:spPr>
+            <a:xfrm flipV="1">
+              <a:off x="4302461" y="1540113"/>
+              <a:ext cx="23307" cy="23307"/>
+            </a:xfrm>
+            <a:prstGeom prst="triangle">
+              <a:avLst/>
+            </a:prstGeom>
+            <a:solidFill>
+              <a:schemeClr val="tx1"/>
+            </a:solidFill>
+            <a:ln>
+              <a:noFill/>
+            </a:ln>
+          </p:spPr>
+          <p:style>
+            <a:lnRef idx="2">
+              <a:schemeClr val="accent1">
+                <a:shade val="50000"/>
+              </a:schemeClr>
+            </a:lnRef>
+            <a:fillRef idx="1">
+              <a:schemeClr val="accent1"/>
+            </a:fillRef>
+            <a:effectRef idx="0">
+              <a:schemeClr val="accent1"/>
+            </a:effectRef>
+            <a:fontRef idx="minor">
+              <a:schemeClr val="lt1"/>
+            </a:fontRef>
+          </p:style>
+          <p:txBody>
+            <a:bodyPr rtlCol="0" anchor="ctr"/>
+            <a:lstStyle/>
+            <a:p>
+              <a:pPr algn="ctr"/>
+              <a:endParaRPr lang="en-AU"/>
+            </a:p>
+          </p:txBody>
+        </p:sp>
+        <p:cxnSp>
+          <p:nvCxnSpPr>
+            <p:cNvPr id="62" name="Straight Connector 61"/>
+            <p:cNvCxnSpPr/>
+            <p:nvPr/>
+          </p:nvCxnSpPr>
+          <p:spPr>
+            <a:xfrm flipV="1">
+              <a:off x="4313705" y="1560507"/>
+              <a:ext cx="0" cy="12625"/>
+            </a:xfrm>
+            <a:prstGeom prst="line">
+              <a:avLst/>
+            </a:prstGeom>
+            <a:ln w="12700">
+              <a:solidFill>
+                <a:schemeClr val="tx1"/>
+              </a:solidFill>
+            </a:ln>
+          </p:spPr>
+          <p:style>
+            <a:lnRef idx="1">
+              <a:schemeClr val="accent1"/>
+            </a:lnRef>
+            <a:fillRef idx="0">
+              <a:schemeClr val="accent1"/>
+            </a:fillRef>
+            <a:effectRef idx="0">
+              <a:schemeClr val="accent1"/>
+            </a:effectRef>
+            <a:fontRef idx="minor">
+              <a:schemeClr val="tx1"/>
+            </a:fontRef>
+          </p:style>
+        </p:cxnSp>
+        <p:grpSp>
+          <p:nvGrpSpPr>
+            <p:cNvPr id="63" name="Group 532"/>
+            <p:cNvGrpSpPr/>
+            <p:nvPr/>
+          </p:nvGrpSpPr>
+          <p:grpSpPr>
+            <a:xfrm>
+              <a:off x="4299714" y="1524575"/>
+              <a:ext cx="29371" cy="14567"/>
+              <a:chOff x="4324218" y="1634400"/>
+              <a:chExt cx="108879" cy="53999"/>
+            </a:xfrm>
+          </p:grpSpPr>
+          <p:grpSp>
+            <p:nvGrpSpPr>
+              <p:cNvPr id="120" name="Group 533"/>
+              <p:cNvGrpSpPr/>
+              <p:nvPr/>
+            </p:nvGrpSpPr>
+            <p:grpSpPr>
+              <a:xfrm>
+                <a:off x="4324218" y="1669381"/>
+                <a:ext cx="108879" cy="19018"/>
+                <a:chOff x="4724894" y="1611142"/>
+                <a:chExt cx="108879" cy="19018"/>
+              </a:xfrm>
+            </p:grpSpPr>
+            <p:cxnSp>
+              <p:nvCxnSpPr>
+                <p:cNvPr id="122" name="Straight Connector 121"/>
+                <p:cNvCxnSpPr/>
+                <p:nvPr/>
+              </p:nvCxnSpPr>
+              <p:spPr>
+                <a:xfrm>
+                  <a:off x="4725773" y="1612161"/>
+                  <a:ext cx="108000" cy="0"/>
+                </a:xfrm>
+                <a:prstGeom prst="line">
+                  <a:avLst/>
+                </a:prstGeom>
+                <a:ln w="12700">
+                  <a:solidFill>
+                    <a:srgbClr val="7030A0"/>
+                  </a:solidFill>
+                </a:ln>
+              </p:spPr>
+              <p:style>
+                <a:lnRef idx="1">
+                  <a:schemeClr val="accent1"/>
+                </a:lnRef>
+                <a:fillRef idx="0">
+                  <a:schemeClr val="accent1"/>
+                </a:fillRef>
+                <a:effectRef idx="0">
+                  <a:schemeClr val="accent1"/>
+                </a:effectRef>
+                <a:fontRef idx="minor">
+                  <a:schemeClr val="tx1"/>
+                </a:fontRef>
+              </p:style>
+            </p:cxnSp>
+            <p:cxnSp>
+              <p:nvCxnSpPr>
+                <p:cNvPr id="123" name="Straight Connector 122"/>
+                <p:cNvCxnSpPr/>
+                <p:nvPr/>
+              </p:nvCxnSpPr>
+              <p:spPr>
+                <a:xfrm>
+                  <a:off x="4724894" y="1612160"/>
+                  <a:ext cx="0" cy="18000"/>
+                </a:xfrm>
+                <a:prstGeom prst="line">
+                  <a:avLst/>
+                </a:prstGeom>
+                <a:ln w="12700">
+                  <a:solidFill>
+                    <a:srgbClr val="7030A0"/>
+                  </a:solidFill>
+                </a:ln>
+              </p:spPr>
+              <p:style>
+                <a:lnRef idx="1">
+                  <a:schemeClr val="accent1"/>
+                </a:lnRef>
+                <a:fillRef idx="0">
+                  <a:schemeClr val="accent1"/>
+                </a:fillRef>
+                <a:effectRef idx="0">
+                  <a:schemeClr val="accent1"/>
+                </a:effectRef>
+                <a:fontRef idx="minor">
+                  <a:schemeClr val="tx1"/>
+                </a:fontRef>
+              </p:style>
+            </p:cxnSp>
+            <p:cxnSp>
+              <p:nvCxnSpPr>
+                <p:cNvPr id="124" name="Straight Connector 123"/>
+                <p:cNvCxnSpPr/>
+                <p:nvPr/>
+              </p:nvCxnSpPr>
+              <p:spPr>
+                <a:xfrm>
+                  <a:off x="4832400" y="1611142"/>
+                  <a:ext cx="0" cy="18000"/>
+                </a:xfrm>
+                <a:prstGeom prst="line">
+                  <a:avLst/>
+                </a:prstGeom>
+                <a:ln w="12700">
+                  <a:solidFill>
+                    <a:srgbClr val="7030A0"/>
+                  </a:solidFill>
+                </a:ln>
+              </p:spPr>
+              <p:style>
+                <a:lnRef idx="1">
+                  <a:schemeClr val="accent1"/>
+                </a:lnRef>
+                <a:fillRef idx="0">
+                  <a:schemeClr val="accent1"/>
+                </a:fillRef>
+                <a:effectRef idx="0">
+                  <a:schemeClr val="accent1"/>
+                </a:effectRef>
+                <a:fontRef idx="minor">
+                  <a:schemeClr val="tx1"/>
+                </a:fontRef>
+              </p:style>
+            </p:cxnSp>
+          </p:grpSp>
+          <p:cxnSp>
+            <p:nvCxnSpPr>
+              <p:cNvPr id="121" name="Straight Connector 120"/>
+              <p:cNvCxnSpPr/>
+              <p:nvPr/>
+            </p:nvCxnSpPr>
+            <p:spPr>
+              <a:xfrm flipV="1">
+                <a:off x="4377600" y="1634400"/>
+                <a:ext cx="0" cy="36000"/>
+              </a:xfrm>
+              <a:prstGeom prst="line">
+                <a:avLst/>
+              </a:prstGeom>
+              <a:ln w="12700">
+                <a:solidFill>
+                  <a:srgbClr val="7030A0"/>
+                </a:solidFill>
+              </a:ln>
+            </p:spPr>
+            <p:style>
+              <a:lnRef idx="1">
+                <a:schemeClr val="accent1"/>
+              </a:lnRef>
+              <a:fillRef idx="0">
+                <a:schemeClr val="accent1"/>
+              </a:fillRef>
+              <a:effectRef idx="0">
+                <a:schemeClr val="accent1"/>
+              </a:effectRef>
+              <a:fontRef idx="minor">
+                <a:schemeClr val="tx1"/>
+              </a:fontRef>
+            </p:style>
+          </p:cxnSp>
+        </p:grpSp>
+        <p:cxnSp>
+          <p:nvCxnSpPr>
+            <p:cNvPr id="64" name="Straight Connector 63"/>
+            <p:cNvCxnSpPr/>
+            <p:nvPr/>
+          </p:nvCxnSpPr>
+          <p:spPr>
+            <a:xfrm flipV="1">
+              <a:off x="4217002" y="1524575"/>
+              <a:ext cx="0" cy="9711"/>
+            </a:xfrm>
+            <a:prstGeom prst="line">
+              <a:avLst/>
+            </a:prstGeom>
+            <a:ln w="12700">
+              <a:solidFill>
+                <a:srgbClr val="C00000"/>
+              </a:solidFill>
+            </a:ln>
+          </p:spPr>
+          <p:style>
+            <a:lnRef idx="1">
+              <a:schemeClr val="accent1"/>
+            </a:lnRef>
+            <a:fillRef idx="0">
+              <a:schemeClr val="accent1"/>
+            </a:fillRef>
+            <a:effectRef idx="0">
+              <a:schemeClr val="accent1"/>
+            </a:effectRef>
+            <a:fontRef idx="minor">
+              <a:schemeClr val="tx1"/>
+            </a:fontRef>
+          </p:style>
+        </p:cxnSp>
+        <p:grpSp>
+          <p:nvGrpSpPr>
+            <p:cNvPr id="65" name="Group 516"/>
+            <p:cNvGrpSpPr/>
+            <p:nvPr/>
+          </p:nvGrpSpPr>
+          <p:grpSpPr>
+            <a:xfrm>
+              <a:off x="4202602" y="1534012"/>
+              <a:ext cx="29371" cy="28923"/>
+              <a:chOff x="4644008" y="1671181"/>
+              <a:chExt cx="108879" cy="107219"/>
+            </a:xfrm>
+          </p:grpSpPr>
+          <p:grpSp>
+            <p:nvGrpSpPr>
+              <p:cNvPr id="115" name="Group 518"/>
+              <p:cNvGrpSpPr/>
+              <p:nvPr/>
+            </p:nvGrpSpPr>
+            <p:grpSpPr>
+              <a:xfrm>
+                <a:off x="4644008" y="1671181"/>
+                <a:ext cx="108879" cy="19018"/>
+                <a:chOff x="4724894" y="1611142"/>
+                <a:chExt cx="108879" cy="19018"/>
+              </a:xfrm>
+            </p:grpSpPr>
+            <p:cxnSp>
+              <p:nvCxnSpPr>
+                <p:cNvPr id="117" name="Straight Connector 116"/>
+                <p:cNvCxnSpPr/>
+                <p:nvPr/>
+              </p:nvCxnSpPr>
+              <p:spPr>
+                <a:xfrm>
+                  <a:off x="4725773" y="1612161"/>
+                  <a:ext cx="108000" cy="0"/>
+                </a:xfrm>
+                <a:prstGeom prst="line">
+                  <a:avLst/>
+                </a:prstGeom>
+                <a:ln w="12700">
+                  <a:solidFill>
+                    <a:srgbClr val="C00000"/>
+                  </a:solidFill>
+                </a:ln>
+              </p:spPr>
+              <p:style>
+                <a:lnRef idx="1">
+                  <a:schemeClr val="accent1"/>
+                </a:lnRef>
+                <a:fillRef idx="0">
+                  <a:schemeClr val="accent1"/>
+                </a:fillRef>
+                <a:effectRef idx="0">
+                  <a:schemeClr val="accent1"/>
+                </a:effectRef>
+                <a:fontRef idx="minor">
+                  <a:schemeClr val="tx1"/>
+                </a:fontRef>
+              </p:style>
+            </p:cxnSp>
+            <p:cxnSp>
+              <p:nvCxnSpPr>
+                <p:cNvPr id="118" name="Straight Connector 117"/>
+                <p:cNvCxnSpPr/>
+                <p:nvPr/>
+              </p:nvCxnSpPr>
+              <p:spPr>
+                <a:xfrm>
+                  <a:off x="4724894" y="1612160"/>
+                  <a:ext cx="0" cy="18000"/>
+                </a:xfrm>
+                <a:prstGeom prst="line">
+                  <a:avLst/>
+                </a:prstGeom>
+                <a:ln w="12700">
+                  <a:solidFill>
+                    <a:srgbClr val="C00000"/>
+                  </a:solidFill>
+                </a:ln>
+              </p:spPr>
+              <p:style>
+                <a:lnRef idx="1">
+                  <a:schemeClr val="accent1"/>
+                </a:lnRef>
+                <a:fillRef idx="0">
+                  <a:schemeClr val="accent1"/>
+                </a:fillRef>
+                <a:effectRef idx="0">
+                  <a:schemeClr val="accent1"/>
+                </a:effectRef>
+                <a:fontRef idx="minor">
+                  <a:schemeClr val="tx1"/>
+                </a:fontRef>
+              </p:style>
+            </p:cxnSp>
+            <p:cxnSp>
+              <p:nvCxnSpPr>
+                <p:cNvPr id="119" name="Straight Connector 118"/>
+                <p:cNvCxnSpPr/>
+                <p:nvPr/>
+              </p:nvCxnSpPr>
+              <p:spPr>
+                <a:xfrm>
+                  <a:off x="4832400" y="1611142"/>
+                  <a:ext cx="0" cy="18000"/>
+                </a:xfrm>
+                <a:prstGeom prst="line">
+                  <a:avLst/>
+                </a:prstGeom>
+                <a:ln w="12700">
+                  <a:solidFill>
+                    <a:srgbClr val="C00000"/>
+                  </a:solidFill>
+                </a:ln>
+              </p:spPr>
+              <p:style>
+                <a:lnRef idx="1">
+                  <a:schemeClr val="accent1"/>
+                </a:lnRef>
+                <a:fillRef idx="0">
+                  <a:schemeClr val="accent1"/>
+                </a:fillRef>
+                <a:effectRef idx="0">
+                  <a:schemeClr val="accent1"/>
+                </a:effectRef>
+                <a:fontRef idx="minor">
+                  <a:schemeClr val="tx1"/>
+                </a:fontRef>
+              </p:style>
+            </p:cxnSp>
+          </p:grpSp>
+          <p:sp>
+            <p:nvSpPr>
+              <p:cNvPr id="116" name="Rectangle 115"/>
+              <p:cNvSpPr/>
+              <p:nvPr/>
+            </p:nvSpPr>
+            <p:spPr>
+              <a:xfrm>
+                <a:off x="4654800" y="1692000"/>
+                <a:ext cx="86400" cy="86400"/>
+              </a:xfrm>
+              <a:prstGeom prst="rect">
+                <a:avLst/>
+              </a:prstGeom>
+              <a:solidFill>
+                <a:schemeClr val="tx1"/>
+              </a:solidFill>
+              <a:ln w="12700">
+                <a:noFill/>
+              </a:ln>
+            </p:spPr>
+            <p:style>
+              <a:lnRef idx="2">
+                <a:schemeClr val="accent1">
+                  <a:shade val="50000"/>
+                </a:schemeClr>
+              </a:lnRef>
+              <a:fillRef idx="1">
+                <a:schemeClr val="accent1"/>
+              </a:fillRef>
+              <a:effectRef idx="0">
+                <a:schemeClr val="accent1"/>
+              </a:effectRef>
+              <a:fontRef idx="minor">
+                <a:schemeClr val="lt1"/>
+              </a:fontRef>
+            </p:style>
+            <p:txBody>
+              <a:bodyPr rtlCol="0" anchor="ctr"/>
+              <a:lstStyle/>
+              <a:p>
+                <a:pPr algn="ctr"/>
+                <a:endParaRPr lang="en-AU"/>
+              </a:p>
+            </p:txBody>
+          </p:sp>
+        </p:grpSp>
+        <p:cxnSp>
+          <p:nvCxnSpPr>
+            <p:cNvPr id="66" name="Straight Connector 65"/>
+            <p:cNvCxnSpPr/>
+            <p:nvPr/>
+          </p:nvCxnSpPr>
+          <p:spPr>
+            <a:xfrm flipV="1">
+              <a:off x="4217166" y="1562935"/>
+              <a:ext cx="0" cy="9711"/>
+            </a:xfrm>
+            <a:prstGeom prst="line">
+              <a:avLst/>
+            </a:prstGeom>
+            <a:ln w="12700">
+              <a:solidFill>
+                <a:schemeClr val="tx1"/>
+              </a:solidFill>
+            </a:ln>
+          </p:spPr>
+          <p:style>
+            <a:lnRef idx="1">
+              <a:schemeClr val="accent1"/>
+            </a:lnRef>
+            <a:fillRef idx="0">
+              <a:schemeClr val="accent1"/>
+            </a:fillRef>
+            <a:effectRef idx="0">
+              <a:schemeClr val="accent1"/>
+            </a:effectRef>
+            <a:fontRef idx="minor">
+              <a:schemeClr val="tx1"/>
+            </a:fontRef>
+          </p:style>
+        </p:cxnSp>
+        <p:cxnSp>
+          <p:nvCxnSpPr>
+            <p:cNvPr id="67" name="Straight Connector 66"/>
+            <p:cNvCxnSpPr/>
+            <p:nvPr/>
+          </p:nvCxnSpPr>
+          <p:spPr>
+            <a:xfrm flipH="1">
+              <a:off x="4265725" y="1504466"/>
+              <a:ext cx="971" cy="113889"/>
+            </a:xfrm>
+            <a:prstGeom prst="line">
+              <a:avLst/>
+            </a:prstGeom>
+            <a:ln w="12700">
+              <a:solidFill>
+                <a:schemeClr val="tx1"/>
+              </a:solidFill>
+            </a:ln>
+          </p:spPr>
+          <p:style>
+            <a:lnRef idx="1">
+              <a:schemeClr val="accent1"/>
+            </a:lnRef>
+            <a:fillRef idx="0">
+              <a:schemeClr val="accent1"/>
+            </a:fillRef>
+            <a:effectRef idx="0">
+              <a:schemeClr val="accent1"/>
+            </a:effectRef>
+            <a:fontRef idx="minor">
+              <a:schemeClr val="tx1"/>
+            </a:fontRef>
+          </p:style>
+        </p:cxnSp>
+        <p:cxnSp>
+          <p:nvCxnSpPr>
+            <p:cNvPr id="68" name="Straight Connector 67"/>
+            <p:cNvCxnSpPr/>
+            <p:nvPr/>
+          </p:nvCxnSpPr>
+          <p:spPr>
+            <a:xfrm>
+              <a:off x="4265399" y="1729070"/>
+              <a:ext cx="652" cy="55354"/>
+            </a:xfrm>
+            <a:prstGeom prst="line">
+              <a:avLst/>
+            </a:prstGeom>
+            <a:ln w="12700">
+              <a:solidFill>
+                <a:schemeClr val="tx1"/>
+              </a:solidFill>
+            </a:ln>
+          </p:spPr>
+          <p:style>
+            <a:lnRef idx="1">
+              <a:schemeClr val="accent1"/>
+            </a:lnRef>
+            <a:fillRef idx="0">
+              <a:schemeClr val="accent1"/>
+            </a:fillRef>
+            <a:effectRef idx="0">
+              <a:schemeClr val="accent1"/>
+            </a:effectRef>
+            <a:fontRef idx="minor">
+              <a:schemeClr val="tx1"/>
+            </a:fontRef>
+          </p:style>
+        </p:cxnSp>
+        <p:cxnSp>
+          <p:nvCxnSpPr>
+            <p:cNvPr id="69" name="Straight Connector 68"/>
+            <p:cNvCxnSpPr/>
+            <p:nvPr/>
+          </p:nvCxnSpPr>
+          <p:spPr>
+            <a:xfrm flipV="1">
+              <a:off x="4487142" y="1504740"/>
+              <a:ext cx="0" cy="77690"/>
+            </a:xfrm>
+            <a:prstGeom prst="line">
+              <a:avLst/>
+            </a:prstGeom>
+            <a:ln w="12700">
+              <a:solidFill>
+                <a:schemeClr val="tx1"/>
+              </a:solidFill>
+            </a:ln>
+          </p:spPr>
+          <p:style>
+            <a:lnRef idx="1">
+              <a:schemeClr val="accent1"/>
+            </a:lnRef>
+            <a:fillRef idx="0">
+              <a:schemeClr val="accent1"/>
+            </a:fillRef>
+            <a:effectRef idx="0">
+              <a:schemeClr val="accent1"/>
+            </a:effectRef>
+            <a:fontRef idx="minor">
+              <a:schemeClr val="tx1"/>
+            </a:fontRef>
+          </p:style>
+        </p:cxnSp>
+        <p:cxnSp>
+          <p:nvCxnSpPr>
+            <p:cNvPr id="70" name="Straight Connector 69"/>
+            <p:cNvCxnSpPr/>
+            <p:nvPr/>
+          </p:nvCxnSpPr>
+          <p:spPr>
+            <a:xfrm flipV="1">
+              <a:off x="4487142" y="1630590"/>
+              <a:ext cx="0" cy="29134"/>
+            </a:xfrm>
+            <a:prstGeom prst="line">
+              <a:avLst/>
+            </a:prstGeom>
+            <a:ln w="12700">
+              <a:solidFill>
+                <a:srgbClr val="FF0000"/>
+              </a:solidFill>
+            </a:ln>
+          </p:spPr>
+          <p:style>
+            <a:lnRef idx="1">
+              <a:schemeClr val="accent1"/>
+            </a:lnRef>
+            <a:fillRef idx="0">
+              <a:schemeClr val="accent1"/>
+            </a:fillRef>
+            <a:effectRef idx="0">
+              <a:schemeClr val="accent1"/>
+            </a:effectRef>
+            <a:fontRef idx="minor">
+              <a:schemeClr val="tx1"/>
+            </a:fontRef>
+          </p:style>
+        </p:cxnSp>
+        <p:cxnSp>
+          <p:nvCxnSpPr>
+            <p:cNvPr id="71" name="Straight Connector 70"/>
+            <p:cNvCxnSpPr/>
+            <p:nvPr/>
+          </p:nvCxnSpPr>
+          <p:spPr>
+            <a:xfrm flipH="1">
+              <a:off x="4067944" y="1477534"/>
+              <a:ext cx="120420" cy="207"/>
+            </a:xfrm>
+            <a:prstGeom prst="line">
+              <a:avLst/>
+            </a:prstGeom>
+            <a:ln w="12700">
+              <a:solidFill>
+                <a:srgbClr val="C00000"/>
+              </a:solidFill>
+            </a:ln>
+          </p:spPr>
+          <p:style>
+            <a:lnRef idx="1">
+              <a:schemeClr val="accent1"/>
+            </a:lnRef>
+            <a:fillRef idx="0">
+              <a:schemeClr val="accent1"/>
+            </a:fillRef>
+            <a:effectRef idx="0">
+              <a:schemeClr val="accent1"/>
+            </a:effectRef>
+            <a:fontRef idx="minor">
+              <a:schemeClr val="tx1"/>
+            </a:fontRef>
+          </p:style>
+        </p:cxnSp>
+        <p:pic>
+          <p:nvPicPr>
+            <p:cNvPr id="72" name="Picture 71"/>
+            <p:cNvPicPr>
+              <a:picLocks noChangeAspect="1"/>
+            </p:cNvPicPr>
+            <p:nvPr>
+              <p:custDataLst>
+                <p:tags r:id="rId1"/>
+              </p:custDataLst>
+            </p:nvPr>
+          </p:nvPicPr>
+          <p:blipFill>
+            <a:blip r:embed="rId15" cstate="print">
+              <a:extLst>
+                <a:ext uri="{28A0092B-C50C-407E-A947-70E740481C1C}">
+                  <a14:useLocalDpi xmlns:a14="http://schemas.microsoft.com/office/drawing/2010/main" val="0"/>
+                </a:ext>
+              </a:extLst>
+            </a:blip>
+            <a:stretch>
+              <a:fillRect/>
+            </a:stretch>
+          </p:blipFill>
+          <p:spPr>
+            <a:xfrm>
+              <a:off x="4268376" y="1634890"/>
+              <a:ext cx="23844" cy="20144"/>
+            </a:xfrm>
+            <a:prstGeom prst="rect">
+              <a:avLst/>
+            </a:prstGeom>
+          </p:spPr>
+        </p:pic>
+        <p:pic>
+          <p:nvPicPr>
+            <p:cNvPr id="73" name="Picture 72"/>
+            <p:cNvPicPr>
+              <a:picLocks noChangeAspect="1"/>
+            </p:cNvPicPr>
+            <p:nvPr>
+              <p:custDataLst>
+                <p:tags r:id="rId2"/>
+              </p:custDataLst>
+            </p:nvPr>
+          </p:nvPicPr>
+          <p:blipFill>
+            <a:blip r:embed="rId16" cstate="print">
+              <a:extLst>
+                <a:ext uri="{28A0092B-C50C-407E-A947-70E740481C1C}">
+                  <a14:useLocalDpi xmlns:a14="http://schemas.microsoft.com/office/drawing/2010/main" val="0"/>
+                </a:ext>
+              </a:extLst>
+            </a:blip>
+            <a:stretch>
+              <a:fillRect/>
+            </a:stretch>
+          </p:blipFill>
+          <p:spPr>
+            <a:xfrm>
+              <a:off x="4160166" y="1735664"/>
+              <a:ext cx="21583" cy="16444"/>
+            </a:xfrm>
+            <a:prstGeom prst="rect">
+              <a:avLst/>
+            </a:prstGeom>
+          </p:spPr>
+        </p:pic>
+        <p:pic>
+          <p:nvPicPr>
+            <p:cNvPr id="74" name="Picture 73"/>
+            <p:cNvPicPr>
+              <a:picLocks noChangeAspect="1"/>
+            </p:cNvPicPr>
+            <p:nvPr>
+              <p:custDataLst>
+                <p:tags r:id="rId3"/>
+              </p:custDataLst>
+            </p:nvPr>
+          </p:nvPicPr>
+          <p:blipFill>
+            <a:blip r:embed="rId17" cstate="print">
+              <a:extLst>
+                <a:ext uri="{28A0092B-C50C-407E-A947-70E740481C1C}">
+                  <a14:useLocalDpi xmlns:a14="http://schemas.microsoft.com/office/drawing/2010/main" val="0"/>
+                </a:ext>
+              </a:extLst>
+            </a:blip>
+            <a:stretch>
+              <a:fillRect/>
+            </a:stretch>
+          </p:blipFill>
+          <p:spPr>
+            <a:xfrm>
+              <a:off x="4381805" y="1736809"/>
+              <a:ext cx="24050" cy="16444"/>
+            </a:xfrm>
+            <a:prstGeom prst="rect">
+              <a:avLst/>
+            </a:prstGeom>
+          </p:spPr>
+        </p:pic>
+        <p:pic>
+          <p:nvPicPr>
+            <p:cNvPr id="75" name="Picture 74"/>
+            <p:cNvPicPr>
+              <a:picLocks noChangeAspect="1"/>
+            </p:cNvPicPr>
+            <p:nvPr>
+              <p:custDataLst>
+                <p:tags r:id="rId4"/>
+              </p:custDataLst>
+            </p:nvPr>
+          </p:nvPicPr>
+          <p:blipFill>
+            <a:blip r:embed="rId18" cstate="print">
+              <a:extLst>
+                <a:ext uri="{28A0092B-C50C-407E-A947-70E740481C1C}">
+                  <a14:useLocalDpi xmlns:a14="http://schemas.microsoft.com/office/drawing/2010/main" val="0"/>
+                </a:ext>
+              </a:extLst>
+            </a:blip>
+            <a:stretch>
+              <a:fillRect/>
+            </a:stretch>
+          </p:blipFill>
+          <p:spPr>
+            <a:xfrm>
+              <a:off x="4495915" y="1735664"/>
+              <a:ext cx="26517" cy="16444"/>
+            </a:xfrm>
+            <a:prstGeom prst="rect">
+              <a:avLst/>
+            </a:prstGeom>
+          </p:spPr>
+        </p:pic>
+        <p:cxnSp>
+          <p:nvCxnSpPr>
+            <p:cNvPr id="76" name="Straight Connector 75"/>
+            <p:cNvCxnSpPr/>
+            <p:nvPr/>
+          </p:nvCxnSpPr>
+          <p:spPr>
+            <a:xfrm flipV="1">
+              <a:off x="4184150" y="1913439"/>
+              <a:ext cx="53412" cy="15"/>
+            </a:xfrm>
+            <a:prstGeom prst="line">
+              <a:avLst/>
+            </a:prstGeom>
+            <a:ln w="12700">
+              <a:solidFill>
+                <a:schemeClr val="accent5"/>
+              </a:solidFill>
+            </a:ln>
+          </p:spPr>
+          <p:style>
+            <a:lnRef idx="1">
+              <a:schemeClr val="accent1"/>
+            </a:lnRef>
+            <a:fillRef idx="0">
+              <a:schemeClr val="accent1"/>
+            </a:fillRef>
+            <a:effectRef idx="0">
+              <a:schemeClr val="accent1"/>
+            </a:effectRef>
+            <a:fontRef idx="minor">
+              <a:schemeClr val="tx1"/>
+            </a:fontRef>
+          </p:style>
+        </p:cxnSp>
+        <p:cxnSp>
+          <p:nvCxnSpPr>
+            <p:cNvPr id="77" name="Straight Connector 76"/>
+            <p:cNvCxnSpPr/>
+            <p:nvPr/>
+          </p:nvCxnSpPr>
+          <p:spPr>
+            <a:xfrm flipV="1">
+              <a:off x="4294859" y="1913439"/>
+              <a:ext cx="163149" cy="15"/>
+            </a:xfrm>
+            <a:prstGeom prst="line">
+              <a:avLst/>
+            </a:prstGeom>
+            <a:ln w="12700">
+              <a:solidFill>
+                <a:srgbClr val="FF0000"/>
+              </a:solidFill>
+            </a:ln>
+          </p:spPr>
+          <p:style>
+            <a:lnRef idx="1">
+              <a:schemeClr val="accent1"/>
+            </a:lnRef>
+            <a:fillRef idx="0">
+              <a:schemeClr val="accent1"/>
+            </a:fillRef>
+            <a:effectRef idx="0">
+              <a:schemeClr val="accent1"/>
+            </a:effectRef>
+            <a:fontRef idx="minor">
+              <a:schemeClr val="tx1"/>
+            </a:fontRef>
+          </p:style>
+        </p:cxnSp>
+        <p:cxnSp>
+          <p:nvCxnSpPr>
+            <p:cNvPr id="80" name="Straight Connector 79"/>
+            <p:cNvCxnSpPr/>
+            <p:nvPr/>
+          </p:nvCxnSpPr>
+          <p:spPr>
+            <a:xfrm>
+              <a:off x="4266367" y="1831038"/>
+              <a:ext cx="652" cy="53412"/>
+            </a:xfrm>
+            <a:prstGeom prst="line">
+              <a:avLst/>
+            </a:prstGeom>
+            <a:ln w="12700">
+              <a:solidFill>
+                <a:schemeClr val="accent5"/>
+              </a:solidFill>
+            </a:ln>
+          </p:spPr>
+          <p:style>
+            <a:lnRef idx="1">
+              <a:schemeClr val="accent1"/>
+            </a:lnRef>
+            <a:fillRef idx="0">
+              <a:schemeClr val="accent1"/>
+            </a:fillRef>
+            <a:effectRef idx="0">
+              <a:schemeClr val="accent1"/>
+            </a:effectRef>
+            <a:fontRef idx="minor">
+              <a:schemeClr val="tx1"/>
+            </a:fontRef>
+          </p:style>
+        </p:cxnSp>
+        <p:sp>
+          <p:nvSpPr>
+            <p:cNvPr id="81" name="Hexagon 80"/>
+            <p:cNvSpPr/>
+            <p:nvPr/>
+          </p:nvSpPr>
+          <p:spPr>
+            <a:xfrm rot="5400000">
+              <a:off x="4342773" y="1659822"/>
+              <a:ext cx="67979" cy="67979"/>
+            </a:xfrm>
+            <a:prstGeom prst="hexagon">
+              <a:avLst/>
+            </a:prstGeom>
+            <a:noFill/>
+            <a:ln w="12700">
+              <a:solidFill>
+                <a:srgbClr val="7030A0"/>
+              </a:solidFill>
+            </a:ln>
+          </p:spPr>
+          <p:style>
+            <a:lnRef idx="2">
+              <a:schemeClr val="accent1">
+                <a:shade val="50000"/>
+              </a:schemeClr>
+            </a:lnRef>
+            <a:fillRef idx="1">
+              <a:schemeClr val="accent1"/>
+            </a:fillRef>
+            <a:effectRef idx="0">
+              <a:schemeClr val="accent1"/>
+            </a:effectRef>
+            <a:fontRef idx="minor">
+              <a:schemeClr val="lt1"/>
+            </a:fontRef>
+          </p:style>
+          <p:txBody>
+            <a:bodyPr rtlCol="0" anchor="ctr"/>
+            <a:lstStyle/>
+            <a:p>
+              <a:pPr algn="ctr"/>
+              <a:endParaRPr lang="en-AU"/>
+            </a:p>
+          </p:txBody>
+        </p:sp>
+        <p:sp>
+          <p:nvSpPr>
+            <p:cNvPr id="82" name="Diamond 81"/>
+            <p:cNvSpPr/>
+            <p:nvPr/>
+          </p:nvSpPr>
+          <p:spPr>
+            <a:xfrm>
+              <a:off x="4453496" y="1660533"/>
+              <a:ext cx="67773" cy="67566"/>
+            </a:xfrm>
+            <a:prstGeom prst="diamond">
+              <a:avLst/>
+            </a:prstGeom>
+            <a:noFill/>
+            <a:ln w="12700">
+              <a:solidFill>
+                <a:srgbClr val="FF0000"/>
+              </a:solidFill>
+            </a:ln>
+          </p:spPr>
+          <p:style>
+            <a:lnRef idx="2">
+              <a:schemeClr val="accent1">
+                <a:shade val="50000"/>
+              </a:schemeClr>
+            </a:lnRef>
+            <a:fillRef idx="1">
+              <a:schemeClr val="accent1"/>
+            </a:fillRef>
+            <a:effectRef idx="0">
+              <a:schemeClr val="accent1"/>
+            </a:effectRef>
+            <a:fontRef idx="minor">
+              <a:schemeClr val="lt1"/>
+            </a:fontRef>
+          </p:style>
+          <p:txBody>
+            <a:bodyPr rtlCol="0" anchor="ctr"/>
+            <a:lstStyle/>
+            <a:p>
+              <a:pPr algn="ctr"/>
+              <a:endParaRPr lang="en-AU"/>
+            </a:p>
+          </p:txBody>
+        </p:sp>
+        <p:grpSp>
+          <p:nvGrpSpPr>
+            <p:cNvPr id="83" name="Group 20"/>
+            <p:cNvGrpSpPr/>
+            <p:nvPr/>
+          </p:nvGrpSpPr>
+          <p:grpSpPr>
+            <a:xfrm>
+              <a:off x="4361008" y="1548805"/>
+              <a:ext cx="31076" cy="31076"/>
+              <a:chOff x="8066715" y="1045949"/>
+              <a:chExt cx="115200" cy="115200"/>
+            </a:xfrm>
+          </p:grpSpPr>
+          <p:sp>
+            <p:nvSpPr>
+              <p:cNvPr id="103" name="Oval 102"/>
+              <p:cNvSpPr/>
+              <p:nvPr/>
+            </p:nvSpPr>
+            <p:spPr>
+              <a:xfrm>
+                <a:off x="8066715" y="1045949"/>
+                <a:ext cx="115200" cy="115200"/>
+              </a:xfrm>
+              <a:prstGeom prst="ellipse">
+                <a:avLst/>
+              </a:prstGeom>
+              <a:solidFill>
+                <a:schemeClr val="bg1"/>
+              </a:solidFill>
+              <a:ln w="12700">
+                <a:solidFill>
+                  <a:srgbClr val="7030A0"/>
+                </a:solidFill>
+              </a:ln>
+            </p:spPr>
+            <p:style>
+              <a:lnRef idx="2">
+                <a:schemeClr val="accent1">
+                  <a:shade val="50000"/>
+                </a:schemeClr>
+              </a:lnRef>
+              <a:fillRef idx="1">
+                <a:schemeClr val="accent1"/>
+              </a:fillRef>
+              <a:effectRef idx="0">
+                <a:schemeClr val="accent1"/>
+              </a:effectRef>
+              <a:fontRef idx="minor">
+                <a:schemeClr val="lt1"/>
+              </a:fontRef>
+            </p:style>
+            <p:txBody>
+              <a:bodyPr rtlCol="0" anchor="ctr"/>
+              <a:lstStyle/>
+              <a:p>
+                <a:pPr algn="ctr"/>
+                <a:endParaRPr lang="en-AU"/>
+              </a:p>
+            </p:txBody>
+          </p:sp>
+          <p:pic>
+            <p:nvPicPr>
+              <p:cNvPr id="104" name="Picture 103"/>
+              <p:cNvPicPr>
+                <a:picLocks noChangeAspect="1"/>
+              </p:cNvPicPr>
+              <p:nvPr>
+                <p:custDataLst>
+                  <p:tags r:id="rId11"/>
+                </p:custDataLst>
+              </p:nvPr>
+            </p:nvPicPr>
+            <p:blipFill>
+              <a:blip r:embed="rId19" cstate="print">
+                <a:extLst>
+                  <a:ext uri="{28A0092B-C50C-407E-A947-70E740481C1C}">
+                    <a14:useLocalDpi xmlns:a14="http://schemas.microsoft.com/office/drawing/2010/main" val="0"/>
+                  </a:ext>
+                </a:extLst>
+              </a:blip>
+              <a:stretch>
+                <a:fillRect/>
+              </a:stretch>
+            </p:blipFill>
+            <p:spPr>
+              <a:xfrm>
+                <a:off x="8075305" y="1062379"/>
+                <a:ext cx="99060" cy="77153"/>
+              </a:xfrm>
+              <a:prstGeom prst="rect">
+                <a:avLst/>
+              </a:prstGeom>
+            </p:spPr>
+          </p:pic>
+        </p:grpSp>
+        <p:grpSp>
+          <p:nvGrpSpPr>
+            <p:cNvPr id="84" name="Group 22"/>
+            <p:cNvGrpSpPr/>
+            <p:nvPr/>
+          </p:nvGrpSpPr>
+          <p:grpSpPr>
+            <a:xfrm>
+              <a:off x="4385346" y="1822298"/>
+              <a:ext cx="31076" cy="31076"/>
+              <a:chOff x="8219115" y="1198349"/>
+              <a:chExt cx="115200" cy="115200"/>
+            </a:xfrm>
+          </p:grpSpPr>
+          <p:sp>
+            <p:nvSpPr>
+              <p:cNvPr id="101" name="Oval 100"/>
+              <p:cNvSpPr/>
+              <p:nvPr/>
+            </p:nvSpPr>
+            <p:spPr>
+              <a:xfrm>
+                <a:off x="8219115" y="1198349"/>
+                <a:ext cx="115200" cy="115200"/>
+              </a:xfrm>
+              <a:prstGeom prst="ellipse">
+                <a:avLst/>
+              </a:prstGeom>
+              <a:solidFill>
+                <a:schemeClr val="bg1"/>
+              </a:solidFill>
+              <a:ln w="12700">
+                <a:solidFill>
+                  <a:srgbClr val="7030A0"/>
+                </a:solidFill>
+              </a:ln>
+            </p:spPr>
+            <p:style>
+              <a:lnRef idx="2">
+                <a:schemeClr val="accent1">
+                  <a:shade val="50000"/>
+                </a:schemeClr>
+              </a:lnRef>
+              <a:fillRef idx="1">
+                <a:schemeClr val="accent1"/>
+              </a:fillRef>
+              <a:effectRef idx="0">
+                <a:schemeClr val="accent1"/>
+              </a:effectRef>
+              <a:fontRef idx="minor">
+                <a:schemeClr val="lt1"/>
+              </a:fontRef>
+            </p:style>
+            <p:txBody>
+              <a:bodyPr rtlCol="0" anchor="ctr"/>
+              <a:lstStyle/>
+              <a:p>
+                <a:pPr algn="ctr"/>
+                <a:endParaRPr lang="en-AU"/>
+              </a:p>
+            </p:txBody>
+          </p:sp>
+          <p:pic>
+            <p:nvPicPr>
+              <p:cNvPr id="102" name="Picture 101"/>
+              <p:cNvPicPr>
+                <a:picLocks noChangeAspect="1"/>
+              </p:cNvPicPr>
+              <p:nvPr>
+                <p:custDataLst>
+                  <p:tags r:id="rId10"/>
+                </p:custDataLst>
+              </p:nvPr>
+            </p:nvPicPr>
+            <p:blipFill>
+              <a:blip r:embed="rId20" cstate="print">
+                <a:extLst>
+                  <a:ext uri="{28A0092B-C50C-407E-A947-70E740481C1C}">
+                    <a14:useLocalDpi xmlns:a14="http://schemas.microsoft.com/office/drawing/2010/main" val="0"/>
+                  </a:ext>
+                </a:extLst>
+              </a:blip>
+              <a:stretch>
+                <a:fillRect/>
+              </a:stretch>
+            </p:blipFill>
+            <p:spPr>
+              <a:xfrm>
+                <a:off x="8227705" y="1214779"/>
+                <a:ext cx="96203" cy="77153"/>
+              </a:xfrm>
+              <a:prstGeom prst="rect">
+                <a:avLst/>
+              </a:prstGeom>
+            </p:spPr>
+          </p:pic>
+        </p:grpSp>
+        <p:grpSp>
+          <p:nvGrpSpPr>
+            <p:cNvPr id="85" name="Group 24"/>
+            <p:cNvGrpSpPr/>
+            <p:nvPr/>
+          </p:nvGrpSpPr>
+          <p:grpSpPr>
+            <a:xfrm>
+              <a:off x="4335646" y="1822497"/>
+              <a:ext cx="31076" cy="31076"/>
+              <a:chOff x="8371515" y="1350749"/>
+              <a:chExt cx="115200" cy="115200"/>
+            </a:xfrm>
+          </p:grpSpPr>
+          <p:sp>
+            <p:nvSpPr>
+              <p:cNvPr id="99" name="Oval 98"/>
+              <p:cNvSpPr/>
+              <p:nvPr/>
+            </p:nvSpPr>
+            <p:spPr>
+              <a:xfrm>
+                <a:off x="8371515" y="1350749"/>
+                <a:ext cx="115200" cy="115200"/>
+              </a:xfrm>
+              <a:prstGeom prst="ellipse">
+                <a:avLst/>
+              </a:prstGeom>
+              <a:solidFill>
+                <a:schemeClr val="bg1"/>
+              </a:solidFill>
+              <a:ln w="12700">
+                <a:solidFill>
+                  <a:srgbClr val="7030A0"/>
+                </a:solidFill>
+              </a:ln>
+            </p:spPr>
+            <p:style>
+              <a:lnRef idx="2">
+                <a:schemeClr val="accent1">
+                  <a:shade val="50000"/>
+                </a:schemeClr>
+              </a:lnRef>
+              <a:fillRef idx="1">
+                <a:schemeClr val="accent1"/>
+              </a:fillRef>
+              <a:effectRef idx="0">
+                <a:schemeClr val="accent1"/>
+              </a:effectRef>
+              <a:fontRef idx="minor">
+                <a:schemeClr val="lt1"/>
+              </a:fontRef>
+            </p:style>
+            <p:txBody>
+              <a:bodyPr rtlCol="0" anchor="ctr"/>
+              <a:lstStyle/>
+              <a:p>
+                <a:pPr algn="ctr"/>
+                <a:endParaRPr lang="en-AU"/>
+              </a:p>
+            </p:txBody>
+          </p:sp>
+          <p:pic>
+            <p:nvPicPr>
+              <p:cNvPr id="100" name="Picture 99"/>
+              <p:cNvPicPr>
+                <a:picLocks noChangeAspect="1"/>
+              </p:cNvPicPr>
+              <p:nvPr>
+                <p:custDataLst>
+                  <p:tags r:id="rId9"/>
+                </p:custDataLst>
+              </p:nvPr>
+            </p:nvPicPr>
+            <p:blipFill>
+              <a:blip r:embed="rId21" cstate="print">
+                <a:extLst>
+                  <a:ext uri="{28A0092B-C50C-407E-A947-70E740481C1C}">
+                    <a14:useLocalDpi xmlns:a14="http://schemas.microsoft.com/office/drawing/2010/main" val="0"/>
+                  </a:ext>
+                </a:extLst>
+              </a:blip>
+              <a:stretch>
+                <a:fillRect/>
+              </a:stretch>
+            </p:blipFill>
+            <p:spPr>
+              <a:xfrm>
+                <a:off x="8380105" y="1367179"/>
+                <a:ext cx="95250" cy="77153"/>
+              </a:xfrm>
+              <a:prstGeom prst="rect">
+                <a:avLst/>
+              </a:prstGeom>
+            </p:spPr>
+          </p:pic>
+        </p:grpSp>
+        <p:grpSp>
+          <p:nvGrpSpPr>
+            <p:cNvPr id="86" name="Group 41"/>
+            <p:cNvGrpSpPr/>
+            <p:nvPr/>
+          </p:nvGrpSpPr>
+          <p:grpSpPr>
+            <a:xfrm>
+              <a:off x="4199673" y="1491661"/>
+              <a:ext cx="31076" cy="31076"/>
+              <a:chOff x="6716324" y="1038714"/>
+              <a:chExt cx="115200" cy="115200"/>
+            </a:xfrm>
+          </p:grpSpPr>
+          <p:cxnSp>
+            <p:nvCxnSpPr>
+              <p:cNvPr id="96" name="Straight Connector 95"/>
+              <p:cNvCxnSpPr/>
+              <p:nvPr/>
+            </p:nvCxnSpPr>
+            <p:spPr>
+              <a:xfrm flipH="1">
+                <a:off x="6785943" y="1070532"/>
+                <a:ext cx="0" cy="79200"/>
+              </a:xfrm>
+              <a:prstGeom prst="line">
+                <a:avLst/>
+              </a:prstGeom>
+              <a:ln w="12700">
+                <a:solidFill>
+                  <a:srgbClr val="C00000"/>
+                </a:solidFill>
+              </a:ln>
+            </p:spPr>
+            <p:style>
+              <a:lnRef idx="1">
+                <a:schemeClr val="accent1"/>
+              </a:lnRef>
+              <a:fillRef idx="0">
+                <a:schemeClr val="accent1"/>
+              </a:fillRef>
+              <a:effectRef idx="0">
+                <a:schemeClr val="accent1"/>
+              </a:effectRef>
+              <a:fontRef idx="minor">
+                <a:schemeClr val="tx1"/>
+              </a:fontRef>
+            </p:style>
+          </p:cxnSp>
+          <p:sp>
+            <p:nvSpPr>
+              <p:cNvPr id="97" name="Oval 96"/>
+              <p:cNvSpPr/>
+              <p:nvPr/>
+            </p:nvSpPr>
+            <p:spPr>
+              <a:xfrm>
+                <a:off x="6716324" y="1038714"/>
+                <a:ext cx="115200" cy="115200"/>
+              </a:xfrm>
+              <a:prstGeom prst="ellipse">
+                <a:avLst/>
+              </a:prstGeom>
+              <a:solidFill>
+                <a:schemeClr val="bg1"/>
+              </a:solidFill>
+              <a:ln w="12700">
+                <a:solidFill>
+                  <a:srgbClr val="C00000"/>
+                </a:solidFill>
+              </a:ln>
+            </p:spPr>
+            <p:style>
+              <a:lnRef idx="2">
+                <a:schemeClr val="accent1">
+                  <a:shade val="50000"/>
+                </a:schemeClr>
+              </a:lnRef>
+              <a:fillRef idx="1">
+                <a:schemeClr val="accent1"/>
+              </a:fillRef>
+              <a:effectRef idx="0">
+                <a:schemeClr val="accent1"/>
+              </a:effectRef>
+              <a:fontRef idx="minor">
+                <a:schemeClr val="lt1"/>
+              </a:fontRef>
+            </p:style>
+            <p:txBody>
+              <a:bodyPr rtlCol="0" anchor="ctr"/>
+              <a:lstStyle/>
+              <a:p>
+                <a:pPr algn="ctr"/>
+                <a:endParaRPr lang="en-AU"/>
+              </a:p>
+            </p:txBody>
+          </p:sp>
+          <p:pic>
+            <p:nvPicPr>
+              <p:cNvPr id="98" name="Picture 97"/>
+              <p:cNvPicPr>
+                <a:picLocks noChangeAspect="1"/>
+              </p:cNvPicPr>
+              <p:nvPr>
+                <p:custDataLst>
+                  <p:tags r:id="rId8"/>
+                </p:custDataLst>
+              </p:nvPr>
+            </p:nvPicPr>
+            <p:blipFill>
+              <a:blip r:embed="rId22" cstate="print">
+                <a:extLst>
+                  <a:ext uri="{28A0092B-C50C-407E-A947-70E740481C1C}">
+                    <a14:useLocalDpi xmlns:a14="http://schemas.microsoft.com/office/drawing/2010/main" val="0"/>
+                  </a:ext>
+                </a:extLst>
+              </a:blip>
+              <a:stretch>
+                <a:fillRect/>
+              </a:stretch>
+            </p:blipFill>
+            <p:spPr>
+              <a:xfrm>
+                <a:off x="6724914" y="1057525"/>
+                <a:ext cx="95250" cy="75248"/>
+              </a:xfrm>
+              <a:prstGeom prst="rect">
+                <a:avLst/>
+              </a:prstGeom>
+            </p:spPr>
+          </p:pic>
+        </p:grpSp>
+        <p:grpSp>
+          <p:nvGrpSpPr>
+            <p:cNvPr id="87" name="Group 38"/>
+            <p:cNvGrpSpPr/>
+            <p:nvPr/>
+          </p:nvGrpSpPr>
+          <p:grpSpPr>
+            <a:xfrm>
+              <a:off x="4251155" y="1491661"/>
+              <a:ext cx="31076" cy="31076"/>
+              <a:chOff x="8676315" y="1655549"/>
+              <a:chExt cx="115200" cy="115200"/>
+            </a:xfrm>
+          </p:grpSpPr>
+          <p:sp>
+            <p:nvSpPr>
+              <p:cNvPr id="94" name="Oval 93"/>
+              <p:cNvSpPr/>
+              <p:nvPr/>
+            </p:nvSpPr>
+            <p:spPr>
+              <a:xfrm>
+                <a:off x="8676315" y="1655549"/>
+                <a:ext cx="115200" cy="115200"/>
+              </a:xfrm>
+              <a:prstGeom prst="ellipse">
+                <a:avLst/>
+              </a:prstGeom>
+              <a:solidFill>
+                <a:schemeClr val="bg1"/>
+              </a:solidFill>
+              <a:ln w="12700">
+                <a:solidFill>
+                  <a:schemeClr val="tx1"/>
+                </a:solidFill>
+              </a:ln>
+            </p:spPr>
+            <p:style>
+              <a:lnRef idx="2">
+                <a:schemeClr val="accent1">
+                  <a:shade val="50000"/>
+                </a:schemeClr>
+              </a:lnRef>
+              <a:fillRef idx="1">
+                <a:schemeClr val="accent1"/>
+              </a:fillRef>
+              <a:effectRef idx="0">
+                <a:schemeClr val="accent1"/>
+              </a:effectRef>
+              <a:fontRef idx="minor">
+                <a:schemeClr val="lt1"/>
+              </a:fontRef>
+            </p:style>
+            <p:txBody>
+              <a:bodyPr rtlCol="0" anchor="ctr"/>
+              <a:lstStyle/>
+              <a:p>
+                <a:pPr algn="ctr"/>
+                <a:endParaRPr lang="en-AU"/>
+              </a:p>
+            </p:txBody>
+          </p:sp>
+          <p:pic>
+            <p:nvPicPr>
+              <p:cNvPr id="95" name="Picture 94"/>
+              <p:cNvPicPr>
+                <a:picLocks noChangeAspect="1"/>
+              </p:cNvPicPr>
+              <p:nvPr>
+                <p:custDataLst>
+                  <p:tags r:id="rId7"/>
+                </p:custDataLst>
+              </p:nvPr>
+            </p:nvPicPr>
+            <p:blipFill>
+              <a:blip r:embed="rId23" cstate="print">
+                <a:extLst>
+                  <a:ext uri="{28A0092B-C50C-407E-A947-70E740481C1C}">
+                    <a14:useLocalDpi xmlns:a14="http://schemas.microsoft.com/office/drawing/2010/main" val="0"/>
+                  </a:ext>
+                </a:extLst>
+              </a:blip>
+              <a:stretch>
+                <a:fillRect/>
+              </a:stretch>
+            </p:blipFill>
+            <p:spPr>
+              <a:xfrm>
+                <a:off x="8684905" y="1671979"/>
+                <a:ext cx="98108" cy="75248"/>
+              </a:xfrm>
+              <a:prstGeom prst="rect">
+                <a:avLst/>
+              </a:prstGeom>
+            </p:spPr>
+          </p:pic>
+        </p:grpSp>
+        <p:grpSp>
+          <p:nvGrpSpPr>
+            <p:cNvPr id="88" name="Group 52"/>
+            <p:cNvGrpSpPr/>
+            <p:nvPr/>
+          </p:nvGrpSpPr>
+          <p:grpSpPr>
+            <a:xfrm>
+              <a:off x="4139478" y="1822497"/>
+              <a:ext cx="31076" cy="31076"/>
+              <a:chOff x="8828715" y="1807949"/>
+              <a:chExt cx="115200" cy="115200"/>
+            </a:xfrm>
+          </p:grpSpPr>
+          <p:sp>
+            <p:nvSpPr>
+              <p:cNvPr id="92" name="Oval 91"/>
+              <p:cNvSpPr/>
+              <p:nvPr/>
+            </p:nvSpPr>
+            <p:spPr>
+              <a:xfrm>
+                <a:off x="8828715" y="1807949"/>
+                <a:ext cx="115200" cy="115200"/>
+              </a:xfrm>
+              <a:prstGeom prst="ellipse">
+                <a:avLst/>
+              </a:prstGeom>
+              <a:solidFill>
+                <a:schemeClr val="bg1"/>
+              </a:solidFill>
+              <a:ln w="12700">
+                <a:solidFill>
+                  <a:schemeClr val="accent5"/>
+                </a:solidFill>
+              </a:ln>
+            </p:spPr>
+            <p:style>
+              <a:lnRef idx="2">
+                <a:schemeClr val="accent1">
+                  <a:shade val="50000"/>
+                </a:schemeClr>
+              </a:lnRef>
+              <a:fillRef idx="1">
+                <a:schemeClr val="accent1"/>
+              </a:fillRef>
+              <a:effectRef idx="0">
+                <a:schemeClr val="accent1"/>
+              </a:effectRef>
+              <a:fontRef idx="minor">
+                <a:schemeClr val="lt1"/>
+              </a:fontRef>
+            </p:style>
+            <p:txBody>
+              <a:bodyPr rtlCol="0" anchor="ctr"/>
+              <a:lstStyle/>
+              <a:p>
+                <a:pPr algn="ctr"/>
+                <a:endParaRPr lang="en-AU"/>
+              </a:p>
+            </p:txBody>
+          </p:sp>
+          <p:pic>
+            <p:nvPicPr>
+              <p:cNvPr id="93" name="Picture 92"/>
+              <p:cNvPicPr>
+                <a:picLocks noChangeAspect="1"/>
+              </p:cNvPicPr>
+              <p:nvPr>
+                <p:custDataLst>
+                  <p:tags r:id="rId6"/>
+                </p:custDataLst>
+              </p:nvPr>
+            </p:nvPicPr>
+            <p:blipFill>
+              <a:blip r:embed="rId24" cstate="print">
+                <a:extLst>
+                  <a:ext uri="{28A0092B-C50C-407E-A947-70E740481C1C}">
+                    <a14:useLocalDpi xmlns:a14="http://schemas.microsoft.com/office/drawing/2010/main" val="0"/>
+                  </a:ext>
+                </a:extLst>
+              </a:blip>
+              <a:stretch>
+                <a:fillRect/>
+              </a:stretch>
+            </p:blipFill>
+            <p:spPr>
+              <a:xfrm>
+                <a:off x="8837305" y="1824379"/>
+                <a:ext cx="92393" cy="75248"/>
+              </a:xfrm>
+              <a:prstGeom prst="rect">
+                <a:avLst/>
+              </a:prstGeom>
+            </p:spPr>
+          </p:pic>
+        </p:grpSp>
+        <p:grpSp>
+          <p:nvGrpSpPr>
+            <p:cNvPr id="89" name="Group 53"/>
+            <p:cNvGrpSpPr/>
+            <p:nvPr/>
+          </p:nvGrpSpPr>
+          <p:grpSpPr>
+            <a:xfrm>
+              <a:off x="4471471" y="1821806"/>
+              <a:ext cx="31076" cy="31076"/>
+              <a:chOff x="8828715" y="2027001"/>
+              <a:chExt cx="115200" cy="115200"/>
+            </a:xfrm>
+          </p:grpSpPr>
+          <p:sp>
+            <p:nvSpPr>
+              <p:cNvPr id="90" name="Oval 89"/>
+              <p:cNvSpPr/>
+              <p:nvPr/>
+            </p:nvSpPr>
+            <p:spPr>
+              <a:xfrm>
+                <a:off x="8828715" y="2027001"/>
+                <a:ext cx="115200" cy="115200"/>
+              </a:xfrm>
+              <a:prstGeom prst="ellipse">
+                <a:avLst/>
+              </a:prstGeom>
+              <a:solidFill>
+                <a:schemeClr val="bg1"/>
+              </a:solidFill>
+              <a:ln w="12700">
+                <a:solidFill>
+                  <a:srgbClr val="FF0000"/>
+                </a:solidFill>
+              </a:ln>
+            </p:spPr>
+            <p:style>
+              <a:lnRef idx="2">
+                <a:schemeClr val="accent1">
+                  <a:shade val="50000"/>
+                </a:schemeClr>
+              </a:lnRef>
+              <a:fillRef idx="1">
+                <a:schemeClr val="accent1"/>
+              </a:fillRef>
+              <a:effectRef idx="0">
+                <a:schemeClr val="accent1"/>
+              </a:effectRef>
+              <a:fontRef idx="minor">
+                <a:schemeClr val="lt1"/>
+              </a:fontRef>
+            </p:style>
+            <p:txBody>
+              <a:bodyPr rtlCol="0" anchor="ctr"/>
+              <a:lstStyle/>
+              <a:p>
+                <a:pPr algn="ctr"/>
+                <a:endParaRPr lang="en-AU"/>
+              </a:p>
+            </p:txBody>
+          </p:sp>
+          <p:pic>
+            <p:nvPicPr>
+              <p:cNvPr id="91" name="Picture 90"/>
+              <p:cNvPicPr>
+                <a:picLocks noChangeAspect="1"/>
+              </p:cNvPicPr>
+              <p:nvPr>
+                <p:custDataLst>
+                  <p:tags r:id="rId5"/>
+                </p:custDataLst>
+              </p:nvPr>
+            </p:nvPicPr>
+            <p:blipFill>
+              <a:blip r:embed="rId25" cstate="print">
+                <a:extLst>
+                  <a:ext uri="{28A0092B-C50C-407E-A947-70E740481C1C}">
+                    <a14:useLocalDpi xmlns:a14="http://schemas.microsoft.com/office/drawing/2010/main" val="0"/>
+                  </a:ext>
+                </a:extLst>
+              </a:blip>
+              <a:stretch>
+                <a:fillRect/>
+              </a:stretch>
+            </p:blipFill>
+            <p:spPr>
+              <a:xfrm>
+                <a:off x="8837305" y="2043431"/>
+                <a:ext cx="96203" cy="77153"/>
+              </a:xfrm>
+              <a:prstGeom prst="rect">
+                <a:avLst/>
+              </a:prstGeom>
+            </p:spPr>
+          </p:pic>
+        </p:grpSp>
+      </p:grpSp>
+      <p:sp>
+        <p:nvSpPr>
+          <p:cNvPr id="114" name="TextBox 113"/>
+          <p:cNvSpPr txBox="1"/>
+          <p:nvPr/>
+        </p:nvSpPr>
+        <p:spPr>
+          <a:xfrm>
+            <a:off x="0" y="0"/>
+            <a:ext cx="295274" cy="276999"/>
+          </a:xfrm>
+          <a:prstGeom prst="rect">
+            <a:avLst/>
+          </a:prstGeom>
+          <a:noFill/>
+        </p:spPr>
+        <p:txBody>
+          <a:bodyPr wrap="none" rtlCol="0">
+            <a:spAutoFit/>
+          </a:bodyPr>
+          <a:lstStyle/>
+          <a:p>
+            <a:r>
+              <a:rPr lang="en-AU" sz="1200" b="1" dirty="0" smtClean="0">
+                <a:latin typeface="Arial" pitchFamily="34" charset="0"/>
+                <a:cs typeface="Arial" pitchFamily="34" charset="0"/>
+              </a:rPr>
+              <a:t>A</a:t>
+            </a:r>
+            <a:endParaRPr lang="en-AU" sz="1200" b="1" dirty="0">
+              <a:latin typeface="Arial" pitchFamily="34" charset="0"/>
+              <a:cs typeface="Arial" pitchFamily="34" charset="0"/>
+            </a:endParaRPr>
+          </a:p>
+        </p:txBody>
+      </p:sp>
+      <p:sp>
+        <p:nvSpPr>
+          <p:cNvPr id="129" name="TextBox 128"/>
+          <p:cNvSpPr txBox="1"/>
+          <p:nvPr/>
+        </p:nvSpPr>
+        <p:spPr>
+          <a:xfrm>
+            <a:off x="0" y="1440000"/>
+            <a:ext cx="295274" cy="276999"/>
+          </a:xfrm>
+          <a:prstGeom prst="rect">
+            <a:avLst/>
+          </a:prstGeom>
+          <a:noFill/>
+        </p:spPr>
+        <p:txBody>
+          <a:bodyPr wrap="none" rtlCol="0">
+            <a:spAutoFit/>
+          </a:bodyPr>
+          <a:lstStyle/>
+          <a:p>
+            <a:r>
+              <a:rPr lang="en-AU" sz="1200" b="1" dirty="0" smtClean="0">
+                <a:latin typeface="Arial" pitchFamily="34" charset="0"/>
+                <a:cs typeface="Arial" pitchFamily="34" charset="0"/>
+              </a:rPr>
+              <a:t>B</a:t>
+            </a:r>
+            <a:endParaRPr lang="en-AU" sz="1200" b="1" dirty="0">
+              <a:latin typeface="Arial" pitchFamily="34" charset="0"/>
+              <a:cs typeface="Arial" pitchFamily="34" charset="0"/>
+            </a:endParaRPr>
+          </a:p>
+        </p:txBody>
+      </p:sp>
+      <p:pic>
+        <p:nvPicPr>
+          <p:cNvPr id="2" name="Picture 3" descr="C:\Users\Richard\Dropbox\Work\PhD\Projects\Images\Images\jpg\Rat (2).jpg"/>
+          <p:cNvPicPr>
+            <a:picLocks noChangeAspect="1" noChangeArrowheads="1"/>
+          </p:cNvPicPr>
+          <p:nvPr/>
+        </p:nvPicPr>
+        <p:blipFill rotWithShape="1">
+          <a:blip r:embed="rId26" cstate="print">
+            <a:extLst>
+              <a:ext uri="{28A0092B-C50C-407E-A947-70E740481C1C}">
+                <a14:useLocalDpi xmlns:a14="http://schemas.microsoft.com/office/drawing/2010/main" val="0"/>
+              </a:ext>
+            </a:extLst>
+          </a:blip>
+          <a:srcRect l="2778" r="2778" b="6556"/>
+          <a:stretch/>
+        </p:blipFill>
+        <p:spPr bwMode="auto">
+          <a:xfrm>
+            <a:off x="14257" y="378000"/>
+            <a:ext cx="612000" cy="648000"/>
+          </a:xfrm>
+          <a:prstGeom prst="roundRect">
+            <a:avLst>
+              <a:gd name="adj" fmla="val 28620"/>
+            </a:avLst>
+          </a:prstGeom>
+          <a:noFill/>
+          <a:extLst>
+            <a:ext uri="{909E8E84-426E-40DD-AFC4-6F175D3DCCD1}">
+              <a14:hiddenFill xmlns:a14="http://schemas.microsoft.com/office/drawing/2010/main">
+                <a:solidFill>
+                  <a:srgbClr val="FFFFFF"/>
+                </a:solidFill>
+              </a14:hiddenFill>
+            </a:ext>
+          </a:extLst>
+        </p:spPr>
+      </p:pic>
+    </p:spTree>
+    <p:extLst>
+      <p:ext uri="{BB962C8B-B14F-4D97-AF65-F5344CB8AC3E}">
+        <p14:creationId xmlns:p14="http://schemas.microsoft.com/office/powerpoint/2010/main" val="1372795546"/>
+      </p:ext>
+    </p:extLst>
+  </p:cSld>
+  <p:clrMapOvr>
+    <a:masterClrMapping/>
+  </p:clrMapOvr>
+  <p:timing>
+    <p:tnLst>
+      <p:par>
+        <p:cTn id="1" dur="indefinite" restart="never" nodeType="tmRoot"/>
+      </p:par>
+    </p:tnLst>
+  </p:timing>
+</p:sld>
+</file>
+
+<file path=ppt/slides/slide17.xml><?xml version="1.0" encoding="utf-8"?>
+<p:sld xmlns:a="http://schemas.openxmlformats.org/drawingml/2006/main" xmlns:r="http://schemas.openxmlformats.org/officeDocument/2006/relationships" xmlns:p="http://schemas.openxmlformats.org/presentationml/2006/main">
+  <p:cSld>
+    <p:spTree>
+      <p:nvGrpSpPr>
+        <p:cNvPr id="1" name=""/>
+        <p:cNvGrpSpPr/>
+        <p:nvPr/>
+      </p:nvGrpSpPr>
+      <p:grpSpPr>
+        <a:xfrm>
+          <a:off x="0" y="0"/>
+          <a:ext cx="0" cy="0"/>
+          <a:chOff x="0" y="0"/>
+          <a:chExt cx="0" cy="0"/>
+        </a:xfrm>
+      </p:grpSpPr>
+      <p:pic>
+        <p:nvPicPr>
+          <p:cNvPr id="1029" name="Picture 5"/>
+          <p:cNvPicPr>
+            <a:picLocks noChangeAspect="1" noChangeArrowheads="1"/>
+          </p:cNvPicPr>
+          <p:nvPr/>
+        </p:nvPicPr>
+        <p:blipFill>
+          <a:blip r:embed="rId13" cstate="print"/>
+          <a:srcRect r="213" b="912"/>
+          <a:stretch>
+            <a:fillRect/>
+          </a:stretch>
+        </p:blipFill>
+        <p:spPr bwMode="auto">
+          <a:xfrm>
+            <a:off x="359832" y="90000"/>
+            <a:ext cx="2700000" cy="1250055"/>
+          </a:xfrm>
+          <a:prstGeom prst="rect">
+            <a:avLst/>
+          </a:prstGeom>
+          <a:noFill/>
+          <a:ln w="9525">
+            <a:noFill/>
+            <a:miter lim="800000"/>
+            <a:headEnd/>
+            <a:tailEnd/>
+          </a:ln>
+        </p:spPr>
+      </p:pic>
+      <p:pic>
+        <p:nvPicPr>
+          <p:cNvPr id="1028" name="Picture 4"/>
+          <p:cNvPicPr>
+            <a:picLocks noChangeAspect="1" noChangeArrowheads="1"/>
+          </p:cNvPicPr>
+          <p:nvPr/>
+        </p:nvPicPr>
+        <p:blipFill>
+          <a:blip r:embed="rId14" cstate="print"/>
+          <a:srcRect/>
+          <a:stretch>
+            <a:fillRect/>
+          </a:stretch>
+        </p:blipFill>
+        <p:spPr bwMode="auto">
+          <a:xfrm>
+            <a:off x="359832" y="1530000"/>
+            <a:ext cx="2700000" cy="1254822"/>
+          </a:xfrm>
+          <a:prstGeom prst="rect">
+            <a:avLst/>
+          </a:prstGeom>
+          <a:noFill/>
+          <a:ln w="9525">
+            <a:noFill/>
+            <a:miter lim="800000"/>
+            <a:headEnd/>
+            <a:tailEnd/>
+          </a:ln>
+        </p:spPr>
+      </p:pic>
+      <p:grpSp>
+        <p:nvGrpSpPr>
+          <p:cNvPr id="128" name="Group 127"/>
+          <p:cNvGrpSpPr>
+            <a:grpSpLocks noChangeAspect="1"/>
+          </p:cNvGrpSpPr>
+          <p:nvPr/>
+        </p:nvGrpSpPr>
+        <p:grpSpPr>
+          <a:xfrm>
+            <a:off x="18000" y="1800000"/>
+            <a:ext cx="648000" cy="715840"/>
+            <a:chOff x="4067944" y="1476226"/>
+            <a:chExt cx="454488" cy="437457"/>
+          </a:xfrm>
+        </p:grpSpPr>
+        <p:sp>
+          <p:nvSpPr>
+            <p:cNvPr id="11" name="Oval 10"/>
+            <p:cNvSpPr/>
+            <p:nvPr/>
+          </p:nvSpPr>
+          <p:spPr>
+            <a:xfrm>
+              <a:off x="4121027" y="1660533"/>
+              <a:ext cx="67979" cy="67979"/>
+            </a:xfrm>
+            <a:prstGeom prst="ellipse">
+              <a:avLst/>
+            </a:prstGeom>
+            <a:noFill/>
+            <a:ln w="12700">
+              <a:solidFill>
+                <a:schemeClr val="accent5"/>
+              </a:solidFill>
+            </a:ln>
+          </p:spPr>
+          <p:style>
+            <a:lnRef idx="2">
+              <a:schemeClr val="accent1">
+                <a:shade val="50000"/>
+              </a:schemeClr>
+            </a:lnRef>
+            <a:fillRef idx="1">
+              <a:schemeClr val="accent1"/>
+            </a:fillRef>
+            <a:effectRef idx="0">
+              <a:schemeClr val="accent1"/>
+            </a:effectRef>
+            <a:fontRef idx="minor">
+              <a:schemeClr val="lt1"/>
+            </a:fontRef>
+          </p:style>
+          <p:txBody>
+            <a:bodyPr rtlCol="0" anchor="ctr"/>
+            <a:lstStyle/>
+            <a:p>
+              <a:pPr algn="ctr"/>
+              <a:endParaRPr lang="en-AU"/>
+            </a:p>
+          </p:txBody>
+        </p:sp>
+        <p:sp>
+          <p:nvSpPr>
+            <p:cNvPr id="12" name="Isosceles Triangle 11"/>
+            <p:cNvSpPr/>
+            <p:nvPr/>
+          </p:nvSpPr>
+          <p:spPr>
+            <a:xfrm flipV="1">
+              <a:off x="4231736" y="1660533"/>
+              <a:ext cx="67979" cy="67979"/>
+            </a:xfrm>
+            <a:prstGeom prst="triangle">
+              <a:avLst/>
+            </a:prstGeom>
+            <a:noFill/>
+            <a:ln w="12700">
+              <a:solidFill>
+                <a:schemeClr val="tx1"/>
+              </a:solidFill>
+            </a:ln>
+          </p:spPr>
+          <p:style>
+            <a:lnRef idx="2">
+              <a:schemeClr val="accent1">
+                <a:shade val="50000"/>
+              </a:schemeClr>
+            </a:lnRef>
+            <a:fillRef idx="1">
+              <a:schemeClr val="accent1"/>
+            </a:fillRef>
+            <a:effectRef idx="0">
+              <a:schemeClr val="accent1"/>
+            </a:effectRef>
+            <a:fontRef idx="minor">
+              <a:schemeClr val="lt1"/>
+            </a:fontRef>
+          </p:style>
+          <p:txBody>
+            <a:bodyPr rtlCol="0" anchor="ctr"/>
+            <a:lstStyle/>
+            <a:p>
+              <a:pPr algn="ctr"/>
+              <a:endParaRPr lang="en-AU"/>
+            </a:p>
+          </p:txBody>
+        </p:sp>
+        <p:cxnSp>
+          <p:nvCxnSpPr>
+            <p:cNvPr id="13" name="Curved Connector 12"/>
+            <p:cNvCxnSpPr/>
+            <p:nvPr/>
+          </p:nvCxnSpPr>
+          <p:spPr>
+            <a:xfrm flipV="1">
+              <a:off x="4256014" y="1678013"/>
+              <a:ext cx="19423" cy="19423"/>
+            </a:xfrm>
+            <a:prstGeom prst="curvedConnector3">
+              <a:avLst/>
+            </a:prstGeom>
+            <a:ln w="12700">
+              <a:solidFill>
+                <a:schemeClr val="tx1"/>
+              </a:solidFill>
+            </a:ln>
+            <a:effectLst/>
+          </p:spPr>
+          <p:style>
+            <a:lnRef idx="2">
+              <a:schemeClr val="accent1"/>
+            </a:lnRef>
+            <a:fillRef idx="0">
+              <a:schemeClr val="accent1"/>
+            </a:fillRef>
+            <a:effectRef idx="1">
+              <a:schemeClr val="accent1"/>
+            </a:effectRef>
+            <a:fontRef idx="minor">
+              <a:schemeClr val="tx1"/>
+            </a:fontRef>
+          </p:style>
+        </p:cxnSp>
+        <p:cxnSp>
+          <p:nvCxnSpPr>
+            <p:cNvPr id="14" name="Curved Connector 13"/>
+            <p:cNvCxnSpPr/>
+            <p:nvPr/>
+          </p:nvCxnSpPr>
+          <p:spPr>
+            <a:xfrm flipV="1">
+              <a:off x="4366722" y="1684811"/>
+              <a:ext cx="19423" cy="19423"/>
+            </a:xfrm>
+            <a:prstGeom prst="curvedConnector3">
+              <a:avLst/>
+            </a:prstGeom>
+            <a:ln w="12700">
+              <a:solidFill>
+                <a:srgbClr val="7030A0"/>
+              </a:solidFill>
+            </a:ln>
+            <a:effectLst/>
+          </p:spPr>
+          <p:style>
+            <a:lnRef idx="2">
+              <a:schemeClr val="accent1"/>
+            </a:lnRef>
+            <a:fillRef idx="0">
+              <a:schemeClr val="accent1"/>
+            </a:fillRef>
+            <a:effectRef idx="1">
+              <a:schemeClr val="accent1"/>
+            </a:effectRef>
+            <a:fontRef idx="minor">
+              <a:schemeClr val="tx1"/>
+            </a:fontRef>
+          </p:style>
+        </p:cxnSp>
+        <p:cxnSp>
+          <p:nvCxnSpPr>
+            <p:cNvPr id="15" name="Curved Connector 14"/>
+            <p:cNvCxnSpPr/>
+            <p:nvPr/>
+          </p:nvCxnSpPr>
+          <p:spPr>
+            <a:xfrm flipV="1">
+              <a:off x="4477431" y="1684811"/>
+              <a:ext cx="19423" cy="19423"/>
+            </a:xfrm>
+            <a:prstGeom prst="curvedConnector3">
+              <a:avLst/>
+            </a:prstGeom>
+            <a:ln w="12700">
+              <a:solidFill>
+                <a:srgbClr val="FF0000"/>
+              </a:solidFill>
+            </a:ln>
+            <a:effectLst/>
+          </p:spPr>
+          <p:style>
+            <a:lnRef idx="2">
+              <a:schemeClr val="accent1"/>
+            </a:lnRef>
+            <a:fillRef idx="0">
+              <a:schemeClr val="accent1"/>
+            </a:fillRef>
+            <a:effectRef idx="1">
+              <a:schemeClr val="accent1"/>
+            </a:effectRef>
+            <a:fontRef idx="minor">
+              <a:schemeClr val="tx1"/>
+            </a:fontRef>
+          </p:style>
+        </p:cxnSp>
+        <p:cxnSp>
+          <p:nvCxnSpPr>
+            <p:cNvPr id="16" name="Curved Connector 15"/>
+            <p:cNvCxnSpPr/>
+            <p:nvPr/>
+          </p:nvCxnSpPr>
+          <p:spPr>
+            <a:xfrm flipV="1">
+              <a:off x="4145305" y="1684811"/>
+              <a:ext cx="19423" cy="19423"/>
+            </a:xfrm>
+            <a:prstGeom prst="curvedConnector3">
+              <a:avLst/>
+            </a:prstGeom>
+            <a:ln w="12700">
+              <a:solidFill>
+                <a:schemeClr val="accent5"/>
+              </a:solidFill>
+            </a:ln>
+            <a:effectLst/>
+          </p:spPr>
+          <p:style>
+            <a:lnRef idx="2">
+              <a:schemeClr val="accent1"/>
+            </a:lnRef>
+            <a:fillRef idx="0">
+              <a:schemeClr val="accent1"/>
+            </a:fillRef>
+            <a:effectRef idx="1">
+              <a:schemeClr val="accent1"/>
+            </a:effectRef>
+            <a:fontRef idx="minor">
+              <a:schemeClr val="tx1"/>
+            </a:fontRef>
+          </p:style>
+        </p:cxnSp>
+        <p:cxnSp>
+          <p:nvCxnSpPr>
+            <p:cNvPr id="17" name="Curved Connector 16"/>
+            <p:cNvCxnSpPr/>
+            <p:nvPr/>
+          </p:nvCxnSpPr>
+          <p:spPr>
+            <a:xfrm rot="16200000" flipH="1">
+              <a:off x="4217169" y="1570218"/>
+              <a:ext cx="48556" cy="48556"/>
+            </a:xfrm>
+            <a:prstGeom prst="curvedConnector3">
+              <a:avLst/>
+            </a:prstGeom>
+            <a:ln w="12700">
+              <a:solidFill>
+                <a:schemeClr val="tx1"/>
+              </a:solidFill>
+            </a:ln>
+          </p:spPr>
+          <p:style>
+            <a:lnRef idx="1">
+              <a:schemeClr val="accent1"/>
+            </a:lnRef>
+            <a:fillRef idx="0">
+              <a:schemeClr val="accent1"/>
+            </a:fillRef>
+            <a:effectRef idx="0">
+              <a:schemeClr val="accent1"/>
+            </a:effectRef>
+            <a:fontRef idx="minor">
+              <a:schemeClr val="tx1"/>
+            </a:fontRef>
+          </p:style>
+        </p:cxnSp>
+        <p:cxnSp>
+          <p:nvCxnSpPr>
+            <p:cNvPr id="18" name="Curved Connector 17"/>
+            <p:cNvCxnSpPr/>
+            <p:nvPr/>
+          </p:nvCxnSpPr>
+          <p:spPr>
+            <a:xfrm rot="5400000">
+              <a:off x="4265882" y="1570696"/>
+              <a:ext cx="48556" cy="47585"/>
+            </a:xfrm>
+            <a:prstGeom prst="curvedConnector3">
+              <a:avLst/>
+            </a:prstGeom>
+            <a:ln w="12700">
+              <a:solidFill>
+                <a:schemeClr val="tx1"/>
+              </a:solidFill>
+            </a:ln>
+          </p:spPr>
+          <p:style>
+            <a:lnRef idx="1">
+              <a:schemeClr val="accent1"/>
+            </a:lnRef>
+            <a:fillRef idx="0">
+              <a:schemeClr val="accent1"/>
+            </a:fillRef>
+            <a:effectRef idx="0">
+              <a:schemeClr val="accent1"/>
+            </a:effectRef>
+            <a:fontRef idx="minor">
+              <a:schemeClr val="tx1"/>
+            </a:fontRef>
+          </p:style>
+        </p:cxnSp>
+        <p:cxnSp>
+          <p:nvCxnSpPr>
+            <p:cNvPr id="19" name="Straight Connector 18"/>
+            <p:cNvCxnSpPr/>
+            <p:nvPr/>
+          </p:nvCxnSpPr>
+          <p:spPr>
+            <a:xfrm>
+              <a:off x="4265725" y="1618776"/>
+              <a:ext cx="0" cy="39816"/>
+            </a:xfrm>
+            <a:prstGeom prst="line">
+              <a:avLst/>
+            </a:prstGeom>
+            <a:ln w="12700">
+              <a:solidFill>
+                <a:schemeClr val="tx1"/>
+              </a:solidFill>
+            </a:ln>
+          </p:spPr>
+          <p:style>
+            <a:lnRef idx="1">
+              <a:schemeClr val="accent1"/>
+            </a:lnRef>
+            <a:fillRef idx="0">
+              <a:schemeClr val="accent1"/>
+            </a:fillRef>
+            <a:effectRef idx="0">
+              <a:schemeClr val="accent1"/>
+            </a:effectRef>
+            <a:fontRef idx="minor">
+              <a:schemeClr val="tx1"/>
+            </a:fontRef>
+          </p:style>
+        </p:cxnSp>
+        <p:sp>
+          <p:nvSpPr>
+            <p:cNvPr id="20" name="Arc 19"/>
+            <p:cNvSpPr/>
+            <p:nvPr/>
+          </p:nvSpPr>
+          <p:spPr>
+            <a:xfrm rot="10800000">
+              <a:off x="4267010" y="1855415"/>
+              <a:ext cx="58268" cy="58268"/>
+            </a:xfrm>
+            <a:prstGeom prst="arc">
+              <a:avLst/>
+            </a:prstGeom>
+            <a:ln w="12700">
+              <a:solidFill>
+                <a:srgbClr val="FF0000"/>
+              </a:solidFill>
+            </a:ln>
+          </p:spPr>
+          <p:style>
+            <a:lnRef idx="1">
+              <a:schemeClr val="accent1"/>
+            </a:lnRef>
+            <a:fillRef idx="0">
+              <a:schemeClr val="accent1"/>
+            </a:fillRef>
+            <a:effectRef idx="0">
+              <a:schemeClr val="accent1"/>
+            </a:effectRef>
+            <a:fontRef idx="minor">
+              <a:schemeClr val="tx1"/>
+            </a:fontRef>
+          </p:style>
+          <p:txBody>
+            <a:bodyPr rtlCol="0" anchor="ctr"/>
+            <a:lstStyle/>
+            <a:p>
+              <a:pPr algn="ctr"/>
+              <a:endParaRPr lang="en-AU"/>
+            </a:p>
+          </p:txBody>
+        </p:sp>
+        <p:sp>
+          <p:nvSpPr>
+            <p:cNvPr id="21" name="Arc 20"/>
+            <p:cNvSpPr/>
+            <p:nvPr/>
+          </p:nvSpPr>
+          <p:spPr>
+            <a:xfrm rot="10800000">
+              <a:off x="4155017" y="1856288"/>
+              <a:ext cx="58268" cy="57296"/>
+            </a:xfrm>
+            <a:prstGeom prst="arc">
+              <a:avLst/>
+            </a:prstGeom>
+            <a:ln w="12700">
+              <a:solidFill>
+                <a:schemeClr val="accent5"/>
+              </a:solidFill>
+            </a:ln>
+          </p:spPr>
+          <p:style>
+            <a:lnRef idx="1">
+              <a:schemeClr val="accent1"/>
+            </a:lnRef>
+            <a:fillRef idx="0">
+              <a:schemeClr val="accent1"/>
+            </a:fillRef>
+            <a:effectRef idx="0">
+              <a:schemeClr val="accent1"/>
+            </a:effectRef>
+            <a:fontRef idx="minor">
+              <a:schemeClr val="tx1"/>
+            </a:fontRef>
+          </p:style>
+          <p:txBody>
+            <a:bodyPr rtlCol="0" anchor="ctr"/>
+            <a:lstStyle/>
+            <a:p>
+              <a:pPr algn="ctr"/>
+              <a:endParaRPr lang="en-AU"/>
+            </a:p>
+          </p:txBody>
+        </p:sp>
+        <p:sp>
+          <p:nvSpPr>
+            <p:cNvPr id="22" name="Arc 21"/>
+            <p:cNvSpPr/>
+            <p:nvPr/>
+          </p:nvSpPr>
+          <p:spPr>
+            <a:xfrm rot="10800000" flipH="1">
+              <a:off x="4294216" y="1854772"/>
+              <a:ext cx="57296" cy="58268"/>
+            </a:xfrm>
+            <a:prstGeom prst="arc">
+              <a:avLst/>
+            </a:prstGeom>
+            <a:ln w="12700">
+              <a:solidFill>
+                <a:srgbClr val="7030A0"/>
+              </a:solidFill>
+            </a:ln>
+          </p:spPr>
+          <p:style>
+            <a:lnRef idx="1">
+              <a:schemeClr val="accent1"/>
+            </a:lnRef>
+            <a:fillRef idx="0">
+              <a:schemeClr val="accent1"/>
+            </a:fillRef>
+            <a:effectRef idx="0">
+              <a:schemeClr val="accent1"/>
+            </a:effectRef>
+            <a:fontRef idx="minor">
+              <a:schemeClr val="tx1"/>
+            </a:fontRef>
+          </p:style>
+          <p:txBody>
+            <a:bodyPr rtlCol="0" anchor="ctr"/>
+            <a:lstStyle/>
+            <a:p>
+              <a:pPr algn="ctr"/>
+              <a:endParaRPr lang="en-AU"/>
+            </a:p>
+          </p:txBody>
+        </p:sp>
+        <p:sp>
+          <p:nvSpPr>
+            <p:cNvPr id="23" name="Arc 22"/>
+            <p:cNvSpPr/>
+            <p:nvPr/>
+          </p:nvSpPr>
+          <p:spPr>
+            <a:xfrm rot="10800000" flipH="1">
+              <a:off x="4428874" y="1856288"/>
+              <a:ext cx="58268" cy="57296"/>
+            </a:xfrm>
+            <a:prstGeom prst="arc">
+              <a:avLst/>
+            </a:prstGeom>
+            <a:ln w="12700">
+              <a:solidFill>
+                <a:srgbClr val="FF0000"/>
+              </a:solidFill>
+            </a:ln>
+          </p:spPr>
+          <p:style>
+            <a:lnRef idx="1">
+              <a:schemeClr val="accent1"/>
+            </a:lnRef>
+            <a:fillRef idx="0">
+              <a:schemeClr val="accent1"/>
+            </a:fillRef>
+            <a:effectRef idx="0">
+              <a:schemeClr val="accent1"/>
+            </a:effectRef>
+            <a:fontRef idx="minor">
+              <a:schemeClr val="tx1"/>
+            </a:fontRef>
+          </p:style>
+          <p:txBody>
+            <a:bodyPr rtlCol="0" anchor="ctr"/>
+            <a:lstStyle/>
+            <a:p>
+              <a:pPr algn="ctr"/>
+              <a:endParaRPr lang="en-AU"/>
+            </a:p>
+          </p:txBody>
+        </p:sp>
+        <p:cxnSp>
+          <p:nvCxnSpPr>
+            <p:cNvPr id="24" name="Straight Connector 23"/>
+            <p:cNvCxnSpPr/>
+            <p:nvPr/>
+          </p:nvCxnSpPr>
+          <p:spPr>
+            <a:xfrm flipV="1">
+              <a:off x="4155016" y="1729070"/>
+              <a:ext cx="0" cy="156351"/>
+            </a:xfrm>
+            <a:prstGeom prst="line">
+              <a:avLst/>
+            </a:prstGeom>
+            <a:ln w="12700">
+              <a:solidFill>
+                <a:schemeClr val="accent5"/>
+              </a:solidFill>
+            </a:ln>
+          </p:spPr>
+          <p:style>
+            <a:lnRef idx="1">
+              <a:schemeClr val="accent1"/>
+            </a:lnRef>
+            <a:fillRef idx="0">
+              <a:schemeClr val="accent1"/>
+            </a:fillRef>
+            <a:effectRef idx="0">
+              <a:schemeClr val="accent1"/>
+            </a:effectRef>
+            <a:fontRef idx="minor">
+              <a:schemeClr val="tx1"/>
+            </a:fontRef>
+          </p:style>
+        </p:cxnSp>
+        <p:cxnSp>
+          <p:nvCxnSpPr>
+            <p:cNvPr id="25" name="Straight Connector 24"/>
+            <p:cNvCxnSpPr/>
+            <p:nvPr/>
+          </p:nvCxnSpPr>
+          <p:spPr>
+            <a:xfrm flipV="1">
+              <a:off x="4487142" y="1729070"/>
+              <a:ext cx="0" cy="158293"/>
+            </a:xfrm>
+            <a:prstGeom prst="line">
+              <a:avLst/>
+            </a:prstGeom>
+            <a:ln w="12700">
+              <a:solidFill>
+                <a:srgbClr val="FF0000"/>
+              </a:solidFill>
+            </a:ln>
+          </p:spPr>
+          <p:style>
+            <a:lnRef idx="1">
+              <a:schemeClr val="accent1"/>
+            </a:lnRef>
+            <a:fillRef idx="0">
+              <a:schemeClr val="accent1"/>
+            </a:fillRef>
+            <a:effectRef idx="0">
+              <a:schemeClr val="accent1"/>
+            </a:effectRef>
+            <a:fontRef idx="minor">
+              <a:schemeClr val="tx1"/>
+            </a:fontRef>
+          </p:style>
+        </p:cxnSp>
+        <p:cxnSp>
+          <p:nvCxnSpPr>
+            <p:cNvPr id="26" name="Straight Connector 25"/>
+            <p:cNvCxnSpPr/>
+            <p:nvPr/>
+          </p:nvCxnSpPr>
+          <p:spPr>
+            <a:xfrm>
+              <a:off x="4375894" y="1729070"/>
+              <a:ext cx="652" cy="40787"/>
+            </a:xfrm>
+            <a:prstGeom prst="line">
+              <a:avLst/>
+            </a:prstGeom>
+            <a:ln w="12700">
+              <a:solidFill>
+                <a:srgbClr val="7030A0"/>
+              </a:solidFill>
+            </a:ln>
+          </p:spPr>
+          <p:style>
+            <a:lnRef idx="1">
+              <a:schemeClr val="accent1"/>
+            </a:lnRef>
+            <a:fillRef idx="0">
+              <a:schemeClr val="accent1"/>
+            </a:fillRef>
+            <a:effectRef idx="0">
+              <a:schemeClr val="accent1"/>
+            </a:effectRef>
+            <a:fontRef idx="minor">
+              <a:schemeClr val="tx1"/>
+            </a:fontRef>
+          </p:style>
+        </p:cxnSp>
+        <p:sp>
+          <p:nvSpPr>
+            <p:cNvPr id="27" name="Arc 26"/>
+            <p:cNvSpPr/>
+            <p:nvPr/>
+          </p:nvSpPr>
+          <p:spPr>
+            <a:xfrm rot="10800000" flipH="1">
+              <a:off x="4208450" y="1856288"/>
+              <a:ext cx="58268" cy="57296"/>
+            </a:xfrm>
+            <a:prstGeom prst="arc">
+              <a:avLst/>
+            </a:prstGeom>
+            <a:ln w="12700">
+              <a:solidFill>
+                <a:schemeClr val="accent5"/>
+              </a:solidFill>
+            </a:ln>
+          </p:spPr>
+          <p:style>
+            <a:lnRef idx="1">
+              <a:schemeClr val="accent1"/>
+            </a:lnRef>
+            <a:fillRef idx="0">
+              <a:schemeClr val="accent1"/>
+            </a:fillRef>
+            <a:effectRef idx="0">
+              <a:schemeClr val="accent1"/>
+            </a:effectRef>
+            <a:fontRef idx="minor">
+              <a:schemeClr val="tx1"/>
+            </a:fontRef>
+          </p:style>
+          <p:txBody>
+            <a:bodyPr rtlCol="0" anchor="ctr"/>
+            <a:lstStyle/>
+            <a:p>
+              <a:pPr algn="ctr"/>
+              <a:endParaRPr lang="en-AU"/>
+            </a:p>
+          </p:txBody>
+        </p:sp>
+        <p:cxnSp>
+          <p:nvCxnSpPr>
+            <p:cNvPr id="28" name="Straight Connector 27"/>
+            <p:cNvCxnSpPr/>
+            <p:nvPr/>
+          </p:nvCxnSpPr>
+          <p:spPr>
+            <a:xfrm flipV="1">
+              <a:off x="4376433" y="1519720"/>
+              <a:ext cx="0" cy="139842"/>
+            </a:xfrm>
+            <a:prstGeom prst="line">
+              <a:avLst/>
+            </a:prstGeom>
+            <a:ln w="12700">
+              <a:solidFill>
+                <a:srgbClr val="7030A0"/>
+              </a:solidFill>
+            </a:ln>
+          </p:spPr>
+          <p:style>
+            <a:lnRef idx="1">
+              <a:schemeClr val="accent1"/>
+            </a:lnRef>
+            <a:fillRef idx="0">
+              <a:schemeClr val="accent1"/>
+            </a:fillRef>
+            <a:effectRef idx="0">
+              <a:schemeClr val="accent1"/>
+            </a:effectRef>
+            <a:fontRef idx="minor">
+              <a:schemeClr val="tx1"/>
+            </a:fontRef>
+          </p:style>
+        </p:cxnSp>
+        <p:sp>
+          <p:nvSpPr>
+            <p:cNvPr id="29" name="Arc 28"/>
+            <p:cNvSpPr/>
+            <p:nvPr/>
+          </p:nvSpPr>
+          <p:spPr>
+            <a:xfrm rot="5400000" flipH="1">
+              <a:off x="4347942" y="1505638"/>
+              <a:ext cx="29134" cy="28163"/>
+            </a:xfrm>
+            <a:prstGeom prst="arc">
+              <a:avLst/>
+            </a:prstGeom>
+            <a:ln w="12700">
+              <a:solidFill>
+                <a:srgbClr val="7030A0"/>
+              </a:solidFill>
+            </a:ln>
+          </p:spPr>
+          <p:style>
+            <a:lnRef idx="1">
+              <a:schemeClr val="accent1"/>
+            </a:lnRef>
+            <a:fillRef idx="0">
+              <a:schemeClr val="accent1"/>
+            </a:fillRef>
+            <a:effectRef idx="0">
+              <a:schemeClr val="accent1"/>
+            </a:effectRef>
+            <a:fontRef idx="minor">
+              <a:schemeClr val="tx1"/>
+            </a:fontRef>
+          </p:style>
+          <p:txBody>
+            <a:bodyPr rtlCol="0" anchor="ctr"/>
+            <a:lstStyle/>
+            <a:p>
+              <a:pPr algn="ctr"/>
+              <a:endParaRPr lang="en-AU"/>
+            </a:p>
+          </p:txBody>
+        </p:sp>
+        <p:cxnSp>
+          <p:nvCxnSpPr>
+            <p:cNvPr id="30" name="Curved Connector 29"/>
+            <p:cNvCxnSpPr/>
+            <p:nvPr/>
+          </p:nvCxnSpPr>
+          <p:spPr>
+            <a:xfrm rot="5400000" flipH="1" flipV="1">
+              <a:off x="4339687" y="1780474"/>
+              <a:ext cx="48556" cy="25249"/>
+            </a:xfrm>
+            <a:prstGeom prst="curvedConnector3">
+              <a:avLst/>
+            </a:prstGeom>
+            <a:ln w="12700">
+              <a:solidFill>
+                <a:srgbClr val="7030A0"/>
+              </a:solidFill>
+            </a:ln>
+          </p:spPr>
+          <p:style>
+            <a:lnRef idx="1">
+              <a:schemeClr val="accent1"/>
+            </a:lnRef>
+            <a:fillRef idx="0">
+              <a:schemeClr val="accent1"/>
+            </a:fillRef>
+            <a:effectRef idx="0">
+              <a:schemeClr val="accent1"/>
+            </a:effectRef>
+            <a:fontRef idx="minor">
+              <a:schemeClr val="tx1"/>
+            </a:fontRef>
+          </p:style>
+        </p:cxnSp>
+        <p:cxnSp>
+          <p:nvCxnSpPr>
+            <p:cNvPr id="31" name="Curved Connector 30"/>
+            <p:cNvCxnSpPr/>
+            <p:nvPr/>
+          </p:nvCxnSpPr>
+          <p:spPr>
+            <a:xfrm rot="16200000" flipV="1">
+              <a:off x="4364294" y="1781453"/>
+              <a:ext cx="48556" cy="23307"/>
+            </a:xfrm>
+            <a:prstGeom prst="curvedConnector3">
+              <a:avLst/>
+            </a:prstGeom>
+            <a:ln w="12700">
+              <a:solidFill>
+                <a:srgbClr val="7030A0"/>
+              </a:solidFill>
+            </a:ln>
+          </p:spPr>
+          <p:style>
+            <a:lnRef idx="1">
+              <a:schemeClr val="accent1"/>
+            </a:lnRef>
+            <a:fillRef idx="0">
+              <a:schemeClr val="accent1"/>
+            </a:fillRef>
+            <a:effectRef idx="0">
+              <a:schemeClr val="accent1"/>
+            </a:effectRef>
+            <a:fontRef idx="minor">
+              <a:schemeClr val="tx1"/>
+            </a:fontRef>
+          </p:style>
+        </p:cxnSp>
+        <p:cxnSp>
+          <p:nvCxnSpPr>
+            <p:cNvPr id="32" name="Straight Connector 31"/>
+            <p:cNvCxnSpPr/>
+            <p:nvPr/>
+          </p:nvCxnSpPr>
+          <p:spPr>
+            <a:xfrm flipV="1">
+              <a:off x="4351718" y="1815500"/>
+              <a:ext cx="0" cy="68950"/>
+            </a:xfrm>
+            <a:prstGeom prst="line">
+              <a:avLst/>
+            </a:prstGeom>
+            <a:ln w="12700">
+              <a:solidFill>
+                <a:srgbClr val="7030A0"/>
+              </a:solidFill>
+            </a:ln>
+          </p:spPr>
+          <p:style>
+            <a:lnRef idx="1">
+              <a:schemeClr val="accent1"/>
+            </a:lnRef>
+            <a:fillRef idx="0">
+              <a:schemeClr val="accent1"/>
+            </a:fillRef>
+            <a:effectRef idx="0">
+              <a:schemeClr val="accent1"/>
+            </a:effectRef>
+            <a:fontRef idx="minor">
+              <a:schemeClr val="tx1"/>
+            </a:fontRef>
+          </p:style>
+        </p:cxnSp>
+        <p:sp>
+          <p:nvSpPr>
+            <p:cNvPr id="33" name="Arc 32"/>
+            <p:cNvSpPr/>
+            <p:nvPr/>
+          </p:nvSpPr>
+          <p:spPr>
+            <a:xfrm rot="5400000" flipH="1">
+              <a:off x="4428667" y="1476226"/>
+              <a:ext cx="58268" cy="58268"/>
+            </a:xfrm>
+            <a:prstGeom prst="arc">
+              <a:avLst/>
+            </a:prstGeom>
+            <a:ln w="12700">
+              <a:solidFill>
+                <a:schemeClr val="tx1"/>
+              </a:solidFill>
+            </a:ln>
+          </p:spPr>
+          <p:style>
+            <a:lnRef idx="1">
+              <a:schemeClr val="accent1"/>
+            </a:lnRef>
+            <a:fillRef idx="0">
+              <a:schemeClr val="accent1"/>
+            </a:fillRef>
+            <a:effectRef idx="0">
+              <a:schemeClr val="accent1"/>
+            </a:effectRef>
+            <a:fontRef idx="minor">
+              <a:schemeClr val="tx1"/>
+            </a:fontRef>
+          </p:style>
+          <p:txBody>
+            <a:bodyPr rtlCol="0" anchor="ctr"/>
+            <a:lstStyle/>
+            <a:p>
+              <a:pPr algn="ctr"/>
+              <a:endParaRPr lang="en-AU"/>
+            </a:p>
+          </p:txBody>
+        </p:sp>
+        <p:sp>
+          <p:nvSpPr>
+            <p:cNvPr id="34" name="Arc 33"/>
+            <p:cNvSpPr/>
+            <p:nvPr/>
+          </p:nvSpPr>
+          <p:spPr>
+            <a:xfrm rot="5400000" flipH="1">
+              <a:off x="4457905" y="1563523"/>
+              <a:ext cx="29134" cy="28928"/>
+            </a:xfrm>
+            <a:prstGeom prst="arc">
+              <a:avLst/>
+            </a:prstGeom>
+            <a:ln w="12700">
+              <a:solidFill>
+                <a:srgbClr val="7030A0"/>
+              </a:solidFill>
+            </a:ln>
+          </p:spPr>
+          <p:style>
+            <a:lnRef idx="1">
+              <a:schemeClr val="accent1"/>
+            </a:lnRef>
+            <a:fillRef idx="0">
+              <a:schemeClr val="accent1"/>
+            </a:fillRef>
+            <a:effectRef idx="0">
+              <a:schemeClr val="accent1"/>
+            </a:effectRef>
+            <a:fontRef idx="minor">
+              <a:schemeClr val="tx1"/>
+            </a:fontRef>
+          </p:style>
+          <p:txBody>
+            <a:bodyPr rtlCol="0" anchor="ctr"/>
+            <a:lstStyle/>
+            <a:p>
+              <a:pPr algn="ctr"/>
+              <a:endParaRPr lang="en-AU"/>
+            </a:p>
+          </p:txBody>
+        </p:sp>
+        <p:sp>
+          <p:nvSpPr>
+            <p:cNvPr id="35" name="Arc 34"/>
+            <p:cNvSpPr/>
+            <p:nvPr/>
+          </p:nvSpPr>
+          <p:spPr>
+            <a:xfrm flipH="1">
+              <a:off x="4431657" y="1564268"/>
+              <a:ext cx="29134" cy="28928"/>
+            </a:xfrm>
+            <a:prstGeom prst="arc">
+              <a:avLst/>
+            </a:prstGeom>
+            <a:ln w="12700">
+              <a:solidFill>
+                <a:srgbClr val="7030A0"/>
+              </a:solidFill>
+            </a:ln>
+          </p:spPr>
+          <p:style>
+            <a:lnRef idx="1">
+              <a:schemeClr val="accent1"/>
+            </a:lnRef>
+            <a:fillRef idx="0">
+              <a:schemeClr val="accent1"/>
+            </a:fillRef>
+            <a:effectRef idx="0">
+              <a:schemeClr val="accent1"/>
+            </a:effectRef>
+            <a:fontRef idx="minor">
+              <a:schemeClr val="tx1"/>
+            </a:fontRef>
+          </p:style>
+          <p:txBody>
+            <a:bodyPr rtlCol="0" anchor="ctr"/>
+            <a:lstStyle/>
+            <a:p>
+              <a:pPr algn="ctr"/>
+              <a:endParaRPr lang="en-AU"/>
+            </a:p>
+          </p:txBody>
+        </p:sp>
+        <p:sp>
+          <p:nvSpPr>
+            <p:cNvPr id="36" name="Arc 35"/>
+            <p:cNvSpPr/>
+            <p:nvPr/>
+          </p:nvSpPr>
+          <p:spPr>
+            <a:xfrm rot="10800000" flipH="1">
+              <a:off x="4403625" y="1855523"/>
+              <a:ext cx="28163" cy="28163"/>
+            </a:xfrm>
+            <a:prstGeom prst="arc">
+              <a:avLst/>
+            </a:prstGeom>
+            <a:ln w="12700">
+              <a:solidFill>
+                <a:srgbClr val="7030A0"/>
+              </a:solidFill>
+            </a:ln>
+          </p:spPr>
+          <p:style>
+            <a:lnRef idx="1">
+              <a:schemeClr val="accent1"/>
+            </a:lnRef>
+            <a:fillRef idx="0">
+              <a:schemeClr val="accent1"/>
+            </a:fillRef>
+            <a:effectRef idx="0">
+              <a:schemeClr val="accent1"/>
+            </a:effectRef>
+            <a:fontRef idx="minor">
+              <a:schemeClr val="tx1"/>
+            </a:fontRef>
+          </p:style>
+          <p:txBody>
+            <a:bodyPr rtlCol="0" anchor="ctr"/>
+            <a:lstStyle/>
+            <a:p>
+              <a:pPr algn="ctr"/>
+              <a:endParaRPr lang="en-AU"/>
+            </a:p>
+          </p:txBody>
+        </p:sp>
+        <p:sp>
+          <p:nvSpPr>
+            <p:cNvPr id="37" name="Arc 36"/>
+            <p:cNvSpPr/>
+            <p:nvPr/>
+          </p:nvSpPr>
+          <p:spPr>
+            <a:xfrm rot="16200000" flipH="1">
+              <a:off x="4400275" y="1855087"/>
+              <a:ext cx="28163" cy="28163"/>
+            </a:xfrm>
+            <a:prstGeom prst="arc">
+              <a:avLst/>
+            </a:prstGeom>
+            <a:ln w="12700">
+              <a:solidFill>
+                <a:srgbClr val="7030A0"/>
+              </a:solidFill>
+            </a:ln>
+          </p:spPr>
+          <p:style>
+            <a:lnRef idx="1">
+              <a:schemeClr val="accent1"/>
+            </a:lnRef>
+            <a:fillRef idx="0">
+              <a:schemeClr val="accent1"/>
+            </a:fillRef>
+            <a:effectRef idx="0">
+              <a:schemeClr val="accent1"/>
+            </a:effectRef>
+            <a:fontRef idx="minor">
+              <a:schemeClr val="tx1"/>
+            </a:fontRef>
+          </p:style>
+          <p:txBody>
+            <a:bodyPr rtlCol="0" anchor="ctr"/>
+            <a:lstStyle/>
+            <a:p>
+              <a:pPr algn="ctr"/>
+              <a:endParaRPr lang="en-AU"/>
+            </a:p>
+          </p:txBody>
+        </p:sp>
+        <p:sp>
+          <p:nvSpPr>
+            <p:cNvPr id="38" name="Arc 37"/>
+            <p:cNvSpPr/>
+            <p:nvPr/>
+          </p:nvSpPr>
+          <p:spPr>
+            <a:xfrm flipH="1">
+              <a:off x="4314281" y="1505069"/>
+              <a:ext cx="28163" cy="29134"/>
+            </a:xfrm>
+            <a:prstGeom prst="arc">
+              <a:avLst/>
+            </a:prstGeom>
+            <a:ln w="12700">
+              <a:solidFill>
+                <a:srgbClr val="7030A0"/>
+              </a:solidFill>
+            </a:ln>
+          </p:spPr>
+          <p:style>
+            <a:lnRef idx="1">
+              <a:schemeClr val="accent1"/>
+            </a:lnRef>
+            <a:fillRef idx="0">
+              <a:schemeClr val="accent1"/>
+            </a:fillRef>
+            <a:effectRef idx="0">
+              <a:schemeClr val="accent1"/>
+            </a:effectRef>
+            <a:fontRef idx="minor">
+              <a:schemeClr val="tx1"/>
+            </a:fontRef>
+          </p:style>
+          <p:txBody>
+            <a:bodyPr rtlCol="0" anchor="ctr"/>
+            <a:lstStyle/>
+            <a:p>
+              <a:pPr algn="ctr"/>
+              <a:endParaRPr lang="en-AU"/>
+            </a:p>
+          </p:txBody>
+        </p:sp>
+        <p:sp>
+          <p:nvSpPr>
+            <p:cNvPr id="39" name="Arc 38"/>
+            <p:cNvSpPr/>
+            <p:nvPr/>
+          </p:nvSpPr>
+          <p:spPr>
+            <a:xfrm flipH="1">
+              <a:off x="4155017" y="1477740"/>
+              <a:ext cx="29134" cy="28928"/>
+            </a:xfrm>
+            <a:prstGeom prst="arc">
+              <a:avLst/>
+            </a:prstGeom>
+            <a:ln w="12700">
+              <a:solidFill>
+                <a:schemeClr val="accent5"/>
+              </a:solidFill>
+            </a:ln>
+          </p:spPr>
+          <p:style>
+            <a:lnRef idx="1">
+              <a:schemeClr val="accent1"/>
+            </a:lnRef>
+            <a:fillRef idx="0">
+              <a:schemeClr val="accent1"/>
+            </a:fillRef>
+            <a:effectRef idx="0">
+              <a:schemeClr val="accent1"/>
+            </a:effectRef>
+            <a:fontRef idx="minor">
+              <a:schemeClr val="tx1"/>
+            </a:fontRef>
+          </p:style>
+          <p:txBody>
+            <a:bodyPr rtlCol="0" anchor="ctr"/>
+            <a:lstStyle/>
+            <a:p>
+              <a:pPr algn="ctr"/>
+              <a:endParaRPr lang="en-AU"/>
+            </a:p>
+          </p:txBody>
+        </p:sp>
+        <p:sp>
+          <p:nvSpPr>
+            <p:cNvPr id="40" name="Arc 39"/>
+            <p:cNvSpPr/>
+            <p:nvPr/>
+          </p:nvSpPr>
+          <p:spPr>
+            <a:xfrm rot="5400000" flipH="1">
+              <a:off x="4187932" y="1505898"/>
+              <a:ext cx="29134" cy="28928"/>
+            </a:xfrm>
+            <a:prstGeom prst="arc">
+              <a:avLst/>
+            </a:prstGeom>
+            <a:ln w="12700">
+              <a:solidFill>
+                <a:srgbClr val="00B0F0"/>
+              </a:solidFill>
+            </a:ln>
+          </p:spPr>
+          <p:style>
+            <a:lnRef idx="1">
+              <a:schemeClr val="accent1"/>
+            </a:lnRef>
+            <a:fillRef idx="0">
+              <a:schemeClr val="accent1"/>
+            </a:fillRef>
+            <a:effectRef idx="0">
+              <a:schemeClr val="accent1"/>
+            </a:effectRef>
+            <a:fontRef idx="minor">
+              <a:schemeClr val="tx1"/>
+            </a:fontRef>
+          </p:style>
+          <p:txBody>
+            <a:bodyPr rtlCol="0" anchor="ctr"/>
+            <a:lstStyle/>
+            <a:p>
+              <a:pPr algn="ctr"/>
+              <a:endParaRPr lang="en-AU"/>
+            </a:p>
+          </p:txBody>
+        </p:sp>
+        <p:sp>
+          <p:nvSpPr>
+            <p:cNvPr id="41" name="Arc 40"/>
+            <p:cNvSpPr/>
+            <p:nvPr/>
+          </p:nvSpPr>
+          <p:spPr>
+            <a:xfrm rot="5400000" flipH="1">
+              <a:off x="4158694" y="1477639"/>
+              <a:ext cx="58268" cy="58268"/>
+            </a:xfrm>
+            <a:prstGeom prst="arc">
+              <a:avLst/>
+            </a:prstGeom>
+            <a:ln w="12700">
+              <a:solidFill>
+                <a:srgbClr val="C00000"/>
+              </a:solidFill>
+            </a:ln>
+          </p:spPr>
+          <p:style>
+            <a:lnRef idx="1">
+              <a:schemeClr val="accent1"/>
+            </a:lnRef>
+            <a:fillRef idx="0">
+              <a:schemeClr val="accent1"/>
+            </a:fillRef>
+            <a:effectRef idx="0">
+              <a:schemeClr val="accent1"/>
+            </a:effectRef>
+            <a:fontRef idx="minor">
+              <a:schemeClr val="tx1"/>
+            </a:fontRef>
+          </p:style>
+          <p:txBody>
+            <a:bodyPr rtlCol="0" anchor="ctr"/>
+            <a:lstStyle/>
+            <a:p>
+              <a:pPr algn="ctr"/>
+              <a:endParaRPr lang="en-AU"/>
+            </a:p>
+          </p:txBody>
+        </p:sp>
+        <p:sp>
+          <p:nvSpPr>
+            <p:cNvPr id="42" name="Arc 41"/>
+            <p:cNvSpPr/>
+            <p:nvPr/>
+          </p:nvSpPr>
+          <p:spPr>
+            <a:xfrm flipH="1">
+              <a:off x="4266696" y="1477075"/>
+              <a:ext cx="57296" cy="58268"/>
+            </a:xfrm>
+            <a:prstGeom prst="arc">
+              <a:avLst/>
+            </a:prstGeom>
+            <a:ln w="12700">
+              <a:solidFill>
+                <a:schemeClr val="tx1"/>
+              </a:solidFill>
+            </a:ln>
+          </p:spPr>
+          <p:style>
+            <a:lnRef idx="1">
+              <a:schemeClr val="accent1"/>
+            </a:lnRef>
+            <a:fillRef idx="0">
+              <a:schemeClr val="accent1"/>
+            </a:fillRef>
+            <a:effectRef idx="0">
+              <a:schemeClr val="accent1"/>
+            </a:effectRef>
+            <a:fontRef idx="minor">
+              <a:schemeClr val="tx1"/>
+            </a:fontRef>
+          </p:style>
+          <p:txBody>
+            <a:bodyPr rtlCol="0" anchor="ctr"/>
+            <a:lstStyle/>
+            <a:p>
+              <a:pPr algn="ctr"/>
+              <a:endParaRPr lang="en-AU"/>
+            </a:p>
+          </p:txBody>
+        </p:sp>
+        <p:cxnSp>
+          <p:nvCxnSpPr>
+            <p:cNvPr id="43" name="Straight Connector 42"/>
+            <p:cNvCxnSpPr/>
+            <p:nvPr/>
+          </p:nvCxnSpPr>
+          <p:spPr>
+            <a:xfrm flipV="1">
+              <a:off x="4155017" y="1492116"/>
+              <a:ext cx="0" cy="167034"/>
+            </a:xfrm>
+            <a:prstGeom prst="line">
+              <a:avLst/>
+            </a:prstGeom>
+            <a:ln w="12700">
+              <a:solidFill>
+                <a:schemeClr val="accent5"/>
+              </a:solidFill>
+            </a:ln>
+          </p:spPr>
+          <p:style>
+            <a:lnRef idx="1">
+              <a:schemeClr val="accent1"/>
+            </a:lnRef>
+            <a:fillRef idx="0">
+              <a:schemeClr val="accent1"/>
+            </a:fillRef>
+            <a:effectRef idx="0">
+              <a:schemeClr val="accent1"/>
+            </a:effectRef>
+            <a:fontRef idx="minor">
+              <a:schemeClr val="tx1"/>
+            </a:fontRef>
+          </p:style>
+        </p:cxnSp>
+        <p:cxnSp>
+          <p:nvCxnSpPr>
+            <p:cNvPr id="44" name="Straight Connector 43"/>
+            <p:cNvCxnSpPr/>
+            <p:nvPr/>
+          </p:nvCxnSpPr>
+          <p:spPr>
+            <a:xfrm flipH="1">
+              <a:off x="4294859" y="1476226"/>
+              <a:ext cx="163149" cy="207"/>
+            </a:xfrm>
+            <a:prstGeom prst="line">
+              <a:avLst/>
+            </a:prstGeom>
+            <a:ln w="12700">
+              <a:solidFill>
+                <a:schemeClr val="tx1"/>
+              </a:solidFill>
+            </a:ln>
+          </p:spPr>
+          <p:style>
+            <a:lnRef idx="1">
+              <a:schemeClr val="accent1"/>
+            </a:lnRef>
+            <a:fillRef idx="0">
+              <a:schemeClr val="accent1"/>
+            </a:fillRef>
+            <a:effectRef idx="0">
+              <a:schemeClr val="accent1"/>
+            </a:effectRef>
+            <a:fontRef idx="minor">
+              <a:schemeClr val="tx1"/>
+            </a:fontRef>
+          </p:style>
+        </p:cxnSp>
+        <p:cxnSp>
+          <p:nvCxnSpPr>
+            <p:cNvPr id="45" name="Straight Connector 44"/>
+            <p:cNvCxnSpPr/>
+            <p:nvPr/>
+          </p:nvCxnSpPr>
+          <p:spPr>
+            <a:xfrm>
+              <a:off x="4314281" y="1518905"/>
+              <a:ext cx="0" cy="6798"/>
+            </a:xfrm>
+            <a:prstGeom prst="line">
+              <a:avLst/>
+            </a:prstGeom>
+            <a:ln w="12700">
+              <a:solidFill>
+                <a:srgbClr val="7030A0"/>
+              </a:solidFill>
+            </a:ln>
+          </p:spPr>
+          <p:style>
+            <a:lnRef idx="1">
+              <a:schemeClr val="accent1"/>
+            </a:lnRef>
+            <a:fillRef idx="0">
+              <a:schemeClr val="accent1"/>
+            </a:fillRef>
+            <a:effectRef idx="0">
+              <a:schemeClr val="accent1"/>
+            </a:effectRef>
+            <a:fontRef idx="minor">
+              <a:schemeClr val="tx1"/>
+            </a:fontRef>
+          </p:style>
+        </p:cxnSp>
+        <p:cxnSp>
+          <p:nvCxnSpPr>
+            <p:cNvPr id="46" name="Straight Connector 45"/>
+            <p:cNvCxnSpPr/>
+            <p:nvPr/>
+          </p:nvCxnSpPr>
+          <p:spPr>
+            <a:xfrm>
+              <a:off x="4400712" y="1815500"/>
+              <a:ext cx="0" cy="55354"/>
+            </a:xfrm>
+            <a:prstGeom prst="line">
+              <a:avLst/>
+            </a:prstGeom>
+            <a:ln w="12700">
+              <a:solidFill>
+                <a:srgbClr val="7030A0"/>
+              </a:solidFill>
+            </a:ln>
+          </p:spPr>
+          <p:style>
+            <a:lnRef idx="1">
+              <a:schemeClr val="accent1"/>
+            </a:lnRef>
+            <a:fillRef idx="0">
+              <a:schemeClr val="accent1"/>
+            </a:fillRef>
+            <a:effectRef idx="0">
+              <a:schemeClr val="accent1"/>
+            </a:effectRef>
+            <a:fontRef idx="minor">
+              <a:schemeClr val="tx1"/>
+            </a:fontRef>
+          </p:style>
+        </p:cxnSp>
+        <p:cxnSp>
+          <p:nvCxnSpPr>
+            <p:cNvPr id="47" name="Straight Connector 46"/>
+            <p:cNvCxnSpPr/>
+            <p:nvPr/>
+          </p:nvCxnSpPr>
+          <p:spPr>
+            <a:xfrm>
+              <a:off x="4327877" y="1505153"/>
+              <a:ext cx="35932" cy="0"/>
+            </a:xfrm>
+            <a:prstGeom prst="line">
+              <a:avLst/>
+            </a:prstGeom>
+            <a:ln w="12700">
+              <a:solidFill>
+                <a:srgbClr val="7030A0"/>
+              </a:solidFill>
+            </a:ln>
+          </p:spPr>
+          <p:style>
+            <a:lnRef idx="1">
+              <a:schemeClr val="accent1"/>
+            </a:lnRef>
+            <a:fillRef idx="0">
+              <a:schemeClr val="accent1"/>
+            </a:fillRef>
+            <a:effectRef idx="0">
+              <a:schemeClr val="accent1"/>
+            </a:effectRef>
+            <a:fontRef idx="minor">
+              <a:schemeClr val="tx1"/>
+            </a:fontRef>
+          </p:style>
+        </p:cxnSp>
+        <p:cxnSp>
+          <p:nvCxnSpPr>
+            <p:cNvPr id="48" name="Straight Connector 47"/>
+            <p:cNvCxnSpPr/>
+            <p:nvPr/>
+          </p:nvCxnSpPr>
+          <p:spPr>
+            <a:xfrm>
+              <a:off x="4413994" y="1883249"/>
+              <a:ext cx="4856" cy="0"/>
+            </a:xfrm>
+            <a:prstGeom prst="line">
+              <a:avLst/>
+            </a:prstGeom>
+            <a:ln w="12700">
+              <a:solidFill>
+                <a:srgbClr val="7030A0"/>
+              </a:solidFill>
+            </a:ln>
+          </p:spPr>
+          <p:style>
+            <a:lnRef idx="1">
+              <a:schemeClr val="accent1"/>
+            </a:lnRef>
+            <a:fillRef idx="0">
+              <a:schemeClr val="accent1"/>
+            </a:fillRef>
+            <a:effectRef idx="0">
+              <a:schemeClr val="accent1"/>
+            </a:effectRef>
+            <a:fontRef idx="minor">
+              <a:schemeClr val="tx1"/>
+            </a:fontRef>
+          </p:style>
+        </p:cxnSp>
+        <p:cxnSp>
+          <p:nvCxnSpPr>
+            <p:cNvPr id="49" name="Straight Connector 48"/>
+            <p:cNvCxnSpPr/>
+            <p:nvPr/>
+          </p:nvCxnSpPr>
+          <p:spPr>
+            <a:xfrm flipH="1">
+              <a:off x="4445712" y="1563420"/>
+              <a:ext cx="28163" cy="207"/>
+            </a:xfrm>
+            <a:prstGeom prst="line">
+              <a:avLst/>
+            </a:prstGeom>
+            <a:ln w="12700">
+              <a:solidFill>
+                <a:srgbClr val="7030A0"/>
+              </a:solidFill>
+            </a:ln>
+          </p:spPr>
+          <p:style>
+            <a:lnRef idx="1">
+              <a:schemeClr val="accent1"/>
+            </a:lnRef>
+            <a:fillRef idx="0">
+              <a:schemeClr val="accent1"/>
+            </a:fillRef>
+            <a:effectRef idx="0">
+              <a:schemeClr val="accent1"/>
+            </a:effectRef>
+            <a:fontRef idx="minor">
+              <a:schemeClr val="tx1"/>
+            </a:fontRef>
+          </p:style>
+        </p:cxnSp>
+        <p:cxnSp>
+          <p:nvCxnSpPr>
+            <p:cNvPr id="50" name="Straight Connector 49"/>
+            <p:cNvCxnSpPr/>
+            <p:nvPr/>
+          </p:nvCxnSpPr>
+          <p:spPr>
+            <a:xfrm flipV="1">
+              <a:off x="4431788" y="1577987"/>
+              <a:ext cx="237" cy="293280"/>
+            </a:xfrm>
+            <a:prstGeom prst="line">
+              <a:avLst/>
+            </a:prstGeom>
+            <a:ln w="12700">
+              <a:solidFill>
+                <a:srgbClr val="7030A0"/>
+              </a:solidFill>
+            </a:ln>
+          </p:spPr>
+          <p:style>
+            <a:lnRef idx="1">
+              <a:schemeClr val="accent1"/>
+            </a:lnRef>
+            <a:fillRef idx="0">
+              <a:schemeClr val="accent1"/>
+            </a:fillRef>
+            <a:effectRef idx="0">
+              <a:schemeClr val="accent1"/>
+            </a:effectRef>
+            <a:fontRef idx="minor">
+              <a:schemeClr val="tx1"/>
+            </a:fontRef>
+          </p:style>
+        </p:cxnSp>
+        <p:cxnSp>
+          <p:nvCxnSpPr>
+            <p:cNvPr id="51" name="Straight Connector 50"/>
+            <p:cNvCxnSpPr/>
+            <p:nvPr/>
+          </p:nvCxnSpPr>
+          <p:spPr>
+            <a:xfrm flipV="1">
+              <a:off x="4472812" y="1620727"/>
+              <a:ext cx="29134" cy="0"/>
+            </a:xfrm>
+            <a:prstGeom prst="line">
+              <a:avLst/>
+            </a:prstGeom>
+            <a:ln w="12700">
+              <a:solidFill>
+                <a:srgbClr val="FF0000"/>
+              </a:solidFill>
+            </a:ln>
+          </p:spPr>
+          <p:style>
+            <a:lnRef idx="1">
+              <a:schemeClr val="accent1"/>
+            </a:lnRef>
+            <a:fillRef idx="0">
+              <a:schemeClr val="accent1"/>
+            </a:fillRef>
+            <a:effectRef idx="0">
+              <a:schemeClr val="accent1"/>
+            </a:effectRef>
+            <a:fontRef idx="minor">
+              <a:schemeClr val="tx1"/>
+            </a:fontRef>
+          </p:style>
+        </p:cxnSp>
+        <p:cxnSp>
+          <p:nvCxnSpPr>
+            <p:cNvPr id="52" name="Straight Connector 51"/>
+            <p:cNvCxnSpPr/>
+            <p:nvPr/>
+          </p:nvCxnSpPr>
+          <p:spPr>
+            <a:xfrm flipV="1">
+              <a:off x="4472575" y="1615872"/>
+              <a:ext cx="0" cy="4856"/>
+            </a:xfrm>
+            <a:prstGeom prst="line">
+              <a:avLst/>
+            </a:prstGeom>
+            <a:ln w="12700">
+              <a:solidFill>
+                <a:srgbClr val="FF0000"/>
+              </a:solidFill>
+            </a:ln>
+          </p:spPr>
+          <p:style>
+            <a:lnRef idx="1">
+              <a:schemeClr val="accent1"/>
+            </a:lnRef>
+            <a:fillRef idx="0">
+              <a:schemeClr val="accent1"/>
+            </a:fillRef>
+            <a:effectRef idx="0">
+              <a:schemeClr val="accent1"/>
+            </a:effectRef>
+            <a:fontRef idx="minor">
+              <a:schemeClr val="tx1"/>
+            </a:fontRef>
+          </p:style>
+        </p:cxnSp>
+        <p:cxnSp>
+          <p:nvCxnSpPr>
+            <p:cNvPr id="53" name="Straight Connector 52"/>
+            <p:cNvCxnSpPr/>
+            <p:nvPr/>
+          </p:nvCxnSpPr>
+          <p:spPr>
+            <a:xfrm flipV="1">
+              <a:off x="4501575" y="1616147"/>
+              <a:ext cx="0" cy="4856"/>
+            </a:xfrm>
+            <a:prstGeom prst="line">
+              <a:avLst/>
+            </a:prstGeom>
+            <a:ln w="12700">
+              <a:solidFill>
+                <a:srgbClr val="FF0000"/>
+              </a:solidFill>
+            </a:ln>
+          </p:spPr>
+          <p:style>
+            <a:lnRef idx="1">
+              <a:schemeClr val="accent1"/>
+            </a:lnRef>
+            <a:fillRef idx="0">
+              <a:schemeClr val="accent1"/>
+            </a:fillRef>
+            <a:effectRef idx="0">
+              <a:schemeClr val="accent1"/>
+            </a:effectRef>
+            <a:fontRef idx="minor">
+              <a:schemeClr val="tx1"/>
+            </a:fontRef>
+          </p:style>
+        </p:cxnSp>
+        <p:sp>
+          <p:nvSpPr>
+            <p:cNvPr id="54" name="Oval 53"/>
+            <p:cNvSpPr/>
+            <p:nvPr/>
+          </p:nvSpPr>
+          <p:spPr>
+            <a:xfrm flipV="1">
+              <a:off x="4474384" y="1592069"/>
+              <a:ext cx="25249" cy="25249"/>
+            </a:xfrm>
+            <a:prstGeom prst="ellipse">
+              <a:avLst/>
+            </a:prstGeom>
+            <a:solidFill>
+              <a:srgbClr val="7030A0"/>
+            </a:solidFill>
+            <a:ln>
+              <a:noFill/>
+            </a:ln>
+          </p:spPr>
+          <p:style>
+            <a:lnRef idx="2">
+              <a:schemeClr val="accent1">
+                <a:shade val="50000"/>
+              </a:schemeClr>
+            </a:lnRef>
+            <a:fillRef idx="1">
+              <a:schemeClr val="accent1"/>
+            </a:fillRef>
+            <a:effectRef idx="0">
+              <a:schemeClr val="accent1"/>
+            </a:effectRef>
+            <a:fontRef idx="minor">
+              <a:schemeClr val="lt1"/>
+            </a:fontRef>
+          </p:style>
+          <p:txBody>
+            <a:bodyPr rtlCol="0" anchor="ctr"/>
+            <a:lstStyle/>
+            <a:p>
+              <a:pPr algn="ctr"/>
+              <a:endParaRPr lang="en-AU"/>
+            </a:p>
+          </p:txBody>
+        </p:sp>
+        <p:cxnSp>
+          <p:nvCxnSpPr>
+            <p:cNvPr id="55" name="Straight Connector 54"/>
+            <p:cNvCxnSpPr/>
+            <p:nvPr/>
+          </p:nvCxnSpPr>
+          <p:spPr>
+            <a:xfrm>
+              <a:off x="4487009" y="1620879"/>
+              <a:ext cx="0" cy="9711"/>
+            </a:xfrm>
+            <a:prstGeom prst="line">
+              <a:avLst/>
+            </a:prstGeom>
+            <a:ln w="12700">
+              <a:solidFill>
+                <a:srgbClr val="FF0000"/>
+              </a:solidFill>
+            </a:ln>
+          </p:spPr>
+          <p:style>
+            <a:lnRef idx="1">
+              <a:schemeClr val="accent1"/>
+            </a:lnRef>
+            <a:fillRef idx="0">
+              <a:schemeClr val="accent1"/>
+            </a:fillRef>
+            <a:effectRef idx="0">
+              <a:schemeClr val="accent1"/>
+            </a:effectRef>
+            <a:fontRef idx="minor">
+              <a:schemeClr val="tx1"/>
+            </a:fontRef>
+          </p:style>
+        </p:cxnSp>
+        <p:cxnSp>
+          <p:nvCxnSpPr>
+            <p:cNvPr id="56" name="Straight Connector 55"/>
+            <p:cNvCxnSpPr/>
+            <p:nvPr/>
+          </p:nvCxnSpPr>
+          <p:spPr>
+            <a:xfrm>
+              <a:off x="4487009" y="1582357"/>
+              <a:ext cx="0" cy="9711"/>
+            </a:xfrm>
+            <a:prstGeom prst="line">
+              <a:avLst/>
+            </a:prstGeom>
+            <a:ln w="12700">
+              <a:solidFill>
+                <a:schemeClr val="tx1"/>
+              </a:solidFill>
+            </a:ln>
+          </p:spPr>
+          <p:style>
+            <a:lnRef idx="1">
+              <a:schemeClr val="accent1"/>
+            </a:lnRef>
+            <a:fillRef idx="0">
+              <a:schemeClr val="accent1"/>
+            </a:fillRef>
+            <a:effectRef idx="0">
+              <a:schemeClr val="accent1"/>
+            </a:effectRef>
+            <a:fontRef idx="minor">
+              <a:schemeClr val="tx1"/>
+            </a:fontRef>
+          </p:style>
+        </p:cxnSp>
+        <p:cxnSp>
+          <p:nvCxnSpPr>
+            <p:cNvPr id="57" name="Straight Connector 56"/>
+            <p:cNvCxnSpPr/>
+            <p:nvPr/>
+          </p:nvCxnSpPr>
+          <p:spPr>
+            <a:xfrm flipV="1">
+              <a:off x="4265849" y="1784138"/>
+              <a:ext cx="0" cy="9711"/>
+            </a:xfrm>
+            <a:prstGeom prst="line">
+              <a:avLst/>
+            </a:prstGeom>
+            <a:ln w="12700">
+              <a:solidFill>
+                <a:schemeClr val="tx1"/>
+              </a:solidFill>
+            </a:ln>
+          </p:spPr>
+          <p:style>
+            <a:lnRef idx="1">
+              <a:schemeClr val="accent1"/>
+            </a:lnRef>
+            <a:fillRef idx="0">
+              <a:schemeClr val="accent1"/>
+            </a:fillRef>
+            <a:effectRef idx="0">
+              <a:schemeClr val="accent1"/>
+            </a:effectRef>
+            <a:fontRef idx="minor">
+              <a:schemeClr val="tx1"/>
+            </a:fontRef>
+          </p:style>
+        </p:cxnSp>
+        <p:grpSp>
+          <p:nvGrpSpPr>
+            <p:cNvPr id="58" name="Group 634"/>
+            <p:cNvGrpSpPr/>
+            <p:nvPr/>
+          </p:nvGrpSpPr>
+          <p:grpSpPr>
+            <a:xfrm>
+              <a:off x="4251449" y="1793574"/>
+              <a:ext cx="29371" cy="5130"/>
+              <a:chOff x="4724894" y="1611142"/>
+              <a:chExt cx="108879" cy="19018"/>
+            </a:xfrm>
+          </p:grpSpPr>
+          <p:cxnSp>
+            <p:nvCxnSpPr>
+              <p:cNvPr id="125" name="Straight Connector 124"/>
+              <p:cNvCxnSpPr/>
+              <p:nvPr/>
+            </p:nvCxnSpPr>
+            <p:spPr>
+              <a:xfrm>
+                <a:off x="4725773" y="1612161"/>
+                <a:ext cx="108000" cy="0"/>
+              </a:xfrm>
+              <a:prstGeom prst="line">
+                <a:avLst/>
+              </a:prstGeom>
+              <a:ln w="12700">
+                <a:solidFill>
+                  <a:schemeClr val="tx1"/>
+                </a:solidFill>
+              </a:ln>
+            </p:spPr>
+            <p:style>
+              <a:lnRef idx="1">
+                <a:schemeClr val="accent1"/>
+              </a:lnRef>
+              <a:fillRef idx="0">
+                <a:schemeClr val="accent1"/>
+              </a:fillRef>
+              <a:effectRef idx="0">
+                <a:schemeClr val="accent1"/>
+              </a:effectRef>
+              <a:fontRef idx="minor">
+                <a:schemeClr val="tx1"/>
+              </a:fontRef>
+            </p:style>
+          </p:cxnSp>
+          <p:cxnSp>
+            <p:nvCxnSpPr>
+              <p:cNvPr id="126" name="Straight Connector 125"/>
+              <p:cNvCxnSpPr/>
+              <p:nvPr/>
+            </p:nvCxnSpPr>
+            <p:spPr>
+              <a:xfrm>
+                <a:off x="4724894" y="1612160"/>
+                <a:ext cx="0" cy="18000"/>
+              </a:xfrm>
+              <a:prstGeom prst="line">
+                <a:avLst/>
+              </a:prstGeom>
+              <a:ln w="12700">
+                <a:solidFill>
+                  <a:schemeClr val="tx1"/>
+                </a:solidFill>
+              </a:ln>
+            </p:spPr>
+            <p:style>
+              <a:lnRef idx="1">
+                <a:schemeClr val="accent1"/>
+              </a:lnRef>
+              <a:fillRef idx="0">
+                <a:schemeClr val="accent1"/>
+              </a:fillRef>
+              <a:effectRef idx="0">
+                <a:schemeClr val="accent1"/>
+              </a:effectRef>
+              <a:fontRef idx="minor">
+                <a:schemeClr val="tx1"/>
+              </a:fontRef>
+            </p:style>
+          </p:cxnSp>
+          <p:cxnSp>
+            <p:nvCxnSpPr>
+              <p:cNvPr id="127" name="Straight Connector 126"/>
+              <p:cNvCxnSpPr/>
+              <p:nvPr/>
+            </p:nvCxnSpPr>
+            <p:spPr>
+              <a:xfrm>
+                <a:off x="4832400" y="1611142"/>
+                <a:ext cx="0" cy="18000"/>
+              </a:xfrm>
+              <a:prstGeom prst="line">
+                <a:avLst/>
+              </a:prstGeom>
+              <a:ln w="12700">
+                <a:solidFill>
+                  <a:schemeClr val="tx1"/>
+                </a:solidFill>
+              </a:ln>
+            </p:spPr>
+            <p:style>
+              <a:lnRef idx="1">
+                <a:schemeClr val="accent1"/>
+              </a:lnRef>
+              <a:fillRef idx="0">
+                <a:schemeClr val="accent1"/>
+              </a:fillRef>
+              <a:effectRef idx="0">
+                <a:schemeClr val="accent1"/>
+              </a:effectRef>
+              <a:fontRef idx="minor">
+                <a:schemeClr val="tx1"/>
+              </a:fontRef>
+            </p:style>
+          </p:cxnSp>
+        </p:grpSp>
+        <p:sp>
+          <p:nvSpPr>
+            <p:cNvPr id="59" name="Rectangle 58"/>
+            <p:cNvSpPr/>
+            <p:nvPr/>
+          </p:nvSpPr>
+          <p:spPr>
+            <a:xfrm>
+              <a:off x="4254360" y="1799190"/>
+              <a:ext cx="23307" cy="23307"/>
+            </a:xfrm>
+            <a:prstGeom prst="rect">
+              <a:avLst/>
+            </a:prstGeom>
+            <a:solidFill>
+              <a:schemeClr val="accent5"/>
+            </a:solidFill>
+            <a:ln w="12700">
+              <a:noFill/>
+            </a:ln>
+          </p:spPr>
+          <p:style>
+            <a:lnRef idx="2">
+              <a:schemeClr val="accent1">
+                <a:shade val="50000"/>
+              </a:schemeClr>
+            </a:lnRef>
+            <a:fillRef idx="1">
+              <a:schemeClr val="accent1"/>
+            </a:fillRef>
+            <a:effectRef idx="0">
+              <a:schemeClr val="accent1"/>
+            </a:effectRef>
+            <a:fontRef idx="minor">
+              <a:schemeClr val="lt1"/>
+            </a:fontRef>
+          </p:style>
+          <p:txBody>
+            <a:bodyPr rtlCol="0" anchor="ctr"/>
+            <a:lstStyle/>
+            <a:p>
+              <a:pPr algn="ctr"/>
+              <a:endParaRPr lang="en-AU"/>
+            </a:p>
+          </p:txBody>
+        </p:sp>
+        <p:cxnSp>
+          <p:nvCxnSpPr>
+            <p:cNvPr id="60" name="Straight Connector 59"/>
+            <p:cNvCxnSpPr/>
+            <p:nvPr/>
+          </p:nvCxnSpPr>
+          <p:spPr>
+            <a:xfrm flipV="1">
+              <a:off x="4266014" y="1822497"/>
+              <a:ext cx="0" cy="9711"/>
+            </a:xfrm>
+            <a:prstGeom prst="line">
+              <a:avLst/>
+            </a:prstGeom>
+            <a:ln w="12700">
+              <a:solidFill>
+                <a:srgbClr val="00B0F0"/>
+              </a:solidFill>
+            </a:ln>
+          </p:spPr>
+          <p:style>
+            <a:lnRef idx="1">
+              <a:schemeClr val="accent1"/>
+            </a:lnRef>
+            <a:fillRef idx="0">
+              <a:schemeClr val="accent1"/>
+            </a:fillRef>
+            <a:effectRef idx="0">
+              <a:schemeClr val="accent1"/>
+            </a:effectRef>
+            <a:fontRef idx="minor">
+              <a:schemeClr val="tx1"/>
+            </a:fontRef>
+          </p:style>
+        </p:cxnSp>
+        <p:sp>
+          <p:nvSpPr>
+            <p:cNvPr id="61" name="Isosceles Triangle 60"/>
+            <p:cNvSpPr/>
+            <p:nvPr/>
+          </p:nvSpPr>
+          <p:spPr>
+            <a:xfrm flipV="1">
+              <a:off x="4302461" y="1540113"/>
+              <a:ext cx="23307" cy="23307"/>
+            </a:xfrm>
+            <a:prstGeom prst="triangle">
+              <a:avLst/>
+            </a:prstGeom>
+            <a:solidFill>
+              <a:schemeClr val="tx1"/>
+            </a:solidFill>
+            <a:ln>
+              <a:noFill/>
+            </a:ln>
+          </p:spPr>
+          <p:style>
+            <a:lnRef idx="2">
+              <a:schemeClr val="accent1">
+                <a:shade val="50000"/>
+              </a:schemeClr>
+            </a:lnRef>
+            <a:fillRef idx="1">
+              <a:schemeClr val="accent1"/>
+            </a:fillRef>
+            <a:effectRef idx="0">
+              <a:schemeClr val="accent1"/>
+            </a:effectRef>
+            <a:fontRef idx="minor">
+              <a:schemeClr val="lt1"/>
+            </a:fontRef>
+          </p:style>
+          <p:txBody>
+            <a:bodyPr rtlCol="0" anchor="ctr"/>
+            <a:lstStyle/>
+            <a:p>
+              <a:pPr algn="ctr"/>
+              <a:endParaRPr lang="en-AU"/>
+            </a:p>
+          </p:txBody>
+        </p:sp>
+        <p:cxnSp>
+          <p:nvCxnSpPr>
+            <p:cNvPr id="62" name="Straight Connector 61"/>
+            <p:cNvCxnSpPr/>
+            <p:nvPr/>
+          </p:nvCxnSpPr>
+          <p:spPr>
+            <a:xfrm flipV="1">
+              <a:off x="4313705" y="1560507"/>
+              <a:ext cx="0" cy="12625"/>
+            </a:xfrm>
+            <a:prstGeom prst="line">
+              <a:avLst/>
+            </a:prstGeom>
+            <a:ln w="12700">
+              <a:solidFill>
+                <a:schemeClr val="tx1"/>
+              </a:solidFill>
+            </a:ln>
+          </p:spPr>
+          <p:style>
+            <a:lnRef idx="1">
+              <a:schemeClr val="accent1"/>
+            </a:lnRef>
+            <a:fillRef idx="0">
+              <a:schemeClr val="accent1"/>
+            </a:fillRef>
+            <a:effectRef idx="0">
+              <a:schemeClr val="accent1"/>
+            </a:effectRef>
+            <a:fontRef idx="minor">
+              <a:schemeClr val="tx1"/>
+            </a:fontRef>
+          </p:style>
+        </p:cxnSp>
+        <p:grpSp>
+          <p:nvGrpSpPr>
+            <p:cNvPr id="63" name="Group 532"/>
+            <p:cNvGrpSpPr/>
+            <p:nvPr/>
+          </p:nvGrpSpPr>
+          <p:grpSpPr>
+            <a:xfrm>
+              <a:off x="4299714" y="1524575"/>
+              <a:ext cx="29371" cy="14567"/>
+              <a:chOff x="4324218" y="1634400"/>
+              <a:chExt cx="108879" cy="53999"/>
+            </a:xfrm>
+          </p:grpSpPr>
+          <p:grpSp>
+            <p:nvGrpSpPr>
+              <p:cNvPr id="120" name="Group 533"/>
+              <p:cNvGrpSpPr/>
+              <p:nvPr/>
+            </p:nvGrpSpPr>
+            <p:grpSpPr>
+              <a:xfrm>
+                <a:off x="4324218" y="1669381"/>
+                <a:ext cx="108879" cy="19018"/>
+                <a:chOff x="4724894" y="1611142"/>
+                <a:chExt cx="108879" cy="19018"/>
+              </a:xfrm>
+            </p:grpSpPr>
+            <p:cxnSp>
+              <p:nvCxnSpPr>
+                <p:cNvPr id="122" name="Straight Connector 121"/>
+                <p:cNvCxnSpPr/>
+                <p:nvPr/>
+              </p:nvCxnSpPr>
+              <p:spPr>
+                <a:xfrm>
+                  <a:off x="4725773" y="1612161"/>
+                  <a:ext cx="108000" cy="0"/>
+                </a:xfrm>
+                <a:prstGeom prst="line">
+                  <a:avLst/>
+                </a:prstGeom>
+                <a:ln w="12700">
+                  <a:solidFill>
+                    <a:srgbClr val="7030A0"/>
+                  </a:solidFill>
+                </a:ln>
+              </p:spPr>
+              <p:style>
+                <a:lnRef idx="1">
+                  <a:schemeClr val="accent1"/>
+                </a:lnRef>
+                <a:fillRef idx="0">
+                  <a:schemeClr val="accent1"/>
+                </a:fillRef>
+                <a:effectRef idx="0">
+                  <a:schemeClr val="accent1"/>
+                </a:effectRef>
+                <a:fontRef idx="minor">
+                  <a:schemeClr val="tx1"/>
+                </a:fontRef>
+              </p:style>
+            </p:cxnSp>
+            <p:cxnSp>
+              <p:nvCxnSpPr>
+                <p:cNvPr id="123" name="Straight Connector 122"/>
+                <p:cNvCxnSpPr/>
+                <p:nvPr/>
+              </p:nvCxnSpPr>
+              <p:spPr>
+                <a:xfrm>
+                  <a:off x="4724894" y="1612160"/>
+                  <a:ext cx="0" cy="18000"/>
+                </a:xfrm>
+                <a:prstGeom prst="line">
+                  <a:avLst/>
+                </a:prstGeom>
+                <a:ln w="12700">
+                  <a:solidFill>
+                    <a:srgbClr val="7030A0"/>
+                  </a:solidFill>
+                </a:ln>
+              </p:spPr>
+              <p:style>
+                <a:lnRef idx="1">
+                  <a:schemeClr val="accent1"/>
+                </a:lnRef>
+                <a:fillRef idx="0">
+                  <a:schemeClr val="accent1"/>
+                </a:fillRef>
+                <a:effectRef idx="0">
+                  <a:schemeClr val="accent1"/>
+                </a:effectRef>
+                <a:fontRef idx="minor">
+                  <a:schemeClr val="tx1"/>
+                </a:fontRef>
+              </p:style>
+            </p:cxnSp>
+            <p:cxnSp>
+              <p:nvCxnSpPr>
+                <p:cNvPr id="124" name="Straight Connector 123"/>
+                <p:cNvCxnSpPr/>
+                <p:nvPr/>
+              </p:nvCxnSpPr>
+              <p:spPr>
+                <a:xfrm>
+                  <a:off x="4832400" y="1611142"/>
+                  <a:ext cx="0" cy="18000"/>
+                </a:xfrm>
+                <a:prstGeom prst="line">
+                  <a:avLst/>
+                </a:prstGeom>
+                <a:ln w="12700">
+                  <a:solidFill>
+                    <a:srgbClr val="7030A0"/>
+                  </a:solidFill>
+                </a:ln>
+              </p:spPr>
+              <p:style>
+                <a:lnRef idx="1">
+                  <a:schemeClr val="accent1"/>
+                </a:lnRef>
+                <a:fillRef idx="0">
+                  <a:schemeClr val="accent1"/>
+                </a:fillRef>
+                <a:effectRef idx="0">
+                  <a:schemeClr val="accent1"/>
+                </a:effectRef>
+                <a:fontRef idx="minor">
+                  <a:schemeClr val="tx1"/>
+                </a:fontRef>
+              </p:style>
+            </p:cxnSp>
+          </p:grpSp>
+          <p:cxnSp>
+            <p:nvCxnSpPr>
+              <p:cNvPr id="121" name="Straight Connector 120"/>
+              <p:cNvCxnSpPr/>
+              <p:nvPr/>
+            </p:nvCxnSpPr>
+            <p:spPr>
+              <a:xfrm flipV="1">
+                <a:off x="4377600" y="1634400"/>
+                <a:ext cx="0" cy="36000"/>
+              </a:xfrm>
+              <a:prstGeom prst="line">
+                <a:avLst/>
+              </a:prstGeom>
+              <a:ln w="12700">
+                <a:solidFill>
+                  <a:srgbClr val="7030A0"/>
+                </a:solidFill>
+              </a:ln>
+            </p:spPr>
+            <p:style>
+              <a:lnRef idx="1">
+                <a:schemeClr val="accent1"/>
+              </a:lnRef>
+              <a:fillRef idx="0">
+                <a:schemeClr val="accent1"/>
+              </a:fillRef>
+              <a:effectRef idx="0">
+                <a:schemeClr val="accent1"/>
+              </a:effectRef>
+              <a:fontRef idx="minor">
+                <a:schemeClr val="tx1"/>
+              </a:fontRef>
+            </p:style>
+          </p:cxnSp>
+        </p:grpSp>
+        <p:cxnSp>
+          <p:nvCxnSpPr>
+            <p:cNvPr id="64" name="Straight Connector 63"/>
+            <p:cNvCxnSpPr/>
+            <p:nvPr/>
+          </p:nvCxnSpPr>
+          <p:spPr>
+            <a:xfrm flipV="1">
+              <a:off x="4217002" y="1524575"/>
+              <a:ext cx="0" cy="9711"/>
+            </a:xfrm>
+            <a:prstGeom prst="line">
+              <a:avLst/>
+            </a:prstGeom>
+            <a:ln w="12700">
+              <a:solidFill>
+                <a:srgbClr val="C00000"/>
+              </a:solidFill>
+            </a:ln>
+          </p:spPr>
+          <p:style>
+            <a:lnRef idx="1">
+              <a:schemeClr val="accent1"/>
+            </a:lnRef>
+            <a:fillRef idx="0">
+              <a:schemeClr val="accent1"/>
+            </a:fillRef>
+            <a:effectRef idx="0">
+              <a:schemeClr val="accent1"/>
+            </a:effectRef>
+            <a:fontRef idx="minor">
+              <a:schemeClr val="tx1"/>
+            </a:fontRef>
+          </p:style>
+        </p:cxnSp>
+        <p:grpSp>
+          <p:nvGrpSpPr>
+            <p:cNvPr id="65" name="Group 516"/>
+            <p:cNvGrpSpPr/>
+            <p:nvPr/>
+          </p:nvGrpSpPr>
+          <p:grpSpPr>
+            <a:xfrm>
+              <a:off x="4202602" y="1534012"/>
+              <a:ext cx="29371" cy="28923"/>
+              <a:chOff x="4644008" y="1671181"/>
+              <a:chExt cx="108879" cy="107219"/>
+            </a:xfrm>
+          </p:grpSpPr>
+          <p:grpSp>
+            <p:nvGrpSpPr>
+              <p:cNvPr id="115" name="Group 518"/>
+              <p:cNvGrpSpPr/>
+              <p:nvPr/>
+            </p:nvGrpSpPr>
+            <p:grpSpPr>
+              <a:xfrm>
+                <a:off x="4644008" y="1671181"/>
+                <a:ext cx="108879" cy="19018"/>
+                <a:chOff x="4724894" y="1611142"/>
+                <a:chExt cx="108879" cy="19018"/>
+              </a:xfrm>
+            </p:grpSpPr>
+            <p:cxnSp>
+              <p:nvCxnSpPr>
+                <p:cNvPr id="117" name="Straight Connector 116"/>
+                <p:cNvCxnSpPr/>
+                <p:nvPr/>
+              </p:nvCxnSpPr>
+              <p:spPr>
+                <a:xfrm>
+                  <a:off x="4725773" y="1612161"/>
+                  <a:ext cx="108000" cy="0"/>
+                </a:xfrm>
+                <a:prstGeom prst="line">
+                  <a:avLst/>
+                </a:prstGeom>
+                <a:ln w="12700">
+                  <a:solidFill>
+                    <a:srgbClr val="C00000"/>
+                  </a:solidFill>
+                </a:ln>
+              </p:spPr>
+              <p:style>
+                <a:lnRef idx="1">
+                  <a:schemeClr val="accent1"/>
+                </a:lnRef>
+                <a:fillRef idx="0">
+                  <a:schemeClr val="accent1"/>
+                </a:fillRef>
+                <a:effectRef idx="0">
+                  <a:schemeClr val="accent1"/>
+                </a:effectRef>
+                <a:fontRef idx="minor">
+                  <a:schemeClr val="tx1"/>
+                </a:fontRef>
+              </p:style>
+            </p:cxnSp>
+            <p:cxnSp>
+              <p:nvCxnSpPr>
+                <p:cNvPr id="118" name="Straight Connector 117"/>
+                <p:cNvCxnSpPr/>
+                <p:nvPr/>
+              </p:nvCxnSpPr>
+              <p:spPr>
+                <a:xfrm>
+                  <a:off x="4724894" y="1612160"/>
+                  <a:ext cx="0" cy="18000"/>
+                </a:xfrm>
+                <a:prstGeom prst="line">
+                  <a:avLst/>
+                </a:prstGeom>
+                <a:ln w="12700">
+                  <a:solidFill>
+                    <a:srgbClr val="C00000"/>
+                  </a:solidFill>
+                </a:ln>
+              </p:spPr>
+              <p:style>
+                <a:lnRef idx="1">
+                  <a:schemeClr val="accent1"/>
+                </a:lnRef>
+                <a:fillRef idx="0">
+                  <a:schemeClr val="accent1"/>
+                </a:fillRef>
+                <a:effectRef idx="0">
+                  <a:schemeClr val="accent1"/>
+                </a:effectRef>
+                <a:fontRef idx="minor">
+                  <a:schemeClr val="tx1"/>
+                </a:fontRef>
+              </p:style>
+            </p:cxnSp>
+            <p:cxnSp>
+              <p:nvCxnSpPr>
+                <p:cNvPr id="119" name="Straight Connector 118"/>
+                <p:cNvCxnSpPr/>
+                <p:nvPr/>
+              </p:nvCxnSpPr>
+              <p:spPr>
+                <a:xfrm>
+                  <a:off x="4832400" y="1611142"/>
+                  <a:ext cx="0" cy="18000"/>
+                </a:xfrm>
+                <a:prstGeom prst="line">
+                  <a:avLst/>
+                </a:prstGeom>
+                <a:ln w="12700">
+                  <a:solidFill>
+                    <a:srgbClr val="C00000"/>
+                  </a:solidFill>
+                </a:ln>
+              </p:spPr>
+              <p:style>
+                <a:lnRef idx="1">
+                  <a:schemeClr val="accent1"/>
+                </a:lnRef>
+                <a:fillRef idx="0">
+                  <a:schemeClr val="accent1"/>
+                </a:fillRef>
+                <a:effectRef idx="0">
+                  <a:schemeClr val="accent1"/>
+                </a:effectRef>
+                <a:fontRef idx="minor">
+                  <a:schemeClr val="tx1"/>
+                </a:fontRef>
+              </p:style>
+            </p:cxnSp>
+          </p:grpSp>
+          <p:sp>
+            <p:nvSpPr>
+              <p:cNvPr id="116" name="Rectangle 115"/>
+              <p:cNvSpPr/>
+              <p:nvPr/>
+            </p:nvSpPr>
+            <p:spPr>
+              <a:xfrm>
+                <a:off x="4654800" y="1692000"/>
+                <a:ext cx="86400" cy="86400"/>
+              </a:xfrm>
+              <a:prstGeom prst="rect">
+                <a:avLst/>
+              </a:prstGeom>
+              <a:solidFill>
+                <a:schemeClr val="tx1"/>
+              </a:solidFill>
+              <a:ln w="12700">
+                <a:noFill/>
+              </a:ln>
+            </p:spPr>
+            <p:style>
+              <a:lnRef idx="2">
+                <a:schemeClr val="accent1">
+                  <a:shade val="50000"/>
+                </a:schemeClr>
+              </a:lnRef>
+              <a:fillRef idx="1">
+                <a:schemeClr val="accent1"/>
+              </a:fillRef>
+              <a:effectRef idx="0">
+                <a:schemeClr val="accent1"/>
+              </a:effectRef>
+              <a:fontRef idx="minor">
+                <a:schemeClr val="lt1"/>
+              </a:fontRef>
+            </p:style>
+            <p:txBody>
+              <a:bodyPr rtlCol="0" anchor="ctr"/>
+              <a:lstStyle/>
+              <a:p>
+                <a:pPr algn="ctr"/>
+                <a:endParaRPr lang="en-AU"/>
+              </a:p>
+            </p:txBody>
+          </p:sp>
+        </p:grpSp>
+        <p:cxnSp>
+          <p:nvCxnSpPr>
+            <p:cNvPr id="66" name="Straight Connector 65"/>
+            <p:cNvCxnSpPr/>
+            <p:nvPr/>
+          </p:nvCxnSpPr>
+          <p:spPr>
+            <a:xfrm flipV="1">
+              <a:off x="4217166" y="1562935"/>
+              <a:ext cx="0" cy="9711"/>
+            </a:xfrm>
+            <a:prstGeom prst="line">
+              <a:avLst/>
+            </a:prstGeom>
+            <a:ln w="12700">
+              <a:solidFill>
+                <a:schemeClr val="tx1"/>
+              </a:solidFill>
+            </a:ln>
+          </p:spPr>
+          <p:style>
+            <a:lnRef idx="1">
+              <a:schemeClr val="accent1"/>
+            </a:lnRef>
+            <a:fillRef idx="0">
+              <a:schemeClr val="accent1"/>
+            </a:fillRef>
+            <a:effectRef idx="0">
+              <a:schemeClr val="accent1"/>
+            </a:effectRef>
+            <a:fontRef idx="minor">
+              <a:schemeClr val="tx1"/>
+            </a:fontRef>
+          </p:style>
+        </p:cxnSp>
+        <p:cxnSp>
+          <p:nvCxnSpPr>
+            <p:cNvPr id="67" name="Straight Connector 66"/>
+            <p:cNvCxnSpPr/>
+            <p:nvPr/>
+          </p:nvCxnSpPr>
+          <p:spPr>
+            <a:xfrm flipH="1">
+              <a:off x="4265725" y="1504466"/>
+              <a:ext cx="971" cy="113889"/>
+            </a:xfrm>
+            <a:prstGeom prst="line">
+              <a:avLst/>
+            </a:prstGeom>
+            <a:ln w="12700">
+              <a:solidFill>
+                <a:schemeClr val="tx1"/>
+              </a:solidFill>
+            </a:ln>
+          </p:spPr>
+          <p:style>
+            <a:lnRef idx="1">
+              <a:schemeClr val="accent1"/>
+            </a:lnRef>
+            <a:fillRef idx="0">
+              <a:schemeClr val="accent1"/>
+            </a:fillRef>
+            <a:effectRef idx="0">
+              <a:schemeClr val="accent1"/>
+            </a:effectRef>
+            <a:fontRef idx="minor">
+              <a:schemeClr val="tx1"/>
+            </a:fontRef>
+          </p:style>
+        </p:cxnSp>
+        <p:cxnSp>
+          <p:nvCxnSpPr>
+            <p:cNvPr id="68" name="Straight Connector 67"/>
+            <p:cNvCxnSpPr/>
+            <p:nvPr/>
+          </p:nvCxnSpPr>
+          <p:spPr>
+            <a:xfrm>
+              <a:off x="4265399" y="1729070"/>
+              <a:ext cx="652" cy="55354"/>
+            </a:xfrm>
+            <a:prstGeom prst="line">
+              <a:avLst/>
+            </a:prstGeom>
+            <a:ln w="12700">
+              <a:solidFill>
+                <a:schemeClr val="tx1"/>
+              </a:solidFill>
+            </a:ln>
+          </p:spPr>
+          <p:style>
+            <a:lnRef idx="1">
+              <a:schemeClr val="accent1"/>
+            </a:lnRef>
+            <a:fillRef idx="0">
+              <a:schemeClr val="accent1"/>
+            </a:fillRef>
+            <a:effectRef idx="0">
+              <a:schemeClr val="accent1"/>
+            </a:effectRef>
+            <a:fontRef idx="minor">
+              <a:schemeClr val="tx1"/>
+            </a:fontRef>
+          </p:style>
+        </p:cxnSp>
+        <p:cxnSp>
+          <p:nvCxnSpPr>
+            <p:cNvPr id="69" name="Straight Connector 68"/>
+            <p:cNvCxnSpPr/>
+            <p:nvPr/>
+          </p:nvCxnSpPr>
+          <p:spPr>
+            <a:xfrm flipV="1">
+              <a:off x="4487142" y="1504740"/>
+              <a:ext cx="0" cy="77690"/>
+            </a:xfrm>
+            <a:prstGeom prst="line">
+              <a:avLst/>
+            </a:prstGeom>
+            <a:ln w="12700">
+              <a:solidFill>
+                <a:schemeClr val="tx1"/>
+              </a:solidFill>
+            </a:ln>
+          </p:spPr>
+          <p:style>
+            <a:lnRef idx="1">
+              <a:schemeClr val="accent1"/>
+            </a:lnRef>
+            <a:fillRef idx="0">
+              <a:schemeClr val="accent1"/>
+            </a:fillRef>
+            <a:effectRef idx="0">
+              <a:schemeClr val="accent1"/>
+            </a:effectRef>
+            <a:fontRef idx="minor">
+              <a:schemeClr val="tx1"/>
+            </a:fontRef>
+          </p:style>
+        </p:cxnSp>
+        <p:cxnSp>
+          <p:nvCxnSpPr>
+            <p:cNvPr id="70" name="Straight Connector 69"/>
+            <p:cNvCxnSpPr/>
+            <p:nvPr/>
+          </p:nvCxnSpPr>
+          <p:spPr>
+            <a:xfrm flipV="1">
+              <a:off x="4487142" y="1630590"/>
+              <a:ext cx="0" cy="29134"/>
+            </a:xfrm>
+            <a:prstGeom prst="line">
+              <a:avLst/>
+            </a:prstGeom>
+            <a:ln w="12700">
+              <a:solidFill>
+                <a:srgbClr val="FF0000"/>
+              </a:solidFill>
+            </a:ln>
+          </p:spPr>
+          <p:style>
+            <a:lnRef idx="1">
+              <a:schemeClr val="accent1"/>
+            </a:lnRef>
+            <a:fillRef idx="0">
+              <a:schemeClr val="accent1"/>
+            </a:fillRef>
+            <a:effectRef idx="0">
+              <a:schemeClr val="accent1"/>
+            </a:effectRef>
+            <a:fontRef idx="minor">
+              <a:schemeClr val="tx1"/>
+            </a:fontRef>
+          </p:style>
+        </p:cxnSp>
+        <p:cxnSp>
+          <p:nvCxnSpPr>
+            <p:cNvPr id="71" name="Straight Connector 70"/>
+            <p:cNvCxnSpPr/>
+            <p:nvPr/>
+          </p:nvCxnSpPr>
+          <p:spPr>
+            <a:xfrm flipH="1">
+              <a:off x="4067944" y="1477534"/>
+              <a:ext cx="120420" cy="207"/>
+            </a:xfrm>
+            <a:prstGeom prst="line">
+              <a:avLst/>
+            </a:prstGeom>
+            <a:ln w="12700">
+              <a:solidFill>
+                <a:srgbClr val="C00000"/>
+              </a:solidFill>
+            </a:ln>
+          </p:spPr>
+          <p:style>
+            <a:lnRef idx="1">
+              <a:schemeClr val="accent1"/>
+            </a:lnRef>
+            <a:fillRef idx="0">
+              <a:schemeClr val="accent1"/>
+            </a:fillRef>
+            <a:effectRef idx="0">
+              <a:schemeClr val="accent1"/>
+            </a:effectRef>
+            <a:fontRef idx="minor">
+              <a:schemeClr val="tx1"/>
+            </a:fontRef>
+          </p:style>
+        </p:cxnSp>
+        <p:pic>
+          <p:nvPicPr>
+            <p:cNvPr id="72" name="Picture 71"/>
+            <p:cNvPicPr>
+              <a:picLocks noChangeAspect="1"/>
+            </p:cNvPicPr>
+            <p:nvPr>
+              <p:custDataLst>
+                <p:tags r:id="rId1"/>
+              </p:custDataLst>
+            </p:nvPr>
+          </p:nvPicPr>
+          <p:blipFill>
+            <a:blip r:embed="rId15" cstate="print">
+              <a:extLst>
+                <a:ext uri="{28A0092B-C50C-407E-A947-70E740481C1C}">
+                  <a14:useLocalDpi xmlns:a14="http://schemas.microsoft.com/office/drawing/2010/main" val="0"/>
+                </a:ext>
+              </a:extLst>
+            </a:blip>
+            <a:stretch>
+              <a:fillRect/>
+            </a:stretch>
+          </p:blipFill>
+          <p:spPr>
+            <a:xfrm>
+              <a:off x="4268376" y="1634890"/>
+              <a:ext cx="23844" cy="20144"/>
+            </a:xfrm>
+            <a:prstGeom prst="rect">
+              <a:avLst/>
+            </a:prstGeom>
+          </p:spPr>
+        </p:pic>
+        <p:pic>
+          <p:nvPicPr>
+            <p:cNvPr id="73" name="Picture 72"/>
+            <p:cNvPicPr>
+              <a:picLocks noChangeAspect="1"/>
+            </p:cNvPicPr>
+            <p:nvPr>
+              <p:custDataLst>
+                <p:tags r:id="rId2"/>
+              </p:custDataLst>
+            </p:nvPr>
+          </p:nvPicPr>
+          <p:blipFill>
+            <a:blip r:embed="rId16" cstate="print">
+              <a:extLst>
+                <a:ext uri="{28A0092B-C50C-407E-A947-70E740481C1C}">
+                  <a14:useLocalDpi xmlns:a14="http://schemas.microsoft.com/office/drawing/2010/main" val="0"/>
+                </a:ext>
+              </a:extLst>
+            </a:blip>
+            <a:stretch>
+              <a:fillRect/>
+            </a:stretch>
+          </p:blipFill>
+          <p:spPr>
+            <a:xfrm>
+              <a:off x="4160166" y="1735664"/>
+              <a:ext cx="21583" cy="16444"/>
+            </a:xfrm>
+            <a:prstGeom prst="rect">
+              <a:avLst/>
+            </a:prstGeom>
+          </p:spPr>
+        </p:pic>
+        <p:pic>
+          <p:nvPicPr>
+            <p:cNvPr id="74" name="Picture 73"/>
+            <p:cNvPicPr>
+              <a:picLocks noChangeAspect="1"/>
+            </p:cNvPicPr>
+            <p:nvPr>
+              <p:custDataLst>
+                <p:tags r:id="rId3"/>
+              </p:custDataLst>
+            </p:nvPr>
+          </p:nvPicPr>
+          <p:blipFill>
+            <a:blip r:embed="rId17" cstate="print">
+              <a:extLst>
+                <a:ext uri="{28A0092B-C50C-407E-A947-70E740481C1C}">
+                  <a14:useLocalDpi xmlns:a14="http://schemas.microsoft.com/office/drawing/2010/main" val="0"/>
+                </a:ext>
+              </a:extLst>
+            </a:blip>
+            <a:stretch>
+              <a:fillRect/>
+            </a:stretch>
+          </p:blipFill>
+          <p:spPr>
+            <a:xfrm>
+              <a:off x="4381805" y="1736809"/>
+              <a:ext cx="24050" cy="16444"/>
+            </a:xfrm>
+            <a:prstGeom prst="rect">
+              <a:avLst/>
+            </a:prstGeom>
+          </p:spPr>
+        </p:pic>
+        <p:pic>
+          <p:nvPicPr>
+            <p:cNvPr id="75" name="Picture 74"/>
+            <p:cNvPicPr>
+              <a:picLocks noChangeAspect="1"/>
+            </p:cNvPicPr>
+            <p:nvPr>
+              <p:custDataLst>
+                <p:tags r:id="rId4"/>
+              </p:custDataLst>
+            </p:nvPr>
+          </p:nvPicPr>
+          <p:blipFill>
+            <a:blip r:embed="rId18" cstate="print">
+              <a:extLst>
+                <a:ext uri="{28A0092B-C50C-407E-A947-70E740481C1C}">
+                  <a14:useLocalDpi xmlns:a14="http://schemas.microsoft.com/office/drawing/2010/main" val="0"/>
+                </a:ext>
+              </a:extLst>
+            </a:blip>
+            <a:stretch>
+              <a:fillRect/>
+            </a:stretch>
+          </p:blipFill>
+          <p:spPr>
+            <a:xfrm>
+              <a:off x="4495915" y="1735664"/>
+              <a:ext cx="26517" cy="16444"/>
+            </a:xfrm>
+            <a:prstGeom prst="rect">
+              <a:avLst/>
+            </a:prstGeom>
+          </p:spPr>
+        </p:pic>
+        <p:cxnSp>
+          <p:nvCxnSpPr>
+            <p:cNvPr id="76" name="Straight Connector 75"/>
+            <p:cNvCxnSpPr/>
+            <p:nvPr/>
+          </p:nvCxnSpPr>
+          <p:spPr>
+            <a:xfrm flipV="1">
+              <a:off x="4184150" y="1913439"/>
+              <a:ext cx="53412" cy="15"/>
+            </a:xfrm>
+            <a:prstGeom prst="line">
+              <a:avLst/>
+            </a:prstGeom>
+            <a:ln w="12700">
+              <a:solidFill>
+                <a:schemeClr val="accent5"/>
+              </a:solidFill>
+            </a:ln>
+          </p:spPr>
+          <p:style>
+            <a:lnRef idx="1">
+              <a:schemeClr val="accent1"/>
+            </a:lnRef>
+            <a:fillRef idx="0">
+              <a:schemeClr val="accent1"/>
+            </a:fillRef>
+            <a:effectRef idx="0">
+              <a:schemeClr val="accent1"/>
+            </a:effectRef>
+            <a:fontRef idx="minor">
+              <a:schemeClr val="tx1"/>
+            </a:fontRef>
+          </p:style>
+        </p:cxnSp>
+        <p:cxnSp>
+          <p:nvCxnSpPr>
+            <p:cNvPr id="77" name="Straight Connector 76"/>
+            <p:cNvCxnSpPr/>
+            <p:nvPr/>
+          </p:nvCxnSpPr>
+          <p:spPr>
+            <a:xfrm flipV="1">
+              <a:off x="4294859" y="1913439"/>
+              <a:ext cx="163149" cy="15"/>
+            </a:xfrm>
+            <a:prstGeom prst="line">
+              <a:avLst/>
+            </a:prstGeom>
+            <a:ln w="12700">
+              <a:solidFill>
+                <a:srgbClr val="FF0000"/>
+              </a:solidFill>
+            </a:ln>
+          </p:spPr>
+          <p:style>
+            <a:lnRef idx="1">
+              <a:schemeClr val="accent1"/>
+            </a:lnRef>
+            <a:fillRef idx="0">
+              <a:schemeClr val="accent1"/>
+            </a:fillRef>
+            <a:effectRef idx="0">
+              <a:schemeClr val="accent1"/>
+            </a:effectRef>
+            <a:fontRef idx="minor">
+              <a:schemeClr val="tx1"/>
+            </a:fontRef>
+          </p:style>
+        </p:cxnSp>
+        <p:cxnSp>
+          <p:nvCxnSpPr>
+            <p:cNvPr id="80" name="Straight Connector 79"/>
+            <p:cNvCxnSpPr/>
+            <p:nvPr/>
+          </p:nvCxnSpPr>
+          <p:spPr>
+            <a:xfrm>
+              <a:off x="4266367" y="1831038"/>
+              <a:ext cx="652" cy="53412"/>
+            </a:xfrm>
+            <a:prstGeom prst="line">
+              <a:avLst/>
+            </a:prstGeom>
+            <a:ln w="12700">
+              <a:solidFill>
+                <a:schemeClr val="accent5"/>
+              </a:solidFill>
+            </a:ln>
+          </p:spPr>
+          <p:style>
+            <a:lnRef idx="1">
+              <a:schemeClr val="accent1"/>
+            </a:lnRef>
+            <a:fillRef idx="0">
+              <a:schemeClr val="accent1"/>
+            </a:fillRef>
+            <a:effectRef idx="0">
+              <a:schemeClr val="accent1"/>
+            </a:effectRef>
+            <a:fontRef idx="minor">
+              <a:schemeClr val="tx1"/>
+            </a:fontRef>
+          </p:style>
+        </p:cxnSp>
+        <p:sp>
+          <p:nvSpPr>
+            <p:cNvPr id="81" name="Hexagon 80"/>
+            <p:cNvSpPr/>
+            <p:nvPr/>
+          </p:nvSpPr>
+          <p:spPr>
+            <a:xfrm rot="5400000">
+              <a:off x="4342773" y="1659822"/>
+              <a:ext cx="67979" cy="67979"/>
+            </a:xfrm>
+            <a:prstGeom prst="hexagon">
+              <a:avLst/>
+            </a:prstGeom>
+            <a:noFill/>
+            <a:ln w="12700">
+              <a:solidFill>
+                <a:srgbClr val="7030A0"/>
+              </a:solidFill>
+            </a:ln>
+          </p:spPr>
+          <p:style>
+            <a:lnRef idx="2">
+              <a:schemeClr val="accent1">
+                <a:shade val="50000"/>
+              </a:schemeClr>
+            </a:lnRef>
+            <a:fillRef idx="1">
+              <a:schemeClr val="accent1"/>
+            </a:fillRef>
+            <a:effectRef idx="0">
+              <a:schemeClr val="accent1"/>
+            </a:effectRef>
+            <a:fontRef idx="minor">
+              <a:schemeClr val="lt1"/>
+            </a:fontRef>
+          </p:style>
+          <p:txBody>
+            <a:bodyPr rtlCol="0" anchor="ctr"/>
+            <a:lstStyle/>
+            <a:p>
+              <a:pPr algn="ctr"/>
+              <a:endParaRPr lang="en-AU"/>
+            </a:p>
+          </p:txBody>
+        </p:sp>
+        <p:sp>
+          <p:nvSpPr>
+            <p:cNvPr id="82" name="Diamond 81"/>
+            <p:cNvSpPr/>
+            <p:nvPr/>
+          </p:nvSpPr>
+          <p:spPr>
+            <a:xfrm>
+              <a:off x="4453496" y="1660533"/>
+              <a:ext cx="67773" cy="67566"/>
+            </a:xfrm>
+            <a:prstGeom prst="diamond">
+              <a:avLst/>
+            </a:prstGeom>
+            <a:noFill/>
+            <a:ln w="12700">
+              <a:solidFill>
+                <a:srgbClr val="FF0000"/>
+              </a:solidFill>
+            </a:ln>
+          </p:spPr>
+          <p:style>
+            <a:lnRef idx="2">
+              <a:schemeClr val="accent1">
+                <a:shade val="50000"/>
+              </a:schemeClr>
+            </a:lnRef>
+            <a:fillRef idx="1">
+              <a:schemeClr val="accent1"/>
+            </a:fillRef>
+            <a:effectRef idx="0">
+              <a:schemeClr val="accent1"/>
+            </a:effectRef>
+            <a:fontRef idx="minor">
+              <a:schemeClr val="lt1"/>
+            </a:fontRef>
+          </p:style>
+          <p:txBody>
+            <a:bodyPr rtlCol="0" anchor="ctr"/>
+            <a:lstStyle/>
+            <a:p>
+              <a:pPr algn="ctr"/>
+              <a:endParaRPr lang="en-AU"/>
+            </a:p>
+          </p:txBody>
+        </p:sp>
+        <p:grpSp>
+          <p:nvGrpSpPr>
+            <p:cNvPr id="83" name="Group 20"/>
+            <p:cNvGrpSpPr/>
+            <p:nvPr/>
+          </p:nvGrpSpPr>
+          <p:grpSpPr>
+            <a:xfrm>
+              <a:off x="4361008" y="1548805"/>
+              <a:ext cx="31076" cy="31076"/>
+              <a:chOff x="8066715" y="1045949"/>
+              <a:chExt cx="115200" cy="115200"/>
+            </a:xfrm>
+          </p:grpSpPr>
+          <p:sp>
+            <p:nvSpPr>
+              <p:cNvPr id="103" name="Oval 102"/>
+              <p:cNvSpPr/>
+              <p:nvPr/>
+            </p:nvSpPr>
+            <p:spPr>
+              <a:xfrm>
+                <a:off x="8066715" y="1045949"/>
+                <a:ext cx="115200" cy="115200"/>
+              </a:xfrm>
+              <a:prstGeom prst="ellipse">
+                <a:avLst/>
+              </a:prstGeom>
+              <a:solidFill>
+                <a:schemeClr val="bg1"/>
+              </a:solidFill>
+              <a:ln w="12700">
+                <a:solidFill>
+                  <a:srgbClr val="7030A0"/>
+                </a:solidFill>
+              </a:ln>
+            </p:spPr>
+            <p:style>
+              <a:lnRef idx="2">
+                <a:schemeClr val="accent1">
+                  <a:shade val="50000"/>
+                </a:schemeClr>
+              </a:lnRef>
+              <a:fillRef idx="1">
+                <a:schemeClr val="accent1"/>
+              </a:fillRef>
+              <a:effectRef idx="0">
+                <a:schemeClr val="accent1"/>
+              </a:effectRef>
+              <a:fontRef idx="minor">
+                <a:schemeClr val="lt1"/>
+              </a:fontRef>
+            </p:style>
+            <p:txBody>
+              <a:bodyPr rtlCol="0" anchor="ctr"/>
+              <a:lstStyle/>
+              <a:p>
+                <a:pPr algn="ctr"/>
+                <a:endParaRPr lang="en-AU"/>
+              </a:p>
+            </p:txBody>
+          </p:sp>
+          <p:pic>
+            <p:nvPicPr>
+              <p:cNvPr id="104" name="Picture 103"/>
+              <p:cNvPicPr>
+                <a:picLocks noChangeAspect="1"/>
+              </p:cNvPicPr>
+              <p:nvPr>
+                <p:custDataLst>
+                  <p:tags r:id="rId11"/>
+                </p:custDataLst>
+              </p:nvPr>
+            </p:nvPicPr>
+            <p:blipFill>
+              <a:blip r:embed="rId19" cstate="print">
+                <a:extLst>
+                  <a:ext uri="{28A0092B-C50C-407E-A947-70E740481C1C}">
+                    <a14:useLocalDpi xmlns:a14="http://schemas.microsoft.com/office/drawing/2010/main" val="0"/>
+                  </a:ext>
+                </a:extLst>
+              </a:blip>
+              <a:stretch>
+                <a:fillRect/>
+              </a:stretch>
+            </p:blipFill>
+            <p:spPr>
+              <a:xfrm>
+                <a:off x="8075305" y="1062379"/>
+                <a:ext cx="99060" cy="77153"/>
+              </a:xfrm>
+              <a:prstGeom prst="rect">
+                <a:avLst/>
+              </a:prstGeom>
+            </p:spPr>
+          </p:pic>
+        </p:grpSp>
+        <p:grpSp>
+          <p:nvGrpSpPr>
+            <p:cNvPr id="84" name="Group 22"/>
+            <p:cNvGrpSpPr/>
+            <p:nvPr/>
+          </p:nvGrpSpPr>
+          <p:grpSpPr>
+            <a:xfrm>
+              <a:off x="4385346" y="1822298"/>
+              <a:ext cx="31076" cy="31076"/>
+              <a:chOff x="8219115" y="1198349"/>
+              <a:chExt cx="115200" cy="115200"/>
+            </a:xfrm>
+          </p:grpSpPr>
+          <p:sp>
+            <p:nvSpPr>
+              <p:cNvPr id="101" name="Oval 100"/>
+              <p:cNvSpPr/>
+              <p:nvPr/>
+            </p:nvSpPr>
+            <p:spPr>
+              <a:xfrm>
+                <a:off x="8219115" y="1198349"/>
+                <a:ext cx="115200" cy="115200"/>
+              </a:xfrm>
+              <a:prstGeom prst="ellipse">
+                <a:avLst/>
+              </a:prstGeom>
+              <a:solidFill>
+                <a:schemeClr val="bg1"/>
+              </a:solidFill>
+              <a:ln w="12700">
+                <a:solidFill>
+                  <a:srgbClr val="7030A0"/>
+                </a:solidFill>
+              </a:ln>
+            </p:spPr>
+            <p:style>
+              <a:lnRef idx="2">
+                <a:schemeClr val="accent1">
+                  <a:shade val="50000"/>
+                </a:schemeClr>
+              </a:lnRef>
+              <a:fillRef idx="1">
+                <a:schemeClr val="accent1"/>
+              </a:fillRef>
+              <a:effectRef idx="0">
+                <a:schemeClr val="accent1"/>
+              </a:effectRef>
+              <a:fontRef idx="minor">
+                <a:schemeClr val="lt1"/>
+              </a:fontRef>
+            </p:style>
+            <p:txBody>
+              <a:bodyPr rtlCol="0" anchor="ctr"/>
+              <a:lstStyle/>
+              <a:p>
+                <a:pPr algn="ctr"/>
+                <a:endParaRPr lang="en-AU"/>
+              </a:p>
+            </p:txBody>
+          </p:sp>
+          <p:pic>
+            <p:nvPicPr>
+              <p:cNvPr id="102" name="Picture 101"/>
+              <p:cNvPicPr>
+                <a:picLocks noChangeAspect="1"/>
+              </p:cNvPicPr>
+              <p:nvPr>
+                <p:custDataLst>
+                  <p:tags r:id="rId10"/>
+                </p:custDataLst>
+              </p:nvPr>
+            </p:nvPicPr>
+            <p:blipFill>
+              <a:blip r:embed="rId20" cstate="print">
+                <a:extLst>
+                  <a:ext uri="{28A0092B-C50C-407E-A947-70E740481C1C}">
+                    <a14:useLocalDpi xmlns:a14="http://schemas.microsoft.com/office/drawing/2010/main" val="0"/>
+                  </a:ext>
+                </a:extLst>
+              </a:blip>
+              <a:stretch>
+                <a:fillRect/>
+              </a:stretch>
+            </p:blipFill>
+            <p:spPr>
+              <a:xfrm>
+                <a:off x="8227705" y="1214779"/>
+                <a:ext cx="96203" cy="77153"/>
+              </a:xfrm>
+              <a:prstGeom prst="rect">
+                <a:avLst/>
+              </a:prstGeom>
+            </p:spPr>
+          </p:pic>
+        </p:grpSp>
+        <p:grpSp>
+          <p:nvGrpSpPr>
+            <p:cNvPr id="85" name="Group 24"/>
+            <p:cNvGrpSpPr/>
+            <p:nvPr/>
+          </p:nvGrpSpPr>
+          <p:grpSpPr>
+            <a:xfrm>
+              <a:off x="4335646" y="1822497"/>
+              <a:ext cx="31076" cy="31076"/>
+              <a:chOff x="8371515" y="1350749"/>
+              <a:chExt cx="115200" cy="115200"/>
+            </a:xfrm>
+          </p:grpSpPr>
+          <p:sp>
+            <p:nvSpPr>
+              <p:cNvPr id="99" name="Oval 98"/>
+              <p:cNvSpPr/>
+              <p:nvPr/>
+            </p:nvSpPr>
+            <p:spPr>
+              <a:xfrm>
+                <a:off x="8371515" y="1350749"/>
+                <a:ext cx="115200" cy="115200"/>
+              </a:xfrm>
+              <a:prstGeom prst="ellipse">
+                <a:avLst/>
+              </a:prstGeom>
+              <a:solidFill>
+                <a:schemeClr val="bg1"/>
+              </a:solidFill>
+              <a:ln w="12700">
+                <a:solidFill>
+                  <a:srgbClr val="7030A0"/>
+                </a:solidFill>
+              </a:ln>
+            </p:spPr>
+            <p:style>
+              <a:lnRef idx="2">
+                <a:schemeClr val="accent1">
+                  <a:shade val="50000"/>
+                </a:schemeClr>
+              </a:lnRef>
+              <a:fillRef idx="1">
+                <a:schemeClr val="accent1"/>
+              </a:fillRef>
+              <a:effectRef idx="0">
+                <a:schemeClr val="accent1"/>
+              </a:effectRef>
+              <a:fontRef idx="minor">
+                <a:schemeClr val="lt1"/>
+              </a:fontRef>
+            </p:style>
+            <p:txBody>
+              <a:bodyPr rtlCol="0" anchor="ctr"/>
+              <a:lstStyle/>
+              <a:p>
+                <a:pPr algn="ctr"/>
+                <a:endParaRPr lang="en-AU"/>
+              </a:p>
+            </p:txBody>
+          </p:sp>
+          <p:pic>
+            <p:nvPicPr>
+              <p:cNvPr id="100" name="Picture 99"/>
+              <p:cNvPicPr>
+                <a:picLocks noChangeAspect="1"/>
+              </p:cNvPicPr>
+              <p:nvPr>
+                <p:custDataLst>
+                  <p:tags r:id="rId9"/>
+                </p:custDataLst>
+              </p:nvPr>
+            </p:nvPicPr>
+            <p:blipFill>
+              <a:blip r:embed="rId21" cstate="print">
+                <a:extLst>
+                  <a:ext uri="{28A0092B-C50C-407E-A947-70E740481C1C}">
+                    <a14:useLocalDpi xmlns:a14="http://schemas.microsoft.com/office/drawing/2010/main" val="0"/>
+                  </a:ext>
+                </a:extLst>
+              </a:blip>
+              <a:stretch>
+                <a:fillRect/>
+              </a:stretch>
+            </p:blipFill>
+            <p:spPr>
+              <a:xfrm>
+                <a:off x="8380105" y="1367179"/>
+                <a:ext cx="95250" cy="77153"/>
+              </a:xfrm>
+              <a:prstGeom prst="rect">
+                <a:avLst/>
+              </a:prstGeom>
+            </p:spPr>
+          </p:pic>
+        </p:grpSp>
+        <p:grpSp>
+          <p:nvGrpSpPr>
+            <p:cNvPr id="86" name="Group 41"/>
+            <p:cNvGrpSpPr/>
+            <p:nvPr/>
+          </p:nvGrpSpPr>
+          <p:grpSpPr>
+            <a:xfrm>
+              <a:off x="4199673" y="1491661"/>
+              <a:ext cx="31076" cy="31076"/>
+              <a:chOff x="6716324" y="1038714"/>
+              <a:chExt cx="115200" cy="115200"/>
+            </a:xfrm>
+          </p:grpSpPr>
+          <p:cxnSp>
+            <p:nvCxnSpPr>
+              <p:cNvPr id="96" name="Straight Connector 95"/>
+              <p:cNvCxnSpPr/>
+              <p:nvPr/>
+            </p:nvCxnSpPr>
+            <p:spPr>
+              <a:xfrm flipH="1">
+                <a:off x="6785943" y="1070532"/>
+                <a:ext cx="0" cy="79200"/>
+              </a:xfrm>
+              <a:prstGeom prst="line">
+                <a:avLst/>
+              </a:prstGeom>
+              <a:ln w="12700">
+                <a:solidFill>
+                  <a:srgbClr val="C00000"/>
+                </a:solidFill>
+              </a:ln>
+            </p:spPr>
+            <p:style>
+              <a:lnRef idx="1">
+                <a:schemeClr val="accent1"/>
+              </a:lnRef>
+              <a:fillRef idx="0">
+                <a:schemeClr val="accent1"/>
+              </a:fillRef>
+              <a:effectRef idx="0">
+                <a:schemeClr val="accent1"/>
+              </a:effectRef>
+              <a:fontRef idx="minor">
+                <a:schemeClr val="tx1"/>
+              </a:fontRef>
+            </p:style>
+          </p:cxnSp>
+          <p:sp>
+            <p:nvSpPr>
+              <p:cNvPr id="97" name="Oval 96"/>
+              <p:cNvSpPr/>
+              <p:nvPr/>
+            </p:nvSpPr>
+            <p:spPr>
+              <a:xfrm>
+                <a:off x="6716324" y="1038714"/>
+                <a:ext cx="115200" cy="115200"/>
+              </a:xfrm>
+              <a:prstGeom prst="ellipse">
+                <a:avLst/>
+              </a:prstGeom>
+              <a:solidFill>
+                <a:schemeClr val="bg1"/>
+              </a:solidFill>
+              <a:ln w="12700">
+                <a:solidFill>
+                  <a:srgbClr val="C00000"/>
+                </a:solidFill>
+              </a:ln>
+            </p:spPr>
+            <p:style>
+              <a:lnRef idx="2">
+                <a:schemeClr val="accent1">
+                  <a:shade val="50000"/>
+                </a:schemeClr>
+              </a:lnRef>
+              <a:fillRef idx="1">
+                <a:schemeClr val="accent1"/>
+              </a:fillRef>
+              <a:effectRef idx="0">
+                <a:schemeClr val="accent1"/>
+              </a:effectRef>
+              <a:fontRef idx="minor">
+                <a:schemeClr val="lt1"/>
+              </a:fontRef>
+            </p:style>
+            <p:txBody>
+              <a:bodyPr rtlCol="0" anchor="ctr"/>
+              <a:lstStyle/>
+              <a:p>
+                <a:pPr algn="ctr"/>
+                <a:endParaRPr lang="en-AU"/>
+              </a:p>
+            </p:txBody>
+          </p:sp>
+          <p:pic>
+            <p:nvPicPr>
+              <p:cNvPr id="98" name="Picture 97"/>
+              <p:cNvPicPr>
+                <a:picLocks noChangeAspect="1"/>
+              </p:cNvPicPr>
+              <p:nvPr>
+                <p:custDataLst>
+                  <p:tags r:id="rId8"/>
+                </p:custDataLst>
+              </p:nvPr>
+            </p:nvPicPr>
+            <p:blipFill>
+              <a:blip r:embed="rId22" cstate="print">
+                <a:extLst>
+                  <a:ext uri="{28A0092B-C50C-407E-A947-70E740481C1C}">
+                    <a14:useLocalDpi xmlns:a14="http://schemas.microsoft.com/office/drawing/2010/main" val="0"/>
+                  </a:ext>
+                </a:extLst>
+              </a:blip>
+              <a:stretch>
+                <a:fillRect/>
+              </a:stretch>
+            </p:blipFill>
+            <p:spPr>
+              <a:xfrm>
+                <a:off x="6724914" y="1057525"/>
+                <a:ext cx="95250" cy="75248"/>
+              </a:xfrm>
+              <a:prstGeom prst="rect">
+                <a:avLst/>
+              </a:prstGeom>
+            </p:spPr>
+          </p:pic>
+        </p:grpSp>
+        <p:grpSp>
+          <p:nvGrpSpPr>
+            <p:cNvPr id="87" name="Group 38"/>
+            <p:cNvGrpSpPr/>
+            <p:nvPr/>
+          </p:nvGrpSpPr>
+          <p:grpSpPr>
+            <a:xfrm>
+              <a:off x="4251155" y="1491661"/>
+              <a:ext cx="31076" cy="31076"/>
+              <a:chOff x="8676315" y="1655549"/>
+              <a:chExt cx="115200" cy="115200"/>
+            </a:xfrm>
+          </p:grpSpPr>
+          <p:sp>
+            <p:nvSpPr>
+              <p:cNvPr id="94" name="Oval 93"/>
+              <p:cNvSpPr/>
+              <p:nvPr/>
+            </p:nvSpPr>
+            <p:spPr>
+              <a:xfrm>
+                <a:off x="8676315" y="1655549"/>
+                <a:ext cx="115200" cy="115200"/>
+              </a:xfrm>
+              <a:prstGeom prst="ellipse">
+                <a:avLst/>
+              </a:prstGeom>
+              <a:solidFill>
+                <a:schemeClr val="bg1"/>
+              </a:solidFill>
+              <a:ln w="12700">
+                <a:solidFill>
+                  <a:schemeClr val="tx1"/>
+                </a:solidFill>
+              </a:ln>
+            </p:spPr>
+            <p:style>
+              <a:lnRef idx="2">
+                <a:schemeClr val="accent1">
+                  <a:shade val="50000"/>
+                </a:schemeClr>
+              </a:lnRef>
+              <a:fillRef idx="1">
+                <a:schemeClr val="accent1"/>
+              </a:fillRef>
+              <a:effectRef idx="0">
+                <a:schemeClr val="accent1"/>
+              </a:effectRef>
+              <a:fontRef idx="minor">
+                <a:schemeClr val="lt1"/>
+              </a:fontRef>
+            </p:style>
+            <p:txBody>
+              <a:bodyPr rtlCol="0" anchor="ctr"/>
+              <a:lstStyle/>
+              <a:p>
+                <a:pPr algn="ctr"/>
+                <a:endParaRPr lang="en-AU"/>
+              </a:p>
+            </p:txBody>
+          </p:sp>
+          <p:pic>
+            <p:nvPicPr>
+              <p:cNvPr id="95" name="Picture 94"/>
+              <p:cNvPicPr>
+                <a:picLocks noChangeAspect="1"/>
+              </p:cNvPicPr>
+              <p:nvPr>
+                <p:custDataLst>
+                  <p:tags r:id="rId7"/>
+                </p:custDataLst>
+              </p:nvPr>
+            </p:nvPicPr>
+            <p:blipFill>
+              <a:blip r:embed="rId23" cstate="print">
+                <a:extLst>
+                  <a:ext uri="{28A0092B-C50C-407E-A947-70E740481C1C}">
+                    <a14:useLocalDpi xmlns:a14="http://schemas.microsoft.com/office/drawing/2010/main" val="0"/>
+                  </a:ext>
+                </a:extLst>
+              </a:blip>
+              <a:stretch>
+                <a:fillRect/>
+              </a:stretch>
+            </p:blipFill>
+            <p:spPr>
+              <a:xfrm>
+                <a:off x="8684905" y="1671979"/>
+                <a:ext cx="98108" cy="75248"/>
+              </a:xfrm>
+              <a:prstGeom prst="rect">
+                <a:avLst/>
+              </a:prstGeom>
+            </p:spPr>
+          </p:pic>
+        </p:grpSp>
+        <p:grpSp>
+          <p:nvGrpSpPr>
+            <p:cNvPr id="88" name="Group 52"/>
+            <p:cNvGrpSpPr/>
+            <p:nvPr/>
+          </p:nvGrpSpPr>
+          <p:grpSpPr>
+            <a:xfrm>
+              <a:off x="4139478" y="1822497"/>
+              <a:ext cx="31076" cy="31076"/>
+              <a:chOff x="8828715" y="1807949"/>
+              <a:chExt cx="115200" cy="115200"/>
+            </a:xfrm>
+          </p:grpSpPr>
+          <p:sp>
+            <p:nvSpPr>
+              <p:cNvPr id="92" name="Oval 91"/>
+              <p:cNvSpPr/>
+              <p:nvPr/>
+            </p:nvSpPr>
+            <p:spPr>
+              <a:xfrm>
+                <a:off x="8828715" y="1807949"/>
+                <a:ext cx="115200" cy="115200"/>
+              </a:xfrm>
+              <a:prstGeom prst="ellipse">
+                <a:avLst/>
+              </a:prstGeom>
+              <a:solidFill>
+                <a:schemeClr val="bg1"/>
+              </a:solidFill>
+              <a:ln w="12700">
+                <a:solidFill>
+                  <a:schemeClr val="accent5"/>
+                </a:solidFill>
+              </a:ln>
+            </p:spPr>
+            <p:style>
+              <a:lnRef idx="2">
+                <a:schemeClr val="accent1">
+                  <a:shade val="50000"/>
+                </a:schemeClr>
+              </a:lnRef>
+              <a:fillRef idx="1">
+                <a:schemeClr val="accent1"/>
+              </a:fillRef>
+              <a:effectRef idx="0">
+                <a:schemeClr val="accent1"/>
+              </a:effectRef>
+              <a:fontRef idx="minor">
+                <a:schemeClr val="lt1"/>
+              </a:fontRef>
+            </p:style>
+            <p:txBody>
+              <a:bodyPr rtlCol="0" anchor="ctr"/>
+              <a:lstStyle/>
+              <a:p>
+                <a:pPr algn="ctr"/>
+                <a:endParaRPr lang="en-AU"/>
+              </a:p>
+            </p:txBody>
+          </p:sp>
+          <p:pic>
+            <p:nvPicPr>
+              <p:cNvPr id="93" name="Picture 92"/>
+              <p:cNvPicPr>
+                <a:picLocks noChangeAspect="1"/>
+              </p:cNvPicPr>
+              <p:nvPr>
+                <p:custDataLst>
+                  <p:tags r:id="rId6"/>
+                </p:custDataLst>
+              </p:nvPr>
+            </p:nvPicPr>
+            <p:blipFill>
+              <a:blip r:embed="rId24" cstate="print">
+                <a:extLst>
+                  <a:ext uri="{28A0092B-C50C-407E-A947-70E740481C1C}">
+                    <a14:useLocalDpi xmlns:a14="http://schemas.microsoft.com/office/drawing/2010/main" val="0"/>
+                  </a:ext>
+                </a:extLst>
+              </a:blip>
+              <a:stretch>
+                <a:fillRect/>
+              </a:stretch>
+            </p:blipFill>
+            <p:spPr>
+              <a:xfrm>
+                <a:off x="8837305" y="1824379"/>
+                <a:ext cx="92393" cy="75248"/>
+              </a:xfrm>
+              <a:prstGeom prst="rect">
+                <a:avLst/>
+              </a:prstGeom>
+            </p:spPr>
+          </p:pic>
+        </p:grpSp>
+        <p:grpSp>
+          <p:nvGrpSpPr>
+            <p:cNvPr id="89" name="Group 53"/>
+            <p:cNvGrpSpPr/>
+            <p:nvPr/>
+          </p:nvGrpSpPr>
+          <p:grpSpPr>
+            <a:xfrm>
+              <a:off x="4471471" y="1821806"/>
+              <a:ext cx="31076" cy="31076"/>
+              <a:chOff x="8828715" y="2027001"/>
+              <a:chExt cx="115200" cy="115200"/>
+            </a:xfrm>
+          </p:grpSpPr>
+          <p:sp>
+            <p:nvSpPr>
+              <p:cNvPr id="90" name="Oval 89"/>
+              <p:cNvSpPr/>
+              <p:nvPr/>
+            </p:nvSpPr>
+            <p:spPr>
+              <a:xfrm>
+                <a:off x="8828715" y="2027001"/>
+                <a:ext cx="115200" cy="115200"/>
+              </a:xfrm>
+              <a:prstGeom prst="ellipse">
+                <a:avLst/>
+              </a:prstGeom>
+              <a:solidFill>
+                <a:schemeClr val="bg1"/>
+              </a:solidFill>
+              <a:ln w="12700">
+                <a:solidFill>
+                  <a:srgbClr val="FF0000"/>
+                </a:solidFill>
+              </a:ln>
+            </p:spPr>
+            <p:style>
+              <a:lnRef idx="2">
+                <a:schemeClr val="accent1">
+                  <a:shade val="50000"/>
+                </a:schemeClr>
+              </a:lnRef>
+              <a:fillRef idx="1">
+                <a:schemeClr val="accent1"/>
+              </a:fillRef>
+              <a:effectRef idx="0">
+                <a:schemeClr val="accent1"/>
+              </a:effectRef>
+              <a:fontRef idx="minor">
+                <a:schemeClr val="lt1"/>
+              </a:fontRef>
+            </p:style>
+            <p:txBody>
+              <a:bodyPr rtlCol="0" anchor="ctr"/>
+              <a:lstStyle/>
+              <a:p>
+                <a:pPr algn="ctr"/>
+                <a:endParaRPr lang="en-AU"/>
+              </a:p>
+            </p:txBody>
+          </p:sp>
+          <p:pic>
+            <p:nvPicPr>
+              <p:cNvPr id="91" name="Picture 90"/>
+              <p:cNvPicPr>
+                <a:picLocks noChangeAspect="1"/>
+              </p:cNvPicPr>
+              <p:nvPr>
+                <p:custDataLst>
+                  <p:tags r:id="rId5"/>
+                </p:custDataLst>
+              </p:nvPr>
+            </p:nvPicPr>
+            <p:blipFill>
+              <a:blip r:embed="rId25" cstate="print">
+                <a:extLst>
+                  <a:ext uri="{28A0092B-C50C-407E-A947-70E740481C1C}">
+                    <a14:useLocalDpi xmlns:a14="http://schemas.microsoft.com/office/drawing/2010/main" val="0"/>
+                  </a:ext>
+                </a:extLst>
+              </a:blip>
+              <a:stretch>
+                <a:fillRect/>
+              </a:stretch>
+            </p:blipFill>
+            <p:spPr>
+              <a:xfrm>
+                <a:off x="8837305" y="2043431"/>
+                <a:ext cx="96203" cy="77153"/>
+              </a:xfrm>
+              <a:prstGeom prst="rect">
+                <a:avLst/>
+              </a:prstGeom>
+            </p:spPr>
+          </p:pic>
+        </p:grpSp>
+      </p:grpSp>
+      <p:sp>
+        <p:nvSpPr>
+          <p:cNvPr id="114" name="TextBox 113"/>
+          <p:cNvSpPr txBox="1"/>
+          <p:nvPr/>
+        </p:nvSpPr>
+        <p:spPr>
+          <a:xfrm>
+            <a:off x="0" y="0"/>
+            <a:ext cx="295274" cy="276999"/>
+          </a:xfrm>
+          <a:prstGeom prst="rect">
+            <a:avLst/>
+          </a:prstGeom>
+          <a:noFill/>
+        </p:spPr>
+        <p:txBody>
+          <a:bodyPr wrap="none" rtlCol="0">
+            <a:spAutoFit/>
+          </a:bodyPr>
+          <a:lstStyle/>
+          <a:p>
+            <a:r>
+              <a:rPr lang="en-AU" sz="1200" b="1" dirty="0" smtClean="0">
+                <a:latin typeface="Arial" pitchFamily="34" charset="0"/>
+                <a:cs typeface="Arial" pitchFamily="34" charset="0"/>
+              </a:rPr>
+              <a:t>A</a:t>
+            </a:r>
+            <a:endParaRPr lang="en-AU" sz="1200" b="1" dirty="0">
+              <a:latin typeface="Arial" pitchFamily="34" charset="0"/>
+              <a:cs typeface="Arial" pitchFamily="34" charset="0"/>
+            </a:endParaRPr>
+          </a:p>
+        </p:txBody>
+      </p:sp>
+      <p:sp>
+        <p:nvSpPr>
+          <p:cNvPr id="129" name="TextBox 128"/>
+          <p:cNvSpPr txBox="1"/>
+          <p:nvPr/>
+        </p:nvSpPr>
+        <p:spPr>
+          <a:xfrm>
+            <a:off x="0" y="1440000"/>
+            <a:ext cx="295274" cy="276999"/>
+          </a:xfrm>
+          <a:prstGeom prst="rect">
+            <a:avLst/>
+          </a:prstGeom>
+          <a:noFill/>
+        </p:spPr>
+        <p:txBody>
+          <a:bodyPr wrap="none" rtlCol="0">
+            <a:spAutoFit/>
+          </a:bodyPr>
+          <a:lstStyle/>
+          <a:p>
+            <a:r>
+              <a:rPr lang="en-AU" sz="1200" b="1" dirty="0" smtClean="0">
+                <a:latin typeface="Arial" pitchFamily="34" charset="0"/>
+                <a:cs typeface="Arial" pitchFamily="34" charset="0"/>
+              </a:rPr>
+              <a:t>B</a:t>
+            </a:r>
+            <a:endParaRPr lang="en-AU" sz="1200" b="1" dirty="0">
+              <a:latin typeface="Arial" pitchFamily="34" charset="0"/>
+              <a:cs typeface="Arial" pitchFamily="34" charset="0"/>
+            </a:endParaRPr>
+          </a:p>
+        </p:txBody>
+      </p:sp>
+      <p:pic>
+        <p:nvPicPr>
+          <p:cNvPr id="2" name="Picture 3" descr="C:\Users\Richard\Dropbox\Work\PhD\Projects\Images\Images\jpg\Rat (2).jpg"/>
+          <p:cNvPicPr>
+            <a:picLocks noChangeAspect="1" noChangeArrowheads="1"/>
+          </p:cNvPicPr>
+          <p:nvPr/>
+        </p:nvPicPr>
+        <p:blipFill rotWithShape="1">
+          <a:blip r:embed="rId26" cstate="print">
+            <a:extLst>
+              <a:ext uri="{28A0092B-C50C-407E-A947-70E740481C1C}">
+                <a14:useLocalDpi xmlns:a14="http://schemas.microsoft.com/office/drawing/2010/main" val="0"/>
+              </a:ext>
+            </a:extLst>
+          </a:blip>
+          <a:srcRect l="2778" r="2778" b="6556"/>
+          <a:stretch/>
+        </p:blipFill>
+        <p:spPr bwMode="auto">
+          <a:xfrm>
+            <a:off x="14257" y="378000"/>
+            <a:ext cx="612000" cy="648000"/>
+          </a:xfrm>
+          <a:prstGeom prst="roundRect">
+            <a:avLst>
+              <a:gd name="adj" fmla="val 28620"/>
+            </a:avLst>
+          </a:prstGeom>
+          <a:noFill/>
+          <a:extLst>
+            <a:ext uri="{909E8E84-426E-40DD-AFC4-6F175D3DCCD1}">
+              <a14:hiddenFill xmlns:a14="http://schemas.microsoft.com/office/drawing/2010/main">
+                <a:solidFill>
+                  <a:srgbClr val="FFFFFF"/>
+                </a:solidFill>
+              </a14:hiddenFill>
+            </a:ext>
+          </a:extLst>
+        </p:spPr>
+      </p:pic>
+    </p:spTree>
+    <p:extLst>
+      <p:ext uri="{BB962C8B-B14F-4D97-AF65-F5344CB8AC3E}">
+        <p14:creationId xmlns:p14="http://schemas.microsoft.com/office/powerpoint/2010/main" val="3334956003"/>
+      </p:ext>
+    </p:extLst>
+  </p:cSld>
+  <p:clrMapOvr>
+    <a:masterClrMapping/>
+  </p:clrMapOvr>
+  <p:timing>
+    <p:tnLst>
+      <p:par>
+        <p:cTn id="1" dur="indefinite" restart="never" nodeType="tmRoot"/>
+      </p:par>
+    </p:tnLst>
+  </p:timing>
+</p:sld>
+</file>
+
+<file path=ppt/slides/slide18.xml><?xml version="1.0" encoding="utf-8"?>
+<p:sld xmlns:a="http://schemas.openxmlformats.org/drawingml/2006/main" xmlns:r="http://schemas.openxmlformats.org/officeDocument/2006/relationships" xmlns:p="http://schemas.openxmlformats.org/presentationml/2006/main">
+  <p:cSld>
+    <p:spTree>
+      <p:nvGrpSpPr>
+        <p:cNvPr id="1" name=""/>
+        <p:cNvGrpSpPr/>
+        <p:nvPr/>
+      </p:nvGrpSpPr>
+      <p:grpSpPr>
+        <a:xfrm>
+          <a:off x="0" y="0"/>
+          <a:ext cx="0" cy="0"/>
+          <a:chOff x="0" y="0"/>
+          <a:chExt cx="0" cy="0"/>
+        </a:xfrm>
+      </p:grpSpPr>
+      <p:sp>
+        <p:nvSpPr>
+          <p:cNvPr id="4" name="Rectangle 3"/>
+          <p:cNvSpPr/>
+          <p:nvPr/>
+        </p:nvSpPr>
+        <p:spPr>
+          <a:xfrm>
+            <a:off x="0" y="1"/>
+            <a:ext cx="6120000" cy="4140000"/>
+          </a:xfrm>
+          <a:prstGeom prst="rect">
+            <a:avLst/>
+          </a:prstGeom>
+          <a:noFill/>
+          <a:ln w="3175"/>
+        </p:spPr>
+        <p:style>
+          <a:lnRef idx="2">
+            <a:schemeClr val="accent1">
+              <a:shade val="50000"/>
+            </a:schemeClr>
+          </a:lnRef>
+          <a:fillRef idx="1">
+            <a:schemeClr val="accent1"/>
+          </a:fillRef>
+          <a:effectRef idx="0">
+            <a:schemeClr val="accent1"/>
+          </a:effectRef>
+          <a:fontRef idx="minor">
+            <a:schemeClr val="lt1"/>
+          </a:fontRef>
+        </p:style>
+        <p:txBody>
+          <a:bodyPr rtlCol="0" anchor="ctr"/>
+          <a:lstStyle/>
+          <a:p>
+            <a:pPr algn="ctr"/>
+            <a:endParaRPr lang="en-AU"/>
+          </a:p>
+        </p:txBody>
+      </p:sp>
+      <p:sp>
+        <p:nvSpPr>
+          <p:cNvPr id="5" name="Rectangle 4"/>
+          <p:cNvSpPr/>
+          <p:nvPr/>
+        </p:nvSpPr>
+        <p:spPr>
+          <a:xfrm>
+            <a:off x="0" y="1"/>
+            <a:ext cx="3060000" cy="4140000"/>
+          </a:xfrm>
+          <a:prstGeom prst="rect">
+            <a:avLst/>
+          </a:prstGeom>
+          <a:noFill/>
+          <a:ln w="3175"/>
+        </p:spPr>
+        <p:style>
+          <a:lnRef idx="2">
+            <a:schemeClr val="accent1">
+              <a:shade val="50000"/>
+            </a:schemeClr>
+          </a:lnRef>
+          <a:fillRef idx="1">
+            <a:schemeClr val="accent1"/>
+          </a:fillRef>
+          <a:effectRef idx="0">
+            <a:schemeClr val="accent1"/>
+          </a:effectRef>
+          <a:fontRef idx="minor">
+            <a:schemeClr val="lt1"/>
+          </a:fontRef>
+        </p:style>
+        <p:txBody>
+          <a:bodyPr rtlCol="0" anchor="ctr"/>
+          <a:lstStyle/>
+          <a:p>
+            <a:pPr algn="ctr"/>
+            <a:endParaRPr lang="en-AU"/>
+          </a:p>
+        </p:txBody>
+      </p:sp>
+      <p:sp>
+        <p:nvSpPr>
+          <p:cNvPr id="6" name="TextBox 5"/>
+          <p:cNvSpPr txBox="1"/>
+          <p:nvPr/>
+        </p:nvSpPr>
+        <p:spPr>
+          <a:xfrm>
+            <a:off x="0" y="190800"/>
+            <a:ext cx="295274" cy="276999"/>
+          </a:xfrm>
+          <a:prstGeom prst="rect">
+            <a:avLst/>
+          </a:prstGeom>
+          <a:noFill/>
+        </p:spPr>
+        <p:txBody>
+          <a:bodyPr wrap="none" rtlCol="0">
+            <a:spAutoFit/>
+          </a:bodyPr>
+          <a:lstStyle/>
+          <a:p>
+            <a:r>
+              <a:rPr lang="en-AU" sz="1200" b="1" dirty="0" smtClean="0">
+                <a:latin typeface="Arial" pitchFamily="34" charset="0"/>
+                <a:cs typeface="Arial" pitchFamily="34" charset="0"/>
+              </a:rPr>
+              <a:t>A</a:t>
+            </a:r>
+            <a:endParaRPr lang="en-AU" sz="1200" b="1" dirty="0">
+              <a:latin typeface="Arial" pitchFamily="34" charset="0"/>
+              <a:cs typeface="Arial" pitchFamily="34" charset="0"/>
+            </a:endParaRPr>
+          </a:p>
+        </p:txBody>
+      </p:sp>
+      <p:sp>
+        <p:nvSpPr>
+          <p:cNvPr id="7" name="TextBox 6"/>
+          <p:cNvSpPr txBox="1"/>
+          <p:nvPr/>
+        </p:nvSpPr>
+        <p:spPr>
+          <a:xfrm>
+            <a:off x="3060000" y="190800"/>
+            <a:ext cx="295274" cy="276999"/>
+          </a:xfrm>
+          <a:prstGeom prst="rect">
+            <a:avLst/>
+          </a:prstGeom>
+          <a:noFill/>
+        </p:spPr>
+        <p:txBody>
+          <a:bodyPr wrap="none" rtlCol="0">
+            <a:spAutoFit/>
+          </a:bodyPr>
+          <a:lstStyle/>
+          <a:p>
+            <a:r>
+              <a:rPr lang="en-AU" sz="1200" b="1" dirty="0">
+                <a:latin typeface="Arial" pitchFamily="34" charset="0"/>
+                <a:cs typeface="Arial" pitchFamily="34" charset="0"/>
+              </a:rPr>
+              <a:t>B</a:t>
+            </a:r>
+            <a:endParaRPr lang="en-AU" sz="1200" b="1" dirty="0">
+              <a:latin typeface="Arial" pitchFamily="34" charset="0"/>
+              <a:cs typeface="Arial" pitchFamily="34" charset="0"/>
+            </a:endParaRPr>
+          </a:p>
+        </p:txBody>
+      </p:sp>
+      <p:pic>
+        <p:nvPicPr>
+          <p:cNvPr id="1027" name="Picture 3"/>
+          <p:cNvPicPr>
+            <a:picLocks noChangeAspect="1" noChangeArrowheads="1"/>
+          </p:cNvPicPr>
+          <p:nvPr/>
+        </p:nvPicPr>
+        <p:blipFill rotWithShape="1">
+          <a:blip r:embed="rId2" cstate="print">
+            <a:extLst>
+              <a:ext uri="{28A0092B-C50C-407E-A947-70E740481C1C}">
+                <a14:useLocalDpi xmlns:a14="http://schemas.microsoft.com/office/drawing/2010/main" val="0"/>
+              </a:ext>
+            </a:extLst>
+          </a:blip>
+          <a:srcRect l="1205" t="7167" r="8434" b="2364"/>
+          <a:stretch/>
+        </p:blipFill>
+        <p:spPr bwMode="auto">
+          <a:xfrm>
+            <a:off x="179512" y="396000"/>
+            <a:ext cx="2700000" cy="3636000"/>
+          </a:xfrm>
+          <a:prstGeom prst="rect">
+            <a:avLst/>
+          </a:prstGeom>
+          <a:noFill/>
+          <a:ln>
+            <a:noFill/>
+          </a:ln>
+          <a:extLst>
+            <a:ext uri="{909E8E84-426E-40DD-AFC4-6F175D3DCCD1}">
+              <a14:hiddenFill xmlns:a14="http://schemas.microsoft.com/office/drawing/2010/main">
+                <a:solidFill>
+                  <a:schemeClr val="accent1"/>
+                </a:solidFill>
+              </a14:hiddenFill>
+            </a:ext>
+            <a:ext uri="{91240B29-F687-4F45-9708-019B960494DF}">
+              <a14:hiddenLine xmlns:a14="http://schemas.microsoft.com/office/drawing/2010/main" w="9525">
+                <a:solidFill>
+                  <a:schemeClr val="tx1"/>
+                </a:solidFill>
+                <a:miter lim="800000"/>
+                <a:headEnd/>
+                <a:tailEnd/>
+              </a14:hiddenLine>
+            </a:ext>
+          </a:extLst>
+        </p:spPr>
+      </p:pic>
+      <p:pic>
+        <p:nvPicPr>
+          <p:cNvPr id="1028" name="Picture 4"/>
+          <p:cNvPicPr>
+            <a:picLocks noChangeAspect="1" noChangeArrowheads="1"/>
+          </p:cNvPicPr>
+          <p:nvPr/>
+        </p:nvPicPr>
+        <p:blipFill rotWithShape="1">
+          <a:blip r:embed="rId3" cstate="print">
+            <a:extLst>
+              <a:ext uri="{28A0092B-C50C-407E-A947-70E740481C1C}">
+                <a14:useLocalDpi xmlns:a14="http://schemas.microsoft.com/office/drawing/2010/main" val="0"/>
+              </a:ext>
+            </a:extLst>
+          </a:blip>
+          <a:srcRect l="682" t="6851" r="8956" b="2681"/>
+          <a:stretch/>
+        </p:blipFill>
+        <p:spPr bwMode="auto">
+          <a:xfrm>
+            <a:off x="3240152" y="396000"/>
+            <a:ext cx="2700000" cy="3636000"/>
+          </a:xfrm>
+          <a:prstGeom prst="rect">
+            <a:avLst/>
+          </a:prstGeom>
+          <a:noFill/>
+          <a:ln>
+            <a:noFill/>
+          </a:ln>
+          <a:extLst>
+            <a:ext uri="{909E8E84-426E-40DD-AFC4-6F175D3DCCD1}">
+              <a14:hiddenFill xmlns:a14="http://schemas.microsoft.com/office/drawing/2010/main">
+                <a:solidFill>
+                  <a:schemeClr val="accent1"/>
+                </a:solidFill>
+              </a14:hiddenFill>
+            </a:ext>
+            <a:ext uri="{91240B29-F687-4F45-9708-019B960494DF}">
+              <a14:hiddenLine xmlns:a14="http://schemas.microsoft.com/office/drawing/2010/main" w="9525">
+                <a:solidFill>
+                  <a:schemeClr val="tx1"/>
+                </a:solidFill>
+                <a:miter lim="800000"/>
+                <a:headEnd/>
+                <a:tailEnd/>
+              </a14:hiddenLine>
+            </a:ext>
+          </a:extLst>
+        </p:spPr>
+      </p:pic>
+      <p:pic>
+        <p:nvPicPr>
+          <p:cNvPr id="12" name="Picture 8"/>
+          <p:cNvPicPr>
+            <a:picLocks noChangeAspect="1" noChangeArrowheads="1"/>
+          </p:cNvPicPr>
+          <p:nvPr/>
+        </p:nvPicPr>
+        <p:blipFill rotWithShape="1">
+          <a:blip r:embed="rId4" cstate="print">
+            <a:extLst>
+              <a:ext uri="{28A0092B-C50C-407E-A947-70E740481C1C}">
+                <a14:useLocalDpi xmlns:a14="http://schemas.microsoft.com/office/drawing/2010/main" val="0"/>
+              </a:ext>
+            </a:extLst>
+          </a:blip>
+          <a:srcRect l="591" t="2597" r="614" b="93814"/>
+          <a:stretch/>
+        </p:blipFill>
+        <p:spPr bwMode="auto">
+          <a:xfrm>
+            <a:off x="1584000" y="7200"/>
+            <a:ext cx="2952000" cy="144000"/>
+          </a:xfrm>
+          <a:prstGeom prst="rect">
+            <a:avLst/>
+          </a:prstGeom>
+          <a:noFill/>
+          <a:ln>
+            <a:noFill/>
+          </a:ln>
+          <a:extLst>
+            <a:ext uri="{909E8E84-426E-40DD-AFC4-6F175D3DCCD1}">
+              <a14:hiddenFill xmlns:a14="http://schemas.microsoft.com/office/drawing/2010/main">
+                <a:solidFill>
+                  <a:schemeClr val="accent1"/>
+                </a:solidFill>
+              </a14:hiddenFill>
+            </a:ext>
+            <a:ext uri="{91240B29-F687-4F45-9708-019B960494DF}">
+              <a14:hiddenLine xmlns:a14="http://schemas.microsoft.com/office/drawing/2010/main" w="9525">
+                <a:solidFill>
+                  <a:schemeClr val="tx1"/>
+                </a:solidFill>
+                <a:miter lim="800000"/>
+                <a:headEnd/>
+                <a:tailEnd/>
+              </a14:hiddenLine>
+            </a:ext>
+          </a:extLst>
+        </p:spPr>
+      </p:pic>
+    </p:spTree>
+    <p:extLst>
+      <p:ext uri="{BB962C8B-B14F-4D97-AF65-F5344CB8AC3E}">
+        <p14:creationId xmlns:p14="http://schemas.microsoft.com/office/powerpoint/2010/main" val="295597074"/>
+      </p:ext>
+    </p:extLst>
+  </p:cSld>
+  <p:clrMapOvr>
+    <a:masterClrMapping/>
+  </p:clrMapOvr>
+  <p:timing>
+    <p:tnLst>
+      <p:par>
+        <p:cTn id="1" dur="indefinite" restart="never" nodeType="tmRoot"/>
+      </p:par>
+    </p:tnLst>
+  </p:timing>
+</p:sld>
+</file>
+
+<file path=ppt/slides/slide19.xml><?xml version="1.0" encoding="utf-8"?>
+<p:sld xmlns:a="http://schemas.openxmlformats.org/drawingml/2006/main" xmlns:r="http://schemas.openxmlformats.org/officeDocument/2006/relationships" xmlns:p="http://schemas.openxmlformats.org/presentationml/2006/main">
+  <p:cSld>
+    <p:spTree>
+      <p:nvGrpSpPr>
+        <p:cNvPr id="1" name=""/>
+        <p:cNvGrpSpPr/>
+        <p:nvPr/>
+      </p:nvGrpSpPr>
+      <p:grpSpPr>
+        <a:xfrm>
+          <a:off x="0" y="0"/>
+          <a:ext cx="0" cy="0"/>
+          <a:chOff x="0" y="0"/>
+          <a:chExt cx="0" cy="0"/>
+        </a:xfrm>
+      </p:grpSpPr>
+      <p:sp>
+        <p:nvSpPr>
+          <p:cNvPr id="6" name="TextBox 5"/>
+          <p:cNvSpPr txBox="1"/>
+          <p:nvPr/>
+        </p:nvSpPr>
+        <p:spPr>
+          <a:xfrm>
+            <a:off x="0" y="190800"/>
+            <a:ext cx="295274" cy="276999"/>
+          </a:xfrm>
+          <a:prstGeom prst="rect">
+            <a:avLst/>
+          </a:prstGeom>
+          <a:noFill/>
+        </p:spPr>
+        <p:txBody>
+          <a:bodyPr wrap="none" rtlCol="0">
+            <a:spAutoFit/>
+          </a:bodyPr>
+          <a:lstStyle/>
+          <a:p>
+            <a:r>
+              <a:rPr lang="en-AU" sz="1200" b="1" dirty="0" smtClean="0">
+                <a:latin typeface="Arial" pitchFamily="34" charset="0"/>
+                <a:cs typeface="Arial" pitchFamily="34" charset="0"/>
+              </a:rPr>
+              <a:t>A</a:t>
+            </a:r>
+            <a:endParaRPr lang="en-AU" sz="1200" b="1" dirty="0">
+              <a:latin typeface="Arial" pitchFamily="34" charset="0"/>
+              <a:cs typeface="Arial" pitchFamily="34" charset="0"/>
+            </a:endParaRPr>
+          </a:p>
+        </p:txBody>
+      </p:sp>
+      <p:sp>
+        <p:nvSpPr>
+          <p:cNvPr id="7" name="TextBox 6"/>
+          <p:cNvSpPr txBox="1"/>
+          <p:nvPr/>
+        </p:nvSpPr>
+        <p:spPr>
+          <a:xfrm>
+            <a:off x="3060000" y="190800"/>
+            <a:ext cx="295274" cy="276999"/>
+          </a:xfrm>
+          <a:prstGeom prst="rect">
+            <a:avLst/>
+          </a:prstGeom>
+          <a:noFill/>
+        </p:spPr>
+        <p:txBody>
+          <a:bodyPr wrap="none" rtlCol="0">
+            <a:spAutoFit/>
+          </a:bodyPr>
+          <a:lstStyle/>
+          <a:p>
+            <a:r>
+              <a:rPr lang="en-AU" sz="1200" b="1" dirty="0">
+                <a:latin typeface="Arial" pitchFamily="34" charset="0"/>
+                <a:cs typeface="Arial" pitchFamily="34" charset="0"/>
+              </a:rPr>
+              <a:t>B</a:t>
+            </a:r>
+            <a:endParaRPr lang="en-AU" sz="1200" b="1" dirty="0">
+              <a:latin typeface="Arial" pitchFamily="34" charset="0"/>
+              <a:cs typeface="Arial" pitchFamily="34" charset="0"/>
+            </a:endParaRPr>
+          </a:p>
+        </p:txBody>
+      </p:sp>
+      <p:pic>
+        <p:nvPicPr>
+          <p:cNvPr id="1027" name="Picture 3"/>
+          <p:cNvPicPr>
+            <a:picLocks noChangeAspect="1" noChangeArrowheads="1"/>
+          </p:cNvPicPr>
+          <p:nvPr/>
+        </p:nvPicPr>
+        <p:blipFill rotWithShape="1">
+          <a:blip r:embed="rId2" cstate="print">
+            <a:extLst>
+              <a:ext uri="{28A0092B-C50C-407E-A947-70E740481C1C}">
+                <a14:useLocalDpi xmlns:a14="http://schemas.microsoft.com/office/drawing/2010/main" val="0"/>
+              </a:ext>
+            </a:extLst>
+          </a:blip>
+          <a:srcRect l="1205" t="7167" r="8434" b="2364"/>
+          <a:stretch/>
+        </p:blipFill>
+        <p:spPr bwMode="auto">
+          <a:xfrm>
+            <a:off x="179512" y="396000"/>
+            <a:ext cx="2700000" cy="3636000"/>
+          </a:xfrm>
+          <a:prstGeom prst="rect">
+            <a:avLst/>
+          </a:prstGeom>
+          <a:noFill/>
+          <a:ln>
+            <a:noFill/>
+          </a:ln>
+          <a:extLst>
+            <a:ext uri="{909E8E84-426E-40DD-AFC4-6F175D3DCCD1}">
+              <a14:hiddenFill xmlns:a14="http://schemas.microsoft.com/office/drawing/2010/main">
+                <a:solidFill>
+                  <a:schemeClr val="accent1"/>
+                </a:solidFill>
+              </a14:hiddenFill>
+            </a:ext>
+            <a:ext uri="{91240B29-F687-4F45-9708-019B960494DF}">
+              <a14:hiddenLine xmlns:a14="http://schemas.microsoft.com/office/drawing/2010/main" w="9525">
+                <a:solidFill>
+                  <a:schemeClr val="tx1"/>
+                </a:solidFill>
+                <a:miter lim="800000"/>
+                <a:headEnd/>
+                <a:tailEnd/>
+              </a14:hiddenLine>
+            </a:ext>
+          </a:extLst>
+        </p:spPr>
+      </p:pic>
+      <p:pic>
+        <p:nvPicPr>
+          <p:cNvPr id="1028" name="Picture 4"/>
+          <p:cNvPicPr>
+            <a:picLocks noChangeAspect="1" noChangeArrowheads="1"/>
+          </p:cNvPicPr>
+          <p:nvPr/>
+        </p:nvPicPr>
+        <p:blipFill rotWithShape="1">
+          <a:blip r:embed="rId3" cstate="print">
+            <a:extLst>
+              <a:ext uri="{28A0092B-C50C-407E-A947-70E740481C1C}">
+                <a14:useLocalDpi xmlns:a14="http://schemas.microsoft.com/office/drawing/2010/main" val="0"/>
+              </a:ext>
+            </a:extLst>
+          </a:blip>
+          <a:srcRect l="682" t="6851" r="8956" b="2681"/>
+          <a:stretch/>
+        </p:blipFill>
+        <p:spPr bwMode="auto">
+          <a:xfrm>
+            <a:off x="3240152" y="396000"/>
+            <a:ext cx="2700000" cy="3636000"/>
+          </a:xfrm>
+          <a:prstGeom prst="rect">
+            <a:avLst/>
+          </a:prstGeom>
+          <a:noFill/>
+          <a:ln>
+            <a:noFill/>
+          </a:ln>
+          <a:extLst>
+            <a:ext uri="{909E8E84-426E-40DD-AFC4-6F175D3DCCD1}">
+              <a14:hiddenFill xmlns:a14="http://schemas.microsoft.com/office/drawing/2010/main">
+                <a:solidFill>
+                  <a:schemeClr val="accent1"/>
+                </a:solidFill>
+              </a14:hiddenFill>
+            </a:ext>
+            <a:ext uri="{91240B29-F687-4F45-9708-019B960494DF}">
+              <a14:hiddenLine xmlns:a14="http://schemas.microsoft.com/office/drawing/2010/main" w="9525">
+                <a:solidFill>
+                  <a:schemeClr val="tx1"/>
+                </a:solidFill>
+                <a:miter lim="800000"/>
+                <a:headEnd/>
+                <a:tailEnd/>
+              </a14:hiddenLine>
+            </a:ext>
+          </a:extLst>
+        </p:spPr>
+      </p:pic>
+      <p:pic>
+        <p:nvPicPr>
+          <p:cNvPr id="12" name="Picture 8"/>
+          <p:cNvPicPr>
+            <a:picLocks noChangeAspect="1" noChangeArrowheads="1"/>
+          </p:cNvPicPr>
+          <p:nvPr/>
+        </p:nvPicPr>
+        <p:blipFill rotWithShape="1">
+          <a:blip r:embed="rId4" cstate="print">
+            <a:extLst>
+              <a:ext uri="{28A0092B-C50C-407E-A947-70E740481C1C}">
+                <a14:useLocalDpi xmlns:a14="http://schemas.microsoft.com/office/drawing/2010/main" val="0"/>
+              </a:ext>
+            </a:extLst>
+          </a:blip>
+          <a:srcRect l="591" t="2597" r="614" b="93814"/>
+          <a:stretch/>
+        </p:blipFill>
+        <p:spPr bwMode="auto">
+          <a:xfrm>
+            <a:off x="1584000" y="7200"/>
+            <a:ext cx="2952000" cy="144000"/>
+          </a:xfrm>
+          <a:prstGeom prst="rect">
+            <a:avLst/>
+          </a:prstGeom>
+          <a:noFill/>
+          <a:ln>
+            <a:noFill/>
+          </a:ln>
+          <a:extLst>
+            <a:ext uri="{909E8E84-426E-40DD-AFC4-6F175D3DCCD1}">
+              <a14:hiddenFill xmlns:a14="http://schemas.microsoft.com/office/drawing/2010/main">
+                <a:solidFill>
+                  <a:schemeClr val="accent1"/>
+                </a:solidFill>
+              </a14:hiddenFill>
+            </a:ext>
+            <a:ext uri="{91240B29-F687-4F45-9708-019B960494DF}">
+              <a14:hiddenLine xmlns:a14="http://schemas.microsoft.com/office/drawing/2010/main" w="9525">
+                <a:solidFill>
+                  <a:schemeClr val="tx1"/>
+                </a:solidFill>
+                <a:miter lim="800000"/>
+                <a:headEnd/>
+                <a:tailEnd/>
+              </a14:hiddenLine>
+            </a:ext>
+          </a:extLst>
+        </p:spPr>
+      </p:pic>
+    </p:spTree>
+    <p:extLst>
+      <p:ext uri="{BB962C8B-B14F-4D97-AF65-F5344CB8AC3E}">
+        <p14:creationId xmlns:p14="http://schemas.microsoft.com/office/powerpoint/2010/main" val="3663422132"/>
+      </p:ext>
+    </p:extLst>
+  </p:cSld>
+  <p:clrMapOvr>
+    <a:masterClrMapping/>
+  </p:clrMapOvr>
+  <p:timing>
+    <p:tnLst>
+      <p:par>
+        <p:cTn id="1" dur="indefinite" restart="never" nodeType="tmRoot"/>
+      </p:par>
+    </p:tnLst>
+  </p:timing>
+</p:sld>
+</file>
+
 <file path=ppt/slides/slide2.xml><?xml version="1.0" encoding="utf-8"?>
 <p:sld xmlns:a="http://schemas.openxmlformats.org/drawingml/2006/main" xmlns:r="http://schemas.openxmlformats.org/officeDocument/2006/relationships" xmlns:p="http://schemas.openxmlformats.org/presentationml/2006/main">
   <p:cSld>
@@ -6480,6 +15114,13 @@
   <p:clrMapOvr>
     <a:masterClrMapping/>
   </p:clrMapOvr>
+  <p:timing>
+    <p:tnLst>
+      <p:par>
+        <p:cTn id="1" dur="indefinite" restart="never" nodeType="tmRoot"/>
+      </p:par>
+    </p:tnLst>
+  </p:timing>
 </p:sld>
 </file>
 
@@ -11926,6 +20567,13 @@
   <p:clrMapOvr>
     <a:masterClrMapping/>
   </p:clrMapOvr>
+  <p:timing>
+    <p:tnLst>
+      <p:par>
+        <p:cTn id="1" dur="indefinite" restart="never" nodeType="tmRoot"/>
+      </p:par>
+    </p:tnLst>
+  </p:timing>
 </p:sld>
 </file>
 
@@ -15872,6 +24520,13 @@
   <p:clrMapOvr>
     <a:masterClrMapping/>
   </p:clrMapOvr>
+  <p:timing>
+    <p:tnLst>
+      <p:par>
+        <p:cTn id="1" dur="indefinite" restart="never" nodeType="tmRoot"/>
+      </p:par>
+    </p:tnLst>
+  </p:timing>
 </p:sld>
 </file>
 
@@ -20093,6 +28748,48 @@
 </p:tagLst>
 </file>
 
+<file path=ppt/tags/tag34.xml><?xml version="1.0" encoding="utf-8"?>
+<p:tagLst xmlns:a="http://schemas.openxmlformats.org/drawingml/2006/main" xmlns:r="http://schemas.openxmlformats.org/officeDocument/2006/relationships" xmlns:p="http://schemas.openxmlformats.org/presentationml/2006/main">
+  <p:tag name="LATEXADDIN" val="\documentclass{article}&#10;\usepackage{amsmath}&#10;\pagestyle{empty}&#10;\begin{document}&#10;&#10;$v_{\mathrm{p}}$&#10;&#10;&#10;\end{document}"/>
+  <p:tag name="IGUANATEXSIZE" val="10"/>
+</p:tagLst>
+</file>
+
+<file path=ppt/tags/tag35.xml><?xml version="1.0" encoding="utf-8"?>
+<p:tagLst xmlns:a="http://schemas.openxmlformats.org/drawingml/2006/main" xmlns:r="http://schemas.openxmlformats.org/officeDocument/2006/relationships" xmlns:p="http://schemas.openxmlformats.org/presentationml/2006/main">
+  <p:tag name="LATEXADDIN" val="\documentclass{article}&#10;\usepackage{amsmath}&#10;\pagestyle{empty}&#10;\begin{document}&#10;&#10;$v_{\mathrm{e}}$&#10;&#10;&#10;\end{document}"/>
+  <p:tag name="IGUANATEXSIZE" val="10"/>
+</p:tagLst>
+</file>
+
+<file path=ppt/tags/tag36.xml><?xml version="1.0" encoding="utf-8"?>
+<p:tagLst xmlns:a="http://schemas.openxmlformats.org/drawingml/2006/main" xmlns:r="http://schemas.openxmlformats.org/officeDocument/2006/relationships" xmlns:p="http://schemas.openxmlformats.org/presentationml/2006/main">
+  <p:tag name="LATEXADDIN" val="\documentclass{article}&#10;\usepackage{amsmath}&#10;\pagestyle{empty}&#10;\begin{document}&#10;&#10;$v_{\mathrm{fi}}$&#10;&#10;&#10;\end{document}"/>
+  <p:tag name="IGUANATEXSIZE" val="10"/>
+</p:tagLst>
+</file>
+
+<file path=ppt/tags/tag37.xml><?xml version="1.0" encoding="utf-8"?>
+<p:tagLst xmlns:a="http://schemas.openxmlformats.org/drawingml/2006/main" xmlns:r="http://schemas.openxmlformats.org/officeDocument/2006/relationships" xmlns:p="http://schemas.openxmlformats.org/presentationml/2006/main">
+  <p:tag name="LATEXADDIN" val="\documentclass{article}&#10;\usepackage{amsmath}&#10;\pagestyle{empty}&#10;\begin{document}&#10;&#10;$v_{\mathrm{si}}$&#10;&#10;&#10;\end{document}"/>
+  <p:tag name="IGUANATEXSIZE" val="10"/>
+</p:tagLst>
+</file>
+
+<file path=ppt/tags/tag38.xml><?xml version="1.0" encoding="utf-8"?>
+<p:tagLst xmlns:a="http://schemas.openxmlformats.org/drawingml/2006/main" xmlns:r="http://schemas.openxmlformats.org/officeDocument/2006/relationships" xmlns:p="http://schemas.openxmlformats.org/presentationml/2006/main">
+  <p:tag name="LATEXADDIN" val="\documentclass{article}&#10;\usepackage{amsmath}&#10;\pagestyle{empty}&#10;\begin{document}&#10;&#10;$c_{3}$&#10;&#10;&#10;\end{document}"/>
+  <p:tag name="IGUANATEXSIZE" val="10"/>
+</p:tagLst>
+</file>
+
+<file path=ppt/tags/tag39.xml><?xml version="1.0" encoding="utf-8"?>
+<p:tagLst xmlns:a="http://schemas.openxmlformats.org/drawingml/2006/main" xmlns:r="http://schemas.openxmlformats.org/officeDocument/2006/relationships" xmlns:p="http://schemas.openxmlformats.org/presentationml/2006/main">
+  <p:tag name="LATEXADDIN" val="\documentclass{article}&#10;\usepackage{amsmath}&#10;\pagestyle{empty}&#10;\begin{document}&#10;&#10;$c_{1}$&#10;&#10;&#10;\end{document}"/>
+  <p:tag name="IGUANATEXSIZE" val="10"/>
+</p:tagLst>
+</file>
+
 <file path=ppt/tags/tag4.xml><?xml version="1.0" encoding="utf-8"?>
 <p:tagLst xmlns:a="http://schemas.openxmlformats.org/drawingml/2006/main" xmlns:r="http://schemas.openxmlformats.org/officeDocument/2006/relationships" xmlns:p="http://schemas.openxmlformats.org/presentationml/2006/main">
   <p:tag name="LATEXADDIN" val="\documentclass{article}&#10;\usepackage{amsmath}&#10;\pagestyle{empty}&#10;\begin{document}&#10;&#10;$v_{\mathrm{si}}$&#10;&#10;&#10;\end{document}"/>
@@ -20100,9 +28797,121 @@
 </p:tagLst>
 </file>
 
+<file path=ppt/tags/tag40.xml><?xml version="1.0" encoding="utf-8"?>
+<p:tagLst xmlns:a="http://schemas.openxmlformats.org/drawingml/2006/main" xmlns:r="http://schemas.openxmlformats.org/officeDocument/2006/relationships" xmlns:p="http://schemas.openxmlformats.org/presentationml/2006/main">
+  <p:tag name="LATEXADDIN" val="\documentclass{article}&#10;\usepackage{amsmath}&#10;\pagestyle{empty}&#10;\begin{document}&#10;&#10;$c_{4}$&#10;&#10;&#10;\end{document}"/>
+  <p:tag name="IGUANATEXSIZE" val="10"/>
+</p:tagLst>
+</file>
+
+<file path=ppt/tags/tag41.xml><?xml version="1.0" encoding="utf-8"?>
+<p:tagLst xmlns:a="http://schemas.openxmlformats.org/drawingml/2006/main" xmlns:r="http://schemas.openxmlformats.org/officeDocument/2006/relationships" xmlns:p="http://schemas.openxmlformats.org/presentationml/2006/main">
+  <p:tag name="LATEXADDIN" val="\documentclass{article}&#10;\usepackage{amsmath}&#10;\pagestyle{empty}&#10;\begin{document}&#10;&#10;$c_{2}$&#10;&#10;&#10;\end{document}"/>
+  <p:tag name="IGUANATEXSIZE" val="10"/>
+</p:tagLst>
+</file>
+
+<file path=ppt/tags/tag42.xml><?xml version="1.0" encoding="utf-8"?>
+<p:tagLst xmlns:a="http://schemas.openxmlformats.org/drawingml/2006/main" xmlns:r="http://schemas.openxmlformats.org/officeDocument/2006/relationships" xmlns:p="http://schemas.openxmlformats.org/presentationml/2006/main">
+  <p:tag name="LATEXADDIN" val="\documentclass{article}&#10;\usepackage{amsmath}&#10;\pagestyle{empty}&#10;\begin{document}&#10;&#10;$c_{5}$&#10;&#10;&#10;\end{document}"/>
+  <p:tag name="IGUANATEXSIZE" val="10"/>
+</p:tagLst>
+</file>
+
+<file path=ppt/tags/tag43.xml><?xml version="1.0" encoding="utf-8"?>
+<p:tagLst xmlns:a="http://schemas.openxmlformats.org/drawingml/2006/main" xmlns:r="http://schemas.openxmlformats.org/officeDocument/2006/relationships" xmlns:p="http://schemas.openxmlformats.org/presentationml/2006/main">
+  <p:tag name="LATEXADDIN" val="\documentclass{article}&#10;\usepackage{amsmath}&#10;\pagestyle{empty}&#10;\begin{document}&#10;&#10;$c_{6}$&#10;&#10;&#10;\end{document}"/>
+  <p:tag name="IGUANATEXSIZE" val="10"/>
+</p:tagLst>
+</file>
+
+<file path=ppt/tags/tag44.xml><?xml version="1.0" encoding="utf-8"?>
+<p:tagLst xmlns:a="http://schemas.openxmlformats.org/drawingml/2006/main" xmlns:r="http://schemas.openxmlformats.org/officeDocument/2006/relationships" xmlns:p="http://schemas.openxmlformats.org/presentationml/2006/main">
+  <p:tag name="LATEXADDIN" val="\documentclass{article}&#10;\usepackage{amsmath}&#10;\pagestyle{empty}&#10;\begin{document}&#10;&#10;$c_{7}$&#10;&#10;&#10;\end{document}"/>
+  <p:tag name="IGUANATEXSIZE" val="10"/>
+</p:tagLst>
+</file>
+
+<file path=ppt/tags/tag45.xml><?xml version="1.0" encoding="utf-8"?>
+<p:tagLst xmlns:a="http://schemas.openxmlformats.org/drawingml/2006/main" xmlns:r="http://schemas.openxmlformats.org/officeDocument/2006/relationships" xmlns:p="http://schemas.openxmlformats.org/presentationml/2006/main">
+  <p:tag name="LATEXADDIN" val="\documentclass{article}&#10;\usepackage{amsmath}&#10;\pagestyle{empty}&#10;\begin{document}&#10;&#10;$v_{\mathrm{p}}$&#10;&#10;&#10;\end{document}"/>
+  <p:tag name="IGUANATEXSIZE" val="10"/>
+</p:tagLst>
+</file>
+
+<file path=ppt/tags/tag46.xml><?xml version="1.0" encoding="utf-8"?>
+<p:tagLst xmlns:a="http://schemas.openxmlformats.org/drawingml/2006/main" xmlns:r="http://schemas.openxmlformats.org/officeDocument/2006/relationships" xmlns:p="http://schemas.openxmlformats.org/presentationml/2006/main">
+  <p:tag name="LATEXADDIN" val="\documentclass{article}&#10;\usepackage{amsmath}&#10;\pagestyle{empty}&#10;\begin{document}&#10;&#10;$v_{\mathrm{e}}$&#10;&#10;&#10;\end{document}"/>
+  <p:tag name="IGUANATEXSIZE" val="10"/>
+</p:tagLst>
+</file>
+
+<file path=ppt/tags/tag47.xml><?xml version="1.0" encoding="utf-8"?>
+<p:tagLst xmlns:a="http://schemas.openxmlformats.org/drawingml/2006/main" xmlns:r="http://schemas.openxmlformats.org/officeDocument/2006/relationships" xmlns:p="http://schemas.openxmlformats.org/presentationml/2006/main">
+  <p:tag name="LATEXADDIN" val="\documentclass{article}&#10;\usepackage{amsmath}&#10;\pagestyle{empty}&#10;\begin{document}&#10;&#10;$v_{\mathrm{fi}}$&#10;&#10;&#10;\end{document}"/>
+  <p:tag name="IGUANATEXSIZE" val="10"/>
+</p:tagLst>
+</file>
+
+<file path=ppt/tags/tag48.xml><?xml version="1.0" encoding="utf-8"?>
+<p:tagLst xmlns:a="http://schemas.openxmlformats.org/drawingml/2006/main" xmlns:r="http://schemas.openxmlformats.org/officeDocument/2006/relationships" xmlns:p="http://schemas.openxmlformats.org/presentationml/2006/main">
+  <p:tag name="LATEXADDIN" val="\documentclass{article}&#10;\usepackage{amsmath}&#10;\pagestyle{empty}&#10;\begin{document}&#10;&#10;$v_{\mathrm{si}}$&#10;&#10;&#10;\end{document}"/>
+  <p:tag name="IGUANATEXSIZE" val="10"/>
+</p:tagLst>
+</file>
+
+<file path=ppt/tags/tag49.xml><?xml version="1.0" encoding="utf-8"?>
+<p:tagLst xmlns:a="http://schemas.openxmlformats.org/drawingml/2006/main" xmlns:r="http://schemas.openxmlformats.org/officeDocument/2006/relationships" xmlns:p="http://schemas.openxmlformats.org/presentationml/2006/main">
+  <p:tag name="LATEXADDIN" val="\documentclass{article}&#10;\usepackage{amsmath}&#10;\pagestyle{empty}&#10;\begin{document}&#10;&#10;$c_{3}$&#10;&#10;&#10;\end{document}"/>
+  <p:tag name="IGUANATEXSIZE" val="10"/>
+</p:tagLst>
+</file>
+
 <file path=ppt/tags/tag5.xml><?xml version="1.0" encoding="utf-8"?>
 <p:tagLst xmlns:a="http://schemas.openxmlformats.org/drawingml/2006/main" xmlns:r="http://schemas.openxmlformats.org/officeDocument/2006/relationships" xmlns:p="http://schemas.openxmlformats.org/presentationml/2006/main">
   <p:tag name="LATEXADDIN" val="\documentclass{article}&#10;\usepackage{amsmath}&#10;\pagestyle{empty}&#10;\begin{document}&#10;&#10;$c_{3}$&#10;&#10;&#10;\end{document}"/>
+  <p:tag name="IGUANATEXSIZE" val="10"/>
+</p:tagLst>
+</file>
+
+<file path=ppt/tags/tag50.xml><?xml version="1.0" encoding="utf-8"?>
+<p:tagLst xmlns:a="http://schemas.openxmlformats.org/drawingml/2006/main" xmlns:r="http://schemas.openxmlformats.org/officeDocument/2006/relationships" xmlns:p="http://schemas.openxmlformats.org/presentationml/2006/main">
+  <p:tag name="LATEXADDIN" val="\documentclass{article}&#10;\usepackage{amsmath}&#10;\pagestyle{empty}&#10;\begin{document}&#10;&#10;$c_{1}$&#10;&#10;&#10;\end{document}"/>
+  <p:tag name="IGUANATEXSIZE" val="10"/>
+</p:tagLst>
+</file>
+
+<file path=ppt/tags/tag51.xml><?xml version="1.0" encoding="utf-8"?>
+<p:tagLst xmlns:a="http://schemas.openxmlformats.org/drawingml/2006/main" xmlns:r="http://schemas.openxmlformats.org/officeDocument/2006/relationships" xmlns:p="http://schemas.openxmlformats.org/presentationml/2006/main">
+  <p:tag name="LATEXADDIN" val="\documentclass{article}&#10;\usepackage{amsmath}&#10;\pagestyle{empty}&#10;\begin{document}&#10;&#10;$c_{4}$&#10;&#10;&#10;\end{document}"/>
+  <p:tag name="IGUANATEXSIZE" val="10"/>
+</p:tagLst>
+</file>
+
+<file path=ppt/tags/tag52.xml><?xml version="1.0" encoding="utf-8"?>
+<p:tagLst xmlns:a="http://schemas.openxmlformats.org/drawingml/2006/main" xmlns:r="http://schemas.openxmlformats.org/officeDocument/2006/relationships" xmlns:p="http://schemas.openxmlformats.org/presentationml/2006/main">
+  <p:tag name="LATEXADDIN" val="\documentclass{article}&#10;\usepackage{amsmath}&#10;\pagestyle{empty}&#10;\begin{document}&#10;&#10;$c_{2}$&#10;&#10;&#10;\end{document}"/>
+  <p:tag name="IGUANATEXSIZE" val="10"/>
+</p:tagLst>
+</file>
+
+<file path=ppt/tags/tag53.xml><?xml version="1.0" encoding="utf-8"?>
+<p:tagLst xmlns:a="http://schemas.openxmlformats.org/drawingml/2006/main" xmlns:r="http://schemas.openxmlformats.org/officeDocument/2006/relationships" xmlns:p="http://schemas.openxmlformats.org/presentationml/2006/main">
+  <p:tag name="LATEXADDIN" val="\documentclass{article}&#10;\usepackage{amsmath}&#10;\pagestyle{empty}&#10;\begin{document}&#10;&#10;$c_{5}$&#10;&#10;&#10;\end{document}"/>
+  <p:tag name="IGUANATEXSIZE" val="10"/>
+</p:tagLst>
+</file>
+
+<file path=ppt/tags/tag54.xml><?xml version="1.0" encoding="utf-8"?>
+<p:tagLst xmlns:a="http://schemas.openxmlformats.org/drawingml/2006/main" xmlns:r="http://schemas.openxmlformats.org/officeDocument/2006/relationships" xmlns:p="http://schemas.openxmlformats.org/presentationml/2006/main">
+  <p:tag name="LATEXADDIN" val="\documentclass{article}&#10;\usepackage{amsmath}&#10;\pagestyle{empty}&#10;\begin{document}&#10;&#10;$c_{6}$&#10;&#10;&#10;\end{document}"/>
+  <p:tag name="IGUANATEXSIZE" val="10"/>
+</p:tagLst>
+</file>
+
+<file path=ppt/tags/tag55.xml><?xml version="1.0" encoding="utf-8"?>
+<p:tagLst xmlns:a="http://schemas.openxmlformats.org/drawingml/2006/main" xmlns:r="http://schemas.openxmlformats.org/officeDocument/2006/relationships" xmlns:p="http://schemas.openxmlformats.org/presentationml/2006/main">
+  <p:tag name="LATEXADDIN" val="\documentclass{article}&#10;\usepackage{amsmath}&#10;\pagestyle{empty}&#10;\begin{document}&#10;&#10;$c_{7}$&#10;&#10;&#10;\end{document}"/>
   <p:tag name="IGUANATEXSIZE" val="10"/>
 </p:tagLst>
 </file>
